--- a/XPlanningEvaluation/data/instruction/instruction.pptx
+++ b/XPlanningEvaluation/data/instruction/instruction.pptx
@@ -6,18 +6,20 @@
   </p:sldMasterIdLst>
   <p:sldIdLst>
     <p:sldId id="258" r:id="rId2"/>
-    <p:sldId id="271" r:id="rId3"/>
+    <p:sldId id="281" r:id="rId3"/>
     <p:sldId id="270" r:id="rId4"/>
     <p:sldId id="264" r:id="rId5"/>
     <p:sldId id="259" r:id="rId6"/>
     <p:sldId id="273" r:id="rId7"/>
-    <p:sldId id="268" r:id="rId8"/>
+    <p:sldId id="280" r:id="rId8"/>
     <p:sldId id="275" r:id="rId9"/>
     <p:sldId id="274" r:id="rId10"/>
     <p:sldId id="279" r:id="rId11"/>
     <p:sldId id="276" r:id="rId12"/>
-    <p:sldId id="277" r:id="rId13"/>
-    <p:sldId id="278" r:id="rId14"/>
+    <p:sldId id="282" r:id="rId13"/>
+    <p:sldId id="277" r:id="rId14"/>
+    <p:sldId id="283" r:id="rId15"/>
+    <p:sldId id="278" r:id="rId16"/>
   </p:sldIdLst>
   <p:sldSz cx="12192000" cy="6858000"/>
   <p:notesSz cx="6858000" cy="9144000"/>
@@ -3429,10 +3431,10 @@
       </p:pic>
       <p:sp>
         <p:nvSpPr>
-          <p:cNvPr id="14" name="Rectangle 13">
+          <p:cNvPr id="43" name="Rectangle 42">
             <a:extLst>
               <a:ext uri="{FF2B5EF4-FFF2-40B4-BE49-F238E27FC236}">
-                <a16:creationId xmlns:a16="http://schemas.microsoft.com/office/drawing/2014/main" id="{E99E36E7-0E61-714D-A83F-8EE37A9CB438}"/>
+                <a16:creationId xmlns:a16="http://schemas.microsoft.com/office/drawing/2014/main" id="{C5F5D59A-6A4B-CE48-98FD-4B0E23E848D5}"/>
               </a:ext>
             </a:extLst>
           </p:cNvPr>
@@ -3449,7 +3451,7 @@
           </a:prstGeom>
           <a:solidFill>
             <a:srgbClr val="92D050">
-              <a:alpha val="50196"/>
+              <a:alpha val="34902"/>
             </a:srgbClr>
           </a:solidFill>
           <a:ln>
@@ -3483,10 +3485,10 @@
       </p:sp>
       <p:sp>
         <p:nvSpPr>
-          <p:cNvPr id="15" name="Rectangle 14">
+          <p:cNvPr id="44" name="Rectangle 43">
             <a:extLst>
               <a:ext uri="{FF2B5EF4-FFF2-40B4-BE49-F238E27FC236}">
-                <a16:creationId xmlns:a16="http://schemas.microsoft.com/office/drawing/2014/main" id="{81ED0E72-9457-914C-A804-14193216C1FB}"/>
+                <a16:creationId xmlns:a16="http://schemas.microsoft.com/office/drawing/2014/main" id="{B26FF28D-4390-9942-8AD7-A8D75D85D8FF}"/>
               </a:ext>
             </a:extLst>
           </p:cNvPr>
@@ -3503,7 +3505,7 @@
           </a:prstGeom>
           <a:solidFill>
             <a:srgbClr val="FFFF00">
-              <a:alpha val="50196"/>
+              <a:alpha val="34902"/>
             </a:srgbClr>
           </a:solidFill>
           <a:ln>
@@ -3537,10 +3539,10 @@
       </p:sp>
       <p:sp>
         <p:nvSpPr>
-          <p:cNvPr id="16" name="Rectangle 15">
+          <p:cNvPr id="45" name="Rectangle 44">
             <a:extLst>
               <a:ext uri="{FF2B5EF4-FFF2-40B4-BE49-F238E27FC236}">
-                <a16:creationId xmlns:a16="http://schemas.microsoft.com/office/drawing/2014/main" id="{2715C3E9-111E-F843-AAE8-E471C5F02851}"/>
+                <a16:creationId xmlns:a16="http://schemas.microsoft.com/office/drawing/2014/main" id="{36B62ACB-104C-A342-A260-0A39432723B5}"/>
               </a:ext>
             </a:extLst>
           </p:cNvPr>
@@ -3557,7 +3559,7 @@
           </a:prstGeom>
           <a:solidFill>
             <a:srgbClr val="FF0000">
-              <a:alpha val="50196"/>
+              <a:alpha val="34902"/>
             </a:srgbClr>
           </a:solidFill>
           <a:ln>
@@ -3591,10 +3593,10 @@
       </p:sp>
       <p:sp>
         <p:nvSpPr>
-          <p:cNvPr id="17" name="Rectangle 16">
+          <p:cNvPr id="46" name="Rectangle 45">
             <a:extLst>
               <a:ext uri="{FF2B5EF4-FFF2-40B4-BE49-F238E27FC236}">
-                <a16:creationId xmlns:a16="http://schemas.microsoft.com/office/drawing/2014/main" id="{9582E5A6-3772-D248-AFC0-E95A8B1B3AA2}"/>
+                <a16:creationId xmlns:a16="http://schemas.microsoft.com/office/drawing/2014/main" id="{4F1E5B9B-B9C5-1442-A2DD-AB84C4C66A62}"/>
               </a:ext>
             </a:extLst>
           </p:cNvPr>
@@ -3611,7 +3613,7 @@
           </a:prstGeom>
           <a:solidFill>
             <a:srgbClr val="92D050">
-              <a:alpha val="50196"/>
+              <a:alpha val="34902"/>
             </a:srgbClr>
           </a:solidFill>
           <a:ln>
@@ -6075,6 +6077,1215 @@
           <a:chExt cx="0" cy="0"/>
         </a:xfrm>
       </p:grpSpPr>
+      <p:pic>
+        <p:nvPicPr>
+          <p:cNvPr id="2" name="Picture 1">
+            <a:extLst>
+              <a:ext uri="{FF2B5EF4-FFF2-40B4-BE49-F238E27FC236}">
+                <a16:creationId xmlns:a16="http://schemas.microsoft.com/office/drawing/2014/main" id="{1F29CBBD-0258-F442-8CFE-F09FFE818D11}"/>
+              </a:ext>
+            </a:extLst>
+          </p:cNvPr>
+          <p:cNvPicPr>
+            <a:picLocks noChangeAspect="1"/>
+          </p:cNvPicPr>
+          <p:nvPr/>
+        </p:nvPicPr>
+        <p:blipFill rotWithShape="1">
+          <a:blip r:embed="rId2"/>
+          <a:srcRect t="8798" r="51455" b="56701"/>
+          <a:stretch/>
+        </p:blipFill>
+        <p:spPr>
+          <a:xfrm>
+            <a:off x="330837" y="1416744"/>
+            <a:ext cx="6645135" cy="3657600"/>
+          </a:xfrm>
+          <a:prstGeom prst="rect">
+            <a:avLst/>
+          </a:prstGeom>
+        </p:spPr>
+      </p:pic>
+      <p:sp>
+        <p:nvSpPr>
+          <p:cNvPr id="27" name="Rectangle 26">
+            <a:extLst>
+              <a:ext uri="{FF2B5EF4-FFF2-40B4-BE49-F238E27FC236}">
+                <a16:creationId xmlns:a16="http://schemas.microsoft.com/office/drawing/2014/main" id="{DCA6A5F9-3F4B-1646-A799-2156425C94FD}"/>
+              </a:ext>
+            </a:extLst>
+          </p:cNvPr>
+          <p:cNvSpPr/>
+          <p:nvPr/>
+        </p:nvSpPr>
+        <p:spPr>
+          <a:xfrm>
+            <a:off x="5895327" y="1416744"/>
+            <a:ext cx="1160009" cy="3142556"/>
+          </a:xfrm>
+          <a:prstGeom prst="rect">
+            <a:avLst/>
+          </a:prstGeom>
+          <a:solidFill>
+            <a:srgbClr val="92D050">
+              <a:alpha val="34902"/>
+            </a:srgbClr>
+          </a:solidFill>
+          <a:ln>
+            <a:prstDash val="lgDash"/>
+          </a:ln>
+        </p:spPr>
+        <p:style>
+          <a:lnRef idx="2">
+            <a:schemeClr val="accent1">
+              <a:shade val="50000"/>
+            </a:schemeClr>
+          </a:lnRef>
+          <a:fillRef idx="1">
+            <a:schemeClr val="accent1"/>
+          </a:fillRef>
+          <a:effectRef idx="0">
+            <a:schemeClr val="accent1"/>
+          </a:effectRef>
+          <a:fontRef idx="minor">
+            <a:schemeClr val="lt1"/>
+          </a:fontRef>
+        </p:style>
+        <p:txBody>
+          <a:bodyPr rtlCol="0" anchor="ctr"/>
+          <a:lstStyle/>
+          <a:p>
+            <a:pPr algn="ctr"/>
+            <a:endParaRPr lang="en-US"/>
+          </a:p>
+        </p:txBody>
+      </p:sp>
+      <p:sp>
+        <p:nvSpPr>
+          <p:cNvPr id="28" name="Rectangle 27">
+            <a:extLst>
+              <a:ext uri="{FF2B5EF4-FFF2-40B4-BE49-F238E27FC236}">
+                <a16:creationId xmlns:a16="http://schemas.microsoft.com/office/drawing/2014/main" id="{D300A9F6-444A-5740-A0A2-80728A33857D}"/>
+              </a:ext>
+            </a:extLst>
+          </p:cNvPr>
+          <p:cNvSpPr/>
+          <p:nvPr/>
+        </p:nvSpPr>
+        <p:spPr>
+          <a:xfrm>
+            <a:off x="330837" y="1816100"/>
+            <a:ext cx="2142739" cy="2743200"/>
+          </a:xfrm>
+          <a:prstGeom prst="rect">
+            <a:avLst/>
+          </a:prstGeom>
+          <a:solidFill>
+            <a:srgbClr val="FFFF00">
+              <a:alpha val="34902"/>
+            </a:srgbClr>
+          </a:solidFill>
+          <a:ln>
+            <a:prstDash val="lgDash"/>
+          </a:ln>
+        </p:spPr>
+        <p:style>
+          <a:lnRef idx="2">
+            <a:schemeClr val="accent1">
+              <a:shade val="50000"/>
+            </a:schemeClr>
+          </a:lnRef>
+          <a:fillRef idx="1">
+            <a:schemeClr val="accent1"/>
+          </a:fillRef>
+          <a:effectRef idx="0">
+            <a:schemeClr val="accent1"/>
+          </a:effectRef>
+          <a:fontRef idx="minor">
+            <a:schemeClr val="lt1"/>
+          </a:fontRef>
+        </p:style>
+        <p:txBody>
+          <a:bodyPr rtlCol="0" anchor="ctr"/>
+          <a:lstStyle/>
+          <a:p>
+            <a:pPr algn="ctr"/>
+            <a:endParaRPr lang="en-US"/>
+          </a:p>
+        </p:txBody>
+      </p:sp>
+      <p:sp>
+        <p:nvSpPr>
+          <p:cNvPr id="43" name="Rectangle 42">
+            <a:extLst>
+              <a:ext uri="{FF2B5EF4-FFF2-40B4-BE49-F238E27FC236}">
+                <a16:creationId xmlns:a16="http://schemas.microsoft.com/office/drawing/2014/main" id="{DD1983E1-AA3B-9D40-9FA4-EAEC8FFCD22B}"/>
+              </a:ext>
+            </a:extLst>
+          </p:cNvPr>
+          <p:cNvSpPr/>
+          <p:nvPr/>
+        </p:nvSpPr>
+        <p:spPr>
+          <a:xfrm>
+            <a:off x="2557472" y="3149600"/>
+            <a:ext cx="3253187" cy="1409700"/>
+          </a:xfrm>
+          <a:prstGeom prst="rect">
+            <a:avLst/>
+          </a:prstGeom>
+          <a:solidFill>
+            <a:srgbClr val="FF0000">
+              <a:alpha val="34902"/>
+            </a:srgbClr>
+          </a:solidFill>
+          <a:ln>
+            <a:prstDash val="lgDash"/>
+          </a:ln>
+        </p:spPr>
+        <p:style>
+          <a:lnRef idx="2">
+            <a:schemeClr val="accent1">
+              <a:shade val="50000"/>
+            </a:schemeClr>
+          </a:lnRef>
+          <a:fillRef idx="1">
+            <a:schemeClr val="accent1"/>
+          </a:fillRef>
+          <a:effectRef idx="0">
+            <a:schemeClr val="accent1"/>
+          </a:effectRef>
+          <a:fontRef idx="minor">
+            <a:schemeClr val="lt1"/>
+          </a:fontRef>
+        </p:style>
+        <p:txBody>
+          <a:bodyPr rtlCol="0" anchor="ctr"/>
+          <a:lstStyle/>
+          <a:p>
+            <a:pPr algn="ctr"/>
+            <a:endParaRPr lang="en-US"/>
+          </a:p>
+        </p:txBody>
+      </p:sp>
+      <p:sp>
+        <p:nvSpPr>
+          <p:cNvPr id="44" name="Rectangle 43">
+            <a:extLst>
+              <a:ext uri="{FF2B5EF4-FFF2-40B4-BE49-F238E27FC236}">
+                <a16:creationId xmlns:a16="http://schemas.microsoft.com/office/drawing/2014/main" id="{94D7053F-F2D1-B241-A6CA-3F8CBE480C2A}"/>
+              </a:ext>
+            </a:extLst>
+          </p:cNvPr>
+          <p:cNvSpPr/>
+          <p:nvPr/>
+        </p:nvSpPr>
+        <p:spPr>
+          <a:xfrm>
+            <a:off x="2557473" y="1816100"/>
+            <a:ext cx="3253186" cy="1275656"/>
+          </a:xfrm>
+          <a:prstGeom prst="rect">
+            <a:avLst/>
+          </a:prstGeom>
+          <a:solidFill>
+            <a:srgbClr val="92D050">
+              <a:alpha val="34902"/>
+            </a:srgbClr>
+          </a:solidFill>
+          <a:ln>
+            <a:prstDash val="lgDash"/>
+          </a:ln>
+        </p:spPr>
+        <p:style>
+          <a:lnRef idx="2">
+            <a:schemeClr val="accent1">
+              <a:shade val="50000"/>
+            </a:schemeClr>
+          </a:lnRef>
+          <a:fillRef idx="1">
+            <a:schemeClr val="accent1"/>
+          </a:fillRef>
+          <a:effectRef idx="0">
+            <a:schemeClr val="accent1"/>
+          </a:effectRef>
+          <a:fontRef idx="minor">
+            <a:schemeClr val="lt1"/>
+          </a:fontRef>
+        </p:style>
+        <p:txBody>
+          <a:bodyPr rtlCol="0" anchor="ctr"/>
+          <a:lstStyle/>
+          <a:p>
+            <a:pPr algn="ctr"/>
+            <a:endParaRPr lang="en-US"/>
+          </a:p>
+        </p:txBody>
+      </p:sp>
+      <p:sp>
+        <p:nvSpPr>
+          <p:cNvPr id="5" name="5-Point Star 4">
+            <a:extLst>
+              <a:ext uri="{FF2B5EF4-FFF2-40B4-BE49-F238E27FC236}">
+                <a16:creationId xmlns:a16="http://schemas.microsoft.com/office/drawing/2014/main" id="{8DB8F06C-CAE0-2E42-8AF0-1EE4A7F4EB3C}"/>
+              </a:ext>
+            </a:extLst>
+          </p:cNvPr>
+          <p:cNvSpPr>
+            <a:spLocks noChangeAspect="1"/>
+          </p:cNvSpPr>
+          <p:nvPr/>
+        </p:nvSpPr>
+        <p:spPr>
+          <a:xfrm>
+            <a:off x="6509841" y="3562146"/>
+            <a:ext cx="365760" cy="365760"/>
+          </a:xfrm>
+          <a:prstGeom prst="star5">
+            <a:avLst/>
+          </a:prstGeom>
+          <a:solidFill>
+            <a:srgbClr val="00B0F0"/>
+          </a:solidFill>
+          <a:ln>
+            <a:solidFill>
+              <a:schemeClr val="accent1">
+                <a:lumMod val="50000"/>
+              </a:schemeClr>
+            </a:solidFill>
+          </a:ln>
+        </p:spPr>
+        <p:style>
+          <a:lnRef idx="2">
+            <a:schemeClr val="accent1">
+              <a:shade val="50000"/>
+            </a:schemeClr>
+          </a:lnRef>
+          <a:fillRef idx="1">
+            <a:schemeClr val="accent1"/>
+          </a:fillRef>
+          <a:effectRef idx="0">
+            <a:schemeClr val="accent1"/>
+          </a:effectRef>
+          <a:fontRef idx="minor">
+            <a:schemeClr val="lt1"/>
+          </a:fontRef>
+        </p:style>
+        <p:txBody>
+          <a:bodyPr rtlCol="0" anchor="ctr"/>
+          <a:lstStyle/>
+          <a:p>
+            <a:pPr algn="ctr"/>
+            <a:endParaRPr lang="en-US"/>
+          </a:p>
+        </p:txBody>
+      </p:sp>
+      <p:pic>
+        <p:nvPicPr>
+          <p:cNvPr id="7" name="Picture 6">
+            <a:extLst>
+              <a:ext uri="{FF2B5EF4-FFF2-40B4-BE49-F238E27FC236}">
+                <a16:creationId xmlns:a16="http://schemas.microsoft.com/office/drawing/2014/main" id="{D8704B35-6893-B641-8C03-8B09F5F278B9}"/>
+              </a:ext>
+            </a:extLst>
+          </p:cNvPr>
+          <p:cNvPicPr>
+            <a:picLocks noChangeAspect="1"/>
+          </p:cNvPicPr>
+          <p:nvPr/>
+        </p:nvPicPr>
+        <p:blipFill rotWithShape="1">
+          <a:blip r:embed="rId3"/>
+          <a:srcRect l="26302" t="1905" r="24095"/>
+          <a:stretch/>
+        </p:blipFill>
+        <p:spPr>
+          <a:xfrm>
+            <a:off x="1087452" y="3287826"/>
+            <a:ext cx="431549" cy="640080"/>
+          </a:xfrm>
+          <a:prstGeom prst="rect">
+            <a:avLst/>
+          </a:prstGeom>
+        </p:spPr>
+      </p:pic>
+      <p:sp>
+        <p:nvSpPr>
+          <p:cNvPr id="8" name="TextBox 7">
+            <a:extLst>
+              <a:ext uri="{FF2B5EF4-FFF2-40B4-BE49-F238E27FC236}">
+                <a16:creationId xmlns:a16="http://schemas.microsoft.com/office/drawing/2014/main" id="{08CC7DEB-706C-6A41-8E41-F8DE7CD2686D}"/>
+              </a:ext>
+            </a:extLst>
+          </p:cNvPr>
+          <p:cNvSpPr txBox="1"/>
+          <p:nvPr/>
+        </p:nvSpPr>
+        <p:spPr>
+          <a:xfrm>
+            <a:off x="987083" y="3973626"/>
+            <a:ext cx="632289" cy="369332"/>
+          </a:xfrm>
+          <a:prstGeom prst="rect">
+            <a:avLst/>
+          </a:prstGeom>
+          <a:noFill/>
+        </p:spPr>
+        <p:txBody>
+          <a:bodyPr wrap="none" rtlCol="0">
+            <a:spAutoFit/>
+          </a:bodyPr>
+          <a:lstStyle/>
+          <a:p>
+            <a:r>
+              <a:rPr lang="en-US" dirty="0"/>
+              <a:t>Start</a:t>
+            </a:r>
+          </a:p>
+        </p:txBody>
+      </p:sp>
+      <p:sp>
+        <p:nvSpPr>
+          <p:cNvPr id="9" name="TextBox 8">
+            <a:extLst>
+              <a:ext uri="{FF2B5EF4-FFF2-40B4-BE49-F238E27FC236}">
+                <a16:creationId xmlns:a16="http://schemas.microsoft.com/office/drawing/2014/main" id="{F3BE6089-08BE-A544-A310-02A323F0D7C6}"/>
+              </a:ext>
+            </a:extLst>
+          </p:cNvPr>
+          <p:cNvSpPr txBox="1"/>
+          <p:nvPr/>
+        </p:nvSpPr>
+        <p:spPr>
+          <a:xfrm>
+            <a:off x="6975972" y="3607866"/>
+            <a:ext cx="615874" cy="369332"/>
+          </a:xfrm>
+          <a:prstGeom prst="rect">
+            <a:avLst/>
+          </a:prstGeom>
+          <a:noFill/>
+        </p:spPr>
+        <p:txBody>
+          <a:bodyPr wrap="none" rtlCol="0">
+            <a:spAutoFit/>
+          </a:bodyPr>
+          <a:lstStyle/>
+          <a:p>
+            <a:r>
+              <a:rPr lang="en-US" dirty="0"/>
+              <a:t>Goal</a:t>
+            </a:r>
+          </a:p>
+        </p:txBody>
+      </p:sp>
+      <p:grpSp>
+        <p:nvGrpSpPr>
+          <p:cNvPr id="29" name="Group 28">
+            <a:extLst>
+              <a:ext uri="{FF2B5EF4-FFF2-40B4-BE49-F238E27FC236}">
+                <a16:creationId xmlns:a16="http://schemas.microsoft.com/office/drawing/2014/main" id="{945AC44F-3A4A-964E-896C-E2635B586145}"/>
+              </a:ext>
+            </a:extLst>
+          </p:cNvPr>
+          <p:cNvGrpSpPr/>
+          <p:nvPr/>
+        </p:nvGrpSpPr>
+        <p:grpSpPr>
+          <a:xfrm>
+            <a:off x="4734878" y="2249569"/>
+            <a:ext cx="365760" cy="295041"/>
+            <a:chOff x="7803055" y="2574583"/>
+            <a:chExt cx="365760" cy="295041"/>
+          </a:xfrm>
+        </p:grpSpPr>
+        <p:sp>
+          <p:nvSpPr>
+            <p:cNvPr id="30" name="Cube 29">
+              <a:extLst>
+                <a:ext uri="{FF2B5EF4-FFF2-40B4-BE49-F238E27FC236}">
+                  <a16:creationId xmlns:a16="http://schemas.microsoft.com/office/drawing/2014/main" id="{96DFDCE3-23E6-8D40-A7CB-733FF2463432}"/>
+                </a:ext>
+              </a:extLst>
+            </p:cNvPr>
+            <p:cNvSpPr>
+              <a:spLocks noChangeAspect="1"/>
+            </p:cNvSpPr>
+            <p:nvPr/>
+          </p:nvSpPr>
+          <p:spPr>
+            <a:xfrm>
+              <a:off x="7803055" y="2686744"/>
+              <a:ext cx="182880" cy="182880"/>
+            </a:xfrm>
+            <a:prstGeom prst="cube">
+              <a:avLst/>
+            </a:prstGeom>
+            <a:solidFill>
+              <a:schemeClr val="accent4">
+                <a:lumMod val="75000"/>
+              </a:schemeClr>
+            </a:solidFill>
+            <a:ln>
+              <a:solidFill>
+                <a:schemeClr val="tx1"/>
+              </a:solidFill>
+            </a:ln>
+          </p:spPr>
+          <p:style>
+            <a:lnRef idx="2">
+              <a:schemeClr val="accent1">
+                <a:shade val="50000"/>
+              </a:schemeClr>
+            </a:lnRef>
+            <a:fillRef idx="1">
+              <a:schemeClr val="accent1"/>
+            </a:fillRef>
+            <a:effectRef idx="0">
+              <a:schemeClr val="accent1"/>
+            </a:effectRef>
+            <a:fontRef idx="minor">
+              <a:schemeClr val="lt1"/>
+            </a:fontRef>
+          </p:style>
+          <p:txBody>
+            <a:bodyPr rtlCol="0" anchor="ctr"/>
+            <a:lstStyle/>
+            <a:p>
+              <a:pPr algn="ctr"/>
+              <a:endParaRPr lang="en-US"/>
+            </a:p>
+          </p:txBody>
+        </p:sp>
+        <p:sp>
+          <p:nvSpPr>
+            <p:cNvPr id="31" name="Cube 30">
+              <a:extLst>
+                <a:ext uri="{FF2B5EF4-FFF2-40B4-BE49-F238E27FC236}">
+                  <a16:creationId xmlns:a16="http://schemas.microsoft.com/office/drawing/2014/main" id="{2452ABB4-7EA2-7140-A43F-EF130FCA38C9}"/>
+                </a:ext>
+              </a:extLst>
+            </p:cNvPr>
+            <p:cNvSpPr>
+              <a:spLocks noChangeAspect="1"/>
+            </p:cNvSpPr>
+            <p:nvPr/>
+          </p:nvSpPr>
+          <p:spPr>
+            <a:xfrm>
+              <a:off x="7985935" y="2686744"/>
+              <a:ext cx="182880" cy="182880"/>
+            </a:xfrm>
+            <a:prstGeom prst="cube">
+              <a:avLst/>
+            </a:prstGeom>
+            <a:solidFill>
+              <a:schemeClr val="accent4">
+                <a:lumMod val="75000"/>
+              </a:schemeClr>
+            </a:solidFill>
+            <a:ln>
+              <a:solidFill>
+                <a:schemeClr val="tx1"/>
+              </a:solidFill>
+            </a:ln>
+          </p:spPr>
+          <p:style>
+            <a:lnRef idx="2">
+              <a:schemeClr val="accent1">
+                <a:shade val="50000"/>
+              </a:schemeClr>
+            </a:lnRef>
+            <a:fillRef idx="1">
+              <a:schemeClr val="accent1"/>
+            </a:fillRef>
+            <a:effectRef idx="0">
+              <a:schemeClr val="accent1"/>
+            </a:effectRef>
+            <a:fontRef idx="minor">
+              <a:schemeClr val="lt1"/>
+            </a:fontRef>
+          </p:style>
+          <p:txBody>
+            <a:bodyPr rtlCol="0" anchor="ctr"/>
+            <a:lstStyle/>
+            <a:p>
+              <a:pPr algn="ctr"/>
+              <a:endParaRPr lang="en-US"/>
+            </a:p>
+          </p:txBody>
+        </p:sp>
+        <p:sp>
+          <p:nvSpPr>
+            <p:cNvPr id="32" name="Cube 31">
+              <a:extLst>
+                <a:ext uri="{FF2B5EF4-FFF2-40B4-BE49-F238E27FC236}">
+                  <a16:creationId xmlns:a16="http://schemas.microsoft.com/office/drawing/2014/main" id="{AF01632A-E832-2045-A20A-5C5442C749E1}"/>
+                </a:ext>
+              </a:extLst>
+            </p:cNvPr>
+            <p:cNvSpPr>
+              <a:spLocks noChangeAspect="1"/>
+            </p:cNvSpPr>
+            <p:nvPr/>
+          </p:nvSpPr>
+          <p:spPr>
+            <a:xfrm>
+              <a:off x="7803055" y="2574583"/>
+              <a:ext cx="182880" cy="182880"/>
+            </a:xfrm>
+            <a:prstGeom prst="cube">
+              <a:avLst/>
+            </a:prstGeom>
+            <a:solidFill>
+              <a:schemeClr val="accent4">
+                <a:lumMod val="75000"/>
+              </a:schemeClr>
+            </a:solidFill>
+            <a:ln>
+              <a:solidFill>
+                <a:schemeClr val="tx1"/>
+              </a:solidFill>
+            </a:ln>
+          </p:spPr>
+          <p:style>
+            <a:lnRef idx="2">
+              <a:schemeClr val="accent1">
+                <a:shade val="50000"/>
+              </a:schemeClr>
+            </a:lnRef>
+            <a:fillRef idx="1">
+              <a:schemeClr val="accent1"/>
+            </a:fillRef>
+            <a:effectRef idx="0">
+              <a:schemeClr val="accent1"/>
+            </a:effectRef>
+            <a:fontRef idx="minor">
+              <a:schemeClr val="lt1"/>
+            </a:fontRef>
+          </p:style>
+          <p:txBody>
+            <a:bodyPr rtlCol="0" anchor="ctr"/>
+            <a:lstStyle/>
+            <a:p>
+              <a:pPr algn="ctr"/>
+              <a:endParaRPr lang="en-US"/>
+            </a:p>
+          </p:txBody>
+        </p:sp>
+        <p:sp>
+          <p:nvSpPr>
+            <p:cNvPr id="33" name="Cube 32">
+              <a:extLst>
+                <a:ext uri="{FF2B5EF4-FFF2-40B4-BE49-F238E27FC236}">
+                  <a16:creationId xmlns:a16="http://schemas.microsoft.com/office/drawing/2014/main" id="{128ED6E3-8E56-E447-8CE7-3516B4405433}"/>
+                </a:ext>
+              </a:extLst>
+            </p:cNvPr>
+            <p:cNvSpPr>
+              <a:spLocks noChangeAspect="1"/>
+            </p:cNvSpPr>
+            <p:nvPr/>
+          </p:nvSpPr>
+          <p:spPr>
+            <a:xfrm>
+              <a:off x="7985935" y="2574583"/>
+              <a:ext cx="182880" cy="182880"/>
+            </a:xfrm>
+            <a:prstGeom prst="cube">
+              <a:avLst/>
+            </a:prstGeom>
+            <a:solidFill>
+              <a:schemeClr val="accent4">
+                <a:lumMod val="75000"/>
+              </a:schemeClr>
+            </a:solidFill>
+            <a:ln>
+              <a:solidFill>
+                <a:schemeClr val="tx1"/>
+              </a:solidFill>
+            </a:ln>
+          </p:spPr>
+          <p:style>
+            <a:lnRef idx="2">
+              <a:schemeClr val="accent1">
+                <a:shade val="50000"/>
+              </a:schemeClr>
+            </a:lnRef>
+            <a:fillRef idx="1">
+              <a:schemeClr val="accent1"/>
+            </a:fillRef>
+            <a:effectRef idx="0">
+              <a:schemeClr val="accent1"/>
+            </a:effectRef>
+            <a:fontRef idx="minor">
+              <a:schemeClr val="lt1"/>
+            </a:fontRef>
+          </p:style>
+          <p:txBody>
+            <a:bodyPr rtlCol="0" anchor="ctr"/>
+            <a:lstStyle/>
+            <a:p>
+              <a:pPr algn="ctr"/>
+              <a:endParaRPr lang="en-US"/>
+            </a:p>
+          </p:txBody>
+        </p:sp>
+      </p:grpSp>
+      <p:grpSp>
+        <p:nvGrpSpPr>
+          <p:cNvPr id="34" name="Group 33">
+            <a:extLst>
+              <a:ext uri="{FF2B5EF4-FFF2-40B4-BE49-F238E27FC236}">
+                <a16:creationId xmlns:a16="http://schemas.microsoft.com/office/drawing/2014/main" id="{2055007A-674C-DB4E-8011-5D5513A5E9EC}"/>
+              </a:ext>
+            </a:extLst>
+          </p:cNvPr>
+          <p:cNvGrpSpPr/>
+          <p:nvPr/>
+        </p:nvGrpSpPr>
+        <p:grpSpPr>
+          <a:xfrm>
+            <a:off x="3141772" y="3527959"/>
+            <a:ext cx="731520" cy="295041"/>
+            <a:chOff x="9699621" y="3380438"/>
+            <a:chExt cx="731520" cy="295041"/>
+          </a:xfrm>
+        </p:grpSpPr>
+        <p:sp>
+          <p:nvSpPr>
+            <p:cNvPr id="35" name="Cube 34">
+              <a:extLst>
+                <a:ext uri="{FF2B5EF4-FFF2-40B4-BE49-F238E27FC236}">
+                  <a16:creationId xmlns:a16="http://schemas.microsoft.com/office/drawing/2014/main" id="{D2EA7953-1EA2-7045-A80D-9AD61413EBF4}"/>
+                </a:ext>
+              </a:extLst>
+            </p:cNvPr>
+            <p:cNvSpPr>
+              <a:spLocks noChangeAspect="1"/>
+            </p:cNvSpPr>
+            <p:nvPr/>
+          </p:nvSpPr>
+          <p:spPr>
+            <a:xfrm>
+              <a:off x="9882501" y="3492599"/>
+              <a:ext cx="182880" cy="182880"/>
+            </a:xfrm>
+            <a:prstGeom prst="cube">
+              <a:avLst/>
+            </a:prstGeom>
+            <a:solidFill>
+              <a:schemeClr val="accent4">
+                <a:lumMod val="75000"/>
+              </a:schemeClr>
+            </a:solidFill>
+            <a:ln>
+              <a:solidFill>
+                <a:schemeClr val="tx1"/>
+              </a:solidFill>
+            </a:ln>
+          </p:spPr>
+          <p:style>
+            <a:lnRef idx="2">
+              <a:schemeClr val="accent1">
+                <a:shade val="50000"/>
+              </a:schemeClr>
+            </a:lnRef>
+            <a:fillRef idx="1">
+              <a:schemeClr val="accent1"/>
+            </a:fillRef>
+            <a:effectRef idx="0">
+              <a:schemeClr val="accent1"/>
+            </a:effectRef>
+            <a:fontRef idx="minor">
+              <a:schemeClr val="lt1"/>
+            </a:fontRef>
+          </p:style>
+          <p:txBody>
+            <a:bodyPr rtlCol="0" anchor="ctr"/>
+            <a:lstStyle/>
+            <a:p>
+              <a:pPr algn="ctr"/>
+              <a:endParaRPr lang="en-US"/>
+            </a:p>
+          </p:txBody>
+        </p:sp>
+        <p:sp>
+          <p:nvSpPr>
+            <p:cNvPr id="36" name="Cube 35">
+              <a:extLst>
+                <a:ext uri="{FF2B5EF4-FFF2-40B4-BE49-F238E27FC236}">
+                  <a16:creationId xmlns:a16="http://schemas.microsoft.com/office/drawing/2014/main" id="{71659991-1340-8047-872D-586003A087EC}"/>
+                </a:ext>
+              </a:extLst>
+            </p:cNvPr>
+            <p:cNvSpPr>
+              <a:spLocks noChangeAspect="1"/>
+            </p:cNvSpPr>
+            <p:nvPr/>
+          </p:nvSpPr>
+          <p:spPr>
+            <a:xfrm>
+              <a:off x="10065381" y="3492599"/>
+              <a:ext cx="182880" cy="182880"/>
+            </a:xfrm>
+            <a:prstGeom prst="cube">
+              <a:avLst/>
+            </a:prstGeom>
+            <a:solidFill>
+              <a:schemeClr val="accent4">
+                <a:lumMod val="75000"/>
+              </a:schemeClr>
+            </a:solidFill>
+            <a:ln>
+              <a:solidFill>
+                <a:schemeClr val="tx1"/>
+              </a:solidFill>
+            </a:ln>
+          </p:spPr>
+          <p:style>
+            <a:lnRef idx="2">
+              <a:schemeClr val="accent1">
+                <a:shade val="50000"/>
+              </a:schemeClr>
+            </a:lnRef>
+            <a:fillRef idx="1">
+              <a:schemeClr val="accent1"/>
+            </a:fillRef>
+            <a:effectRef idx="0">
+              <a:schemeClr val="accent1"/>
+            </a:effectRef>
+            <a:fontRef idx="minor">
+              <a:schemeClr val="lt1"/>
+            </a:fontRef>
+          </p:style>
+          <p:txBody>
+            <a:bodyPr rtlCol="0" anchor="ctr"/>
+            <a:lstStyle/>
+            <a:p>
+              <a:pPr algn="ctr"/>
+              <a:endParaRPr lang="en-US"/>
+            </a:p>
+          </p:txBody>
+        </p:sp>
+        <p:sp>
+          <p:nvSpPr>
+            <p:cNvPr id="37" name="Cube 36">
+              <a:extLst>
+                <a:ext uri="{FF2B5EF4-FFF2-40B4-BE49-F238E27FC236}">
+                  <a16:creationId xmlns:a16="http://schemas.microsoft.com/office/drawing/2014/main" id="{7A0D187F-AD25-3C43-8CE2-5FFC6A0049B9}"/>
+                </a:ext>
+              </a:extLst>
+            </p:cNvPr>
+            <p:cNvSpPr>
+              <a:spLocks noChangeAspect="1"/>
+            </p:cNvSpPr>
+            <p:nvPr/>
+          </p:nvSpPr>
+          <p:spPr>
+            <a:xfrm>
+              <a:off x="9882501" y="3380438"/>
+              <a:ext cx="182880" cy="182880"/>
+            </a:xfrm>
+            <a:prstGeom prst="cube">
+              <a:avLst/>
+            </a:prstGeom>
+            <a:solidFill>
+              <a:schemeClr val="accent4">
+                <a:lumMod val="75000"/>
+              </a:schemeClr>
+            </a:solidFill>
+            <a:ln>
+              <a:solidFill>
+                <a:schemeClr val="tx1"/>
+              </a:solidFill>
+            </a:ln>
+          </p:spPr>
+          <p:style>
+            <a:lnRef idx="2">
+              <a:schemeClr val="accent1">
+                <a:shade val="50000"/>
+              </a:schemeClr>
+            </a:lnRef>
+            <a:fillRef idx="1">
+              <a:schemeClr val="accent1"/>
+            </a:fillRef>
+            <a:effectRef idx="0">
+              <a:schemeClr val="accent1"/>
+            </a:effectRef>
+            <a:fontRef idx="minor">
+              <a:schemeClr val="lt1"/>
+            </a:fontRef>
+          </p:style>
+          <p:txBody>
+            <a:bodyPr rtlCol="0" anchor="ctr"/>
+            <a:lstStyle/>
+            <a:p>
+              <a:pPr algn="ctr"/>
+              <a:endParaRPr lang="en-US"/>
+            </a:p>
+          </p:txBody>
+        </p:sp>
+        <p:sp>
+          <p:nvSpPr>
+            <p:cNvPr id="38" name="Cube 37">
+              <a:extLst>
+                <a:ext uri="{FF2B5EF4-FFF2-40B4-BE49-F238E27FC236}">
+                  <a16:creationId xmlns:a16="http://schemas.microsoft.com/office/drawing/2014/main" id="{E31E2B45-3CD3-194F-961E-3D3A1DD5050E}"/>
+                </a:ext>
+              </a:extLst>
+            </p:cNvPr>
+            <p:cNvSpPr>
+              <a:spLocks noChangeAspect="1"/>
+            </p:cNvSpPr>
+            <p:nvPr/>
+          </p:nvSpPr>
+          <p:spPr>
+            <a:xfrm>
+              <a:off x="10065381" y="3380438"/>
+              <a:ext cx="182880" cy="182880"/>
+            </a:xfrm>
+            <a:prstGeom prst="cube">
+              <a:avLst/>
+            </a:prstGeom>
+            <a:solidFill>
+              <a:schemeClr val="accent4">
+                <a:lumMod val="75000"/>
+              </a:schemeClr>
+            </a:solidFill>
+            <a:ln>
+              <a:solidFill>
+                <a:schemeClr val="tx1"/>
+              </a:solidFill>
+            </a:ln>
+          </p:spPr>
+          <p:style>
+            <a:lnRef idx="2">
+              <a:schemeClr val="accent1">
+                <a:shade val="50000"/>
+              </a:schemeClr>
+            </a:lnRef>
+            <a:fillRef idx="1">
+              <a:schemeClr val="accent1"/>
+            </a:fillRef>
+            <a:effectRef idx="0">
+              <a:schemeClr val="accent1"/>
+            </a:effectRef>
+            <a:fontRef idx="minor">
+              <a:schemeClr val="lt1"/>
+            </a:fontRef>
+          </p:style>
+          <p:txBody>
+            <a:bodyPr rtlCol="0" anchor="ctr"/>
+            <a:lstStyle/>
+            <a:p>
+              <a:pPr algn="ctr"/>
+              <a:endParaRPr lang="en-US"/>
+            </a:p>
+          </p:txBody>
+        </p:sp>
+        <p:sp>
+          <p:nvSpPr>
+            <p:cNvPr id="39" name="Cube 38">
+              <a:extLst>
+                <a:ext uri="{FF2B5EF4-FFF2-40B4-BE49-F238E27FC236}">
+                  <a16:creationId xmlns:a16="http://schemas.microsoft.com/office/drawing/2014/main" id="{AD2D3831-C219-7B41-ADFC-A0CB59D16FF3}"/>
+                </a:ext>
+              </a:extLst>
+            </p:cNvPr>
+            <p:cNvSpPr>
+              <a:spLocks noChangeAspect="1"/>
+            </p:cNvSpPr>
+            <p:nvPr/>
+          </p:nvSpPr>
+          <p:spPr>
+            <a:xfrm>
+              <a:off x="10248261" y="3492599"/>
+              <a:ext cx="182880" cy="182880"/>
+            </a:xfrm>
+            <a:prstGeom prst="cube">
+              <a:avLst/>
+            </a:prstGeom>
+            <a:solidFill>
+              <a:schemeClr val="accent4">
+                <a:lumMod val="75000"/>
+              </a:schemeClr>
+            </a:solidFill>
+            <a:ln>
+              <a:solidFill>
+                <a:schemeClr val="tx1"/>
+              </a:solidFill>
+            </a:ln>
+          </p:spPr>
+          <p:style>
+            <a:lnRef idx="2">
+              <a:schemeClr val="accent1">
+                <a:shade val="50000"/>
+              </a:schemeClr>
+            </a:lnRef>
+            <a:fillRef idx="1">
+              <a:schemeClr val="accent1"/>
+            </a:fillRef>
+            <a:effectRef idx="0">
+              <a:schemeClr val="accent1"/>
+            </a:effectRef>
+            <a:fontRef idx="minor">
+              <a:schemeClr val="lt1"/>
+            </a:fontRef>
+          </p:style>
+          <p:txBody>
+            <a:bodyPr rtlCol="0" anchor="ctr"/>
+            <a:lstStyle/>
+            <a:p>
+              <a:pPr algn="ctr"/>
+              <a:endParaRPr lang="en-US"/>
+            </a:p>
+          </p:txBody>
+        </p:sp>
+        <p:sp>
+          <p:nvSpPr>
+            <p:cNvPr id="40" name="Cube 39">
+              <a:extLst>
+                <a:ext uri="{FF2B5EF4-FFF2-40B4-BE49-F238E27FC236}">
+                  <a16:creationId xmlns:a16="http://schemas.microsoft.com/office/drawing/2014/main" id="{7B51AE80-226D-CF49-A76D-1D0695109373}"/>
+                </a:ext>
+              </a:extLst>
+            </p:cNvPr>
+            <p:cNvSpPr>
+              <a:spLocks noChangeAspect="1"/>
+            </p:cNvSpPr>
+            <p:nvPr/>
+          </p:nvSpPr>
+          <p:spPr>
+            <a:xfrm>
+              <a:off x="10248261" y="3380438"/>
+              <a:ext cx="182880" cy="182880"/>
+            </a:xfrm>
+            <a:prstGeom prst="cube">
+              <a:avLst/>
+            </a:prstGeom>
+            <a:solidFill>
+              <a:schemeClr val="accent4">
+                <a:lumMod val="75000"/>
+              </a:schemeClr>
+            </a:solidFill>
+            <a:ln>
+              <a:solidFill>
+                <a:schemeClr val="tx1"/>
+              </a:solidFill>
+            </a:ln>
+          </p:spPr>
+          <p:style>
+            <a:lnRef idx="2">
+              <a:schemeClr val="accent1">
+                <a:shade val="50000"/>
+              </a:schemeClr>
+            </a:lnRef>
+            <a:fillRef idx="1">
+              <a:schemeClr val="accent1"/>
+            </a:fillRef>
+            <a:effectRef idx="0">
+              <a:schemeClr val="accent1"/>
+            </a:effectRef>
+            <a:fontRef idx="minor">
+              <a:schemeClr val="lt1"/>
+            </a:fontRef>
+          </p:style>
+          <p:txBody>
+            <a:bodyPr rtlCol="0" anchor="ctr"/>
+            <a:lstStyle/>
+            <a:p>
+              <a:pPr algn="ctr"/>
+              <a:endParaRPr lang="en-US"/>
+            </a:p>
+          </p:txBody>
+        </p:sp>
+        <p:sp>
+          <p:nvSpPr>
+            <p:cNvPr id="41" name="Cube 40">
+              <a:extLst>
+                <a:ext uri="{FF2B5EF4-FFF2-40B4-BE49-F238E27FC236}">
+                  <a16:creationId xmlns:a16="http://schemas.microsoft.com/office/drawing/2014/main" id="{98008C8E-44BE-2E42-BF6C-3912B8CA28E4}"/>
+                </a:ext>
+              </a:extLst>
+            </p:cNvPr>
+            <p:cNvSpPr>
+              <a:spLocks noChangeAspect="1"/>
+            </p:cNvSpPr>
+            <p:nvPr/>
+          </p:nvSpPr>
+          <p:spPr>
+            <a:xfrm>
+              <a:off x="9699621" y="3492599"/>
+              <a:ext cx="182880" cy="182880"/>
+            </a:xfrm>
+            <a:prstGeom prst="cube">
+              <a:avLst/>
+            </a:prstGeom>
+            <a:solidFill>
+              <a:schemeClr val="accent4">
+                <a:lumMod val="75000"/>
+              </a:schemeClr>
+            </a:solidFill>
+            <a:ln>
+              <a:solidFill>
+                <a:schemeClr val="tx1"/>
+              </a:solidFill>
+            </a:ln>
+          </p:spPr>
+          <p:style>
+            <a:lnRef idx="2">
+              <a:schemeClr val="accent1">
+                <a:shade val="50000"/>
+              </a:schemeClr>
+            </a:lnRef>
+            <a:fillRef idx="1">
+              <a:schemeClr val="accent1"/>
+            </a:fillRef>
+            <a:effectRef idx="0">
+              <a:schemeClr val="accent1"/>
+            </a:effectRef>
+            <a:fontRef idx="minor">
+              <a:schemeClr val="lt1"/>
+            </a:fontRef>
+          </p:style>
+          <p:txBody>
+            <a:bodyPr rtlCol="0" anchor="ctr"/>
+            <a:lstStyle/>
+            <a:p>
+              <a:pPr algn="ctr"/>
+              <a:endParaRPr lang="en-US"/>
+            </a:p>
+          </p:txBody>
+        </p:sp>
+        <p:sp>
+          <p:nvSpPr>
+            <p:cNvPr id="42" name="Cube 41">
+              <a:extLst>
+                <a:ext uri="{FF2B5EF4-FFF2-40B4-BE49-F238E27FC236}">
+                  <a16:creationId xmlns:a16="http://schemas.microsoft.com/office/drawing/2014/main" id="{7C3BDFCF-7796-D346-AD7B-08739B1CA2B4}"/>
+                </a:ext>
+              </a:extLst>
+            </p:cNvPr>
+            <p:cNvSpPr>
+              <a:spLocks noChangeAspect="1"/>
+            </p:cNvSpPr>
+            <p:nvPr/>
+          </p:nvSpPr>
+          <p:spPr>
+            <a:xfrm>
+              <a:off x="9699621" y="3380438"/>
+              <a:ext cx="182880" cy="182880"/>
+            </a:xfrm>
+            <a:prstGeom prst="cube">
+              <a:avLst/>
+            </a:prstGeom>
+            <a:solidFill>
+              <a:schemeClr val="accent4">
+                <a:lumMod val="75000"/>
+              </a:schemeClr>
+            </a:solidFill>
+            <a:ln>
+              <a:solidFill>
+                <a:schemeClr val="tx1"/>
+              </a:solidFill>
+            </a:ln>
+          </p:spPr>
+          <p:style>
+            <a:lnRef idx="2">
+              <a:schemeClr val="accent1">
+                <a:shade val="50000"/>
+              </a:schemeClr>
+            </a:lnRef>
+            <a:fillRef idx="1">
+              <a:schemeClr val="accent1"/>
+            </a:fillRef>
+            <a:effectRef idx="0">
+              <a:schemeClr val="accent1"/>
+            </a:effectRef>
+            <a:fontRef idx="minor">
+              <a:schemeClr val="lt1"/>
+            </a:fontRef>
+          </p:style>
+          <p:txBody>
+            <a:bodyPr rtlCol="0" anchor="ctr"/>
+            <a:lstStyle/>
+            <a:p>
+              <a:pPr algn="ctr"/>
+              <a:endParaRPr lang="en-US"/>
+            </a:p>
+          </p:txBody>
+        </p:sp>
+      </p:grpSp>
+      <p:cxnSp>
+        <p:nvCxnSpPr>
+          <p:cNvPr id="4" name="Straight Arrow Connector 3">
+            <a:extLst>
+              <a:ext uri="{FF2B5EF4-FFF2-40B4-BE49-F238E27FC236}">
+                <a16:creationId xmlns:a16="http://schemas.microsoft.com/office/drawing/2014/main" id="{AA574F6B-68FC-1243-ACA7-1415C80C7BEC}"/>
+              </a:ext>
+            </a:extLst>
+          </p:cNvPr>
+          <p:cNvCxnSpPr/>
+          <p:nvPr/>
+        </p:nvCxnSpPr>
+        <p:spPr>
+          <a:xfrm>
+            <a:off x="1619372" y="3823000"/>
+            <a:ext cx="4794128" cy="0"/>
+          </a:xfrm>
+          <a:prstGeom prst="straightConnector1">
+            <a:avLst/>
+          </a:prstGeom>
+          <a:ln w="76200">
+            <a:tailEnd type="triangle"/>
+          </a:ln>
+        </p:spPr>
+        <p:style>
+          <a:lnRef idx="1">
+            <a:schemeClr val="accent1"/>
+          </a:lnRef>
+          <a:fillRef idx="0">
+            <a:schemeClr val="accent1"/>
+          </a:fillRef>
+          <a:effectRef idx="0">
+            <a:schemeClr val="accent1"/>
+          </a:effectRef>
+          <a:fontRef idx="minor">
+            <a:schemeClr val="tx1"/>
+          </a:fontRef>
+        </p:style>
+      </p:cxnSp>
+    </p:spTree>
+    <p:extLst>
+      <p:ext uri="{BB962C8B-B14F-4D97-AF65-F5344CB8AC3E}">
+        <p14:creationId xmlns:p14="http://schemas.microsoft.com/office/powerpoint/2010/main" val="322332692"/>
+      </p:ext>
+    </p:extLst>
+  </p:cSld>
+  <p:clrMapOvr>
+    <a:masterClrMapping/>
+  </p:clrMapOvr>
+</p:sld>
+</file>
+
+<file path=ppt/slides/slide13.xml><?xml version="1.0" encoding="utf-8"?>
+<p:sld xmlns:a="http://schemas.openxmlformats.org/drawingml/2006/main" xmlns:r="http://schemas.openxmlformats.org/officeDocument/2006/relationships" xmlns:p="http://schemas.openxmlformats.org/presentationml/2006/main">
+  <p:cSld>
+    <p:spTree>
+      <p:nvGrpSpPr>
+        <p:cNvPr id="1" name=""/>
+        <p:cNvGrpSpPr/>
+        <p:nvPr/>
+      </p:nvGrpSpPr>
+      <p:grpSpPr>
+        <a:xfrm>
+          <a:off x="0" y="0"/>
+          <a:ext cx="0" cy="0"/>
+          <a:chOff x="0" y="0"/>
+          <a:chExt cx="0" cy="0"/>
+        </a:xfrm>
+      </p:grpSpPr>
       <p:grpSp>
         <p:nvGrpSpPr>
           <p:cNvPr id="31" name="Group 30">
@@ -7573,7 +8784,1305 @@
 </p:sld>
 </file>
 
-<file path=ppt/slides/slide13.xml><?xml version="1.0" encoding="utf-8"?>
+<file path=ppt/slides/slide14.xml><?xml version="1.0" encoding="utf-8"?>
+<p:sld xmlns:a="http://schemas.openxmlformats.org/drawingml/2006/main" xmlns:r="http://schemas.openxmlformats.org/officeDocument/2006/relationships" xmlns:p="http://schemas.openxmlformats.org/presentationml/2006/main">
+  <p:cSld>
+    <p:spTree>
+      <p:nvGrpSpPr>
+        <p:cNvPr id="1" name=""/>
+        <p:cNvGrpSpPr/>
+        <p:nvPr/>
+      </p:nvGrpSpPr>
+      <p:grpSpPr>
+        <a:xfrm>
+          <a:off x="0" y="0"/>
+          <a:ext cx="0" cy="0"/>
+          <a:chOff x="0" y="0"/>
+          <a:chExt cx="0" cy="0"/>
+        </a:xfrm>
+      </p:grpSpPr>
+      <p:pic>
+        <p:nvPicPr>
+          <p:cNvPr id="2" name="Picture 1">
+            <a:extLst>
+              <a:ext uri="{FF2B5EF4-FFF2-40B4-BE49-F238E27FC236}">
+                <a16:creationId xmlns:a16="http://schemas.microsoft.com/office/drawing/2014/main" id="{1F29CBBD-0258-F442-8CFE-F09FFE818D11}"/>
+              </a:ext>
+            </a:extLst>
+          </p:cNvPr>
+          <p:cNvPicPr>
+            <a:picLocks noChangeAspect="1"/>
+          </p:cNvPicPr>
+          <p:nvPr/>
+        </p:nvPicPr>
+        <p:blipFill rotWithShape="1">
+          <a:blip r:embed="rId2"/>
+          <a:srcRect t="8798" r="51455" b="56701"/>
+          <a:stretch/>
+        </p:blipFill>
+        <p:spPr>
+          <a:xfrm>
+            <a:off x="330837" y="1416744"/>
+            <a:ext cx="6645135" cy="3657600"/>
+          </a:xfrm>
+          <a:prstGeom prst="rect">
+            <a:avLst/>
+          </a:prstGeom>
+        </p:spPr>
+      </p:pic>
+      <p:sp>
+        <p:nvSpPr>
+          <p:cNvPr id="57" name="Rectangle 56">
+            <a:extLst>
+              <a:ext uri="{FF2B5EF4-FFF2-40B4-BE49-F238E27FC236}">
+                <a16:creationId xmlns:a16="http://schemas.microsoft.com/office/drawing/2014/main" id="{D70B4C3C-C27B-2340-9131-B3A950C93147}"/>
+              </a:ext>
+            </a:extLst>
+          </p:cNvPr>
+          <p:cNvSpPr/>
+          <p:nvPr/>
+        </p:nvSpPr>
+        <p:spPr>
+          <a:xfrm>
+            <a:off x="5895327" y="1416744"/>
+            <a:ext cx="1160009" cy="3142556"/>
+          </a:xfrm>
+          <a:prstGeom prst="rect">
+            <a:avLst/>
+          </a:prstGeom>
+          <a:solidFill>
+            <a:srgbClr val="92D050">
+              <a:alpha val="34902"/>
+            </a:srgbClr>
+          </a:solidFill>
+          <a:ln>
+            <a:prstDash val="lgDash"/>
+          </a:ln>
+        </p:spPr>
+        <p:style>
+          <a:lnRef idx="2">
+            <a:schemeClr val="accent1">
+              <a:shade val="50000"/>
+            </a:schemeClr>
+          </a:lnRef>
+          <a:fillRef idx="1">
+            <a:schemeClr val="accent1"/>
+          </a:fillRef>
+          <a:effectRef idx="0">
+            <a:schemeClr val="accent1"/>
+          </a:effectRef>
+          <a:fontRef idx="minor">
+            <a:schemeClr val="lt1"/>
+          </a:fontRef>
+        </p:style>
+        <p:txBody>
+          <a:bodyPr rtlCol="0" anchor="ctr"/>
+          <a:lstStyle/>
+          <a:p>
+            <a:pPr algn="ctr"/>
+            <a:endParaRPr lang="en-US"/>
+          </a:p>
+        </p:txBody>
+      </p:sp>
+      <p:sp>
+        <p:nvSpPr>
+          <p:cNvPr id="58" name="Rectangle 57">
+            <a:extLst>
+              <a:ext uri="{FF2B5EF4-FFF2-40B4-BE49-F238E27FC236}">
+                <a16:creationId xmlns:a16="http://schemas.microsoft.com/office/drawing/2014/main" id="{9F37E481-872C-6C43-81C8-A54AF82D3D9C}"/>
+              </a:ext>
+            </a:extLst>
+          </p:cNvPr>
+          <p:cNvSpPr/>
+          <p:nvPr/>
+        </p:nvSpPr>
+        <p:spPr>
+          <a:xfrm>
+            <a:off x="330837" y="1816100"/>
+            <a:ext cx="2142739" cy="2743200"/>
+          </a:xfrm>
+          <a:prstGeom prst="rect">
+            <a:avLst/>
+          </a:prstGeom>
+          <a:solidFill>
+            <a:srgbClr val="FFFF00">
+              <a:alpha val="34902"/>
+            </a:srgbClr>
+          </a:solidFill>
+          <a:ln>
+            <a:prstDash val="lgDash"/>
+          </a:ln>
+        </p:spPr>
+        <p:style>
+          <a:lnRef idx="2">
+            <a:schemeClr val="accent1">
+              <a:shade val="50000"/>
+            </a:schemeClr>
+          </a:lnRef>
+          <a:fillRef idx="1">
+            <a:schemeClr val="accent1"/>
+          </a:fillRef>
+          <a:effectRef idx="0">
+            <a:schemeClr val="accent1"/>
+          </a:effectRef>
+          <a:fontRef idx="minor">
+            <a:schemeClr val="lt1"/>
+          </a:fontRef>
+        </p:style>
+        <p:txBody>
+          <a:bodyPr rtlCol="0" anchor="ctr"/>
+          <a:lstStyle/>
+          <a:p>
+            <a:pPr algn="ctr"/>
+            <a:endParaRPr lang="en-US"/>
+          </a:p>
+        </p:txBody>
+      </p:sp>
+      <p:sp>
+        <p:nvSpPr>
+          <p:cNvPr id="59" name="Rectangle 58">
+            <a:extLst>
+              <a:ext uri="{FF2B5EF4-FFF2-40B4-BE49-F238E27FC236}">
+                <a16:creationId xmlns:a16="http://schemas.microsoft.com/office/drawing/2014/main" id="{3F3C694E-04E3-0344-BA12-F9DE91305AAC}"/>
+              </a:ext>
+            </a:extLst>
+          </p:cNvPr>
+          <p:cNvSpPr/>
+          <p:nvPr/>
+        </p:nvSpPr>
+        <p:spPr>
+          <a:xfrm>
+            <a:off x="2557472" y="3149600"/>
+            <a:ext cx="3253187" cy="1409700"/>
+          </a:xfrm>
+          <a:prstGeom prst="rect">
+            <a:avLst/>
+          </a:prstGeom>
+          <a:solidFill>
+            <a:srgbClr val="FF0000">
+              <a:alpha val="34902"/>
+            </a:srgbClr>
+          </a:solidFill>
+          <a:ln>
+            <a:prstDash val="lgDash"/>
+          </a:ln>
+        </p:spPr>
+        <p:style>
+          <a:lnRef idx="2">
+            <a:schemeClr val="accent1">
+              <a:shade val="50000"/>
+            </a:schemeClr>
+          </a:lnRef>
+          <a:fillRef idx="1">
+            <a:schemeClr val="accent1"/>
+          </a:fillRef>
+          <a:effectRef idx="0">
+            <a:schemeClr val="accent1"/>
+          </a:effectRef>
+          <a:fontRef idx="minor">
+            <a:schemeClr val="lt1"/>
+          </a:fontRef>
+        </p:style>
+        <p:txBody>
+          <a:bodyPr rtlCol="0" anchor="ctr"/>
+          <a:lstStyle/>
+          <a:p>
+            <a:pPr algn="ctr"/>
+            <a:endParaRPr lang="en-US"/>
+          </a:p>
+        </p:txBody>
+      </p:sp>
+      <p:sp>
+        <p:nvSpPr>
+          <p:cNvPr id="60" name="Rectangle 59">
+            <a:extLst>
+              <a:ext uri="{FF2B5EF4-FFF2-40B4-BE49-F238E27FC236}">
+                <a16:creationId xmlns:a16="http://schemas.microsoft.com/office/drawing/2014/main" id="{85EDEC94-2C48-F846-9F0A-884B0AD25E2C}"/>
+              </a:ext>
+            </a:extLst>
+          </p:cNvPr>
+          <p:cNvSpPr/>
+          <p:nvPr/>
+        </p:nvSpPr>
+        <p:spPr>
+          <a:xfrm>
+            <a:off x="2557473" y="1816100"/>
+            <a:ext cx="3253186" cy="1275656"/>
+          </a:xfrm>
+          <a:prstGeom prst="rect">
+            <a:avLst/>
+          </a:prstGeom>
+          <a:solidFill>
+            <a:srgbClr val="92D050">
+              <a:alpha val="34902"/>
+            </a:srgbClr>
+          </a:solidFill>
+          <a:ln>
+            <a:prstDash val="lgDash"/>
+          </a:ln>
+        </p:spPr>
+        <p:style>
+          <a:lnRef idx="2">
+            <a:schemeClr val="accent1">
+              <a:shade val="50000"/>
+            </a:schemeClr>
+          </a:lnRef>
+          <a:fillRef idx="1">
+            <a:schemeClr val="accent1"/>
+          </a:fillRef>
+          <a:effectRef idx="0">
+            <a:schemeClr val="accent1"/>
+          </a:effectRef>
+          <a:fontRef idx="minor">
+            <a:schemeClr val="lt1"/>
+          </a:fontRef>
+        </p:style>
+        <p:txBody>
+          <a:bodyPr rtlCol="0" anchor="ctr"/>
+          <a:lstStyle/>
+          <a:p>
+            <a:pPr algn="ctr"/>
+            <a:endParaRPr lang="en-US"/>
+          </a:p>
+        </p:txBody>
+      </p:sp>
+      <p:sp>
+        <p:nvSpPr>
+          <p:cNvPr id="5" name="5-Point Star 4">
+            <a:extLst>
+              <a:ext uri="{FF2B5EF4-FFF2-40B4-BE49-F238E27FC236}">
+                <a16:creationId xmlns:a16="http://schemas.microsoft.com/office/drawing/2014/main" id="{8DB8F06C-CAE0-2E42-8AF0-1EE4A7F4EB3C}"/>
+              </a:ext>
+            </a:extLst>
+          </p:cNvPr>
+          <p:cNvSpPr>
+            <a:spLocks noChangeAspect="1"/>
+          </p:cNvSpPr>
+          <p:nvPr/>
+        </p:nvSpPr>
+        <p:spPr>
+          <a:xfrm>
+            <a:off x="6509841" y="3562146"/>
+            <a:ext cx="365760" cy="365760"/>
+          </a:xfrm>
+          <a:prstGeom prst="star5">
+            <a:avLst/>
+          </a:prstGeom>
+          <a:solidFill>
+            <a:srgbClr val="00B0F0"/>
+          </a:solidFill>
+          <a:ln>
+            <a:solidFill>
+              <a:schemeClr val="accent1">
+                <a:lumMod val="50000"/>
+              </a:schemeClr>
+            </a:solidFill>
+          </a:ln>
+        </p:spPr>
+        <p:style>
+          <a:lnRef idx="2">
+            <a:schemeClr val="accent1">
+              <a:shade val="50000"/>
+            </a:schemeClr>
+          </a:lnRef>
+          <a:fillRef idx="1">
+            <a:schemeClr val="accent1"/>
+          </a:fillRef>
+          <a:effectRef idx="0">
+            <a:schemeClr val="accent1"/>
+          </a:effectRef>
+          <a:fontRef idx="minor">
+            <a:schemeClr val="lt1"/>
+          </a:fontRef>
+        </p:style>
+        <p:txBody>
+          <a:bodyPr rtlCol="0" anchor="ctr"/>
+          <a:lstStyle/>
+          <a:p>
+            <a:pPr algn="ctr"/>
+            <a:endParaRPr lang="en-US"/>
+          </a:p>
+        </p:txBody>
+      </p:sp>
+      <p:pic>
+        <p:nvPicPr>
+          <p:cNvPr id="7" name="Picture 6">
+            <a:extLst>
+              <a:ext uri="{FF2B5EF4-FFF2-40B4-BE49-F238E27FC236}">
+                <a16:creationId xmlns:a16="http://schemas.microsoft.com/office/drawing/2014/main" id="{D8704B35-6893-B641-8C03-8B09F5F278B9}"/>
+              </a:ext>
+            </a:extLst>
+          </p:cNvPr>
+          <p:cNvPicPr>
+            <a:picLocks noChangeAspect="1"/>
+          </p:cNvPicPr>
+          <p:nvPr/>
+        </p:nvPicPr>
+        <p:blipFill rotWithShape="1">
+          <a:blip r:embed="rId3"/>
+          <a:srcRect l="26302" t="1905" r="24095"/>
+          <a:stretch/>
+        </p:blipFill>
+        <p:spPr>
+          <a:xfrm>
+            <a:off x="1087452" y="3287826"/>
+            <a:ext cx="431549" cy="640080"/>
+          </a:xfrm>
+          <a:prstGeom prst="rect">
+            <a:avLst/>
+          </a:prstGeom>
+        </p:spPr>
+      </p:pic>
+      <p:sp>
+        <p:nvSpPr>
+          <p:cNvPr id="8" name="TextBox 7">
+            <a:extLst>
+              <a:ext uri="{FF2B5EF4-FFF2-40B4-BE49-F238E27FC236}">
+                <a16:creationId xmlns:a16="http://schemas.microsoft.com/office/drawing/2014/main" id="{08CC7DEB-706C-6A41-8E41-F8DE7CD2686D}"/>
+              </a:ext>
+            </a:extLst>
+          </p:cNvPr>
+          <p:cNvSpPr txBox="1"/>
+          <p:nvPr/>
+        </p:nvSpPr>
+        <p:spPr>
+          <a:xfrm>
+            <a:off x="987083" y="3973626"/>
+            <a:ext cx="632289" cy="369332"/>
+          </a:xfrm>
+          <a:prstGeom prst="rect">
+            <a:avLst/>
+          </a:prstGeom>
+          <a:noFill/>
+        </p:spPr>
+        <p:txBody>
+          <a:bodyPr wrap="none" rtlCol="0">
+            <a:spAutoFit/>
+          </a:bodyPr>
+          <a:lstStyle/>
+          <a:p>
+            <a:r>
+              <a:rPr lang="en-US" dirty="0"/>
+              <a:t>Start</a:t>
+            </a:r>
+          </a:p>
+        </p:txBody>
+      </p:sp>
+      <p:sp>
+        <p:nvSpPr>
+          <p:cNvPr id="9" name="TextBox 8">
+            <a:extLst>
+              <a:ext uri="{FF2B5EF4-FFF2-40B4-BE49-F238E27FC236}">
+                <a16:creationId xmlns:a16="http://schemas.microsoft.com/office/drawing/2014/main" id="{F3BE6089-08BE-A544-A310-02A323F0D7C6}"/>
+              </a:ext>
+            </a:extLst>
+          </p:cNvPr>
+          <p:cNvSpPr txBox="1"/>
+          <p:nvPr/>
+        </p:nvSpPr>
+        <p:spPr>
+          <a:xfrm>
+            <a:off x="6975972" y="3607866"/>
+            <a:ext cx="615874" cy="369332"/>
+          </a:xfrm>
+          <a:prstGeom prst="rect">
+            <a:avLst/>
+          </a:prstGeom>
+          <a:noFill/>
+        </p:spPr>
+        <p:txBody>
+          <a:bodyPr wrap="none" rtlCol="0">
+            <a:spAutoFit/>
+          </a:bodyPr>
+          <a:lstStyle/>
+          <a:p>
+            <a:r>
+              <a:rPr lang="en-US" dirty="0"/>
+              <a:t>Goal</a:t>
+            </a:r>
+          </a:p>
+        </p:txBody>
+      </p:sp>
+      <p:grpSp>
+        <p:nvGrpSpPr>
+          <p:cNvPr id="29" name="Group 28">
+            <a:extLst>
+              <a:ext uri="{FF2B5EF4-FFF2-40B4-BE49-F238E27FC236}">
+                <a16:creationId xmlns:a16="http://schemas.microsoft.com/office/drawing/2014/main" id="{945AC44F-3A4A-964E-896C-E2635B586145}"/>
+              </a:ext>
+            </a:extLst>
+          </p:cNvPr>
+          <p:cNvGrpSpPr/>
+          <p:nvPr/>
+        </p:nvGrpSpPr>
+        <p:grpSpPr>
+          <a:xfrm>
+            <a:off x="4734878" y="2249569"/>
+            <a:ext cx="365760" cy="295041"/>
+            <a:chOff x="7803055" y="2574583"/>
+            <a:chExt cx="365760" cy="295041"/>
+          </a:xfrm>
+        </p:grpSpPr>
+        <p:sp>
+          <p:nvSpPr>
+            <p:cNvPr id="30" name="Cube 29">
+              <a:extLst>
+                <a:ext uri="{FF2B5EF4-FFF2-40B4-BE49-F238E27FC236}">
+                  <a16:creationId xmlns:a16="http://schemas.microsoft.com/office/drawing/2014/main" id="{96DFDCE3-23E6-8D40-A7CB-733FF2463432}"/>
+                </a:ext>
+              </a:extLst>
+            </p:cNvPr>
+            <p:cNvSpPr>
+              <a:spLocks noChangeAspect="1"/>
+            </p:cNvSpPr>
+            <p:nvPr/>
+          </p:nvSpPr>
+          <p:spPr>
+            <a:xfrm>
+              <a:off x="7803055" y="2686744"/>
+              <a:ext cx="182880" cy="182880"/>
+            </a:xfrm>
+            <a:prstGeom prst="cube">
+              <a:avLst/>
+            </a:prstGeom>
+            <a:solidFill>
+              <a:schemeClr val="accent4">
+                <a:lumMod val="75000"/>
+              </a:schemeClr>
+            </a:solidFill>
+            <a:ln>
+              <a:solidFill>
+                <a:schemeClr val="tx1"/>
+              </a:solidFill>
+            </a:ln>
+          </p:spPr>
+          <p:style>
+            <a:lnRef idx="2">
+              <a:schemeClr val="accent1">
+                <a:shade val="50000"/>
+              </a:schemeClr>
+            </a:lnRef>
+            <a:fillRef idx="1">
+              <a:schemeClr val="accent1"/>
+            </a:fillRef>
+            <a:effectRef idx="0">
+              <a:schemeClr val="accent1"/>
+            </a:effectRef>
+            <a:fontRef idx="minor">
+              <a:schemeClr val="lt1"/>
+            </a:fontRef>
+          </p:style>
+          <p:txBody>
+            <a:bodyPr rtlCol="0" anchor="ctr"/>
+            <a:lstStyle/>
+            <a:p>
+              <a:pPr algn="ctr"/>
+              <a:endParaRPr lang="en-US"/>
+            </a:p>
+          </p:txBody>
+        </p:sp>
+        <p:sp>
+          <p:nvSpPr>
+            <p:cNvPr id="31" name="Cube 30">
+              <a:extLst>
+                <a:ext uri="{FF2B5EF4-FFF2-40B4-BE49-F238E27FC236}">
+                  <a16:creationId xmlns:a16="http://schemas.microsoft.com/office/drawing/2014/main" id="{2452ABB4-7EA2-7140-A43F-EF130FCA38C9}"/>
+                </a:ext>
+              </a:extLst>
+            </p:cNvPr>
+            <p:cNvSpPr>
+              <a:spLocks noChangeAspect="1"/>
+            </p:cNvSpPr>
+            <p:nvPr/>
+          </p:nvSpPr>
+          <p:spPr>
+            <a:xfrm>
+              <a:off x="7985935" y="2686744"/>
+              <a:ext cx="182880" cy="182880"/>
+            </a:xfrm>
+            <a:prstGeom prst="cube">
+              <a:avLst/>
+            </a:prstGeom>
+            <a:solidFill>
+              <a:schemeClr val="accent4">
+                <a:lumMod val="75000"/>
+              </a:schemeClr>
+            </a:solidFill>
+            <a:ln>
+              <a:solidFill>
+                <a:schemeClr val="tx1"/>
+              </a:solidFill>
+            </a:ln>
+          </p:spPr>
+          <p:style>
+            <a:lnRef idx="2">
+              <a:schemeClr val="accent1">
+                <a:shade val="50000"/>
+              </a:schemeClr>
+            </a:lnRef>
+            <a:fillRef idx="1">
+              <a:schemeClr val="accent1"/>
+            </a:fillRef>
+            <a:effectRef idx="0">
+              <a:schemeClr val="accent1"/>
+            </a:effectRef>
+            <a:fontRef idx="minor">
+              <a:schemeClr val="lt1"/>
+            </a:fontRef>
+          </p:style>
+          <p:txBody>
+            <a:bodyPr rtlCol="0" anchor="ctr"/>
+            <a:lstStyle/>
+            <a:p>
+              <a:pPr algn="ctr"/>
+              <a:endParaRPr lang="en-US"/>
+            </a:p>
+          </p:txBody>
+        </p:sp>
+        <p:sp>
+          <p:nvSpPr>
+            <p:cNvPr id="32" name="Cube 31">
+              <a:extLst>
+                <a:ext uri="{FF2B5EF4-FFF2-40B4-BE49-F238E27FC236}">
+                  <a16:creationId xmlns:a16="http://schemas.microsoft.com/office/drawing/2014/main" id="{AF01632A-E832-2045-A20A-5C5442C749E1}"/>
+                </a:ext>
+              </a:extLst>
+            </p:cNvPr>
+            <p:cNvSpPr>
+              <a:spLocks noChangeAspect="1"/>
+            </p:cNvSpPr>
+            <p:nvPr/>
+          </p:nvSpPr>
+          <p:spPr>
+            <a:xfrm>
+              <a:off x="7803055" y="2574583"/>
+              <a:ext cx="182880" cy="182880"/>
+            </a:xfrm>
+            <a:prstGeom prst="cube">
+              <a:avLst/>
+            </a:prstGeom>
+            <a:solidFill>
+              <a:schemeClr val="accent4">
+                <a:lumMod val="75000"/>
+              </a:schemeClr>
+            </a:solidFill>
+            <a:ln>
+              <a:solidFill>
+                <a:schemeClr val="tx1"/>
+              </a:solidFill>
+            </a:ln>
+          </p:spPr>
+          <p:style>
+            <a:lnRef idx="2">
+              <a:schemeClr val="accent1">
+                <a:shade val="50000"/>
+              </a:schemeClr>
+            </a:lnRef>
+            <a:fillRef idx="1">
+              <a:schemeClr val="accent1"/>
+            </a:fillRef>
+            <a:effectRef idx="0">
+              <a:schemeClr val="accent1"/>
+            </a:effectRef>
+            <a:fontRef idx="minor">
+              <a:schemeClr val="lt1"/>
+            </a:fontRef>
+          </p:style>
+          <p:txBody>
+            <a:bodyPr rtlCol="0" anchor="ctr"/>
+            <a:lstStyle/>
+            <a:p>
+              <a:pPr algn="ctr"/>
+              <a:endParaRPr lang="en-US"/>
+            </a:p>
+          </p:txBody>
+        </p:sp>
+        <p:sp>
+          <p:nvSpPr>
+            <p:cNvPr id="33" name="Cube 32">
+              <a:extLst>
+                <a:ext uri="{FF2B5EF4-FFF2-40B4-BE49-F238E27FC236}">
+                  <a16:creationId xmlns:a16="http://schemas.microsoft.com/office/drawing/2014/main" id="{128ED6E3-8E56-E447-8CE7-3516B4405433}"/>
+                </a:ext>
+              </a:extLst>
+            </p:cNvPr>
+            <p:cNvSpPr>
+              <a:spLocks noChangeAspect="1"/>
+            </p:cNvSpPr>
+            <p:nvPr/>
+          </p:nvSpPr>
+          <p:spPr>
+            <a:xfrm>
+              <a:off x="7985935" y="2574583"/>
+              <a:ext cx="182880" cy="182880"/>
+            </a:xfrm>
+            <a:prstGeom prst="cube">
+              <a:avLst/>
+            </a:prstGeom>
+            <a:solidFill>
+              <a:schemeClr val="accent4">
+                <a:lumMod val="75000"/>
+              </a:schemeClr>
+            </a:solidFill>
+            <a:ln>
+              <a:solidFill>
+                <a:schemeClr val="tx1"/>
+              </a:solidFill>
+            </a:ln>
+          </p:spPr>
+          <p:style>
+            <a:lnRef idx="2">
+              <a:schemeClr val="accent1">
+                <a:shade val="50000"/>
+              </a:schemeClr>
+            </a:lnRef>
+            <a:fillRef idx="1">
+              <a:schemeClr val="accent1"/>
+            </a:fillRef>
+            <a:effectRef idx="0">
+              <a:schemeClr val="accent1"/>
+            </a:effectRef>
+            <a:fontRef idx="minor">
+              <a:schemeClr val="lt1"/>
+            </a:fontRef>
+          </p:style>
+          <p:txBody>
+            <a:bodyPr rtlCol="0" anchor="ctr"/>
+            <a:lstStyle/>
+            <a:p>
+              <a:pPr algn="ctr"/>
+              <a:endParaRPr lang="en-US"/>
+            </a:p>
+          </p:txBody>
+        </p:sp>
+      </p:grpSp>
+      <p:grpSp>
+        <p:nvGrpSpPr>
+          <p:cNvPr id="34" name="Group 33">
+            <a:extLst>
+              <a:ext uri="{FF2B5EF4-FFF2-40B4-BE49-F238E27FC236}">
+                <a16:creationId xmlns:a16="http://schemas.microsoft.com/office/drawing/2014/main" id="{2055007A-674C-DB4E-8011-5D5513A5E9EC}"/>
+              </a:ext>
+            </a:extLst>
+          </p:cNvPr>
+          <p:cNvGrpSpPr/>
+          <p:nvPr/>
+        </p:nvGrpSpPr>
+        <p:grpSpPr>
+          <a:xfrm>
+            <a:off x="3141772" y="3527959"/>
+            <a:ext cx="731520" cy="295041"/>
+            <a:chOff x="9699621" y="3380438"/>
+            <a:chExt cx="731520" cy="295041"/>
+          </a:xfrm>
+        </p:grpSpPr>
+        <p:sp>
+          <p:nvSpPr>
+            <p:cNvPr id="35" name="Cube 34">
+              <a:extLst>
+                <a:ext uri="{FF2B5EF4-FFF2-40B4-BE49-F238E27FC236}">
+                  <a16:creationId xmlns:a16="http://schemas.microsoft.com/office/drawing/2014/main" id="{D2EA7953-1EA2-7045-A80D-9AD61413EBF4}"/>
+                </a:ext>
+              </a:extLst>
+            </p:cNvPr>
+            <p:cNvSpPr>
+              <a:spLocks noChangeAspect="1"/>
+            </p:cNvSpPr>
+            <p:nvPr/>
+          </p:nvSpPr>
+          <p:spPr>
+            <a:xfrm>
+              <a:off x="9882501" y="3492599"/>
+              <a:ext cx="182880" cy="182880"/>
+            </a:xfrm>
+            <a:prstGeom prst="cube">
+              <a:avLst/>
+            </a:prstGeom>
+            <a:solidFill>
+              <a:schemeClr val="accent4">
+                <a:lumMod val="75000"/>
+              </a:schemeClr>
+            </a:solidFill>
+            <a:ln>
+              <a:solidFill>
+                <a:schemeClr val="tx1"/>
+              </a:solidFill>
+            </a:ln>
+          </p:spPr>
+          <p:style>
+            <a:lnRef idx="2">
+              <a:schemeClr val="accent1">
+                <a:shade val="50000"/>
+              </a:schemeClr>
+            </a:lnRef>
+            <a:fillRef idx="1">
+              <a:schemeClr val="accent1"/>
+            </a:fillRef>
+            <a:effectRef idx="0">
+              <a:schemeClr val="accent1"/>
+            </a:effectRef>
+            <a:fontRef idx="minor">
+              <a:schemeClr val="lt1"/>
+            </a:fontRef>
+          </p:style>
+          <p:txBody>
+            <a:bodyPr rtlCol="0" anchor="ctr"/>
+            <a:lstStyle/>
+            <a:p>
+              <a:pPr algn="ctr"/>
+              <a:endParaRPr lang="en-US"/>
+            </a:p>
+          </p:txBody>
+        </p:sp>
+        <p:sp>
+          <p:nvSpPr>
+            <p:cNvPr id="36" name="Cube 35">
+              <a:extLst>
+                <a:ext uri="{FF2B5EF4-FFF2-40B4-BE49-F238E27FC236}">
+                  <a16:creationId xmlns:a16="http://schemas.microsoft.com/office/drawing/2014/main" id="{71659991-1340-8047-872D-586003A087EC}"/>
+                </a:ext>
+              </a:extLst>
+            </p:cNvPr>
+            <p:cNvSpPr>
+              <a:spLocks noChangeAspect="1"/>
+            </p:cNvSpPr>
+            <p:nvPr/>
+          </p:nvSpPr>
+          <p:spPr>
+            <a:xfrm>
+              <a:off x="10065381" y="3492599"/>
+              <a:ext cx="182880" cy="182880"/>
+            </a:xfrm>
+            <a:prstGeom prst="cube">
+              <a:avLst/>
+            </a:prstGeom>
+            <a:solidFill>
+              <a:schemeClr val="accent4">
+                <a:lumMod val="75000"/>
+              </a:schemeClr>
+            </a:solidFill>
+            <a:ln>
+              <a:solidFill>
+                <a:schemeClr val="tx1"/>
+              </a:solidFill>
+            </a:ln>
+          </p:spPr>
+          <p:style>
+            <a:lnRef idx="2">
+              <a:schemeClr val="accent1">
+                <a:shade val="50000"/>
+              </a:schemeClr>
+            </a:lnRef>
+            <a:fillRef idx="1">
+              <a:schemeClr val="accent1"/>
+            </a:fillRef>
+            <a:effectRef idx="0">
+              <a:schemeClr val="accent1"/>
+            </a:effectRef>
+            <a:fontRef idx="minor">
+              <a:schemeClr val="lt1"/>
+            </a:fontRef>
+          </p:style>
+          <p:txBody>
+            <a:bodyPr rtlCol="0" anchor="ctr"/>
+            <a:lstStyle/>
+            <a:p>
+              <a:pPr algn="ctr"/>
+              <a:endParaRPr lang="en-US"/>
+            </a:p>
+          </p:txBody>
+        </p:sp>
+        <p:sp>
+          <p:nvSpPr>
+            <p:cNvPr id="37" name="Cube 36">
+              <a:extLst>
+                <a:ext uri="{FF2B5EF4-FFF2-40B4-BE49-F238E27FC236}">
+                  <a16:creationId xmlns:a16="http://schemas.microsoft.com/office/drawing/2014/main" id="{7A0D187F-AD25-3C43-8CE2-5FFC6A0049B9}"/>
+                </a:ext>
+              </a:extLst>
+            </p:cNvPr>
+            <p:cNvSpPr>
+              <a:spLocks noChangeAspect="1"/>
+            </p:cNvSpPr>
+            <p:nvPr/>
+          </p:nvSpPr>
+          <p:spPr>
+            <a:xfrm>
+              <a:off x="9882501" y="3380438"/>
+              <a:ext cx="182880" cy="182880"/>
+            </a:xfrm>
+            <a:prstGeom prst="cube">
+              <a:avLst/>
+            </a:prstGeom>
+            <a:solidFill>
+              <a:schemeClr val="accent4">
+                <a:lumMod val="75000"/>
+              </a:schemeClr>
+            </a:solidFill>
+            <a:ln>
+              <a:solidFill>
+                <a:schemeClr val="tx1"/>
+              </a:solidFill>
+            </a:ln>
+          </p:spPr>
+          <p:style>
+            <a:lnRef idx="2">
+              <a:schemeClr val="accent1">
+                <a:shade val="50000"/>
+              </a:schemeClr>
+            </a:lnRef>
+            <a:fillRef idx="1">
+              <a:schemeClr val="accent1"/>
+            </a:fillRef>
+            <a:effectRef idx="0">
+              <a:schemeClr val="accent1"/>
+            </a:effectRef>
+            <a:fontRef idx="minor">
+              <a:schemeClr val="lt1"/>
+            </a:fontRef>
+          </p:style>
+          <p:txBody>
+            <a:bodyPr rtlCol="0" anchor="ctr"/>
+            <a:lstStyle/>
+            <a:p>
+              <a:pPr algn="ctr"/>
+              <a:endParaRPr lang="en-US"/>
+            </a:p>
+          </p:txBody>
+        </p:sp>
+        <p:sp>
+          <p:nvSpPr>
+            <p:cNvPr id="38" name="Cube 37">
+              <a:extLst>
+                <a:ext uri="{FF2B5EF4-FFF2-40B4-BE49-F238E27FC236}">
+                  <a16:creationId xmlns:a16="http://schemas.microsoft.com/office/drawing/2014/main" id="{E31E2B45-3CD3-194F-961E-3D3A1DD5050E}"/>
+                </a:ext>
+              </a:extLst>
+            </p:cNvPr>
+            <p:cNvSpPr>
+              <a:spLocks noChangeAspect="1"/>
+            </p:cNvSpPr>
+            <p:nvPr/>
+          </p:nvSpPr>
+          <p:spPr>
+            <a:xfrm>
+              <a:off x="10065381" y="3380438"/>
+              <a:ext cx="182880" cy="182880"/>
+            </a:xfrm>
+            <a:prstGeom prst="cube">
+              <a:avLst/>
+            </a:prstGeom>
+            <a:solidFill>
+              <a:schemeClr val="accent4">
+                <a:lumMod val="75000"/>
+              </a:schemeClr>
+            </a:solidFill>
+            <a:ln>
+              <a:solidFill>
+                <a:schemeClr val="tx1"/>
+              </a:solidFill>
+            </a:ln>
+          </p:spPr>
+          <p:style>
+            <a:lnRef idx="2">
+              <a:schemeClr val="accent1">
+                <a:shade val="50000"/>
+              </a:schemeClr>
+            </a:lnRef>
+            <a:fillRef idx="1">
+              <a:schemeClr val="accent1"/>
+            </a:fillRef>
+            <a:effectRef idx="0">
+              <a:schemeClr val="accent1"/>
+            </a:effectRef>
+            <a:fontRef idx="minor">
+              <a:schemeClr val="lt1"/>
+            </a:fontRef>
+          </p:style>
+          <p:txBody>
+            <a:bodyPr rtlCol="0" anchor="ctr"/>
+            <a:lstStyle/>
+            <a:p>
+              <a:pPr algn="ctr"/>
+              <a:endParaRPr lang="en-US"/>
+            </a:p>
+          </p:txBody>
+        </p:sp>
+        <p:sp>
+          <p:nvSpPr>
+            <p:cNvPr id="39" name="Cube 38">
+              <a:extLst>
+                <a:ext uri="{FF2B5EF4-FFF2-40B4-BE49-F238E27FC236}">
+                  <a16:creationId xmlns:a16="http://schemas.microsoft.com/office/drawing/2014/main" id="{AD2D3831-C219-7B41-ADFC-A0CB59D16FF3}"/>
+                </a:ext>
+              </a:extLst>
+            </p:cNvPr>
+            <p:cNvSpPr>
+              <a:spLocks noChangeAspect="1"/>
+            </p:cNvSpPr>
+            <p:nvPr/>
+          </p:nvSpPr>
+          <p:spPr>
+            <a:xfrm>
+              <a:off x="10248261" y="3492599"/>
+              <a:ext cx="182880" cy="182880"/>
+            </a:xfrm>
+            <a:prstGeom prst="cube">
+              <a:avLst/>
+            </a:prstGeom>
+            <a:solidFill>
+              <a:schemeClr val="accent4">
+                <a:lumMod val="75000"/>
+              </a:schemeClr>
+            </a:solidFill>
+            <a:ln>
+              <a:solidFill>
+                <a:schemeClr val="tx1"/>
+              </a:solidFill>
+            </a:ln>
+          </p:spPr>
+          <p:style>
+            <a:lnRef idx="2">
+              <a:schemeClr val="accent1">
+                <a:shade val="50000"/>
+              </a:schemeClr>
+            </a:lnRef>
+            <a:fillRef idx="1">
+              <a:schemeClr val="accent1"/>
+            </a:fillRef>
+            <a:effectRef idx="0">
+              <a:schemeClr val="accent1"/>
+            </a:effectRef>
+            <a:fontRef idx="minor">
+              <a:schemeClr val="lt1"/>
+            </a:fontRef>
+          </p:style>
+          <p:txBody>
+            <a:bodyPr rtlCol="0" anchor="ctr"/>
+            <a:lstStyle/>
+            <a:p>
+              <a:pPr algn="ctr"/>
+              <a:endParaRPr lang="en-US"/>
+            </a:p>
+          </p:txBody>
+        </p:sp>
+        <p:sp>
+          <p:nvSpPr>
+            <p:cNvPr id="40" name="Cube 39">
+              <a:extLst>
+                <a:ext uri="{FF2B5EF4-FFF2-40B4-BE49-F238E27FC236}">
+                  <a16:creationId xmlns:a16="http://schemas.microsoft.com/office/drawing/2014/main" id="{7B51AE80-226D-CF49-A76D-1D0695109373}"/>
+                </a:ext>
+              </a:extLst>
+            </p:cNvPr>
+            <p:cNvSpPr>
+              <a:spLocks noChangeAspect="1"/>
+            </p:cNvSpPr>
+            <p:nvPr/>
+          </p:nvSpPr>
+          <p:spPr>
+            <a:xfrm>
+              <a:off x="10248261" y="3380438"/>
+              <a:ext cx="182880" cy="182880"/>
+            </a:xfrm>
+            <a:prstGeom prst="cube">
+              <a:avLst/>
+            </a:prstGeom>
+            <a:solidFill>
+              <a:schemeClr val="accent4">
+                <a:lumMod val="75000"/>
+              </a:schemeClr>
+            </a:solidFill>
+            <a:ln>
+              <a:solidFill>
+                <a:schemeClr val="tx1"/>
+              </a:solidFill>
+            </a:ln>
+          </p:spPr>
+          <p:style>
+            <a:lnRef idx="2">
+              <a:schemeClr val="accent1">
+                <a:shade val="50000"/>
+              </a:schemeClr>
+            </a:lnRef>
+            <a:fillRef idx="1">
+              <a:schemeClr val="accent1"/>
+            </a:fillRef>
+            <a:effectRef idx="0">
+              <a:schemeClr val="accent1"/>
+            </a:effectRef>
+            <a:fontRef idx="minor">
+              <a:schemeClr val="lt1"/>
+            </a:fontRef>
+          </p:style>
+          <p:txBody>
+            <a:bodyPr rtlCol="0" anchor="ctr"/>
+            <a:lstStyle/>
+            <a:p>
+              <a:pPr algn="ctr"/>
+              <a:endParaRPr lang="en-US"/>
+            </a:p>
+          </p:txBody>
+        </p:sp>
+        <p:sp>
+          <p:nvSpPr>
+            <p:cNvPr id="41" name="Cube 40">
+              <a:extLst>
+                <a:ext uri="{FF2B5EF4-FFF2-40B4-BE49-F238E27FC236}">
+                  <a16:creationId xmlns:a16="http://schemas.microsoft.com/office/drawing/2014/main" id="{98008C8E-44BE-2E42-BF6C-3912B8CA28E4}"/>
+                </a:ext>
+              </a:extLst>
+            </p:cNvPr>
+            <p:cNvSpPr>
+              <a:spLocks noChangeAspect="1"/>
+            </p:cNvSpPr>
+            <p:nvPr/>
+          </p:nvSpPr>
+          <p:spPr>
+            <a:xfrm>
+              <a:off x="9699621" y="3492599"/>
+              <a:ext cx="182880" cy="182880"/>
+            </a:xfrm>
+            <a:prstGeom prst="cube">
+              <a:avLst/>
+            </a:prstGeom>
+            <a:solidFill>
+              <a:schemeClr val="accent4">
+                <a:lumMod val="75000"/>
+              </a:schemeClr>
+            </a:solidFill>
+            <a:ln>
+              <a:solidFill>
+                <a:schemeClr val="tx1"/>
+              </a:solidFill>
+            </a:ln>
+          </p:spPr>
+          <p:style>
+            <a:lnRef idx="2">
+              <a:schemeClr val="accent1">
+                <a:shade val="50000"/>
+              </a:schemeClr>
+            </a:lnRef>
+            <a:fillRef idx="1">
+              <a:schemeClr val="accent1"/>
+            </a:fillRef>
+            <a:effectRef idx="0">
+              <a:schemeClr val="accent1"/>
+            </a:effectRef>
+            <a:fontRef idx="minor">
+              <a:schemeClr val="lt1"/>
+            </a:fontRef>
+          </p:style>
+          <p:txBody>
+            <a:bodyPr rtlCol="0" anchor="ctr"/>
+            <a:lstStyle/>
+            <a:p>
+              <a:pPr algn="ctr"/>
+              <a:endParaRPr lang="en-US"/>
+            </a:p>
+          </p:txBody>
+        </p:sp>
+        <p:sp>
+          <p:nvSpPr>
+            <p:cNvPr id="42" name="Cube 41">
+              <a:extLst>
+                <a:ext uri="{FF2B5EF4-FFF2-40B4-BE49-F238E27FC236}">
+                  <a16:creationId xmlns:a16="http://schemas.microsoft.com/office/drawing/2014/main" id="{7C3BDFCF-7796-D346-AD7B-08739B1CA2B4}"/>
+                </a:ext>
+              </a:extLst>
+            </p:cNvPr>
+            <p:cNvSpPr>
+              <a:spLocks noChangeAspect="1"/>
+            </p:cNvSpPr>
+            <p:nvPr/>
+          </p:nvSpPr>
+          <p:spPr>
+            <a:xfrm>
+              <a:off x="9699621" y="3380438"/>
+              <a:ext cx="182880" cy="182880"/>
+            </a:xfrm>
+            <a:prstGeom prst="cube">
+              <a:avLst/>
+            </a:prstGeom>
+            <a:solidFill>
+              <a:schemeClr val="accent4">
+                <a:lumMod val="75000"/>
+              </a:schemeClr>
+            </a:solidFill>
+            <a:ln>
+              <a:solidFill>
+                <a:schemeClr val="tx1"/>
+              </a:solidFill>
+            </a:ln>
+          </p:spPr>
+          <p:style>
+            <a:lnRef idx="2">
+              <a:schemeClr val="accent1">
+                <a:shade val="50000"/>
+              </a:schemeClr>
+            </a:lnRef>
+            <a:fillRef idx="1">
+              <a:schemeClr val="accent1"/>
+            </a:fillRef>
+            <a:effectRef idx="0">
+              <a:schemeClr val="accent1"/>
+            </a:effectRef>
+            <a:fontRef idx="minor">
+              <a:schemeClr val="lt1"/>
+            </a:fontRef>
+          </p:style>
+          <p:txBody>
+            <a:bodyPr rtlCol="0" anchor="ctr"/>
+            <a:lstStyle/>
+            <a:p>
+              <a:pPr algn="ctr"/>
+              <a:endParaRPr lang="en-US"/>
+            </a:p>
+          </p:txBody>
+        </p:sp>
+      </p:grpSp>
+      <p:cxnSp>
+        <p:nvCxnSpPr>
+          <p:cNvPr id="6" name="Elbow Connector 5">
+            <a:extLst>
+              <a:ext uri="{FF2B5EF4-FFF2-40B4-BE49-F238E27FC236}">
+                <a16:creationId xmlns:a16="http://schemas.microsoft.com/office/drawing/2014/main" id="{5BC62CEB-B615-7F40-B8FF-F1243617F0A1}"/>
+              </a:ext>
+            </a:extLst>
+          </p:cNvPr>
+          <p:cNvCxnSpPr>
+            <a:cxnSpLocks/>
+          </p:cNvCxnSpPr>
+          <p:nvPr/>
+        </p:nvCxnSpPr>
+        <p:spPr>
+          <a:xfrm flipV="1">
+            <a:off x="1619372" y="2576223"/>
+            <a:ext cx="2733967" cy="1257439"/>
+          </a:xfrm>
+          <a:prstGeom prst="bentConnector3">
+            <a:avLst>
+              <a:gd name="adj1" fmla="val 42148"/>
+            </a:avLst>
+          </a:prstGeom>
+          <a:ln w="76200">
+            <a:tailEnd type="triangle"/>
+          </a:ln>
+        </p:spPr>
+        <p:style>
+          <a:lnRef idx="1">
+            <a:schemeClr val="accent1"/>
+          </a:lnRef>
+          <a:fillRef idx="0">
+            <a:schemeClr val="accent1"/>
+          </a:fillRef>
+          <a:effectRef idx="0">
+            <a:schemeClr val="accent1"/>
+          </a:effectRef>
+          <a:fontRef idx="minor">
+            <a:schemeClr val="tx1"/>
+          </a:fontRef>
+        </p:style>
+      </p:cxnSp>
+      <p:cxnSp>
+        <p:nvCxnSpPr>
+          <p:cNvPr id="49" name="Straight Arrow Connector 48">
+            <a:extLst>
+              <a:ext uri="{FF2B5EF4-FFF2-40B4-BE49-F238E27FC236}">
+                <a16:creationId xmlns:a16="http://schemas.microsoft.com/office/drawing/2014/main" id="{B8517D7F-72E7-3F4F-944E-17B09501506A}"/>
+              </a:ext>
+            </a:extLst>
+          </p:cNvPr>
+          <p:cNvCxnSpPr/>
+          <p:nvPr/>
+        </p:nvCxnSpPr>
+        <p:spPr>
+          <a:xfrm>
+            <a:off x="4353339" y="2576223"/>
+            <a:ext cx="1240637" cy="0"/>
+          </a:xfrm>
+          <a:prstGeom prst="straightConnector1">
+            <a:avLst/>
+          </a:prstGeom>
+          <a:ln w="76200">
+            <a:solidFill>
+              <a:srgbClr val="00B0F0"/>
+            </a:solidFill>
+            <a:tailEnd type="triangle"/>
+          </a:ln>
+        </p:spPr>
+        <p:style>
+          <a:lnRef idx="1">
+            <a:schemeClr val="accent1"/>
+          </a:lnRef>
+          <a:fillRef idx="0">
+            <a:schemeClr val="accent1"/>
+          </a:fillRef>
+          <a:effectRef idx="0">
+            <a:schemeClr val="accent1"/>
+          </a:effectRef>
+          <a:fontRef idx="minor">
+            <a:schemeClr val="tx1"/>
+          </a:fontRef>
+        </p:style>
+      </p:cxnSp>
+      <p:cxnSp>
+        <p:nvCxnSpPr>
+          <p:cNvPr id="51" name="Elbow Connector 50">
+            <a:extLst>
+              <a:ext uri="{FF2B5EF4-FFF2-40B4-BE49-F238E27FC236}">
+                <a16:creationId xmlns:a16="http://schemas.microsoft.com/office/drawing/2014/main" id="{252A2CBB-B651-9C48-ADC9-84B814FA829E}"/>
+              </a:ext>
+            </a:extLst>
+          </p:cNvPr>
+          <p:cNvCxnSpPr>
+            <a:cxnSpLocks/>
+          </p:cNvCxnSpPr>
+          <p:nvPr/>
+        </p:nvCxnSpPr>
+        <p:spPr>
+          <a:xfrm>
+            <a:off x="5593976" y="2576223"/>
+            <a:ext cx="1171495" cy="951736"/>
+          </a:xfrm>
+          <a:prstGeom prst="bentConnector3">
+            <a:avLst>
+              <a:gd name="adj1" fmla="val 100178"/>
+            </a:avLst>
+          </a:prstGeom>
+          <a:ln w="76200">
+            <a:tailEnd type="triangle"/>
+          </a:ln>
+        </p:spPr>
+        <p:style>
+          <a:lnRef idx="1">
+            <a:schemeClr val="accent1"/>
+          </a:lnRef>
+          <a:fillRef idx="0">
+            <a:schemeClr val="accent1"/>
+          </a:fillRef>
+          <a:effectRef idx="0">
+            <a:schemeClr val="accent1"/>
+          </a:effectRef>
+          <a:fontRef idx="minor">
+            <a:schemeClr val="tx1"/>
+          </a:fontRef>
+        </p:style>
+      </p:cxnSp>
+    </p:spTree>
+    <p:extLst>
+      <p:ext uri="{BB962C8B-B14F-4D97-AF65-F5344CB8AC3E}">
+        <p14:creationId xmlns:p14="http://schemas.microsoft.com/office/powerpoint/2010/main" val="3172035324"/>
+      </p:ext>
+    </p:extLst>
+  </p:cSld>
+  <p:clrMapOvr>
+    <a:masterClrMapping/>
+  </p:clrMapOvr>
+</p:sld>
+</file>
+
+<file path=ppt/slides/slide15.xml><?xml version="1.0" encoding="utf-8"?>
 <p:sld xmlns:a="http://schemas.openxmlformats.org/drawingml/2006/main" xmlns:r="http://schemas.openxmlformats.org/officeDocument/2006/relationships" xmlns:p="http://schemas.openxmlformats.org/presentationml/2006/main">
   <p:cSld>
     <p:spTree>
@@ -9091,7 +11600,7 @@
 </file>
 
 <file path=ppt/slides/slide2.xml><?xml version="1.0" encoding="utf-8"?>
-<p:sld xmlns:a="http://schemas.openxmlformats.org/drawingml/2006/main" xmlns:r="http://schemas.openxmlformats.org/officeDocument/2006/relationships" xmlns:p="http://schemas.openxmlformats.org/presentationml/2006/main" show="0">
+<p:sld xmlns:a="http://schemas.openxmlformats.org/drawingml/2006/main" xmlns:r="http://schemas.openxmlformats.org/officeDocument/2006/relationships" xmlns:p="http://schemas.openxmlformats.org/presentationml/2006/main">
   <p:cSld>
     <p:spTree>
       <p:nvGrpSpPr>
@@ -9109,10 +11618,10 @@
       </p:grpSpPr>
       <p:pic>
         <p:nvPicPr>
-          <p:cNvPr id="26" name="Picture 25">
+          <p:cNvPr id="2" name="Picture 1">
             <a:extLst>
               <a:ext uri="{FF2B5EF4-FFF2-40B4-BE49-F238E27FC236}">
-                <a16:creationId xmlns:a16="http://schemas.microsoft.com/office/drawing/2014/main" id="{B929D6AA-A2E2-294C-9025-AD5B50850EB6}"/>
+                <a16:creationId xmlns:a16="http://schemas.microsoft.com/office/drawing/2014/main" id="{B9543674-1075-E64E-BD53-00D43A425989}"/>
               </a:ext>
             </a:extLst>
           </p:cNvPr>
@@ -9138,10 +11647,10 @@
       </p:pic>
       <p:grpSp>
         <p:nvGrpSpPr>
-          <p:cNvPr id="2" name="Group 1">
+          <p:cNvPr id="3" name="Group 2">
             <a:extLst>
               <a:ext uri="{FF2B5EF4-FFF2-40B4-BE49-F238E27FC236}">
-                <a16:creationId xmlns:a16="http://schemas.microsoft.com/office/drawing/2014/main" id="{41840C18-F524-5446-B8DA-4533054F3F1D}"/>
+                <a16:creationId xmlns:a16="http://schemas.microsoft.com/office/drawing/2014/main" id="{EAED604A-A2AE-534A-B530-A38B7EC8A3FA}"/>
               </a:ext>
             </a:extLst>
           </p:cNvPr>
@@ -9150,1145 +11659,1311 @@
         </p:nvGrpSpPr>
         <p:grpSpPr>
           <a:xfrm>
-            <a:off x="1166068" y="1525547"/>
-            <a:ext cx="5764179" cy="2448080"/>
-            <a:chOff x="1166068" y="1525547"/>
-            <a:chExt cx="5764179" cy="2448080"/>
+            <a:off x="1166068" y="1487042"/>
+            <a:ext cx="5821027" cy="2486585"/>
+            <a:chOff x="1166068" y="1487042"/>
+            <a:chExt cx="5821027" cy="2486585"/>
           </a:xfrm>
         </p:grpSpPr>
-        <p:sp>
-          <p:nvSpPr>
-            <p:cNvPr id="3" name="Oval 2">
+        <p:grpSp>
+          <p:nvGrpSpPr>
+            <p:cNvPr id="4" name="Group 3">
               <a:extLst>
                 <a:ext uri="{FF2B5EF4-FFF2-40B4-BE49-F238E27FC236}">
-                  <a16:creationId xmlns:a16="http://schemas.microsoft.com/office/drawing/2014/main" id="{ECB6149A-C140-7743-AC36-F393AC3F02CE}"/>
+                  <a16:creationId xmlns:a16="http://schemas.microsoft.com/office/drawing/2014/main" id="{9EEB7AD3-0009-4149-9278-090DFA1A3F5E}"/>
                 </a:ext>
               </a:extLst>
             </p:cNvPr>
-            <p:cNvSpPr>
-              <a:spLocks noChangeAspect="1"/>
-            </p:cNvSpPr>
+            <p:cNvGrpSpPr/>
+            <p:nvPr/>
+          </p:nvGrpSpPr>
+          <p:grpSpPr>
+            <a:xfrm>
+              <a:off x="1166068" y="1525547"/>
+              <a:ext cx="5764179" cy="2448080"/>
+              <a:chOff x="1166068" y="1525547"/>
+              <a:chExt cx="5764179" cy="2448080"/>
+            </a:xfrm>
+          </p:grpSpPr>
+          <p:sp>
+            <p:nvSpPr>
+              <p:cNvPr id="7" name="Oval 6">
+                <a:extLst>
+                  <a:ext uri="{FF2B5EF4-FFF2-40B4-BE49-F238E27FC236}">
+                    <a16:creationId xmlns:a16="http://schemas.microsoft.com/office/drawing/2014/main" id="{40D36C55-111F-8A4F-ABC5-D391C395833F}"/>
+                  </a:ext>
+                </a:extLst>
+              </p:cNvPr>
+              <p:cNvSpPr>
+                <a:spLocks noChangeAspect="1"/>
+              </p:cNvSpPr>
+              <p:nvPr/>
+            </p:nvSpPr>
+            <p:spPr>
+              <a:xfrm>
+                <a:off x="1170513" y="3699307"/>
+                <a:ext cx="274320" cy="274320"/>
+              </a:xfrm>
+              <a:prstGeom prst="ellipse">
+                <a:avLst/>
+              </a:prstGeom>
+              <a:noFill/>
+              <a:ln w="19050">
+                <a:solidFill>
+                  <a:schemeClr val="tx1"/>
+                </a:solidFill>
+              </a:ln>
+            </p:spPr>
+            <p:style>
+              <a:lnRef idx="2">
+                <a:schemeClr val="accent1">
+                  <a:shade val="50000"/>
+                </a:schemeClr>
+              </a:lnRef>
+              <a:fillRef idx="1">
+                <a:schemeClr val="accent1"/>
+              </a:fillRef>
+              <a:effectRef idx="0">
+                <a:schemeClr val="accent1"/>
+              </a:effectRef>
+              <a:fontRef idx="minor">
+                <a:schemeClr val="lt1"/>
+              </a:fontRef>
+            </p:style>
+            <p:txBody>
+              <a:bodyPr rtlCol="0" anchor="ctr"/>
+              <a:lstStyle/>
+              <a:p>
+                <a:pPr algn="ctr"/>
+                <a:r>
+                  <a:rPr lang="en-US" sz="1600" dirty="0">
+                    <a:solidFill>
+                      <a:schemeClr val="tx1"/>
+                    </a:solidFill>
+                  </a:rPr>
+                  <a:t>1</a:t>
+                </a:r>
+              </a:p>
+            </p:txBody>
+          </p:sp>
+          <p:sp>
+            <p:nvSpPr>
+              <p:cNvPr id="8" name="Oval 7">
+                <a:extLst>
+                  <a:ext uri="{FF2B5EF4-FFF2-40B4-BE49-F238E27FC236}">
+                    <a16:creationId xmlns:a16="http://schemas.microsoft.com/office/drawing/2014/main" id="{9CBCBF3A-C868-664C-84C4-32ACE805CCC4}"/>
+                  </a:ext>
+                </a:extLst>
+              </p:cNvPr>
+              <p:cNvSpPr>
+                <a:spLocks noChangeAspect="1"/>
+              </p:cNvSpPr>
+              <p:nvPr/>
+            </p:nvSpPr>
+            <p:spPr>
+              <a:xfrm>
+                <a:off x="2638423" y="3699307"/>
+                <a:ext cx="274320" cy="274320"/>
+              </a:xfrm>
+              <a:prstGeom prst="ellipse">
+                <a:avLst/>
+              </a:prstGeom>
+              <a:noFill/>
+              <a:ln w="19050">
+                <a:solidFill>
+                  <a:schemeClr val="tx1"/>
+                </a:solidFill>
+              </a:ln>
+            </p:spPr>
+            <p:style>
+              <a:lnRef idx="2">
+                <a:schemeClr val="accent1">
+                  <a:shade val="50000"/>
+                </a:schemeClr>
+              </a:lnRef>
+              <a:fillRef idx="1">
+                <a:schemeClr val="accent1"/>
+              </a:fillRef>
+              <a:effectRef idx="0">
+                <a:schemeClr val="accent1"/>
+              </a:effectRef>
+              <a:fontRef idx="minor">
+                <a:schemeClr val="lt1"/>
+              </a:fontRef>
+            </p:style>
+            <p:txBody>
+              <a:bodyPr rtlCol="0" anchor="ctr"/>
+              <a:lstStyle/>
+              <a:p>
+                <a:pPr algn="ctr"/>
+                <a:r>
+                  <a:rPr lang="en-US" sz="1600" dirty="0">
+                    <a:solidFill>
+                      <a:schemeClr val="tx1"/>
+                    </a:solidFill>
+                  </a:rPr>
+                  <a:t>2</a:t>
+                </a:r>
+              </a:p>
+            </p:txBody>
+          </p:sp>
+          <p:cxnSp>
+            <p:nvCxnSpPr>
+              <p:cNvPr id="9" name="Straight Connector 8">
+                <a:extLst>
+                  <a:ext uri="{FF2B5EF4-FFF2-40B4-BE49-F238E27FC236}">
+                    <a16:creationId xmlns:a16="http://schemas.microsoft.com/office/drawing/2014/main" id="{AF8CA53E-07EE-C84A-93DB-6AD870816208}"/>
+                  </a:ext>
+                </a:extLst>
+              </p:cNvPr>
+              <p:cNvCxnSpPr>
+                <a:stCxn id="7" idx="6"/>
+                <a:endCxn id="8" idx="2"/>
+              </p:cNvCxnSpPr>
+              <p:nvPr/>
+            </p:nvCxnSpPr>
+            <p:spPr>
+              <a:xfrm>
+                <a:off x="1444833" y="3836467"/>
+                <a:ext cx="1193590" cy="0"/>
+              </a:xfrm>
+              <a:prstGeom prst="line">
+                <a:avLst/>
+              </a:prstGeom>
+              <a:ln w="38100">
+                <a:solidFill>
+                  <a:schemeClr val="tx1"/>
+                </a:solidFill>
+              </a:ln>
+            </p:spPr>
+            <p:style>
+              <a:lnRef idx="1">
+                <a:schemeClr val="accent1"/>
+              </a:lnRef>
+              <a:fillRef idx="0">
+                <a:schemeClr val="accent1"/>
+              </a:fillRef>
+              <a:effectRef idx="0">
+                <a:schemeClr val="accent1"/>
+              </a:effectRef>
+              <a:fontRef idx="minor">
+                <a:schemeClr val="tx1"/>
+              </a:fontRef>
+            </p:style>
+          </p:cxnSp>
+          <p:cxnSp>
+            <p:nvCxnSpPr>
+              <p:cNvPr id="10" name="Straight Connector 9">
+                <a:extLst>
+                  <a:ext uri="{FF2B5EF4-FFF2-40B4-BE49-F238E27FC236}">
+                    <a16:creationId xmlns:a16="http://schemas.microsoft.com/office/drawing/2014/main" id="{079ED167-2442-5845-8FAC-EA4716F444E3}"/>
+                  </a:ext>
+                </a:extLst>
+              </p:cNvPr>
+              <p:cNvCxnSpPr>
+                <a:cxnSpLocks/>
+                <a:stCxn id="8" idx="6"/>
+                <a:endCxn id="20" idx="2"/>
+              </p:cNvCxnSpPr>
+              <p:nvPr/>
+            </p:nvCxnSpPr>
+            <p:spPr>
+              <a:xfrm>
+                <a:off x="2912743" y="3836467"/>
+                <a:ext cx="1197886" cy="0"/>
+              </a:xfrm>
+              <a:prstGeom prst="line">
+                <a:avLst/>
+              </a:prstGeom>
+              <a:ln w="38100">
+                <a:solidFill>
+                  <a:schemeClr val="tx1"/>
+                </a:solidFill>
+              </a:ln>
+            </p:spPr>
+            <p:style>
+              <a:lnRef idx="1">
+                <a:schemeClr val="accent1"/>
+              </a:lnRef>
+              <a:fillRef idx="0">
+                <a:schemeClr val="accent1"/>
+              </a:fillRef>
+              <a:effectRef idx="0">
+                <a:schemeClr val="accent1"/>
+              </a:effectRef>
+              <a:fontRef idx="minor">
+                <a:schemeClr val="tx1"/>
+              </a:fontRef>
+            </p:style>
+          </p:cxnSp>
+          <p:cxnSp>
+            <p:nvCxnSpPr>
+              <p:cNvPr id="11" name="Straight Connector 10">
+                <a:extLst>
+                  <a:ext uri="{FF2B5EF4-FFF2-40B4-BE49-F238E27FC236}">
+                    <a16:creationId xmlns:a16="http://schemas.microsoft.com/office/drawing/2014/main" id="{185EA310-F972-284E-AAE4-13618FB1FEDA}"/>
+                  </a:ext>
+                </a:extLst>
+              </p:cNvPr>
+              <p:cNvCxnSpPr>
+                <a:cxnSpLocks/>
+                <a:stCxn id="20" idx="6"/>
+                <a:endCxn id="22" idx="2"/>
+              </p:cNvCxnSpPr>
+              <p:nvPr/>
+            </p:nvCxnSpPr>
+            <p:spPr>
+              <a:xfrm>
+                <a:off x="4384949" y="3836467"/>
+                <a:ext cx="1069914" cy="0"/>
+              </a:xfrm>
+              <a:prstGeom prst="line">
+                <a:avLst/>
+              </a:prstGeom>
+              <a:ln w="38100">
+                <a:solidFill>
+                  <a:schemeClr val="tx1"/>
+                </a:solidFill>
+              </a:ln>
+            </p:spPr>
+            <p:style>
+              <a:lnRef idx="1">
+                <a:schemeClr val="accent1"/>
+              </a:lnRef>
+              <a:fillRef idx="0">
+                <a:schemeClr val="accent1"/>
+              </a:fillRef>
+              <a:effectRef idx="0">
+                <a:schemeClr val="accent1"/>
+              </a:effectRef>
+              <a:fontRef idx="minor">
+                <a:schemeClr val="tx1"/>
+              </a:fontRef>
+            </p:style>
+          </p:cxnSp>
+          <p:cxnSp>
+            <p:nvCxnSpPr>
+              <p:cNvPr id="12" name="Straight Connector 11">
+                <a:extLst>
+                  <a:ext uri="{FF2B5EF4-FFF2-40B4-BE49-F238E27FC236}">
+                    <a16:creationId xmlns:a16="http://schemas.microsoft.com/office/drawing/2014/main" id="{7CA57974-D81A-F84A-AF74-ADE7B3C04D83}"/>
+                  </a:ext>
+                </a:extLst>
+              </p:cNvPr>
+              <p:cNvCxnSpPr>
+                <a:cxnSpLocks/>
+                <a:stCxn id="22" idx="6"/>
+                <a:endCxn id="27" idx="2"/>
+              </p:cNvCxnSpPr>
+              <p:nvPr/>
+            </p:nvCxnSpPr>
+            <p:spPr>
+              <a:xfrm>
+                <a:off x="5729183" y="3836467"/>
+                <a:ext cx="910380" cy="0"/>
+              </a:xfrm>
+              <a:prstGeom prst="line">
+                <a:avLst/>
+              </a:prstGeom>
+              <a:ln w="38100">
+                <a:solidFill>
+                  <a:schemeClr val="tx1"/>
+                </a:solidFill>
+              </a:ln>
+            </p:spPr>
+            <p:style>
+              <a:lnRef idx="1">
+                <a:schemeClr val="accent1"/>
+              </a:lnRef>
+              <a:fillRef idx="0">
+                <a:schemeClr val="accent1"/>
+              </a:fillRef>
+              <a:effectRef idx="0">
+                <a:schemeClr val="accent1"/>
+              </a:effectRef>
+              <a:fontRef idx="minor">
+                <a:schemeClr val="tx1"/>
+              </a:fontRef>
+            </p:style>
+          </p:cxnSp>
+          <p:cxnSp>
+            <p:nvCxnSpPr>
+              <p:cNvPr id="13" name="Straight Connector 12">
+                <a:extLst>
+                  <a:ext uri="{FF2B5EF4-FFF2-40B4-BE49-F238E27FC236}">
+                    <a16:creationId xmlns:a16="http://schemas.microsoft.com/office/drawing/2014/main" id="{C4797D9E-25F4-2341-9344-8D434475CBD7}"/>
+                  </a:ext>
+                </a:extLst>
+              </p:cNvPr>
+              <p:cNvCxnSpPr>
+                <a:cxnSpLocks/>
+                <a:stCxn id="27" idx="0"/>
+              </p:cNvCxnSpPr>
+              <p:nvPr/>
+            </p:nvCxnSpPr>
+            <p:spPr>
+              <a:xfrm flipV="1">
+                <a:off x="6776723" y="2751685"/>
+                <a:ext cx="13844" cy="947622"/>
+              </a:xfrm>
+              <a:prstGeom prst="line">
+                <a:avLst/>
+              </a:prstGeom>
+              <a:ln w="38100">
+                <a:solidFill>
+                  <a:schemeClr val="tx1"/>
+                </a:solidFill>
+              </a:ln>
+            </p:spPr>
+            <p:style>
+              <a:lnRef idx="1">
+                <a:schemeClr val="accent1"/>
+              </a:lnRef>
+              <a:fillRef idx="0">
+                <a:schemeClr val="accent1"/>
+              </a:fillRef>
+              <a:effectRef idx="0">
+                <a:schemeClr val="accent1"/>
+              </a:effectRef>
+              <a:fontRef idx="minor">
+                <a:schemeClr val="tx1"/>
+              </a:fontRef>
+            </p:style>
+          </p:cxnSp>
+          <p:cxnSp>
+            <p:nvCxnSpPr>
+              <p:cNvPr id="14" name="Straight Connector 13">
+                <a:extLst>
+                  <a:ext uri="{FF2B5EF4-FFF2-40B4-BE49-F238E27FC236}">
+                    <a16:creationId xmlns:a16="http://schemas.microsoft.com/office/drawing/2014/main" id="{9DA03483-8D11-9C46-9C23-FC9A03EB4662}"/>
+                  </a:ext>
+                </a:extLst>
+              </p:cNvPr>
+              <p:cNvCxnSpPr>
+                <a:cxnSpLocks/>
+                <a:stCxn id="25" idx="0"/>
+                <a:endCxn id="26" idx="4"/>
+              </p:cNvCxnSpPr>
+              <p:nvPr/>
+            </p:nvCxnSpPr>
+            <p:spPr>
+              <a:xfrm flipV="1">
+                <a:off x="6779243" y="1799867"/>
+                <a:ext cx="13844" cy="676163"/>
+              </a:xfrm>
+              <a:prstGeom prst="line">
+                <a:avLst/>
+              </a:prstGeom>
+              <a:ln w="38100">
+                <a:solidFill>
+                  <a:schemeClr val="tx1"/>
+                </a:solidFill>
+              </a:ln>
+            </p:spPr>
+            <p:style>
+              <a:lnRef idx="1">
+                <a:schemeClr val="accent1"/>
+              </a:lnRef>
+              <a:fillRef idx="0">
+                <a:schemeClr val="accent1"/>
+              </a:fillRef>
+              <a:effectRef idx="0">
+                <a:schemeClr val="accent1"/>
+              </a:effectRef>
+              <a:fontRef idx="minor">
+                <a:schemeClr val="tx1"/>
+              </a:fontRef>
+            </p:style>
+          </p:cxnSp>
+          <p:cxnSp>
+            <p:nvCxnSpPr>
+              <p:cNvPr id="15" name="Straight Connector 14">
+                <a:extLst>
+                  <a:ext uri="{FF2B5EF4-FFF2-40B4-BE49-F238E27FC236}">
+                    <a16:creationId xmlns:a16="http://schemas.microsoft.com/office/drawing/2014/main" id="{F9CA083A-13E3-4F46-B35B-3E21CFCAB845}"/>
+                  </a:ext>
+                </a:extLst>
+              </p:cNvPr>
+              <p:cNvCxnSpPr>
+                <a:cxnSpLocks/>
+                <a:stCxn id="25" idx="2"/>
+                <a:endCxn id="24" idx="6"/>
+              </p:cNvCxnSpPr>
+              <p:nvPr/>
+            </p:nvCxnSpPr>
+            <p:spPr>
+              <a:xfrm flipH="1">
+                <a:off x="5720293" y="2613190"/>
+                <a:ext cx="921790" cy="0"/>
+              </a:xfrm>
+              <a:prstGeom prst="line">
+                <a:avLst/>
+              </a:prstGeom>
+              <a:ln w="38100">
+                <a:solidFill>
+                  <a:schemeClr val="tx1"/>
+                </a:solidFill>
+              </a:ln>
+            </p:spPr>
+            <p:style>
+              <a:lnRef idx="1">
+                <a:schemeClr val="accent1"/>
+              </a:lnRef>
+              <a:fillRef idx="0">
+                <a:schemeClr val="accent1"/>
+              </a:fillRef>
+              <a:effectRef idx="0">
+                <a:schemeClr val="accent1"/>
+              </a:effectRef>
+              <a:fontRef idx="minor">
+                <a:schemeClr val="tx1"/>
+              </a:fontRef>
+            </p:style>
+          </p:cxnSp>
+          <p:cxnSp>
+            <p:nvCxnSpPr>
+              <p:cNvPr id="16" name="Straight Connector 15">
+                <a:extLst>
+                  <a:ext uri="{FF2B5EF4-FFF2-40B4-BE49-F238E27FC236}">
+                    <a16:creationId xmlns:a16="http://schemas.microsoft.com/office/drawing/2014/main" id="{BDDDB7A7-0D3E-994B-9F19-BD475FB496FD}"/>
+                  </a:ext>
+                </a:extLst>
+              </p:cNvPr>
+              <p:cNvCxnSpPr>
+                <a:cxnSpLocks/>
+                <a:stCxn id="24" idx="2"/>
+                <a:endCxn id="23" idx="6"/>
+              </p:cNvCxnSpPr>
+              <p:nvPr/>
+            </p:nvCxnSpPr>
+            <p:spPr>
+              <a:xfrm flipH="1">
+                <a:off x="4389543" y="2613190"/>
+                <a:ext cx="1056430" cy="0"/>
+              </a:xfrm>
+              <a:prstGeom prst="line">
+                <a:avLst/>
+              </a:prstGeom>
+              <a:ln w="38100">
+                <a:solidFill>
+                  <a:schemeClr val="tx1"/>
+                </a:solidFill>
+              </a:ln>
+            </p:spPr>
+            <p:style>
+              <a:lnRef idx="1">
+                <a:schemeClr val="accent1"/>
+              </a:lnRef>
+              <a:fillRef idx="0">
+                <a:schemeClr val="accent1"/>
+              </a:fillRef>
+              <a:effectRef idx="0">
+                <a:schemeClr val="accent1"/>
+              </a:effectRef>
+              <a:fontRef idx="minor">
+                <a:schemeClr val="tx1"/>
+              </a:fontRef>
+            </p:style>
+          </p:cxnSp>
+          <p:cxnSp>
+            <p:nvCxnSpPr>
+              <p:cNvPr id="17" name="Straight Connector 16">
+                <a:extLst>
+                  <a:ext uri="{FF2B5EF4-FFF2-40B4-BE49-F238E27FC236}">
+                    <a16:creationId xmlns:a16="http://schemas.microsoft.com/office/drawing/2014/main" id="{D5D40A4A-99E1-CE4C-9A0B-4A53F9BCDF7D}"/>
+                  </a:ext>
+                </a:extLst>
+              </p:cNvPr>
+              <p:cNvCxnSpPr>
+                <a:cxnSpLocks/>
+                <a:stCxn id="23" idx="2"/>
+                <a:endCxn id="21" idx="6"/>
+              </p:cNvCxnSpPr>
+              <p:nvPr/>
+            </p:nvCxnSpPr>
+            <p:spPr>
+              <a:xfrm flipH="1">
+                <a:off x="2921633" y="2613190"/>
+                <a:ext cx="1193590" cy="0"/>
+              </a:xfrm>
+              <a:prstGeom prst="line">
+                <a:avLst/>
+              </a:prstGeom>
+              <a:ln w="38100">
+                <a:solidFill>
+                  <a:schemeClr val="tx1"/>
+                </a:solidFill>
+              </a:ln>
+            </p:spPr>
+            <p:style>
+              <a:lnRef idx="1">
+                <a:schemeClr val="accent1"/>
+              </a:lnRef>
+              <a:fillRef idx="0">
+                <a:schemeClr val="accent1"/>
+              </a:fillRef>
+              <a:effectRef idx="0">
+                <a:schemeClr val="accent1"/>
+              </a:effectRef>
+              <a:fontRef idx="minor">
+                <a:schemeClr val="tx1"/>
+              </a:fontRef>
+            </p:style>
+          </p:cxnSp>
+          <p:cxnSp>
+            <p:nvCxnSpPr>
+              <p:cNvPr id="18" name="Straight Connector 17">
+                <a:extLst>
+                  <a:ext uri="{FF2B5EF4-FFF2-40B4-BE49-F238E27FC236}">
+                    <a16:creationId xmlns:a16="http://schemas.microsoft.com/office/drawing/2014/main" id="{1E2C0D68-E46D-1D43-861F-7A2C8545630A}"/>
+                  </a:ext>
+                </a:extLst>
+              </p:cNvPr>
+              <p:cNvCxnSpPr>
+                <a:cxnSpLocks/>
+                <a:endCxn id="8" idx="0"/>
+              </p:cNvCxnSpPr>
+              <p:nvPr/>
+            </p:nvCxnSpPr>
+            <p:spPr>
+              <a:xfrm flipH="1">
+                <a:off x="2775583" y="2751684"/>
+                <a:ext cx="8890" cy="947623"/>
+              </a:xfrm>
+              <a:prstGeom prst="line">
+                <a:avLst/>
+              </a:prstGeom>
+              <a:ln w="38100">
+                <a:solidFill>
+                  <a:schemeClr val="tx1"/>
+                </a:solidFill>
+              </a:ln>
+            </p:spPr>
+            <p:style>
+              <a:lnRef idx="1">
+                <a:schemeClr val="accent1"/>
+              </a:lnRef>
+              <a:fillRef idx="0">
+                <a:schemeClr val="accent1"/>
+              </a:fillRef>
+              <a:effectRef idx="0">
+                <a:schemeClr val="accent1"/>
+              </a:effectRef>
+              <a:fontRef idx="minor">
+                <a:schemeClr val="tx1"/>
+              </a:fontRef>
+            </p:style>
+          </p:cxnSp>
+          <p:cxnSp>
+            <p:nvCxnSpPr>
+              <p:cNvPr id="19" name="Straight Connector 18">
+                <a:extLst>
+                  <a:ext uri="{FF2B5EF4-FFF2-40B4-BE49-F238E27FC236}">
+                    <a16:creationId xmlns:a16="http://schemas.microsoft.com/office/drawing/2014/main" id="{41E854F2-1C68-2D4D-9012-2B8DFBDE731F}"/>
+                  </a:ext>
+                </a:extLst>
+              </p:cNvPr>
+              <p:cNvCxnSpPr>
+                <a:cxnSpLocks/>
+              </p:cNvCxnSpPr>
+              <p:nvPr/>
+            </p:nvCxnSpPr>
+            <p:spPr>
+              <a:xfrm>
+                <a:off x="5592023" y="2751684"/>
+                <a:ext cx="0" cy="938733"/>
+              </a:xfrm>
+              <a:prstGeom prst="line">
+                <a:avLst/>
+              </a:prstGeom>
+              <a:ln w="38100">
+                <a:solidFill>
+                  <a:schemeClr val="tx1"/>
+                </a:solidFill>
+              </a:ln>
+            </p:spPr>
+            <p:style>
+              <a:lnRef idx="1">
+                <a:schemeClr val="accent1"/>
+              </a:lnRef>
+              <a:fillRef idx="0">
+                <a:schemeClr val="accent1"/>
+              </a:fillRef>
+              <a:effectRef idx="0">
+                <a:schemeClr val="accent1"/>
+              </a:effectRef>
+              <a:fontRef idx="minor">
+                <a:schemeClr val="tx1"/>
+              </a:fontRef>
+            </p:style>
+          </p:cxnSp>
+          <p:sp>
+            <p:nvSpPr>
+              <p:cNvPr id="20" name="Oval 19">
+                <a:extLst>
+                  <a:ext uri="{FF2B5EF4-FFF2-40B4-BE49-F238E27FC236}">
+                    <a16:creationId xmlns:a16="http://schemas.microsoft.com/office/drawing/2014/main" id="{8D5D3E87-7FC4-8D43-B30D-654A2D60BC33}"/>
+                  </a:ext>
+                </a:extLst>
+              </p:cNvPr>
+              <p:cNvSpPr>
+                <a:spLocks noChangeAspect="1"/>
+              </p:cNvSpPr>
+              <p:nvPr/>
+            </p:nvSpPr>
+            <p:spPr>
+              <a:xfrm>
+                <a:off x="4110629" y="3699307"/>
+                <a:ext cx="274320" cy="274320"/>
+              </a:xfrm>
+              <a:prstGeom prst="ellipse">
+                <a:avLst/>
+              </a:prstGeom>
+              <a:noFill/>
+              <a:ln w="19050">
+                <a:solidFill>
+                  <a:schemeClr val="tx1"/>
+                </a:solidFill>
+              </a:ln>
+            </p:spPr>
+            <p:style>
+              <a:lnRef idx="2">
+                <a:schemeClr val="accent1">
+                  <a:shade val="50000"/>
+                </a:schemeClr>
+              </a:lnRef>
+              <a:fillRef idx="1">
+                <a:schemeClr val="accent1"/>
+              </a:fillRef>
+              <a:effectRef idx="0">
+                <a:schemeClr val="accent1"/>
+              </a:effectRef>
+              <a:fontRef idx="minor">
+                <a:schemeClr val="lt1"/>
+              </a:fontRef>
+            </p:style>
+            <p:txBody>
+              <a:bodyPr rtlCol="0" anchor="ctr"/>
+              <a:lstStyle/>
+              <a:p>
+                <a:pPr algn="ctr"/>
+                <a:r>
+                  <a:rPr lang="en-US" sz="1600" dirty="0">
+                    <a:solidFill>
+                      <a:schemeClr val="tx1"/>
+                    </a:solidFill>
+                  </a:rPr>
+                  <a:t>3</a:t>
+                </a:r>
+              </a:p>
+            </p:txBody>
+          </p:sp>
+          <p:sp>
+            <p:nvSpPr>
+              <p:cNvPr id="21" name="Oval 20">
+                <a:extLst>
+                  <a:ext uri="{FF2B5EF4-FFF2-40B4-BE49-F238E27FC236}">
+                    <a16:creationId xmlns:a16="http://schemas.microsoft.com/office/drawing/2014/main" id="{DD9D0546-2698-8649-A19D-6E9B3379844F}"/>
+                  </a:ext>
+                </a:extLst>
+              </p:cNvPr>
+              <p:cNvSpPr>
+                <a:spLocks noChangeAspect="1"/>
+              </p:cNvSpPr>
+              <p:nvPr/>
+            </p:nvSpPr>
+            <p:spPr>
+              <a:xfrm>
+                <a:off x="2647313" y="2476030"/>
+                <a:ext cx="274320" cy="274320"/>
+              </a:xfrm>
+              <a:prstGeom prst="ellipse">
+                <a:avLst/>
+              </a:prstGeom>
+              <a:noFill/>
+              <a:ln w="19050">
+                <a:solidFill>
+                  <a:schemeClr val="tx1"/>
+                </a:solidFill>
+              </a:ln>
+            </p:spPr>
+            <p:style>
+              <a:lnRef idx="2">
+                <a:schemeClr val="accent1">
+                  <a:shade val="50000"/>
+                </a:schemeClr>
+              </a:lnRef>
+              <a:fillRef idx="1">
+                <a:schemeClr val="accent1"/>
+              </a:fillRef>
+              <a:effectRef idx="0">
+                <a:schemeClr val="accent1"/>
+              </a:effectRef>
+              <a:fontRef idx="minor">
+                <a:schemeClr val="lt1"/>
+              </a:fontRef>
+            </p:style>
+            <p:txBody>
+              <a:bodyPr rtlCol="0" anchor="ctr"/>
+              <a:lstStyle/>
+              <a:p>
+                <a:pPr algn="ctr"/>
+                <a:r>
+                  <a:rPr lang="en-US" sz="1600" dirty="0">
+                    <a:solidFill>
+                      <a:schemeClr val="tx1"/>
+                    </a:solidFill>
+                  </a:rPr>
+                  <a:t>7</a:t>
+                </a:r>
+              </a:p>
+            </p:txBody>
+          </p:sp>
+          <p:sp>
+            <p:nvSpPr>
+              <p:cNvPr id="22" name="Oval 21">
+                <a:extLst>
+                  <a:ext uri="{FF2B5EF4-FFF2-40B4-BE49-F238E27FC236}">
+                    <a16:creationId xmlns:a16="http://schemas.microsoft.com/office/drawing/2014/main" id="{7A47A46A-9333-CC45-B151-05C2A375E1CE}"/>
+                  </a:ext>
+                </a:extLst>
+              </p:cNvPr>
+              <p:cNvSpPr>
+                <a:spLocks noChangeAspect="1"/>
+              </p:cNvSpPr>
+              <p:nvPr/>
+            </p:nvSpPr>
+            <p:spPr>
+              <a:xfrm>
+                <a:off x="5454863" y="3699307"/>
+                <a:ext cx="274320" cy="274320"/>
+              </a:xfrm>
+              <a:prstGeom prst="ellipse">
+                <a:avLst/>
+              </a:prstGeom>
+              <a:noFill/>
+              <a:ln w="19050">
+                <a:solidFill>
+                  <a:schemeClr val="tx1"/>
+                </a:solidFill>
+              </a:ln>
+            </p:spPr>
+            <p:style>
+              <a:lnRef idx="2">
+                <a:schemeClr val="accent1">
+                  <a:shade val="50000"/>
+                </a:schemeClr>
+              </a:lnRef>
+              <a:fillRef idx="1">
+                <a:schemeClr val="accent1"/>
+              </a:fillRef>
+              <a:effectRef idx="0">
+                <a:schemeClr val="accent1"/>
+              </a:effectRef>
+              <a:fontRef idx="minor">
+                <a:schemeClr val="lt1"/>
+              </a:fontRef>
+            </p:style>
+            <p:txBody>
+              <a:bodyPr rtlCol="0" anchor="ctr"/>
+              <a:lstStyle/>
+              <a:p>
+                <a:pPr algn="ctr"/>
+                <a:r>
+                  <a:rPr lang="en-US" sz="1600" dirty="0">
+                    <a:solidFill>
+                      <a:schemeClr val="tx1"/>
+                    </a:solidFill>
+                  </a:rPr>
+                  <a:t>4</a:t>
+                </a:r>
+              </a:p>
+            </p:txBody>
+          </p:sp>
+          <p:sp>
+            <p:nvSpPr>
+              <p:cNvPr id="23" name="Oval 22">
+                <a:extLst>
+                  <a:ext uri="{FF2B5EF4-FFF2-40B4-BE49-F238E27FC236}">
+                    <a16:creationId xmlns:a16="http://schemas.microsoft.com/office/drawing/2014/main" id="{CF208650-FC14-E144-AB23-71785F67E277}"/>
+                  </a:ext>
+                </a:extLst>
+              </p:cNvPr>
+              <p:cNvSpPr>
+                <a:spLocks noChangeAspect="1"/>
+              </p:cNvSpPr>
+              <p:nvPr/>
+            </p:nvSpPr>
+            <p:spPr>
+              <a:xfrm>
+                <a:off x="4115223" y="2476030"/>
+                <a:ext cx="274320" cy="274320"/>
+              </a:xfrm>
+              <a:prstGeom prst="ellipse">
+                <a:avLst/>
+              </a:prstGeom>
+              <a:noFill/>
+              <a:ln w="19050">
+                <a:solidFill>
+                  <a:schemeClr val="tx1"/>
+                </a:solidFill>
+              </a:ln>
+            </p:spPr>
+            <p:style>
+              <a:lnRef idx="2">
+                <a:schemeClr val="accent1">
+                  <a:shade val="50000"/>
+                </a:schemeClr>
+              </a:lnRef>
+              <a:fillRef idx="1">
+                <a:schemeClr val="accent1"/>
+              </a:fillRef>
+              <a:effectRef idx="0">
+                <a:schemeClr val="accent1"/>
+              </a:effectRef>
+              <a:fontRef idx="minor">
+                <a:schemeClr val="lt1"/>
+              </a:fontRef>
+            </p:style>
+            <p:txBody>
+              <a:bodyPr rtlCol="0" anchor="ctr"/>
+              <a:lstStyle/>
+              <a:p>
+                <a:pPr algn="ctr"/>
+                <a:r>
+                  <a:rPr lang="en-US" sz="1600" dirty="0">
+                    <a:solidFill>
+                      <a:schemeClr val="tx1"/>
+                    </a:solidFill>
+                  </a:rPr>
+                  <a:t>8</a:t>
+                </a:r>
+              </a:p>
+            </p:txBody>
+          </p:sp>
+          <p:sp>
+            <p:nvSpPr>
+              <p:cNvPr id="24" name="Oval 23">
+                <a:extLst>
+                  <a:ext uri="{FF2B5EF4-FFF2-40B4-BE49-F238E27FC236}">
+                    <a16:creationId xmlns:a16="http://schemas.microsoft.com/office/drawing/2014/main" id="{EBC9FC54-2246-9B4E-871F-AABEA4153FBF}"/>
+                  </a:ext>
+                </a:extLst>
+              </p:cNvPr>
+              <p:cNvSpPr>
+                <a:spLocks noChangeAspect="1"/>
+              </p:cNvSpPr>
+              <p:nvPr/>
+            </p:nvSpPr>
+            <p:spPr>
+              <a:xfrm>
+                <a:off x="5445973" y="2476030"/>
+                <a:ext cx="274320" cy="274320"/>
+              </a:xfrm>
+              <a:prstGeom prst="ellipse">
+                <a:avLst/>
+              </a:prstGeom>
+              <a:noFill/>
+              <a:ln w="19050">
+                <a:solidFill>
+                  <a:schemeClr val="tx1"/>
+                </a:solidFill>
+              </a:ln>
+            </p:spPr>
+            <p:style>
+              <a:lnRef idx="2">
+                <a:schemeClr val="accent1">
+                  <a:shade val="50000"/>
+                </a:schemeClr>
+              </a:lnRef>
+              <a:fillRef idx="1">
+                <a:schemeClr val="accent1"/>
+              </a:fillRef>
+              <a:effectRef idx="0">
+                <a:schemeClr val="accent1"/>
+              </a:effectRef>
+              <a:fontRef idx="minor">
+                <a:schemeClr val="lt1"/>
+              </a:fontRef>
+            </p:style>
+            <p:txBody>
+              <a:bodyPr rtlCol="0" anchor="ctr"/>
+              <a:lstStyle/>
+              <a:p>
+                <a:pPr algn="ctr"/>
+                <a:r>
+                  <a:rPr lang="en-US" sz="1600" dirty="0">
+                    <a:solidFill>
+                      <a:schemeClr val="tx1"/>
+                    </a:solidFill>
+                  </a:rPr>
+                  <a:t>9</a:t>
+                </a:r>
+              </a:p>
+            </p:txBody>
+          </p:sp>
+          <p:sp>
+            <p:nvSpPr>
+              <p:cNvPr id="25" name="Oval 24">
+                <a:extLst>
+                  <a:ext uri="{FF2B5EF4-FFF2-40B4-BE49-F238E27FC236}">
+                    <a16:creationId xmlns:a16="http://schemas.microsoft.com/office/drawing/2014/main" id="{F414CA44-C06B-1841-A912-622D0AA2C80A}"/>
+                  </a:ext>
+                </a:extLst>
+              </p:cNvPr>
+              <p:cNvSpPr>
+                <a:spLocks noChangeAspect="1"/>
+              </p:cNvSpPr>
+              <p:nvPr/>
+            </p:nvSpPr>
+            <p:spPr>
+              <a:xfrm>
+                <a:off x="6642083" y="2476030"/>
+                <a:ext cx="274320" cy="274320"/>
+              </a:xfrm>
+              <a:prstGeom prst="ellipse">
+                <a:avLst/>
+              </a:prstGeom>
+              <a:noFill/>
+              <a:ln w="19050">
+                <a:solidFill>
+                  <a:schemeClr val="tx1"/>
+                </a:solidFill>
+              </a:ln>
+            </p:spPr>
+            <p:style>
+              <a:lnRef idx="2">
+                <a:schemeClr val="accent1">
+                  <a:shade val="50000"/>
+                </a:schemeClr>
+              </a:lnRef>
+              <a:fillRef idx="1">
+                <a:schemeClr val="accent1"/>
+              </a:fillRef>
+              <a:effectRef idx="0">
+                <a:schemeClr val="accent1"/>
+              </a:effectRef>
+              <a:fontRef idx="minor">
+                <a:schemeClr val="lt1"/>
+              </a:fontRef>
+            </p:style>
+            <p:txBody>
+              <a:bodyPr rtlCol="0" anchor="ctr"/>
+              <a:lstStyle/>
+              <a:p>
+                <a:pPr algn="ctr"/>
+                <a:endParaRPr lang="en-US" sz="1600" dirty="0">
+                  <a:solidFill>
+                    <a:schemeClr val="accent1">
+                      <a:lumMod val="50000"/>
+                    </a:schemeClr>
+                  </a:solidFill>
+                </a:endParaRPr>
+              </a:p>
+            </p:txBody>
+          </p:sp>
+          <p:sp>
+            <p:nvSpPr>
+              <p:cNvPr id="26" name="Oval 25">
+                <a:extLst>
+                  <a:ext uri="{FF2B5EF4-FFF2-40B4-BE49-F238E27FC236}">
+                    <a16:creationId xmlns:a16="http://schemas.microsoft.com/office/drawing/2014/main" id="{54C75420-77E5-D342-A7D7-9819BE56F69D}"/>
+                  </a:ext>
+                </a:extLst>
+              </p:cNvPr>
+              <p:cNvSpPr>
+                <a:spLocks noChangeAspect="1"/>
+              </p:cNvSpPr>
+              <p:nvPr/>
+            </p:nvSpPr>
+            <p:spPr>
+              <a:xfrm>
+                <a:off x="6655927" y="1525547"/>
+                <a:ext cx="274320" cy="274320"/>
+              </a:xfrm>
+              <a:prstGeom prst="ellipse">
+                <a:avLst/>
+              </a:prstGeom>
+              <a:noFill/>
+              <a:ln w="19050">
+                <a:solidFill>
+                  <a:schemeClr val="tx1"/>
+                </a:solidFill>
+              </a:ln>
+            </p:spPr>
+            <p:style>
+              <a:lnRef idx="2">
+                <a:schemeClr val="accent1">
+                  <a:shade val="50000"/>
+                </a:schemeClr>
+              </a:lnRef>
+              <a:fillRef idx="1">
+                <a:schemeClr val="accent1"/>
+              </a:fillRef>
+              <a:effectRef idx="0">
+                <a:schemeClr val="accent1"/>
+              </a:effectRef>
+              <a:fontRef idx="minor">
+                <a:schemeClr val="lt1"/>
+              </a:fontRef>
+            </p:style>
+            <p:txBody>
+              <a:bodyPr rtlCol="0" anchor="ctr"/>
+              <a:lstStyle/>
+              <a:p>
+                <a:pPr algn="ctr"/>
+                <a:endParaRPr lang="en-US" sz="1600" dirty="0">
+                  <a:solidFill>
+                    <a:schemeClr val="accent1">
+                      <a:lumMod val="50000"/>
+                    </a:schemeClr>
+                  </a:solidFill>
+                </a:endParaRPr>
+              </a:p>
+            </p:txBody>
+          </p:sp>
+          <p:sp>
+            <p:nvSpPr>
+              <p:cNvPr id="27" name="Oval 26">
+                <a:extLst>
+                  <a:ext uri="{FF2B5EF4-FFF2-40B4-BE49-F238E27FC236}">
+                    <a16:creationId xmlns:a16="http://schemas.microsoft.com/office/drawing/2014/main" id="{BE0D3F3D-DD03-8E4C-A112-1A76E5B78371}"/>
+                  </a:ext>
+                </a:extLst>
+              </p:cNvPr>
+              <p:cNvSpPr>
+                <a:spLocks noChangeAspect="1"/>
+              </p:cNvSpPr>
+              <p:nvPr/>
+            </p:nvSpPr>
+            <p:spPr>
+              <a:xfrm>
+                <a:off x="6639563" y="3699307"/>
+                <a:ext cx="274320" cy="274320"/>
+              </a:xfrm>
+              <a:prstGeom prst="ellipse">
+                <a:avLst/>
+              </a:prstGeom>
+              <a:noFill/>
+              <a:ln w="19050">
+                <a:solidFill>
+                  <a:schemeClr val="tx1"/>
+                </a:solidFill>
+              </a:ln>
+            </p:spPr>
+            <p:style>
+              <a:lnRef idx="2">
+                <a:schemeClr val="accent1">
+                  <a:shade val="50000"/>
+                </a:schemeClr>
+              </a:lnRef>
+              <a:fillRef idx="1">
+                <a:schemeClr val="accent1"/>
+              </a:fillRef>
+              <a:effectRef idx="0">
+                <a:schemeClr val="accent1"/>
+              </a:effectRef>
+              <a:fontRef idx="minor">
+                <a:schemeClr val="lt1"/>
+              </a:fontRef>
+            </p:style>
+            <p:txBody>
+              <a:bodyPr rtlCol="0" anchor="ctr"/>
+              <a:lstStyle/>
+              <a:p>
+                <a:pPr algn="ctr"/>
+                <a:r>
+                  <a:rPr lang="en-US" sz="1600" dirty="0">
+                    <a:solidFill>
+                      <a:schemeClr val="tx1"/>
+                    </a:solidFill>
+                  </a:rPr>
+                  <a:t>5</a:t>
+                </a:r>
+              </a:p>
+            </p:txBody>
+          </p:sp>
+          <p:sp>
+            <p:nvSpPr>
+              <p:cNvPr id="28" name="Oval 27">
+                <a:extLst>
+                  <a:ext uri="{FF2B5EF4-FFF2-40B4-BE49-F238E27FC236}">
+                    <a16:creationId xmlns:a16="http://schemas.microsoft.com/office/drawing/2014/main" id="{B9CF70FD-B4C3-8344-B775-92BFF284FDBF}"/>
+                  </a:ext>
+                </a:extLst>
+              </p:cNvPr>
+              <p:cNvSpPr>
+                <a:spLocks noChangeAspect="1"/>
+              </p:cNvSpPr>
+              <p:nvPr/>
+            </p:nvSpPr>
+            <p:spPr>
+              <a:xfrm>
+                <a:off x="1166068" y="2476030"/>
+                <a:ext cx="274320" cy="274320"/>
+              </a:xfrm>
+              <a:prstGeom prst="ellipse">
+                <a:avLst/>
+              </a:prstGeom>
+              <a:noFill/>
+              <a:ln w="19050">
+                <a:solidFill>
+                  <a:schemeClr val="tx1"/>
+                </a:solidFill>
+              </a:ln>
+            </p:spPr>
+            <p:style>
+              <a:lnRef idx="2">
+                <a:schemeClr val="accent1">
+                  <a:shade val="50000"/>
+                </a:schemeClr>
+              </a:lnRef>
+              <a:fillRef idx="1">
+                <a:schemeClr val="accent1"/>
+              </a:fillRef>
+              <a:effectRef idx="0">
+                <a:schemeClr val="accent1"/>
+              </a:effectRef>
+              <a:fontRef idx="minor">
+                <a:schemeClr val="lt1"/>
+              </a:fontRef>
+            </p:style>
+            <p:txBody>
+              <a:bodyPr rtlCol="0" anchor="ctr"/>
+              <a:lstStyle/>
+              <a:p>
+                <a:pPr algn="ctr"/>
+                <a:r>
+                  <a:rPr lang="en-US" sz="1600" dirty="0">
+                    <a:solidFill>
+                      <a:schemeClr val="tx1"/>
+                    </a:solidFill>
+                  </a:rPr>
+                  <a:t>6</a:t>
+                </a:r>
+              </a:p>
+            </p:txBody>
+          </p:sp>
+          <p:cxnSp>
+            <p:nvCxnSpPr>
+              <p:cNvPr id="29" name="Straight Connector 28">
+                <a:extLst>
+                  <a:ext uri="{FF2B5EF4-FFF2-40B4-BE49-F238E27FC236}">
+                    <a16:creationId xmlns:a16="http://schemas.microsoft.com/office/drawing/2014/main" id="{334C025F-D7DB-8D4A-8FC1-581092816493}"/>
+                  </a:ext>
+                </a:extLst>
+              </p:cNvPr>
+              <p:cNvCxnSpPr>
+                <a:stCxn id="21" idx="2"/>
+                <a:endCxn id="28" idx="6"/>
+              </p:cNvCxnSpPr>
+              <p:nvPr/>
+            </p:nvCxnSpPr>
+            <p:spPr>
+              <a:xfrm flipH="1">
+                <a:off x="1440388" y="2613190"/>
+                <a:ext cx="1206925" cy="0"/>
+              </a:xfrm>
+              <a:prstGeom prst="line">
+                <a:avLst/>
+              </a:prstGeom>
+              <a:ln w="38100">
+                <a:solidFill>
+                  <a:schemeClr val="tx1"/>
+                </a:solidFill>
+              </a:ln>
+            </p:spPr>
+            <p:style>
+              <a:lnRef idx="1">
+                <a:schemeClr val="accent1"/>
+              </a:lnRef>
+              <a:fillRef idx="0">
+                <a:schemeClr val="accent1"/>
+              </a:fillRef>
+              <a:effectRef idx="0">
+                <a:schemeClr val="accent1"/>
+              </a:effectRef>
+              <a:fontRef idx="minor">
+                <a:schemeClr val="tx1"/>
+              </a:fontRef>
+            </p:style>
+          </p:cxnSp>
+        </p:grpSp>
+        <p:sp>
+          <p:nvSpPr>
+            <p:cNvPr id="5" name="TextBox 4">
+              <a:extLst>
+                <a:ext uri="{FF2B5EF4-FFF2-40B4-BE49-F238E27FC236}">
+                  <a16:creationId xmlns:a16="http://schemas.microsoft.com/office/drawing/2014/main" id="{903DC019-86C2-8E47-8BAF-14DBE0FADD8C}"/>
+                </a:ext>
+              </a:extLst>
+            </p:cNvPr>
+            <p:cNvSpPr txBox="1"/>
             <p:nvPr/>
           </p:nvSpPr>
           <p:spPr>
             <a:xfrm>
-              <a:off x="1170513" y="3699307"/>
-              <a:ext cx="274320" cy="274320"/>
+              <a:off x="6580195" y="2437234"/>
+              <a:ext cx="393056" cy="338554"/>
             </a:xfrm>
-            <a:prstGeom prst="ellipse">
+            <a:prstGeom prst="rect">
               <a:avLst/>
             </a:prstGeom>
             <a:noFill/>
-            <a:ln w="19050">
-              <a:solidFill>
-                <a:schemeClr val="tx1"/>
-              </a:solidFill>
-            </a:ln>
           </p:spPr>
-          <p:style>
-            <a:lnRef idx="2">
-              <a:schemeClr val="accent1">
-                <a:shade val="50000"/>
-              </a:schemeClr>
-            </a:lnRef>
-            <a:fillRef idx="1">
-              <a:schemeClr val="accent1"/>
-            </a:fillRef>
-            <a:effectRef idx="0">
-              <a:schemeClr val="accent1"/>
-            </a:effectRef>
-            <a:fontRef idx="minor">
-              <a:schemeClr val="lt1"/>
-            </a:fontRef>
-          </p:style>
           <p:txBody>
-            <a:bodyPr rtlCol="0" anchor="ctr"/>
+            <a:bodyPr wrap="none" rtlCol="0">
+              <a:spAutoFit/>
+            </a:bodyPr>
             <a:lstStyle/>
             <a:p>
-              <a:pPr algn="ctr"/>
-              <a:endParaRPr lang="en-US"/>
+              <a:r>
+                <a:rPr lang="en-US" sz="1600" dirty="0"/>
+                <a:t>10</a:t>
+              </a:r>
             </a:p>
           </p:txBody>
         </p:sp>
         <p:sp>
           <p:nvSpPr>
-            <p:cNvPr id="4" name="Oval 3">
+            <p:cNvPr id="6" name="TextBox 5">
               <a:extLst>
                 <a:ext uri="{FF2B5EF4-FFF2-40B4-BE49-F238E27FC236}">
-                  <a16:creationId xmlns:a16="http://schemas.microsoft.com/office/drawing/2014/main" id="{FC24342A-6F7D-DD4F-A1FF-0E5B4670BE18}"/>
+                  <a16:creationId xmlns:a16="http://schemas.microsoft.com/office/drawing/2014/main" id="{8AF34384-6899-2749-8049-DA62AB4FE52F}"/>
                 </a:ext>
               </a:extLst>
             </p:cNvPr>
-            <p:cNvSpPr>
-              <a:spLocks noChangeAspect="1"/>
-            </p:cNvSpPr>
+            <p:cNvSpPr txBox="1"/>
             <p:nvPr/>
           </p:nvSpPr>
           <p:spPr>
             <a:xfrm>
-              <a:off x="2638423" y="3699307"/>
-              <a:ext cx="274320" cy="274320"/>
+              <a:off x="6594039" y="1487042"/>
+              <a:ext cx="393056" cy="338554"/>
             </a:xfrm>
-            <a:prstGeom prst="ellipse">
+            <a:prstGeom prst="rect">
               <a:avLst/>
             </a:prstGeom>
             <a:noFill/>
-            <a:ln w="19050">
-              <a:solidFill>
-                <a:schemeClr val="tx1"/>
-              </a:solidFill>
-            </a:ln>
           </p:spPr>
-          <p:style>
-            <a:lnRef idx="2">
-              <a:schemeClr val="accent1">
-                <a:shade val="50000"/>
-              </a:schemeClr>
-            </a:lnRef>
-            <a:fillRef idx="1">
-              <a:schemeClr val="accent1"/>
-            </a:fillRef>
-            <a:effectRef idx="0">
-              <a:schemeClr val="accent1"/>
-            </a:effectRef>
-            <a:fontRef idx="minor">
-              <a:schemeClr val="lt1"/>
-            </a:fontRef>
-          </p:style>
           <p:txBody>
-            <a:bodyPr rtlCol="0" anchor="ctr"/>
+            <a:bodyPr wrap="none" rtlCol="0">
+              <a:spAutoFit/>
+            </a:bodyPr>
             <a:lstStyle/>
             <a:p>
-              <a:pPr algn="ctr"/>
-              <a:endParaRPr lang="en-US"/>
+              <a:r>
+                <a:rPr lang="en-US" sz="1600" dirty="0"/>
+                <a:t>11</a:t>
+              </a:r>
             </a:p>
           </p:txBody>
         </p:sp>
-        <p:cxnSp>
-          <p:nvCxnSpPr>
-            <p:cNvPr id="5" name="Straight Connector 4">
-              <a:extLst>
-                <a:ext uri="{FF2B5EF4-FFF2-40B4-BE49-F238E27FC236}">
-                  <a16:creationId xmlns:a16="http://schemas.microsoft.com/office/drawing/2014/main" id="{61BEF2FE-595A-1940-8EF6-7433FDAFA8DE}"/>
-                </a:ext>
-              </a:extLst>
-            </p:cNvPr>
-            <p:cNvCxnSpPr>
-              <a:stCxn id="3" idx="6"/>
-              <a:endCxn id="4" idx="2"/>
-            </p:cNvCxnSpPr>
-            <p:nvPr/>
-          </p:nvCxnSpPr>
-          <p:spPr>
-            <a:xfrm>
-              <a:off x="1444833" y="3836467"/>
-              <a:ext cx="1193590" cy="0"/>
-            </a:xfrm>
-            <a:prstGeom prst="line">
-              <a:avLst/>
-            </a:prstGeom>
-            <a:ln w="38100">
-              <a:solidFill>
-                <a:schemeClr val="tx1"/>
-              </a:solidFill>
-            </a:ln>
-          </p:spPr>
-          <p:style>
-            <a:lnRef idx="1">
-              <a:schemeClr val="accent1"/>
-            </a:lnRef>
-            <a:fillRef idx="0">
-              <a:schemeClr val="accent1"/>
-            </a:fillRef>
-            <a:effectRef idx="0">
-              <a:schemeClr val="accent1"/>
-            </a:effectRef>
-            <a:fontRef idx="minor">
-              <a:schemeClr val="tx1"/>
-            </a:fontRef>
-          </p:style>
-        </p:cxnSp>
-        <p:cxnSp>
-          <p:nvCxnSpPr>
-            <p:cNvPr id="6" name="Straight Connector 5">
-              <a:extLst>
-                <a:ext uri="{FF2B5EF4-FFF2-40B4-BE49-F238E27FC236}">
-                  <a16:creationId xmlns:a16="http://schemas.microsoft.com/office/drawing/2014/main" id="{C7D64E9D-D5C4-7944-B6D8-FDCE93AB21CF}"/>
-                </a:ext>
-              </a:extLst>
-            </p:cNvPr>
-            <p:cNvCxnSpPr>
-              <a:cxnSpLocks/>
-              <a:stCxn id="4" idx="6"/>
-              <a:endCxn id="16" idx="2"/>
-            </p:cNvCxnSpPr>
-            <p:nvPr/>
-          </p:nvCxnSpPr>
-          <p:spPr>
-            <a:xfrm>
-              <a:off x="2912743" y="3836467"/>
-              <a:ext cx="1197886" cy="0"/>
-            </a:xfrm>
-            <a:prstGeom prst="line">
-              <a:avLst/>
-            </a:prstGeom>
-            <a:ln w="38100">
-              <a:solidFill>
-                <a:schemeClr val="tx1"/>
-              </a:solidFill>
-            </a:ln>
-          </p:spPr>
-          <p:style>
-            <a:lnRef idx="1">
-              <a:schemeClr val="accent1"/>
-            </a:lnRef>
-            <a:fillRef idx="0">
-              <a:schemeClr val="accent1"/>
-            </a:fillRef>
-            <a:effectRef idx="0">
-              <a:schemeClr val="accent1"/>
-            </a:effectRef>
-            <a:fontRef idx="minor">
-              <a:schemeClr val="tx1"/>
-            </a:fontRef>
-          </p:style>
-        </p:cxnSp>
-        <p:cxnSp>
-          <p:nvCxnSpPr>
-            <p:cNvPr id="7" name="Straight Connector 6">
-              <a:extLst>
-                <a:ext uri="{FF2B5EF4-FFF2-40B4-BE49-F238E27FC236}">
-                  <a16:creationId xmlns:a16="http://schemas.microsoft.com/office/drawing/2014/main" id="{9097AD4B-B1A0-E143-973D-C8D911A65CF0}"/>
-                </a:ext>
-              </a:extLst>
-            </p:cNvPr>
-            <p:cNvCxnSpPr>
-              <a:cxnSpLocks/>
-              <a:stCxn id="16" idx="6"/>
-              <a:endCxn id="18" idx="2"/>
-            </p:cNvCxnSpPr>
-            <p:nvPr/>
-          </p:nvCxnSpPr>
-          <p:spPr>
-            <a:xfrm>
-              <a:off x="4384949" y="3836467"/>
-              <a:ext cx="1069914" cy="0"/>
-            </a:xfrm>
-            <a:prstGeom prst="line">
-              <a:avLst/>
-            </a:prstGeom>
-            <a:ln w="38100">
-              <a:solidFill>
-                <a:schemeClr val="tx1"/>
-              </a:solidFill>
-            </a:ln>
-          </p:spPr>
-          <p:style>
-            <a:lnRef idx="1">
-              <a:schemeClr val="accent1"/>
-            </a:lnRef>
-            <a:fillRef idx="0">
-              <a:schemeClr val="accent1"/>
-            </a:fillRef>
-            <a:effectRef idx="0">
-              <a:schemeClr val="accent1"/>
-            </a:effectRef>
-            <a:fontRef idx="minor">
-              <a:schemeClr val="tx1"/>
-            </a:fontRef>
-          </p:style>
-        </p:cxnSp>
-        <p:cxnSp>
-          <p:nvCxnSpPr>
-            <p:cNvPr id="8" name="Straight Connector 7">
-              <a:extLst>
-                <a:ext uri="{FF2B5EF4-FFF2-40B4-BE49-F238E27FC236}">
-                  <a16:creationId xmlns:a16="http://schemas.microsoft.com/office/drawing/2014/main" id="{A2C2A916-D3E3-E242-81A2-117781BB3B1C}"/>
-                </a:ext>
-              </a:extLst>
-            </p:cNvPr>
-            <p:cNvCxnSpPr>
-              <a:cxnSpLocks/>
-              <a:stCxn id="18" idx="6"/>
-              <a:endCxn id="23" idx="2"/>
-            </p:cNvCxnSpPr>
-            <p:nvPr/>
-          </p:nvCxnSpPr>
-          <p:spPr>
-            <a:xfrm>
-              <a:off x="5729183" y="3836467"/>
-              <a:ext cx="910380" cy="0"/>
-            </a:xfrm>
-            <a:prstGeom prst="line">
-              <a:avLst/>
-            </a:prstGeom>
-            <a:ln w="38100">
-              <a:solidFill>
-                <a:schemeClr val="tx1"/>
-              </a:solidFill>
-            </a:ln>
-          </p:spPr>
-          <p:style>
-            <a:lnRef idx="1">
-              <a:schemeClr val="accent1"/>
-            </a:lnRef>
-            <a:fillRef idx="0">
-              <a:schemeClr val="accent1"/>
-            </a:fillRef>
-            <a:effectRef idx="0">
-              <a:schemeClr val="accent1"/>
-            </a:effectRef>
-            <a:fontRef idx="minor">
-              <a:schemeClr val="tx1"/>
-            </a:fontRef>
-          </p:style>
-        </p:cxnSp>
-        <p:cxnSp>
-          <p:nvCxnSpPr>
-            <p:cNvPr id="9" name="Straight Connector 8">
-              <a:extLst>
-                <a:ext uri="{FF2B5EF4-FFF2-40B4-BE49-F238E27FC236}">
-                  <a16:creationId xmlns:a16="http://schemas.microsoft.com/office/drawing/2014/main" id="{BB31D2C7-7BFA-4D41-81E8-AF5A05E2BDA5}"/>
-                </a:ext>
-              </a:extLst>
-            </p:cNvPr>
-            <p:cNvCxnSpPr>
-              <a:cxnSpLocks/>
-              <a:stCxn id="23" idx="0"/>
-            </p:cNvCxnSpPr>
-            <p:nvPr/>
-          </p:nvCxnSpPr>
-          <p:spPr>
-            <a:xfrm flipV="1">
-              <a:off x="6776723" y="2751685"/>
-              <a:ext cx="13844" cy="947622"/>
-            </a:xfrm>
-            <a:prstGeom prst="line">
-              <a:avLst/>
-            </a:prstGeom>
-            <a:ln w="38100">
-              <a:solidFill>
-                <a:schemeClr val="tx1"/>
-              </a:solidFill>
-            </a:ln>
-          </p:spPr>
-          <p:style>
-            <a:lnRef idx="1">
-              <a:schemeClr val="accent1"/>
-            </a:lnRef>
-            <a:fillRef idx="0">
-              <a:schemeClr val="accent1"/>
-            </a:fillRef>
-            <a:effectRef idx="0">
-              <a:schemeClr val="accent1"/>
-            </a:effectRef>
-            <a:fontRef idx="minor">
-              <a:schemeClr val="tx1"/>
-            </a:fontRef>
-          </p:style>
-        </p:cxnSp>
-        <p:cxnSp>
-          <p:nvCxnSpPr>
-            <p:cNvPr id="10" name="Straight Connector 9">
-              <a:extLst>
-                <a:ext uri="{FF2B5EF4-FFF2-40B4-BE49-F238E27FC236}">
-                  <a16:creationId xmlns:a16="http://schemas.microsoft.com/office/drawing/2014/main" id="{6D23C8B1-1E0D-204B-9710-E697774DFE94}"/>
-                </a:ext>
-              </a:extLst>
-            </p:cNvPr>
-            <p:cNvCxnSpPr>
-              <a:cxnSpLocks/>
-              <a:stCxn id="21" idx="0"/>
-              <a:endCxn id="22" idx="4"/>
-            </p:cNvCxnSpPr>
-            <p:nvPr/>
-          </p:nvCxnSpPr>
-          <p:spPr>
-            <a:xfrm flipV="1">
-              <a:off x="6779243" y="1799867"/>
-              <a:ext cx="13844" cy="676163"/>
-            </a:xfrm>
-            <a:prstGeom prst="line">
-              <a:avLst/>
-            </a:prstGeom>
-            <a:ln w="38100">
-              <a:solidFill>
-                <a:schemeClr val="tx1"/>
-              </a:solidFill>
-            </a:ln>
-          </p:spPr>
-          <p:style>
-            <a:lnRef idx="1">
-              <a:schemeClr val="accent1"/>
-            </a:lnRef>
-            <a:fillRef idx="0">
-              <a:schemeClr val="accent1"/>
-            </a:fillRef>
-            <a:effectRef idx="0">
-              <a:schemeClr val="accent1"/>
-            </a:effectRef>
-            <a:fontRef idx="minor">
-              <a:schemeClr val="tx1"/>
-            </a:fontRef>
-          </p:style>
-        </p:cxnSp>
-        <p:cxnSp>
-          <p:nvCxnSpPr>
-            <p:cNvPr id="11" name="Straight Connector 10">
-              <a:extLst>
-                <a:ext uri="{FF2B5EF4-FFF2-40B4-BE49-F238E27FC236}">
-                  <a16:creationId xmlns:a16="http://schemas.microsoft.com/office/drawing/2014/main" id="{E82D033D-A406-074D-A739-1A6C968CF73E}"/>
-                </a:ext>
-              </a:extLst>
-            </p:cNvPr>
-            <p:cNvCxnSpPr>
-              <a:cxnSpLocks/>
-              <a:stCxn id="21" idx="2"/>
-              <a:endCxn id="20" idx="6"/>
-            </p:cNvCxnSpPr>
-            <p:nvPr/>
-          </p:nvCxnSpPr>
-          <p:spPr>
-            <a:xfrm flipH="1">
-              <a:off x="5720293" y="2613190"/>
-              <a:ext cx="921790" cy="0"/>
-            </a:xfrm>
-            <a:prstGeom prst="line">
-              <a:avLst/>
-            </a:prstGeom>
-            <a:ln w="38100">
-              <a:solidFill>
-                <a:schemeClr val="tx1"/>
-              </a:solidFill>
-            </a:ln>
-          </p:spPr>
-          <p:style>
-            <a:lnRef idx="1">
-              <a:schemeClr val="accent1"/>
-            </a:lnRef>
-            <a:fillRef idx="0">
-              <a:schemeClr val="accent1"/>
-            </a:fillRef>
-            <a:effectRef idx="0">
-              <a:schemeClr val="accent1"/>
-            </a:effectRef>
-            <a:fontRef idx="minor">
-              <a:schemeClr val="tx1"/>
-            </a:fontRef>
-          </p:style>
-        </p:cxnSp>
-        <p:cxnSp>
-          <p:nvCxnSpPr>
-            <p:cNvPr id="12" name="Straight Connector 11">
-              <a:extLst>
-                <a:ext uri="{FF2B5EF4-FFF2-40B4-BE49-F238E27FC236}">
-                  <a16:creationId xmlns:a16="http://schemas.microsoft.com/office/drawing/2014/main" id="{4E3D6625-8E1A-034A-8031-86FF6904BBC3}"/>
-                </a:ext>
-              </a:extLst>
-            </p:cNvPr>
-            <p:cNvCxnSpPr>
-              <a:cxnSpLocks/>
-              <a:stCxn id="20" idx="2"/>
-              <a:endCxn id="19" idx="6"/>
-            </p:cNvCxnSpPr>
-            <p:nvPr/>
-          </p:nvCxnSpPr>
-          <p:spPr>
-            <a:xfrm flipH="1">
-              <a:off x="4389543" y="2613190"/>
-              <a:ext cx="1056430" cy="0"/>
-            </a:xfrm>
-            <a:prstGeom prst="line">
-              <a:avLst/>
-            </a:prstGeom>
-            <a:ln w="38100">
-              <a:solidFill>
-                <a:schemeClr val="tx1"/>
-              </a:solidFill>
-            </a:ln>
-          </p:spPr>
-          <p:style>
-            <a:lnRef idx="1">
-              <a:schemeClr val="accent1"/>
-            </a:lnRef>
-            <a:fillRef idx="0">
-              <a:schemeClr val="accent1"/>
-            </a:fillRef>
-            <a:effectRef idx="0">
-              <a:schemeClr val="accent1"/>
-            </a:effectRef>
-            <a:fontRef idx="minor">
-              <a:schemeClr val="tx1"/>
-            </a:fontRef>
-          </p:style>
-        </p:cxnSp>
-        <p:cxnSp>
-          <p:nvCxnSpPr>
-            <p:cNvPr id="13" name="Straight Connector 12">
-              <a:extLst>
-                <a:ext uri="{FF2B5EF4-FFF2-40B4-BE49-F238E27FC236}">
-                  <a16:creationId xmlns:a16="http://schemas.microsoft.com/office/drawing/2014/main" id="{E59079EB-4E2F-5C48-998D-DBE815E53C69}"/>
-                </a:ext>
-              </a:extLst>
-            </p:cNvPr>
-            <p:cNvCxnSpPr>
-              <a:cxnSpLocks/>
-              <a:stCxn id="19" idx="2"/>
-              <a:endCxn id="17" idx="6"/>
-            </p:cNvCxnSpPr>
-            <p:nvPr/>
-          </p:nvCxnSpPr>
-          <p:spPr>
-            <a:xfrm flipH="1">
-              <a:off x="2921633" y="2613190"/>
-              <a:ext cx="1193590" cy="0"/>
-            </a:xfrm>
-            <a:prstGeom prst="line">
-              <a:avLst/>
-            </a:prstGeom>
-            <a:ln w="38100">
-              <a:solidFill>
-                <a:schemeClr val="tx1"/>
-              </a:solidFill>
-            </a:ln>
-          </p:spPr>
-          <p:style>
-            <a:lnRef idx="1">
-              <a:schemeClr val="accent1"/>
-            </a:lnRef>
-            <a:fillRef idx="0">
-              <a:schemeClr val="accent1"/>
-            </a:fillRef>
-            <a:effectRef idx="0">
-              <a:schemeClr val="accent1"/>
-            </a:effectRef>
-            <a:fontRef idx="minor">
-              <a:schemeClr val="tx1"/>
-            </a:fontRef>
-          </p:style>
-        </p:cxnSp>
-        <p:cxnSp>
-          <p:nvCxnSpPr>
-            <p:cNvPr id="14" name="Straight Connector 13">
-              <a:extLst>
-                <a:ext uri="{FF2B5EF4-FFF2-40B4-BE49-F238E27FC236}">
-                  <a16:creationId xmlns:a16="http://schemas.microsoft.com/office/drawing/2014/main" id="{4DFA43FC-F1EB-914A-9A88-1E45DC23371D}"/>
-                </a:ext>
-              </a:extLst>
-            </p:cNvPr>
-            <p:cNvCxnSpPr>
-              <a:cxnSpLocks/>
-              <a:endCxn id="4" idx="0"/>
-            </p:cNvCxnSpPr>
-            <p:nvPr/>
-          </p:nvCxnSpPr>
-          <p:spPr>
-            <a:xfrm flipH="1">
-              <a:off x="2775583" y="2751684"/>
-              <a:ext cx="8890" cy="947623"/>
-            </a:xfrm>
-            <a:prstGeom prst="line">
-              <a:avLst/>
-            </a:prstGeom>
-            <a:ln w="38100">
-              <a:solidFill>
-                <a:schemeClr val="tx1"/>
-              </a:solidFill>
-            </a:ln>
-          </p:spPr>
-          <p:style>
-            <a:lnRef idx="1">
-              <a:schemeClr val="accent1"/>
-            </a:lnRef>
-            <a:fillRef idx="0">
-              <a:schemeClr val="accent1"/>
-            </a:fillRef>
-            <a:effectRef idx="0">
-              <a:schemeClr val="accent1"/>
-            </a:effectRef>
-            <a:fontRef idx="minor">
-              <a:schemeClr val="tx1"/>
-            </a:fontRef>
-          </p:style>
-        </p:cxnSp>
-        <p:cxnSp>
-          <p:nvCxnSpPr>
-            <p:cNvPr id="15" name="Straight Connector 14">
-              <a:extLst>
-                <a:ext uri="{FF2B5EF4-FFF2-40B4-BE49-F238E27FC236}">
-                  <a16:creationId xmlns:a16="http://schemas.microsoft.com/office/drawing/2014/main" id="{98C8DC35-DB1F-0D4C-8765-A9128A4895A6}"/>
-                </a:ext>
-              </a:extLst>
-            </p:cNvPr>
-            <p:cNvCxnSpPr>
-              <a:cxnSpLocks/>
-            </p:cNvCxnSpPr>
-            <p:nvPr/>
-          </p:nvCxnSpPr>
-          <p:spPr>
-            <a:xfrm>
-              <a:off x="5592023" y="2751684"/>
-              <a:ext cx="0" cy="938733"/>
-            </a:xfrm>
-            <a:prstGeom prst="line">
-              <a:avLst/>
-            </a:prstGeom>
-            <a:ln w="38100">
-              <a:solidFill>
-                <a:schemeClr val="tx1"/>
-              </a:solidFill>
-            </a:ln>
-          </p:spPr>
-          <p:style>
-            <a:lnRef idx="1">
-              <a:schemeClr val="accent1"/>
-            </a:lnRef>
-            <a:fillRef idx="0">
-              <a:schemeClr val="accent1"/>
-            </a:fillRef>
-            <a:effectRef idx="0">
-              <a:schemeClr val="accent1"/>
-            </a:effectRef>
-            <a:fontRef idx="minor">
-              <a:schemeClr val="tx1"/>
-            </a:fontRef>
-          </p:style>
-        </p:cxnSp>
-        <p:sp>
-          <p:nvSpPr>
-            <p:cNvPr id="16" name="Oval 15">
-              <a:extLst>
-                <a:ext uri="{FF2B5EF4-FFF2-40B4-BE49-F238E27FC236}">
-                  <a16:creationId xmlns:a16="http://schemas.microsoft.com/office/drawing/2014/main" id="{0B72CC06-1785-6F4F-B30D-9AA02EE7DE20}"/>
-                </a:ext>
-              </a:extLst>
-            </p:cNvPr>
-            <p:cNvSpPr>
-              <a:spLocks noChangeAspect="1"/>
-            </p:cNvSpPr>
-            <p:nvPr/>
-          </p:nvSpPr>
-          <p:spPr>
-            <a:xfrm>
-              <a:off x="4110629" y="3699307"/>
-              <a:ext cx="274320" cy="274320"/>
-            </a:xfrm>
-            <a:prstGeom prst="ellipse">
-              <a:avLst/>
-            </a:prstGeom>
-            <a:noFill/>
-            <a:ln w="19050">
-              <a:solidFill>
-                <a:schemeClr val="tx1"/>
-              </a:solidFill>
-            </a:ln>
-          </p:spPr>
-          <p:style>
-            <a:lnRef idx="2">
-              <a:schemeClr val="accent1">
-                <a:shade val="50000"/>
-              </a:schemeClr>
-            </a:lnRef>
-            <a:fillRef idx="1">
-              <a:schemeClr val="accent1"/>
-            </a:fillRef>
-            <a:effectRef idx="0">
-              <a:schemeClr val="accent1"/>
-            </a:effectRef>
-            <a:fontRef idx="minor">
-              <a:schemeClr val="lt1"/>
-            </a:fontRef>
-          </p:style>
-          <p:txBody>
-            <a:bodyPr rtlCol="0" anchor="ctr"/>
-            <a:lstStyle/>
-            <a:p>
-              <a:pPr algn="ctr"/>
-              <a:endParaRPr lang="en-US"/>
-            </a:p>
-          </p:txBody>
-        </p:sp>
-        <p:sp>
-          <p:nvSpPr>
-            <p:cNvPr id="17" name="Oval 16">
-              <a:extLst>
-                <a:ext uri="{FF2B5EF4-FFF2-40B4-BE49-F238E27FC236}">
-                  <a16:creationId xmlns:a16="http://schemas.microsoft.com/office/drawing/2014/main" id="{BF46646F-B504-D347-AD3F-7D935A924B3F}"/>
-                </a:ext>
-              </a:extLst>
-            </p:cNvPr>
-            <p:cNvSpPr>
-              <a:spLocks noChangeAspect="1"/>
-            </p:cNvSpPr>
-            <p:nvPr/>
-          </p:nvSpPr>
-          <p:spPr>
-            <a:xfrm>
-              <a:off x="2647313" y="2476030"/>
-              <a:ext cx="274320" cy="274320"/>
-            </a:xfrm>
-            <a:prstGeom prst="ellipse">
-              <a:avLst/>
-            </a:prstGeom>
-            <a:noFill/>
-            <a:ln w="19050">
-              <a:solidFill>
-                <a:schemeClr val="tx1"/>
-              </a:solidFill>
-            </a:ln>
-          </p:spPr>
-          <p:style>
-            <a:lnRef idx="2">
-              <a:schemeClr val="accent1">
-                <a:shade val="50000"/>
-              </a:schemeClr>
-            </a:lnRef>
-            <a:fillRef idx="1">
-              <a:schemeClr val="accent1"/>
-            </a:fillRef>
-            <a:effectRef idx="0">
-              <a:schemeClr val="accent1"/>
-            </a:effectRef>
-            <a:fontRef idx="minor">
-              <a:schemeClr val="lt1"/>
-            </a:fontRef>
-          </p:style>
-          <p:txBody>
-            <a:bodyPr rtlCol="0" anchor="ctr"/>
-            <a:lstStyle/>
-            <a:p>
-              <a:pPr algn="ctr"/>
-              <a:endParaRPr lang="en-US"/>
-            </a:p>
-          </p:txBody>
-        </p:sp>
-        <p:sp>
-          <p:nvSpPr>
-            <p:cNvPr id="18" name="Oval 17">
-              <a:extLst>
-                <a:ext uri="{FF2B5EF4-FFF2-40B4-BE49-F238E27FC236}">
-                  <a16:creationId xmlns:a16="http://schemas.microsoft.com/office/drawing/2014/main" id="{D925F53B-74AA-1D48-B1C5-F16B1CD402B1}"/>
-                </a:ext>
-              </a:extLst>
-            </p:cNvPr>
-            <p:cNvSpPr>
-              <a:spLocks noChangeAspect="1"/>
-            </p:cNvSpPr>
-            <p:nvPr/>
-          </p:nvSpPr>
-          <p:spPr>
-            <a:xfrm>
-              <a:off x="5454863" y="3699307"/>
-              <a:ext cx="274320" cy="274320"/>
-            </a:xfrm>
-            <a:prstGeom prst="ellipse">
-              <a:avLst/>
-            </a:prstGeom>
-            <a:noFill/>
-            <a:ln w="19050">
-              <a:solidFill>
-                <a:schemeClr val="tx1"/>
-              </a:solidFill>
-            </a:ln>
-          </p:spPr>
-          <p:style>
-            <a:lnRef idx="2">
-              <a:schemeClr val="accent1">
-                <a:shade val="50000"/>
-              </a:schemeClr>
-            </a:lnRef>
-            <a:fillRef idx="1">
-              <a:schemeClr val="accent1"/>
-            </a:fillRef>
-            <a:effectRef idx="0">
-              <a:schemeClr val="accent1"/>
-            </a:effectRef>
-            <a:fontRef idx="minor">
-              <a:schemeClr val="lt1"/>
-            </a:fontRef>
-          </p:style>
-          <p:txBody>
-            <a:bodyPr rtlCol="0" anchor="ctr"/>
-            <a:lstStyle/>
-            <a:p>
-              <a:pPr algn="ctr"/>
-              <a:endParaRPr lang="en-US"/>
-            </a:p>
-          </p:txBody>
-        </p:sp>
-        <p:sp>
-          <p:nvSpPr>
-            <p:cNvPr id="19" name="Oval 18">
-              <a:extLst>
-                <a:ext uri="{FF2B5EF4-FFF2-40B4-BE49-F238E27FC236}">
-                  <a16:creationId xmlns:a16="http://schemas.microsoft.com/office/drawing/2014/main" id="{5A35F5E1-CBA1-E243-9B0A-4D787E5544AB}"/>
-                </a:ext>
-              </a:extLst>
-            </p:cNvPr>
-            <p:cNvSpPr>
-              <a:spLocks noChangeAspect="1"/>
-            </p:cNvSpPr>
-            <p:nvPr/>
-          </p:nvSpPr>
-          <p:spPr>
-            <a:xfrm>
-              <a:off x="4115223" y="2476030"/>
-              <a:ext cx="274320" cy="274320"/>
-            </a:xfrm>
-            <a:prstGeom prst="ellipse">
-              <a:avLst/>
-            </a:prstGeom>
-            <a:noFill/>
-            <a:ln w="19050">
-              <a:solidFill>
-                <a:schemeClr val="tx1"/>
-              </a:solidFill>
-            </a:ln>
-          </p:spPr>
-          <p:style>
-            <a:lnRef idx="2">
-              <a:schemeClr val="accent1">
-                <a:shade val="50000"/>
-              </a:schemeClr>
-            </a:lnRef>
-            <a:fillRef idx="1">
-              <a:schemeClr val="accent1"/>
-            </a:fillRef>
-            <a:effectRef idx="0">
-              <a:schemeClr val="accent1"/>
-            </a:effectRef>
-            <a:fontRef idx="minor">
-              <a:schemeClr val="lt1"/>
-            </a:fontRef>
-          </p:style>
-          <p:txBody>
-            <a:bodyPr rtlCol="0" anchor="ctr"/>
-            <a:lstStyle/>
-            <a:p>
-              <a:pPr algn="ctr"/>
-              <a:endParaRPr lang="en-US"/>
-            </a:p>
-          </p:txBody>
-        </p:sp>
-        <p:sp>
-          <p:nvSpPr>
-            <p:cNvPr id="20" name="Oval 19">
-              <a:extLst>
-                <a:ext uri="{FF2B5EF4-FFF2-40B4-BE49-F238E27FC236}">
-                  <a16:creationId xmlns:a16="http://schemas.microsoft.com/office/drawing/2014/main" id="{96A02F1B-76A2-C749-A0E4-3DC4E56E0EBC}"/>
-                </a:ext>
-              </a:extLst>
-            </p:cNvPr>
-            <p:cNvSpPr>
-              <a:spLocks noChangeAspect="1"/>
-            </p:cNvSpPr>
-            <p:nvPr/>
-          </p:nvSpPr>
-          <p:spPr>
-            <a:xfrm>
-              <a:off x="5445973" y="2476030"/>
-              <a:ext cx="274320" cy="274320"/>
-            </a:xfrm>
-            <a:prstGeom prst="ellipse">
-              <a:avLst/>
-            </a:prstGeom>
-            <a:noFill/>
-            <a:ln w="19050">
-              <a:solidFill>
-                <a:schemeClr val="tx1"/>
-              </a:solidFill>
-            </a:ln>
-          </p:spPr>
-          <p:style>
-            <a:lnRef idx="2">
-              <a:schemeClr val="accent1">
-                <a:shade val="50000"/>
-              </a:schemeClr>
-            </a:lnRef>
-            <a:fillRef idx="1">
-              <a:schemeClr val="accent1"/>
-            </a:fillRef>
-            <a:effectRef idx="0">
-              <a:schemeClr val="accent1"/>
-            </a:effectRef>
-            <a:fontRef idx="minor">
-              <a:schemeClr val="lt1"/>
-            </a:fontRef>
-          </p:style>
-          <p:txBody>
-            <a:bodyPr rtlCol="0" anchor="ctr"/>
-            <a:lstStyle/>
-            <a:p>
-              <a:pPr algn="ctr"/>
-              <a:endParaRPr lang="en-US"/>
-            </a:p>
-          </p:txBody>
-        </p:sp>
-        <p:sp>
-          <p:nvSpPr>
-            <p:cNvPr id="21" name="Oval 20">
-              <a:extLst>
-                <a:ext uri="{FF2B5EF4-FFF2-40B4-BE49-F238E27FC236}">
-                  <a16:creationId xmlns:a16="http://schemas.microsoft.com/office/drawing/2014/main" id="{46C1DBA6-C74C-1147-9CC0-6496101A6F02}"/>
-                </a:ext>
-              </a:extLst>
-            </p:cNvPr>
-            <p:cNvSpPr>
-              <a:spLocks noChangeAspect="1"/>
-            </p:cNvSpPr>
-            <p:nvPr/>
-          </p:nvSpPr>
-          <p:spPr>
-            <a:xfrm>
-              <a:off x="6642083" y="2476030"/>
-              <a:ext cx="274320" cy="274320"/>
-            </a:xfrm>
-            <a:prstGeom prst="ellipse">
-              <a:avLst/>
-            </a:prstGeom>
-            <a:noFill/>
-            <a:ln w="19050">
-              <a:solidFill>
-                <a:schemeClr val="tx1"/>
-              </a:solidFill>
-            </a:ln>
-          </p:spPr>
-          <p:style>
-            <a:lnRef idx="2">
-              <a:schemeClr val="accent1">
-                <a:shade val="50000"/>
-              </a:schemeClr>
-            </a:lnRef>
-            <a:fillRef idx="1">
-              <a:schemeClr val="accent1"/>
-            </a:fillRef>
-            <a:effectRef idx="0">
-              <a:schemeClr val="accent1"/>
-            </a:effectRef>
-            <a:fontRef idx="minor">
-              <a:schemeClr val="lt1"/>
-            </a:fontRef>
-          </p:style>
-          <p:txBody>
-            <a:bodyPr rtlCol="0" anchor="ctr"/>
-            <a:lstStyle/>
-            <a:p>
-              <a:pPr algn="ctr"/>
-              <a:endParaRPr lang="en-US"/>
-            </a:p>
-          </p:txBody>
-        </p:sp>
-        <p:sp>
-          <p:nvSpPr>
-            <p:cNvPr id="22" name="Oval 21">
-              <a:extLst>
-                <a:ext uri="{FF2B5EF4-FFF2-40B4-BE49-F238E27FC236}">
-                  <a16:creationId xmlns:a16="http://schemas.microsoft.com/office/drawing/2014/main" id="{2EB615DF-8BD1-1A49-87CD-7B17C48A30A3}"/>
-                </a:ext>
-              </a:extLst>
-            </p:cNvPr>
-            <p:cNvSpPr>
-              <a:spLocks noChangeAspect="1"/>
-            </p:cNvSpPr>
-            <p:nvPr/>
-          </p:nvSpPr>
-          <p:spPr>
-            <a:xfrm>
-              <a:off x="6655927" y="1525547"/>
-              <a:ext cx="274320" cy="274320"/>
-            </a:xfrm>
-            <a:prstGeom prst="ellipse">
-              <a:avLst/>
-            </a:prstGeom>
-            <a:noFill/>
-            <a:ln w="19050">
-              <a:solidFill>
-                <a:schemeClr val="tx1"/>
-              </a:solidFill>
-            </a:ln>
-          </p:spPr>
-          <p:style>
-            <a:lnRef idx="2">
-              <a:schemeClr val="accent1">
-                <a:shade val="50000"/>
-              </a:schemeClr>
-            </a:lnRef>
-            <a:fillRef idx="1">
-              <a:schemeClr val="accent1"/>
-            </a:fillRef>
-            <a:effectRef idx="0">
-              <a:schemeClr val="accent1"/>
-            </a:effectRef>
-            <a:fontRef idx="minor">
-              <a:schemeClr val="lt1"/>
-            </a:fontRef>
-          </p:style>
-          <p:txBody>
-            <a:bodyPr rtlCol="0" anchor="ctr"/>
-            <a:lstStyle/>
-            <a:p>
-              <a:pPr algn="ctr"/>
-              <a:endParaRPr lang="en-US"/>
-            </a:p>
-          </p:txBody>
-        </p:sp>
-        <p:sp>
-          <p:nvSpPr>
-            <p:cNvPr id="23" name="Oval 22">
-              <a:extLst>
-                <a:ext uri="{FF2B5EF4-FFF2-40B4-BE49-F238E27FC236}">
-                  <a16:creationId xmlns:a16="http://schemas.microsoft.com/office/drawing/2014/main" id="{ED90973F-77C5-D143-9602-D7CB295EC9AB}"/>
-                </a:ext>
-              </a:extLst>
-            </p:cNvPr>
-            <p:cNvSpPr>
-              <a:spLocks noChangeAspect="1"/>
-            </p:cNvSpPr>
-            <p:nvPr/>
-          </p:nvSpPr>
-          <p:spPr>
-            <a:xfrm>
-              <a:off x="6639563" y="3699307"/>
-              <a:ext cx="274320" cy="274320"/>
-            </a:xfrm>
-            <a:prstGeom prst="ellipse">
-              <a:avLst/>
-            </a:prstGeom>
-            <a:noFill/>
-            <a:ln w="19050">
-              <a:solidFill>
-                <a:schemeClr val="tx1"/>
-              </a:solidFill>
-            </a:ln>
-          </p:spPr>
-          <p:style>
-            <a:lnRef idx="2">
-              <a:schemeClr val="accent1">
-                <a:shade val="50000"/>
-              </a:schemeClr>
-            </a:lnRef>
-            <a:fillRef idx="1">
-              <a:schemeClr val="accent1"/>
-            </a:fillRef>
-            <a:effectRef idx="0">
-              <a:schemeClr val="accent1"/>
-            </a:effectRef>
-            <a:fontRef idx="minor">
-              <a:schemeClr val="lt1"/>
-            </a:fontRef>
-          </p:style>
-          <p:txBody>
-            <a:bodyPr rtlCol="0" anchor="ctr"/>
-            <a:lstStyle/>
-            <a:p>
-              <a:pPr algn="ctr"/>
-              <a:endParaRPr lang="en-US"/>
-            </a:p>
-          </p:txBody>
-        </p:sp>
-        <p:sp>
-          <p:nvSpPr>
-            <p:cNvPr id="24" name="Oval 23">
-              <a:extLst>
-                <a:ext uri="{FF2B5EF4-FFF2-40B4-BE49-F238E27FC236}">
-                  <a16:creationId xmlns:a16="http://schemas.microsoft.com/office/drawing/2014/main" id="{374E7C09-4D8D-0B4B-99F3-74A764B90BC3}"/>
-                </a:ext>
-              </a:extLst>
-            </p:cNvPr>
-            <p:cNvSpPr>
-              <a:spLocks noChangeAspect="1"/>
-            </p:cNvSpPr>
-            <p:nvPr/>
-          </p:nvSpPr>
-          <p:spPr>
-            <a:xfrm>
-              <a:off x="1166068" y="2476030"/>
-              <a:ext cx="274320" cy="274320"/>
-            </a:xfrm>
-            <a:prstGeom prst="ellipse">
-              <a:avLst/>
-            </a:prstGeom>
-            <a:noFill/>
-            <a:ln w="19050">
-              <a:solidFill>
-                <a:schemeClr val="tx1"/>
-              </a:solidFill>
-            </a:ln>
-          </p:spPr>
-          <p:style>
-            <a:lnRef idx="2">
-              <a:schemeClr val="accent1">
-                <a:shade val="50000"/>
-              </a:schemeClr>
-            </a:lnRef>
-            <a:fillRef idx="1">
-              <a:schemeClr val="accent1"/>
-            </a:fillRef>
-            <a:effectRef idx="0">
-              <a:schemeClr val="accent1"/>
-            </a:effectRef>
-            <a:fontRef idx="minor">
-              <a:schemeClr val="lt1"/>
-            </a:fontRef>
-          </p:style>
-          <p:txBody>
-            <a:bodyPr rtlCol="0" anchor="ctr"/>
-            <a:lstStyle/>
-            <a:p>
-              <a:pPr algn="ctr"/>
-              <a:endParaRPr lang="en-US"/>
-            </a:p>
-          </p:txBody>
-        </p:sp>
-        <p:cxnSp>
-          <p:nvCxnSpPr>
-            <p:cNvPr id="25" name="Straight Connector 24">
-              <a:extLst>
-                <a:ext uri="{FF2B5EF4-FFF2-40B4-BE49-F238E27FC236}">
-                  <a16:creationId xmlns:a16="http://schemas.microsoft.com/office/drawing/2014/main" id="{A9A66105-3C61-9F49-A1F3-9FD8E3BBEDC1}"/>
-                </a:ext>
-              </a:extLst>
-            </p:cNvPr>
-            <p:cNvCxnSpPr>
-              <a:stCxn id="17" idx="2"/>
-              <a:endCxn id="24" idx="6"/>
-            </p:cNvCxnSpPr>
-            <p:nvPr/>
-          </p:nvCxnSpPr>
-          <p:spPr>
-            <a:xfrm flipH="1">
-              <a:off x="1440388" y="2613190"/>
-              <a:ext cx="1206925" cy="0"/>
-            </a:xfrm>
-            <a:prstGeom prst="line">
-              <a:avLst/>
-            </a:prstGeom>
-            <a:ln w="38100">
-              <a:solidFill>
-                <a:schemeClr val="tx1"/>
-              </a:solidFill>
-            </a:ln>
-          </p:spPr>
-          <p:style>
-            <a:lnRef idx="1">
-              <a:schemeClr val="accent1"/>
-            </a:lnRef>
-            <a:fillRef idx="0">
-              <a:schemeClr val="accent1"/>
-            </a:fillRef>
-            <a:effectRef idx="0">
-              <a:schemeClr val="accent1"/>
-            </a:effectRef>
-            <a:fontRef idx="minor">
-              <a:schemeClr val="tx1"/>
-            </a:fontRef>
-          </p:style>
-        </p:cxnSp>
       </p:grpSp>
     </p:spTree>
     <p:extLst>
       <p:ext uri="{BB962C8B-B14F-4D97-AF65-F5344CB8AC3E}">
-        <p14:creationId xmlns:p14="http://schemas.microsoft.com/office/powerpoint/2010/main" val="3243941532"/>
+        <p14:creationId xmlns:p14="http://schemas.microsoft.com/office/powerpoint/2010/main" val="3895911574"/>
       </p:ext>
     </p:extLst>
   </p:cSld>
@@ -14245,12 +16920,244 @@
           <a:chExt cx="0" cy="0"/>
         </a:xfrm>
       </p:grpSpPr>
+      <p:graphicFrame>
+        <p:nvGraphicFramePr>
+          <p:cNvPr id="3" name="Table 2">
+            <a:extLst>
+              <a:ext uri="{FF2B5EF4-FFF2-40B4-BE49-F238E27FC236}">
+                <a16:creationId xmlns:a16="http://schemas.microsoft.com/office/drawing/2014/main" id="{9E19B310-8B15-DE46-A98C-23B3F8CDFFFA}"/>
+              </a:ext>
+            </a:extLst>
+          </p:cNvPr>
+          <p:cNvGraphicFramePr>
+            <a:graphicFrameLocks noGrp="1"/>
+          </p:cNvGraphicFramePr>
+          <p:nvPr>
+            <p:extLst>
+              <p:ext uri="{D42A27DB-BD31-4B8C-83A1-F6EECF244321}">
+                <p14:modId xmlns:p14="http://schemas.microsoft.com/office/powerpoint/2010/main" val="558450068"/>
+              </p:ext>
+            </p:extLst>
+          </p:nvPr>
+        </p:nvGraphicFramePr>
+        <p:xfrm>
+          <a:off x="190500" y="497245"/>
+          <a:ext cx="11772900" cy="6195654"/>
+        </p:xfrm>
+        <a:graphic>
+          <a:graphicData uri="http://schemas.openxmlformats.org/drawingml/2006/table">
+            <a:tbl>
+              <a:tblPr firstRow="1" bandRow="1">
+                <a:tableStyleId>{5940675A-B579-460E-94D1-54222C63F5DA}</a:tableStyleId>
+              </a:tblPr>
+              <a:tblGrid>
+                <a:gridCol w="1816100">
+                  <a:extLst>
+                    <a:ext uri="{9D8B030D-6E8A-4147-A177-3AD203B41FA5}">
+                      <a16:colId xmlns:a16="http://schemas.microsoft.com/office/drawing/2014/main" val="648412756"/>
+                    </a:ext>
+                  </a:extLst>
+                </a:gridCol>
+                <a:gridCol w="5029200">
+                  <a:extLst>
+                    <a:ext uri="{9D8B030D-6E8A-4147-A177-3AD203B41FA5}">
+                      <a16:colId xmlns:a16="http://schemas.microsoft.com/office/drawing/2014/main" val="4178480796"/>
+                    </a:ext>
+                  </a:extLst>
+                </a:gridCol>
+                <a:gridCol w="4927600">
+                  <a:extLst>
+                    <a:ext uri="{9D8B030D-6E8A-4147-A177-3AD203B41FA5}">
+                      <a16:colId xmlns:a16="http://schemas.microsoft.com/office/drawing/2014/main" val="3122141604"/>
+                    </a:ext>
+                  </a:extLst>
+                </a:gridCol>
+              </a:tblGrid>
+              <a:tr h="1198950">
+                <a:tc>
+                  <a:txBody>
+                    <a:bodyPr/>
+                    <a:lstStyle/>
+                    <a:p>
+                      <a:endParaRPr lang="en-US" dirty="0"/>
+                    </a:p>
+                  </a:txBody>
+                  <a:tcPr/>
+                </a:tc>
+                <a:tc>
+                  <a:txBody>
+                    <a:bodyPr/>
+                    <a:lstStyle/>
+                    <a:p>
+                      <a:r>
+                        <a:rPr lang="en-US" sz="3200" dirty="0"/>
+                        <a:t>Full Speed</a:t>
+                      </a:r>
+                    </a:p>
+                    <a:p>
+                      <a:r>
+                        <a:rPr lang="en-US" sz="3200" dirty="0"/>
+                        <a:t>(0.7 meters/second)</a:t>
+                      </a:r>
+                    </a:p>
+                  </a:txBody>
+                  <a:tcPr anchor="ctr"/>
+                </a:tc>
+                <a:tc>
+                  <a:txBody>
+                    <a:bodyPr/>
+                    <a:lstStyle/>
+                    <a:p>
+                      <a:r>
+                        <a:rPr lang="en-US" sz="3200" dirty="0"/>
+                        <a:t>Half Speed</a:t>
+                      </a:r>
+                    </a:p>
+                    <a:p>
+                      <a:r>
+                        <a:rPr lang="en-US" sz="3200" dirty="0"/>
+                        <a:t>(0.35 meters/second)</a:t>
+                      </a:r>
+                    </a:p>
+                  </a:txBody>
+                  <a:tcPr anchor="ctr"/>
+                </a:tc>
+                <a:extLst>
+                  <a:ext uri="{0D108BD9-81ED-4DB2-BD59-A6C34878D82A}">
+                    <a16:rowId xmlns:a16="http://schemas.microsoft.com/office/drawing/2014/main" val="4246277093"/>
+                  </a:ext>
+                </a:extLst>
+              </a:tr>
+              <a:tr h="1665568">
+                <a:tc>
+                  <a:txBody>
+                    <a:bodyPr/>
+                    <a:lstStyle/>
+                    <a:p>
+                      <a:r>
+                        <a:rPr lang="en-US" sz="3200" dirty="0"/>
+                        <a:t>No Obstacle</a:t>
+                      </a:r>
+                    </a:p>
+                  </a:txBody>
+                  <a:tcPr anchor="ctr"/>
+                </a:tc>
+                <a:tc>
+                  <a:txBody>
+                    <a:bodyPr/>
+                    <a:lstStyle/>
+                    <a:p>
+                      <a:endParaRPr lang="en-US" dirty="0"/>
+                    </a:p>
+                  </a:txBody>
+                  <a:tcPr/>
+                </a:tc>
+                <a:tc>
+                  <a:txBody>
+                    <a:bodyPr/>
+                    <a:lstStyle/>
+                    <a:p>
+                      <a:endParaRPr lang="en-US" dirty="0"/>
+                    </a:p>
+                  </a:txBody>
+                  <a:tcPr/>
+                </a:tc>
+                <a:extLst>
+                  <a:ext uri="{0D108BD9-81ED-4DB2-BD59-A6C34878D82A}">
+                    <a16:rowId xmlns:a16="http://schemas.microsoft.com/office/drawing/2014/main" val="3414047986"/>
+                  </a:ext>
+                </a:extLst>
+              </a:tr>
+              <a:tr h="1665568">
+                <a:tc>
+                  <a:txBody>
+                    <a:bodyPr/>
+                    <a:lstStyle/>
+                    <a:p>
+                      <a:r>
+                        <a:rPr lang="en-US" sz="3200" dirty="0"/>
+                        <a:t>Sparse Obstacle</a:t>
+                      </a:r>
+                    </a:p>
+                  </a:txBody>
+                  <a:tcPr anchor="ctr"/>
+                </a:tc>
+                <a:tc>
+                  <a:txBody>
+                    <a:bodyPr/>
+                    <a:lstStyle/>
+                    <a:p>
+                      <a:endParaRPr lang="en-US" dirty="0"/>
+                    </a:p>
+                  </a:txBody>
+                  <a:tcPr/>
+                </a:tc>
+                <a:tc>
+                  <a:txBody>
+                    <a:bodyPr/>
+                    <a:lstStyle/>
+                    <a:p>
+                      <a:endParaRPr lang="en-US" dirty="0"/>
+                    </a:p>
+                  </a:txBody>
+                  <a:tcPr/>
+                </a:tc>
+                <a:extLst>
+                  <a:ext uri="{0D108BD9-81ED-4DB2-BD59-A6C34878D82A}">
+                    <a16:rowId xmlns:a16="http://schemas.microsoft.com/office/drawing/2014/main" val="815632398"/>
+                  </a:ext>
+                </a:extLst>
+              </a:tr>
+              <a:tr h="1665568">
+                <a:tc>
+                  <a:txBody>
+                    <a:bodyPr/>
+                    <a:lstStyle/>
+                    <a:p>
+                      <a:r>
+                        <a:rPr lang="en-US" sz="3200" dirty="0"/>
+                        <a:t>Dense Obstacle</a:t>
+                      </a:r>
+                    </a:p>
+                  </a:txBody>
+                  <a:tcPr anchor="ctr"/>
+                </a:tc>
+                <a:tc>
+                  <a:txBody>
+                    <a:bodyPr/>
+                    <a:lstStyle/>
+                    <a:p>
+                      <a:endParaRPr lang="en-US" dirty="0"/>
+                    </a:p>
+                  </a:txBody>
+                  <a:tcPr/>
+                </a:tc>
+                <a:tc>
+                  <a:txBody>
+                    <a:bodyPr/>
+                    <a:lstStyle/>
+                    <a:p>
+                      <a:endParaRPr lang="en-US" dirty="0"/>
+                    </a:p>
+                  </a:txBody>
+                  <a:tcPr/>
+                </a:tc>
+                <a:extLst>
+                  <a:ext uri="{0D108BD9-81ED-4DB2-BD59-A6C34878D82A}">
+                    <a16:rowId xmlns:a16="http://schemas.microsoft.com/office/drawing/2014/main" val="2774050423"/>
+                  </a:ext>
+                </a:extLst>
+              </a:tr>
+            </a:tbl>
+          </a:graphicData>
+        </a:graphic>
+      </p:graphicFrame>
       <p:grpSp>
         <p:nvGrpSpPr>
-          <p:cNvPr id="31" name="Group 30">
+          <p:cNvPr id="4" name="Group 3">
             <a:extLst>
               <a:ext uri="{FF2B5EF4-FFF2-40B4-BE49-F238E27FC236}">
-                <a16:creationId xmlns:a16="http://schemas.microsoft.com/office/drawing/2014/main" id="{3DE11DF4-BF59-7D4D-85FF-2FB5C8743E12}"/>
+                <a16:creationId xmlns:a16="http://schemas.microsoft.com/office/drawing/2014/main" id="{678A0BEB-AE63-354E-8E5E-DE7505DC838F}"/>
               </a:ext>
             </a:extLst>
           </p:cNvPr>
@@ -14259,18 +17166,18 @@
         </p:nvGrpSpPr>
         <p:grpSpPr>
           <a:xfrm>
-            <a:off x="719071" y="4139552"/>
-            <a:ext cx="5111711" cy="901924"/>
-            <a:chOff x="1862071" y="3079288"/>
-            <a:chExt cx="5111711" cy="901924"/>
+            <a:off x="2191769" y="2235052"/>
+            <a:ext cx="4398149" cy="881285"/>
+            <a:chOff x="1862071" y="1637651"/>
+            <a:chExt cx="4398149" cy="881285"/>
           </a:xfrm>
         </p:grpSpPr>
         <p:grpSp>
           <p:nvGrpSpPr>
-            <p:cNvPr id="29" name="Group 28">
+            <p:cNvPr id="5" name="Group 4">
               <a:extLst>
                 <a:ext uri="{FF2B5EF4-FFF2-40B4-BE49-F238E27FC236}">
-                  <a16:creationId xmlns:a16="http://schemas.microsoft.com/office/drawing/2014/main" id="{31B1ADC2-79AA-0F43-BA75-781200020D22}"/>
+                  <a16:creationId xmlns:a16="http://schemas.microsoft.com/office/drawing/2014/main" id="{5FE3C68E-8C85-134B-87F3-D78714CAFF2E}"/>
                 </a:ext>
               </a:extLst>
             </p:cNvPr>
@@ -14279,18 +17186,18 @@
           </p:nvGrpSpPr>
           <p:grpSpPr>
             <a:xfrm>
-              <a:off x="1862071" y="3079288"/>
-              <a:ext cx="1986029" cy="901924"/>
-              <a:chOff x="1862071" y="3079288"/>
-              <a:chExt cx="1986029" cy="901924"/>
+              <a:off x="1862071" y="1637651"/>
+              <a:ext cx="1711709" cy="881285"/>
+              <a:chOff x="7958071" y="1444244"/>
+              <a:chExt cx="1711709" cy="881285"/>
             </a:xfrm>
           </p:grpSpPr>
           <p:pic>
             <p:nvPicPr>
-              <p:cNvPr id="9" name="Picture 8">
+              <p:cNvPr id="7" name="Picture 6">
                 <a:extLst>
                   <a:ext uri="{FF2B5EF4-FFF2-40B4-BE49-F238E27FC236}">
-                    <a16:creationId xmlns:a16="http://schemas.microsoft.com/office/drawing/2014/main" id="{4AED93DC-9E1F-114D-A775-40AE89D7C788}"/>
+                    <a16:creationId xmlns:a16="http://schemas.microsoft.com/office/drawing/2014/main" id="{9B1BCCE9-6584-314B-B3E8-7918520D52D7}"/>
                   </a:ext>
                 </a:extLst>
               </p:cNvPr>
@@ -14306,7 +17213,7 @@
             </p:blipFill>
             <p:spPr>
               <a:xfrm>
-                <a:off x="1862071" y="3108960"/>
+                <a:off x="7958071" y="1444244"/>
                 <a:ext cx="431549" cy="640080"/>
               </a:xfrm>
               <a:prstGeom prst="rect">
@@ -14316,10 +17223,10 @@
           </p:pic>
           <p:sp>
             <p:nvSpPr>
-              <p:cNvPr id="10" name="Right Arrow 9">
+              <p:cNvPr id="8" name="Right Arrow 7">
                 <a:extLst>
                   <a:ext uri="{FF2B5EF4-FFF2-40B4-BE49-F238E27FC236}">
-                    <a16:creationId xmlns:a16="http://schemas.microsoft.com/office/drawing/2014/main" id="{AB9E014B-DEDE-FC4A-A2FF-4BDDEAB63FB2}"/>
+                    <a16:creationId xmlns:a16="http://schemas.microsoft.com/office/drawing/2014/main" id="{2F260B46-6DC5-A54F-8855-7811B9323DD3}"/>
                   </a:ext>
                 </a:extLst>
               </p:cNvPr>
@@ -14328,8 +17235,8 @@
             </p:nvSpPr>
             <p:spPr>
               <a:xfrm>
-                <a:off x="2476500" y="3429000"/>
-                <a:ext cx="1371600" cy="182880"/>
+                <a:off x="8572500" y="1764284"/>
+                <a:ext cx="1097280" cy="182880"/>
               </a:xfrm>
               <a:prstGeom prst="rightArrow">
                 <a:avLst/>
@@ -14365,12 +17272,210 @@
               </a:p>
             </p:txBody>
           </p:sp>
+          <p:sp>
+            <p:nvSpPr>
+              <p:cNvPr id="9" name="TextBox 8">
+                <a:extLst>
+                  <a:ext uri="{FF2B5EF4-FFF2-40B4-BE49-F238E27FC236}">
+                    <a16:creationId xmlns:a16="http://schemas.microsoft.com/office/drawing/2014/main" id="{B1138611-7B0A-D344-AF6F-9736163C17A9}"/>
+                  </a:ext>
+                </a:extLst>
+              </p:cNvPr>
+              <p:cNvSpPr txBox="1"/>
+              <p:nvPr/>
+            </p:nvSpPr>
+            <p:spPr>
+              <a:xfrm>
+                <a:off x="8673889" y="1956197"/>
+                <a:ext cx="888769" cy="369332"/>
+              </a:xfrm>
+              <a:prstGeom prst="rect">
+                <a:avLst/>
+              </a:prstGeom>
+              <a:noFill/>
+            </p:spPr>
+            <p:txBody>
+              <a:bodyPr wrap="none" rtlCol="0">
+                <a:spAutoFit/>
+              </a:bodyPr>
+              <a:lstStyle/>
+              <a:p>
+                <a:r>
+                  <a:rPr lang="en-US" dirty="0"/>
+                  <a:t>0.7 m/s</a:t>
+                </a:r>
+              </a:p>
+            </p:txBody>
+          </p:sp>
+        </p:grpSp>
+        <p:sp>
+          <p:nvSpPr>
+            <p:cNvPr id="6" name="TextBox 5">
+              <a:extLst>
+                <a:ext uri="{FF2B5EF4-FFF2-40B4-BE49-F238E27FC236}">
+                  <a16:creationId xmlns:a16="http://schemas.microsoft.com/office/drawing/2014/main" id="{C88812ED-8CBB-E74E-BCC3-012ED1EE05D5}"/>
+                </a:ext>
+              </a:extLst>
+            </p:cNvPr>
+            <p:cNvSpPr txBox="1"/>
+            <p:nvPr/>
+          </p:nvSpPr>
+          <p:spPr>
+            <a:xfrm>
+              <a:off x="3682720" y="1726859"/>
+              <a:ext cx="2577500" cy="646331"/>
+            </a:xfrm>
+            <a:prstGeom prst="rect">
+              <a:avLst/>
+            </a:prstGeom>
+            <a:noFill/>
+          </p:spPr>
+          <p:txBody>
+            <a:bodyPr wrap="none" rtlCol="0">
+              <a:spAutoFit/>
+            </a:bodyPr>
+            <a:lstStyle/>
+            <a:p>
+              <a:r>
+                <a:rPr lang="en-US" dirty="0"/>
+                <a:t>No collision</a:t>
+              </a:r>
+            </a:p>
+            <a:p>
+              <a:r>
+                <a:rPr lang="en-US" dirty="0"/>
+                <a:t>(Expected collision = 0.0)</a:t>
+              </a:r>
+            </a:p>
+          </p:txBody>
+        </p:sp>
+      </p:grpSp>
+      <p:grpSp>
+        <p:nvGrpSpPr>
+          <p:cNvPr id="71" name="Group 70">
+            <a:extLst>
+              <a:ext uri="{FF2B5EF4-FFF2-40B4-BE49-F238E27FC236}">
+                <a16:creationId xmlns:a16="http://schemas.microsoft.com/office/drawing/2014/main" id="{914AF992-2367-0245-B27A-317623FD0250}"/>
+              </a:ext>
+            </a:extLst>
+          </p:cNvPr>
+          <p:cNvGrpSpPr/>
+          <p:nvPr/>
+        </p:nvGrpSpPr>
+        <p:grpSpPr>
+          <a:xfrm>
+            <a:off x="2191769" y="3818672"/>
+            <a:ext cx="4697527" cy="937824"/>
+            <a:chOff x="2622917" y="3818672"/>
+            <a:chExt cx="4697527" cy="937824"/>
+          </a:xfrm>
+        </p:grpSpPr>
+        <p:grpSp>
+          <p:nvGrpSpPr>
+            <p:cNvPr id="70" name="Group 69">
+              <a:extLst>
+                <a:ext uri="{FF2B5EF4-FFF2-40B4-BE49-F238E27FC236}">
+                  <a16:creationId xmlns:a16="http://schemas.microsoft.com/office/drawing/2014/main" id="{26CD5723-6F2F-274A-94B9-0C3A4DA1B2F8}"/>
+                </a:ext>
+              </a:extLst>
+            </p:cNvPr>
+            <p:cNvGrpSpPr/>
+            <p:nvPr/>
+          </p:nvGrpSpPr>
+          <p:grpSpPr>
+            <a:xfrm>
+              <a:off x="2622917" y="3818672"/>
+              <a:ext cx="1711709" cy="937824"/>
+              <a:chOff x="2622917" y="3818672"/>
+              <a:chExt cx="1711709" cy="937824"/>
+            </a:xfrm>
+          </p:grpSpPr>
+          <p:pic>
+            <p:nvPicPr>
+              <p:cNvPr id="13" name="Picture 12">
+                <a:extLst>
+                  <a:ext uri="{FF2B5EF4-FFF2-40B4-BE49-F238E27FC236}">
+                    <a16:creationId xmlns:a16="http://schemas.microsoft.com/office/drawing/2014/main" id="{A5237C1C-7D65-1C4F-9F0E-90EEC18F3C72}"/>
+                  </a:ext>
+                </a:extLst>
+              </p:cNvPr>
+              <p:cNvPicPr>
+                <a:picLocks noChangeAspect="1"/>
+              </p:cNvPicPr>
+              <p:nvPr/>
+            </p:nvPicPr>
+            <p:blipFill rotWithShape="1">
+              <a:blip r:embed="rId2"/>
+              <a:srcRect l="26302" t="1905" r="24095"/>
+              <a:stretch/>
+            </p:blipFill>
+            <p:spPr>
+              <a:xfrm>
+                <a:off x="2622917" y="3875211"/>
+                <a:ext cx="431549" cy="640080"/>
+              </a:xfrm>
+              <a:prstGeom prst="rect">
+                <a:avLst/>
+              </a:prstGeom>
+            </p:spPr>
+          </p:pic>
+          <p:sp>
+            <p:nvSpPr>
+              <p:cNvPr id="14" name="Right Arrow 13">
+                <a:extLst>
+                  <a:ext uri="{FF2B5EF4-FFF2-40B4-BE49-F238E27FC236}">
+                    <a16:creationId xmlns:a16="http://schemas.microsoft.com/office/drawing/2014/main" id="{A520BE55-5968-8F4E-9A7F-2ECEE1272B8D}"/>
+                  </a:ext>
+                </a:extLst>
+              </p:cNvPr>
+              <p:cNvSpPr/>
+              <p:nvPr/>
+            </p:nvSpPr>
+            <p:spPr>
+              <a:xfrm>
+                <a:off x="3237346" y="4195251"/>
+                <a:ext cx="1097280" cy="182880"/>
+              </a:xfrm>
+              <a:prstGeom prst="rightArrow">
+                <a:avLst/>
+              </a:prstGeom>
+              <a:solidFill>
+                <a:schemeClr val="accent1">
+                  <a:lumMod val="75000"/>
+                </a:schemeClr>
+              </a:solidFill>
+            </p:spPr>
+            <p:style>
+              <a:lnRef idx="2">
+                <a:schemeClr val="accent1">
+                  <a:shade val="50000"/>
+                </a:schemeClr>
+              </a:lnRef>
+              <a:fillRef idx="1">
+                <a:schemeClr val="accent1"/>
+              </a:fillRef>
+              <a:effectRef idx="0">
+                <a:schemeClr val="accent1"/>
+              </a:effectRef>
+              <a:fontRef idx="minor">
+                <a:schemeClr val="lt1"/>
+              </a:fontRef>
+            </p:style>
+            <p:txBody>
+              <a:bodyPr rtlCol="0" anchor="ctr"/>
+              <a:lstStyle/>
+              <a:p>
+                <a:pPr algn="ctr"/>
+                <a:endParaRPr lang="en-US"/>
+              </a:p>
+            </p:txBody>
+          </p:sp>
           <p:grpSp>
             <p:nvGrpSpPr>
-              <p:cNvPr id="16" name="Group 15">
+              <p:cNvPr id="15" name="Group 14">
                 <a:extLst>
                   <a:ext uri="{FF2B5EF4-FFF2-40B4-BE49-F238E27FC236}">
-                    <a16:creationId xmlns:a16="http://schemas.microsoft.com/office/drawing/2014/main" id="{8D049792-46F1-3440-A829-3A6E0C2CB32D}"/>
+                    <a16:creationId xmlns:a16="http://schemas.microsoft.com/office/drawing/2014/main" id="{ECEA290B-0616-B242-BAC6-DEB0AAB4DF29}"/>
                   </a:ext>
                 </a:extLst>
               </p:cNvPr>
@@ -14379,7 +17484,458 @@
             </p:nvGrpSpPr>
             <p:grpSpPr>
               <a:xfrm>
-                <a:off x="2796540" y="3079288"/>
+                <a:off x="3600240" y="3818672"/>
+                <a:ext cx="365760" cy="295041"/>
+                <a:chOff x="7803055" y="2574583"/>
+                <a:chExt cx="365760" cy="295041"/>
+              </a:xfrm>
+            </p:grpSpPr>
+            <p:sp>
+              <p:nvSpPr>
+                <p:cNvPr id="17" name="Cube 16">
+                  <a:extLst>
+                    <a:ext uri="{FF2B5EF4-FFF2-40B4-BE49-F238E27FC236}">
+                      <a16:creationId xmlns:a16="http://schemas.microsoft.com/office/drawing/2014/main" id="{0571F3CA-DE91-0F4E-88CC-1DEB0B39294D}"/>
+                    </a:ext>
+                  </a:extLst>
+                </p:cNvPr>
+                <p:cNvSpPr>
+                  <a:spLocks noChangeAspect="1"/>
+                </p:cNvSpPr>
+                <p:nvPr/>
+              </p:nvSpPr>
+              <p:spPr>
+                <a:xfrm>
+                  <a:off x="7803055" y="2686744"/>
+                  <a:ext cx="182880" cy="182880"/>
+                </a:xfrm>
+                <a:prstGeom prst="cube">
+                  <a:avLst/>
+                </a:prstGeom>
+                <a:solidFill>
+                  <a:schemeClr val="accent4">
+                    <a:lumMod val="75000"/>
+                  </a:schemeClr>
+                </a:solidFill>
+                <a:ln>
+                  <a:solidFill>
+                    <a:schemeClr val="tx1"/>
+                  </a:solidFill>
+                </a:ln>
+              </p:spPr>
+              <p:style>
+                <a:lnRef idx="2">
+                  <a:schemeClr val="accent1">
+                    <a:shade val="50000"/>
+                  </a:schemeClr>
+                </a:lnRef>
+                <a:fillRef idx="1">
+                  <a:schemeClr val="accent1"/>
+                </a:fillRef>
+                <a:effectRef idx="0">
+                  <a:schemeClr val="accent1"/>
+                </a:effectRef>
+                <a:fontRef idx="minor">
+                  <a:schemeClr val="lt1"/>
+                </a:fontRef>
+              </p:style>
+              <p:txBody>
+                <a:bodyPr rtlCol="0" anchor="ctr"/>
+                <a:lstStyle/>
+                <a:p>
+                  <a:pPr algn="ctr"/>
+                  <a:endParaRPr lang="en-US"/>
+                </a:p>
+              </p:txBody>
+            </p:sp>
+            <p:sp>
+              <p:nvSpPr>
+                <p:cNvPr id="18" name="Cube 17">
+                  <a:extLst>
+                    <a:ext uri="{FF2B5EF4-FFF2-40B4-BE49-F238E27FC236}">
+                      <a16:creationId xmlns:a16="http://schemas.microsoft.com/office/drawing/2014/main" id="{38A9D1D2-E18B-2641-8445-D5CA3B2F4A57}"/>
+                    </a:ext>
+                  </a:extLst>
+                </p:cNvPr>
+                <p:cNvSpPr>
+                  <a:spLocks noChangeAspect="1"/>
+                </p:cNvSpPr>
+                <p:nvPr/>
+              </p:nvSpPr>
+              <p:spPr>
+                <a:xfrm>
+                  <a:off x="7985935" y="2686744"/>
+                  <a:ext cx="182880" cy="182880"/>
+                </a:xfrm>
+                <a:prstGeom prst="cube">
+                  <a:avLst/>
+                </a:prstGeom>
+                <a:solidFill>
+                  <a:schemeClr val="accent4">
+                    <a:lumMod val="75000"/>
+                  </a:schemeClr>
+                </a:solidFill>
+                <a:ln>
+                  <a:solidFill>
+                    <a:schemeClr val="tx1"/>
+                  </a:solidFill>
+                </a:ln>
+              </p:spPr>
+              <p:style>
+                <a:lnRef idx="2">
+                  <a:schemeClr val="accent1">
+                    <a:shade val="50000"/>
+                  </a:schemeClr>
+                </a:lnRef>
+                <a:fillRef idx="1">
+                  <a:schemeClr val="accent1"/>
+                </a:fillRef>
+                <a:effectRef idx="0">
+                  <a:schemeClr val="accent1"/>
+                </a:effectRef>
+                <a:fontRef idx="minor">
+                  <a:schemeClr val="lt1"/>
+                </a:fontRef>
+              </p:style>
+              <p:txBody>
+                <a:bodyPr rtlCol="0" anchor="ctr"/>
+                <a:lstStyle/>
+                <a:p>
+                  <a:pPr algn="ctr"/>
+                  <a:endParaRPr lang="en-US"/>
+                </a:p>
+              </p:txBody>
+            </p:sp>
+            <p:sp>
+              <p:nvSpPr>
+                <p:cNvPr id="19" name="Cube 18">
+                  <a:extLst>
+                    <a:ext uri="{FF2B5EF4-FFF2-40B4-BE49-F238E27FC236}">
+                      <a16:creationId xmlns:a16="http://schemas.microsoft.com/office/drawing/2014/main" id="{434BC0A4-28BE-914B-8E12-8F8444AB7859}"/>
+                    </a:ext>
+                  </a:extLst>
+                </p:cNvPr>
+                <p:cNvSpPr>
+                  <a:spLocks noChangeAspect="1"/>
+                </p:cNvSpPr>
+                <p:nvPr/>
+              </p:nvSpPr>
+              <p:spPr>
+                <a:xfrm>
+                  <a:off x="7803055" y="2574583"/>
+                  <a:ext cx="182880" cy="182880"/>
+                </a:xfrm>
+                <a:prstGeom prst="cube">
+                  <a:avLst/>
+                </a:prstGeom>
+                <a:solidFill>
+                  <a:schemeClr val="accent4">
+                    <a:lumMod val="75000"/>
+                  </a:schemeClr>
+                </a:solidFill>
+                <a:ln>
+                  <a:solidFill>
+                    <a:schemeClr val="tx1"/>
+                  </a:solidFill>
+                </a:ln>
+              </p:spPr>
+              <p:style>
+                <a:lnRef idx="2">
+                  <a:schemeClr val="accent1">
+                    <a:shade val="50000"/>
+                  </a:schemeClr>
+                </a:lnRef>
+                <a:fillRef idx="1">
+                  <a:schemeClr val="accent1"/>
+                </a:fillRef>
+                <a:effectRef idx="0">
+                  <a:schemeClr val="accent1"/>
+                </a:effectRef>
+                <a:fontRef idx="minor">
+                  <a:schemeClr val="lt1"/>
+                </a:fontRef>
+              </p:style>
+              <p:txBody>
+                <a:bodyPr rtlCol="0" anchor="ctr"/>
+                <a:lstStyle/>
+                <a:p>
+                  <a:pPr algn="ctr"/>
+                  <a:endParaRPr lang="en-US"/>
+                </a:p>
+              </p:txBody>
+            </p:sp>
+            <p:sp>
+              <p:nvSpPr>
+                <p:cNvPr id="20" name="Cube 19">
+                  <a:extLst>
+                    <a:ext uri="{FF2B5EF4-FFF2-40B4-BE49-F238E27FC236}">
+                      <a16:creationId xmlns:a16="http://schemas.microsoft.com/office/drawing/2014/main" id="{AA5DDF93-CB78-0B4D-A3C8-B1C41C934FA5}"/>
+                    </a:ext>
+                  </a:extLst>
+                </p:cNvPr>
+                <p:cNvSpPr>
+                  <a:spLocks noChangeAspect="1"/>
+                </p:cNvSpPr>
+                <p:nvPr/>
+              </p:nvSpPr>
+              <p:spPr>
+                <a:xfrm>
+                  <a:off x="7985935" y="2574583"/>
+                  <a:ext cx="182880" cy="182880"/>
+                </a:xfrm>
+                <a:prstGeom prst="cube">
+                  <a:avLst/>
+                </a:prstGeom>
+                <a:solidFill>
+                  <a:schemeClr val="accent4">
+                    <a:lumMod val="75000"/>
+                  </a:schemeClr>
+                </a:solidFill>
+                <a:ln>
+                  <a:solidFill>
+                    <a:schemeClr val="tx1"/>
+                  </a:solidFill>
+                </a:ln>
+              </p:spPr>
+              <p:style>
+                <a:lnRef idx="2">
+                  <a:schemeClr val="accent1">
+                    <a:shade val="50000"/>
+                  </a:schemeClr>
+                </a:lnRef>
+                <a:fillRef idx="1">
+                  <a:schemeClr val="accent1"/>
+                </a:fillRef>
+                <a:effectRef idx="0">
+                  <a:schemeClr val="accent1"/>
+                </a:effectRef>
+                <a:fontRef idx="minor">
+                  <a:schemeClr val="lt1"/>
+                </a:fontRef>
+              </p:style>
+              <p:txBody>
+                <a:bodyPr rtlCol="0" anchor="ctr"/>
+                <a:lstStyle/>
+                <a:p>
+                  <a:pPr algn="ctr"/>
+                  <a:endParaRPr lang="en-US"/>
+                </a:p>
+              </p:txBody>
+            </p:sp>
+          </p:grpSp>
+          <p:sp>
+            <p:nvSpPr>
+              <p:cNvPr id="16" name="TextBox 15">
+                <a:extLst>
+                  <a:ext uri="{FF2B5EF4-FFF2-40B4-BE49-F238E27FC236}">
+                    <a16:creationId xmlns:a16="http://schemas.microsoft.com/office/drawing/2014/main" id="{4AD4F83C-5298-B246-86D8-4334CF882E53}"/>
+                  </a:ext>
+                </a:extLst>
+              </p:cNvPr>
+              <p:cNvSpPr txBox="1"/>
+              <p:nvPr/>
+            </p:nvSpPr>
+            <p:spPr>
+              <a:xfrm>
+                <a:off x="3341600" y="4387164"/>
+                <a:ext cx="888769" cy="369332"/>
+              </a:xfrm>
+              <a:prstGeom prst="rect">
+                <a:avLst/>
+              </a:prstGeom>
+              <a:noFill/>
+            </p:spPr>
+            <p:txBody>
+              <a:bodyPr wrap="none" rtlCol="0">
+                <a:spAutoFit/>
+              </a:bodyPr>
+              <a:lstStyle/>
+              <a:p>
+                <a:r>
+                  <a:rPr lang="en-US" dirty="0"/>
+                  <a:t>0.7 m/s</a:t>
+                </a:r>
+              </a:p>
+            </p:txBody>
+          </p:sp>
+        </p:grpSp>
+        <p:sp>
+          <p:nvSpPr>
+            <p:cNvPr id="12" name="TextBox 11">
+              <a:extLst>
+                <a:ext uri="{FF2B5EF4-FFF2-40B4-BE49-F238E27FC236}">
+                  <a16:creationId xmlns:a16="http://schemas.microsoft.com/office/drawing/2014/main" id="{EFBC5898-DDC6-064E-9B61-0A01AC41CB4A}"/>
+                </a:ext>
+              </a:extLst>
+            </p:cNvPr>
+            <p:cNvSpPr txBox="1"/>
+            <p:nvPr/>
+          </p:nvSpPr>
+          <p:spPr>
+            <a:xfrm>
+              <a:off x="4443566" y="3925499"/>
+              <a:ext cx="2876878" cy="646331"/>
+            </a:xfrm>
+            <a:prstGeom prst="rect">
+              <a:avLst/>
+            </a:prstGeom>
+            <a:noFill/>
+          </p:spPr>
+          <p:txBody>
+            <a:bodyPr wrap="none" rtlCol="0">
+              <a:spAutoFit/>
+            </a:bodyPr>
+            <a:lstStyle/>
+            <a:p>
+              <a:r>
+                <a:rPr lang="en-US" dirty="0"/>
+                <a:t>Probability of collision = 20%</a:t>
+              </a:r>
+            </a:p>
+            <a:p>
+              <a:r>
+                <a:rPr lang="en-US" dirty="0"/>
+                <a:t>(Expected collision = 0.2)</a:t>
+              </a:r>
+            </a:p>
+          </p:txBody>
+        </p:sp>
+      </p:grpSp>
+      <p:grpSp>
+        <p:nvGrpSpPr>
+          <p:cNvPr id="69" name="Group 68">
+            <a:extLst>
+              <a:ext uri="{FF2B5EF4-FFF2-40B4-BE49-F238E27FC236}">
+                <a16:creationId xmlns:a16="http://schemas.microsoft.com/office/drawing/2014/main" id="{FCCC2CC5-8231-0641-9E85-E3EF87A01858}"/>
+              </a:ext>
+            </a:extLst>
+          </p:cNvPr>
+          <p:cNvGrpSpPr/>
+          <p:nvPr/>
+        </p:nvGrpSpPr>
+        <p:grpSpPr>
+          <a:xfrm>
+            <a:off x="2191769" y="5458831"/>
+            <a:ext cx="4697527" cy="901924"/>
+            <a:chOff x="2622917" y="5458831"/>
+            <a:chExt cx="4697527" cy="901924"/>
+          </a:xfrm>
+        </p:grpSpPr>
+        <p:grpSp>
+          <p:nvGrpSpPr>
+            <p:cNvPr id="68" name="Group 67">
+              <a:extLst>
+                <a:ext uri="{FF2B5EF4-FFF2-40B4-BE49-F238E27FC236}">
+                  <a16:creationId xmlns:a16="http://schemas.microsoft.com/office/drawing/2014/main" id="{80038F7F-5487-DB41-AC1D-05C8BC59E350}"/>
+                </a:ext>
+              </a:extLst>
+            </p:cNvPr>
+            <p:cNvGrpSpPr/>
+            <p:nvPr/>
+          </p:nvGrpSpPr>
+          <p:grpSpPr>
+            <a:xfrm>
+              <a:off x="2622917" y="5458831"/>
+              <a:ext cx="1711709" cy="901924"/>
+              <a:chOff x="2622917" y="5458831"/>
+              <a:chExt cx="1711709" cy="901924"/>
+            </a:xfrm>
+          </p:grpSpPr>
+          <p:pic>
+            <p:nvPicPr>
+              <p:cNvPr id="24" name="Picture 23">
+                <a:extLst>
+                  <a:ext uri="{FF2B5EF4-FFF2-40B4-BE49-F238E27FC236}">
+                    <a16:creationId xmlns:a16="http://schemas.microsoft.com/office/drawing/2014/main" id="{BF3B4DBD-9F4A-774F-A45C-E43D7BF0873D}"/>
+                  </a:ext>
+                </a:extLst>
+              </p:cNvPr>
+              <p:cNvPicPr>
+                <a:picLocks noChangeAspect="1"/>
+              </p:cNvPicPr>
+              <p:nvPr/>
+            </p:nvPicPr>
+            <p:blipFill rotWithShape="1">
+              <a:blip r:embed="rId2"/>
+              <a:srcRect l="26302" t="1905" r="24095"/>
+              <a:stretch/>
+            </p:blipFill>
+            <p:spPr>
+              <a:xfrm>
+                <a:off x="2622917" y="5488503"/>
+                <a:ext cx="431549" cy="640080"/>
+              </a:xfrm>
+              <a:prstGeom prst="rect">
+                <a:avLst/>
+              </a:prstGeom>
+            </p:spPr>
+          </p:pic>
+          <p:sp>
+            <p:nvSpPr>
+              <p:cNvPr id="25" name="Right Arrow 24">
+                <a:extLst>
+                  <a:ext uri="{FF2B5EF4-FFF2-40B4-BE49-F238E27FC236}">
+                    <a16:creationId xmlns:a16="http://schemas.microsoft.com/office/drawing/2014/main" id="{805675BB-10BF-774F-85F3-B59050FBE809}"/>
+                  </a:ext>
+                </a:extLst>
+              </p:cNvPr>
+              <p:cNvSpPr/>
+              <p:nvPr/>
+            </p:nvSpPr>
+            <p:spPr>
+              <a:xfrm>
+                <a:off x="3237346" y="5808543"/>
+                <a:ext cx="1097280" cy="182880"/>
+              </a:xfrm>
+              <a:prstGeom prst="rightArrow">
+                <a:avLst/>
+              </a:prstGeom>
+              <a:solidFill>
+                <a:schemeClr val="accent1">
+                  <a:lumMod val="75000"/>
+                </a:schemeClr>
+              </a:solidFill>
+            </p:spPr>
+            <p:style>
+              <a:lnRef idx="2">
+                <a:schemeClr val="accent1">
+                  <a:shade val="50000"/>
+                </a:schemeClr>
+              </a:lnRef>
+              <a:fillRef idx="1">
+                <a:schemeClr val="accent1"/>
+              </a:fillRef>
+              <a:effectRef idx="0">
+                <a:schemeClr val="accent1"/>
+              </a:effectRef>
+              <a:fontRef idx="minor">
+                <a:schemeClr val="lt1"/>
+              </a:fontRef>
+            </p:style>
+            <p:txBody>
+              <a:bodyPr rtlCol="0" anchor="ctr"/>
+              <a:lstStyle/>
+              <a:p>
+                <a:pPr algn="ctr"/>
+                <a:endParaRPr lang="en-US"/>
+              </a:p>
+            </p:txBody>
+          </p:sp>
+          <p:grpSp>
+            <p:nvGrpSpPr>
+              <p:cNvPr id="26" name="Group 25">
+                <a:extLst>
+                  <a:ext uri="{FF2B5EF4-FFF2-40B4-BE49-F238E27FC236}">
+                    <a16:creationId xmlns:a16="http://schemas.microsoft.com/office/drawing/2014/main" id="{11C48470-85BC-B644-BC9A-5E12EFC1F6D5}"/>
+                  </a:ext>
+                </a:extLst>
+              </p:cNvPr>
+              <p:cNvGrpSpPr/>
+              <p:nvPr/>
+            </p:nvGrpSpPr>
+            <p:grpSpPr>
+              <a:xfrm>
+                <a:off x="3420226" y="5458831"/>
                 <a:ext cx="731520" cy="295041"/>
                 <a:chOff x="9699621" y="3380438"/>
                 <a:chExt cx="731520" cy="295041"/>
@@ -14387,10 +17943,10 @@
             </p:grpSpPr>
             <p:sp>
               <p:nvSpPr>
-                <p:cNvPr id="17" name="Cube 16">
+                <p:cNvPr id="28" name="Cube 27">
                   <a:extLst>
                     <a:ext uri="{FF2B5EF4-FFF2-40B4-BE49-F238E27FC236}">
-                      <a16:creationId xmlns:a16="http://schemas.microsoft.com/office/drawing/2014/main" id="{4015B85F-26C9-1F4B-B6B6-62455E85CD28}"/>
+                      <a16:creationId xmlns:a16="http://schemas.microsoft.com/office/drawing/2014/main" id="{9EC5B2A0-964F-4A46-BD43-4007C6FB44B1}"/>
                     </a:ext>
                   </a:extLst>
                 </p:cNvPr>
@@ -14445,10 +18001,10 @@
             </p:sp>
             <p:sp>
               <p:nvSpPr>
-                <p:cNvPr id="18" name="Cube 17">
+                <p:cNvPr id="29" name="Cube 28">
                   <a:extLst>
                     <a:ext uri="{FF2B5EF4-FFF2-40B4-BE49-F238E27FC236}">
-                      <a16:creationId xmlns:a16="http://schemas.microsoft.com/office/drawing/2014/main" id="{F4392208-3DB6-F848-BDEA-3D4994290E42}"/>
+                      <a16:creationId xmlns:a16="http://schemas.microsoft.com/office/drawing/2014/main" id="{B6FA68AD-5BB6-5B4F-9724-1A21D4F4C8DA}"/>
                     </a:ext>
                   </a:extLst>
                 </p:cNvPr>
@@ -14503,10 +18059,10 @@
             </p:sp>
             <p:sp>
               <p:nvSpPr>
-                <p:cNvPr id="19" name="Cube 18">
+                <p:cNvPr id="30" name="Cube 29">
                   <a:extLst>
                     <a:ext uri="{FF2B5EF4-FFF2-40B4-BE49-F238E27FC236}">
-                      <a16:creationId xmlns:a16="http://schemas.microsoft.com/office/drawing/2014/main" id="{85D31150-E20F-C74C-9497-48F9950211D6}"/>
+                      <a16:creationId xmlns:a16="http://schemas.microsoft.com/office/drawing/2014/main" id="{F03894EA-CA90-F544-BCB3-2ED0204FCA04}"/>
                     </a:ext>
                   </a:extLst>
                 </p:cNvPr>
@@ -14561,10 +18117,10 @@
             </p:sp>
             <p:sp>
               <p:nvSpPr>
-                <p:cNvPr id="20" name="Cube 19">
+                <p:cNvPr id="31" name="Cube 30">
                   <a:extLst>
                     <a:ext uri="{FF2B5EF4-FFF2-40B4-BE49-F238E27FC236}">
-                      <a16:creationId xmlns:a16="http://schemas.microsoft.com/office/drawing/2014/main" id="{57B843F5-4069-874B-A9B2-3D1A51289EA8}"/>
+                      <a16:creationId xmlns:a16="http://schemas.microsoft.com/office/drawing/2014/main" id="{AE67F440-C6FA-2A45-9E12-FD3C7302834D}"/>
                     </a:ext>
                   </a:extLst>
                 </p:cNvPr>
@@ -14619,10 +18175,10 @@
             </p:sp>
             <p:sp>
               <p:nvSpPr>
-                <p:cNvPr id="21" name="Cube 20">
+                <p:cNvPr id="32" name="Cube 31">
                   <a:extLst>
                     <a:ext uri="{FF2B5EF4-FFF2-40B4-BE49-F238E27FC236}">
-                      <a16:creationId xmlns:a16="http://schemas.microsoft.com/office/drawing/2014/main" id="{11699295-733D-AA45-B8FD-9FE46DE3CD97}"/>
+                      <a16:creationId xmlns:a16="http://schemas.microsoft.com/office/drawing/2014/main" id="{96654F06-5A69-1B42-B0A2-4A862A79DEC4}"/>
                     </a:ext>
                   </a:extLst>
                 </p:cNvPr>
@@ -14677,10 +18233,10 @@
             </p:sp>
             <p:sp>
               <p:nvSpPr>
-                <p:cNvPr id="22" name="Cube 21">
+                <p:cNvPr id="33" name="Cube 32">
                   <a:extLst>
                     <a:ext uri="{FF2B5EF4-FFF2-40B4-BE49-F238E27FC236}">
-                      <a16:creationId xmlns:a16="http://schemas.microsoft.com/office/drawing/2014/main" id="{BA3D9553-EE66-764C-B5BC-6A8B80560A35}"/>
+                      <a16:creationId xmlns:a16="http://schemas.microsoft.com/office/drawing/2014/main" id="{574A102E-4A0C-B34E-B838-B65B99E87D2B}"/>
                     </a:ext>
                   </a:extLst>
                 </p:cNvPr>
@@ -14735,10 +18291,10 @@
             </p:sp>
             <p:sp>
               <p:nvSpPr>
-                <p:cNvPr id="23" name="Cube 22">
+                <p:cNvPr id="34" name="Cube 33">
                   <a:extLst>
                     <a:ext uri="{FF2B5EF4-FFF2-40B4-BE49-F238E27FC236}">
-                      <a16:creationId xmlns:a16="http://schemas.microsoft.com/office/drawing/2014/main" id="{B07AED4A-437B-934F-9FB2-DDB960E5FF2C}"/>
+                      <a16:creationId xmlns:a16="http://schemas.microsoft.com/office/drawing/2014/main" id="{03BD5E90-6A6C-E64A-980F-F8971CE9BD5C}"/>
                     </a:ext>
                   </a:extLst>
                 </p:cNvPr>
@@ -14793,10 +18349,10 @@
             </p:sp>
             <p:sp>
               <p:nvSpPr>
-                <p:cNvPr id="24" name="Cube 23">
+                <p:cNvPr id="35" name="Cube 34">
                   <a:extLst>
                     <a:ext uri="{FF2B5EF4-FFF2-40B4-BE49-F238E27FC236}">
-                      <a16:creationId xmlns:a16="http://schemas.microsoft.com/office/drawing/2014/main" id="{98E85D2D-8C1B-D444-86F6-EB140F81B019}"/>
+                      <a16:creationId xmlns:a16="http://schemas.microsoft.com/office/drawing/2014/main" id="{C897A663-6A15-9E4C-AA84-E9AD76D9C1EF}"/>
                     </a:ext>
                   </a:extLst>
                 </p:cNvPr>
@@ -14852,10 +18408,10 @@
           </p:grpSp>
           <p:sp>
             <p:nvSpPr>
-              <p:cNvPr id="26" name="TextBox 25">
+              <p:cNvPr id="27" name="TextBox 26">
                 <a:extLst>
                   <a:ext uri="{FF2B5EF4-FFF2-40B4-BE49-F238E27FC236}">
-                    <a16:creationId xmlns:a16="http://schemas.microsoft.com/office/drawing/2014/main" id="{153F2A18-944B-D943-A584-CCABCB324B0A}"/>
+                    <a16:creationId xmlns:a16="http://schemas.microsoft.com/office/drawing/2014/main" id="{A386CAFB-001D-9F46-9946-47747C13FFDC}"/>
                   </a:ext>
                 </a:extLst>
               </p:cNvPr>
@@ -14864,7 +18420,7 @@
             </p:nvSpPr>
             <p:spPr>
               <a:xfrm>
-                <a:off x="2717915" y="3611880"/>
+                <a:off x="3341601" y="5991423"/>
                 <a:ext cx="888769" cy="369332"/>
               </a:xfrm>
               <a:prstGeom prst="rect">
@@ -14888,10 +18444,10 @@
         </p:grpSp>
         <p:sp>
           <p:nvSpPr>
-            <p:cNvPr id="27" name="TextBox 26">
+            <p:cNvPr id="23" name="TextBox 22">
               <a:extLst>
                 <a:ext uri="{FF2B5EF4-FFF2-40B4-BE49-F238E27FC236}">
-                  <a16:creationId xmlns:a16="http://schemas.microsoft.com/office/drawing/2014/main" id="{30FE6580-071F-7146-B9CD-42EF98EC46B4}"/>
+                  <a16:creationId xmlns:a16="http://schemas.microsoft.com/office/drawing/2014/main" id="{45CF74BF-BE64-6140-AD72-FBFB84102CA1}"/>
                 </a:ext>
               </a:extLst>
             </p:cNvPr>
@@ -14900,7 +18456,7 @@
           </p:nvSpPr>
           <p:spPr>
             <a:xfrm>
-              <a:off x="4096904" y="3207085"/>
+              <a:off x="4443566" y="5550271"/>
               <a:ext cx="2876878" cy="646331"/>
             </a:xfrm>
             <a:prstGeom prst="rect">
@@ -14930,10 +18486,10 @@
       </p:grpSp>
       <p:grpSp>
         <p:nvGrpSpPr>
-          <p:cNvPr id="32" name="Group 31">
+          <p:cNvPr id="72" name="Group 71">
             <a:extLst>
               <a:ext uri="{FF2B5EF4-FFF2-40B4-BE49-F238E27FC236}">
-                <a16:creationId xmlns:a16="http://schemas.microsoft.com/office/drawing/2014/main" id="{2CB63CDB-BA91-274E-AE3E-0F999208EC77}"/>
+                <a16:creationId xmlns:a16="http://schemas.microsoft.com/office/drawing/2014/main" id="{4536F0F5-A1E3-2043-9A22-19C6FFEC5FED}"/>
               </a:ext>
             </a:extLst>
           </p:cNvPr>
@@ -14942,18 +18498,18 @@
         </p:nvGrpSpPr>
         <p:grpSpPr>
           <a:xfrm>
-            <a:off x="719071" y="2539700"/>
-            <a:ext cx="5111711" cy="937824"/>
-            <a:chOff x="1862071" y="1581112"/>
-            <a:chExt cx="5111711" cy="937824"/>
+            <a:off x="7247498" y="2235052"/>
+            <a:ext cx="4398149" cy="881285"/>
+            <a:chOff x="1862071" y="1637651"/>
+            <a:chExt cx="4398149" cy="881285"/>
           </a:xfrm>
         </p:grpSpPr>
         <p:grpSp>
           <p:nvGrpSpPr>
-            <p:cNvPr id="28" name="Group 27">
+            <p:cNvPr id="73" name="Group 72">
               <a:extLst>
                 <a:ext uri="{FF2B5EF4-FFF2-40B4-BE49-F238E27FC236}">
-                  <a16:creationId xmlns:a16="http://schemas.microsoft.com/office/drawing/2014/main" id="{9275681A-EE74-B94B-9529-7C520CC982B6}"/>
+                  <a16:creationId xmlns:a16="http://schemas.microsoft.com/office/drawing/2014/main" id="{ADB519AC-AB6A-E740-9F93-26F0ACD94908}"/>
                 </a:ext>
               </a:extLst>
             </p:cNvPr>
@@ -14962,18 +18518,18 @@
           </p:nvGrpSpPr>
           <p:grpSpPr>
             <a:xfrm>
-              <a:off x="1862071" y="1581112"/>
-              <a:ext cx="1986029" cy="937824"/>
-              <a:chOff x="7958071" y="1387705"/>
-              <a:chExt cx="1986029" cy="937824"/>
+              <a:off x="1862071" y="1637651"/>
+              <a:ext cx="1711709" cy="881285"/>
+              <a:chOff x="7958071" y="1444244"/>
+              <a:chExt cx="1711709" cy="881285"/>
             </a:xfrm>
           </p:grpSpPr>
           <p:pic>
             <p:nvPicPr>
-              <p:cNvPr id="2" name="Picture 1">
+              <p:cNvPr id="75" name="Picture 74">
                 <a:extLst>
                   <a:ext uri="{FF2B5EF4-FFF2-40B4-BE49-F238E27FC236}">
-                    <a16:creationId xmlns:a16="http://schemas.microsoft.com/office/drawing/2014/main" id="{78298C0B-5904-BC4D-9AD1-682EEA87AE97}"/>
+                    <a16:creationId xmlns:a16="http://schemas.microsoft.com/office/drawing/2014/main" id="{8A462382-5FFA-8740-BFB1-A8DE4F904110}"/>
                   </a:ext>
                 </a:extLst>
               </p:cNvPr>
@@ -14999,10 +18555,10 @@
           </p:pic>
           <p:sp>
             <p:nvSpPr>
-              <p:cNvPr id="3" name="Right Arrow 2">
+              <p:cNvPr id="76" name="Right Arrow 75">
                 <a:extLst>
                   <a:ext uri="{FF2B5EF4-FFF2-40B4-BE49-F238E27FC236}">
-                    <a16:creationId xmlns:a16="http://schemas.microsoft.com/office/drawing/2014/main" id="{A8FFD612-086F-2240-B036-50F5066B38DC}"/>
+                    <a16:creationId xmlns:a16="http://schemas.microsoft.com/office/drawing/2014/main" id="{029FE162-EF10-5843-BA61-24BC57618B0B}"/>
                   </a:ext>
                 </a:extLst>
               </p:cNvPr>
@@ -15012,15 +18568,209 @@
             <p:spPr>
               <a:xfrm>
                 <a:off x="8572500" y="1764284"/>
-                <a:ext cx="1371600" cy="182880"/>
+                <a:ext cx="1097280" cy="182880"/>
               </a:xfrm>
               <a:prstGeom prst="rightArrow">
                 <a:avLst/>
               </a:prstGeom>
               <a:solidFill>
+                <a:srgbClr val="00B0F0"/>
+              </a:solidFill>
+            </p:spPr>
+            <p:style>
+              <a:lnRef idx="2">
                 <a:schemeClr val="accent1">
-                  <a:lumMod val="75000"/>
+                  <a:shade val="50000"/>
                 </a:schemeClr>
+              </a:lnRef>
+              <a:fillRef idx="1">
+                <a:schemeClr val="accent1"/>
+              </a:fillRef>
+              <a:effectRef idx="0">
+                <a:schemeClr val="accent1"/>
+              </a:effectRef>
+              <a:fontRef idx="minor">
+                <a:schemeClr val="lt1"/>
+              </a:fontRef>
+            </p:style>
+            <p:txBody>
+              <a:bodyPr rtlCol="0" anchor="ctr"/>
+              <a:lstStyle/>
+              <a:p>
+                <a:pPr algn="ctr"/>
+                <a:endParaRPr lang="en-US"/>
+              </a:p>
+            </p:txBody>
+          </p:sp>
+          <p:sp>
+            <p:nvSpPr>
+              <p:cNvPr id="77" name="TextBox 76">
+                <a:extLst>
+                  <a:ext uri="{FF2B5EF4-FFF2-40B4-BE49-F238E27FC236}">
+                    <a16:creationId xmlns:a16="http://schemas.microsoft.com/office/drawing/2014/main" id="{D421C4D6-BA1E-994E-AA2A-FC69A79865E3}"/>
+                  </a:ext>
+                </a:extLst>
+              </p:cNvPr>
+              <p:cNvSpPr txBox="1"/>
+              <p:nvPr/>
+            </p:nvSpPr>
+            <p:spPr>
+              <a:xfrm>
+                <a:off x="8615380" y="1956197"/>
+                <a:ext cx="1005788" cy="369332"/>
+              </a:xfrm>
+              <a:prstGeom prst="rect">
+                <a:avLst/>
+              </a:prstGeom>
+              <a:noFill/>
+            </p:spPr>
+            <p:txBody>
+              <a:bodyPr wrap="none" rtlCol="0">
+                <a:spAutoFit/>
+              </a:bodyPr>
+              <a:lstStyle/>
+              <a:p>
+                <a:r>
+                  <a:rPr lang="en-US" dirty="0"/>
+                  <a:t>0.35 m/s</a:t>
+                </a:r>
+              </a:p>
+            </p:txBody>
+          </p:sp>
+        </p:grpSp>
+        <p:sp>
+          <p:nvSpPr>
+            <p:cNvPr id="74" name="TextBox 73">
+              <a:extLst>
+                <a:ext uri="{FF2B5EF4-FFF2-40B4-BE49-F238E27FC236}">
+                  <a16:creationId xmlns:a16="http://schemas.microsoft.com/office/drawing/2014/main" id="{6E8CA8A8-B9CD-CE4B-8035-7C095AC221D8}"/>
+                </a:ext>
+              </a:extLst>
+            </p:cNvPr>
+            <p:cNvSpPr txBox="1"/>
+            <p:nvPr/>
+          </p:nvSpPr>
+          <p:spPr>
+            <a:xfrm>
+              <a:off x="3682720" y="1726859"/>
+              <a:ext cx="2577500" cy="646331"/>
+            </a:xfrm>
+            <a:prstGeom prst="rect">
+              <a:avLst/>
+            </a:prstGeom>
+            <a:noFill/>
+          </p:spPr>
+          <p:txBody>
+            <a:bodyPr wrap="none" rtlCol="0">
+              <a:spAutoFit/>
+            </a:bodyPr>
+            <a:lstStyle/>
+            <a:p>
+              <a:r>
+                <a:rPr lang="en-US" dirty="0"/>
+                <a:t>No collision</a:t>
+              </a:r>
+            </a:p>
+            <a:p>
+              <a:r>
+                <a:rPr lang="en-US" dirty="0"/>
+                <a:t>(Expected collision = 0.0)</a:t>
+              </a:r>
+            </a:p>
+          </p:txBody>
+        </p:sp>
+      </p:grpSp>
+      <p:grpSp>
+        <p:nvGrpSpPr>
+          <p:cNvPr id="78" name="Group 77">
+            <a:extLst>
+              <a:ext uri="{FF2B5EF4-FFF2-40B4-BE49-F238E27FC236}">
+                <a16:creationId xmlns:a16="http://schemas.microsoft.com/office/drawing/2014/main" id="{EA6FD5EB-4A7A-8F4D-A7DD-A1F5F1600812}"/>
+              </a:ext>
+            </a:extLst>
+          </p:cNvPr>
+          <p:cNvGrpSpPr/>
+          <p:nvPr/>
+        </p:nvGrpSpPr>
+        <p:grpSpPr>
+          <a:xfrm>
+            <a:off x="7247498" y="3818672"/>
+            <a:ext cx="4333260" cy="937824"/>
+            <a:chOff x="2622917" y="3818672"/>
+            <a:chExt cx="4333260" cy="937824"/>
+          </a:xfrm>
+        </p:grpSpPr>
+        <p:grpSp>
+          <p:nvGrpSpPr>
+            <p:cNvPr id="79" name="Group 78">
+              <a:extLst>
+                <a:ext uri="{FF2B5EF4-FFF2-40B4-BE49-F238E27FC236}">
+                  <a16:creationId xmlns:a16="http://schemas.microsoft.com/office/drawing/2014/main" id="{DD2B1B39-BB14-244F-8BE3-894E692208AF}"/>
+                </a:ext>
+              </a:extLst>
+            </p:cNvPr>
+            <p:cNvGrpSpPr/>
+            <p:nvPr/>
+          </p:nvGrpSpPr>
+          <p:grpSpPr>
+            <a:xfrm>
+              <a:off x="2622917" y="3818672"/>
+              <a:ext cx="1711709" cy="937824"/>
+              <a:chOff x="2622917" y="3818672"/>
+              <a:chExt cx="1711709" cy="937824"/>
+            </a:xfrm>
+          </p:grpSpPr>
+          <p:pic>
+            <p:nvPicPr>
+              <p:cNvPr id="81" name="Picture 80">
+                <a:extLst>
+                  <a:ext uri="{FF2B5EF4-FFF2-40B4-BE49-F238E27FC236}">
+                    <a16:creationId xmlns:a16="http://schemas.microsoft.com/office/drawing/2014/main" id="{B5CE0DBE-2BAB-614E-8467-DF4C32C38E00}"/>
+                  </a:ext>
+                </a:extLst>
+              </p:cNvPr>
+              <p:cNvPicPr>
+                <a:picLocks noChangeAspect="1"/>
+              </p:cNvPicPr>
+              <p:nvPr/>
+            </p:nvPicPr>
+            <p:blipFill rotWithShape="1">
+              <a:blip r:embed="rId2"/>
+              <a:srcRect l="26302" t="1905" r="24095"/>
+              <a:stretch/>
+            </p:blipFill>
+            <p:spPr>
+              <a:xfrm>
+                <a:off x="2622917" y="3875211"/>
+                <a:ext cx="431549" cy="640080"/>
+              </a:xfrm>
+              <a:prstGeom prst="rect">
+                <a:avLst/>
+              </a:prstGeom>
+            </p:spPr>
+          </p:pic>
+          <p:sp>
+            <p:nvSpPr>
+              <p:cNvPr id="82" name="Right Arrow 81">
+                <a:extLst>
+                  <a:ext uri="{FF2B5EF4-FFF2-40B4-BE49-F238E27FC236}">
+                    <a16:creationId xmlns:a16="http://schemas.microsoft.com/office/drawing/2014/main" id="{D49436C2-E64C-434A-BCDE-4673D01A5E48}"/>
+                  </a:ext>
+                </a:extLst>
+              </p:cNvPr>
+              <p:cNvSpPr/>
+              <p:nvPr/>
+            </p:nvSpPr>
+            <p:spPr>
+              <a:xfrm>
+                <a:off x="3237346" y="4195251"/>
+                <a:ext cx="1097280" cy="182880"/>
+              </a:xfrm>
+              <a:prstGeom prst="rightArrow">
+                <a:avLst/>
+              </a:prstGeom>
+              <a:solidFill>
+                <a:srgbClr val="00B0F0"/>
               </a:solidFill>
             </p:spPr>
             <p:style>
@@ -15050,10 +18800,10 @@
           </p:sp>
           <p:grpSp>
             <p:nvGrpSpPr>
-              <p:cNvPr id="4" name="Group 3">
+              <p:cNvPr id="83" name="Group 82">
                 <a:extLst>
                   <a:ext uri="{FF2B5EF4-FFF2-40B4-BE49-F238E27FC236}">
-                    <a16:creationId xmlns:a16="http://schemas.microsoft.com/office/drawing/2014/main" id="{C22D023C-9900-C34F-A6B6-E00315C730D8}"/>
+                    <a16:creationId xmlns:a16="http://schemas.microsoft.com/office/drawing/2014/main" id="{3510B9D1-9F53-A24B-A540-AD9D084DB8C9}"/>
                   </a:ext>
                 </a:extLst>
               </p:cNvPr>
@@ -15062,7 +18812,7 @@
             </p:nvGrpSpPr>
             <p:grpSpPr>
               <a:xfrm>
-                <a:off x="9075420" y="1387705"/>
+                <a:off x="3600240" y="3818672"/>
                 <a:ext cx="365760" cy="295041"/>
                 <a:chOff x="7803055" y="2574583"/>
                 <a:chExt cx="365760" cy="295041"/>
@@ -15070,10 +18820,10 @@
             </p:grpSpPr>
             <p:sp>
               <p:nvSpPr>
-                <p:cNvPr id="5" name="Cube 4">
+                <p:cNvPr id="85" name="Cube 84">
                   <a:extLst>
                     <a:ext uri="{FF2B5EF4-FFF2-40B4-BE49-F238E27FC236}">
-                      <a16:creationId xmlns:a16="http://schemas.microsoft.com/office/drawing/2014/main" id="{4186F3B8-FF0E-0249-BC66-540C31577573}"/>
+                      <a16:creationId xmlns:a16="http://schemas.microsoft.com/office/drawing/2014/main" id="{7010FD88-4AF0-3E46-8251-E380DAD48FEE}"/>
                     </a:ext>
                   </a:extLst>
                 </p:cNvPr>
@@ -15128,10 +18878,10 @@
             </p:sp>
             <p:sp>
               <p:nvSpPr>
-                <p:cNvPr id="6" name="Cube 5">
+                <p:cNvPr id="86" name="Cube 85">
                   <a:extLst>
                     <a:ext uri="{FF2B5EF4-FFF2-40B4-BE49-F238E27FC236}">
-                      <a16:creationId xmlns:a16="http://schemas.microsoft.com/office/drawing/2014/main" id="{5D9EDBBA-1A30-2D43-AD0A-EE011030D5A4}"/>
+                      <a16:creationId xmlns:a16="http://schemas.microsoft.com/office/drawing/2014/main" id="{77D5022A-46DA-6948-82BE-A3532944F9C9}"/>
                     </a:ext>
                   </a:extLst>
                 </p:cNvPr>
@@ -15186,10 +18936,10 @@
             </p:sp>
             <p:sp>
               <p:nvSpPr>
-                <p:cNvPr id="7" name="Cube 6">
+                <p:cNvPr id="87" name="Cube 86">
                   <a:extLst>
                     <a:ext uri="{FF2B5EF4-FFF2-40B4-BE49-F238E27FC236}">
-                      <a16:creationId xmlns:a16="http://schemas.microsoft.com/office/drawing/2014/main" id="{0C6F29FE-DFCE-7D46-BBA2-F52A80388DE5}"/>
+                      <a16:creationId xmlns:a16="http://schemas.microsoft.com/office/drawing/2014/main" id="{E7388A6A-0492-0640-81EB-2EC320FA9AEC}"/>
                     </a:ext>
                   </a:extLst>
                 </p:cNvPr>
@@ -15244,10 +18994,10 @@
             </p:sp>
             <p:sp>
               <p:nvSpPr>
-                <p:cNvPr id="8" name="Cube 7">
+                <p:cNvPr id="88" name="Cube 87">
                   <a:extLst>
                     <a:ext uri="{FF2B5EF4-FFF2-40B4-BE49-F238E27FC236}">
-                      <a16:creationId xmlns:a16="http://schemas.microsoft.com/office/drawing/2014/main" id="{9534F077-4559-914C-BF99-C393985BED93}"/>
+                      <a16:creationId xmlns:a16="http://schemas.microsoft.com/office/drawing/2014/main" id="{67292A3F-3DEF-0D4B-85B0-29EFCB0D9B37}"/>
                     </a:ext>
                   </a:extLst>
                 </p:cNvPr>
@@ -15303,10 +19053,10 @@
           </p:grpSp>
           <p:sp>
             <p:nvSpPr>
-              <p:cNvPr id="25" name="TextBox 24">
+              <p:cNvPr id="84" name="TextBox 83">
                 <a:extLst>
                   <a:ext uri="{FF2B5EF4-FFF2-40B4-BE49-F238E27FC236}">
-                    <a16:creationId xmlns:a16="http://schemas.microsoft.com/office/drawing/2014/main" id="{0B495CFC-CE27-FC48-86FE-7DACD022D494}"/>
+                    <a16:creationId xmlns:a16="http://schemas.microsoft.com/office/drawing/2014/main" id="{FAB60EA5-3EC1-9A4D-B040-FC22D92FACA6}"/>
                   </a:ext>
                 </a:extLst>
               </p:cNvPr>
@@ -15315,8 +19065,8 @@
             </p:nvSpPr>
             <p:spPr>
               <a:xfrm>
-                <a:off x="8813915" y="1956197"/>
-                <a:ext cx="888769" cy="369332"/>
+                <a:off x="3280226" y="4387164"/>
+                <a:ext cx="1005788" cy="369332"/>
               </a:xfrm>
               <a:prstGeom prst="rect">
                 <a:avLst/>
@@ -15331,7 +19081,7 @@
               <a:p>
                 <a:r>
                   <a:rPr lang="en-US" dirty="0"/>
-                  <a:t>0.7 m/s</a:t>
+                  <a:t>0.35 m/s</a:t>
                 </a:r>
               </a:p>
             </p:txBody>
@@ -15339,10 +19089,10 @@
         </p:grpSp>
         <p:sp>
           <p:nvSpPr>
-            <p:cNvPr id="30" name="TextBox 29">
+            <p:cNvPr id="80" name="TextBox 79">
               <a:extLst>
                 <a:ext uri="{FF2B5EF4-FFF2-40B4-BE49-F238E27FC236}">
-                  <a16:creationId xmlns:a16="http://schemas.microsoft.com/office/drawing/2014/main" id="{41E3E91B-4D6B-574B-AC63-772E7CE972E7}"/>
+                  <a16:creationId xmlns:a16="http://schemas.microsoft.com/office/drawing/2014/main" id="{3892EE46-1E5F-A24B-9160-8EEB5DB181DF}"/>
                 </a:ext>
               </a:extLst>
             </p:cNvPr>
@@ -15351,8 +19101,8 @@
           </p:nvSpPr>
           <p:spPr>
             <a:xfrm>
-              <a:off x="4096904" y="1726859"/>
-              <a:ext cx="2876878" cy="646331"/>
+              <a:off x="4443566" y="3925499"/>
+              <a:ext cx="2512611" cy="646331"/>
             </a:xfrm>
             <a:prstGeom prst="rect">
               <a:avLst/>
@@ -15367,7 +19117,7 @@
             <a:p>
               <a:r>
                 <a:rPr lang="en-US" dirty="0"/>
-                <a:t>Probability of collision = 20%</a:t>
+                <a:t>No collision at low speed</a:t>
               </a:r>
             </a:p>
             <a:p>
@@ -15381,10 +19131,10 @@
       </p:grpSp>
       <p:grpSp>
         <p:nvGrpSpPr>
-          <p:cNvPr id="33" name="Group 32">
+          <p:cNvPr id="89" name="Group 88">
             <a:extLst>
               <a:ext uri="{FF2B5EF4-FFF2-40B4-BE49-F238E27FC236}">
-                <a16:creationId xmlns:a16="http://schemas.microsoft.com/office/drawing/2014/main" id="{7C5858FA-1831-8F44-81B8-7DC0483F1A1E}"/>
+                <a16:creationId xmlns:a16="http://schemas.microsoft.com/office/drawing/2014/main" id="{7AC51775-3E71-9D41-BFEF-1EF39DA8B62E}"/>
               </a:ext>
             </a:extLst>
           </p:cNvPr>
@@ -15393,18 +19143,18 @@
         </p:nvGrpSpPr>
         <p:grpSpPr>
           <a:xfrm>
-            <a:off x="6660598" y="4139552"/>
-            <a:ext cx="4747444" cy="901924"/>
-            <a:chOff x="1862071" y="3079288"/>
-            <a:chExt cx="4747444" cy="901924"/>
+            <a:off x="7247498" y="5458831"/>
+            <a:ext cx="4333260" cy="901924"/>
+            <a:chOff x="2622917" y="5458831"/>
+            <a:chExt cx="4333260" cy="901924"/>
           </a:xfrm>
         </p:grpSpPr>
         <p:grpSp>
           <p:nvGrpSpPr>
-            <p:cNvPr id="34" name="Group 33">
+            <p:cNvPr id="90" name="Group 89">
               <a:extLst>
                 <a:ext uri="{FF2B5EF4-FFF2-40B4-BE49-F238E27FC236}">
-                  <a16:creationId xmlns:a16="http://schemas.microsoft.com/office/drawing/2014/main" id="{31776528-0CE0-7F43-8CD3-A132BB4835C3}"/>
+                  <a16:creationId xmlns:a16="http://schemas.microsoft.com/office/drawing/2014/main" id="{AFBB365A-6E86-F34B-BB35-45237E0013F7}"/>
                 </a:ext>
               </a:extLst>
             </p:cNvPr>
@@ -15413,18 +19163,18 @@
           </p:nvGrpSpPr>
           <p:grpSpPr>
             <a:xfrm>
-              <a:off x="1862071" y="3079288"/>
-              <a:ext cx="1986029" cy="901924"/>
-              <a:chOff x="1862071" y="3079288"/>
-              <a:chExt cx="1986029" cy="901924"/>
+              <a:off x="2622917" y="5458831"/>
+              <a:ext cx="1711709" cy="901924"/>
+              <a:chOff x="2622917" y="5458831"/>
+              <a:chExt cx="1711709" cy="901924"/>
             </a:xfrm>
           </p:grpSpPr>
           <p:pic>
             <p:nvPicPr>
-              <p:cNvPr id="36" name="Picture 35">
+              <p:cNvPr id="92" name="Picture 91">
                 <a:extLst>
                   <a:ext uri="{FF2B5EF4-FFF2-40B4-BE49-F238E27FC236}">
-                    <a16:creationId xmlns:a16="http://schemas.microsoft.com/office/drawing/2014/main" id="{2A729FAE-1A71-4B40-B1E7-8F403A1CA25A}"/>
+                    <a16:creationId xmlns:a16="http://schemas.microsoft.com/office/drawing/2014/main" id="{58BCD12C-693B-694C-AA62-4AA6F98D5009}"/>
                   </a:ext>
                 </a:extLst>
               </p:cNvPr>
@@ -15440,7 +19190,7 @@
             </p:blipFill>
             <p:spPr>
               <a:xfrm>
-                <a:off x="1862071" y="3108960"/>
+                <a:off x="2622917" y="5488503"/>
                 <a:ext cx="431549" cy="640080"/>
               </a:xfrm>
               <a:prstGeom prst="rect">
@@ -15450,10 +19200,10 @@
           </p:pic>
           <p:sp>
             <p:nvSpPr>
-              <p:cNvPr id="37" name="Right Arrow 36">
+              <p:cNvPr id="93" name="Right Arrow 92">
                 <a:extLst>
                   <a:ext uri="{FF2B5EF4-FFF2-40B4-BE49-F238E27FC236}">
-                    <a16:creationId xmlns:a16="http://schemas.microsoft.com/office/drawing/2014/main" id="{9B5D4DCA-867E-D44F-AF28-D5F8B79CAE77}"/>
+                    <a16:creationId xmlns:a16="http://schemas.microsoft.com/office/drawing/2014/main" id="{D8BA371C-2391-2A48-BA85-122DC77CA64E}"/>
                   </a:ext>
                 </a:extLst>
               </p:cNvPr>
@@ -15462,8 +19212,8 @@
             </p:nvSpPr>
             <p:spPr>
               <a:xfrm>
-                <a:off x="2476500" y="3429000"/>
-                <a:ext cx="1371600" cy="182880"/>
+                <a:off x="3237346" y="5808543"/>
+                <a:ext cx="1097280" cy="182880"/>
               </a:xfrm>
               <a:prstGeom prst="rightArrow">
                 <a:avLst/>
@@ -15499,10 +19249,10 @@
           </p:sp>
           <p:grpSp>
             <p:nvGrpSpPr>
-              <p:cNvPr id="38" name="Group 37">
+              <p:cNvPr id="94" name="Group 93">
                 <a:extLst>
                   <a:ext uri="{FF2B5EF4-FFF2-40B4-BE49-F238E27FC236}">
-                    <a16:creationId xmlns:a16="http://schemas.microsoft.com/office/drawing/2014/main" id="{8AFAF2C1-559B-2E4F-AB8B-4D769AD9A947}"/>
+                    <a16:creationId xmlns:a16="http://schemas.microsoft.com/office/drawing/2014/main" id="{3A14C0BB-05F6-1B46-A176-8CA344EB6A12}"/>
                   </a:ext>
                 </a:extLst>
               </p:cNvPr>
@@ -15511,7 +19261,7 @@
             </p:nvGrpSpPr>
             <p:grpSpPr>
               <a:xfrm>
-                <a:off x="2796540" y="3079288"/>
+                <a:off x="3420226" y="5458831"/>
                 <a:ext cx="731520" cy="295041"/>
                 <a:chOff x="9699621" y="3380438"/>
                 <a:chExt cx="731520" cy="295041"/>
@@ -15519,10 +19269,10 @@
             </p:grpSpPr>
             <p:sp>
               <p:nvSpPr>
-                <p:cNvPr id="40" name="Cube 39">
+                <p:cNvPr id="96" name="Cube 95">
                   <a:extLst>
                     <a:ext uri="{FF2B5EF4-FFF2-40B4-BE49-F238E27FC236}">
-                      <a16:creationId xmlns:a16="http://schemas.microsoft.com/office/drawing/2014/main" id="{C0E5228D-9770-EA42-8430-A8E6C2735069}"/>
+                      <a16:creationId xmlns:a16="http://schemas.microsoft.com/office/drawing/2014/main" id="{E79B10BC-A7B8-824D-A548-3A46FB6C19EB}"/>
                     </a:ext>
                   </a:extLst>
                 </p:cNvPr>
@@ -15577,10 +19327,10 @@
             </p:sp>
             <p:sp>
               <p:nvSpPr>
-                <p:cNvPr id="41" name="Cube 40">
+                <p:cNvPr id="97" name="Cube 96">
                   <a:extLst>
                     <a:ext uri="{FF2B5EF4-FFF2-40B4-BE49-F238E27FC236}">
-                      <a16:creationId xmlns:a16="http://schemas.microsoft.com/office/drawing/2014/main" id="{955C4F85-9316-8F44-8033-8A7048C00E4A}"/>
+                      <a16:creationId xmlns:a16="http://schemas.microsoft.com/office/drawing/2014/main" id="{0B8E55B6-8C4B-6B48-B8DD-8A70E26EC24F}"/>
                     </a:ext>
                   </a:extLst>
                 </p:cNvPr>
@@ -15635,10 +19385,10 @@
             </p:sp>
             <p:sp>
               <p:nvSpPr>
-                <p:cNvPr id="42" name="Cube 41">
+                <p:cNvPr id="98" name="Cube 97">
                   <a:extLst>
                     <a:ext uri="{FF2B5EF4-FFF2-40B4-BE49-F238E27FC236}">
-                      <a16:creationId xmlns:a16="http://schemas.microsoft.com/office/drawing/2014/main" id="{BF634D99-9A97-CE49-A9C5-EA5F5BC25ED0}"/>
+                      <a16:creationId xmlns:a16="http://schemas.microsoft.com/office/drawing/2014/main" id="{4EEE438B-F098-8B49-A01C-FF8A5268C44E}"/>
                     </a:ext>
                   </a:extLst>
                 </p:cNvPr>
@@ -15693,10 +19443,10 @@
             </p:sp>
             <p:sp>
               <p:nvSpPr>
-                <p:cNvPr id="43" name="Cube 42">
+                <p:cNvPr id="99" name="Cube 98">
                   <a:extLst>
                     <a:ext uri="{FF2B5EF4-FFF2-40B4-BE49-F238E27FC236}">
-                      <a16:creationId xmlns:a16="http://schemas.microsoft.com/office/drawing/2014/main" id="{5F72A6B7-96EF-DB4F-825D-61DF7733D59D}"/>
+                      <a16:creationId xmlns:a16="http://schemas.microsoft.com/office/drawing/2014/main" id="{B33CF4CD-E23B-EF44-A534-4DFE62C235CC}"/>
                     </a:ext>
                   </a:extLst>
                 </p:cNvPr>
@@ -15751,10 +19501,10 @@
             </p:sp>
             <p:sp>
               <p:nvSpPr>
-                <p:cNvPr id="44" name="Cube 43">
+                <p:cNvPr id="100" name="Cube 99">
                   <a:extLst>
                     <a:ext uri="{FF2B5EF4-FFF2-40B4-BE49-F238E27FC236}">
-                      <a16:creationId xmlns:a16="http://schemas.microsoft.com/office/drawing/2014/main" id="{C1A30C65-235E-9049-86E2-EF93084E7BA1}"/>
+                      <a16:creationId xmlns:a16="http://schemas.microsoft.com/office/drawing/2014/main" id="{78F887A8-AF74-C74B-87BF-7E990393FEAF}"/>
                     </a:ext>
                   </a:extLst>
                 </p:cNvPr>
@@ -15809,10 +19559,10 @@
             </p:sp>
             <p:sp>
               <p:nvSpPr>
-                <p:cNvPr id="45" name="Cube 44">
+                <p:cNvPr id="101" name="Cube 100">
                   <a:extLst>
                     <a:ext uri="{FF2B5EF4-FFF2-40B4-BE49-F238E27FC236}">
-                      <a16:creationId xmlns:a16="http://schemas.microsoft.com/office/drawing/2014/main" id="{34AF7FB5-43AE-0D4E-B224-1EC37F057DB5}"/>
+                      <a16:creationId xmlns:a16="http://schemas.microsoft.com/office/drawing/2014/main" id="{208EEB1F-4E8F-CC42-A3BD-F3A72FC3CD30}"/>
                     </a:ext>
                   </a:extLst>
                 </p:cNvPr>
@@ -15867,10 +19617,10 @@
             </p:sp>
             <p:sp>
               <p:nvSpPr>
-                <p:cNvPr id="46" name="Cube 45">
+                <p:cNvPr id="102" name="Cube 101">
                   <a:extLst>
                     <a:ext uri="{FF2B5EF4-FFF2-40B4-BE49-F238E27FC236}">
-                      <a16:creationId xmlns:a16="http://schemas.microsoft.com/office/drawing/2014/main" id="{4925DF60-3565-D240-8C9F-7F142B9890D4}"/>
+                      <a16:creationId xmlns:a16="http://schemas.microsoft.com/office/drawing/2014/main" id="{8B95C315-AB55-A249-B7AB-462B7E999ABB}"/>
                     </a:ext>
                   </a:extLst>
                 </p:cNvPr>
@@ -15925,10 +19675,10 @@
             </p:sp>
             <p:sp>
               <p:nvSpPr>
-                <p:cNvPr id="47" name="Cube 46">
+                <p:cNvPr id="103" name="Cube 102">
                   <a:extLst>
                     <a:ext uri="{FF2B5EF4-FFF2-40B4-BE49-F238E27FC236}">
-                      <a16:creationId xmlns:a16="http://schemas.microsoft.com/office/drawing/2014/main" id="{B6EB991C-ACE7-C84B-B46C-6D3A9758B723}"/>
+                      <a16:creationId xmlns:a16="http://schemas.microsoft.com/office/drawing/2014/main" id="{C0A9BD37-3305-8241-94BA-0F87181BE70A}"/>
                     </a:ext>
                   </a:extLst>
                 </p:cNvPr>
@@ -15984,10 +19734,10 @@
           </p:grpSp>
           <p:sp>
             <p:nvSpPr>
-              <p:cNvPr id="39" name="TextBox 38">
+              <p:cNvPr id="95" name="TextBox 94">
                 <a:extLst>
                   <a:ext uri="{FF2B5EF4-FFF2-40B4-BE49-F238E27FC236}">
-                    <a16:creationId xmlns:a16="http://schemas.microsoft.com/office/drawing/2014/main" id="{897B0CDB-3B1E-5240-8C98-C3ADCA522D75}"/>
+                    <a16:creationId xmlns:a16="http://schemas.microsoft.com/office/drawing/2014/main" id="{713930FE-3C79-794F-81AF-0953B03D3A5D}"/>
                   </a:ext>
                 </a:extLst>
               </p:cNvPr>
@@ -15996,7 +19746,7 @@
             </p:nvSpPr>
             <p:spPr>
               <a:xfrm>
-                <a:off x="2659406" y="3611880"/>
+                <a:off x="3280226" y="5991423"/>
                 <a:ext cx="1005788" cy="369332"/>
               </a:xfrm>
               <a:prstGeom prst="rect">
@@ -16020,10 +19770,10 @@
         </p:grpSp>
         <p:sp>
           <p:nvSpPr>
-            <p:cNvPr id="35" name="TextBox 34">
+            <p:cNvPr id="91" name="TextBox 90">
               <a:extLst>
                 <a:ext uri="{FF2B5EF4-FFF2-40B4-BE49-F238E27FC236}">
-                  <a16:creationId xmlns:a16="http://schemas.microsoft.com/office/drawing/2014/main" id="{9DB6879A-ABC4-C547-A64C-A93D28A1ADC3}"/>
+                  <a16:creationId xmlns:a16="http://schemas.microsoft.com/office/drawing/2014/main" id="{26EB6D5A-D251-B748-AFD7-08C568DD5950}"/>
                 </a:ext>
               </a:extLst>
             </p:cNvPr>
@@ -16032,7 +19782,7 @@
           </p:nvSpPr>
           <p:spPr>
             <a:xfrm>
-              <a:off x="4096904" y="3207085"/>
+              <a:off x="4443566" y="5550271"/>
               <a:ext cx="2512611" cy="646331"/>
             </a:xfrm>
             <a:prstGeom prst="rect">
@@ -16054,850 +19804,7 @@
             <a:p>
               <a:r>
                 <a:rPr lang="en-US" dirty="0"/>
-                <a:t>(Expected collision = 0.0)</a:t>
-              </a:r>
-            </a:p>
-          </p:txBody>
-        </p:sp>
-      </p:grpSp>
-      <p:grpSp>
-        <p:nvGrpSpPr>
-          <p:cNvPr id="48" name="Group 47">
-            <a:extLst>
-              <a:ext uri="{FF2B5EF4-FFF2-40B4-BE49-F238E27FC236}">
-                <a16:creationId xmlns:a16="http://schemas.microsoft.com/office/drawing/2014/main" id="{92F3A6AB-E235-9543-8CB3-8ED587878EE7}"/>
-              </a:ext>
-            </a:extLst>
-          </p:cNvPr>
-          <p:cNvGrpSpPr/>
-          <p:nvPr/>
-        </p:nvGrpSpPr>
-        <p:grpSpPr>
-          <a:xfrm>
-            <a:off x="6660598" y="2539700"/>
-            <a:ext cx="4747444" cy="937824"/>
-            <a:chOff x="1862071" y="1581112"/>
-            <a:chExt cx="4747444" cy="937824"/>
-          </a:xfrm>
-        </p:grpSpPr>
-        <p:grpSp>
-          <p:nvGrpSpPr>
-            <p:cNvPr id="49" name="Group 48">
-              <a:extLst>
-                <a:ext uri="{FF2B5EF4-FFF2-40B4-BE49-F238E27FC236}">
-                  <a16:creationId xmlns:a16="http://schemas.microsoft.com/office/drawing/2014/main" id="{9D9C515A-6DFC-9C40-AE21-EE1BEA8F73D4}"/>
-                </a:ext>
-              </a:extLst>
-            </p:cNvPr>
-            <p:cNvGrpSpPr/>
-            <p:nvPr/>
-          </p:nvGrpSpPr>
-          <p:grpSpPr>
-            <a:xfrm>
-              <a:off x="1862071" y="1581112"/>
-              <a:ext cx="1986029" cy="937824"/>
-              <a:chOff x="7958071" y="1387705"/>
-              <a:chExt cx="1986029" cy="937824"/>
-            </a:xfrm>
-          </p:grpSpPr>
-          <p:pic>
-            <p:nvPicPr>
-              <p:cNvPr id="51" name="Picture 50">
-                <a:extLst>
-                  <a:ext uri="{FF2B5EF4-FFF2-40B4-BE49-F238E27FC236}">
-                    <a16:creationId xmlns:a16="http://schemas.microsoft.com/office/drawing/2014/main" id="{B890BF78-A9E3-BF4E-8890-8FDAB0555A95}"/>
-                  </a:ext>
-                </a:extLst>
-              </p:cNvPr>
-              <p:cNvPicPr>
-                <a:picLocks noChangeAspect="1"/>
-              </p:cNvPicPr>
-              <p:nvPr/>
-            </p:nvPicPr>
-            <p:blipFill rotWithShape="1">
-              <a:blip r:embed="rId2"/>
-              <a:srcRect l="26302" t="1905" r="24095"/>
-              <a:stretch/>
-            </p:blipFill>
-            <p:spPr>
-              <a:xfrm>
-                <a:off x="7958071" y="1444244"/>
-                <a:ext cx="431549" cy="640080"/>
-              </a:xfrm>
-              <a:prstGeom prst="rect">
-                <a:avLst/>
-              </a:prstGeom>
-            </p:spPr>
-          </p:pic>
-          <p:sp>
-            <p:nvSpPr>
-              <p:cNvPr id="52" name="Right Arrow 51">
-                <a:extLst>
-                  <a:ext uri="{FF2B5EF4-FFF2-40B4-BE49-F238E27FC236}">
-                    <a16:creationId xmlns:a16="http://schemas.microsoft.com/office/drawing/2014/main" id="{B70B60B2-82C3-F54F-9C31-2ACF673F0799}"/>
-                  </a:ext>
-                </a:extLst>
-              </p:cNvPr>
-              <p:cNvSpPr/>
-              <p:nvPr/>
-            </p:nvSpPr>
-            <p:spPr>
-              <a:xfrm>
-                <a:off x="8572500" y="1764284"/>
-                <a:ext cx="1371600" cy="182880"/>
-              </a:xfrm>
-              <a:prstGeom prst="rightArrow">
-                <a:avLst/>
-              </a:prstGeom>
-              <a:solidFill>
-                <a:srgbClr val="00B0F0"/>
-              </a:solidFill>
-            </p:spPr>
-            <p:style>
-              <a:lnRef idx="2">
-                <a:schemeClr val="accent1">
-                  <a:shade val="50000"/>
-                </a:schemeClr>
-              </a:lnRef>
-              <a:fillRef idx="1">
-                <a:schemeClr val="accent1"/>
-              </a:fillRef>
-              <a:effectRef idx="0">
-                <a:schemeClr val="accent1"/>
-              </a:effectRef>
-              <a:fontRef idx="minor">
-                <a:schemeClr val="lt1"/>
-              </a:fontRef>
-            </p:style>
-            <p:txBody>
-              <a:bodyPr rtlCol="0" anchor="ctr"/>
-              <a:lstStyle/>
-              <a:p>
-                <a:pPr algn="ctr"/>
-                <a:endParaRPr lang="en-US"/>
-              </a:p>
-            </p:txBody>
-          </p:sp>
-          <p:grpSp>
-            <p:nvGrpSpPr>
-              <p:cNvPr id="53" name="Group 52">
-                <a:extLst>
-                  <a:ext uri="{FF2B5EF4-FFF2-40B4-BE49-F238E27FC236}">
-                    <a16:creationId xmlns:a16="http://schemas.microsoft.com/office/drawing/2014/main" id="{5045AC49-D75F-C840-BC20-1AFE35042C59}"/>
-                  </a:ext>
-                </a:extLst>
-              </p:cNvPr>
-              <p:cNvGrpSpPr/>
-              <p:nvPr/>
-            </p:nvGrpSpPr>
-            <p:grpSpPr>
-              <a:xfrm>
-                <a:off x="9075420" y="1387705"/>
-                <a:ext cx="365760" cy="295041"/>
-                <a:chOff x="7803055" y="2574583"/>
-                <a:chExt cx="365760" cy="295041"/>
-              </a:xfrm>
-            </p:grpSpPr>
-            <p:sp>
-              <p:nvSpPr>
-                <p:cNvPr id="55" name="Cube 54">
-                  <a:extLst>
-                    <a:ext uri="{FF2B5EF4-FFF2-40B4-BE49-F238E27FC236}">
-                      <a16:creationId xmlns:a16="http://schemas.microsoft.com/office/drawing/2014/main" id="{A53371AF-DD83-204B-94C3-E8918C0F343E}"/>
-                    </a:ext>
-                  </a:extLst>
-                </p:cNvPr>
-                <p:cNvSpPr>
-                  <a:spLocks noChangeAspect="1"/>
-                </p:cNvSpPr>
-                <p:nvPr/>
-              </p:nvSpPr>
-              <p:spPr>
-                <a:xfrm>
-                  <a:off x="7803055" y="2686744"/>
-                  <a:ext cx="182880" cy="182880"/>
-                </a:xfrm>
-                <a:prstGeom prst="cube">
-                  <a:avLst/>
-                </a:prstGeom>
-                <a:solidFill>
-                  <a:schemeClr val="accent4">
-                    <a:lumMod val="75000"/>
-                  </a:schemeClr>
-                </a:solidFill>
-                <a:ln>
-                  <a:solidFill>
-                    <a:schemeClr val="tx1"/>
-                  </a:solidFill>
-                </a:ln>
-              </p:spPr>
-              <p:style>
-                <a:lnRef idx="2">
-                  <a:schemeClr val="accent1">
-                    <a:shade val="50000"/>
-                  </a:schemeClr>
-                </a:lnRef>
-                <a:fillRef idx="1">
-                  <a:schemeClr val="accent1"/>
-                </a:fillRef>
-                <a:effectRef idx="0">
-                  <a:schemeClr val="accent1"/>
-                </a:effectRef>
-                <a:fontRef idx="minor">
-                  <a:schemeClr val="lt1"/>
-                </a:fontRef>
-              </p:style>
-              <p:txBody>
-                <a:bodyPr rtlCol="0" anchor="ctr"/>
-                <a:lstStyle/>
-                <a:p>
-                  <a:pPr algn="ctr"/>
-                  <a:endParaRPr lang="en-US"/>
-                </a:p>
-              </p:txBody>
-            </p:sp>
-            <p:sp>
-              <p:nvSpPr>
-                <p:cNvPr id="56" name="Cube 55">
-                  <a:extLst>
-                    <a:ext uri="{FF2B5EF4-FFF2-40B4-BE49-F238E27FC236}">
-                      <a16:creationId xmlns:a16="http://schemas.microsoft.com/office/drawing/2014/main" id="{F2C10715-413A-C548-8295-20760941C959}"/>
-                    </a:ext>
-                  </a:extLst>
-                </p:cNvPr>
-                <p:cNvSpPr>
-                  <a:spLocks noChangeAspect="1"/>
-                </p:cNvSpPr>
-                <p:nvPr/>
-              </p:nvSpPr>
-              <p:spPr>
-                <a:xfrm>
-                  <a:off x="7985935" y="2686744"/>
-                  <a:ext cx="182880" cy="182880"/>
-                </a:xfrm>
-                <a:prstGeom prst="cube">
-                  <a:avLst/>
-                </a:prstGeom>
-                <a:solidFill>
-                  <a:schemeClr val="accent4">
-                    <a:lumMod val="75000"/>
-                  </a:schemeClr>
-                </a:solidFill>
-                <a:ln>
-                  <a:solidFill>
-                    <a:schemeClr val="tx1"/>
-                  </a:solidFill>
-                </a:ln>
-              </p:spPr>
-              <p:style>
-                <a:lnRef idx="2">
-                  <a:schemeClr val="accent1">
-                    <a:shade val="50000"/>
-                  </a:schemeClr>
-                </a:lnRef>
-                <a:fillRef idx="1">
-                  <a:schemeClr val="accent1"/>
-                </a:fillRef>
-                <a:effectRef idx="0">
-                  <a:schemeClr val="accent1"/>
-                </a:effectRef>
-                <a:fontRef idx="minor">
-                  <a:schemeClr val="lt1"/>
-                </a:fontRef>
-              </p:style>
-              <p:txBody>
-                <a:bodyPr rtlCol="0" anchor="ctr"/>
-                <a:lstStyle/>
-                <a:p>
-                  <a:pPr algn="ctr"/>
-                  <a:endParaRPr lang="en-US"/>
-                </a:p>
-              </p:txBody>
-            </p:sp>
-            <p:sp>
-              <p:nvSpPr>
-                <p:cNvPr id="57" name="Cube 56">
-                  <a:extLst>
-                    <a:ext uri="{FF2B5EF4-FFF2-40B4-BE49-F238E27FC236}">
-                      <a16:creationId xmlns:a16="http://schemas.microsoft.com/office/drawing/2014/main" id="{4E6C4185-AFB1-7545-A741-CB9F115EF310}"/>
-                    </a:ext>
-                  </a:extLst>
-                </p:cNvPr>
-                <p:cNvSpPr>
-                  <a:spLocks noChangeAspect="1"/>
-                </p:cNvSpPr>
-                <p:nvPr/>
-              </p:nvSpPr>
-              <p:spPr>
-                <a:xfrm>
-                  <a:off x="7803055" y="2574583"/>
-                  <a:ext cx="182880" cy="182880"/>
-                </a:xfrm>
-                <a:prstGeom prst="cube">
-                  <a:avLst/>
-                </a:prstGeom>
-                <a:solidFill>
-                  <a:schemeClr val="accent4">
-                    <a:lumMod val="75000"/>
-                  </a:schemeClr>
-                </a:solidFill>
-                <a:ln>
-                  <a:solidFill>
-                    <a:schemeClr val="tx1"/>
-                  </a:solidFill>
-                </a:ln>
-              </p:spPr>
-              <p:style>
-                <a:lnRef idx="2">
-                  <a:schemeClr val="accent1">
-                    <a:shade val="50000"/>
-                  </a:schemeClr>
-                </a:lnRef>
-                <a:fillRef idx="1">
-                  <a:schemeClr val="accent1"/>
-                </a:fillRef>
-                <a:effectRef idx="0">
-                  <a:schemeClr val="accent1"/>
-                </a:effectRef>
-                <a:fontRef idx="minor">
-                  <a:schemeClr val="lt1"/>
-                </a:fontRef>
-              </p:style>
-              <p:txBody>
-                <a:bodyPr rtlCol="0" anchor="ctr"/>
-                <a:lstStyle/>
-                <a:p>
-                  <a:pPr algn="ctr"/>
-                  <a:endParaRPr lang="en-US"/>
-                </a:p>
-              </p:txBody>
-            </p:sp>
-            <p:sp>
-              <p:nvSpPr>
-                <p:cNvPr id="58" name="Cube 57">
-                  <a:extLst>
-                    <a:ext uri="{FF2B5EF4-FFF2-40B4-BE49-F238E27FC236}">
-                      <a16:creationId xmlns:a16="http://schemas.microsoft.com/office/drawing/2014/main" id="{0EDFDA79-1454-C34C-BA7D-DA5E71367780}"/>
-                    </a:ext>
-                  </a:extLst>
-                </p:cNvPr>
-                <p:cNvSpPr>
-                  <a:spLocks noChangeAspect="1"/>
-                </p:cNvSpPr>
-                <p:nvPr/>
-              </p:nvSpPr>
-              <p:spPr>
-                <a:xfrm>
-                  <a:off x="7985935" y="2574583"/>
-                  <a:ext cx="182880" cy="182880"/>
-                </a:xfrm>
-                <a:prstGeom prst="cube">
-                  <a:avLst/>
-                </a:prstGeom>
-                <a:solidFill>
-                  <a:schemeClr val="accent4">
-                    <a:lumMod val="75000"/>
-                  </a:schemeClr>
-                </a:solidFill>
-                <a:ln>
-                  <a:solidFill>
-                    <a:schemeClr val="tx1"/>
-                  </a:solidFill>
-                </a:ln>
-              </p:spPr>
-              <p:style>
-                <a:lnRef idx="2">
-                  <a:schemeClr val="accent1">
-                    <a:shade val="50000"/>
-                  </a:schemeClr>
-                </a:lnRef>
-                <a:fillRef idx="1">
-                  <a:schemeClr val="accent1"/>
-                </a:fillRef>
-                <a:effectRef idx="0">
-                  <a:schemeClr val="accent1"/>
-                </a:effectRef>
-                <a:fontRef idx="minor">
-                  <a:schemeClr val="lt1"/>
-                </a:fontRef>
-              </p:style>
-              <p:txBody>
-                <a:bodyPr rtlCol="0" anchor="ctr"/>
-                <a:lstStyle/>
-                <a:p>
-                  <a:pPr algn="ctr"/>
-                  <a:endParaRPr lang="en-US"/>
-                </a:p>
-              </p:txBody>
-            </p:sp>
-          </p:grpSp>
-          <p:sp>
-            <p:nvSpPr>
-              <p:cNvPr id="54" name="TextBox 53">
-                <a:extLst>
-                  <a:ext uri="{FF2B5EF4-FFF2-40B4-BE49-F238E27FC236}">
-                    <a16:creationId xmlns:a16="http://schemas.microsoft.com/office/drawing/2014/main" id="{305BE222-5D2E-2C43-9B65-47948A069C6B}"/>
-                  </a:ext>
-                </a:extLst>
-              </p:cNvPr>
-              <p:cNvSpPr txBox="1"/>
-              <p:nvPr/>
-            </p:nvSpPr>
-            <p:spPr>
-              <a:xfrm>
-                <a:off x="8755406" y="1956197"/>
-                <a:ext cx="1005788" cy="369332"/>
-              </a:xfrm>
-              <a:prstGeom prst="rect">
-                <a:avLst/>
-              </a:prstGeom>
-              <a:noFill/>
-            </p:spPr>
-            <p:txBody>
-              <a:bodyPr wrap="none" rtlCol="0">
-                <a:spAutoFit/>
-              </a:bodyPr>
-              <a:lstStyle/>
-              <a:p>
-                <a:r>
-                  <a:rPr lang="en-US" dirty="0"/>
-                  <a:t>0.35 m/s</a:t>
-                </a:r>
-              </a:p>
-            </p:txBody>
-          </p:sp>
-        </p:grpSp>
-        <p:sp>
-          <p:nvSpPr>
-            <p:cNvPr id="50" name="TextBox 49">
-              <a:extLst>
-                <a:ext uri="{FF2B5EF4-FFF2-40B4-BE49-F238E27FC236}">
-                  <a16:creationId xmlns:a16="http://schemas.microsoft.com/office/drawing/2014/main" id="{696AB297-6FA4-244A-899D-350C8E5984B9}"/>
-                </a:ext>
-              </a:extLst>
-            </p:cNvPr>
-            <p:cNvSpPr txBox="1"/>
-            <p:nvPr/>
-          </p:nvSpPr>
-          <p:spPr>
-            <a:xfrm>
-              <a:off x="4096904" y="1726859"/>
-              <a:ext cx="2512611" cy="646331"/>
-            </a:xfrm>
-            <a:prstGeom prst="rect">
-              <a:avLst/>
-            </a:prstGeom>
-            <a:noFill/>
-          </p:spPr>
-          <p:txBody>
-            <a:bodyPr wrap="none" rtlCol="0">
-              <a:spAutoFit/>
-            </a:bodyPr>
-            <a:lstStyle/>
-            <a:p>
-              <a:r>
-                <a:rPr lang="en-US" dirty="0"/>
-                <a:t>No collision at low speed</a:t>
-              </a:r>
-            </a:p>
-            <a:p>
-              <a:r>
-                <a:rPr lang="en-US" dirty="0"/>
-                <a:t>(Expected collision = 0.0)</a:t>
-              </a:r>
-            </a:p>
-          </p:txBody>
-        </p:sp>
-      </p:grpSp>
-      <p:grpSp>
-        <p:nvGrpSpPr>
-          <p:cNvPr id="59" name="Group 58">
-            <a:extLst>
-              <a:ext uri="{FF2B5EF4-FFF2-40B4-BE49-F238E27FC236}">
-                <a16:creationId xmlns:a16="http://schemas.microsoft.com/office/drawing/2014/main" id="{3C6D66DE-4A77-7746-AF1F-450127EF9C7D}"/>
-              </a:ext>
-            </a:extLst>
-          </p:cNvPr>
-          <p:cNvGrpSpPr/>
-          <p:nvPr/>
-        </p:nvGrpSpPr>
-        <p:grpSpPr>
-          <a:xfrm>
-            <a:off x="6660598" y="996387"/>
-            <a:ext cx="4812333" cy="881285"/>
-            <a:chOff x="1862071" y="1637651"/>
-            <a:chExt cx="4812333" cy="881285"/>
-          </a:xfrm>
-        </p:grpSpPr>
-        <p:grpSp>
-          <p:nvGrpSpPr>
-            <p:cNvPr id="60" name="Group 59">
-              <a:extLst>
-                <a:ext uri="{FF2B5EF4-FFF2-40B4-BE49-F238E27FC236}">
-                  <a16:creationId xmlns:a16="http://schemas.microsoft.com/office/drawing/2014/main" id="{610C6A10-9278-9741-BB00-1D99E10FA4DC}"/>
-                </a:ext>
-              </a:extLst>
-            </p:cNvPr>
-            <p:cNvGrpSpPr/>
-            <p:nvPr/>
-          </p:nvGrpSpPr>
-          <p:grpSpPr>
-            <a:xfrm>
-              <a:off x="1862071" y="1637651"/>
-              <a:ext cx="1986029" cy="881285"/>
-              <a:chOff x="7958071" y="1444244"/>
-              <a:chExt cx="1986029" cy="881285"/>
-            </a:xfrm>
-          </p:grpSpPr>
-          <p:pic>
-            <p:nvPicPr>
-              <p:cNvPr id="62" name="Picture 61">
-                <a:extLst>
-                  <a:ext uri="{FF2B5EF4-FFF2-40B4-BE49-F238E27FC236}">
-                    <a16:creationId xmlns:a16="http://schemas.microsoft.com/office/drawing/2014/main" id="{A83508C6-C41E-2048-B503-3B259C543C45}"/>
-                  </a:ext>
-                </a:extLst>
-              </p:cNvPr>
-              <p:cNvPicPr>
-                <a:picLocks noChangeAspect="1"/>
-              </p:cNvPicPr>
-              <p:nvPr/>
-            </p:nvPicPr>
-            <p:blipFill rotWithShape="1">
-              <a:blip r:embed="rId2"/>
-              <a:srcRect l="26302" t="1905" r="24095"/>
-              <a:stretch/>
-            </p:blipFill>
-            <p:spPr>
-              <a:xfrm>
-                <a:off x="7958071" y="1444244"/>
-                <a:ext cx="431549" cy="640080"/>
-              </a:xfrm>
-              <a:prstGeom prst="rect">
-                <a:avLst/>
-              </a:prstGeom>
-            </p:spPr>
-          </p:pic>
-          <p:sp>
-            <p:nvSpPr>
-              <p:cNvPr id="63" name="Right Arrow 62">
-                <a:extLst>
-                  <a:ext uri="{FF2B5EF4-FFF2-40B4-BE49-F238E27FC236}">
-                    <a16:creationId xmlns:a16="http://schemas.microsoft.com/office/drawing/2014/main" id="{2FB119AE-FC01-824E-AA9E-114B5EEDA9C5}"/>
-                  </a:ext>
-                </a:extLst>
-              </p:cNvPr>
-              <p:cNvSpPr/>
-              <p:nvPr/>
-            </p:nvSpPr>
-            <p:spPr>
-              <a:xfrm>
-                <a:off x="8572500" y="1764284"/>
-                <a:ext cx="1371600" cy="182880"/>
-              </a:xfrm>
-              <a:prstGeom prst="rightArrow">
-                <a:avLst/>
-              </a:prstGeom>
-              <a:solidFill>
-                <a:srgbClr val="00B0F0"/>
-              </a:solidFill>
-            </p:spPr>
-            <p:style>
-              <a:lnRef idx="2">
-                <a:schemeClr val="accent1">
-                  <a:shade val="50000"/>
-                </a:schemeClr>
-              </a:lnRef>
-              <a:fillRef idx="1">
-                <a:schemeClr val="accent1"/>
-              </a:fillRef>
-              <a:effectRef idx="0">
-                <a:schemeClr val="accent1"/>
-              </a:effectRef>
-              <a:fontRef idx="minor">
-                <a:schemeClr val="lt1"/>
-              </a:fontRef>
-            </p:style>
-            <p:txBody>
-              <a:bodyPr rtlCol="0" anchor="ctr"/>
-              <a:lstStyle/>
-              <a:p>
-                <a:pPr algn="ctr"/>
-                <a:endParaRPr lang="en-US"/>
-              </a:p>
-            </p:txBody>
-          </p:sp>
-          <p:sp>
-            <p:nvSpPr>
-              <p:cNvPr id="65" name="TextBox 64">
-                <a:extLst>
-                  <a:ext uri="{FF2B5EF4-FFF2-40B4-BE49-F238E27FC236}">
-                    <a16:creationId xmlns:a16="http://schemas.microsoft.com/office/drawing/2014/main" id="{DDAF0394-9A21-E045-960A-4DB7E8212AAF}"/>
-                  </a:ext>
-                </a:extLst>
-              </p:cNvPr>
-              <p:cNvSpPr txBox="1"/>
-              <p:nvPr/>
-            </p:nvSpPr>
-            <p:spPr>
-              <a:xfrm>
-                <a:off x="8755406" y="1956197"/>
-                <a:ext cx="1005788" cy="369332"/>
-              </a:xfrm>
-              <a:prstGeom prst="rect">
-                <a:avLst/>
-              </a:prstGeom>
-              <a:noFill/>
-            </p:spPr>
-            <p:txBody>
-              <a:bodyPr wrap="none" rtlCol="0">
-                <a:spAutoFit/>
-              </a:bodyPr>
-              <a:lstStyle/>
-              <a:p>
-                <a:r>
-                  <a:rPr lang="en-US" dirty="0"/>
-                  <a:t>0.35 m/s</a:t>
-                </a:r>
-              </a:p>
-            </p:txBody>
-          </p:sp>
-        </p:grpSp>
-        <p:sp>
-          <p:nvSpPr>
-            <p:cNvPr id="61" name="TextBox 60">
-              <a:extLst>
-                <a:ext uri="{FF2B5EF4-FFF2-40B4-BE49-F238E27FC236}">
-                  <a16:creationId xmlns:a16="http://schemas.microsoft.com/office/drawing/2014/main" id="{88D391E8-0E24-5F44-94B3-9EAB7018DD31}"/>
-                </a:ext>
-              </a:extLst>
-            </p:cNvPr>
-            <p:cNvSpPr txBox="1"/>
-            <p:nvPr/>
-          </p:nvSpPr>
-          <p:spPr>
-            <a:xfrm>
-              <a:off x="4096904" y="1726859"/>
-              <a:ext cx="2577500" cy="646331"/>
-            </a:xfrm>
-            <a:prstGeom prst="rect">
-              <a:avLst/>
-            </a:prstGeom>
-            <a:noFill/>
-          </p:spPr>
-          <p:txBody>
-            <a:bodyPr wrap="none" rtlCol="0">
-              <a:spAutoFit/>
-            </a:bodyPr>
-            <a:lstStyle/>
-            <a:p>
-              <a:r>
-                <a:rPr lang="en-US" dirty="0"/>
-                <a:t>No collision if no obstacle</a:t>
-              </a:r>
-            </a:p>
-            <a:p>
-              <a:r>
-                <a:rPr lang="en-US" dirty="0"/>
-                <a:t>(Expected collision = 0.0)</a:t>
-              </a:r>
-            </a:p>
-          </p:txBody>
-        </p:sp>
-      </p:grpSp>
-      <p:grpSp>
-        <p:nvGrpSpPr>
-          <p:cNvPr id="70" name="Group 69">
-            <a:extLst>
-              <a:ext uri="{FF2B5EF4-FFF2-40B4-BE49-F238E27FC236}">
-                <a16:creationId xmlns:a16="http://schemas.microsoft.com/office/drawing/2014/main" id="{066C1906-A662-2C43-9755-7FE7E6BE844C}"/>
-              </a:ext>
-            </a:extLst>
-          </p:cNvPr>
-          <p:cNvGrpSpPr/>
-          <p:nvPr/>
-        </p:nvGrpSpPr>
-        <p:grpSpPr>
-          <a:xfrm>
-            <a:off x="719071" y="996387"/>
-            <a:ext cx="4812333" cy="881285"/>
-            <a:chOff x="1862071" y="1637651"/>
-            <a:chExt cx="4812333" cy="881285"/>
-          </a:xfrm>
-        </p:grpSpPr>
-        <p:grpSp>
-          <p:nvGrpSpPr>
-            <p:cNvPr id="71" name="Group 70">
-              <a:extLst>
-                <a:ext uri="{FF2B5EF4-FFF2-40B4-BE49-F238E27FC236}">
-                  <a16:creationId xmlns:a16="http://schemas.microsoft.com/office/drawing/2014/main" id="{66ACFC7E-4190-484B-9302-36002DA980B8}"/>
-                </a:ext>
-              </a:extLst>
-            </p:cNvPr>
-            <p:cNvGrpSpPr/>
-            <p:nvPr/>
-          </p:nvGrpSpPr>
-          <p:grpSpPr>
-            <a:xfrm>
-              <a:off x="1862071" y="1637651"/>
-              <a:ext cx="1986029" cy="881285"/>
-              <a:chOff x="7958071" y="1444244"/>
-              <a:chExt cx="1986029" cy="881285"/>
-            </a:xfrm>
-          </p:grpSpPr>
-          <p:pic>
-            <p:nvPicPr>
-              <p:cNvPr id="73" name="Picture 72">
-                <a:extLst>
-                  <a:ext uri="{FF2B5EF4-FFF2-40B4-BE49-F238E27FC236}">
-                    <a16:creationId xmlns:a16="http://schemas.microsoft.com/office/drawing/2014/main" id="{07D64BBE-FB8F-1D43-8E09-EFC05C359949}"/>
-                  </a:ext>
-                </a:extLst>
-              </p:cNvPr>
-              <p:cNvPicPr>
-                <a:picLocks noChangeAspect="1"/>
-              </p:cNvPicPr>
-              <p:nvPr/>
-            </p:nvPicPr>
-            <p:blipFill rotWithShape="1">
-              <a:blip r:embed="rId2"/>
-              <a:srcRect l="26302" t="1905" r="24095"/>
-              <a:stretch/>
-            </p:blipFill>
-            <p:spPr>
-              <a:xfrm>
-                <a:off x="7958071" y="1444244"/>
-                <a:ext cx="431549" cy="640080"/>
-              </a:xfrm>
-              <a:prstGeom prst="rect">
-                <a:avLst/>
-              </a:prstGeom>
-            </p:spPr>
-          </p:pic>
-          <p:sp>
-            <p:nvSpPr>
-              <p:cNvPr id="74" name="Right Arrow 73">
-                <a:extLst>
-                  <a:ext uri="{FF2B5EF4-FFF2-40B4-BE49-F238E27FC236}">
-                    <a16:creationId xmlns:a16="http://schemas.microsoft.com/office/drawing/2014/main" id="{5661B02D-3594-1B44-A8FF-79C2D71C1AF6}"/>
-                  </a:ext>
-                </a:extLst>
-              </p:cNvPr>
-              <p:cNvSpPr/>
-              <p:nvPr/>
-            </p:nvSpPr>
-            <p:spPr>
-              <a:xfrm>
-                <a:off x="8572500" y="1764284"/>
-                <a:ext cx="1371600" cy="182880"/>
-              </a:xfrm>
-              <a:prstGeom prst="rightArrow">
-                <a:avLst/>
-              </a:prstGeom>
-              <a:solidFill>
-                <a:schemeClr val="accent1">
-                  <a:lumMod val="75000"/>
-                </a:schemeClr>
-              </a:solidFill>
-            </p:spPr>
-            <p:style>
-              <a:lnRef idx="2">
-                <a:schemeClr val="accent1">
-                  <a:shade val="50000"/>
-                </a:schemeClr>
-              </a:lnRef>
-              <a:fillRef idx="1">
-                <a:schemeClr val="accent1"/>
-              </a:fillRef>
-              <a:effectRef idx="0">
-                <a:schemeClr val="accent1"/>
-              </a:effectRef>
-              <a:fontRef idx="minor">
-                <a:schemeClr val="lt1"/>
-              </a:fontRef>
-            </p:style>
-            <p:txBody>
-              <a:bodyPr rtlCol="0" anchor="ctr"/>
-              <a:lstStyle/>
-              <a:p>
-                <a:pPr algn="ctr"/>
-                <a:endParaRPr lang="en-US"/>
-              </a:p>
-            </p:txBody>
-          </p:sp>
-          <p:sp>
-            <p:nvSpPr>
-              <p:cNvPr id="76" name="TextBox 75">
-                <a:extLst>
-                  <a:ext uri="{FF2B5EF4-FFF2-40B4-BE49-F238E27FC236}">
-                    <a16:creationId xmlns:a16="http://schemas.microsoft.com/office/drawing/2014/main" id="{D337B37F-FC01-A540-94F6-470273142709}"/>
-                  </a:ext>
-                </a:extLst>
-              </p:cNvPr>
-              <p:cNvSpPr txBox="1"/>
-              <p:nvPr/>
-            </p:nvSpPr>
-            <p:spPr>
-              <a:xfrm>
-                <a:off x="8813915" y="1956197"/>
-                <a:ext cx="888769" cy="369332"/>
-              </a:xfrm>
-              <a:prstGeom prst="rect">
-                <a:avLst/>
-              </a:prstGeom>
-              <a:noFill/>
-            </p:spPr>
-            <p:txBody>
-              <a:bodyPr wrap="none" rtlCol="0">
-                <a:spAutoFit/>
-              </a:bodyPr>
-              <a:lstStyle/>
-              <a:p>
-                <a:r>
-                  <a:rPr lang="en-US" dirty="0"/>
-                  <a:t>0.7 m/s</a:t>
-                </a:r>
-              </a:p>
-            </p:txBody>
-          </p:sp>
-        </p:grpSp>
-        <p:sp>
-          <p:nvSpPr>
-            <p:cNvPr id="72" name="TextBox 71">
-              <a:extLst>
-                <a:ext uri="{FF2B5EF4-FFF2-40B4-BE49-F238E27FC236}">
-                  <a16:creationId xmlns:a16="http://schemas.microsoft.com/office/drawing/2014/main" id="{DA225E69-0BBF-6A43-AEFA-7FC3F72E0FBA}"/>
-                </a:ext>
-              </a:extLst>
-            </p:cNvPr>
-            <p:cNvSpPr txBox="1"/>
-            <p:nvPr/>
-          </p:nvSpPr>
-          <p:spPr>
-            <a:xfrm>
-              <a:off x="4096904" y="1726859"/>
-              <a:ext cx="2577500" cy="646331"/>
-            </a:xfrm>
-            <a:prstGeom prst="rect">
-              <a:avLst/>
-            </a:prstGeom>
-            <a:noFill/>
-          </p:spPr>
-          <p:txBody>
-            <a:bodyPr wrap="none" rtlCol="0">
-              <a:spAutoFit/>
-            </a:bodyPr>
-            <a:lstStyle/>
-            <a:p>
-              <a:r>
-                <a:rPr lang="en-US" dirty="0"/>
-                <a:t>No collision if no obstacle</a:t>
-              </a:r>
-            </a:p>
-            <a:p>
-              <a:r>
-                <a:rPr lang="en-US" dirty="0"/>
-                <a:t>(Expected collision = 0.0)</a:t>
+                <a:t>(Expected collision = 0.4)</a:t>
               </a:r>
             </a:p>
           </p:txBody>
@@ -16906,7 +19813,7 @@
     </p:spTree>
     <p:extLst>
       <p:ext uri="{BB962C8B-B14F-4D97-AF65-F5344CB8AC3E}">
-        <p14:creationId xmlns:p14="http://schemas.microsoft.com/office/powerpoint/2010/main" val="712679585"/>
+        <p14:creationId xmlns:p14="http://schemas.microsoft.com/office/powerpoint/2010/main" val="3365328777"/>
       </p:ext>
     </p:extLst>
   </p:cSld>
@@ -16984,7 +19891,7 @@
           </a:prstGeom>
           <a:solidFill>
             <a:srgbClr val="92D050">
-              <a:alpha val="50196"/>
+              <a:alpha val="34902"/>
             </a:srgbClr>
           </a:solidFill>
           <a:ln>
@@ -17038,7 +19945,7 @@
           </a:prstGeom>
           <a:solidFill>
             <a:srgbClr val="FFFF00">
-              <a:alpha val="50196"/>
+              <a:alpha val="34902"/>
             </a:srgbClr>
           </a:solidFill>
           <a:ln>
@@ -17092,7 +19999,7 @@
           </a:prstGeom>
           <a:solidFill>
             <a:srgbClr val="FF0000">
-              <a:alpha val="50196"/>
+              <a:alpha val="34902"/>
             </a:srgbClr>
           </a:solidFill>
           <a:ln>
@@ -17146,7 +20053,7 @@
           </a:prstGeom>
           <a:solidFill>
             <a:srgbClr val="92D050">
-              <a:alpha val="50196"/>
+              <a:alpha val="34902"/>
             </a:srgbClr>
           </a:solidFill>
           <a:ln>

--- a/XPlanningEvaluation/data/instruction/instruction.pptx
+++ b/XPlanningEvaluation/data/instruction/instruction.pptx
@@ -7,19 +7,24 @@
   <p:sldIdLst>
     <p:sldId id="258" r:id="rId2"/>
     <p:sldId id="281" r:id="rId3"/>
-    <p:sldId id="270" r:id="rId4"/>
-    <p:sldId id="264" r:id="rId5"/>
-    <p:sldId id="259" r:id="rId6"/>
-    <p:sldId id="273" r:id="rId7"/>
-    <p:sldId id="280" r:id="rId8"/>
-    <p:sldId id="275" r:id="rId9"/>
-    <p:sldId id="274" r:id="rId10"/>
-    <p:sldId id="279" r:id="rId11"/>
-    <p:sldId id="276" r:id="rId12"/>
-    <p:sldId id="282" r:id="rId13"/>
-    <p:sldId id="277" r:id="rId14"/>
-    <p:sldId id="283" r:id="rId15"/>
-    <p:sldId id="278" r:id="rId16"/>
+    <p:sldId id="288" r:id="rId4"/>
+    <p:sldId id="270" r:id="rId5"/>
+    <p:sldId id="264" r:id="rId6"/>
+    <p:sldId id="285" r:id="rId7"/>
+    <p:sldId id="259" r:id="rId8"/>
+    <p:sldId id="273" r:id="rId9"/>
+    <p:sldId id="280" r:id="rId10"/>
+    <p:sldId id="284" r:id="rId11"/>
+    <p:sldId id="275" r:id="rId12"/>
+    <p:sldId id="274" r:id="rId13"/>
+    <p:sldId id="286" r:id="rId14"/>
+    <p:sldId id="279" r:id="rId15"/>
+    <p:sldId id="276" r:id="rId16"/>
+    <p:sldId id="287" r:id="rId17"/>
+    <p:sldId id="282" r:id="rId18"/>
+    <p:sldId id="277" r:id="rId19"/>
+    <p:sldId id="283" r:id="rId20"/>
+    <p:sldId id="278" r:id="rId21"/>
   </p:sldIdLst>
   <p:sldSz cx="12192000" cy="6858000"/>
   <p:notesSz cx="6858000" cy="9144000"/>
@@ -3400,6 +3405,1971 @@
           <a:chExt cx="0" cy="0"/>
         </a:xfrm>
       </p:grpSpPr>
+      <p:sp>
+        <p:nvSpPr>
+          <p:cNvPr id="2" name="Title 1">
+            <a:extLst>
+              <a:ext uri="{FF2B5EF4-FFF2-40B4-BE49-F238E27FC236}">
+                <a16:creationId xmlns:a16="http://schemas.microsoft.com/office/drawing/2014/main" id="{A6D2E1C4-DDDB-404E-B261-D79AF08E33A1}"/>
+              </a:ext>
+            </a:extLst>
+          </p:cNvPr>
+          <p:cNvSpPr>
+            <a:spLocks noGrp="1"/>
+          </p:cNvSpPr>
+          <p:nvPr>
+            <p:ph type="title"/>
+          </p:nvPr>
+        </p:nvSpPr>
+        <p:spPr/>
+        <p:txBody>
+          <a:bodyPr/>
+          <a:lstStyle/>
+          <a:p>
+            <a:r>
+              <a:rPr lang="en-US" dirty="0"/>
+              <a:t>Intrusiveness</a:t>
+            </a:r>
+          </a:p>
+        </p:txBody>
+      </p:sp>
+      <p:sp>
+        <p:nvSpPr>
+          <p:cNvPr id="3" name="Text Placeholder 2">
+            <a:extLst>
+              <a:ext uri="{FF2B5EF4-FFF2-40B4-BE49-F238E27FC236}">
+                <a16:creationId xmlns:a16="http://schemas.microsoft.com/office/drawing/2014/main" id="{EBE1AD76-853D-EA49-AEC1-EE36A81E1DE4}"/>
+              </a:ext>
+            </a:extLst>
+          </p:cNvPr>
+          <p:cNvSpPr>
+            <a:spLocks noGrp="1"/>
+          </p:cNvSpPr>
+          <p:nvPr>
+            <p:ph type="body" idx="1"/>
+          </p:nvPr>
+        </p:nvSpPr>
+        <p:spPr/>
+        <p:txBody>
+          <a:bodyPr/>
+          <a:lstStyle/>
+          <a:p>
+            <a:endParaRPr lang="en-US"/>
+          </a:p>
+        </p:txBody>
+      </p:sp>
+    </p:spTree>
+    <p:extLst>
+      <p:ext uri="{BB962C8B-B14F-4D97-AF65-F5344CB8AC3E}">
+        <p14:creationId xmlns:p14="http://schemas.microsoft.com/office/powerpoint/2010/main" val="3679834586"/>
+      </p:ext>
+    </p:extLst>
+  </p:cSld>
+  <p:clrMapOvr>
+    <a:masterClrMapping/>
+  </p:clrMapOvr>
+</p:sld>
+</file>
+
+<file path=ppt/slides/slide11.xml><?xml version="1.0" encoding="utf-8"?>
+<p:sld xmlns:a="http://schemas.openxmlformats.org/drawingml/2006/main" xmlns:r="http://schemas.openxmlformats.org/officeDocument/2006/relationships" xmlns:p="http://schemas.openxmlformats.org/presentationml/2006/main">
+  <p:cSld>
+    <p:spTree>
+      <p:nvGrpSpPr>
+        <p:cNvPr id="1" name=""/>
+        <p:cNvGrpSpPr/>
+        <p:nvPr/>
+      </p:nvGrpSpPr>
+      <p:grpSpPr>
+        <a:xfrm>
+          <a:off x="0" y="0"/>
+          <a:ext cx="0" cy="0"/>
+          <a:chOff x="0" y="0"/>
+          <a:chExt cx="0" cy="0"/>
+        </a:xfrm>
+      </p:grpSpPr>
+      <p:pic>
+        <p:nvPicPr>
+          <p:cNvPr id="2" name="Picture 1">
+            <a:extLst>
+              <a:ext uri="{FF2B5EF4-FFF2-40B4-BE49-F238E27FC236}">
+                <a16:creationId xmlns:a16="http://schemas.microsoft.com/office/drawing/2014/main" id="{1F29CBBD-0258-F442-8CFE-F09FFE818D11}"/>
+              </a:ext>
+            </a:extLst>
+          </p:cNvPr>
+          <p:cNvPicPr>
+            <a:picLocks noChangeAspect="1"/>
+          </p:cNvPicPr>
+          <p:nvPr/>
+        </p:nvPicPr>
+        <p:blipFill rotWithShape="1">
+          <a:blip r:embed="rId2"/>
+          <a:srcRect t="8798" r="51455" b="56701"/>
+          <a:stretch/>
+        </p:blipFill>
+        <p:spPr>
+          <a:xfrm>
+            <a:off x="330837" y="1416744"/>
+            <a:ext cx="6645135" cy="3657600"/>
+          </a:xfrm>
+          <a:prstGeom prst="rect">
+            <a:avLst/>
+          </a:prstGeom>
+        </p:spPr>
+      </p:pic>
+      <p:sp>
+        <p:nvSpPr>
+          <p:cNvPr id="14" name="Rectangle 13">
+            <a:extLst>
+              <a:ext uri="{FF2B5EF4-FFF2-40B4-BE49-F238E27FC236}">
+                <a16:creationId xmlns:a16="http://schemas.microsoft.com/office/drawing/2014/main" id="{E99E36E7-0E61-714D-A83F-8EE37A9CB438}"/>
+              </a:ext>
+            </a:extLst>
+          </p:cNvPr>
+          <p:cNvSpPr/>
+          <p:nvPr/>
+        </p:nvSpPr>
+        <p:spPr>
+          <a:xfrm>
+            <a:off x="5895327" y="1416744"/>
+            <a:ext cx="1160009" cy="3142556"/>
+          </a:xfrm>
+          <a:prstGeom prst="rect">
+            <a:avLst/>
+          </a:prstGeom>
+          <a:solidFill>
+            <a:srgbClr val="92D050">
+              <a:alpha val="34902"/>
+            </a:srgbClr>
+          </a:solidFill>
+          <a:ln>
+            <a:prstDash val="lgDash"/>
+          </a:ln>
+        </p:spPr>
+        <p:style>
+          <a:lnRef idx="2">
+            <a:schemeClr val="accent1">
+              <a:shade val="50000"/>
+            </a:schemeClr>
+          </a:lnRef>
+          <a:fillRef idx="1">
+            <a:schemeClr val="accent1"/>
+          </a:fillRef>
+          <a:effectRef idx="0">
+            <a:schemeClr val="accent1"/>
+          </a:effectRef>
+          <a:fontRef idx="minor">
+            <a:schemeClr val="lt1"/>
+          </a:fontRef>
+        </p:style>
+        <p:txBody>
+          <a:bodyPr rtlCol="0" anchor="ctr"/>
+          <a:lstStyle/>
+          <a:p>
+            <a:pPr algn="ctr"/>
+            <a:endParaRPr lang="en-US"/>
+          </a:p>
+        </p:txBody>
+      </p:sp>
+      <p:sp>
+        <p:nvSpPr>
+          <p:cNvPr id="15" name="Rectangle 14">
+            <a:extLst>
+              <a:ext uri="{FF2B5EF4-FFF2-40B4-BE49-F238E27FC236}">
+                <a16:creationId xmlns:a16="http://schemas.microsoft.com/office/drawing/2014/main" id="{81ED0E72-9457-914C-A804-14193216C1FB}"/>
+              </a:ext>
+            </a:extLst>
+          </p:cNvPr>
+          <p:cNvSpPr/>
+          <p:nvPr/>
+        </p:nvSpPr>
+        <p:spPr>
+          <a:xfrm>
+            <a:off x="330837" y="1816100"/>
+            <a:ext cx="2142739" cy="2743200"/>
+          </a:xfrm>
+          <a:prstGeom prst="rect">
+            <a:avLst/>
+          </a:prstGeom>
+          <a:solidFill>
+            <a:srgbClr val="FFFF00">
+              <a:alpha val="34902"/>
+            </a:srgbClr>
+          </a:solidFill>
+          <a:ln>
+            <a:prstDash val="lgDash"/>
+          </a:ln>
+        </p:spPr>
+        <p:style>
+          <a:lnRef idx="2">
+            <a:schemeClr val="accent1">
+              <a:shade val="50000"/>
+            </a:schemeClr>
+          </a:lnRef>
+          <a:fillRef idx="1">
+            <a:schemeClr val="accent1"/>
+          </a:fillRef>
+          <a:effectRef idx="0">
+            <a:schemeClr val="accent1"/>
+          </a:effectRef>
+          <a:fontRef idx="minor">
+            <a:schemeClr val="lt1"/>
+          </a:fontRef>
+        </p:style>
+        <p:txBody>
+          <a:bodyPr rtlCol="0" anchor="ctr"/>
+          <a:lstStyle/>
+          <a:p>
+            <a:pPr algn="ctr"/>
+            <a:endParaRPr lang="en-US"/>
+          </a:p>
+        </p:txBody>
+      </p:sp>
+      <p:sp>
+        <p:nvSpPr>
+          <p:cNvPr id="16" name="Rectangle 15">
+            <a:extLst>
+              <a:ext uri="{FF2B5EF4-FFF2-40B4-BE49-F238E27FC236}">
+                <a16:creationId xmlns:a16="http://schemas.microsoft.com/office/drawing/2014/main" id="{2715C3E9-111E-F843-AAE8-E471C5F02851}"/>
+              </a:ext>
+            </a:extLst>
+          </p:cNvPr>
+          <p:cNvSpPr/>
+          <p:nvPr/>
+        </p:nvSpPr>
+        <p:spPr>
+          <a:xfrm>
+            <a:off x="2557472" y="3149600"/>
+            <a:ext cx="3253187" cy="1409700"/>
+          </a:xfrm>
+          <a:prstGeom prst="rect">
+            <a:avLst/>
+          </a:prstGeom>
+          <a:solidFill>
+            <a:srgbClr val="FF0000">
+              <a:alpha val="34902"/>
+            </a:srgbClr>
+          </a:solidFill>
+          <a:ln>
+            <a:prstDash val="lgDash"/>
+          </a:ln>
+        </p:spPr>
+        <p:style>
+          <a:lnRef idx="2">
+            <a:schemeClr val="accent1">
+              <a:shade val="50000"/>
+            </a:schemeClr>
+          </a:lnRef>
+          <a:fillRef idx="1">
+            <a:schemeClr val="accent1"/>
+          </a:fillRef>
+          <a:effectRef idx="0">
+            <a:schemeClr val="accent1"/>
+          </a:effectRef>
+          <a:fontRef idx="minor">
+            <a:schemeClr val="lt1"/>
+          </a:fontRef>
+        </p:style>
+        <p:txBody>
+          <a:bodyPr rtlCol="0" anchor="ctr"/>
+          <a:lstStyle/>
+          <a:p>
+            <a:pPr algn="ctr"/>
+            <a:endParaRPr lang="en-US"/>
+          </a:p>
+        </p:txBody>
+      </p:sp>
+      <p:sp>
+        <p:nvSpPr>
+          <p:cNvPr id="17" name="Rectangle 16">
+            <a:extLst>
+              <a:ext uri="{FF2B5EF4-FFF2-40B4-BE49-F238E27FC236}">
+                <a16:creationId xmlns:a16="http://schemas.microsoft.com/office/drawing/2014/main" id="{9582E5A6-3772-D248-AFC0-E95A8B1B3AA2}"/>
+              </a:ext>
+            </a:extLst>
+          </p:cNvPr>
+          <p:cNvSpPr/>
+          <p:nvPr/>
+        </p:nvSpPr>
+        <p:spPr>
+          <a:xfrm>
+            <a:off x="2557473" y="1816100"/>
+            <a:ext cx="3253186" cy="1275656"/>
+          </a:xfrm>
+          <a:prstGeom prst="rect">
+            <a:avLst/>
+          </a:prstGeom>
+          <a:solidFill>
+            <a:srgbClr val="92D050">
+              <a:alpha val="34902"/>
+            </a:srgbClr>
+          </a:solidFill>
+          <a:ln>
+            <a:prstDash val="lgDash"/>
+          </a:ln>
+        </p:spPr>
+        <p:style>
+          <a:lnRef idx="2">
+            <a:schemeClr val="accent1">
+              <a:shade val="50000"/>
+            </a:schemeClr>
+          </a:lnRef>
+          <a:fillRef idx="1">
+            <a:schemeClr val="accent1"/>
+          </a:fillRef>
+          <a:effectRef idx="0">
+            <a:schemeClr val="accent1"/>
+          </a:effectRef>
+          <a:fontRef idx="minor">
+            <a:schemeClr val="lt1"/>
+          </a:fontRef>
+        </p:style>
+        <p:txBody>
+          <a:bodyPr rtlCol="0" anchor="ctr"/>
+          <a:lstStyle/>
+          <a:p>
+            <a:pPr algn="ctr"/>
+            <a:endParaRPr lang="en-US"/>
+          </a:p>
+        </p:txBody>
+      </p:sp>
+      <p:sp>
+        <p:nvSpPr>
+          <p:cNvPr id="5" name="5-Point Star 4">
+            <a:extLst>
+              <a:ext uri="{FF2B5EF4-FFF2-40B4-BE49-F238E27FC236}">
+                <a16:creationId xmlns:a16="http://schemas.microsoft.com/office/drawing/2014/main" id="{8DB8F06C-CAE0-2E42-8AF0-1EE4A7F4EB3C}"/>
+              </a:ext>
+            </a:extLst>
+          </p:cNvPr>
+          <p:cNvSpPr>
+            <a:spLocks noChangeAspect="1"/>
+          </p:cNvSpPr>
+          <p:nvPr/>
+        </p:nvSpPr>
+        <p:spPr>
+          <a:xfrm>
+            <a:off x="6509841" y="3562146"/>
+            <a:ext cx="365760" cy="365760"/>
+          </a:xfrm>
+          <a:prstGeom prst="star5">
+            <a:avLst/>
+          </a:prstGeom>
+          <a:solidFill>
+            <a:srgbClr val="00B0F0"/>
+          </a:solidFill>
+          <a:ln>
+            <a:solidFill>
+              <a:schemeClr val="accent1">
+                <a:lumMod val="50000"/>
+              </a:schemeClr>
+            </a:solidFill>
+          </a:ln>
+        </p:spPr>
+        <p:style>
+          <a:lnRef idx="2">
+            <a:schemeClr val="accent1">
+              <a:shade val="50000"/>
+            </a:schemeClr>
+          </a:lnRef>
+          <a:fillRef idx="1">
+            <a:schemeClr val="accent1"/>
+          </a:fillRef>
+          <a:effectRef idx="0">
+            <a:schemeClr val="accent1"/>
+          </a:effectRef>
+          <a:fontRef idx="minor">
+            <a:schemeClr val="lt1"/>
+          </a:fontRef>
+        </p:style>
+        <p:txBody>
+          <a:bodyPr rtlCol="0" anchor="ctr"/>
+          <a:lstStyle/>
+          <a:p>
+            <a:pPr algn="ctr"/>
+            <a:endParaRPr lang="en-US"/>
+          </a:p>
+        </p:txBody>
+      </p:sp>
+      <p:pic>
+        <p:nvPicPr>
+          <p:cNvPr id="7" name="Picture 6">
+            <a:extLst>
+              <a:ext uri="{FF2B5EF4-FFF2-40B4-BE49-F238E27FC236}">
+                <a16:creationId xmlns:a16="http://schemas.microsoft.com/office/drawing/2014/main" id="{D8704B35-6893-B641-8C03-8B09F5F278B9}"/>
+              </a:ext>
+            </a:extLst>
+          </p:cNvPr>
+          <p:cNvPicPr>
+            <a:picLocks noChangeAspect="1"/>
+          </p:cNvPicPr>
+          <p:nvPr/>
+        </p:nvPicPr>
+        <p:blipFill rotWithShape="1">
+          <a:blip r:embed="rId3"/>
+          <a:srcRect l="26302" t="1905" r="24095"/>
+          <a:stretch/>
+        </p:blipFill>
+        <p:spPr>
+          <a:xfrm>
+            <a:off x="1087452" y="3287826"/>
+            <a:ext cx="431549" cy="640080"/>
+          </a:xfrm>
+          <a:prstGeom prst="rect">
+            <a:avLst/>
+          </a:prstGeom>
+        </p:spPr>
+      </p:pic>
+      <p:sp>
+        <p:nvSpPr>
+          <p:cNvPr id="8" name="TextBox 7">
+            <a:extLst>
+              <a:ext uri="{FF2B5EF4-FFF2-40B4-BE49-F238E27FC236}">
+                <a16:creationId xmlns:a16="http://schemas.microsoft.com/office/drawing/2014/main" id="{08CC7DEB-706C-6A41-8E41-F8DE7CD2686D}"/>
+              </a:ext>
+            </a:extLst>
+          </p:cNvPr>
+          <p:cNvSpPr txBox="1"/>
+          <p:nvPr/>
+        </p:nvSpPr>
+        <p:spPr>
+          <a:xfrm>
+            <a:off x="987083" y="3973626"/>
+            <a:ext cx="632289" cy="369332"/>
+          </a:xfrm>
+          <a:prstGeom prst="rect">
+            <a:avLst/>
+          </a:prstGeom>
+          <a:noFill/>
+        </p:spPr>
+        <p:txBody>
+          <a:bodyPr wrap="none" rtlCol="0">
+            <a:spAutoFit/>
+          </a:bodyPr>
+          <a:lstStyle/>
+          <a:p>
+            <a:r>
+              <a:rPr lang="en-US" dirty="0"/>
+              <a:t>Start</a:t>
+            </a:r>
+          </a:p>
+        </p:txBody>
+      </p:sp>
+      <p:sp>
+        <p:nvSpPr>
+          <p:cNvPr id="9" name="TextBox 8">
+            <a:extLst>
+              <a:ext uri="{FF2B5EF4-FFF2-40B4-BE49-F238E27FC236}">
+                <a16:creationId xmlns:a16="http://schemas.microsoft.com/office/drawing/2014/main" id="{F3BE6089-08BE-A544-A310-02A323F0D7C6}"/>
+              </a:ext>
+            </a:extLst>
+          </p:cNvPr>
+          <p:cNvSpPr txBox="1"/>
+          <p:nvPr/>
+        </p:nvSpPr>
+        <p:spPr>
+          <a:xfrm>
+            <a:off x="6975972" y="3607866"/>
+            <a:ext cx="615874" cy="369332"/>
+          </a:xfrm>
+          <a:prstGeom prst="rect">
+            <a:avLst/>
+          </a:prstGeom>
+          <a:noFill/>
+        </p:spPr>
+        <p:txBody>
+          <a:bodyPr wrap="none" rtlCol="0">
+            <a:spAutoFit/>
+          </a:bodyPr>
+          <a:lstStyle/>
+          <a:p>
+            <a:r>
+              <a:rPr lang="en-US" dirty="0"/>
+              <a:t>Goal</a:t>
+            </a:r>
+          </a:p>
+        </p:txBody>
+      </p:sp>
+    </p:spTree>
+    <p:extLst>
+      <p:ext uri="{BB962C8B-B14F-4D97-AF65-F5344CB8AC3E}">
+        <p14:creationId xmlns:p14="http://schemas.microsoft.com/office/powerpoint/2010/main" val="3151853320"/>
+      </p:ext>
+    </p:extLst>
+  </p:cSld>
+  <p:clrMapOvr>
+    <a:masterClrMapping/>
+  </p:clrMapOvr>
+</p:sld>
+</file>
+
+<file path=ppt/slides/slide12.xml><?xml version="1.0" encoding="utf-8"?>
+<p:sld xmlns:a="http://schemas.openxmlformats.org/drawingml/2006/main" xmlns:r="http://schemas.openxmlformats.org/officeDocument/2006/relationships" xmlns:p="http://schemas.openxmlformats.org/presentationml/2006/main">
+  <p:cSld>
+    <p:spTree>
+      <p:nvGrpSpPr>
+        <p:cNvPr id="1" name=""/>
+        <p:cNvGrpSpPr/>
+        <p:nvPr/>
+      </p:nvGrpSpPr>
+      <p:grpSpPr>
+        <a:xfrm>
+          <a:off x="0" y="0"/>
+          <a:ext cx="0" cy="0"/>
+          <a:chOff x="0" y="0"/>
+          <a:chExt cx="0" cy="0"/>
+        </a:xfrm>
+      </p:grpSpPr>
+      <p:grpSp>
+        <p:nvGrpSpPr>
+          <p:cNvPr id="31" name="Group 30">
+            <a:extLst>
+              <a:ext uri="{FF2B5EF4-FFF2-40B4-BE49-F238E27FC236}">
+                <a16:creationId xmlns:a16="http://schemas.microsoft.com/office/drawing/2014/main" id="{501543D2-25A5-BE40-A93F-D79B87620E5A}"/>
+              </a:ext>
+            </a:extLst>
+          </p:cNvPr>
+          <p:cNvGrpSpPr/>
+          <p:nvPr/>
+        </p:nvGrpSpPr>
+        <p:grpSpPr>
+          <a:xfrm>
+            <a:off x="1166068" y="1487042"/>
+            <a:ext cx="5821027" cy="2486585"/>
+            <a:chOff x="1166068" y="1487042"/>
+            <a:chExt cx="5821027" cy="2486585"/>
+          </a:xfrm>
+        </p:grpSpPr>
+        <p:grpSp>
+          <p:nvGrpSpPr>
+            <p:cNvPr id="3" name="Group 2">
+              <a:extLst>
+                <a:ext uri="{FF2B5EF4-FFF2-40B4-BE49-F238E27FC236}">
+                  <a16:creationId xmlns:a16="http://schemas.microsoft.com/office/drawing/2014/main" id="{CEA56E65-997E-2244-AF21-4C911735E35B}"/>
+                </a:ext>
+              </a:extLst>
+            </p:cNvPr>
+            <p:cNvGrpSpPr/>
+            <p:nvPr/>
+          </p:nvGrpSpPr>
+          <p:grpSpPr>
+            <a:xfrm>
+              <a:off x="1166068" y="1525547"/>
+              <a:ext cx="5764179" cy="2448080"/>
+              <a:chOff x="1166068" y="1525547"/>
+              <a:chExt cx="5764179" cy="2448080"/>
+            </a:xfrm>
+          </p:grpSpPr>
+          <p:sp>
+            <p:nvSpPr>
+              <p:cNvPr id="6" name="Oval 5">
+                <a:extLst>
+                  <a:ext uri="{FF2B5EF4-FFF2-40B4-BE49-F238E27FC236}">
+                    <a16:creationId xmlns:a16="http://schemas.microsoft.com/office/drawing/2014/main" id="{46F00069-EE33-FF4D-913E-42CEAF4CA5B7}"/>
+                  </a:ext>
+                </a:extLst>
+              </p:cNvPr>
+              <p:cNvSpPr>
+                <a:spLocks noChangeAspect="1"/>
+              </p:cNvSpPr>
+              <p:nvPr/>
+            </p:nvSpPr>
+            <p:spPr>
+              <a:xfrm>
+                <a:off x="1170513" y="3699307"/>
+                <a:ext cx="274320" cy="274320"/>
+              </a:xfrm>
+              <a:prstGeom prst="ellipse">
+                <a:avLst/>
+              </a:prstGeom>
+              <a:solidFill>
+                <a:srgbClr val="FFFF00"/>
+              </a:solidFill>
+              <a:ln w="19050">
+                <a:solidFill>
+                  <a:schemeClr val="tx1"/>
+                </a:solidFill>
+              </a:ln>
+            </p:spPr>
+            <p:style>
+              <a:lnRef idx="2">
+                <a:schemeClr val="accent1">
+                  <a:shade val="50000"/>
+                </a:schemeClr>
+              </a:lnRef>
+              <a:fillRef idx="1">
+                <a:schemeClr val="accent1"/>
+              </a:fillRef>
+              <a:effectRef idx="0">
+                <a:schemeClr val="accent1"/>
+              </a:effectRef>
+              <a:fontRef idx="minor">
+                <a:schemeClr val="lt1"/>
+              </a:fontRef>
+            </p:style>
+            <p:txBody>
+              <a:bodyPr rtlCol="0" anchor="ctr"/>
+              <a:lstStyle/>
+              <a:p>
+                <a:pPr algn="ctr"/>
+                <a:r>
+                  <a:rPr lang="en-US" sz="1600" dirty="0">
+                    <a:solidFill>
+                      <a:schemeClr val="tx1"/>
+                    </a:solidFill>
+                  </a:rPr>
+                  <a:t>1</a:t>
+                </a:r>
+              </a:p>
+            </p:txBody>
+          </p:sp>
+          <p:sp>
+            <p:nvSpPr>
+              <p:cNvPr id="7" name="Oval 6">
+                <a:extLst>
+                  <a:ext uri="{FF2B5EF4-FFF2-40B4-BE49-F238E27FC236}">
+                    <a16:creationId xmlns:a16="http://schemas.microsoft.com/office/drawing/2014/main" id="{8DB361B1-5007-6448-84A0-8C5EA462E3DC}"/>
+                  </a:ext>
+                </a:extLst>
+              </p:cNvPr>
+              <p:cNvSpPr>
+                <a:spLocks noChangeAspect="1"/>
+              </p:cNvSpPr>
+              <p:nvPr/>
+            </p:nvSpPr>
+            <p:spPr>
+              <a:xfrm>
+                <a:off x="2638423" y="3699307"/>
+                <a:ext cx="274320" cy="274320"/>
+              </a:xfrm>
+              <a:prstGeom prst="ellipse">
+                <a:avLst/>
+              </a:prstGeom>
+              <a:solidFill>
+                <a:srgbClr val="FF0000"/>
+              </a:solidFill>
+              <a:ln w="19050">
+                <a:solidFill>
+                  <a:schemeClr val="tx1"/>
+                </a:solidFill>
+              </a:ln>
+            </p:spPr>
+            <p:style>
+              <a:lnRef idx="2">
+                <a:schemeClr val="accent1">
+                  <a:shade val="50000"/>
+                </a:schemeClr>
+              </a:lnRef>
+              <a:fillRef idx="1">
+                <a:schemeClr val="accent1"/>
+              </a:fillRef>
+              <a:effectRef idx="0">
+                <a:schemeClr val="accent1"/>
+              </a:effectRef>
+              <a:fontRef idx="minor">
+                <a:schemeClr val="lt1"/>
+              </a:fontRef>
+            </p:style>
+            <p:txBody>
+              <a:bodyPr rtlCol="0" anchor="ctr"/>
+              <a:lstStyle/>
+              <a:p>
+                <a:pPr algn="ctr"/>
+                <a:r>
+                  <a:rPr lang="en-US" sz="1600" dirty="0">
+                    <a:solidFill>
+                      <a:schemeClr val="tx1"/>
+                    </a:solidFill>
+                  </a:rPr>
+                  <a:t>2</a:t>
+                </a:r>
+              </a:p>
+            </p:txBody>
+          </p:sp>
+          <p:cxnSp>
+            <p:nvCxnSpPr>
+              <p:cNvPr id="8" name="Straight Connector 7">
+                <a:extLst>
+                  <a:ext uri="{FF2B5EF4-FFF2-40B4-BE49-F238E27FC236}">
+                    <a16:creationId xmlns:a16="http://schemas.microsoft.com/office/drawing/2014/main" id="{D301D8FE-2FBA-7947-93BA-AFA6B5BDEAC9}"/>
+                  </a:ext>
+                </a:extLst>
+              </p:cNvPr>
+              <p:cNvCxnSpPr>
+                <a:stCxn id="6" idx="6"/>
+                <a:endCxn id="7" idx="2"/>
+              </p:cNvCxnSpPr>
+              <p:nvPr/>
+            </p:nvCxnSpPr>
+            <p:spPr>
+              <a:xfrm>
+                <a:off x="1444833" y="3836467"/>
+                <a:ext cx="1193590" cy="0"/>
+              </a:xfrm>
+              <a:prstGeom prst="line">
+                <a:avLst/>
+              </a:prstGeom>
+              <a:ln w="38100">
+                <a:solidFill>
+                  <a:schemeClr val="tx1"/>
+                </a:solidFill>
+              </a:ln>
+            </p:spPr>
+            <p:style>
+              <a:lnRef idx="1">
+                <a:schemeClr val="accent1"/>
+              </a:lnRef>
+              <a:fillRef idx="0">
+                <a:schemeClr val="accent1"/>
+              </a:fillRef>
+              <a:effectRef idx="0">
+                <a:schemeClr val="accent1"/>
+              </a:effectRef>
+              <a:fontRef idx="minor">
+                <a:schemeClr val="tx1"/>
+              </a:fontRef>
+            </p:style>
+          </p:cxnSp>
+          <p:cxnSp>
+            <p:nvCxnSpPr>
+              <p:cNvPr id="9" name="Straight Connector 8">
+                <a:extLst>
+                  <a:ext uri="{FF2B5EF4-FFF2-40B4-BE49-F238E27FC236}">
+                    <a16:creationId xmlns:a16="http://schemas.microsoft.com/office/drawing/2014/main" id="{DBFCDDAB-FC73-DB41-A87F-4819BFAC12ED}"/>
+                  </a:ext>
+                </a:extLst>
+              </p:cNvPr>
+              <p:cNvCxnSpPr>
+                <a:cxnSpLocks/>
+                <a:stCxn id="7" idx="6"/>
+                <a:endCxn id="19" idx="2"/>
+              </p:cNvCxnSpPr>
+              <p:nvPr/>
+            </p:nvCxnSpPr>
+            <p:spPr>
+              <a:xfrm>
+                <a:off x="2912743" y="3836467"/>
+                <a:ext cx="1197886" cy="0"/>
+              </a:xfrm>
+              <a:prstGeom prst="line">
+                <a:avLst/>
+              </a:prstGeom>
+              <a:ln w="38100">
+                <a:solidFill>
+                  <a:schemeClr val="tx1"/>
+                </a:solidFill>
+              </a:ln>
+            </p:spPr>
+            <p:style>
+              <a:lnRef idx="1">
+                <a:schemeClr val="accent1"/>
+              </a:lnRef>
+              <a:fillRef idx="0">
+                <a:schemeClr val="accent1"/>
+              </a:fillRef>
+              <a:effectRef idx="0">
+                <a:schemeClr val="accent1"/>
+              </a:effectRef>
+              <a:fontRef idx="minor">
+                <a:schemeClr val="tx1"/>
+              </a:fontRef>
+            </p:style>
+          </p:cxnSp>
+          <p:cxnSp>
+            <p:nvCxnSpPr>
+              <p:cNvPr id="10" name="Straight Connector 9">
+                <a:extLst>
+                  <a:ext uri="{FF2B5EF4-FFF2-40B4-BE49-F238E27FC236}">
+                    <a16:creationId xmlns:a16="http://schemas.microsoft.com/office/drawing/2014/main" id="{FD8E3212-3B02-934B-9831-620B1306D5F9}"/>
+                  </a:ext>
+                </a:extLst>
+              </p:cNvPr>
+              <p:cNvCxnSpPr>
+                <a:cxnSpLocks/>
+                <a:stCxn id="19" idx="6"/>
+                <a:endCxn id="21" idx="2"/>
+              </p:cNvCxnSpPr>
+              <p:nvPr/>
+            </p:nvCxnSpPr>
+            <p:spPr>
+              <a:xfrm>
+                <a:off x="4384949" y="3836467"/>
+                <a:ext cx="1069914" cy="0"/>
+              </a:xfrm>
+              <a:prstGeom prst="line">
+                <a:avLst/>
+              </a:prstGeom>
+              <a:ln w="38100">
+                <a:solidFill>
+                  <a:schemeClr val="tx1"/>
+                </a:solidFill>
+              </a:ln>
+            </p:spPr>
+            <p:style>
+              <a:lnRef idx="1">
+                <a:schemeClr val="accent1"/>
+              </a:lnRef>
+              <a:fillRef idx="0">
+                <a:schemeClr val="accent1"/>
+              </a:fillRef>
+              <a:effectRef idx="0">
+                <a:schemeClr val="accent1"/>
+              </a:effectRef>
+              <a:fontRef idx="minor">
+                <a:schemeClr val="tx1"/>
+              </a:fontRef>
+            </p:style>
+          </p:cxnSp>
+          <p:cxnSp>
+            <p:nvCxnSpPr>
+              <p:cNvPr id="11" name="Straight Connector 10">
+                <a:extLst>
+                  <a:ext uri="{FF2B5EF4-FFF2-40B4-BE49-F238E27FC236}">
+                    <a16:creationId xmlns:a16="http://schemas.microsoft.com/office/drawing/2014/main" id="{0AB9A4F3-ACB6-9C46-8ACD-55E5F88E633E}"/>
+                  </a:ext>
+                </a:extLst>
+              </p:cNvPr>
+              <p:cNvCxnSpPr>
+                <a:cxnSpLocks/>
+                <a:stCxn id="21" idx="6"/>
+                <a:endCxn id="26" idx="2"/>
+              </p:cNvCxnSpPr>
+              <p:nvPr/>
+            </p:nvCxnSpPr>
+            <p:spPr>
+              <a:xfrm>
+                <a:off x="5729183" y="3836467"/>
+                <a:ext cx="910380" cy="0"/>
+              </a:xfrm>
+              <a:prstGeom prst="line">
+                <a:avLst/>
+              </a:prstGeom>
+              <a:ln w="38100">
+                <a:solidFill>
+                  <a:schemeClr val="tx1"/>
+                </a:solidFill>
+              </a:ln>
+            </p:spPr>
+            <p:style>
+              <a:lnRef idx="1">
+                <a:schemeClr val="accent1"/>
+              </a:lnRef>
+              <a:fillRef idx="0">
+                <a:schemeClr val="accent1"/>
+              </a:fillRef>
+              <a:effectRef idx="0">
+                <a:schemeClr val="accent1"/>
+              </a:effectRef>
+              <a:fontRef idx="minor">
+                <a:schemeClr val="tx1"/>
+              </a:fontRef>
+            </p:style>
+          </p:cxnSp>
+          <p:cxnSp>
+            <p:nvCxnSpPr>
+              <p:cNvPr id="12" name="Straight Connector 11">
+                <a:extLst>
+                  <a:ext uri="{FF2B5EF4-FFF2-40B4-BE49-F238E27FC236}">
+                    <a16:creationId xmlns:a16="http://schemas.microsoft.com/office/drawing/2014/main" id="{FBE135D9-6F59-F74F-A056-0EC9365EA873}"/>
+                  </a:ext>
+                </a:extLst>
+              </p:cNvPr>
+              <p:cNvCxnSpPr>
+                <a:cxnSpLocks/>
+                <a:stCxn id="26" idx="0"/>
+              </p:cNvCxnSpPr>
+              <p:nvPr/>
+            </p:nvCxnSpPr>
+            <p:spPr>
+              <a:xfrm flipV="1">
+                <a:off x="6776723" y="2751685"/>
+                <a:ext cx="13844" cy="947622"/>
+              </a:xfrm>
+              <a:prstGeom prst="line">
+                <a:avLst/>
+              </a:prstGeom>
+              <a:ln w="38100">
+                <a:solidFill>
+                  <a:schemeClr val="tx1"/>
+                </a:solidFill>
+              </a:ln>
+            </p:spPr>
+            <p:style>
+              <a:lnRef idx="1">
+                <a:schemeClr val="accent1"/>
+              </a:lnRef>
+              <a:fillRef idx="0">
+                <a:schemeClr val="accent1"/>
+              </a:fillRef>
+              <a:effectRef idx="0">
+                <a:schemeClr val="accent1"/>
+              </a:effectRef>
+              <a:fontRef idx="minor">
+                <a:schemeClr val="tx1"/>
+              </a:fontRef>
+            </p:style>
+          </p:cxnSp>
+          <p:cxnSp>
+            <p:nvCxnSpPr>
+              <p:cNvPr id="13" name="Straight Connector 12">
+                <a:extLst>
+                  <a:ext uri="{FF2B5EF4-FFF2-40B4-BE49-F238E27FC236}">
+                    <a16:creationId xmlns:a16="http://schemas.microsoft.com/office/drawing/2014/main" id="{90DFBA1D-28F5-D247-B5BA-06BD859784E1}"/>
+                  </a:ext>
+                </a:extLst>
+              </p:cNvPr>
+              <p:cNvCxnSpPr>
+                <a:cxnSpLocks/>
+                <a:stCxn id="24" idx="0"/>
+                <a:endCxn id="25" idx="4"/>
+              </p:cNvCxnSpPr>
+              <p:nvPr/>
+            </p:nvCxnSpPr>
+            <p:spPr>
+              <a:xfrm flipV="1">
+                <a:off x="6779243" y="1799867"/>
+                <a:ext cx="13844" cy="676163"/>
+              </a:xfrm>
+              <a:prstGeom prst="line">
+                <a:avLst/>
+              </a:prstGeom>
+              <a:ln w="38100">
+                <a:solidFill>
+                  <a:schemeClr val="tx1"/>
+                </a:solidFill>
+              </a:ln>
+            </p:spPr>
+            <p:style>
+              <a:lnRef idx="1">
+                <a:schemeClr val="accent1"/>
+              </a:lnRef>
+              <a:fillRef idx="0">
+                <a:schemeClr val="accent1"/>
+              </a:fillRef>
+              <a:effectRef idx="0">
+                <a:schemeClr val="accent1"/>
+              </a:effectRef>
+              <a:fontRef idx="minor">
+                <a:schemeClr val="tx1"/>
+              </a:fontRef>
+            </p:style>
+          </p:cxnSp>
+          <p:cxnSp>
+            <p:nvCxnSpPr>
+              <p:cNvPr id="14" name="Straight Connector 13">
+                <a:extLst>
+                  <a:ext uri="{FF2B5EF4-FFF2-40B4-BE49-F238E27FC236}">
+                    <a16:creationId xmlns:a16="http://schemas.microsoft.com/office/drawing/2014/main" id="{4800291E-D89E-5745-B42A-4AA0D853A07C}"/>
+                  </a:ext>
+                </a:extLst>
+              </p:cNvPr>
+              <p:cNvCxnSpPr>
+                <a:cxnSpLocks/>
+                <a:stCxn id="24" idx="2"/>
+                <a:endCxn id="23" idx="6"/>
+              </p:cNvCxnSpPr>
+              <p:nvPr/>
+            </p:nvCxnSpPr>
+            <p:spPr>
+              <a:xfrm flipH="1">
+                <a:off x="5720293" y="2613190"/>
+                <a:ext cx="921790" cy="0"/>
+              </a:xfrm>
+              <a:prstGeom prst="line">
+                <a:avLst/>
+              </a:prstGeom>
+              <a:ln w="38100">
+                <a:solidFill>
+                  <a:schemeClr val="tx1"/>
+                </a:solidFill>
+              </a:ln>
+            </p:spPr>
+            <p:style>
+              <a:lnRef idx="1">
+                <a:schemeClr val="accent1"/>
+              </a:lnRef>
+              <a:fillRef idx="0">
+                <a:schemeClr val="accent1"/>
+              </a:fillRef>
+              <a:effectRef idx="0">
+                <a:schemeClr val="accent1"/>
+              </a:effectRef>
+              <a:fontRef idx="minor">
+                <a:schemeClr val="tx1"/>
+              </a:fontRef>
+            </p:style>
+          </p:cxnSp>
+          <p:cxnSp>
+            <p:nvCxnSpPr>
+              <p:cNvPr id="15" name="Straight Connector 14">
+                <a:extLst>
+                  <a:ext uri="{FF2B5EF4-FFF2-40B4-BE49-F238E27FC236}">
+                    <a16:creationId xmlns:a16="http://schemas.microsoft.com/office/drawing/2014/main" id="{2755AA0F-F3EE-8847-97B9-F18F31AA84D3}"/>
+                  </a:ext>
+                </a:extLst>
+              </p:cNvPr>
+              <p:cNvCxnSpPr>
+                <a:cxnSpLocks/>
+                <a:stCxn id="23" idx="2"/>
+                <a:endCxn id="22" idx="6"/>
+              </p:cNvCxnSpPr>
+              <p:nvPr/>
+            </p:nvCxnSpPr>
+            <p:spPr>
+              <a:xfrm flipH="1">
+                <a:off x="4389543" y="2613190"/>
+                <a:ext cx="1056430" cy="0"/>
+              </a:xfrm>
+              <a:prstGeom prst="line">
+                <a:avLst/>
+              </a:prstGeom>
+              <a:ln w="38100">
+                <a:solidFill>
+                  <a:schemeClr val="tx1"/>
+                </a:solidFill>
+              </a:ln>
+            </p:spPr>
+            <p:style>
+              <a:lnRef idx="1">
+                <a:schemeClr val="accent1"/>
+              </a:lnRef>
+              <a:fillRef idx="0">
+                <a:schemeClr val="accent1"/>
+              </a:fillRef>
+              <a:effectRef idx="0">
+                <a:schemeClr val="accent1"/>
+              </a:effectRef>
+              <a:fontRef idx="minor">
+                <a:schemeClr val="tx1"/>
+              </a:fontRef>
+            </p:style>
+          </p:cxnSp>
+          <p:cxnSp>
+            <p:nvCxnSpPr>
+              <p:cNvPr id="16" name="Straight Connector 15">
+                <a:extLst>
+                  <a:ext uri="{FF2B5EF4-FFF2-40B4-BE49-F238E27FC236}">
+                    <a16:creationId xmlns:a16="http://schemas.microsoft.com/office/drawing/2014/main" id="{CF7EC623-8684-B740-8AFC-BDF7D25703FF}"/>
+                  </a:ext>
+                </a:extLst>
+              </p:cNvPr>
+              <p:cNvCxnSpPr>
+                <a:cxnSpLocks/>
+                <a:stCxn id="22" idx="2"/>
+                <a:endCxn id="20" idx="6"/>
+              </p:cNvCxnSpPr>
+              <p:nvPr/>
+            </p:nvCxnSpPr>
+            <p:spPr>
+              <a:xfrm flipH="1">
+                <a:off x="2921633" y="2613190"/>
+                <a:ext cx="1193590" cy="0"/>
+              </a:xfrm>
+              <a:prstGeom prst="line">
+                <a:avLst/>
+              </a:prstGeom>
+              <a:ln w="38100">
+                <a:solidFill>
+                  <a:schemeClr val="tx1"/>
+                </a:solidFill>
+              </a:ln>
+            </p:spPr>
+            <p:style>
+              <a:lnRef idx="1">
+                <a:schemeClr val="accent1"/>
+              </a:lnRef>
+              <a:fillRef idx="0">
+                <a:schemeClr val="accent1"/>
+              </a:fillRef>
+              <a:effectRef idx="0">
+                <a:schemeClr val="accent1"/>
+              </a:effectRef>
+              <a:fontRef idx="minor">
+                <a:schemeClr val="tx1"/>
+              </a:fontRef>
+            </p:style>
+          </p:cxnSp>
+          <p:cxnSp>
+            <p:nvCxnSpPr>
+              <p:cNvPr id="17" name="Straight Connector 16">
+                <a:extLst>
+                  <a:ext uri="{FF2B5EF4-FFF2-40B4-BE49-F238E27FC236}">
+                    <a16:creationId xmlns:a16="http://schemas.microsoft.com/office/drawing/2014/main" id="{804706E4-6271-CC48-B4E6-9B6D0BED47AA}"/>
+                  </a:ext>
+                </a:extLst>
+              </p:cNvPr>
+              <p:cNvCxnSpPr>
+                <a:cxnSpLocks/>
+                <a:endCxn id="7" idx="0"/>
+              </p:cNvCxnSpPr>
+              <p:nvPr/>
+            </p:nvCxnSpPr>
+            <p:spPr>
+              <a:xfrm flipH="1">
+                <a:off x="2775583" y="2751684"/>
+                <a:ext cx="8890" cy="947623"/>
+              </a:xfrm>
+              <a:prstGeom prst="line">
+                <a:avLst/>
+              </a:prstGeom>
+              <a:ln w="38100">
+                <a:solidFill>
+                  <a:schemeClr val="tx1"/>
+                </a:solidFill>
+              </a:ln>
+            </p:spPr>
+            <p:style>
+              <a:lnRef idx="1">
+                <a:schemeClr val="accent1"/>
+              </a:lnRef>
+              <a:fillRef idx="0">
+                <a:schemeClr val="accent1"/>
+              </a:fillRef>
+              <a:effectRef idx="0">
+                <a:schemeClr val="accent1"/>
+              </a:effectRef>
+              <a:fontRef idx="minor">
+                <a:schemeClr val="tx1"/>
+              </a:fontRef>
+            </p:style>
+          </p:cxnSp>
+          <p:cxnSp>
+            <p:nvCxnSpPr>
+              <p:cNvPr id="18" name="Straight Connector 17">
+                <a:extLst>
+                  <a:ext uri="{FF2B5EF4-FFF2-40B4-BE49-F238E27FC236}">
+                    <a16:creationId xmlns:a16="http://schemas.microsoft.com/office/drawing/2014/main" id="{E398B411-C9F8-5549-A4CE-BD22652E400B}"/>
+                  </a:ext>
+                </a:extLst>
+              </p:cNvPr>
+              <p:cNvCxnSpPr>
+                <a:cxnSpLocks/>
+              </p:cNvCxnSpPr>
+              <p:nvPr/>
+            </p:nvCxnSpPr>
+            <p:spPr>
+              <a:xfrm>
+                <a:off x="5592023" y="2751684"/>
+                <a:ext cx="0" cy="938733"/>
+              </a:xfrm>
+              <a:prstGeom prst="line">
+                <a:avLst/>
+              </a:prstGeom>
+              <a:ln w="38100">
+                <a:solidFill>
+                  <a:schemeClr val="tx1"/>
+                </a:solidFill>
+              </a:ln>
+            </p:spPr>
+            <p:style>
+              <a:lnRef idx="1">
+                <a:schemeClr val="accent1"/>
+              </a:lnRef>
+              <a:fillRef idx="0">
+                <a:schemeClr val="accent1"/>
+              </a:fillRef>
+              <a:effectRef idx="0">
+                <a:schemeClr val="accent1"/>
+              </a:effectRef>
+              <a:fontRef idx="minor">
+                <a:schemeClr val="tx1"/>
+              </a:fontRef>
+            </p:style>
+          </p:cxnSp>
+          <p:sp>
+            <p:nvSpPr>
+              <p:cNvPr id="19" name="Oval 18">
+                <a:extLst>
+                  <a:ext uri="{FF2B5EF4-FFF2-40B4-BE49-F238E27FC236}">
+                    <a16:creationId xmlns:a16="http://schemas.microsoft.com/office/drawing/2014/main" id="{C44D1788-E96A-464B-82F0-0194924E691F}"/>
+                  </a:ext>
+                </a:extLst>
+              </p:cNvPr>
+              <p:cNvSpPr>
+                <a:spLocks noChangeAspect="1"/>
+              </p:cNvSpPr>
+              <p:nvPr/>
+            </p:nvSpPr>
+            <p:spPr>
+              <a:xfrm>
+                <a:off x="4110629" y="3699307"/>
+                <a:ext cx="274320" cy="274320"/>
+              </a:xfrm>
+              <a:prstGeom prst="ellipse">
+                <a:avLst/>
+              </a:prstGeom>
+              <a:solidFill>
+                <a:srgbClr val="FF0000"/>
+              </a:solidFill>
+              <a:ln w="19050">
+                <a:solidFill>
+                  <a:schemeClr val="tx1"/>
+                </a:solidFill>
+              </a:ln>
+            </p:spPr>
+            <p:style>
+              <a:lnRef idx="2">
+                <a:schemeClr val="accent1">
+                  <a:shade val="50000"/>
+                </a:schemeClr>
+              </a:lnRef>
+              <a:fillRef idx="1">
+                <a:schemeClr val="accent1"/>
+              </a:fillRef>
+              <a:effectRef idx="0">
+                <a:schemeClr val="accent1"/>
+              </a:effectRef>
+              <a:fontRef idx="minor">
+                <a:schemeClr val="lt1"/>
+              </a:fontRef>
+            </p:style>
+            <p:txBody>
+              <a:bodyPr rtlCol="0" anchor="ctr"/>
+              <a:lstStyle/>
+              <a:p>
+                <a:pPr algn="ctr"/>
+                <a:r>
+                  <a:rPr lang="en-US" sz="1600" dirty="0">
+                    <a:solidFill>
+                      <a:schemeClr val="tx1"/>
+                    </a:solidFill>
+                  </a:rPr>
+                  <a:t>3</a:t>
+                </a:r>
+              </a:p>
+            </p:txBody>
+          </p:sp>
+          <p:sp>
+            <p:nvSpPr>
+              <p:cNvPr id="20" name="Oval 19">
+                <a:extLst>
+                  <a:ext uri="{FF2B5EF4-FFF2-40B4-BE49-F238E27FC236}">
+                    <a16:creationId xmlns:a16="http://schemas.microsoft.com/office/drawing/2014/main" id="{17DCADFB-A010-694E-9521-966D151E6952}"/>
+                  </a:ext>
+                </a:extLst>
+              </p:cNvPr>
+              <p:cNvSpPr>
+                <a:spLocks noChangeAspect="1"/>
+              </p:cNvSpPr>
+              <p:nvPr/>
+            </p:nvSpPr>
+            <p:spPr>
+              <a:xfrm>
+                <a:off x="2647313" y="2476030"/>
+                <a:ext cx="274320" cy="274320"/>
+              </a:xfrm>
+              <a:prstGeom prst="ellipse">
+                <a:avLst/>
+              </a:prstGeom>
+              <a:solidFill>
+                <a:srgbClr val="92D050"/>
+              </a:solidFill>
+              <a:ln w="19050">
+                <a:solidFill>
+                  <a:schemeClr val="tx1"/>
+                </a:solidFill>
+              </a:ln>
+            </p:spPr>
+            <p:style>
+              <a:lnRef idx="2">
+                <a:schemeClr val="accent1">
+                  <a:shade val="50000"/>
+                </a:schemeClr>
+              </a:lnRef>
+              <a:fillRef idx="1">
+                <a:schemeClr val="accent1"/>
+              </a:fillRef>
+              <a:effectRef idx="0">
+                <a:schemeClr val="accent1"/>
+              </a:effectRef>
+              <a:fontRef idx="minor">
+                <a:schemeClr val="lt1"/>
+              </a:fontRef>
+            </p:style>
+            <p:txBody>
+              <a:bodyPr rtlCol="0" anchor="ctr"/>
+              <a:lstStyle/>
+              <a:p>
+                <a:pPr algn="ctr"/>
+                <a:r>
+                  <a:rPr lang="en-US" sz="1600" dirty="0">
+                    <a:solidFill>
+                      <a:schemeClr val="tx1"/>
+                    </a:solidFill>
+                  </a:rPr>
+                  <a:t>7</a:t>
+                </a:r>
+              </a:p>
+            </p:txBody>
+          </p:sp>
+          <p:sp>
+            <p:nvSpPr>
+              <p:cNvPr id="21" name="Oval 20">
+                <a:extLst>
+                  <a:ext uri="{FF2B5EF4-FFF2-40B4-BE49-F238E27FC236}">
+                    <a16:creationId xmlns:a16="http://schemas.microsoft.com/office/drawing/2014/main" id="{CBA965E1-02F9-0D46-B490-38F60F2CEADA}"/>
+                  </a:ext>
+                </a:extLst>
+              </p:cNvPr>
+              <p:cNvSpPr>
+                <a:spLocks noChangeAspect="1"/>
+              </p:cNvSpPr>
+              <p:nvPr/>
+            </p:nvSpPr>
+            <p:spPr>
+              <a:xfrm>
+                <a:off x="5454863" y="3699307"/>
+                <a:ext cx="274320" cy="274320"/>
+              </a:xfrm>
+              <a:prstGeom prst="ellipse">
+                <a:avLst/>
+              </a:prstGeom>
+              <a:solidFill>
+                <a:srgbClr val="FF0000"/>
+              </a:solidFill>
+              <a:ln w="19050">
+                <a:solidFill>
+                  <a:schemeClr val="tx1"/>
+                </a:solidFill>
+              </a:ln>
+            </p:spPr>
+            <p:style>
+              <a:lnRef idx="2">
+                <a:schemeClr val="accent1">
+                  <a:shade val="50000"/>
+                </a:schemeClr>
+              </a:lnRef>
+              <a:fillRef idx="1">
+                <a:schemeClr val="accent1"/>
+              </a:fillRef>
+              <a:effectRef idx="0">
+                <a:schemeClr val="accent1"/>
+              </a:effectRef>
+              <a:fontRef idx="minor">
+                <a:schemeClr val="lt1"/>
+              </a:fontRef>
+            </p:style>
+            <p:txBody>
+              <a:bodyPr rtlCol="0" anchor="ctr"/>
+              <a:lstStyle/>
+              <a:p>
+                <a:pPr algn="ctr"/>
+                <a:r>
+                  <a:rPr lang="en-US" sz="1600" dirty="0">
+                    <a:solidFill>
+                      <a:schemeClr val="tx1"/>
+                    </a:solidFill>
+                  </a:rPr>
+                  <a:t>4</a:t>
+                </a:r>
+              </a:p>
+            </p:txBody>
+          </p:sp>
+          <p:sp>
+            <p:nvSpPr>
+              <p:cNvPr id="22" name="Oval 21">
+                <a:extLst>
+                  <a:ext uri="{FF2B5EF4-FFF2-40B4-BE49-F238E27FC236}">
+                    <a16:creationId xmlns:a16="http://schemas.microsoft.com/office/drawing/2014/main" id="{D605FD79-0CDA-9B49-AA07-F8C24B3F0080}"/>
+                  </a:ext>
+                </a:extLst>
+              </p:cNvPr>
+              <p:cNvSpPr>
+                <a:spLocks noChangeAspect="1"/>
+              </p:cNvSpPr>
+              <p:nvPr/>
+            </p:nvSpPr>
+            <p:spPr>
+              <a:xfrm>
+                <a:off x="4115223" y="2476030"/>
+                <a:ext cx="274320" cy="274320"/>
+              </a:xfrm>
+              <a:prstGeom prst="ellipse">
+                <a:avLst/>
+              </a:prstGeom>
+              <a:solidFill>
+                <a:srgbClr val="92D050"/>
+              </a:solidFill>
+              <a:ln w="19050">
+                <a:solidFill>
+                  <a:schemeClr val="tx1"/>
+                </a:solidFill>
+              </a:ln>
+            </p:spPr>
+            <p:style>
+              <a:lnRef idx="2">
+                <a:schemeClr val="accent1">
+                  <a:shade val="50000"/>
+                </a:schemeClr>
+              </a:lnRef>
+              <a:fillRef idx="1">
+                <a:schemeClr val="accent1"/>
+              </a:fillRef>
+              <a:effectRef idx="0">
+                <a:schemeClr val="accent1"/>
+              </a:effectRef>
+              <a:fontRef idx="minor">
+                <a:schemeClr val="lt1"/>
+              </a:fontRef>
+            </p:style>
+            <p:txBody>
+              <a:bodyPr rtlCol="0" anchor="ctr"/>
+              <a:lstStyle/>
+              <a:p>
+                <a:pPr algn="ctr"/>
+                <a:r>
+                  <a:rPr lang="en-US" sz="1600" dirty="0">
+                    <a:solidFill>
+                      <a:schemeClr val="tx1"/>
+                    </a:solidFill>
+                  </a:rPr>
+                  <a:t>8</a:t>
+                </a:r>
+              </a:p>
+            </p:txBody>
+          </p:sp>
+          <p:sp>
+            <p:nvSpPr>
+              <p:cNvPr id="23" name="Oval 22">
+                <a:extLst>
+                  <a:ext uri="{FF2B5EF4-FFF2-40B4-BE49-F238E27FC236}">
+                    <a16:creationId xmlns:a16="http://schemas.microsoft.com/office/drawing/2014/main" id="{EE9EE2A8-551A-9F44-ACE0-89E57BB6CBA6}"/>
+                  </a:ext>
+                </a:extLst>
+              </p:cNvPr>
+              <p:cNvSpPr>
+                <a:spLocks noChangeAspect="1"/>
+              </p:cNvSpPr>
+              <p:nvPr/>
+            </p:nvSpPr>
+            <p:spPr>
+              <a:xfrm>
+                <a:off x="5445973" y="2476030"/>
+                <a:ext cx="274320" cy="274320"/>
+              </a:xfrm>
+              <a:prstGeom prst="ellipse">
+                <a:avLst/>
+              </a:prstGeom>
+              <a:solidFill>
+                <a:srgbClr val="92D050"/>
+              </a:solidFill>
+              <a:ln w="19050">
+                <a:solidFill>
+                  <a:schemeClr val="tx1"/>
+                </a:solidFill>
+              </a:ln>
+            </p:spPr>
+            <p:style>
+              <a:lnRef idx="2">
+                <a:schemeClr val="accent1">
+                  <a:shade val="50000"/>
+                </a:schemeClr>
+              </a:lnRef>
+              <a:fillRef idx="1">
+                <a:schemeClr val="accent1"/>
+              </a:fillRef>
+              <a:effectRef idx="0">
+                <a:schemeClr val="accent1"/>
+              </a:effectRef>
+              <a:fontRef idx="minor">
+                <a:schemeClr val="lt1"/>
+              </a:fontRef>
+            </p:style>
+            <p:txBody>
+              <a:bodyPr rtlCol="0" anchor="ctr"/>
+              <a:lstStyle/>
+              <a:p>
+                <a:pPr algn="ctr"/>
+                <a:r>
+                  <a:rPr lang="en-US" sz="1600" dirty="0">
+                    <a:solidFill>
+                      <a:schemeClr val="tx1"/>
+                    </a:solidFill>
+                  </a:rPr>
+                  <a:t>9</a:t>
+                </a:r>
+              </a:p>
+            </p:txBody>
+          </p:sp>
+          <p:sp>
+            <p:nvSpPr>
+              <p:cNvPr id="24" name="Oval 23">
+                <a:extLst>
+                  <a:ext uri="{FF2B5EF4-FFF2-40B4-BE49-F238E27FC236}">
+                    <a16:creationId xmlns:a16="http://schemas.microsoft.com/office/drawing/2014/main" id="{12D97A83-020A-D943-8AB5-C8ED226EF81F}"/>
+                  </a:ext>
+                </a:extLst>
+              </p:cNvPr>
+              <p:cNvSpPr>
+                <a:spLocks noChangeAspect="1"/>
+              </p:cNvSpPr>
+              <p:nvPr/>
+            </p:nvSpPr>
+            <p:spPr>
+              <a:xfrm>
+                <a:off x="6642083" y="2476030"/>
+                <a:ext cx="274320" cy="274320"/>
+              </a:xfrm>
+              <a:prstGeom prst="ellipse">
+                <a:avLst/>
+              </a:prstGeom>
+              <a:solidFill>
+                <a:srgbClr val="92D050"/>
+              </a:solidFill>
+              <a:ln w="19050">
+                <a:solidFill>
+                  <a:schemeClr val="tx1"/>
+                </a:solidFill>
+              </a:ln>
+            </p:spPr>
+            <p:style>
+              <a:lnRef idx="2">
+                <a:schemeClr val="accent1">
+                  <a:shade val="50000"/>
+                </a:schemeClr>
+              </a:lnRef>
+              <a:fillRef idx="1">
+                <a:schemeClr val="accent1"/>
+              </a:fillRef>
+              <a:effectRef idx="0">
+                <a:schemeClr val="accent1"/>
+              </a:effectRef>
+              <a:fontRef idx="minor">
+                <a:schemeClr val="lt1"/>
+              </a:fontRef>
+            </p:style>
+            <p:txBody>
+              <a:bodyPr rtlCol="0" anchor="ctr"/>
+              <a:lstStyle/>
+              <a:p>
+                <a:pPr algn="ctr"/>
+                <a:endParaRPr lang="en-US" sz="1600" dirty="0">
+                  <a:solidFill>
+                    <a:schemeClr val="accent1">
+                      <a:lumMod val="50000"/>
+                    </a:schemeClr>
+                  </a:solidFill>
+                </a:endParaRPr>
+              </a:p>
+            </p:txBody>
+          </p:sp>
+          <p:sp>
+            <p:nvSpPr>
+              <p:cNvPr id="25" name="Oval 24">
+                <a:extLst>
+                  <a:ext uri="{FF2B5EF4-FFF2-40B4-BE49-F238E27FC236}">
+                    <a16:creationId xmlns:a16="http://schemas.microsoft.com/office/drawing/2014/main" id="{E996C555-8030-6347-BAF6-0B01C25C82F7}"/>
+                  </a:ext>
+                </a:extLst>
+              </p:cNvPr>
+              <p:cNvSpPr>
+                <a:spLocks noChangeAspect="1"/>
+              </p:cNvSpPr>
+              <p:nvPr/>
+            </p:nvSpPr>
+            <p:spPr>
+              <a:xfrm>
+                <a:off x="6655927" y="1525547"/>
+                <a:ext cx="274320" cy="274320"/>
+              </a:xfrm>
+              <a:prstGeom prst="ellipse">
+                <a:avLst/>
+              </a:prstGeom>
+              <a:solidFill>
+                <a:srgbClr val="92D050"/>
+              </a:solidFill>
+              <a:ln w="19050">
+                <a:solidFill>
+                  <a:schemeClr val="tx1"/>
+                </a:solidFill>
+              </a:ln>
+            </p:spPr>
+            <p:style>
+              <a:lnRef idx="2">
+                <a:schemeClr val="accent1">
+                  <a:shade val="50000"/>
+                </a:schemeClr>
+              </a:lnRef>
+              <a:fillRef idx="1">
+                <a:schemeClr val="accent1"/>
+              </a:fillRef>
+              <a:effectRef idx="0">
+                <a:schemeClr val="accent1"/>
+              </a:effectRef>
+              <a:fontRef idx="minor">
+                <a:schemeClr val="lt1"/>
+              </a:fontRef>
+            </p:style>
+            <p:txBody>
+              <a:bodyPr rtlCol="0" anchor="ctr"/>
+              <a:lstStyle/>
+              <a:p>
+                <a:pPr algn="ctr"/>
+                <a:endParaRPr lang="en-US" sz="1600" dirty="0">
+                  <a:solidFill>
+                    <a:schemeClr val="accent1">
+                      <a:lumMod val="50000"/>
+                    </a:schemeClr>
+                  </a:solidFill>
+                </a:endParaRPr>
+              </a:p>
+            </p:txBody>
+          </p:sp>
+          <p:sp>
+            <p:nvSpPr>
+              <p:cNvPr id="26" name="Oval 25">
+                <a:extLst>
+                  <a:ext uri="{FF2B5EF4-FFF2-40B4-BE49-F238E27FC236}">
+                    <a16:creationId xmlns:a16="http://schemas.microsoft.com/office/drawing/2014/main" id="{D06C15AE-CCF3-AA4E-9447-7CE387C7D9EE}"/>
+                  </a:ext>
+                </a:extLst>
+              </p:cNvPr>
+              <p:cNvSpPr>
+                <a:spLocks noChangeAspect="1"/>
+              </p:cNvSpPr>
+              <p:nvPr/>
+            </p:nvSpPr>
+            <p:spPr>
+              <a:xfrm>
+                <a:off x="6639563" y="3699307"/>
+                <a:ext cx="274320" cy="274320"/>
+              </a:xfrm>
+              <a:prstGeom prst="ellipse">
+                <a:avLst/>
+              </a:prstGeom>
+              <a:solidFill>
+                <a:srgbClr val="92D050"/>
+              </a:solidFill>
+              <a:ln w="19050">
+                <a:solidFill>
+                  <a:schemeClr val="tx1"/>
+                </a:solidFill>
+              </a:ln>
+            </p:spPr>
+            <p:style>
+              <a:lnRef idx="2">
+                <a:schemeClr val="accent1">
+                  <a:shade val="50000"/>
+                </a:schemeClr>
+              </a:lnRef>
+              <a:fillRef idx="1">
+                <a:schemeClr val="accent1"/>
+              </a:fillRef>
+              <a:effectRef idx="0">
+                <a:schemeClr val="accent1"/>
+              </a:effectRef>
+              <a:fontRef idx="minor">
+                <a:schemeClr val="lt1"/>
+              </a:fontRef>
+            </p:style>
+            <p:txBody>
+              <a:bodyPr rtlCol="0" anchor="ctr"/>
+              <a:lstStyle/>
+              <a:p>
+                <a:pPr algn="ctr"/>
+                <a:r>
+                  <a:rPr lang="en-US" sz="1600" dirty="0">
+                    <a:solidFill>
+                      <a:schemeClr val="tx1"/>
+                    </a:solidFill>
+                  </a:rPr>
+                  <a:t>5</a:t>
+                </a:r>
+              </a:p>
+            </p:txBody>
+          </p:sp>
+          <p:sp>
+            <p:nvSpPr>
+              <p:cNvPr id="27" name="Oval 26">
+                <a:extLst>
+                  <a:ext uri="{FF2B5EF4-FFF2-40B4-BE49-F238E27FC236}">
+                    <a16:creationId xmlns:a16="http://schemas.microsoft.com/office/drawing/2014/main" id="{FA27BA25-293D-BD42-9CE2-0E90C15FAAB1}"/>
+                  </a:ext>
+                </a:extLst>
+              </p:cNvPr>
+              <p:cNvSpPr>
+                <a:spLocks noChangeAspect="1"/>
+              </p:cNvSpPr>
+              <p:nvPr/>
+            </p:nvSpPr>
+            <p:spPr>
+              <a:xfrm>
+                <a:off x="1166068" y="2476030"/>
+                <a:ext cx="274320" cy="274320"/>
+              </a:xfrm>
+              <a:prstGeom prst="ellipse">
+                <a:avLst/>
+              </a:prstGeom>
+              <a:solidFill>
+                <a:srgbClr val="FFFF00"/>
+              </a:solidFill>
+              <a:ln w="19050">
+                <a:solidFill>
+                  <a:schemeClr val="tx1"/>
+                </a:solidFill>
+              </a:ln>
+            </p:spPr>
+            <p:style>
+              <a:lnRef idx="2">
+                <a:schemeClr val="accent1">
+                  <a:shade val="50000"/>
+                </a:schemeClr>
+              </a:lnRef>
+              <a:fillRef idx="1">
+                <a:schemeClr val="accent1"/>
+              </a:fillRef>
+              <a:effectRef idx="0">
+                <a:schemeClr val="accent1"/>
+              </a:effectRef>
+              <a:fontRef idx="minor">
+                <a:schemeClr val="lt1"/>
+              </a:fontRef>
+            </p:style>
+            <p:txBody>
+              <a:bodyPr rtlCol="0" anchor="ctr"/>
+              <a:lstStyle/>
+              <a:p>
+                <a:pPr algn="ctr"/>
+                <a:r>
+                  <a:rPr lang="en-US" sz="1600" dirty="0">
+                    <a:solidFill>
+                      <a:schemeClr val="tx1"/>
+                    </a:solidFill>
+                  </a:rPr>
+                  <a:t>6</a:t>
+                </a:r>
+              </a:p>
+            </p:txBody>
+          </p:sp>
+          <p:cxnSp>
+            <p:nvCxnSpPr>
+              <p:cNvPr id="28" name="Straight Connector 27">
+                <a:extLst>
+                  <a:ext uri="{FF2B5EF4-FFF2-40B4-BE49-F238E27FC236}">
+                    <a16:creationId xmlns:a16="http://schemas.microsoft.com/office/drawing/2014/main" id="{42A1A01F-15D7-2B4F-BD4E-E17DFAF9B79C}"/>
+                  </a:ext>
+                </a:extLst>
+              </p:cNvPr>
+              <p:cNvCxnSpPr>
+                <a:stCxn id="20" idx="2"/>
+                <a:endCxn id="27" idx="6"/>
+              </p:cNvCxnSpPr>
+              <p:nvPr/>
+            </p:nvCxnSpPr>
+            <p:spPr>
+              <a:xfrm flipH="1">
+                <a:off x="1440388" y="2613190"/>
+                <a:ext cx="1206925" cy="0"/>
+              </a:xfrm>
+              <a:prstGeom prst="line">
+                <a:avLst/>
+              </a:prstGeom>
+              <a:ln w="38100">
+                <a:solidFill>
+                  <a:schemeClr val="tx1"/>
+                </a:solidFill>
+              </a:ln>
+            </p:spPr>
+            <p:style>
+              <a:lnRef idx="1">
+                <a:schemeClr val="accent1"/>
+              </a:lnRef>
+              <a:fillRef idx="0">
+                <a:schemeClr val="accent1"/>
+              </a:fillRef>
+              <a:effectRef idx="0">
+                <a:schemeClr val="accent1"/>
+              </a:effectRef>
+              <a:fontRef idx="minor">
+                <a:schemeClr val="tx1"/>
+              </a:fontRef>
+            </p:style>
+          </p:cxnSp>
+        </p:grpSp>
+        <p:sp>
+          <p:nvSpPr>
+            <p:cNvPr id="29" name="TextBox 28">
+              <a:extLst>
+                <a:ext uri="{FF2B5EF4-FFF2-40B4-BE49-F238E27FC236}">
+                  <a16:creationId xmlns:a16="http://schemas.microsoft.com/office/drawing/2014/main" id="{073C9CB1-2C0D-EB4A-B4A6-5B6CCE22A95C}"/>
+                </a:ext>
+              </a:extLst>
+            </p:cNvPr>
+            <p:cNvSpPr txBox="1"/>
+            <p:nvPr/>
+          </p:nvSpPr>
+          <p:spPr>
+            <a:xfrm>
+              <a:off x="6580195" y="2437234"/>
+              <a:ext cx="393056" cy="338554"/>
+            </a:xfrm>
+            <a:prstGeom prst="rect">
+              <a:avLst/>
+            </a:prstGeom>
+            <a:noFill/>
+          </p:spPr>
+          <p:txBody>
+            <a:bodyPr wrap="none" rtlCol="0">
+              <a:spAutoFit/>
+            </a:bodyPr>
+            <a:lstStyle/>
+            <a:p>
+              <a:r>
+                <a:rPr lang="en-US" sz="1600" dirty="0"/>
+                <a:t>10</a:t>
+              </a:r>
+            </a:p>
+          </p:txBody>
+        </p:sp>
+        <p:sp>
+          <p:nvSpPr>
+            <p:cNvPr id="30" name="TextBox 29">
+              <a:extLst>
+                <a:ext uri="{FF2B5EF4-FFF2-40B4-BE49-F238E27FC236}">
+                  <a16:creationId xmlns:a16="http://schemas.microsoft.com/office/drawing/2014/main" id="{57471299-E7FE-E244-9FC6-018560FFDB27}"/>
+                </a:ext>
+              </a:extLst>
+            </p:cNvPr>
+            <p:cNvSpPr txBox="1"/>
+            <p:nvPr/>
+          </p:nvSpPr>
+          <p:spPr>
+            <a:xfrm>
+              <a:off x="6594039" y="1487042"/>
+              <a:ext cx="393056" cy="338554"/>
+            </a:xfrm>
+            <a:prstGeom prst="rect">
+              <a:avLst/>
+            </a:prstGeom>
+            <a:noFill/>
+          </p:spPr>
+          <p:txBody>
+            <a:bodyPr wrap="none" rtlCol="0">
+              <a:spAutoFit/>
+            </a:bodyPr>
+            <a:lstStyle/>
+            <a:p>
+              <a:r>
+                <a:rPr lang="en-US" sz="1600" dirty="0"/>
+                <a:t>11</a:t>
+              </a:r>
+            </a:p>
+          </p:txBody>
+        </p:sp>
+      </p:grpSp>
+    </p:spTree>
+    <p:extLst>
+      <p:ext uri="{BB962C8B-B14F-4D97-AF65-F5344CB8AC3E}">
+        <p14:creationId xmlns:p14="http://schemas.microsoft.com/office/powerpoint/2010/main" val="2833421994"/>
+      </p:ext>
+    </p:extLst>
+  </p:cSld>
+  <p:clrMapOvr>
+    <a:masterClrMapping/>
+  </p:clrMapOvr>
+</p:sld>
+</file>
+
+<file path=ppt/slides/slide13.xml><?xml version="1.0" encoding="utf-8"?>
+<p:sld xmlns:a="http://schemas.openxmlformats.org/drawingml/2006/main" xmlns:r="http://schemas.openxmlformats.org/officeDocument/2006/relationships" xmlns:p="http://schemas.openxmlformats.org/presentationml/2006/main">
+  <p:cSld>
+    <p:spTree>
+      <p:nvGrpSpPr>
+        <p:cNvPr id="1" name=""/>
+        <p:cNvGrpSpPr/>
+        <p:nvPr/>
+      </p:nvGrpSpPr>
+      <p:grpSpPr>
+        <a:xfrm>
+          <a:off x="0" y="0"/>
+          <a:ext cx="0" cy="0"/>
+          <a:chOff x="0" y="0"/>
+          <a:chExt cx="0" cy="0"/>
+        </a:xfrm>
+      </p:grpSpPr>
+      <p:sp>
+        <p:nvSpPr>
+          <p:cNvPr id="2" name="Title 1">
+            <a:extLst>
+              <a:ext uri="{FF2B5EF4-FFF2-40B4-BE49-F238E27FC236}">
+                <a16:creationId xmlns:a16="http://schemas.microsoft.com/office/drawing/2014/main" id="{18F54CCD-1A48-D542-A4BC-62CD0A870A35}"/>
+              </a:ext>
+            </a:extLst>
+          </p:cNvPr>
+          <p:cNvSpPr>
+            <a:spLocks noGrp="1"/>
+          </p:cNvSpPr>
+          <p:nvPr>
+            <p:ph type="title"/>
+          </p:nvPr>
+        </p:nvSpPr>
+        <p:spPr/>
+        <p:txBody>
+          <a:bodyPr/>
+          <a:lstStyle/>
+          <a:p>
+            <a:r>
+              <a:rPr lang="en-US" dirty="0"/>
+              <a:t>Navigation Problem</a:t>
+            </a:r>
+          </a:p>
+        </p:txBody>
+      </p:sp>
+      <p:sp>
+        <p:nvSpPr>
+          <p:cNvPr id="3" name="Text Placeholder 2">
+            <a:extLst>
+              <a:ext uri="{FF2B5EF4-FFF2-40B4-BE49-F238E27FC236}">
+                <a16:creationId xmlns:a16="http://schemas.microsoft.com/office/drawing/2014/main" id="{6A91A0FE-C817-7249-99B7-1CEB47243441}"/>
+              </a:ext>
+            </a:extLst>
+          </p:cNvPr>
+          <p:cNvSpPr>
+            <a:spLocks noGrp="1"/>
+          </p:cNvSpPr>
+          <p:nvPr>
+            <p:ph type="body" idx="1"/>
+          </p:nvPr>
+        </p:nvSpPr>
+        <p:spPr/>
+        <p:txBody>
+          <a:bodyPr/>
+          <a:lstStyle/>
+          <a:p>
+            <a:endParaRPr lang="en-US"/>
+          </a:p>
+        </p:txBody>
+      </p:sp>
+    </p:spTree>
+    <p:extLst>
+      <p:ext uri="{BB962C8B-B14F-4D97-AF65-F5344CB8AC3E}">
+        <p14:creationId xmlns:p14="http://schemas.microsoft.com/office/powerpoint/2010/main" val="3367718808"/>
+      </p:ext>
+    </p:extLst>
+  </p:cSld>
+  <p:clrMapOvr>
+    <a:masterClrMapping/>
+  </p:clrMapOvr>
+</p:sld>
+</file>
+
+<file path=ppt/slides/slide14.xml><?xml version="1.0" encoding="utf-8"?>
+<p:sld xmlns:a="http://schemas.openxmlformats.org/drawingml/2006/main" xmlns:r="http://schemas.openxmlformats.org/officeDocument/2006/relationships" xmlns:p="http://schemas.openxmlformats.org/presentationml/2006/main">
+  <p:cSld>
+    <p:spTree>
+      <p:nvGrpSpPr>
+        <p:cNvPr id="1" name=""/>
+        <p:cNvGrpSpPr/>
+        <p:nvPr/>
+      </p:nvGrpSpPr>
+      <p:grpSpPr>
+        <a:xfrm>
+          <a:off x="0" y="0"/>
+          <a:ext cx="0" cy="0"/>
+          <a:chOff x="0" y="0"/>
+          <a:chExt cx="0" cy="0"/>
+        </a:xfrm>
+      </p:grpSpPr>
       <p:pic>
         <p:nvPicPr>
           <p:cNvPr id="2" name="Picture 1">
@@ -4553,7 +6523,7 @@
 </p:sld>
 </file>
 
-<file path=ppt/slides/slide11.xml><?xml version="1.0" encoding="utf-8"?>
+<file path=ppt/slides/slide15.xml><?xml version="1.0" encoding="utf-8"?>
 <p:sld xmlns:a="http://schemas.openxmlformats.org/drawingml/2006/main" xmlns:r="http://schemas.openxmlformats.org/officeDocument/2006/relationships" xmlns:p="http://schemas.openxmlformats.org/presentationml/2006/main">
   <p:cSld>
     <p:spTree>
@@ -6060,7 +8030,90 @@
 </p:sld>
 </file>
 
-<file path=ppt/slides/slide12.xml><?xml version="1.0" encoding="utf-8"?>
+<file path=ppt/slides/slide16.xml><?xml version="1.0" encoding="utf-8"?>
+<p:sld xmlns:a="http://schemas.openxmlformats.org/drawingml/2006/main" xmlns:r="http://schemas.openxmlformats.org/officeDocument/2006/relationships" xmlns:p="http://schemas.openxmlformats.org/presentationml/2006/main">
+  <p:cSld>
+    <p:spTree>
+      <p:nvGrpSpPr>
+        <p:cNvPr id="1" name=""/>
+        <p:cNvGrpSpPr/>
+        <p:nvPr/>
+      </p:nvGrpSpPr>
+      <p:grpSpPr>
+        <a:xfrm>
+          <a:off x="0" y="0"/>
+          <a:ext cx="0" cy="0"/>
+          <a:chOff x="0" y="0"/>
+          <a:chExt cx="0" cy="0"/>
+        </a:xfrm>
+      </p:grpSpPr>
+      <p:sp>
+        <p:nvSpPr>
+          <p:cNvPr id="2" name="Title 1">
+            <a:extLst>
+              <a:ext uri="{FF2B5EF4-FFF2-40B4-BE49-F238E27FC236}">
+                <a16:creationId xmlns:a16="http://schemas.microsoft.com/office/drawing/2014/main" id="{01A5DC5F-AFF6-4247-8FB4-259AB26ABFB8}"/>
+              </a:ext>
+            </a:extLst>
+          </p:cNvPr>
+          <p:cNvSpPr>
+            <a:spLocks noGrp="1"/>
+          </p:cNvSpPr>
+          <p:nvPr>
+            <p:ph type="title"/>
+          </p:nvPr>
+        </p:nvSpPr>
+        <p:spPr/>
+        <p:txBody>
+          <a:bodyPr/>
+          <a:lstStyle/>
+          <a:p>
+            <a:r>
+              <a:rPr lang="en-US" dirty="0"/>
+              <a:t>Navigation Plans</a:t>
+            </a:r>
+          </a:p>
+        </p:txBody>
+      </p:sp>
+      <p:sp>
+        <p:nvSpPr>
+          <p:cNvPr id="3" name="Text Placeholder 2">
+            <a:extLst>
+              <a:ext uri="{FF2B5EF4-FFF2-40B4-BE49-F238E27FC236}">
+                <a16:creationId xmlns:a16="http://schemas.microsoft.com/office/drawing/2014/main" id="{AA792C8E-8E58-D64A-9E40-C67BB3249EC3}"/>
+              </a:ext>
+            </a:extLst>
+          </p:cNvPr>
+          <p:cNvSpPr>
+            <a:spLocks noGrp="1"/>
+          </p:cNvSpPr>
+          <p:nvPr>
+            <p:ph type="body" idx="1"/>
+          </p:nvPr>
+        </p:nvSpPr>
+        <p:spPr/>
+        <p:txBody>
+          <a:bodyPr/>
+          <a:lstStyle/>
+          <a:p>
+            <a:endParaRPr lang="en-US"/>
+          </a:p>
+        </p:txBody>
+      </p:sp>
+    </p:spTree>
+    <p:extLst>
+      <p:ext uri="{BB962C8B-B14F-4D97-AF65-F5344CB8AC3E}">
+        <p14:creationId xmlns:p14="http://schemas.microsoft.com/office/powerpoint/2010/main" val="1385549273"/>
+      </p:ext>
+    </p:extLst>
+  </p:cSld>
+  <p:clrMapOvr>
+    <a:masterClrMapping/>
+  </p:clrMapOvr>
+</p:sld>
+</file>
+
+<file path=ppt/slides/slide17.xml><?xml version="1.0" encoding="utf-8"?>
 <p:sld xmlns:a="http://schemas.openxmlformats.org/drawingml/2006/main" xmlns:r="http://schemas.openxmlformats.org/officeDocument/2006/relationships" xmlns:p="http://schemas.openxmlformats.org/presentationml/2006/main">
   <p:cSld>
     <p:spTree>
@@ -7269,7 +9322,7 @@
 </p:sld>
 </file>
 
-<file path=ppt/slides/slide13.xml><?xml version="1.0" encoding="utf-8"?>
+<file path=ppt/slides/slide18.xml><?xml version="1.0" encoding="utf-8"?>
 <p:sld xmlns:a="http://schemas.openxmlformats.org/drawingml/2006/main" xmlns:r="http://schemas.openxmlformats.org/officeDocument/2006/relationships" xmlns:p="http://schemas.openxmlformats.org/presentationml/2006/main">
   <p:cSld>
     <p:spTree>
@@ -8784,7 +10837,7 @@
 </p:sld>
 </file>
 
-<file path=ppt/slides/slide14.xml><?xml version="1.0" encoding="utf-8"?>
+<file path=ppt/slides/slide19.xml><?xml version="1.0" encoding="utf-8"?>
 <p:sld xmlns:a="http://schemas.openxmlformats.org/drawingml/2006/main" xmlns:r="http://schemas.openxmlformats.org/officeDocument/2006/relationships" xmlns:p="http://schemas.openxmlformats.org/presentationml/2006/main">
   <p:cSld>
     <p:spTree>
@@ -10082,7 +12135,1381 @@
 </p:sld>
 </file>
 
-<file path=ppt/slides/slide15.xml><?xml version="1.0" encoding="utf-8"?>
+<file path=ppt/slides/slide2.xml><?xml version="1.0" encoding="utf-8"?>
+<p:sld xmlns:a="http://schemas.openxmlformats.org/drawingml/2006/main" xmlns:r="http://schemas.openxmlformats.org/officeDocument/2006/relationships" xmlns:p="http://schemas.openxmlformats.org/presentationml/2006/main">
+  <p:cSld>
+    <p:spTree>
+      <p:nvGrpSpPr>
+        <p:cNvPr id="1" name=""/>
+        <p:cNvGrpSpPr/>
+        <p:nvPr/>
+      </p:nvGrpSpPr>
+      <p:grpSpPr>
+        <a:xfrm>
+          <a:off x="0" y="0"/>
+          <a:ext cx="0" cy="0"/>
+          <a:chOff x="0" y="0"/>
+          <a:chExt cx="0" cy="0"/>
+        </a:xfrm>
+      </p:grpSpPr>
+      <p:pic>
+        <p:nvPicPr>
+          <p:cNvPr id="2" name="Picture 1">
+            <a:extLst>
+              <a:ext uri="{FF2B5EF4-FFF2-40B4-BE49-F238E27FC236}">
+                <a16:creationId xmlns:a16="http://schemas.microsoft.com/office/drawing/2014/main" id="{B9543674-1075-E64E-BD53-00D43A425989}"/>
+              </a:ext>
+            </a:extLst>
+          </p:cNvPr>
+          <p:cNvPicPr>
+            <a:picLocks noChangeAspect="1"/>
+          </p:cNvPicPr>
+          <p:nvPr/>
+        </p:nvPicPr>
+        <p:blipFill rotWithShape="1">
+          <a:blip r:embed="rId2"/>
+          <a:srcRect t="8798" r="51455" b="56701"/>
+          <a:stretch/>
+        </p:blipFill>
+        <p:spPr>
+          <a:xfrm>
+            <a:off x="330837" y="1416744"/>
+            <a:ext cx="6645135" cy="3657600"/>
+          </a:xfrm>
+          <a:prstGeom prst="rect">
+            <a:avLst/>
+          </a:prstGeom>
+        </p:spPr>
+      </p:pic>
+      <p:grpSp>
+        <p:nvGrpSpPr>
+          <p:cNvPr id="3" name="Group 2">
+            <a:extLst>
+              <a:ext uri="{FF2B5EF4-FFF2-40B4-BE49-F238E27FC236}">
+                <a16:creationId xmlns:a16="http://schemas.microsoft.com/office/drawing/2014/main" id="{EAED604A-A2AE-534A-B530-A38B7EC8A3FA}"/>
+              </a:ext>
+            </a:extLst>
+          </p:cNvPr>
+          <p:cNvGrpSpPr/>
+          <p:nvPr/>
+        </p:nvGrpSpPr>
+        <p:grpSpPr>
+          <a:xfrm>
+            <a:off x="1166068" y="1487042"/>
+            <a:ext cx="5821027" cy="2486585"/>
+            <a:chOff x="1166068" y="1487042"/>
+            <a:chExt cx="5821027" cy="2486585"/>
+          </a:xfrm>
+        </p:grpSpPr>
+        <p:grpSp>
+          <p:nvGrpSpPr>
+            <p:cNvPr id="4" name="Group 3">
+              <a:extLst>
+                <a:ext uri="{FF2B5EF4-FFF2-40B4-BE49-F238E27FC236}">
+                  <a16:creationId xmlns:a16="http://schemas.microsoft.com/office/drawing/2014/main" id="{9EEB7AD3-0009-4149-9278-090DFA1A3F5E}"/>
+                </a:ext>
+              </a:extLst>
+            </p:cNvPr>
+            <p:cNvGrpSpPr/>
+            <p:nvPr/>
+          </p:nvGrpSpPr>
+          <p:grpSpPr>
+            <a:xfrm>
+              <a:off x="1166068" y="1525547"/>
+              <a:ext cx="5764179" cy="2448080"/>
+              <a:chOff x="1166068" y="1525547"/>
+              <a:chExt cx="5764179" cy="2448080"/>
+            </a:xfrm>
+          </p:grpSpPr>
+          <p:sp>
+            <p:nvSpPr>
+              <p:cNvPr id="7" name="Oval 6">
+                <a:extLst>
+                  <a:ext uri="{FF2B5EF4-FFF2-40B4-BE49-F238E27FC236}">
+                    <a16:creationId xmlns:a16="http://schemas.microsoft.com/office/drawing/2014/main" id="{40D36C55-111F-8A4F-ABC5-D391C395833F}"/>
+                  </a:ext>
+                </a:extLst>
+              </p:cNvPr>
+              <p:cNvSpPr>
+                <a:spLocks noChangeAspect="1"/>
+              </p:cNvSpPr>
+              <p:nvPr/>
+            </p:nvSpPr>
+            <p:spPr>
+              <a:xfrm>
+                <a:off x="1170513" y="3699307"/>
+                <a:ext cx="274320" cy="274320"/>
+              </a:xfrm>
+              <a:prstGeom prst="ellipse">
+                <a:avLst/>
+              </a:prstGeom>
+              <a:noFill/>
+              <a:ln w="19050">
+                <a:solidFill>
+                  <a:schemeClr val="tx1"/>
+                </a:solidFill>
+              </a:ln>
+            </p:spPr>
+            <p:style>
+              <a:lnRef idx="2">
+                <a:schemeClr val="accent1">
+                  <a:shade val="50000"/>
+                </a:schemeClr>
+              </a:lnRef>
+              <a:fillRef idx="1">
+                <a:schemeClr val="accent1"/>
+              </a:fillRef>
+              <a:effectRef idx="0">
+                <a:schemeClr val="accent1"/>
+              </a:effectRef>
+              <a:fontRef idx="minor">
+                <a:schemeClr val="lt1"/>
+              </a:fontRef>
+            </p:style>
+            <p:txBody>
+              <a:bodyPr rtlCol="0" anchor="ctr"/>
+              <a:lstStyle/>
+              <a:p>
+                <a:pPr algn="ctr"/>
+                <a:r>
+                  <a:rPr lang="en-US" sz="1600" dirty="0">
+                    <a:solidFill>
+                      <a:schemeClr val="tx1"/>
+                    </a:solidFill>
+                  </a:rPr>
+                  <a:t>1</a:t>
+                </a:r>
+              </a:p>
+            </p:txBody>
+          </p:sp>
+          <p:sp>
+            <p:nvSpPr>
+              <p:cNvPr id="8" name="Oval 7">
+                <a:extLst>
+                  <a:ext uri="{FF2B5EF4-FFF2-40B4-BE49-F238E27FC236}">
+                    <a16:creationId xmlns:a16="http://schemas.microsoft.com/office/drawing/2014/main" id="{9CBCBF3A-C868-664C-84C4-32ACE805CCC4}"/>
+                  </a:ext>
+                </a:extLst>
+              </p:cNvPr>
+              <p:cNvSpPr>
+                <a:spLocks noChangeAspect="1"/>
+              </p:cNvSpPr>
+              <p:nvPr/>
+            </p:nvSpPr>
+            <p:spPr>
+              <a:xfrm>
+                <a:off x="2638423" y="3699307"/>
+                <a:ext cx="274320" cy="274320"/>
+              </a:xfrm>
+              <a:prstGeom prst="ellipse">
+                <a:avLst/>
+              </a:prstGeom>
+              <a:noFill/>
+              <a:ln w="19050">
+                <a:solidFill>
+                  <a:schemeClr val="tx1"/>
+                </a:solidFill>
+              </a:ln>
+            </p:spPr>
+            <p:style>
+              <a:lnRef idx="2">
+                <a:schemeClr val="accent1">
+                  <a:shade val="50000"/>
+                </a:schemeClr>
+              </a:lnRef>
+              <a:fillRef idx="1">
+                <a:schemeClr val="accent1"/>
+              </a:fillRef>
+              <a:effectRef idx="0">
+                <a:schemeClr val="accent1"/>
+              </a:effectRef>
+              <a:fontRef idx="minor">
+                <a:schemeClr val="lt1"/>
+              </a:fontRef>
+            </p:style>
+            <p:txBody>
+              <a:bodyPr rtlCol="0" anchor="ctr"/>
+              <a:lstStyle/>
+              <a:p>
+                <a:pPr algn="ctr"/>
+                <a:r>
+                  <a:rPr lang="en-US" sz="1600" dirty="0">
+                    <a:solidFill>
+                      <a:schemeClr val="tx1"/>
+                    </a:solidFill>
+                  </a:rPr>
+                  <a:t>2</a:t>
+                </a:r>
+              </a:p>
+            </p:txBody>
+          </p:sp>
+          <p:cxnSp>
+            <p:nvCxnSpPr>
+              <p:cNvPr id="9" name="Straight Connector 8">
+                <a:extLst>
+                  <a:ext uri="{FF2B5EF4-FFF2-40B4-BE49-F238E27FC236}">
+                    <a16:creationId xmlns:a16="http://schemas.microsoft.com/office/drawing/2014/main" id="{AF8CA53E-07EE-C84A-93DB-6AD870816208}"/>
+                  </a:ext>
+                </a:extLst>
+              </p:cNvPr>
+              <p:cNvCxnSpPr>
+                <a:stCxn id="7" idx="6"/>
+                <a:endCxn id="8" idx="2"/>
+              </p:cNvCxnSpPr>
+              <p:nvPr/>
+            </p:nvCxnSpPr>
+            <p:spPr>
+              <a:xfrm>
+                <a:off x="1444833" y="3836467"/>
+                <a:ext cx="1193590" cy="0"/>
+              </a:xfrm>
+              <a:prstGeom prst="line">
+                <a:avLst/>
+              </a:prstGeom>
+              <a:ln w="38100">
+                <a:solidFill>
+                  <a:schemeClr val="tx1"/>
+                </a:solidFill>
+              </a:ln>
+            </p:spPr>
+            <p:style>
+              <a:lnRef idx="1">
+                <a:schemeClr val="accent1"/>
+              </a:lnRef>
+              <a:fillRef idx="0">
+                <a:schemeClr val="accent1"/>
+              </a:fillRef>
+              <a:effectRef idx="0">
+                <a:schemeClr val="accent1"/>
+              </a:effectRef>
+              <a:fontRef idx="minor">
+                <a:schemeClr val="tx1"/>
+              </a:fontRef>
+            </p:style>
+          </p:cxnSp>
+          <p:cxnSp>
+            <p:nvCxnSpPr>
+              <p:cNvPr id="10" name="Straight Connector 9">
+                <a:extLst>
+                  <a:ext uri="{FF2B5EF4-FFF2-40B4-BE49-F238E27FC236}">
+                    <a16:creationId xmlns:a16="http://schemas.microsoft.com/office/drawing/2014/main" id="{079ED167-2442-5845-8FAC-EA4716F444E3}"/>
+                  </a:ext>
+                </a:extLst>
+              </p:cNvPr>
+              <p:cNvCxnSpPr>
+                <a:cxnSpLocks/>
+                <a:stCxn id="8" idx="6"/>
+                <a:endCxn id="20" idx="2"/>
+              </p:cNvCxnSpPr>
+              <p:nvPr/>
+            </p:nvCxnSpPr>
+            <p:spPr>
+              <a:xfrm>
+                <a:off x="2912743" y="3836467"/>
+                <a:ext cx="1197886" cy="0"/>
+              </a:xfrm>
+              <a:prstGeom prst="line">
+                <a:avLst/>
+              </a:prstGeom>
+              <a:ln w="38100">
+                <a:solidFill>
+                  <a:schemeClr val="tx1"/>
+                </a:solidFill>
+              </a:ln>
+            </p:spPr>
+            <p:style>
+              <a:lnRef idx="1">
+                <a:schemeClr val="accent1"/>
+              </a:lnRef>
+              <a:fillRef idx="0">
+                <a:schemeClr val="accent1"/>
+              </a:fillRef>
+              <a:effectRef idx="0">
+                <a:schemeClr val="accent1"/>
+              </a:effectRef>
+              <a:fontRef idx="minor">
+                <a:schemeClr val="tx1"/>
+              </a:fontRef>
+            </p:style>
+          </p:cxnSp>
+          <p:cxnSp>
+            <p:nvCxnSpPr>
+              <p:cNvPr id="11" name="Straight Connector 10">
+                <a:extLst>
+                  <a:ext uri="{FF2B5EF4-FFF2-40B4-BE49-F238E27FC236}">
+                    <a16:creationId xmlns:a16="http://schemas.microsoft.com/office/drawing/2014/main" id="{185EA310-F972-284E-AAE4-13618FB1FEDA}"/>
+                  </a:ext>
+                </a:extLst>
+              </p:cNvPr>
+              <p:cNvCxnSpPr>
+                <a:cxnSpLocks/>
+                <a:stCxn id="20" idx="6"/>
+                <a:endCxn id="22" idx="2"/>
+              </p:cNvCxnSpPr>
+              <p:nvPr/>
+            </p:nvCxnSpPr>
+            <p:spPr>
+              <a:xfrm>
+                <a:off x="4384949" y="3836467"/>
+                <a:ext cx="1069914" cy="0"/>
+              </a:xfrm>
+              <a:prstGeom prst="line">
+                <a:avLst/>
+              </a:prstGeom>
+              <a:ln w="38100">
+                <a:solidFill>
+                  <a:schemeClr val="tx1"/>
+                </a:solidFill>
+              </a:ln>
+            </p:spPr>
+            <p:style>
+              <a:lnRef idx="1">
+                <a:schemeClr val="accent1"/>
+              </a:lnRef>
+              <a:fillRef idx="0">
+                <a:schemeClr val="accent1"/>
+              </a:fillRef>
+              <a:effectRef idx="0">
+                <a:schemeClr val="accent1"/>
+              </a:effectRef>
+              <a:fontRef idx="minor">
+                <a:schemeClr val="tx1"/>
+              </a:fontRef>
+            </p:style>
+          </p:cxnSp>
+          <p:cxnSp>
+            <p:nvCxnSpPr>
+              <p:cNvPr id="12" name="Straight Connector 11">
+                <a:extLst>
+                  <a:ext uri="{FF2B5EF4-FFF2-40B4-BE49-F238E27FC236}">
+                    <a16:creationId xmlns:a16="http://schemas.microsoft.com/office/drawing/2014/main" id="{7CA57974-D81A-F84A-AF74-ADE7B3C04D83}"/>
+                  </a:ext>
+                </a:extLst>
+              </p:cNvPr>
+              <p:cNvCxnSpPr>
+                <a:cxnSpLocks/>
+                <a:stCxn id="22" idx="6"/>
+                <a:endCxn id="27" idx="2"/>
+              </p:cNvCxnSpPr>
+              <p:nvPr/>
+            </p:nvCxnSpPr>
+            <p:spPr>
+              <a:xfrm>
+                <a:off x="5729183" y="3836467"/>
+                <a:ext cx="910380" cy="0"/>
+              </a:xfrm>
+              <a:prstGeom prst="line">
+                <a:avLst/>
+              </a:prstGeom>
+              <a:ln w="38100">
+                <a:solidFill>
+                  <a:schemeClr val="tx1"/>
+                </a:solidFill>
+              </a:ln>
+            </p:spPr>
+            <p:style>
+              <a:lnRef idx="1">
+                <a:schemeClr val="accent1"/>
+              </a:lnRef>
+              <a:fillRef idx="0">
+                <a:schemeClr val="accent1"/>
+              </a:fillRef>
+              <a:effectRef idx="0">
+                <a:schemeClr val="accent1"/>
+              </a:effectRef>
+              <a:fontRef idx="minor">
+                <a:schemeClr val="tx1"/>
+              </a:fontRef>
+            </p:style>
+          </p:cxnSp>
+          <p:cxnSp>
+            <p:nvCxnSpPr>
+              <p:cNvPr id="13" name="Straight Connector 12">
+                <a:extLst>
+                  <a:ext uri="{FF2B5EF4-FFF2-40B4-BE49-F238E27FC236}">
+                    <a16:creationId xmlns:a16="http://schemas.microsoft.com/office/drawing/2014/main" id="{C4797D9E-25F4-2341-9344-8D434475CBD7}"/>
+                  </a:ext>
+                </a:extLst>
+              </p:cNvPr>
+              <p:cNvCxnSpPr>
+                <a:cxnSpLocks/>
+                <a:stCxn id="27" idx="0"/>
+              </p:cNvCxnSpPr>
+              <p:nvPr/>
+            </p:nvCxnSpPr>
+            <p:spPr>
+              <a:xfrm flipV="1">
+                <a:off x="6776723" y="2751685"/>
+                <a:ext cx="13844" cy="947622"/>
+              </a:xfrm>
+              <a:prstGeom prst="line">
+                <a:avLst/>
+              </a:prstGeom>
+              <a:ln w="38100">
+                <a:solidFill>
+                  <a:schemeClr val="tx1"/>
+                </a:solidFill>
+              </a:ln>
+            </p:spPr>
+            <p:style>
+              <a:lnRef idx="1">
+                <a:schemeClr val="accent1"/>
+              </a:lnRef>
+              <a:fillRef idx="0">
+                <a:schemeClr val="accent1"/>
+              </a:fillRef>
+              <a:effectRef idx="0">
+                <a:schemeClr val="accent1"/>
+              </a:effectRef>
+              <a:fontRef idx="minor">
+                <a:schemeClr val="tx1"/>
+              </a:fontRef>
+            </p:style>
+          </p:cxnSp>
+          <p:cxnSp>
+            <p:nvCxnSpPr>
+              <p:cNvPr id="14" name="Straight Connector 13">
+                <a:extLst>
+                  <a:ext uri="{FF2B5EF4-FFF2-40B4-BE49-F238E27FC236}">
+                    <a16:creationId xmlns:a16="http://schemas.microsoft.com/office/drawing/2014/main" id="{9DA03483-8D11-9C46-9C23-FC9A03EB4662}"/>
+                  </a:ext>
+                </a:extLst>
+              </p:cNvPr>
+              <p:cNvCxnSpPr>
+                <a:cxnSpLocks/>
+                <a:stCxn id="25" idx="0"/>
+                <a:endCxn id="26" idx="4"/>
+              </p:cNvCxnSpPr>
+              <p:nvPr/>
+            </p:nvCxnSpPr>
+            <p:spPr>
+              <a:xfrm flipV="1">
+                <a:off x="6779243" y="1799867"/>
+                <a:ext cx="13844" cy="676163"/>
+              </a:xfrm>
+              <a:prstGeom prst="line">
+                <a:avLst/>
+              </a:prstGeom>
+              <a:ln w="38100">
+                <a:solidFill>
+                  <a:schemeClr val="tx1"/>
+                </a:solidFill>
+              </a:ln>
+            </p:spPr>
+            <p:style>
+              <a:lnRef idx="1">
+                <a:schemeClr val="accent1"/>
+              </a:lnRef>
+              <a:fillRef idx="0">
+                <a:schemeClr val="accent1"/>
+              </a:fillRef>
+              <a:effectRef idx="0">
+                <a:schemeClr val="accent1"/>
+              </a:effectRef>
+              <a:fontRef idx="minor">
+                <a:schemeClr val="tx1"/>
+              </a:fontRef>
+            </p:style>
+          </p:cxnSp>
+          <p:cxnSp>
+            <p:nvCxnSpPr>
+              <p:cNvPr id="15" name="Straight Connector 14">
+                <a:extLst>
+                  <a:ext uri="{FF2B5EF4-FFF2-40B4-BE49-F238E27FC236}">
+                    <a16:creationId xmlns:a16="http://schemas.microsoft.com/office/drawing/2014/main" id="{F9CA083A-13E3-4F46-B35B-3E21CFCAB845}"/>
+                  </a:ext>
+                </a:extLst>
+              </p:cNvPr>
+              <p:cNvCxnSpPr>
+                <a:cxnSpLocks/>
+                <a:stCxn id="25" idx="2"/>
+                <a:endCxn id="24" idx="6"/>
+              </p:cNvCxnSpPr>
+              <p:nvPr/>
+            </p:nvCxnSpPr>
+            <p:spPr>
+              <a:xfrm flipH="1">
+                <a:off x="5720293" y="2613190"/>
+                <a:ext cx="921790" cy="0"/>
+              </a:xfrm>
+              <a:prstGeom prst="line">
+                <a:avLst/>
+              </a:prstGeom>
+              <a:ln w="38100">
+                <a:solidFill>
+                  <a:schemeClr val="tx1"/>
+                </a:solidFill>
+              </a:ln>
+            </p:spPr>
+            <p:style>
+              <a:lnRef idx="1">
+                <a:schemeClr val="accent1"/>
+              </a:lnRef>
+              <a:fillRef idx="0">
+                <a:schemeClr val="accent1"/>
+              </a:fillRef>
+              <a:effectRef idx="0">
+                <a:schemeClr val="accent1"/>
+              </a:effectRef>
+              <a:fontRef idx="minor">
+                <a:schemeClr val="tx1"/>
+              </a:fontRef>
+            </p:style>
+          </p:cxnSp>
+          <p:cxnSp>
+            <p:nvCxnSpPr>
+              <p:cNvPr id="16" name="Straight Connector 15">
+                <a:extLst>
+                  <a:ext uri="{FF2B5EF4-FFF2-40B4-BE49-F238E27FC236}">
+                    <a16:creationId xmlns:a16="http://schemas.microsoft.com/office/drawing/2014/main" id="{BDDDB7A7-0D3E-994B-9F19-BD475FB496FD}"/>
+                  </a:ext>
+                </a:extLst>
+              </p:cNvPr>
+              <p:cNvCxnSpPr>
+                <a:cxnSpLocks/>
+                <a:stCxn id="24" idx="2"/>
+                <a:endCxn id="23" idx="6"/>
+              </p:cNvCxnSpPr>
+              <p:nvPr/>
+            </p:nvCxnSpPr>
+            <p:spPr>
+              <a:xfrm flipH="1">
+                <a:off x="4389543" y="2613190"/>
+                <a:ext cx="1056430" cy="0"/>
+              </a:xfrm>
+              <a:prstGeom prst="line">
+                <a:avLst/>
+              </a:prstGeom>
+              <a:ln w="38100">
+                <a:solidFill>
+                  <a:schemeClr val="tx1"/>
+                </a:solidFill>
+              </a:ln>
+            </p:spPr>
+            <p:style>
+              <a:lnRef idx="1">
+                <a:schemeClr val="accent1"/>
+              </a:lnRef>
+              <a:fillRef idx="0">
+                <a:schemeClr val="accent1"/>
+              </a:fillRef>
+              <a:effectRef idx="0">
+                <a:schemeClr val="accent1"/>
+              </a:effectRef>
+              <a:fontRef idx="minor">
+                <a:schemeClr val="tx1"/>
+              </a:fontRef>
+            </p:style>
+          </p:cxnSp>
+          <p:cxnSp>
+            <p:nvCxnSpPr>
+              <p:cNvPr id="17" name="Straight Connector 16">
+                <a:extLst>
+                  <a:ext uri="{FF2B5EF4-FFF2-40B4-BE49-F238E27FC236}">
+                    <a16:creationId xmlns:a16="http://schemas.microsoft.com/office/drawing/2014/main" id="{D5D40A4A-99E1-CE4C-9A0B-4A53F9BCDF7D}"/>
+                  </a:ext>
+                </a:extLst>
+              </p:cNvPr>
+              <p:cNvCxnSpPr>
+                <a:cxnSpLocks/>
+                <a:stCxn id="23" idx="2"/>
+                <a:endCxn id="21" idx="6"/>
+              </p:cNvCxnSpPr>
+              <p:nvPr/>
+            </p:nvCxnSpPr>
+            <p:spPr>
+              <a:xfrm flipH="1">
+                <a:off x="2921633" y="2613190"/>
+                <a:ext cx="1193590" cy="0"/>
+              </a:xfrm>
+              <a:prstGeom prst="line">
+                <a:avLst/>
+              </a:prstGeom>
+              <a:ln w="38100">
+                <a:solidFill>
+                  <a:schemeClr val="tx1"/>
+                </a:solidFill>
+              </a:ln>
+            </p:spPr>
+            <p:style>
+              <a:lnRef idx="1">
+                <a:schemeClr val="accent1"/>
+              </a:lnRef>
+              <a:fillRef idx="0">
+                <a:schemeClr val="accent1"/>
+              </a:fillRef>
+              <a:effectRef idx="0">
+                <a:schemeClr val="accent1"/>
+              </a:effectRef>
+              <a:fontRef idx="minor">
+                <a:schemeClr val="tx1"/>
+              </a:fontRef>
+            </p:style>
+          </p:cxnSp>
+          <p:cxnSp>
+            <p:nvCxnSpPr>
+              <p:cNvPr id="18" name="Straight Connector 17">
+                <a:extLst>
+                  <a:ext uri="{FF2B5EF4-FFF2-40B4-BE49-F238E27FC236}">
+                    <a16:creationId xmlns:a16="http://schemas.microsoft.com/office/drawing/2014/main" id="{1E2C0D68-E46D-1D43-861F-7A2C8545630A}"/>
+                  </a:ext>
+                </a:extLst>
+              </p:cNvPr>
+              <p:cNvCxnSpPr>
+                <a:cxnSpLocks/>
+                <a:endCxn id="8" idx="0"/>
+              </p:cNvCxnSpPr>
+              <p:nvPr/>
+            </p:nvCxnSpPr>
+            <p:spPr>
+              <a:xfrm flipH="1">
+                <a:off x="2775583" y="2751684"/>
+                <a:ext cx="8890" cy="947623"/>
+              </a:xfrm>
+              <a:prstGeom prst="line">
+                <a:avLst/>
+              </a:prstGeom>
+              <a:ln w="38100">
+                <a:solidFill>
+                  <a:schemeClr val="tx1"/>
+                </a:solidFill>
+              </a:ln>
+            </p:spPr>
+            <p:style>
+              <a:lnRef idx="1">
+                <a:schemeClr val="accent1"/>
+              </a:lnRef>
+              <a:fillRef idx="0">
+                <a:schemeClr val="accent1"/>
+              </a:fillRef>
+              <a:effectRef idx="0">
+                <a:schemeClr val="accent1"/>
+              </a:effectRef>
+              <a:fontRef idx="minor">
+                <a:schemeClr val="tx1"/>
+              </a:fontRef>
+            </p:style>
+          </p:cxnSp>
+          <p:cxnSp>
+            <p:nvCxnSpPr>
+              <p:cNvPr id="19" name="Straight Connector 18">
+                <a:extLst>
+                  <a:ext uri="{FF2B5EF4-FFF2-40B4-BE49-F238E27FC236}">
+                    <a16:creationId xmlns:a16="http://schemas.microsoft.com/office/drawing/2014/main" id="{41E854F2-1C68-2D4D-9012-2B8DFBDE731F}"/>
+                  </a:ext>
+                </a:extLst>
+              </p:cNvPr>
+              <p:cNvCxnSpPr>
+                <a:cxnSpLocks/>
+              </p:cNvCxnSpPr>
+              <p:nvPr/>
+            </p:nvCxnSpPr>
+            <p:spPr>
+              <a:xfrm>
+                <a:off x="5592023" y="2751684"/>
+                <a:ext cx="0" cy="938733"/>
+              </a:xfrm>
+              <a:prstGeom prst="line">
+                <a:avLst/>
+              </a:prstGeom>
+              <a:ln w="38100">
+                <a:solidFill>
+                  <a:schemeClr val="tx1"/>
+                </a:solidFill>
+              </a:ln>
+            </p:spPr>
+            <p:style>
+              <a:lnRef idx="1">
+                <a:schemeClr val="accent1"/>
+              </a:lnRef>
+              <a:fillRef idx="0">
+                <a:schemeClr val="accent1"/>
+              </a:fillRef>
+              <a:effectRef idx="0">
+                <a:schemeClr val="accent1"/>
+              </a:effectRef>
+              <a:fontRef idx="minor">
+                <a:schemeClr val="tx1"/>
+              </a:fontRef>
+            </p:style>
+          </p:cxnSp>
+          <p:sp>
+            <p:nvSpPr>
+              <p:cNvPr id="20" name="Oval 19">
+                <a:extLst>
+                  <a:ext uri="{FF2B5EF4-FFF2-40B4-BE49-F238E27FC236}">
+                    <a16:creationId xmlns:a16="http://schemas.microsoft.com/office/drawing/2014/main" id="{8D5D3E87-7FC4-8D43-B30D-654A2D60BC33}"/>
+                  </a:ext>
+                </a:extLst>
+              </p:cNvPr>
+              <p:cNvSpPr>
+                <a:spLocks noChangeAspect="1"/>
+              </p:cNvSpPr>
+              <p:nvPr/>
+            </p:nvSpPr>
+            <p:spPr>
+              <a:xfrm>
+                <a:off x="4110629" y="3699307"/>
+                <a:ext cx="274320" cy="274320"/>
+              </a:xfrm>
+              <a:prstGeom prst="ellipse">
+                <a:avLst/>
+              </a:prstGeom>
+              <a:noFill/>
+              <a:ln w="19050">
+                <a:solidFill>
+                  <a:schemeClr val="tx1"/>
+                </a:solidFill>
+              </a:ln>
+            </p:spPr>
+            <p:style>
+              <a:lnRef idx="2">
+                <a:schemeClr val="accent1">
+                  <a:shade val="50000"/>
+                </a:schemeClr>
+              </a:lnRef>
+              <a:fillRef idx="1">
+                <a:schemeClr val="accent1"/>
+              </a:fillRef>
+              <a:effectRef idx="0">
+                <a:schemeClr val="accent1"/>
+              </a:effectRef>
+              <a:fontRef idx="minor">
+                <a:schemeClr val="lt1"/>
+              </a:fontRef>
+            </p:style>
+            <p:txBody>
+              <a:bodyPr rtlCol="0" anchor="ctr"/>
+              <a:lstStyle/>
+              <a:p>
+                <a:pPr algn="ctr"/>
+                <a:r>
+                  <a:rPr lang="en-US" sz="1600" dirty="0">
+                    <a:solidFill>
+                      <a:schemeClr val="tx1"/>
+                    </a:solidFill>
+                  </a:rPr>
+                  <a:t>3</a:t>
+                </a:r>
+              </a:p>
+            </p:txBody>
+          </p:sp>
+          <p:sp>
+            <p:nvSpPr>
+              <p:cNvPr id="21" name="Oval 20">
+                <a:extLst>
+                  <a:ext uri="{FF2B5EF4-FFF2-40B4-BE49-F238E27FC236}">
+                    <a16:creationId xmlns:a16="http://schemas.microsoft.com/office/drawing/2014/main" id="{DD9D0546-2698-8649-A19D-6E9B3379844F}"/>
+                  </a:ext>
+                </a:extLst>
+              </p:cNvPr>
+              <p:cNvSpPr>
+                <a:spLocks noChangeAspect="1"/>
+              </p:cNvSpPr>
+              <p:nvPr/>
+            </p:nvSpPr>
+            <p:spPr>
+              <a:xfrm>
+                <a:off x="2647313" y="2476030"/>
+                <a:ext cx="274320" cy="274320"/>
+              </a:xfrm>
+              <a:prstGeom prst="ellipse">
+                <a:avLst/>
+              </a:prstGeom>
+              <a:noFill/>
+              <a:ln w="19050">
+                <a:solidFill>
+                  <a:schemeClr val="tx1"/>
+                </a:solidFill>
+              </a:ln>
+            </p:spPr>
+            <p:style>
+              <a:lnRef idx="2">
+                <a:schemeClr val="accent1">
+                  <a:shade val="50000"/>
+                </a:schemeClr>
+              </a:lnRef>
+              <a:fillRef idx="1">
+                <a:schemeClr val="accent1"/>
+              </a:fillRef>
+              <a:effectRef idx="0">
+                <a:schemeClr val="accent1"/>
+              </a:effectRef>
+              <a:fontRef idx="minor">
+                <a:schemeClr val="lt1"/>
+              </a:fontRef>
+            </p:style>
+            <p:txBody>
+              <a:bodyPr rtlCol="0" anchor="ctr"/>
+              <a:lstStyle/>
+              <a:p>
+                <a:pPr algn="ctr"/>
+                <a:r>
+                  <a:rPr lang="en-US" sz="1600" dirty="0">
+                    <a:solidFill>
+                      <a:schemeClr val="tx1"/>
+                    </a:solidFill>
+                  </a:rPr>
+                  <a:t>7</a:t>
+                </a:r>
+              </a:p>
+            </p:txBody>
+          </p:sp>
+          <p:sp>
+            <p:nvSpPr>
+              <p:cNvPr id="22" name="Oval 21">
+                <a:extLst>
+                  <a:ext uri="{FF2B5EF4-FFF2-40B4-BE49-F238E27FC236}">
+                    <a16:creationId xmlns:a16="http://schemas.microsoft.com/office/drawing/2014/main" id="{7A47A46A-9333-CC45-B151-05C2A375E1CE}"/>
+                  </a:ext>
+                </a:extLst>
+              </p:cNvPr>
+              <p:cNvSpPr>
+                <a:spLocks noChangeAspect="1"/>
+              </p:cNvSpPr>
+              <p:nvPr/>
+            </p:nvSpPr>
+            <p:spPr>
+              <a:xfrm>
+                <a:off x="5454863" y="3699307"/>
+                <a:ext cx="274320" cy="274320"/>
+              </a:xfrm>
+              <a:prstGeom prst="ellipse">
+                <a:avLst/>
+              </a:prstGeom>
+              <a:noFill/>
+              <a:ln w="19050">
+                <a:solidFill>
+                  <a:schemeClr val="tx1"/>
+                </a:solidFill>
+              </a:ln>
+            </p:spPr>
+            <p:style>
+              <a:lnRef idx="2">
+                <a:schemeClr val="accent1">
+                  <a:shade val="50000"/>
+                </a:schemeClr>
+              </a:lnRef>
+              <a:fillRef idx="1">
+                <a:schemeClr val="accent1"/>
+              </a:fillRef>
+              <a:effectRef idx="0">
+                <a:schemeClr val="accent1"/>
+              </a:effectRef>
+              <a:fontRef idx="minor">
+                <a:schemeClr val="lt1"/>
+              </a:fontRef>
+            </p:style>
+            <p:txBody>
+              <a:bodyPr rtlCol="0" anchor="ctr"/>
+              <a:lstStyle/>
+              <a:p>
+                <a:pPr algn="ctr"/>
+                <a:r>
+                  <a:rPr lang="en-US" sz="1600" dirty="0">
+                    <a:solidFill>
+                      <a:schemeClr val="tx1"/>
+                    </a:solidFill>
+                  </a:rPr>
+                  <a:t>4</a:t>
+                </a:r>
+              </a:p>
+            </p:txBody>
+          </p:sp>
+          <p:sp>
+            <p:nvSpPr>
+              <p:cNvPr id="23" name="Oval 22">
+                <a:extLst>
+                  <a:ext uri="{FF2B5EF4-FFF2-40B4-BE49-F238E27FC236}">
+                    <a16:creationId xmlns:a16="http://schemas.microsoft.com/office/drawing/2014/main" id="{CF208650-FC14-E144-AB23-71785F67E277}"/>
+                  </a:ext>
+                </a:extLst>
+              </p:cNvPr>
+              <p:cNvSpPr>
+                <a:spLocks noChangeAspect="1"/>
+              </p:cNvSpPr>
+              <p:nvPr/>
+            </p:nvSpPr>
+            <p:spPr>
+              <a:xfrm>
+                <a:off x="4115223" y="2476030"/>
+                <a:ext cx="274320" cy="274320"/>
+              </a:xfrm>
+              <a:prstGeom prst="ellipse">
+                <a:avLst/>
+              </a:prstGeom>
+              <a:noFill/>
+              <a:ln w="19050">
+                <a:solidFill>
+                  <a:schemeClr val="tx1"/>
+                </a:solidFill>
+              </a:ln>
+            </p:spPr>
+            <p:style>
+              <a:lnRef idx="2">
+                <a:schemeClr val="accent1">
+                  <a:shade val="50000"/>
+                </a:schemeClr>
+              </a:lnRef>
+              <a:fillRef idx="1">
+                <a:schemeClr val="accent1"/>
+              </a:fillRef>
+              <a:effectRef idx="0">
+                <a:schemeClr val="accent1"/>
+              </a:effectRef>
+              <a:fontRef idx="minor">
+                <a:schemeClr val="lt1"/>
+              </a:fontRef>
+            </p:style>
+            <p:txBody>
+              <a:bodyPr rtlCol="0" anchor="ctr"/>
+              <a:lstStyle/>
+              <a:p>
+                <a:pPr algn="ctr"/>
+                <a:r>
+                  <a:rPr lang="en-US" sz="1600" dirty="0">
+                    <a:solidFill>
+                      <a:schemeClr val="tx1"/>
+                    </a:solidFill>
+                  </a:rPr>
+                  <a:t>8</a:t>
+                </a:r>
+              </a:p>
+            </p:txBody>
+          </p:sp>
+          <p:sp>
+            <p:nvSpPr>
+              <p:cNvPr id="24" name="Oval 23">
+                <a:extLst>
+                  <a:ext uri="{FF2B5EF4-FFF2-40B4-BE49-F238E27FC236}">
+                    <a16:creationId xmlns:a16="http://schemas.microsoft.com/office/drawing/2014/main" id="{EBC9FC54-2246-9B4E-871F-AABEA4153FBF}"/>
+                  </a:ext>
+                </a:extLst>
+              </p:cNvPr>
+              <p:cNvSpPr>
+                <a:spLocks noChangeAspect="1"/>
+              </p:cNvSpPr>
+              <p:nvPr/>
+            </p:nvSpPr>
+            <p:spPr>
+              <a:xfrm>
+                <a:off x="5445973" y="2476030"/>
+                <a:ext cx="274320" cy="274320"/>
+              </a:xfrm>
+              <a:prstGeom prst="ellipse">
+                <a:avLst/>
+              </a:prstGeom>
+              <a:noFill/>
+              <a:ln w="19050">
+                <a:solidFill>
+                  <a:schemeClr val="tx1"/>
+                </a:solidFill>
+              </a:ln>
+            </p:spPr>
+            <p:style>
+              <a:lnRef idx="2">
+                <a:schemeClr val="accent1">
+                  <a:shade val="50000"/>
+                </a:schemeClr>
+              </a:lnRef>
+              <a:fillRef idx="1">
+                <a:schemeClr val="accent1"/>
+              </a:fillRef>
+              <a:effectRef idx="0">
+                <a:schemeClr val="accent1"/>
+              </a:effectRef>
+              <a:fontRef idx="minor">
+                <a:schemeClr val="lt1"/>
+              </a:fontRef>
+            </p:style>
+            <p:txBody>
+              <a:bodyPr rtlCol="0" anchor="ctr"/>
+              <a:lstStyle/>
+              <a:p>
+                <a:pPr algn="ctr"/>
+                <a:r>
+                  <a:rPr lang="en-US" sz="1600" dirty="0">
+                    <a:solidFill>
+                      <a:schemeClr val="tx1"/>
+                    </a:solidFill>
+                  </a:rPr>
+                  <a:t>9</a:t>
+                </a:r>
+              </a:p>
+            </p:txBody>
+          </p:sp>
+          <p:sp>
+            <p:nvSpPr>
+              <p:cNvPr id="25" name="Oval 24">
+                <a:extLst>
+                  <a:ext uri="{FF2B5EF4-FFF2-40B4-BE49-F238E27FC236}">
+                    <a16:creationId xmlns:a16="http://schemas.microsoft.com/office/drawing/2014/main" id="{F414CA44-C06B-1841-A912-622D0AA2C80A}"/>
+                  </a:ext>
+                </a:extLst>
+              </p:cNvPr>
+              <p:cNvSpPr>
+                <a:spLocks noChangeAspect="1"/>
+              </p:cNvSpPr>
+              <p:nvPr/>
+            </p:nvSpPr>
+            <p:spPr>
+              <a:xfrm>
+                <a:off x="6642083" y="2476030"/>
+                <a:ext cx="274320" cy="274320"/>
+              </a:xfrm>
+              <a:prstGeom prst="ellipse">
+                <a:avLst/>
+              </a:prstGeom>
+              <a:noFill/>
+              <a:ln w="19050">
+                <a:solidFill>
+                  <a:schemeClr val="tx1"/>
+                </a:solidFill>
+              </a:ln>
+            </p:spPr>
+            <p:style>
+              <a:lnRef idx="2">
+                <a:schemeClr val="accent1">
+                  <a:shade val="50000"/>
+                </a:schemeClr>
+              </a:lnRef>
+              <a:fillRef idx="1">
+                <a:schemeClr val="accent1"/>
+              </a:fillRef>
+              <a:effectRef idx="0">
+                <a:schemeClr val="accent1"/>
+              </a:effectRef>
+              <a:fontRef idx="minor">
+                <a:schemeClr val="lt1"/>
+              </a:fontRef>
+            </p:style>
+            <p:txBody>
+              <a:bodyPr rtlCol="0" anchor="ctr"/>
+              <a:lstStyle/>
+              <a:p>
+                <a:pPr algn="ctr"/>
+                <a:endParaRPr lang="en-US" sz="1600" dirty="0">
+                  <a:solidFill>
+                    <a:schemeClr val="accent1">
+                      <a:lumMod val="50000"/>
+                    </a:schemeClr>
+                  </a:solidFill>
+                </a:endParaRPr>
+              </a:p>
+            </p:txBody>
+          </p:sp>
+          <p:sp>
+            <p:nvSpPr>
+              <p:cNvPr id="26" name="Oval 25">
+                <a:extLst>
+                  <a:ext uri="{FF2B5EF4-FFF2-40B4-BE49-F238E27FC236}">
+                    <a16:creationId xmlns:a16="http://schemas.microsoft.com/office/drawing/2014/main" id="{54C75420-77E5-D342-A7D7-9819BE56F69D}"/>
+                  </a:ext>
+                </a:extLst>
+              </p:cNvPr>
+              <p:cNvSpPr>
+                <a:spLocks noChangeAspect="1"/>
+              </p:cNvSpPr>
+              <p:nvPr/>
+            </p:nvSpPr>
+            <p:spPr>
+              <a:xfrm>
+                <a:off x="6655927" y="1525547"/>
+                <a:ext cx="274320" cy="274320"/>
+              </a:xfrm>
+              <a:prstGeom prst="ellipse">
+                <a:avLst/>
+              </a:prstGeom>
+              <a:noFill/>
+              <a:ln w="19050">
+                <a:solidFill>
+                  <a:schemeClr val="tx1"/>
+                </a:solidFill>
+              </a:ln>
+            </p:spPr>
+            <p:style>
+              <a:lnRef idx="2">
+                <a:schemeClr val="accent1">
+                  <a:shade val="50000"/>
+                </a:schemeClr>
+              </a:lnRef>
+              <a:fillRef idx="1">
+                <a:schemeClr val="accent1"/>
+              </a:fillRef>
+              <a:effectRef idx="0">
+                <a:schemeClr val="accent1"/>
+              </a:effectRef>
+              <a:fontRef idx="minor">
+                <a:schemeClr val="lt1"/>
+              </a:fontRef>
+            </p:style>
+            <p:txBody>
+              <a:bodyPr rtlCol="0" anchor="ctr"/>
+              <a:lstStyle/>
+              <a:p>
+                <a:pPr algn="ctr"/>
+                <a:endParaRPr lang="en-US" sz="1600" dirty="0">
+                  <a:solidFill>
+                    <a:schemeClr val="accent1">
+                      <a:lumMod val="50000"/>
+                    </a:schemeClr>
+                  </a:solidFill>
+                </a:endParaRPr>
+              </a:p>
+            </p:txBody>
+          </p:sp>
+          <p:sp>
+            <p:nvSpPr>
+              <p:cNvPr id="27" name="Oval 26">
+                <a:extLst>
+                  <a:ext uri="{FF2B5EF4-FFF2-40B4-BE49-F238E27FC236}">
+                    <a16:creationId xmlns:a16="http://schemas.microsoft.com/office/drawing/2014/main" id="{BE0D3F3D-DD03-8E4C-A112-1A76E5B78371}"/>
+                  </a:ext>
+                </a:extLst>
+              </p:cNvPr>
+              <p:cNvSpPr>
+                <a:spLocks noChangeAspect="1"/>
+              </p:cNvSpPr>
+              <p:nvPr/>
+            </p:nvSpPr>
+            <p:spPr>
+              <a:xfrm>
+                <a:off x="6639563" y="3699307"/>
+                <a:ext cx="274320" cy="274320"/>
+              </a:xfrm>
+              <a:prstGeom prst="ellipse">
+                <a:avLst/>
+              </a:prstGeom>
+              <a:noFill/>
+              <a:ln w="19050">
+                <a:solidFill>
+                  <a:schemeClr val="tx1"/>
+                </a:solidFill>
+              </a:ln>
+            </p:spPr>
+            <p:style>
+              <a:lnRef idx="2">
+                <a:schemeClr val="accent1">
+                  <a:shade val="50000"/>
+                </a:schemeClr>
+              </a:lnRef>
+              <a:fillRef idx="1">
+                <a:schemeClr val="accent1"/>
+              </a:fillRef>
+              <a:effectRef idx="0">
+                <a:schemeClr val="accent1"/>
+              </a:effectRef>
+              <a:fontRef idx="minor">
+                <a:schemeClr val="lt1"/>
+              </a:fontRef>
+            </p:style>
+            <p:txBody>
+              <a:bodyPr rtlCol="0" anchor="ctr"/>
+              <a:lstStyle/>
+              <a:p>
+                <a:pPr algn="ctr"/>
+                <a:r>
+                  <a:rPr lang="en-US" sz="1600" dirty="0">
+                    <a:solidFill>
+                      <a:schemeClr val="tx1"/>
+                    </a:solidFill>
+                  </a:rPr>
+                  <a:t>5</a:t>
+                </a:r>
+              </a:p>
+            </p:txBody>
+          </p:sp>
+          <p:sp>
+            <p:nvSpPr>
+              <p:cNvPr id="28" name="Oval 27">
+                <a:extLst>
+                  <a:ext uri="{FF2B5EF4-FFF2-40B4-BE49-F238E27FC236}">
+                    <a16:creationId xmlns:a16="http://schemas.microsoft.com/office/drawing/2014/main" id="{B9CF70FD-B4C3-8344-B775-92BFF284FDBF}"/>
+                  </a:ext>
+                </a:extLst>
+              </p:cNvPr>
+              <p:cNvSpPr>
+                <a:spLocks noChangeAspect="1"/>
+              </p:cNvSpPr>
+              <p:nvPr/>
+            </p:nvSpPr>
+            <p:spPr>
+              <a:xfrm>
+                <a:off x="1166068" y="2476030"/>
+                <a:ext cx="274320" cy="274320"/>
+              </a:xfrm>
+              <a:prstGeom prst="ellipse">
+                <a:avLst/>
+              </a:prstGeom>
+              <a:noFill/>
+              <a:ln w="19050">
+                <a:solidFill>
+                  <a:schemeClr val="tx1"/>
+                </a:solidFill>
+              </a:ln>
+            </p:spPr>
+            <p:style>
+              <a:lnRef idx="2">
+                <a:schemeClr val="accent1">
+                  <a:shade val="50000"/>
+                </a:schemeClr>
+              </a:lnRef>
+              <a:fillRef idx="1">
+                <a:schemeClr val="accent1"/>
+              </a:fillRef>
+              <a:effectRef idx="0">
+                <a:schemeClr val="accent1"/>
+              </a:effectRef>
+              <a:fontRef idx="minor">
+                <a:schemeClr val="lt1"/>
+              </a:fontRef>
+            </p:style>
+            <p:txBody>
+              <a:bodyPr rtlCol="0" anchor="ctr"/>
+              <a:lstStyle/>
+              <a:p>
+                <a:pPr algn="ctr"/>
+                <a:r>
+                  <a:rPr lang="en-US" sz="1600" dirty="0">
+                    <a:solidFill>
+                      <a:schemeClr val="tx1"/>
+                    </a:solidFill>
+                  </a:rPr>
+                  <a:t>6</a:t>
+                </a:r>
+              </a:p>
+            </p:txBody>
+          </p:sp>
+          <p:cxnSp>
+            <p:nvCxnSpPr>
+              <p:cNvPr id="29" name="Straight Connector 28">
+                <a:extLst>
+                  <a:ext uri="{FF2B5EF4-FFF2-40B4-BE49-F238E27FC236}">
+                    <a16:creationId xmlns:a16="http://schemas.microsoft.com/office/drawing/2014/main" id="{334C025F-D7DB-8D4A-8FC1-581092816493}"/>
+                  </a:ext>
+                </a:extLst>
+              </p:cNvPr>
+              <p:cNvCxnSpPr>
+                <a:stCxn id="21" idx="2"/>
+                <a:endCxn id="28" idx="6"/>
+              </p:cNvCxnSpPr>
+              <p:nvPr/>
+            </p:nvCxnSpPr>
+            <p:spPr>
+              <a:xfrm flipH="1">
+                <a:off x="1440388" y="2613190"/>
+                <a:ext cx="1206925" cy="0"/>
+              </a:xfrm>
+              <a:prstGeom prst="line">
+                <a:avLst/>
+              </a:prstGeom>
+              <a:ln w="38100">
+                <a:solidFill>
+                  <a:schemeClr val="tx1"/>
+                </a:solidFill>
+              </a:ln>
+            </p:spPr>
+            <p:style>
+              <a:lnRef idx="1">
+                <a:schemeClr val="accent1"/>
+              </a:lnRef>
+              <a:fillRef idx="0">
+                <a:schemeClr val="accent1"/>
+              </a:fillRef>
+              <a:effectRef idx="0">
+                <a:schemeClr val="accent1"/>
+              </a:effectRef>
+              <a:fontRef idx="minor">
+                <a:schemeClr val="tx1"/>
+              </a:fontRef>
+            </p:style>
+          </p:cxnSp>
+        </p:grpSp>
+        <p:sp>
+          <p:nvSpPr>
+            <p:cNvPr id="5" name="TextBox 4">
+              <a:extLst>
+                <a:ext uri="{FF2B5EF4-FFF2-40B4-BE49-F238E27FC236}">
+                  <a16:creationId xmlns:a16="http://schemas.microsoft.com/office/drawing/2014/main" id="{903DC019-86C2-8E47-8BAF-14DBE0FADD8C}"/>
+                </a:ext>
+              </a:extLst>
+            </p:cNvPr>
+            <p:cNvSpPr txBox="1"/>
+            <p:nvPr/>
+          </p:nvSpPr>
+          <p:spPr>
+            <a:xfrm>
+              <a:off x="6580195" y="2437234"/>
+              <a:ext cx="393056" cy="338554"/>
+            </a:xfrm>
+            <a:prstGeom prst="rect">
+              <a:avLst/>
+            </a:prstGeom>
+            <a:noFill/>
+          </p:spPr>
+          <p:txBody>
+            <a:bodyPr wrap="none" rtlCol="0">
+              <a:spAutoFit/>
+            </a:bodyPr>
+            <a:lstStyle/>
+            <a:p>
+              <a:r>
+                <a:rPr lang="en-US" sz="1600" dirty="0"/>
+                <a:t>10</a:t>
+              </a:r>
+            </a:p>
+          </p:txBody>
+        </p:sp>
+        <p:sp>
+          <p:nvSpPr>
+            <p:cNvPr id="6" name="TextBox 5">
+              <a:extLst>
+                <a:ext uri="{FF2B5EF4-FFF2-40B4-BE49-F238E27FC236}">
+                  <a16:creationId xmlns:a16="http://schemas.microsoft.com/office/drawing/2014/main" id="{8AF34384-6899-2749-8049-DA62AB4FE52F}"/>
+                </a:ext>
+              </a:extLst>
+            </p:cNvPr>
+            <p:cNvSpPr txBox="1"/>
+            <p:nvPr/>
+          </p:nvSpPr>
+          <p:spPr>
+            <a:xfrm>
+              <a:off x="6594039" y="1487042"/>
+              <a:ext cx="393056" cy="338554"/>
+            </a:xfrm>
+            <a:prstGeom prst="rect">
+              <a:avLst/>
+            </a:prstGeom>
+            <a:noFill/>
+          </p:spPr>
+          <p:txBody>
+            <a:bodyPr wrap="none" rtlCol="0">
+              <a:spAutoFit/>
+            </a:bodyPr>
+            <a:lstStyle/>
+            <a:p>
+              <a:r>
+                <a:rPr lang="en-US" sz="1600" dirty="0"/>
+                <a:t>11</a:t>
+              </a:r>
+            </a:p>
+          </p:txBody>
+        </p:sp>
+      </p:grpSp>
+    </p:spTree>
+    <p:extLst>
+      <p:ext uri="{BB962C8B-B14F-4D97-AF65-F5344CB8AC3E}">
+        <p14:creationId xmlns:p14="http://schemas.microsoft.com/office/powerpoint/2010/main" val="3895911574"/>
+      </p:ext>
+    </p:extLst>
+  </p:cSld>
+  <p:clrMapOvr>
+    <a:masterClrMapping/>
+  </p:clrMapOvr>
+</p:sld>
+</file>
+
+<file path=ppt/slides/slide20.xml><?xml version="1.0" encoding="utf-8"?>
 <p:sld xmlns:a="http://schemas.openxmlformats.org/drawingml/2006/main" xmlns:r="http://schemas.openxmlformats.org/officeDocument/2006/relationships" xmlns:p="http://schemas.openxmlformats.org/presentationml/2006/main">
   <p:cSld>
     <p:spTree>
@@ -11599,7 +15026,7 @@
 </p:sld>
 </file>
 
-<file path=ppt/slides/slide2.xml><?xml version="1.0" encoding="utf-8"?>
+<file path=ppt/slides/slide3.xml><?xml version="1.0" encoding="utf-8"?>
 <p:sld xmlns:a="http://schemas.openxmlformats.org/drawingml/2006/main" xmlns:r="http://schemas.openxmlformats.org/officeDocument/2006/relationships" xmlns:p="http://schemas.openxmlformats.org/presentationml/2006/main">
   <p:cSld>
     <p:spTree>
@@ -11616,1354 +15043,68 @@
           <a:chExt cx="0" cy="0"/>
         </a:xfrm>
       </p:grpSpPr>
-      <p:pic>
-        <p:nvPicPr>
-          <p:cNvPr id="2" name="Picture 1">
+      <p:sp>
+        <p:nvSpPr>
+          <p:cNvPr id="2" name="Title 1">
             <a:extLst>
               <a:ext uri="{FF2B5EF4-FFF2-40B4-BE49-F238E27FC236}">
-                <a16:creationId xmlns:a16="http://schemas.microsoft.com/office/drawing/2014/main" id="{B9543674-1075-E64E-BD53-00D43A425989}"/>
+                <a16:creationId xmlns:a16="http://schemas.microsoft.com/office/drawing/2014/main" id="{E3F1412E-D8BA-7944-B906-EE59BB1C7AF0}"/>
               </a:ext>
             </a:extLst>
           </p:cNvPr>
-          <p:cNvPicPr>
-            <a:picLocks noChangeAspect="1"/>
-          </p:cNvPicPr>
-          <p:nvPr/>
-        </p:nvPicPr>
-        <p:blipFill rotWithShape="1">
-          <a:blip r:embed="rId2"/>
-          <a:srcRect t="8798" r="51455" b="56701"/>
-          <a:stretch/>
-        </p:blipFill>
-        <p:spPr>
-          <a:xfrm>
-            <a:off x="330837" y="1416744"/>
-            <a:ext cx="6645135" cy="3657600"/>
-          </a:xfrm>
-          <a:prstGeom prst="rect">
-            <a:avLst/>
-          </a:prstGeom>
-        </p:spPr>
-      </p:pic>
-      <p:grpSp>
-        <p:nvGrpSpPr>
-          <p:cNvPr id="3" name="Group 2">
+          <p:cNvSpPr>
+            <a:spLocks noGrp="1"/>
+          </p:cNvSpPr>
+          <p:nvPr>
+            <p:ph type="title"/>
+          </p:nvPr>
+        </p:nvSpPr>
+        <p:spPr/>
+        <p:txBody>
+          <a:bodyPr/>
+          <a:lstStyle/>
+          <a:p>
+            <a:r>
+              <a:rPr lang="en-US" dirty="0"/>
+              <a:t>Map </a:t>
+            </a:r>
+            <a:r>
+              <a:rPr lang="en-US"/>
+              <a:t>&amp; Waypoints</a:t>
+            </a:r>
+            <a:endParaRPr lang="en-US" dirty="0"/>
+          </a:p>
+        </p:txBody>
+      </p:sp>
+      <p:sp>
+        <p:nvSpPr>
+          <p:cNvPr id="3" name="Text Placeholder 2">
             <a:extLst>
               <a:ext uri="{FF2B5EF4-FFF2-40B4-BE49-F238E27FC236}">
-                <a16:creationId xmlns:a16="http://schemas.microsoft.com/office/drawing/2014/main" id="{EAED604A-A2AE-534A-B530-A38B7EC8A3FA}"/>
+                <a16:creationId xmlns:a16="http://schemas.microsoft.com/office/drawing/2014/main" id="{7EC60B88-24F9-0642-AC06-8E02C42D3259}"/>
               </a:ext>
             </a:extLst>
           </p:cNvPr>
-          <p:cNvGrpSpPr/>
-          <p:nvPr/>
-        </p:nvGrpSpPr>
-        <p:grpSpPr>
-          <a:xfrm>
-            <a:off x="1166068" y="1487042"/>
-            <a:ext cx="5821027" cy="2486585"/>
-            <a:chOff x="1166068" y="1487042"/>
-            <a:chExt cx="5821027" cy="2486585"/>
-          </a:xfrm>
-        </p:grpSpPr>
-        <p:grpSp>
-          <p:nvGrpSpPr>
-            <p:cNvPr id="4" name="Group 3">
-              <a:extLst>
-                <a:ext uri="{FF2B5EF4-FFF2-40B4-BE49-F238E27FC236}">
-                  <a16:creationId xmlns:a16="http://schemas.microsoft.com/office/drawing/2014/main" id="{9EEB7AD3-0009-4149-9278-090DFA1A3F5E}"/>
-                </a:ext>
-              </a:extLst>
-            </p:cNvPr>
-            <p:cNvGrpSpPr/>
-            <p:nvPr/>
-          </p:nvGrpSpPr>
-          <p:grpSpPr>
-            <a:xfrm>
-              <a:off x="1166068" y="1525547"/>
-              <a:ext cx="5764179" cy="2448080"/>
-              <a:chOff x="1166068" y="1525547"/>
-              <a:chExt cx="5764179" cy="2448080"/>
-            </a:xfrm>
-          </p:grpSpPr>
-          <p:sp>
-            <p:nvSpPr>
-              <p:cNvPr id="7" name="Oval 6">
-                <a:extLst>
-                  <a:ext uri="{FF2B5EF4-FFF2-40B4-BE49-F238E27FC236}">
-                    <a16:creationId xmlns:a16="http://schemas.microsoft.com/office/drawing/2014/main" id="{40D36C55-111F-8A4F-ABC5-D391C395833F}"/>
-                  </a:ext>
-                </a:extLst>
-              </p:cNvPr>
-              <p:cNvSpPr>
-                <a:spLocks noChangeAspect="1"/>
-              </p:cNvSpPr>
-              <p:nvPr/>
-            </p:nvSpPr>
-            <p:spPr>
-              <a:xfrm>
-                <a:off x="1170513" y="3699307"/>
-                <a:ext cx="274320" cy="274320"/>
-              </a:xfrm>
-              <a:prstGeom prst="ellipse">
-                <a:avLst/>
-              </a:prstGeom>
-              <a:noFill/>
-              <a:ln w="19050">
-                <a:solidFill>
-                  <a:schemeClr val="tx1"/>
-                </a:solidFill>
-              </a:ln>
-            </p:spPr>
-            <p:style>
-              <a:lnRef idx="2">
-                <a:schemeClr val="accent1">
-                  <a:shade val="50000"/>
-                </a:schemeClr>
-              </a:lnRef>
-              <a:fillRef idx="1">
-                <a:schemeClr val="accent1"/>
-              </a:fillRef>
-              <a:effectRef idx="0">
-                <a:schemeClr val="accent1"/>
-              </a:effectRef>
-              <a:fontRef idx="minor">
-                <a:schemeClr val="lt1"/>
-              </a:fontRef>
-            </p:style>
-            <p:txBody>
-              <a:bodyPr rtlCol="0" anchor="ctr"/>
-              <a:lstStyle/>
-              <a:p>
-                <a:pPr algn="ctr"/>
-                <a:r>
-                  <a:rPr lang="en-US" sz="1600" dirty="0">
-                    <a:solidFill>
-                      <a:schemeClr val="tx1"/>
-                    </a:solidFill>
-                  </a:rPr>
-                  <a:t>1</a:t>
-                </a:r>
-              </a:p>
-            </p:txBody>
-          </p:sp>
-          <p:sp>
-            <p:nvSpPr>
-              <p:cNvPr id="8" name="Oval 7">
-                <a:extLst>
-                  <a:ext uri="{FF2B5EF4-FFF2-40B4-BE49-F238E27FC236}">
-                    <a16:creationId xmlns:a16="http://schemas.microsoft.com/office/drawing/2014/main" id="{9CBCBF3A-C868-664C-84C4-32ACE805CCC4}"/>
-                  </a:ext>
-                </a:extLst>
-              </p:cNvPr>
-              <p:cNvSpPr>
-                <a:spLocks noChangeAspect="1"/>
-              </p:cNvSpPr>
-              <p:nvPr/>
-            </p:nvSpPr>
-            <p:spPr>
-              <a:xfrm>
-                <a:off x="2638423" y="3699307"/>
-                <a:ext cx="274320" cy="274320"/>
-              </a:xfrm>
-              <a:prstGeom prst="ellipse">
-                <a:avLst/>
-              </a:prstGeom>
-              <a:noFill/>
-              <a:ln w="19050">
-                <a:solidFill>
-                  <a:schemeClr val="tx1"/>
-                </a:solidFill>
-              </a:ln>
-            </p:spPr>
-            <p:style>
-              <a:lnRef idx="2">
-                <a:schemeClr val="accent1">
-                  <a:shade val="50000"/>
-                </a:schemeClr>
-              </a:lnRef>
-              <a:fillRef idx="1">
-                <a:schemeClr val="accent1"/>
-              </a:fillRef>
-              <a:effectRef idx="0">
-                <a:schemeClr val="accent1"/>
-              </a:effectRef>
-              <a:fontRef idx="minor">
-                <a:schemeClr val="lt1"/>
-              </a:fontRef>
-            </p:style>
-            <p:txBody>
-              <a:bodyPr rtlCol="0" anchor="ctr"/>
-              <a:lstStyle/>
-              <a:p>
-                <a:pPr algn="ctr"/>
-                <a:r>
-                  <a:rPr lang="en-US" sz="1600" dirty="0">
-                    <a:solidFill>
-                      <a:schemeClr val="tx1"/>
-                    </a:solidFill>
-                  </a:rPr>
-                  <a:t>2</a:t>
-                </a:r>
-              </a:p>
-            </p:txBody>
-          </p:sp>
-          <p:cxnSp>
-            <p:nvCxnSpPr>
-              <p:cNvPr id="9" name="Straight Connector 8">
-                <a:extLst>
-                  <a:ext uri="{FF2B5EF4-FFF2-40B4-BE49-F238E27FC236}">
-                    <a16:creationId xmlns:a16="http://schemas.microsoft.com/office/drawing/2014/main" id="{AF8CA53E-07EE-C84A-93DB-6AD870816208}"/>
-                  </a:ext>
-                </a:extLst>
-              </p:cNvPr>
-              <p:cNvCxnSpPr>
-                <a:stCxn id="7" idx="6"/>
-                <a:endCxn id="8" idx="2"/>
-              </p:cNvCxnSpPr>
-              <p:nvPr/>
-            </p:nvCxnSpPr>
-            <p:spPr>
-              <a:xfrm>
-                <a:off x="1444833" y="3836467"/>
-                <a:ext cx="1193590" cy="0"/>
-              </a:xfrm>
-              <a:prstGeom prst="line">
-                <a:avLst/>
-              </a:prstGeom>
-              <a:ln w="38100">
-                <a:solidFill>
-                  <a:schemeClr val="tx1"/>
-                </a:solidFill>
-              </a:ln>
-            </p:spPr>
-            <p:style>
-              <a:lnRef idx="1">
-                <a:schemeClr val="accent1"/>
-              </a:lnRef>
-              <a:fillRef idx="0">
-                <a:schemeClr val="accent1"/>
-              </a:fillRef>
-              <a:effectRef idx="0">
-                <a:schemeClr val="accent1"/>
-              </a:effectRef>
-              <a:fontRef idx="minor">
-                <a:schemeClr val="tx1"/>
-              </a:fontRef>
-            </p:style>
-          </p:cxnSp>
-          <p:cxnSp>
-            <p:nvCxnSpPr>
-              <p:cNvPr id="10" name="Straight Connector 9">
-                <a:extLst>
-                  <a:ext uri="{FF2B5EF4-FFF2-40B4-BE49-F238E27FC236}">
-                    <a16:creationId xmlns:a16="http://schemas.microsoft.com/office/drawing/2014/main" id="{079ED167-2442-5845-8FAC-EA4716F444E3}"/>
-                  </a:ext>
-                </a:extLst>
-              </p:cNvPr>
-              <p:cNvCxnSpPr>
-                <a:cxnSpLocks/>
-                <a:stCxn id="8" idx="6"/>
-                <a:endCxn id="20" idx="2"/>
-              </p:cNvCxnSpPr>
-              <p:nvPr/>
-            </p:nvCxnSpPr>
-            <p:spPr>
-              <a:xfrm>
-                <a:off x="2912743" y="3836467"/>
-                <a:ext cx="1197886" cy="0"/>
-              </a:xfrm>
-              <a:prstGeom prst="line">
-                <a:avLst/>
-              </a:prstGeom>
-              <a:ln w="38100">
-                <a:solidFill>
-                  <a:schemeClr val="tx1"/>
-                </a:solidFill>
-              </a:ln>
-            </p:spPr>
-            <p:style>
-              <a:lnRef idx="1">
-                <a:schemeClr val="accent1"/>
-              </a:lnRef>
-              <a:fillRef idx="0">
-                <a:schemeClr val="accent1"/>
-              </a:fillRef>
-              <a:effectRef idx="0">
-                <a:schemeClr val="accent1"/>
-              </a:effectRef>
-              <a:fontRef idx="minor">
-                <a:schemeClr val="tx1"/>
-              </a:fontRef>
-            </p:style>
-          </p:cxnSp>
-          <p:cxnSp>
-            <p:nvCxnSpPr>
-              <p:cNvPr id="11" name="Straight Connector 10">
-                <a:extLst>
-                  <a:ext uri="{FF2B5EF4-FFF2-40B4-BE49-F238E27FC236}">
-                    <a16:creationId xmlns:a16="http://schemas.microsoft.com/office/drawing/2014/main" id="{185EA310-F972-284E-AAE4-13618FB1FEDA}"/>
-                  </a:ext>
-                </a:extLst>
-              </p:cNvPr>
-              <p:cNvCxnSpPr>
-                <a:cxnSpLocks/>
-                <a:stCxn id="20" idx="6"/>
-                <a:endCxn id="22" idx="2"/>
-              </p:cNvCxnSpPr>
-              <p:nvPr/>
-            </p:nvCxnSpPr>
-            <p:spPr>
-              <a:xfrm>
-                <a:off x="4384949" y="3836467"/>
-                <a:ext cx="1069914" cy="0"/>
-              </a:xfrm>
-              <a:prstGeom prst="line">
-                <a:avLst/>
-              </a:prstGeom>
-              <a:ln w="38100">
-                <a:solidFill>
-                  <a:schemeClr val="tx1"/>
-                </a:solidFill>
-              </a:ln>
-            </p:spPr>
-            <p:style>
-              <a:lnRef idx="1">
-                <a:schemeClr val="accent1"/>
-              </a:lnRef>
-              <a:fillRef idx="0">
-                <a:schemeClr val="accent1"/>
-              </a:fillRef>
-              <a:effectRef idx="0">
-                <a:schemeClr val="accent1"/>
-              </a:effectRef>
-              <a:fontRef idx="minor">
-                <a:schemeClr val="tx1"/>
-              </a:fontRef>
-            </p:style>
-          </p:cxnSp>
-          <p:cxnSp>
-            <p:nvCxnSpPr>
-              <p:cNvPr id="12" name="Straight Connector 11">
-                <a:extLst>
-                  <a:ext uri="{FF2B5EF4-FFF2-40B4-BE49-F238E27FC236}">
-                    <a16:creationId xmlns:a16="http://schemas.microsoft.com/office/drawing/2014/main" id="{7CA57974-D81A-F84A-AF74-ADE7B3C04D83}"/>
-                  </a:ext>
-                </a:extLst>
-              </p:cNvPr>
-              <p:cNvCxnSpPr>
-                <a:cxnSpLocks/>
-                <a:stCxn id="22" idx="6"/>
-                <a:endCxn id="27" idx="2"/>
-              </p:cNvCxnSpPr>
-              <p:nvPr/>
-            </p:nvCxnSpPr>
-            <p:spPr>
-              <a:xfrm>
-                <a:off x="5729183" y="3836467"/>
-                <a:ext cx="910380" cy="0"/>
-              </a:xfrm>
-              <a:prstGeom prst="line">
-                <a:avLst/>
-              </a:prstGeom>
-              <a:ln w="38100">
-                <a:solidFill>
-                  <a:schemeClr val="tx1"/>
-                </a:solidFill>
-              </a:ln>
-            </p:spPr>
-            <p:style>
-              <a:lnRef idx="1">
-                <a:schemeClr val="accent1"/>
-              </a:lnRef>
-              <a:fillRef idx="0">
-                <a:schemeClr val="accent1"/>
-              </a:fillRef>
-              <a:effectRef idx="0">
-                <a:schemeClr val="accent1"/>
-              </a:effectRef>
-              <a:fontRef idx="minor">
-                <a:schemeClr val="tx1"/>
-              </a:fontRef>
-            </p:style>
-          </p:cxnSp>
-          <p:cxnSp>
-            <p:nvCxnSpPr>
-              <p:cNvPr id="13" name="Straight Connector 12">
-                <a:extLst>
-                  <a:ext uri="{FF2B5EF4-FFF2-40B4-BE49-F238E27FC236}">
-                    <a16:creationId xmlns:a16="http://schemas.microsoft.com/office/drawing/2014/main" id="{C4797D9E-25F4-2341-9344-8D434475CBD7}"/>
-                  </a:ext>
-                </a:extLst>
-              </p:cNvPr>
-              <p:cNvCxnSpPr>
-                <a:cxnSpLocks/>
-                <a:stCxn id="27" idx="0"/>
-              </p:cNvCxnSpPr>
-              <p:nvPr/>
-            </p:nvCxnSpPr>
-            <p:spPr>
-              <a:xfrm flipV="1">
-                <a:off x="6776723" y="2751685"/>
-                <a:ext cx="13844" cy="947622"/>
-              </a:xfrm>
-              <a:prstGeom prst="line">
-                <a:avLst/>
-              </a:prstGeom>
-              <a:ln w="38100">
-                <a:solidFill>
-                  <a:schemeClr val="tx1"/>
-                </a:solidFill>
-              </a:ln>
-            </p:spPr>
-            <p:style>
-              <a:lnRef idx="1">
-                <a:schemeClr val="accent1"/>
-              </a:lnRef>
-              <a:fillRef idx="0">
-                <a:schemeClr val="accent1"/>
-              </a:fillRef>
-              <a:effectRef idx="0">
-                <a:schemeClr val="accent1"/>
-              </a:effectRef>
-              <a:fontRef idx="minor">
-                <a:schemeClr val="tx1"/>
-              </a:fontRef>
-            </p:style>
-          </p:cxnSp>
-          <p:cxnSp>
-            <p:nvCxnSpPr>
-              <p:cNvPr id="14" name="Straight Connector 13">
-                <a:extLst>
-                  <a:ext uri="{FF2B5EF4-FFF2-40B4-BE49-F238E27FC236}">
-                    <a16:creationId xmlns:a16="http://schemas.microsoft.com/office/drawing/2014/main" id="{9DA03483-8D11-9C46-9C23-FC9A03EB4662}"/>
-                  </a:ext>
-                </a:extLst>
-              </p:cNvPr>
-              <p:cNvCxnSpPr>
-                <a:cxnSpLocks/>
-                <a:stCxn id="25" idx="0"/>
-                <a:endCxn id="26" idx="4"/>
-              </p:cNvCxnSpPr>
-              <p:nvPr/>
-            </p:nvCxnSpPr>
-            <p:spPr>
-              <a:xfrm flipV="1">
-                <a:off x="6779243" y="1799867"/>
-                <a:ext cx="13844" cy="676163"/>
-              </a:xfrm>
-              <a:prstGeom prst="line">
-                <a:avLst/>
-              </a:prstGeom>
-              <a:ln w="38100">
-                <a:solidFill>
-                  <a:schemeClr val="tx1"/>
-                </a:solidFill>
-              </a:ln>
-            </p:spPr>
-            <p:style>
-              <a:lnRef idx="1">
-                <a:schemeClr val="accent1"/>
-              </a:lnRef>
-              <a:fillRef idx="0">
-                <a:schemeClr val="accent1"/>
-              </a:fillRef>
-              <a:effectRef idx="0">
-                <a:schemeClr val="accent1"/>
-              </a:effectRef>
-              <a:fontRef idx="minor">
-                <a:schemeClr val="tx1"/>
-              </a:fontRef>
-            </p:style>
-          </p:cxnSp>
-          <p:cxnSp>
-            <p:nvCxnSpPr>
-              <p:cNvPr id="15" name="Straight Connector 14">
-                <a:extLst>
-                  <a:ext uri="{FF2B5EF4-FFF2-40B4-BE49-F238E27FC236}">
-                    <a16:creationId xmlns:a16="http://schemas.microsoft.com/office/drawing/2014/main" id="{F9CA083A-13E3-4F46-B35B-3E21CFCAB845}"/>
-                  </a:ext>
-                </a:extLst>
-              </p:cNvPr>
-              <p:cNvCxnSpPr>
-                <a:cxnSpLocks/>
-                <a:stCxn id="25" idx="2"/>
-                <a:endCxn id="24" idx="6"/>
-              </p:cNvCxnSpPr>
-              <p:nvPr/>
-            </p:nvCxnSpPr>
-            <p:spPr>
-              <a:xfrm flipH="1">
-                <a:off x="5720293" y="2613190"/>
-                <a:ext cx="921790" cy="0"/>
-              </a:xfrm>
-              <a:prstGeom prst="line">
-                <a:avLst/>
-              </a:prstGeom>
-              <a:ln w="38100">
-                <a:solidFill>
-                  <a:schemeClr val="tx1"/>
-                </a:solidFill>
-              </a:ln>
-            </p:spPr>
-            <p:style>
-              <a:lnRef idx="1">
-                <a:schemeClr val="accent1"/>
-              </a:lnRef>
-              <a:fillRef idx="0">
-                <a:schemeClr val="accent1"/>
-              </a:fillRef>
-              <a:effectRef idx="0">
-                <a:schemeClr val="accent1"/>
-              </a:effectRef>
-              <a:fontRef idx="minor">
-                <a:schemeClr val="tx1"/>
-              </a:fontRef>
-            </p:style>
-          </p:cxnSp>
-          <p:cxnSp>
-            <p:nvCxnSpPr>
-              <p:cNvPr id="16" name="Straight Connector 15">
-                <a:extLst>
-                  <a:ext uri="{FF2B5EF4-FFF2-40B4-BE49-F238E27FC236}">
-                    <a16:creationId xmlns:a16="http://schemas.microsoft.com/office/drawing/2014/main" id="{BDDDB7A7-0D3E-994B-9F19-BD475FB496FD}"/>
-                  </a:ext>
-                </a:extLst>
-              </p:cNvPr>
-              <p:cNvCxnSpPr>
-                <a:cxnSpLocks/>
-                <a:stCxn id="24" idx="2"/>
-                <a:endCxn id="23" idx="6"/>
-              </p:cNvCxnSpPr>
-              <p:nvPr/>
-            </p:nvCxnSpPr>
-            <p:spPr>
-              <a:xfrm flipH="1">
-                <a:off x="4389543" y="2613190"/>
-                <a:ext cx="1056430" cy="0"/>
-              </a:xfrm>
-              <a:prstGeom prst="line">
-                <a:avLst/>
-              </a:prstGeom>
-              <a:ln w="38100">
-                <a:solidFill>
-                  <a:schemeClr val="tx1"/>
-                </a:solidFill>
-              </a:ln>
-            </p:spPr>
-            <p:style>
-              <a:lnRef idx="1">
-                <a:schemeClr val="accent1"/>
-              </a:lnRef>
-              <a:fillRef idx="0">
-                <a:schemeClr val="accent1"/>
-              </a:fillRef>
-              <a:effectRef idx="0">
-                <a:schemeClr val="accent1"/>
-              </a:effectRef>
-              <a:fontRef idx="minor">
-                <a:schemeClr val="tx1"/>
-              </a:fontRef>
-            </p:style>
-          </p:cxnSp>
-          <p:cxnSp>
-            <p:nvCxnSpPr>
-              <p:cNvPr id="17" name="Straight Connector 16">
-                <a:extLst>
-                  <a:ext uri="{FF2B5EF4-FFF2-40B4-BE49-F238E27FC236}">
-                    <a16:creationId xmlns:a16="http://schemas.microsoft.com/office/drawing/2014/main" id="{D5D40A4A-99E1-CE4C-9A0B-4A53F9BCDF7D}"/>
-                  </a:ext>
-                </a:extLst>
-              </p:cNvPr>
-              <p:cNvCxnSpPr>
-                <a:cxnSpLocks/>
-                <a:stCxn id="23" idx="2"/>
-                <a:endCxn id="21" idx="6"/>
-              </p:cNvCxnSpPr>
-              <p:nvPr/>
-            </p:nvCxnSpPr>
-            <p:spPr>
-              <a:xfrm flipH="1">
-                <a:off x="2921633" y="2613190"/>
-                <a:ext cx="1193590" cy="0"/>
-              </a:xfrm>
-              <a:prstGeom prst="line">
-                <a:avLst/>
-              </a:prstGeom>
-              <a:ln w="38100">
-                <a:solidFill>
-                  <a:schemeClr val="tx1"/>
-                </a:solidFill>
-              </a:ln>
-            </p:spPr>
-            <p:style>
-              <a:lnRef idx="1">
-                <a:schemeClr val="accent1"/>
-              </a:lnRef>
-              <a:fillRef idx="0">
-                <a:schemeClr val="accent1"/>
-              </a:fillRef>
-              <a:effectRef idx="0">
-                <a:schemeClr val="accent1"/>
-              </a:effectRef>
-              <a:fontRef idx="minor">
-                <a:schemeClr val="tx1"/>
-              </a:fontRef>
-            </p:style>
-          </p:cxnSp>
-          <p:cxnSp>
-            <p:nvCxnSpPr>
-              <p:cNvPr id="18" name="Straight Connector 17">
-                <a:extLst>
-                  <a:ext uri="{FF2B5EF4-FFF2-40B4-BE49-F238E27FC236}">
-                    <a16:creationId xmlns:a16="http://schemas.microsoft.com/office/drawing/2014/main" id="{1E2C0D68-E46D-1D43-861F-7A2C8545630A}"/>
-                  </a:ext>
-                </a:extLst>
-              </p:cNvPr>
-              <p:cNvCxnSpPr>
-                <a:cxnSpLocks/>
-                <a:endCxn id="8" idx="0"/>
-              </p:cNvCxnSpPr>
-              <p:nvPr/>
-            </p:nvCxnSpPr>
-            <p:spPr>
-              <a:xfrm flipH="1">
-                <a:off x="2775583" y="2751684"/>
-                <a:ext cx="8890" cy="947623"/>
-              </a:xfrm>
-              <a:prstGeom prst="line">
-                <a:avLst/>
-              </a:prstGeom>
-              <a:ln w="38100">
-                <a:solidFill>
-                  <a:schemeClr val="tx1"/>
-                </a:solidFill>
-              </a:ln>
-            </p:spPr>
-            <p:style>
-              <a:lnRef idx="1">
-                <a:schemeClr val="accent1"/>
-              </a:lnRef>
-              <a:fillRef idx="0">
-                <a:schemeClr val="accent1"/>
-              </a:fillRef>
-              <a:effectRef idx="0">
-                <a:schemeClr val="accent1"/>
-              </a:effectRef>
-              <a:fontRef idx="minor">
-                <a:schemeClr val="tx1"/>
-              </a:fontRef>
-            </p:style>
-          </p:cxnSp>
-          <p:cxnSp>
-            <p:nvCxnSpPr>
-              <p:cNvPr id="19" name="Straight Connector 18">
-                <a:extLst>
-                  <a:ext uri="{FF2B5EF4-FFF2-40B4-BE49-F238E27FC236}">
-                    <a16:creationId xmlns:a16="http://schemas.microsoft.com/office/drawing/2014/main" id="{41E854F2-1C68-2D4D-9012-2B8DFBDE731F}"/>
-                  </a:ext>
-                </a:extLst>
-              </p:cNvPr>
-              <p:cNvCxnSpPr>
-                <a:cxnSpLocks/>
-              </p:cNvCxnSpPr>
-              <p:nvPr/>
-            </p:nvCxnSpPr>
-            <p:spPr>
-              <a:xfrm>
-                <a:off x="5592023" y="2751684"/>
-                <a:ext cx="0" cy="938733"/>
-              </a:xfrm>
-              <a:prstGeom prst="line">
-                <a:avLst/>
-              </a:prstGeom>
-              <a:ln w="38100">
-                <a:solidFill>
-                  <a:schemeClr val="tx1"/>
-                </a:solidFill>
-              </a:ln>
-            </p:spPr>
-            <p:style>
-              <a:lnRef idx="1">
-                <a:schemeClr val="accent1"/>
-              </a:lnRef>
-              <a:fillRef idx="0">
-                <a:schemeClr val="accent1"/>
-              </a:fillRef>
-              <a:effectRef idx="0">
-                <a:schemeClr val="accent1"/>
-              </a:effectRef>
-              <a:fontRef idx="minor">
-                <a:schemeClr val="tx1"/>
-              </a:fontRef>
-            </p:style>
-          </p:cxnSp>
-          <p:sp>
-            <p:nvSpPr>
-              <p:cNvPr id="20" name="Oval 19">
-                <a:extLst>
-                  <a:ext uri="{FF2B5EF4-FFF2-40B4-BE49-F238E27FC236}">
-                    <a16:creationId xmlns:a16="http://schemas.microsoft.com/office/drawing/2014/main" id="{8D5D3E87-7FC4-8D43-B30D-654A2D60BC33}"/>
-                  </a:ext>
-                </a:extLst>
-              </p:cNvPr>
-              <p:cNvSpPr>
-                <a:spLocks noChangeAspect="1"/>
-              </p:cNvSpPr>
-              <p:nvPr/>
-            </p:nvSpPr>
-            <p:spPr>
-              <a:xfrm>
-                <a:off x="4110629" y="3699307"/>
-                <a:ext cx="274320" cy="274320"/>
-              </a:xfrm>
-              <a:prstGeom prst="ellipse">
-                <a:avLst/>
-              </a:prstGeom>
-              <a:noFill/>
-              <a:ln w="19050">
-                <a:solidFill>
-                  <a:schemeClr val="tx1"/>
-                </a:solidFill>
-              </a:ln>
-            </p:spPr>
-            <p:style>
-              <a:lnRef idx="2">
-                <a:schemeClr val="accent1">
-                  <a:shade val="50000"/>
-                </a:schemeClr>
-              </a:lnRef>
-              <a:fillRef idx="1">
-                <a:schemeClr val="accent1"/>
-              </a:fillRef>
-              <a:effectRef idx="0">
-                <a:schemeClr val="accent1"/>
-              </a:effectRef>
-              <a:fontRef idx="minor">
-                <a:schemeClr val="lt1"/>
-              </a:fontRef>
-            </p:style>
-            <p:txBody>
-              <a:bodyPr rtlCol="0" anchor="ctr"/>
-              <a:lstStyle/>
-              <a:p>
-                <a:pPr algn="ctr"/>
-                <a:r>
-                  <a:rPr lang="en-US" sz="1600" dirty="0">
-                    <a:solidFill>
-                      <a:schemeClr val="tx1"/>
-                    </a:solidFill>
-                  </a:rPr>
-                  <a:t>3</a:t>
-                </a:r>
-              </a:p>
-            </p:txBody>
-          </p:sp>
-          <p:sp>
-            <p:nvSpPr>
-              <p:cNvPr id="21" name="Oval 20">
-                <a:extLst>
-                  <a:ext uri="{FF2B5EF4-FFF2-40B4-BE49-F238E27FC236}">
-                    <a16:creationId xmlns:a16="http://schemas.microsoft.com/office/drawing/2014/main" id="{DD9D0546-2698-8649-A19D-6E9B3379844F}"/>
-                  </a:ext>
-                </a:extLst>
-              </p:cNvPr>
-              <p:cNvSpPr>
-                <a:spLocks noChangeAspect="1"/>
-              </p:cNvSpPr>
-              <p:nvPr/>
-            </p:nvSpPr>
-            <p:spPr>
-              <a:xfrm>
-                <a:off x="2647313" y="2476030"/>
-                <a:ext cx="274320" cy="274320"/>
-              </a:xfrm>
-              <a:prstGeom prst="ellipse">
-                <a:avLst/>
-              </a:prstGeom>
-              <a:noFill/>
-              <a:ln w="19050">
-                <a:solidFill>
-                  <a:schemeClr val="tx1"/>
-                </a:solidFill>
-              </a:ln>
-            </p:spPr>
-            <p:style>
-              <a:lnRef idx="2">
-                <a:schemeClr val="accent1">
-                  <a:shade val="50000"/>
-                </a:schemeClr>
-              </a:lnRef>
-              <a:fillRef idx="1">
-                <a:schemeClr val="accent1"/>
-              </a:fillRef>
-              <a:effectRef idx="0">
-                <a:schemeClr val="accent1"/>
-              </a:effectRef>
-              <a:fontRef idx="minor">
-                <a:schemeClr val="lt1"/>
-              </a:fontRef>
-            </p:style>
-            <p:txBody>
-              <a:bodyPr rtlCol="0" anchor="ctr"/>
-              <a:lstStyle/>
-              <a:p>
-                <a:pPr algn="ctr"/>
-                <a:r>
-                  <a:rPr lang="en-US" sz="1600" dirty="0">
-                    <a:solidFill>
-                      <a:schemeClr val="tx1"/>
-                    </a:solidFill>
-                  </a:rPr>
-                  <a:t>7</a:t>
-                </a:r>
-              </a:p>
-            </p:txBody>
-          </p:sp>
-          <p:sp>
-            <p:nvSpPr>
-              <p:cNvPr id="22" name="Oval 21">
-                <a:extLst>
-                  <a:ext uri="{FF2B5EF4-FFF2-40B4-BE49-F238E27FC236}">
-                    <a16:creationId xmlns:a16="http://schemas.microsoft.com/office/drawing/2014/main" id="{7A47A46A-9333-CC45-B151-05C2A375E1CE}"/>
-                  </a:ext>
-                </a:extLst>
-              </p:cNvPr>
-              <p:cNvSpPr>
-                <a:spLocks noChangeAspect="1"/>
-              </p:cNvSpPr>
-              <p:nvPr/>
-            </p:nvSpPr>
-            <p:spPr>
-              <a:xfrm>
-                <a:off x="5454863" y="3699307"/>
-                <a:ext cx="274320" cy="274320"/>
-              </a:xfrm>
-              <a:prstGeom prst="ellipse">
-                <a:avLst/>
-              </a:prstGeom>
-              <a:noFill/>
-              <a:ln w="19050">
-                <a:solidFill>
-                  <a:schemeClr val="tx1"/>
-                </a:solidFill>
-              </a:ln>
-            </p:spPr>
-            <p:style>
-              <a:lnRef idx="2">
-                <a:schemeClr val="accent1">
-                  <a:shade val="50000"/>
-                </a:schemeClr>
-              </a:lnRef>
-              <a:fillRef idx="1">
-                <a:schemeClr val="accent1"/>
-              </a:fillRef>
-              <a:effectRef idx="0">
-                <a:schemeClr val="accent1"/>
-              </a:effectRef>
-              <a:fontRef idx="minor">
-                <a:schemeClr val="lt1"/>
-              </a:fontRef>
-            </p:style>
-            <p:txBody>
-              <a:bodyPr rtlCol="0" anchor="ctr"/>
-              <a:lstStyle/>
-              <a:p>
-                <a:pPr algn="ctr"/>
-                <a:r>
-                  <a:rPr lang="en-US" sz="1600" dirty="0">
-                    <a:solidFill>
-                      <a:schemeClr val="tx1"/>
-                    </a:solidFill>
-                  </a:rPr>
-                  <a:t>4</a:t>
-                </a:r>
-              </a:p>
-            </p:txBody>
-          </p:sp>
-          <p:sp>
-            <p:nvSpPr>
-              <p:cNvPr id="23" name="Oval 22">
-                <a:extLst>
-                  <a:ext uri="{FF2B5EF4-FFF2-40B4-BE49-F238E27FC236}">
-                    <a16:creationId xmlns:a16="http://schemas.microsoft.com/office/drawing/2014/main" id="{CF208650-FC14-E144-AB23-71785F67E277}"/>
-                  </a:ext>
-                </a:extLst>
-              </p:cNvPr>
-              <p:cNvSpPr>
-                <a:spLocks noChangeAspect="1"/>
-              </p:cNvSpPr>
-              <p:nvPr/>
-            </p:nvSpPr>
-            <p:spPr>
-              <a:xfrm>
-                <a:off x="4115223" y="2476030"/>
-                <a:ext cx="274320" cy="274320"/>
-              </a:xfrm>
-              <a:prstGeom prst="ellipse">
-                <a:avLst/>
-              </a:prstGeom>
-              <a:noFill/>
-              <a:ln w="19050">
-                <a:solidFill>
-                  <a:schemeClr val="tx1"/>
-                </a:solidFill>
-              </a:ln>
-            </p:spPr>
-            <p:style>
-              <a:lnRef idx="2">
-                <a:schemeClr val="accent1">
-                  <a:shade val="50000"/>
-                </a:schemeClr>
-              </a:lnRef>
-              <a:fillRef idx="1">
-                <a:schemeClr val="accent1"/>
-              </a:fillRef>
-              <a:effectRef idx="0">
-                <a:schemeClr val="accent1"/>
-              </a:effectRef>
-              <a:fontRef idx="minor">
-                <a:schemeClr val="lt1"/>
-              </a:fontRef>
-            </p:style>
-            <p:txBody>
-              <a:bodyPr rtlCol="0" anchor="ctr"/>
-              <a:lstStyle/>
-              <a:p>
-                <a:pPr algn="ctr"/>
-                <a:r>
-                  <a:rPr lang="en-US" sz="1600" dirty="0">
-                    <a:solidFill>
-                      <a:schemeClr val="tx1"/>
-                    </a:solidFill>
-                  </a:rPr>
-                  <a:t>8</a:t>
-                </a:r>
-              </a:p>
-            </p:txBody>
-          </p:sp>
-          <p:sp>
-            <p:nvSpPr>
-              <p:cNvPr id="24" name="Oval 23">
-                <a:extLst>
-                  <a:ext uri="{FF2B5EF4-FFF2-40B4-BE49-F238E27FC236}">
-                    <a16:creationId xmlns:a16="http://schemas.microsoft.com/office/drawing/2014/main" id="{EBC9FC54-2246-9B4E-871F-AABEA4153FBF}"/>
-                  </a:ext>
-                </a:extLst>
-              </p:cNvPr>
-              <p:cNvSpPr>
-                <a:spLocks noChangeAspect="1"/>
-              </p:cNvSpPr>
-              <p:nvPr/>
-            </p:nvSpPr>
-            <p:spPr>
-              <a:xfrm>
-                <a:off x="5445973" y="2476030"/>
-                <a:ext cx="274320" cy="274320"/>
-              </a:xfrm>
-              <a:prstGeom prst="ellipse">
-                <a:avLst/>
-              </a:prstGeom>
-              <a:noFill/>
-              <a:ln w="19050">
-                <a:solidFill>
-                  <a:schemeClr val="tx1"/>
-                </a:solidFill>
-              </a:ln>
-            </p:spPr>
-            <p:style>
-              <a:lnRef idx="2">
-                <a:schemeClr val="accent1">
-                  <a:shade val="50000"/>
-                </a:schemeClr>
-              </a:lnRef>
-              <a:fillRef idx="1">
-                <a:schemeClr val="accent1"/>
-              </a:fillRef>
-              <a:effectRef idx="0">
-                <a:schemeClr val="accent1"/>
-              </a:effectRef>
-              <a:fontRef idx="minor">
-                <a:schemeClr val="lt1"/>
-              </a:fontRef>
-            </p:style>
-            <p:txBody>
-              <a:bodyPr rtlCol="0" anchor="ctr"/>
-              <a:lstStyle/>
-              <a:p>
-                <a:pPr algn="ctr"/>
-                <a:r>
-                  <a:rPr lang="en-US" sz="1600" dirty="0">
-                    <a:solidFill>
-                      <a:schemeClr val="tx1"/>
-                    </a:solidFill>
-                  </a:rPr>
-                  <a:t>9</a:t>
-                </a:r>
-              </a:p>
-            </p:txBody>
-          </p:sp>
-          <p:sp>
-            <p:nvSpPr>
-              <p:cNvPr id="25" name="Oval 24">
-                <a:extLst>
-                  <a:ext uri="{FF2B5EF4-FFF2-40B4-BE49-F238E27FC236}">
-                    <a16:creationId xmlns:a16="http://schemas.microsoft.com/office/drawing/2014/main" id="{F414CA44-C06B-1841-A912-622D0AA2C80A}"/>
-                  </a:ext>
-                </a:extLst>
-              </p:cNvPr>
-              <p:cNvSpPr>
-                <a:spLocks noChangeAspect="1"/>
-              </p:cNvSpPr>
-              <p:nvPr/>
-            </p:nvSpPr>
-            <p:spPr>
-              <a:xfrm>
-                <a:off x="6642083" y="2476030"/>
-                <a:ext cx="274320" cy="274320"/>
-              </a:xfrm>
-              <a:prstGeom prst="ellipse">
-                <a:avLst/>
-              </a:prstGeom>
-              <a:noFill/>
-              <a:ln w="19050">
-                <a:solidFill>
-                  <a:schemeClr val="tx1"/>
-                </a:solidFill>
-              </a:ln>
-            </p:spPr>
-            <p:style>
-              <a:lnRef idx="2">
-                <a:schemeClr val="accent1">
-                  <a:shade val="50000"/>
-                </a:schemeClr>
-              </a:lnRef>
-              <a:fillRef idx="1">
-                <a:schemeClr val="accent1"/>
-              </a:fillRef>
-              <a:effectRef idx="0">
-                <a:schemeClr val="accent1"/>
-              </a:effectRef>
-              <a:fontRef idx="minor">
-                <a:schemeClr val="lt1"/>
-              </a:fontRef>
-            </p:style>
-            <p:txBody>
-              <a:bodyPr rtlCol="0" anchor="ctr"/>
-              <a:lstStyle/>
-              <a:p>
-                <a:pPr algn="ctr"/>
-                <a:endParaRPr lang="en-US" sz="1600" dirty="0">
-                  <a:solidFill>
-                    <a:schemeClr val="accent1">
-                      <a:lumMod val="50000"/>
-                    </a:schemeClr>
-                  </a:solidFill>
-                </a:endParaRPr>
-              </a:p>
-            </p:txBody>
-          </p:sp>
-          <p:sp>
-            <p:nvSpPr>
-              <p:cNvPr id="26" name="Oval 25">
-                <a:extLst>
-                  <a:ext uri="{FF2B5EF4-FFF2-40B4-BE49-F238E27FC236}">
-                    <a16:creationId xmlns:a16="http://schemas.microsoft.com/office/drawing/2014/main" id="{54C75420-77E5-D342-A7D7-9819BE56F69D}"/>
-                  </a:ext>
-                </a:extLst>
-              </p:cNvPr>
-              <p:cNvSpPr>
-                <a:spLocks noChangeAspect="1"/>
-              </p:cNvSpPr>
-              <p:nvPr/>
-            </p:nvSpPr>
-            <p:spPr>
-              <a:xfrm>
-                <a:off x="6655927" y="1525547"/>
-                <a:ext cx="274320" cy="274320"/>
-              </a:xfrm>
-              <a:prstGeom prst="ellipse">
-                <a:avLst/>
-              </a:prstGeom>
-              <a:noFill/>
-              <a:ln w="19050">
-                <a:solidFill>
-                  <a:schemeClr val="tx1"/>
-                </a:solidFill>
-              </a:ln>
-            </p:spPr>
-            <p:style>
-              <a:lnRef idx="2">
-                <a:schemeClr val="accent1">
-                  <a:shade val="50000"/>
-                </a:schemeClr>
-              </a:lnRef>
-              <a:fillRef idx="1">
-                <a:schemeClr val="accent1"/>
-              </a:fillRef>
-              <a:effectRef idx="0">
-                <a:schemeClr val="accent1"/>
-              </a:effectRef>
-              <a:fontRef idx="minor">
-                <a:schemeClr val="lt1"/>
-              </a:fontRef>
-            </p:style>
-            <p:txBody>
-              <a:bodyPr rtlCol="0" anchor="ctr"/>
-              <a:lstStyle/>
-              <a:p>
-                <a:pPr algn="ctr"/>
-                <a:endParaRPr lang="en-US" sz="1600" dirty="0">
-                  <a:solidFill>
-                    <a:schemeClr val="accent1">
-                      <a:lumMod val="50000"/>
-                    </a:schemeClr>
-                  </a:solidFill>
-                </a:endParaRPr>
-              </a:p>
-            </p:txBody>
-          </p:sp>
-          <p:sp>
-            <p:nvSpPr>
-              <p:cNvPr id="27" name="Oval 26">
-                <a:extLst>
-                  <a:ext uri="{FF2B5EF4-FFF2-40B4-BE49-F238E27FC236}">
-                    <a16:creationId xmlns:a16="http://schemas.microsoft.com/office/drawing/2014/main" id="{BE0D3F3D-DD03-8E4C-A112-1A76E5B78371}"/>
-                  </a:ext>
-                </a:extLst>
-              </p:cNvPr>
-              <p:cNvSpPr>
-                <a:spLocks noChangeAspect="1"/>
-              </p:cNvSpPr>
-              <p:nvPr/>
-            </p:nvSpPr>
-            <p:spPr>
-              <a:xfrm>
-                <a:off x="6639563" y="3699307"/>
-                <a:ext cx="274320" cy="274320"/>
-              </a:xfrm>
-              <a:prstGeom prst="ellipse">
-                <a:avLst/>
-              </a:prstGeom>
-              <a:noFill/>
-              <a:ln w="19050">
-                <a:solidFill>
-                  <a:schemeClr val="tx1"/>
-                </a:solidFill>
-              </a:ln>
-            </p:spPr>
-            <p:style>
-              <a:lnRef idx="2">
-                <a:schemeClr val="accent1">
-                  <a:shade val="50000"/>
-                </a:schemeClr>
-              </a:lnRef>
-              <a:fillRef idx="1">
-                <a:schemeClr val="accent1"/>
-              </a:fillRef>
-              <a:effectRef idx="0">
-                <a:schemeClr val="accent1"/>
-              </a:effectRef>
-              <a:fontRef idx="minor">
-                <a:schemeClr val="lt1"/>
-              </a:fontRef>
-            </p:style>
-            <p:txBody>
-              <a:bodyPr rtlCol="0" anchor="ctr"/>
-              <a:lstStyle/>
-              <a:p>
-                <a:pPr algn="ctr"/>
-                <a:r>
-                  <a:rPr lang="en-US" sz="1600" dirty="0">
-                    <a:solidFill>
-                      <a:schemeClr val="tx1"/>
-                    </a:solidFill>
-                  </a:rPr>
-                  <a:t>5</a:t>
-                </a:r>
-              </a:p>
-            </p:txBody>
-          </p:sp>
-          <p:sp>
-            <p:nvSpPr>
-              <p:cNvPr id="28" name="Oval 27">
-                <a:extLst>
-                  <a:ext uri="{FF2B5EF4-FFF2-40B4-BE49-F238E27FC236}">
-                    <a16:creationId xmlns:a16="http://schemas.microsoft.com/office/drawing/2014/main" id="{B9CF70FD-B4C3-8344-B775-92BFF284FDBF}"/>
-                  </a:ext>
-                </a:extLst>
-              </p:cNvPr>
-              <p:cNvSpPr>
-                <a:spLocks noChangeAspect="1"/>
-              </p:cNvSpPr>
-              <p:nvPr/>
-            </p:nvSpPr>
-            <p:spPr>
-              <a:xfrm>
-                <a:off x="1166068" y="2476030"/>
-                <a:ext cx="274320" cy="274320"/>
-              </a:xfrm>
-              <a:prstGeom prst="ellipse">
-                <a:avLst/>
-              </a:prstGeom>
-              <a:noFill/>
-              <a:ln w="19050">
-                <a:solidFill>
-                  <a:schemeClr val="tx1"/>
-                </a:solidFill>
-              </a:ln>
-            </p:spPr>
-            <p:style>
-              <a:lnRef idx="2">
-                <a:schemeClr val="accent1">
-                  <a:shade val="50000"/>
-                </a:schemeClr>
-              </a:lnRef>
-              <a:fillRef idx="1">
-                <a:schemeClr val="accent1"/>
-              </a:fillRef>
-              <a:effectRef idx="0">
-                <a:schemeClr val="accent1"/>
-              </a:effectRef>
-              <a:fontRef idx="minor">
-                <a:schemeClr val="lt1"/>
-              </a:fontRef>
-            </p:style>
-            <p:txBody>
-              <a:bodyPr rtlCol="0" anchor="ctr"/>
-              <a:lstStyle/>
-              <a:p>
-                <a:pPr algn="ctr"/>
-                <a:r>
-                  <a:rPr lang="en-US" sz="1600" dirty="0">
-                    <a:solidFill>
-                      <a:schemeClr val="tx1"/>
-                    </a:solidFill>
-                  </a:rPr>
-                  <a:t>6</a:t>
-                </a:r>
-              </a:p>
-            </p:txBody>
-          </p:sp>
-          <p:cxnSp>
-            <p:nvCxnSpPr>
-              <p:cNvPr id="29" name="Straight Connector 28">
-                <a:extLst>
-                  <a:ext uri="{FF2B5EF4-FFF2-40B4-BE49-F238E27FC236}">
-                    <a16:creationId xmlns:a16="http://schemas.microsoft.com/office/drawing/2014/main" id="{334C025F-D7DB-8D4A-8FC1-581092816493}"/>
-                  </a:ext>
-                </a:extLst>
-              </p:cNvPr>
-              <p:cNvCxnSpPr>
-                <a:stCxn id="21" idx="2"/>
-                <a:endCxn id="28" idx="6"/>
-              </p:cNvCxnSpPr>
-              <p:nvPr/>
-            </p:nvCxnSpPr>
-            <p:spPr>
-              <a:xfrm flipH="1">
-                <a:off x="1440388" y="2613190"/>
-                <a:ext cx="1206925" cy="0"/>
-              </a:xfrm>
-              <a:prstGeom prst="line">
-                <a:avLst/>
-              </a:prstGeom>
-              <a:ln w="38100">
-                <a:solidFill>
-                  <a:schemeClr val="tx1"/>
-                </a:solidFill>
-              </a:ln>
-            </p:spPr>
-            <p:style>
-              <a:lnRef idx="1">
-                <a:schemeClr val="accent1"/>
-              </a:lnRef>
-              <a:fillRef idx="0">
-                <a:schemeClr val="accent1"/>
-              </a:fillRef>
-              <a:effectRef idx="0">
-                <a:schemeClr val="accent1"/>
-              </a:effectRef>
-              <a:fontRef idx="minor">
-                <a:schemeClr val="tx1"/>
-              </a:fontRef>
-            </p:style>
-          </p:cxnSp>
-        </p:grpSp>
-        <p:sp>
-          <p:nvSpPr>
-            <p:cNvPr id="5" name="TextBox 4">
-              <a:extLst>
-                <a:ext uri="{FF2B5EF4-FFF2-40B4-BE49-F238E27FC236}">
-                  <a16:creationId xmlns:a16="http://schemas.microsoft.com/office/drawing/2014/main" id="{903DC019-86C2-8E47-8BAF-14DBE0FADD8C}"/>
-                </a:ext>
-              </a:extLst>
-            </p:cNvPr>
-            <p:cNvSpPr txBox="1"/>
-            <p:nvPr/>
-          </p:nvSpPr>
-          <p:spPr>
-            <a:xfrm>
-              <a:off x="6580195" y="2437234"/>
-              <a:ext cx="393056" cy="338554"/>
-            </a:xfrm>
-            <a:prstGeom prst="rect">
-              <a:avLst/>
-            </a:prstGeom>
-            <a:noFill/>
-          </p:spPr>
-          <p:txBody>
-            <a:bodyPr wrap="none" rtlCol="0">
-              <a:spAutoFit/>
-            </a:bodyPr>
-            <a:lstStyle/>
-            <a:p>
-              <a:r>
-                <a:rPr lang="en-US" sz="1600" dirty="0"/>
-                <a:t>10</a:t>
-              </a:r>
-            </a:p>
-          </p:txBody>
-        </p:sp>
-        <p:sp>
-          <p:nvSpPr>
-            <p:cNvPr id="6" name="TextBox 5">
-              <a:extLst>
-                <a:ext uri="{FF2B5EF4-FFF2-40B4-BE49-F238E27FC236}">
-                  <a16:creationId xmlns:a16="http://schemas.microsoft.com/office/drawing/2014/main" id="{8AF34384-6899-2749-8049-DA62AB4FE52F}"/>
-                </a:ext>
-              </a:extLst>
-            </p:cNvPr>
-            <p:cNvSpPr txBox="1"/>
-            <p:nvPr/>
-          </p:nvSpPr>
-          <p:spPr>
-            <a:xfrm>
-              <a:off x="6594039" y="1487042"/>
-              <a:ext cx="393056" cy="338554"/>
-            </a:xfrm>
-            <a:prstGeom prst="rect">
-              <a:avLst/>
-            </a:prstGeom>
-            <a:noFill/>
-          </p:spPr>
-          <p:txBody>
-            <a:bodyPr wrap="none" rtlCol="0">
-              <a:spAutoFit/>
-            </a:bodyPr>
-            <a:lstStyle/>
-            <a:p>
-              <a:r>
-                <a:rPr lang="en-US" sz="1600" dirty="0"/>
-                <a:t>11</a:t>
-              </a:r>
-            </a:p>
-          </p:txBody>
-        </p:sp>
-      </p:grpSp>
+          <p:cNvSpPr>
+            <a:spLocks noGrp="1"/>
+          </p:cNvSpPr>
+          <p:nvPr>
+            <p:ph type="body" idx="1"/>
+          </p:nvPr>
+        </p:nvSpPr>
+        <p:spPr/>
+        <p:txBody>
+          <a:bodyPr/>
+          <a:lstStyle/>
+          <a:p>
+            <a:endParaRPr lang="en-US"/>
+          </a:p>
+        </p:txBody>
+      </p:sp>
     </p:spTree>
     <p:extLst>
       <p:ext uri="{BB962C8B-B14F-4D97-AF65-F5344CB8AC3E}">
-        <p14:creationId xmlns:p14="http://schemas.microsoft.com/office/powerpoint/2010/main" val="3895911574"/>
+        <p14:creationId xmlns:p14="http://schemas.microsoft.com/office/powerpoint/2010/main" val="3965236154"/>
       </p:ext>
     </p:extLst>
   </p:cSld>
@@ -12973,7 +15114,7 @@
 </p:sld>
 </file>
 
-<file path=ppt/slides/slide3.xml><?xml version="1.0" encoding="utf-8"?>
+<file path=ppt/slides/slide4.xml><?xml version="1.0" encoding="utf-8"?>
 <p:sld xmlns:a="http://schemas.openxmlformats.org/drawingml/2006/main" xmlns:r="http://schemas.openxmlformats.org/officeDocument/2006/relationships" xmlns:p="http://schemas.openxmlformats.org/presentationml/2006/main">
   <p:cSld>
     <p:spTree>
@@ -13189,7 +15330,7 @@
 </p:sld>
 </file>
 
-<file path=ppt/slides/slide4.xml><?xml version="1.0" encoding="utf-8"?>
+<file path=ppt/slides/slide5.xml><?xml version="1.0" encoding="utf-8"?>
 <p:sld xmlns:a="http://schemas.openxmlformats.org/drawingml/2006/main" xmlns:r="http://schemas.openxmlformats.org/officeDocument/2006/relationships" xmlns:p="http://schemas.openxmlformats.org/presentationml/2006/main">
   <p:cSld>
     <p:spTree>
@@ -14534,7 +16675,90 @@
 </p:sld>
 </file>
 
-<file path=ppt/slides/slide5.xml><?xml version="1.0" encoding="utf-8"?>
+<file path=ppt/slides/slide6.xml><?xml version="1.0" encoding="utf-8"?>
+<p:sld xmlns:a="http://schemas.openxmlformats.org/drawingml/2006/main" xmlns:r="http://schemas.openxmlformats.org/officeDocument/2006/relationships" xmlns:p="http://schemas.openxmlformats.org/presentationml/2006/main">
+  <p:cSld>
+    <p:spTree>
+      <p:nvGrpSpPr>
+        <p:cNvPr id="1" name=""/>
+        <p:cNvGrpSpPr/>
+        <p:nvPr/>
+      </p:nvGrpSpPr>
+      <p:grpSpPr>
+        <a:xfrm>
+          <a:off x="0" y="0"/>
+          <a:ext cx="0" cy="0"/>
+          <a:chOff x="0" y="0"/>
+          <a:chExt cx="0" cy="0"/>
+        </a:xfrm>
+      </p:grpSpPr>
+      <p:sp>
+        <p:nvSpPr>
+          <p:cNvPr id="2" name="Title 1">
+            <a:extLst>
+              <a:ext uri="{FF2B5EF4-FFF2-40B4-BE49-F238E27FC236}">
+                <a16:creationId xmlns:a16="http://schemas.microsoft.com/office/drawing/2014/main" id="{BFF7B722-1F0B-DC4C-8E97-A564D8222BBB}"/>
+              </a:ext>
+            </a:extLst>
+          </p:cNvPr>
+          <p:cNvSpPr>
+            <a:spLocks noGrp="1"/>
+          </p:cNvSpPr>
+          <p:nvPr>
+            <p:ph type="title"/>
+          </p:nvPr>
+        </p:nvSpPr>
+        <p:spPr/>
+        <p:txBody>
+          <a:bodyPr/>
+          <a:lstStyle/>
+          <a:p>
+            <a:r>
+              <a:rPr lang="en-US" dirty="0"/>
+              <a:t>Collision</a:t>
+            </a:r>
+          </a:p>
+        </p:txBody>
+      </p:sp>
+      <p:sp>
+        <p:nvSpPr>
+          <p:cNvPr id="3" name="Text Placeholder 2">
+            <a:extLst>
+              <a:ext uri="{FF2B5EF4-FFF2-40B4-BE49-F238E27FC236}">
+                <a16:creationId xmlns:a16="http://schemas.microsoft.com/office/drawing/2014/main" id="{84824990-3A46-8C45-A622-5B1030D2CC5D}"/>
+              </a:ext>
+            </a:extLst>
+          </p:cNvPr>
+          <p:cNvSpPr>
+            <a:spLocks noGrp="1"/>
+          </p:cNvSpPr>
+          <p:nvPr>
+            <p:ph type="body" idx="1"/>
+          </p:nvPr>
+        </p:nvSpPr>
+        <p:spPr/>
+        <p:txBody>
+          <a:bodyPr/>
+          <a:lstStyle/>
+          <a:p>
+            <a:endParaRPr lang="en-US"/>
+          </a:p>
+        </p:txBody>
+      </p:sp>
+    </p:spTree>
+    <p:extLst>
+      <p:ext uri="{BB962C8B-B14F-4D97-AF65-F5344CB8AC3E}">
+        <p14:creationId xmlns:p14="http://schemas.microsoft.com/office/powerpoint/2010/main" val="3376099140"/>
+      </p:ext>
+    </p:extLst>
+  </p:cSld>
+  <p:clrMapOvr>
+    <a:masterClrMapping/>
+  </p:clrMapOvr>
+</p:sld>
+</file>
+
+<file path=ppt/slides/slide7.xml><?xml version="1.0" encoding="utf-8"?>
 <p:sld xmlns:a="http://schemas.openxmlformats.org/drawingml/2006/main" xmlns:r="http://schemas.openxmlformats.org/officeDocument/2006/relationships" xmlns:p="http://schemas.openxmlformats.org/presentationml/2006/main">
   <p:cSld>
     <p:spTree>
@@ -15488,7 +17712,7 @@
 </p:sld>
 </file>
 
-<file path=ppt/slides/slide6.xml><?xml version="1.0" encoding="utf-8"?>
+<file path=ppt/slides/slide8.xml><?xml version="1.0" encoding="utf-8"?>
 <p:sld xmlns:a="http://schemas.openxmlformats.org/drawingml/2006/main" xmlns:r="http://schemas.openxmlformats.org/officeDocument/2006/relationships" xmlns:p="http://schemas.openxmlformats.org/presentationml/2006/main">
   <p:cSld>
     <p:spTree>
@@ -16903,7 +19127,7 @@
 </p:sld>
 </file>
 
-<file path=ppt/slides/slide7.xml><?xml version="1.0" encoding="utf-8"?>
+<file path=ppt/slides/slide9.xml><?xml version="1.0" encoding="utf-8"?>
 <p:sld xmlns:a="http://schemas.openxmlformats.org/drawingml/2006/main" xmlns:r="http://schemas.openxmlformats.org/officeDocument/2006/relationships" xmlns:p="http://schemas.openxmlformats.org/presentationml/2006/main">
   <p:cSld>
     <p:spTree>
@@ -19823,1805 +22047,6 @@
 </p:sld>
 </file>
 
-<file path=ppt/slides/slide8.xml><?xml version="1.0" encoding="utf-8"?>
-<p:sld xmlns:a="http://schemas.openxmlformats.org/drawingml/2006/main" xmlns:r="http://schemas.openxmlformats.org/officeDocument/2006/relationships" xmlns:p="http://schemas.openxmlformats.org/presentationml/2006/main">
-  <p:cSld>
-    <p:spTree>
-      <p:nvGrpSpPr>
-        <p:cNvPr id="1" name=""/>
-        <p:cNvGrpSpPr/>
-        <p:nvPr/>
-      </p:nvGrpSpPr>
-      <p:grpSpPr>
-        <a:xfrm>
-          <a:off x="0" y="0"/>
-          <a:ext cx="0" cy="0"/>
-          <a:chOff x="0" y="0"/>
-          <a:chExt cx="0" cy="0"/>
-        </a:xfrm>
-      </p:grpSpPr>
-      <p:pic>
-        <p:nvPicPr>
-          <p:cNvPr id="2" name="Picture 1">
-            <a:extLst>
-              <a:ext uri="{FF2B5EF4-FFF2-40B4-BE49-F238E27FC236}">
-                <a16:creationId xmlns:a16="http://schemas.microsoft.com/office/drawing/2014/main" id="{1F29CBBD-0258-F442-8CFE-F09FFE818D11}"/>
-              </a:ext>
-            </a:extLst>
-          </p:cNvPr>
-          <p:cNvPicPr>
-            <a:picLocks noChangeAspect="1"/>
-          </p:cNvPicPr>
-          <p:nvPr/>
-        </p:nvPicPr>
-        <p:blipFill rotWithShape="1">
-          <a:blip r:embed="rId2"/>
-          <a:srcRect t="8798" r="51455" b="56701"/>
-          <a:stretch/>
-        </p:blipFill>
-        <p:spPr>
-          <a:xfrm>
-            <a:off x="330837" y="1416744"/>
-            <a:ext cx="6645135" cy="3657600"/>
-          </a:xfrm>
-          <a:prstGeom prst="rect">
-            <a:avLst/>
-          </a:prstGeom>
-        </p:spPr>
-      </p:pic>
-      <p:sp>
-        <p:nvSpPr>
-          <p:cNvPr id="14" name="Rectangle 13">
-            <a:extLst>
-              <a:ext uri="{FF2B5EF4-FFF2-40B4-BE49-F238E27FC236}">
-                <a16:creationId xmlns:a16="http://schemas.microsoft.com/office/drawing/2014/main" id="{E99E36E7-0E61-714D-A83F-8EE37A9CB438}"/>
-              </a:ext>
-            </a:extLst>
-          </p:cNvPr>
-          <p:cNvSpPr/>
-          <p:nvPr/>
-        </p:nvSpPr>
-        <p:spPr>
-          <a:xfrm>
-            <a:off x="5895327" y="1416744"/>
-            <a:ext cx="1160009" cy="3142556"/>
-          </a:xfrm>
-          <a:prstGeom prst="rect">
-            <a:avLst/>
-          </a:prstGeom>
-          <a:solidFill>
-            <a:srgbClr val="92D050">
-              <a:alpha val="34902"/>
-            </a:srgbClr>
-          </a:solidFill>
-          <a:ln>
-            <a:prstDash val="lgDash"/>
-          </a:ln>
-        </p:spPr>
-        <p:style>
-          <a:lnRef idx="2">
-            <a:schemeClr val="accent1">
-              <a:shade val="50000"/>
-            </a:schemeClr>
-          </a:lnRef>
-          <a:fillRef idx="1">
-            <a:schemeClr val="accent1"/>
-          </a:fillRef>
-          <a:effectRef idx="0">
-            <a:schemeClr val="accent1"/>
-          </a:effectRef>
-          <a:fontRef idx="minor">
-            <a:schemeClr val="lt1"/>
-          </a:fontRef>
-        </p:style>
-        <p:txBody>
-          <a:bodyPr rtlCol="0" anchor="ctr"/>
-          <a:lstStyle/>
-          <a:p>
-            <a:pPr algn="ctr"/>
-            <a:endParaRPr lang="en-US"/>
-          </a:p>
-        </p:txBody>
-      </p:sp>
-      <p:sp>
-        <p:nvSpPr>
-          <p:cNvPr id="15" name="Rectangle 14">
-            <a:extLst>
-              <a:ext uri="{FF2B5EF4-FFF2-40B4-BE49-F238E27FC236}">
-                <a16:creationId xmlns:a16="http://schemas.microsoft.com/office/drawing/2014/main" id="{81ED0E72-9457-914C-A804-14193216C1FB}"/>
-              </a:ext>
-            </a:extLst>
-          </p:cNvPr>
-          <p:cNvSpPr/>
-          <p:nvPr/>
-        </p:nvSpPr>
-        <p:spPr>
-          <a:xfrm>
-            <a:off x="330837" y="1816100"/>
-            <a:ext cx="2142739" cy="2743200"/>
-          </a:xfrm>
-          <a:prstGeom prst="rect">
-            <a:avLst/>
-          </a:prstGeom>
-          <a:solidFill>
-            <a:srgbClr val="FFFF00">
-              <a:alpha val="34902"/>
-            </a:srgbClr>
-          </a:solidFill>
-          <a:ln>
-            <a:prstDash val="lgDash"/>
-          </a:ln>
-        </p:spPr>
-        <p:style>
-          <a:lnRef idx="2">
-            <a:schemeClr val="accent1">
-              <a:shade val="50000"/>
-            </a:schemeClr>
-          </a:lnRef>
-          <a:fillRef idx="1">
-            <a:schemeClr val="accent1"/>
-          </a:fillRef>
-          <a:effectRef idx="0">
-            <a:schemeClr val="accent1"/>
-          </a:effectRef>
-          <a:fontRef idx="minor">
-            <a:schemeClr val="lt1"/>
-          </a:fontRef>
-        </p:style>
-        <p:txBody>
-          <a:bodyPr rtlCol="0" anchor="ctr"/>
-          <a:lstStyle/>
-          <a:p>
-            <a:pPr algn="ctr"/>
-            <a:endParaRPr lang="en-US"/>
-          </a:p>
-        </p:txBody>
-      </p:sp>
-      <p:sp>
-        <p:nvSpPr>
-          <p:cNvPr id="16" name="Rectangle 15">
-            <a:extLst>
-              <a:ext uri="{FF2B5EF4-FFF2-40B4-BE49-F238E27FC236}">
-                <a16:creationId xmlns:a16="http://schemas.microsoft.com/office/drawing/2014/main" id="{2715C3E9-111E-F843-AAE8-E471C5F02851}"/>
-              </a:ext>
-            </a:extLst>
-          </p:cNvPr>
-          <p:cNvSpPr/>
-          <p:nvPr/>
-        </p:nvSpPr>
-        <p:spPr>
-          <a:xfrm>
-            <a:off x="2557472" y="3149600"/>
-            <a:ext cx="3253187" cy="1409700"/>
-          </a:xfrm>
-          <a:prstGeom prst="rect">
-            <a:avLst/>
-          </a:prstGeom>
-          <a:solidFill>
-            <a:srgbClr val="FF0000">
-              <a:alpha val="34902"/>
-            </a:srgbClr>
-          </a:solidFill>
-          <a:ln>
-            <a:prstDash val="lgDash"/>
-          </a:ln>
-        </p:spPr>
-        <p:style>
-          <a:lnRef idx="2">
-            <a:schemeClr val="accent1">
-              <a:shade val="50000"/>
-            </a:schemeClr>
-          </a:lnRef>
-          <a:fillRef idx="1">
-            <a:schemeClr val="accent1"/>
-          </a:fillRef>
-          <a:effectRef idx="0">
-            <a:schemeClr val="accent1"/>
-          </a:effectRef>
-          <a:fontRef idx="minor">
-            <a:schemeClr val="lt1"/>
-          </a:fontRef>
-        </p:style>
-        <p:txBody>
-          <a:bodyPr rtlCol="0" anchor="ctr"/>
-          <a:lstStyle/>
-          <a:p>
-            <a:pPr algn="ctr"/>
-            <a:endParaRPr lang="en-US"/>
-          </a:p>
-        </p:txBody>
-      </p:sp>
-      <p:sp>
-        <p:nvSpPr>
-          <p:cNvPr id="17" name="Rectangle 16">
-            <a:extLst>
-              <a:ext uri="{FF2B5EF4-FFF2-40B4-BE49-F238E27FC236}">
-                <a16:creationId xmlns:a16="http://schemas.microsoft.com/office/drawing/2014/main" id="{9582E5A6-3772-D248-AFC0-E95A8B1B3AA2}"/>
-              </a:ext>
-            </a:extLst>
-          </p:cNvPr>
-          <p:cNvSpPr/>
-          <p:nvPr/>
-        </p:nvSpPr>
-        <p:spPr>
-          <a:xfrm>
-            <a:off x="2557473" y="1816100"/>
-            <a:ext cx="3253186" cy="1275656"/>
-          </a:xfrm>
-          <a:prstGeom prst="rect">
-            <a:avLst/>
-          </a:prstGeom>
-          <a:solidFill>
-            <a:srgbClr val="92D050">
-              <a:alpha val="34902"/>
-            </a:srgbClr>
-          </a:solidFill>
-          <a:ln>
-            <a:prstDash val="lgDash"/>
-          </a:ln>
-        </p:spPr>
-        <p:style>
-          <a:lnRef idx="2">
-            <a:schemeClr val="accent1">
-              <a:shade val="50000"/>
-            </a:schemeClr>
-          </a:lnRef>
-          <a:fillRef idx="1">
-            <a:schemeClr val="accent1"/>
-          </a:fillRef>
-          <a:effectRef idx="0">
-            <a:schemeClr val="accent1"/>
-          </a:effectRef>
-          <a:fontRef idx="minor">
-            <a:schemeClr val="lt1"/>
-          </a:fontRef>
-        </p:style>
-        <p:txBody>
-          <a:bodyPr rtlCol="0" anchor="ctr"/>
-          <a:lstStyle/>
-          <a:p>
-            <a:pPr algn="ctr"/>
-            <a:endParaRPr lang="en-US"/>
-          </a:p>
-        </p:txBody>
-      </p:sp>
-      <p:sp>
-        <p:nvSpPr>
-          <p:cNvPr id="5" name="5-Point Star 4">
-            <a:extLst>
-              <a:ext uri="{FF2B5EF4-FFF2-40B4-BE49-F238E27FC236}">
-                <a16:creationId xmlns:a16="http://schemas.microsoft.com/office/drawing/2014/main" id="{8DB8F06C-CAE0-2E42-8AF0-1EE4A7F4EB3C}"/>
-              </a:ext>
-            </a:extLst>
-          </p:cNvPr>
-          <p:cNvSpPr>
-            <a:spLocks noChangeAspect="1"/>
-          </p:cNvSpPr>
-          <p:nvPr/>
-        </p:nvSpPr>
-        <p:spPr>
-          <a:xfrm>
-            <a:off x="6509841" y="3562146"/>
-            <a:ext cx="365760" cy="365760"/>
-          </a:xfrm>
-          <a:prstGeom prst="star5">
-            <a:avLst/>
-          </a:prstGeom>
-          <a:solidFill>
-            <a:srgbClr val="00B0F0"/>
-          </a:solidFill>
-          <a:ln>
-            <a:solidFill>
-              <a:schemeClr val="accent1">
-                <a:lumMod val="50000"/>
-              </a:schemeClr>
-            </a:solidFill>
-          </a:ln>
-        </p:spPr>
-        <p:style>
-          <a:lnRef idx="2">
-            <a:schemeClr val="accent1">
-              <a:shade val="50000"/>
-            </a:schemeClr>
-          </a:lnRef>
-          <a:fillRef idx="1">
-            <a:schemeClr val="accent1"/>
-          </a:fillRef>
-          <a:effectRef idx="0">
-            <a:schemeClr val="accent1"/>
-          </a:effectRef>
-          <a:fontRef idx="minor">
-            <a:schemeClr val="lt1"/>
-          </a:fontRef>
-        </p:style>
-        <p:txBody>
-          <a:bodyPr rtlCol="0" anchor="ctr"/>
-          <a:lstStyle/>
-          <a:p>
-            <a:pPr algn="ctr"/>
-            <a:endParaRPr lang="en-US"/>
-          </a:p>
-        </p:txBody>
-      </p:sp>
-      <p:pic>
-        <p:nvPicPr>
-          <p:cNvPr id="7" name="Picture 6">
-            <a:extLst>
-              <a:ext uri="{FF2B5EF4-FFF2-40B4-BE49-F238E27FC236}">
-                <a16:creationId xmlns:a16="http://schemas.microsoft.com/office/drawing/2014/main" id="{D8704B35-6893-B641-8C03-8B09F5F278B9}"/>
-              </a:ext>
-            </a:extLst>
-          </p:cNvPr>
-          <p:cNvPicPr>
-            <a:picLocks noChangeAspect="1"/>
-          </p:cNvPicPr>
-          <p:nvPr/>
-        </p:nvPicPr>
-        <p:blipFill rotWithShape="1">
-          <a:blip r:embed="rId3"/>
-          <a:srcRect l="26302" t="1905" r="24095"/>
-          <a:stretch/>
-        </p:blipFill>
-        <p:spPr>
-          <a:xfrm>
-            <a:off x="1087452" y="3287826"/>
-            <a:ext cx="431549" cy="640080"/>
-          </a:xfrm>
-          <a:prstGeom prst="rect">
-            <a:avLst/>
-          </a:prstGeom>
-        </p:spPr>
-      </p:pic>
-      <p:sp>
-        <p:nvSpPr>
-          <p:cNvPr id="8" name="TextBox 7">
-            <a:extLst>
-              <a:ext uri="{FF2B5EF4-FFF2-40B4-BE49-F238E27FC236}">
-                <a16:creationId xmlns:a16="http://schemas.microsoft.com/office/drawing/2014/main" id="{08CC7DEB-706C-6A41-8E41-F8DE7CD2686D}"/>
-              </a:ext>
-            </a:extLst>
-          </p:cNvPr>
-          <p:cNvSpPr txBox="1"/>
-          <p:nvPr/>
-        </p:nvSpPr>
-        <p:spPr>
-          <a:xfrm>
-            <a:off x="987083" y="3973626"/>
-            <a:ext cx="632289" cy="369332"/>
-          </a:xfrm>
-          <a:prstGeom prst="rect">
-            <a:avLst/>
-          </a:prstGeom>
-          <a:noFill/>
-        </p:spPr>
-        <p:txBody>
-          <a:bodyPr wrap="none" rtlCol="0">
-            <a:spAutoFit/>
-          </a:bodyPr>
-          <a:lstStyle/>
-          <a:p>
-            <a:r>
-              <a:rPr lang="en-US" dirty="0"/>
-              <a:t>Start</a:t>
-            </a:r>
-          </a:p>
-        </p:txBody>
-      </p:sp>
-      <p:sp>
-        <p:nvSpPr>
-          <p:cNvPr id="9" name="TextBox 8">
-            <a:extLst>
-              <a:ext uri="{FF2B5EF4-FFF2-40B4-BE49-F238E27FC236}">
-                <a16:creationId xmlns:a16="http://schemas.microsoft.com/office/drawing/2014/main" id="{F3BE6089-08BE-A544-A310-02A323F0D7C6}"/>
-              </a:ext>
-            </a:extLst>
-          </p:cNvPr>
-          <p:cNvSpPr txBox="1"/>
-          <p:nvPr/>
-        </p:nvSpPr>
-        <p:spPr>
-          <a:xfrm>
-            <a:off x="6975972" y="3607866"/>
-            <a:ext cx="615874" cy="369332"/>
-          </a:xfrm>
-          <a:prstGeom prst="rect">
-            <a:avLst/>
-          </a:prstGeom>
-          <a:noFill/>
-        </p:spPr>
-        <p:txBody>
-          <a:bodyPr wrap="none" rtlCol="0">
-            <a:spAutoFit/>
-          </a:bodyPr>
-          <a:lstStyle/>
-          <a:p>
-            <a:r>
-              <a:rPr lang="en-US" dirty="0"/>
-              <a:t>Goal</a:t>
-            </a:r>
-          </a:p>
-        </p:txBody>
-      </p:sp>
-    </p:spTree>
-    <p:extLst>
-      <p:ext uri="{BB962C8B-B14F-4D97-AF65-F5344CB8AC3E}">
-        <p14:creationId xmlns:p14="http://schemas.microsoft.com/office/powerpoint/2010/main" val="3151853320"/>
-      </p:ext>
-    </p:extLst>
-  </p:cSld>
-  <p:clrMapOvr>
-    <a:masterClrMapping/>
-  </p:clrMapOvr>
-</p:sld>
-</file>
-
-<file path=ppt/slides/slide9.xml><?xml version="1.0" encoding="utf-8"?>
-<p:sld xmlns:a="http://schemas.openxmlformats.org/drawingml/2006/main" xmlns:r="http://schemas.openxmlformats.org/officeDocument/2006/relationships" xmlns:p="http://schemas.openxmlformats.org/presentationml/2006/main">
-  <p:cSld>
-    <p:spTree>
-      <p:nvGrpSpPr>
-        <p:cNvPr id="1" name=""/>
-        <p:cNvGrpSpPr/>
-        <p:nvPr/>
-      </p:nvGrpSpPr>
-      <p:grpSpPr>
-        <a:xfrm>
-          <a:off x="0" y="0"/>
-          <a:ext cx="0" cy="0"/>
-          <a:chOff x="0" y="0"/>
-          <a:chExt cx="0" cy="0"/>
-        </a:xfrm>
-      </p:grpSpPr>
-      <p:grpSp>
-        <p:nvGrpSpPr>
-          <p:cNvPr id="31" name="Group 30">
-            <a:extLst>
-              <a:ext uri="{FF2B5EF4-FFF2-40B4-BE49-F238E27FC236}">
-                <a16:creationId xmlns:a16="http://schemas.microsoft.com/office/drawing/2014/main" id="{501543D2-25A5-BE40-A93F-D79B87620E5A}"/>
-              </a:ext>
-            </a:extLst>
-          </p:cNvPr>
-          <p:cNvGrpSpPr/>
-          <p:nvPr/>
-        </p:nvGrpSpPr>
-        <p:grpSpPr>
-          <a:xfrm>
-            <a:off x="1166068" y="1487042"/>
-            <a:ext cx="5821027" cy="2486585"/>
-            <a:chOff x="1166068" y="1487042"/>
-            <a:chExt cx="5821027" cy="2486585"/>
-          </a:xfrm>
-        </p:grpSpPr>
-        <p:grpSp>
-          <p:nvGrpSpPr>
-            <p:cNvPr id="3" name="Group 2">
-              <a:extLst>
-                <a:ext uri="{FF2B5EF4-FFF2-40B4-BE49-F238E27FC236}">
-                  <a16:creationId xmlns:a16="http://schemas.microsoft.com/office/drawing/2014/main" id="{CEA56E65-997E-2244-AF21-4C911735E35B}"/>
-                </a:ext>
-              </a:extLst>
-            </p:cNvPr>
-            <p:cNvGrpSpPr/>
-            <p:nvPr/>
-          </p:nvGrpSpPr>
-          <p:grpSpPr>
-            <a:xfrm>
-              <a:off x="1166068" y="1525547"/>
-              <a:ext cx="5764179" cy="2448080"/>
-              <a:chOff x="1166068" y="1525547"/>
-              <a:chExt cx="5764179" cy="2448080"/>
-            </a:xfrm>
-          </p:grpSpPr>
-          <p:sp>
-            <p:nvSpPr>
-              <p:cNvPr id="6" name="Oval 5">
-                <a:extLst>
-                  <a:ext uri="{FF2B5EF4-FFF2-40B4-BE49-F238E27FC236}">
-                    <a16:creationId xmlns:a16="http://schemas.microsoft.com/office/drawing/2014/main" id="{46F00069-EE33-FF4D-913E-42CEAF4CA5B7}"/>
-                  </a:ext>
-                </a:extLst>
-              </p:cNvPr>
-              <p:cNvSpPr>
-                <a:spLocks noChangeAspect="1"/>
-              </p:cNvSpPr>
-              <p:nvPr/>
-            </p:nvSpPr>
-            <p:spPr>
-              <a:xfrm>
-                <a:off x="1170513" y="3699307"/>
-                <a:ext cx="274320" cy="274320"/>
-              </a:xfrm>
-              <a:prstGeom prst="ellipse">
-                <a:avLst/>
-              </a:prstGeom>
-              <a:solidFill>
-                <a:srgbClr val="FFFF00"/>
-              </a:solidFill>
-              <a:ln w="19050">
-                <a:solidFill>
-                  <a:schemeClr val="tx1"/>
-                </a:solidFill>
-              </a:ln>
-            </p:spPr>
-            <p:style>
-              <a:lnRef idx="2">
-                <a:schemeClr val="accent1">
-                  <a:shade val="50000"/>
-                </a:schemeClr>
-              </a:lnRef>
-              <a:fillRef idx="1">
-                <a:schemeClr val="accent1"/>
-              </a:fillRef>
-              <a:effectRef idx="0">
-                <a:schemeClr val="accent1"/>
-              </a:effectRef>
-              <a:fontRef idx="minor">
-                <a:schemeClr val="lt1"/>
-              </a:fontRef>
-            </p:style>
-            <p:txBody>
-              <a:bodyPr rtlCol="0" anchor="ctr"/>
-              <a:lstStyle/>
-              <a:p>
-                <a:pPr algn="ctr"/>
-                <a:r>
-                  <a:rPr lang="en-US" sz="1600" dirty="0">
-                    <a:solidFill>
-                      <a:schemeClr val="tx1"/>
-                    </a:solidFill>
-                  </a:rPr>
-                  <a:t>1</a:t>
-                </a:r>
-              </a:p>
-            </p:txBody>
-          </p:sp>
-          <p:sp>
-            <p:nvSpPr>
-              <p:cNvPr id="7" name="Oval 6">
-                <a:extLst>
-                  <a:ext uri="{FF2B5EF4-FFF2-40B4-BE49-F238E27FC236}">
-                    <a16:creationId xmlns:a16="http://schemas.microsoft.com/office/drawing/2014/main" id="{8DB361B1-5007-6448-84A0-8C5EA462E3DC}"/>
-                  </a:ext>
-                </a:extLst>
-              </p:cNvPr>
-              <p:cNvSpPr>
-                <a:spLocks noChangeAspect="1"/>
-              </p:cNvSpPr>
-              <p:nvPr/>
-            </p:nvSpPr>
-            <p:spPr>
-              <a:xfrm>
-                <a:off x="2638423" y="3699307"/>
-                <a:ext cx="274320" cy="274320"/>
-              </a:xfrm>
-              <a:prstGeom prst="ellipse">
-                <a:avLst/>
-              </a:prstGeom>
-              <a:solidFill>
-                <a:srgbClr val="FF0000"/>
-              </a:solidFill>
-              <a:ln w="19050">
-                <a:solidFill>
-                  <a:schemeClr val="tx1"/>
-                </a:solidFill>
-              </a:ln>
-            </p:spPr>
-            <p:style>
-              <a:lnRef idx="2">
-                <a:schemeClr val="accent1">
-                  <a:shade val="50000"/>
-                </a:schemeClr>
-              </a:lnRef>
-              <a:fillRef idx="1">
-                <a:schemeClr val="accent1"/>
-              </a:fillRef>
-              <a:effectRef idx="0">
-                <a:schemeClr val="accent1"/>
-              </a:effectRef>
-              <a:fontRef idx="minor">
-                <a:schemeClr val="lt1"/>
-              </a:fontRef>
-            </p:style>
-            <p:txBody>
-              <a:bodyPr rtlCol="0" anchor="ctr"/>
-              <a:lstStyle/>
-              <a:p>
-                <a:pPr algn="ctr"/>
-                <a:r>
-                  <a:rPr lang="en-US" sz="1600" dirty="0">
-                    <a:solidFill>
-                      <a:schemeClr val="tx1"/>
-                    </a:solidFill>
-                  </a:rPr>
-                  <a:t>2</a:t>
-                </a:r>
-              </a:p>
-            </p:txBody>
-          </p:sp>
-          <p:cxnSp>
-            <p:nvCxnSpPr>
-              <p:cNvPr id="8" name="Straight Connector 7">
-                <a:extLst>
-                  <a:ext uri="{FF2B5EF4-FFF2-40B4-BE49-F238E27FC236}">
-                    <a16:creationId xmlns:a16="http://schemas.microsoft.com/office/drawing/2014/main" id="{D301D8FE-2FBA-7947-93BA-AFA6B5BDEAC9}"/>
-                  </a:ext>
-                </a:extLst>
-              </p:cNvPr>
-              <p:cNvCxnSpPr>
-                <a:stCxn id="6" idx="6"/>
-                <a:endCxn id="7" idx="2"/>
-              </p:cNvCxnSpPr>
-              <p:nvPr/>
-            </p:nvCxnSpPr>
-            <p:spPr>
-              <a:xfrm>
-                <a:off x="1444833" y="3836467"/>
-                <a:ext cx="1193590" cy="0"/>
-              </a:xfrm>
-              <a:prstGeom prst="line">
-                <a:avLst/>
-              </a:prstGeom>
-              <a:ln w="38100">
-                <a:solidFill>
-                  <a:schemeClr val="tx1"/>
-                </a:solidFill>
-              </a:ln>
-            </p:spPr>
-            <p:style>
-              <a:lnRef idx="1">
-                <a:schemeClr val="accent1"/>
-              </a:lnRef>
-              <a:fillRef idx="0">
-                <a:schemeClr val="accent1"/>
-              </a:fillRef>
-              <a:effectRef idx="0">
-                <a:schemeClr val="accent1"/>
-              </a:effectRef>
-              <a:fontRef idx="minor">
-                <a:schemeClr val="tx1"/>
-              </a:fontRef>
-            </p:style>
-          </p:cxnSp>
-          <p:cxnSp>
-            <p:nvCxnSpPr>
-              <p:cNvPr id="9" name="Straight Connector 8">
-                <a:extLst>
-                  <a:ext uri="{FF2B5EF4-FFF2-40B4-BE49-F238E27FC236}">
-                    <a16:creationId xmlns:a16="http://schemas.microsoft.com/office/drawing/2014/main" id="{DBFCDDAB-FC73-DB41-A87F-4819BFAC12ED}"/>
-                  </a:ext>
-                </a:extLst>
-              </p:cNvPr>
-              <p:cNvCxnSpPr>
-                <a:cxnSpLocks/>
-                <a:stCxn id="7" idx="6"/>
-                <a:endCxn id="19" idx="2"/>
-              </p:cNvCxnSpPr>
-              <p:nvPr/>
-            </p:nvCxnSpPr>
-            <p:spPr>
-              <a:xfrm>
-                <a:off x="2912743" y="3836467"/>
-                <a:ext cx="1197886" cy="0"/>
-              </a:xfrm>
-              <a:prstGeom prst="line">
-                <a:avLst/>
-              </a:prstGeom>
-              <a:ln w="38100">
-                <a:solidFill>
-                  <a:schemeClr val="tx1"/>
-                </a:solidFill>
-              </a:ln>
-            </p:spPr>
-            <p:style>
-              <a:lnRef idx="1">
-                <a:schemeClr val="accent1"/>
-              </a:lnRef>
-              <a:fillRef idx="0">
-                <a:schemeClr val="accent1"/>
-              </a:fillRef>
-              <a:effectRef idx="0">
-                <a:schemeClr val="accent1"/>
-              </a:effectRef>
-              <a:fontRef idx="minor">
-                <a:schemeClr val="tx1"/>
-              </a:fontRef>
-            </p:style>
-          </p:cxnSp>
-          <p:cxnSp>
-            <p:nvCxnSpPr>
-              <p:cNvPr id="10" name="Straight Connector 9">
-                <a:extLst>
-                  <a:ext uri="{FF2B5EF4-FFF2-40B4-BE49-F238E27FC236}">
-                    <a16:creationId xmlns:a16="http://schemas.microsoft.com/office/drawing/2014/main" id="{FD8E3212-3B02-934B-9831-620B1306D5F9}"/>
-                  </a:ext>
-                </a:extLst>
-              </p:cNvPr>
-              <p:cNvCxnSpPr>
-                <a:cxnSpLocks/>
-                <a:stCxn id="19" idx="6"/>
-                <a:endCxn id="21" idx="2"/>
-              </p:cNvCxnSpPr>
-              <p:nvPr/>
-            </p:nvCxnSpPr>
-            <p:spPr>
-              <a:xfrm>
-                <a:off x="4384949" y="3836467"/>
-                <a:ext cx="1069914" cy="0"/>
-              </a:xfrm>
-              <a:prstGeom prst="line">
-                <a:avLst/>
-              </a:prstGeom>
-              <a:ln w="38100">
-                <a:solidFill>
-                  <a:schemeClr val="tx1"/>
-                </a:solidFill>
-              </a:ln>
-            </p:spPr>
-            <p:style>
-              <a:lnRef idx="1">
-                <a:schemeClr val="accent1"/>
-              </a:lnRef>
-              <a:fillRef idx="0">
-                <a:schemeClr val="accent1"/>
-              </a:fillRef>
-              <a:effectRef idx="0">
-                <a:schemeClr val="accent1"/>
-              </a:effectRef>
-              <a:fontRef idx="minor">
-                <a:schemeClr val="tx1"/>
-              </a:fontRef>
-            </p:style>
-          </p:cxnSp>
-          <p:cxnSp>
-            <p:nvCxnSpPr>
-              <p:cNvPr id="11" name="Straight Connector 10">
-                <a:extLst>
-                  <a:ext uri="{FF2B5EF4-FFF2-40B4-BE49-F238E27FC236}">
-                    <a16:creationId xmlns:a16="http://schemas.microsoft.com/office/drawing/2014/main" id="{0AB9A4F3-ACB6-9C46-8ACD-55E5F88E633E}"/>
-                  </a:ext>
-                </a:extLst>
-              </p:cNvPr>
-              <p:cNvCxnSpPr>
-                <a:cxnSpLocks/>
-                <a:stCxn id="21" idx="6"/>
-                <a:endCxn id="26" idx="2"/>
-              </p:cNvCxnSpPr>
-              <p:nvPr/>
-            </p:nvCxnSpPr>
-            <p:spPr>
-              <a:xfrm>
-                <a:off x="5729183" y="3836467"/>
-                <a:ext cx="910380" cy="0"/>
-              </a:xfrm>
-              <a:prstGeom prst="line">
-                <a:avLst/>
-              </a:prstGeom>
-              <a:ln w="38100">
-                <a:solidFill>
-                  <a:schemeClr val="tx1"/>
-                </a:solidFill>
-              </a:ln>
-            </p:spPr>
-            <p:style>
-              <a:lnRef idx="1">
-                <a:schemeClr val="accent1"/>
-              </a:lnRef>
-              <a:fillRef idx="0">
-                <a:schemeClr val="accent1"/>
-              </a:fillRef>
-              <a:effectRef idx="0">
-                <a:schemeClr val="accent1"/>
-              </a:effectRef>
-              <a:fontRef idx="minor">
-                <a:schemeClr val="tx1"/>
-              </a:fontRef>
-            </p:style>
-          </p:cxnSp>
-          <p:cxnSp>
-            <p:nvCxnSpPr>
-              <p:cNvPr id="12" name="Straight Connector 11">
-                <a:extLst>
-                  <a:ext uri="{FF2B5EF4-FFF2-40B4-BE49-F238E27FC236}">
-                    <a16:creationId xmlns:a16="http://schemas.microsoft.com/office/drawing/2014/main" id="{FBE135D9-6F59-F74F-A056-0EC9365EA873}"/>
-                  </a:ext>
-                </a:extLst>
-              </p:cNvPr>
-              <p:cNvCxnSpPr>
-                <a:cxnSpLocks/>
-                <a:stCxn id="26" idx="0"/>
-              </p:cNvCxnSpPr>
-              <p:nvPr/>
-            </p:nvCxnSpPr>
-            <p:spPr>
-              <a:xfrm flipV="1">
-                <a:off x="6776723" y="2751685"/>
-                <a:ext cx="13844" cy="947622"/>
-              </a:xfrm>
-              <a:prstGeom prst="line">
-                <a:avLst/>
-              </a:prstGeom>
-              <a:ln w="38100">
-                <a:solidFill>
-                  <a:schemeClr val="tx1"/>
-                </a:solidFill>
-              </a:ln>
-            </p:spPr>
-            <p:style>
-              <a:lnRef idx="1">
-                <a:schemeClr val="accent1"/>
-              </a:lnRef>
-              <a:fillRef idx="0">
-                <a:schemeClr val="accent1"/>
-              </a:fillRef>
-              <a:effectRef idx="0">
-                <a:schemeClr val="accent1"/>
-              </a:effectRef>
-              <a:fontRef idx="minor">
-                <a:schemeClr val="tx1"/>
-              </a:fontRef>
-            </p:style>
-          </p:cxnSp>
-          <p:cxnSp>
-            <p:nvCxnSpPr>
-              <p:cNvPr id="13" name="Straight Connector 12">
-                <a:extLst>
-                  <a:ext uri="{FF2B5EF4-FFF2-40B4-BE49-F238E27FC236}">
-                    <a16:creationId xmlns:a16="http://schemas.microsoft.com/office/drawing/2014/main" id="{90DFBA1D-28F5-D247-B5BA-06BD859784E1}"/>
-                  </a:ext>
-                </a:extLst>
-              </p:cNvPr>
-              <p:cNvCxnSpPr>
-                <a:cxnSpLocks/>
-                <a:stCxn id="24" idx="0"/>
-                <a:endCxn id="25" idx="4"/>
-              </p:cNvCxnSpPr>
-              <p:nvPr/>
-            </p:nvCxnSpPr>
-            <p:spPr>
-              <a:xfrm flipV="1">
-                <a:off x="6779243" y="1799867"/>
-                <a:ext cx="13844" cy="676163"/>
-              </a:xfrm>
-              <a:prstGeom prst="line">
-                <a:avLst/>
-              </a:prstGeom>
-              <a:ln w="38100">
-                <a:solidFill>
-                  <a:schemeClr val="tx1"/>
-                </a:solidFill>
-              </a:ln>
-            </p:spPr>
-            <p:style>
-              <a:lnRef idx="1">
-                <a:schemeClr val="accent1"/>
-              </a:lnRef>
-              <a:fillRef idx="0">
-                <a:schemeClr val="accent1"/>
-              </a:fillRef>
-              <a:effectRef idx="0">
-                <a:schemeClr val="accent1"/>
-              </a:effectRef>
-              <a:fontRef idx="minor">
-                <a:schemeClr val="tx1"/>
-              </a:fontRef>
-            </p:style>
-          </p:cxnSp>
-          <p:cxnSp>
-            <p:nvCxnSpPr>
-              <p:cNvPr id="14" name="Straight Connector 13">
-                <a:extLst>
-                  <a:ext uri="{FF2B5EF4-FFF2-40B4-BE49-F238E27FC236}">
-                    <a16:creationId xmlns:a16="http://schemas.microsoft.com/office/drawing/2014/main" id="{4800291E-D89E-5745-B42A-4AA0D853A07C}"/>
-                  </a:ext>
-                </a:extLst>
-              </p:cNvPr>
-              <p:cNvCxnSpPr>
-                <a:cxnSpLocks/>
-                <a:stCxn id="24" idx="2"/>
-                <a:endCxn id="23" idx="6"/>
-              </p:cNvCxnSpPr>
-              <p:nvPr/>
-            </p:nvCxnSpPr>
-            <p:spPr>
-              <a:xfrm flipH="1">
-                <a:off x="5720293" y="2613190"/>
-                <a:ext cx="921790" cy="0"/>
-              </a:xfrm>
-              <a:prstGeom prst="line">
-                <a:avLst/>
-              </a:prstGeom>
-              <a:ln w="38100">
-                <a:solidFill>
-                  <a:schemeClr val="tx1"/>
-                </a:solidFill>
-              </a:ln>
-            </p:spPr>
-            <p:style>
-              <a:lnRef idx="1">
-                <a:schemeClr val="accent1"/>
-              </a:lnRef>
-              <a:fillRef idx="0">
-                <a:schemeClr val="accent1"/>
-              </a:fillRef>
-              <a:effectRef idx="0">
-                <a:schemeClr val="accent1"/>
-              </a:effectRef>
-              <a:fontRef idx="minor">
-                <a:schemeClr val="tx1"/>
-              </a:fontRef>
-            </p:style>
-          </p:cxnSp>
-          <p:cxnSp>
-            <p:nvCxnSpPr>
-              <p:cNvPr id="15" name="Straight Connector 14">
-                <a:extLst>
-                  <a:ext uri="{FF2B5EF4-FFF2-40B4-BE49-F238E27FC236}">
-                    <a16:creationId xmlns:a16="http://schemas.microsoft.com/office/drawing/2014/main" id="{2755AA0F-F3EE-8847-97B9-F18F31AA84D3}"/>
-                  </a:ext>
-                </a:extLst>
-              </p:cNvPr>
-              <p:cNvCxnSpPr>
-                <a:cxnSpLocks/>
-                <a:stCxn id="23" idx="2"/>
-                <a:endCxn id="22" idx="6"/>
-              </p:cNvCxnSpPr>
-              <p:nvPr/>
-            </p:nvCxnSpPr>
-            <p:spPr>
-              <a:xfrm flipH="1">
-                <a:off x="4389543" y="2613190"/>
-                <a:ext cx="1056430" cy="0"/>
-              </a:xfrm>
-              <a:prstGeom prst="line">
-                <a:avLst/>
-              </a:prstGeom>
-              <a:ln w="38100">
-                <a:solidFill>
-                  <a:schemeClr val="tx1"/>
-                </a:solidFill>
-              </a:ln>
-            </p:spPr>
-            <p:style>
-              <a:lnRef idx="1">
-                <a:schemeClr val="accent1"/>
-              </a:lnRef>
-              <a:fillRef idx="0">
-                <a:schemeClr val="accent1"/>
-              </a:fillRef>
-              <a:effectRef idx="0">
-                <a:schemeClr val="accent1"/>
-              </a:effectRef>
-              <a:fontRef idx="minor">
-                <a:schemeClr val="tx1"/>
-              </a:fontRef>
-            </p:style>
-          </p:cxnSp>
-          <p:cxnSp>
-            <p:nvCxnSpPr>
-              <p:cNvPr id="16" name="Straight Connector 15">
-                <a:extLst>
-                  <a:ext uri="{FF2B5EF4-FFF2-40B4-BE49-F238E27FC236}">
-                    <a16:creationId xmlns:a16="http://schemas.microsoft.com/office/drawing/2014/main" id="{CF7EC623-8684-B740-8AFC-BDF7D25703FF}"/>
-                  </a:ext>
-                </a:extLst>
-              </p:cNvPr>
-              <p:cNvCxnSpPr>
-                <a:cxnSpLocks/>
-                <a:stCxn id="22" idx="2"/>
-                <a:endCxn id="20" idx="6"/>
-              </p:cNvCxnSpPr>
-              <p:nvPr/>
-            </p:nvCxnSpPr>
-            <p:spPr>
-              <a:xfrm flipH="1">
-                <a:off x="2921633" y="2613190"/>
-                <a:ext cx="1193590" cy="0"/>
-              </a:xfrm>
-              <a:prstGeom prst="line">
-                <a:avLst/>
-              </a:prstGeom>
-              <a:ln w="38100">
-                <a:solidFill>
-                  <a:schemeClr val="tx1"/>
-                </a:solidFill>
-              </a:ln>
-            </p:spPr>
-            <p:style>
-              <a:lnRef idx="1">
-                <a:schemeClr val="accent1"/>
-              </a:lnRef>
-              <a:fillRef idx="0">
-                <a:schemeClr val="accent1"/>
-              </a:fillRef>
-              <a:effectRef idx="0">
-                <a:schemeClr val="accent1"/>
-              </a:effectRef>
-              <a:fontRef idx="minor">
-                <a:schemeClr val="tx1"/>
-              </a:fontRef>
-            </p:style>
-          </p:cxnSp>
-          <p:cxnSp>
-            <p:nvCxnSpPr>
-              <p:cNvPr id="17" name="Straight Connector 16">
-                <a:extLst>
-                  <a:ext uri="{FF2B5EF4-FFF2-40B4-BE49-F238E27FC236}">
-                    <a16:creationId xmlns:a16="http://schemas.microsoft.com/office/drawing/2014/main" id="{804706E4-6271-CC48-B4E6-9B6D0BED47AA}"/>
-                  </a:ext>
-                </a:extLst>
-              </p:cNvPr>
-              <p:cNvCxnSpPr>
-                <a:cxnSpLocks/>
-                <a:endCxn id="7" idx="0"/>
-              </p:cNvCxnSpPr>
-              <p:nvPr/>
-            </p:nvCxnSpPr>
-            <p:spPr>
-              <a:xfrm flipH="1">
-                <a:off x="2775583" y="2751684"/>
-                <a:ext cx="8890" cy="947623"/>
-              </a:xfrm>
-              <a:prstGeom prst="line">
-                <a:avLst/>
-              </a:prstGeom>
-              <a:ln w="38100">
-                <a:solidFill>
-                  <a:schemeClr val="tx1"/>
-                </a:solidFill>
-              </a:ln>
-            </p:spPr>
-            <p:style>
-              <a:lnRef idx="1">
-                <a:schemeClr val="accent1"/>
-              </a:lnRef>
-              <a:fillRef idx="0">
-                <a:schemeClr val="accent1"/>
-              </a:fillRef>
-              <a:effectRef idx="0">
-                <a:schemeClr val="accent1"/>
-              </a:effectRef>
-              <a:fontRef idx="minor">
-                <a:schemeClr val="tx1"/>
-              </a:fontRef>
-            </p:style>
-          </p:cxnSp>
-          <p:cxnSp>
-            <p:nvCxnSpPr>
-              <p:cNvPr id="18" name="Straight Connector 17">
-                <a:extLst>
-                  <a:ext uri="{FF2B5EF4-FFF2-40B4-BE49-F238E27FC236}">
-                    <a16:creationId xmlns:a16="http://schemas.microsoft.com/office/drawing/2014/main" id="{E398B411-C9F8-5549-A4CE-BD22652E400B}"/>
-                  </a:ext>
-                </a:extLst>
-              </p:cNvPr>
-              <p:cNvCxnSpPr>
-                <a:cxnSpLocks/>
-              </p:cNvCxnSpPr>
-              <p:nvPr/>
-            </p:nvCxnSpPr>
-            <p:spPr>
-              <a:xfrm>
-                <a:off x="5592023" y="2751684"/>
-                <a:ext cx="0" cy="938733"/>
-              </a:xfrm>
-              <a:prstGeom prst="line">
-                <a:avLst/>
-              </a:prstGeom>
-              <a:ln w="38100">
-                <a:solidFill>
-                  <a:schemeClr val="tx1"/>
-                </a:solidFill>
-              </a:ln>
-            </p:spPr>
-            <p:style>
-              <a:lnRef idx="1">
-                <a:schemeClr val="accent1"/>
-              </a:lnRef>
-              <a:fillRef idx="0">
-                <a:schemeClr val="accent1"/>
-              </a:fillRef>
-              <a:effectRef idx="0">
-                <a:schemeClr val="accent1"/>
-              </a:effectRef>
-              <a:fontRef idx="minor">
-                <a:schemeClr val="tx1"/>
-              </a:fontRef>
-            </p:style>
-          </p:cxnSp>
-          <p:sp>
-            <p:nvSpPr>
-              <p:cNvPr id="19" name="Oval 18">
-                <a:extLst>
-                  <a:ext uri="{FF2B5EF4-FFF2-40B4-BE49-F238E27FC236}">
-                    <a16:creationId xmlns:a16="http://schemas.microsoft.com/office/drawing/2014/main" id="{C44D1788-E96A-464B-82F0-0194924E691F}"/>
-                  </a:ext>
-                </a:extLst>
-              </p:cNvPr>
-              <p:cNvSpPr>
-                <a:spLocks noChangeAspect="1"/>
-              </p:cNvSpPr>
-              <p:nvPr/>
-            </p:nvSpPr>
-            <p:spPr>
-              <a:xfrm>
-                <a:off x="4110629" y="3699307"/>
-                <a:ext cx="274320" cy="274320"/>
-              </a:xfrm>
-              <a:prstGeom prst="ellipse">
-                <a:avLst/>
-              </a:prstGeom>
-              <a:solidFill>
-                <a:srgbClr val="FF0000"/>
-              </a:solidFill>
-              <a:ln w="19050">
-                <a:solidFill>
-                  <a:schemeClr val="tx1"/>
-                </a:solidFill>
-              </a:ln>
-            </p:spPr>
-            <p:style>
-              <a:lnRef idx="2">
-                <a:schemeClr val="accent1">
-                  <a:shade val="50000"/>
-                </a:schemeClr>
-              </a:lnRef>
-              <a:fillRef idx="1">
-                <a:schemeClr val="accent1"/>
-              </a:fillRef>
-              <a:effectRef idx="0">
-                <a:schemeClr val="accent1"/>
-              </a:effectRef>
-              <a:fontRef idx="minor">
-                <a:schemeClr val="lt1"/>
-              </a:fontRef>
-            </p:style>
-            <p:txBody>
-              <a:bodyPr rtlCol="0" anchor="ctr"/>
-              <a:lstStyle/>
-              <a:p>
-                <a:pPr algn="ctr"/>
-                <a:r>
-                  <a:rPr lang="en-US" sz="1600" dirty="0">
-                    <a:solidFill>
-                      <a:schemeClr val="tx1"/>
-                    </a:solidFill>
-                  </a:rPr>
-                  <a:t>3</a:t>
-                </a:r>
-              </a:p>
-            </p:txBody>
-          </p:sp>
-          <p:sp>
-            <p:nvSpPr>
-              <p:cNvPr id="20" name="Oval 19">
-                <a:extLst>
-                  <a:ext uri="{FF2B5EF4-FFF2-40B4-BE49-F238E27FC236}">
-                    <a16:creationId xmlns:a16="http://schemas.microsoft.com/office/drawing/2014/main" id="{17DCADFB-A010-694E-9521-966D151E6952}"/>
-                  </a:ext>
-                </a:extLst>
-              </p:cNvPr>
-              <p:cNvSpPr>
-                <a:spLocks noChangeAspect="1"/>
-              </p:cNvSpPr>
-              <p:nvPr/>
-            </p:nvSpPr>
-            <p:spPr>
-              <a:xfrm>
-                <a:off x="2647313" y="2476030"/>
-                <a:ext cx="274320" cy="274320"/>
-              </a:xfrm>
-              <a:prstGeom prst="ellipse">
-                <a:avLst/>
-              </a:prstGeom>
-              <a:solidFill>
-                <a:srgbClr val="92D050"/>
-              </a:solidFill>
-              <a:ln w="19050">
-                <a:solidFill>
-                  <a:schemeClr val="tx1"/>
-                </a:solidFill>
-              </a:ln>
-            </p:spPr>
-            <p:style>
-              <a:lnRef idx="2">
-                <a:schemeClr val="accent1">
-                  <a:shade val="50000"/>
-                </a:schemeClr>
-              </a:lnRef>
-              <a:fillRef idx="1">
-                <a:schemeClr val="accent1"/>
-              </a:fillRef>
-              <a:effectRef idx="0">
-                <a:schemeClr val="accent1"/>
-              </a:effectRef>
-              <a:fontRef idx="minor">
-                <a:schemeClr val="lt1"/>
-              </a:fontRef>
-            </p:style>
-            <p:txBody>
-              <a:bodyPr rtlCol="0" anchor="ctr"/>
-              <a:lstStyle/>
-              <a:p>
-                <a:pPr algn="ctr"/>
-                <a:r>
-                  <a:rPr lang="en-US" sz="1600" dirty="0">
-                    <a:solidFill>
-                      <a:schemeClr val="tx1"/>
-                    </a:solidFill>
-                  </a:rPr>
-                  <a:t>7</a:t>
-                </a:r>
-              </a:p>
-            </p:txBody>
-          </p:sp>
-          <p:sp>
-            <p:nvSpPr>
-              <p:cNvPr id="21" name="Oval 20">
-                <a:extLst>
-                  <a:ext uri="{FF2B5EF4-FFF2-40B4-BE49-F238E27FC236}">
-                    <a16:creationId xmlns:a16="http://schemas.microsoft.com/office/drawing/2014/main" id="{CBA965E1-02F9-0D46-B490-38F60F2CEADA}"/>
-                  </a:ext>
-                </a:extLst>
-              </p:cNvPr>
-              <p:cNvSpPr>
-                <a:spLocks noChangeAspect="1"/>
-              </p:cNvSpPr>
-              <p:nvPr/>
-            </p:nvSpPr>
-            <p:spPr>
-              <a:xfrm>
-                <a:off x="5454863" y="3699307"/>
-                <a:ext cx="274320" cy="274320"/>
-              </a:xfrm>
-              <a:prstGeom prst="ellipse">
-                <a:avLst/>
-              </a:prstGeom>
-              <a:solidFill>
-                <a:srgbClr val="FF0000"/>
-              </a:solidFill>
-              <a:ln w="19050">
-                <a:solidFill>
-                  <a:schemeClr val="tx1"/>
-                </a:solidFill>
-              </a:ln>
-            </p:spPr>
-            <p:style>
-              <a:lnRef idx="2">
-                <a:schemeClr val="accent1">
-                  <a:shade val="50000"/>
-                </a:schemeClr>
-              </a:lnRef>
-              <a:fillRef idx="1">
-                <a:schemeClr val="accent1"/>
-              </a:fillRef>
-              <a:effectRef idx="0">
-                <a:schemeClr val="accent1"/>
-              </a:effectRef>
-              <a:fontRef idx="minor">
-                <a:schemeClr val="lt1"/>
-              </a:fontRef>
-            </p:style>
-            <p:txBody>
-              <a:bodyPr rtlCol="0" anchor="ctr"/>
-              <a:lstStyle/>
-              <a:p>
-                <a:pPr algn="ctr"/>
-                <a:r>
-                  <a:rPr lang="en-US" sz="1600" dirty="0">
-                    <a:solidFill>
-                      <a:schemeClr val="tx1"/>
-                    </a:solidFill>
-                  </a:rPr>
-                  <a:t>4</a:t>
-                </a:r>
-              </a:p>
-            </p:txBody>
-          </p:sp>
-          <p:sp>
-            <p:nvSpPr>
-              <p:cNvPr id="22" name="Oval 21">
-                <a:extLst>
-                  <a:ext uri="{FF2B5EF4-FFF2-40B4-BE49-F238E27FC236}">
-                    <a16:creationId xmlns:a16="http://schemas.microsoft.com/office/drawing/2014/main" id="{D605FD79-0CDA-9B49-AA07-F8C24B3F0080}"/>
-                  </a:ext>
-                </a:extLst>
-              </p:cNvPr>
-              <p:cNvSpPr>
-                <a:spLocks noChangeAspect="1"/>
-              </p:cNvSpPr>
-              <p:nvPr/>
-            </p:nvSpPr>
-            <p:spPr>
-              <a:xfrm>
-                <a:off x="4115223" y="2476030"/>
-                <a:ext cx="274320" cy="274320"/>
-              </a:xfrm>
-              <a:prstGeom prst="ellipse">
-                <a:avLst/>
-              </a:prstGeom>
-              <a:solidFill>
-                <a:srgbClr val="92D050"/>
-              </a:solidFill>
-              <a:ln w="19050">
-                <a:solidFill>
-                  <a:schemeClr val="tx1"/>
-                </a:solidFill>
-              </a:ln>
-            </p:spPr>
-            <p:style>
-              <a:lnRef idx="2">
-                <a:schemeClr val="accent1">
-                  <a:shade val="50000"/>
-                </a:schemeClr>
-              </a:lnRef>
-              <a:fillRef idx="1">
-                <a:schemeClr val="accent1"/>
-              </a:fillRef>
-              <a:effectRef idx="0">
-                <a:schemeClr val="accent1"/>
-              </a:effectRef>
-              <a:fontRef idx="minor">
-                <a:schemeClr val="lt1"/>
-              </a:fontRef>
-            </p:style>
-            <p:txBody>
-              <a:bodyPr rtlCol="0" anchor="ctr"/>
-              <a:lstStyle/>
-              <a:p>
-                <a:pPr algn="ctr"/>
-                <a:r>
-                  <a:rPr lang="en-US" sz="1600" dirty="0">
-                    <a:solidFill>
-                      <a:schemeClr val="tx1"/>
-                    </a:solidFill>
-                  </a:rPr>
-                  <a:t>8</a:t>
-                </a:r>
-              </a:p>
-            </p:txBody>
-          </p:sp>
-          <p:sp>
-            <p:nvSpPr>
-              <p:cNvPr id="23" name="Oval 22">
-                <a:extLst>
-                  <a:ext uri="{FF2B5EF4-FFF2-40B4-BE49-F238E27FC236}">
-                    <a16:creationId xmlns:a16="http://schemas.microsoft.com/office/drawing/2014/main" id="{EE9EE2A8-551A-9F44-ACE0-89E57BB6CBA6}"/>
-                  </a:ext>
-                </a:extLst>
-              </p:cNvPr>
-              <p:cNvSpPr>
-                <a:spLocks noChangeAspect="1"/>
-              </p:cNvSpPr>
-              <p:nvPr/>
-            </p:nvSpPr>
-            <p:spPr>
-              <a:xfrm>
-                <a:off x="5445973" y="2476030"/>
-                <a:ext cx="274320" cy="274320"/>
-              </a:xfrm>
-              <a:prstGeom prst="ellipse">
-                <a:avLst/>
-              </a:prstGeom>
-              <a:solidFill>
-                <a:srgbClr val="92D050"/>
-              </a:solidFill>
-              <a:ln w="19050">
-                <a:solidFill>
-                  <a:schemeClr val="tx1"/>
-                </a:solidFill>
-              </a:ln>
-            </p:spPr>
-            <p:style>
-              <a:lnRef idx="2">
-                <a:schemeClr val="accent1">
-                  <a:shade val="50000"/>
-                </a:schemeClr>
-              </a:lnRef>
-              <a:fillRef idx="1">
-                <a:schemeClr val="accent1"/>
-              </a:fillRef>
-              <a:effectRef idx="0">
-                <a:schemeClr val="accent1"/>
-              </a:effectRef>
-              <a:fontRef idx="minor">
-                <a:schemeClr val="lt1"/>
-              </a:fontRef>
-            </p:style>
-            <p:txBody>
-              <a:bodyPr rtlCol="0" anchor="ctr"/>
-              <a:lstStyle/>
-              <a:p>
-                <a:pPr algn="ctr"/>
-                <a:r>
-                  <a:rPr lang="en-US" sz="1600" dirty="0">
-                    <a:solidFill>
-                      <a:schemeClr val="tx1"/>
-                    </a:solidFill>
-                  </a:rPr>
-                  <a:t>9</a:t>
-                </a:r>
-              </a:p>
-            </p:txBody>
-          </p:sp>
-          <p:sp>
-            <p:nvSpPr>
-              <p:cNvPr id="24" name="Oval 23">
-                <a:extLst>
-                  <a:ext uri="{FF2B5EF4-FFF2-40B4-BE49-F238E27FC236}">
-                    <a16:creationId xmlns:a16="http://schemas.microsoft.com/office/drawing/2014/main" id="{12D97A83-020A-D943-8AB5-C8ED226EF81F}"/>
-                  </a:ext>
-                </a:extLst>
-              </p:cNvPr>
-              <p:cNvSpPr>
-                <a:spLocks noChangeAspect="1"/>
-              </p:cNvSpPr>
-              <p:nvPr/>
-            </p:nvSpPr>
-            <p:spPr>
-              <a:xfrm>
-                <a:off x="6642083" y="2476030"/>
-                <a:ext cx="274320" cy="274320"/>
-              </a:xfrm>
-              <a:prstGeom prst="ellipse">
-                <a:avLst/>
-              </a:prstGeom>
-              <a:solidFill>
-                <a:srgbClr val="92D050"/>
-              </a:solidFill>
-              <a:ln w="19050">
-                <a:solidFill>
-                  <a:schemeClr val="tx1"/>
-                </a:solidFill>
-              </a:ln>
-            </p:spPr>
-            <p:style>
-              <a:lnRef idx="2">
-                <a:schemeClr val="accent1">
-                  <a:shade val="50000"/>
-                </a:schemeClr>
-              </a:lnRef>
-              <a:fillRef idx="1">
-                <a:schemeClr val="accent1"/>
-              </a:fillRef>
-              <a:effectRef idx="0">
-                <a:schemeClr val="accent1"/>
-              </a:effectRef>
-              <a:fontRef idx="minor">
-                <a:schemeClr val="lt1"/>
-              </a:fontRef>
-            </p:style>
-            <p:txBody>
-              <a:bodyPr rtlCol="0" anchor="ctr"/>
-              <a:lstStyle/>
-              <a:p>
-                <a:pPr algn="ctr"/>
-                <a:endParaRPr lang="en-US" sz="1600" dirty="0">
-                  <a:solidFill>
-                    <a:schemeClr val="accent1">
-                      <a:lumMod val="50000"/>
-                    </a:schemeClr>
-                  </a:solidFill>
-                </a:endParaRPr>
-              </a:p>
-            </p:txBody>
-          </p:sp>
-          <p:sp>
-            <p:nvSpPr>
-              <p:cNvPr id="25" name="Oval 24">
-                <a:extLst>
-                  <a:ext uri="{FF2B5EF4-FFF2-40B4-BE49-F238E27FC236}">
-                    <a16:creationId xmlns:a16="http://schemas.microsoft.com/office/drawing/2014/main" id="{E996C555-8030-6347-BAF6-0B01C25C82F7}"/>
-                  </a:ext>
-                </a:extLst>
-              </p:cNvPr>
-              <p:cNvSpPr>
-                <a:spLocks noChangeAspect="1"/>
-              </p:cNvSpPr>
-              <p:nvPr/>
-            </p:nvSpPr>
-            <p:spPr>
-              <a:xfrm>
-                <a:off x="6655927" y="1525547"/>
-                <a:ext cx="274320" cy="274320"/>
-              </a:xfrm>
-              <a:prstGeom prst="ellipse">
-                <a:avLst/>
-              </a:prstGeom>
-              <a:solidFill>
-                <a:srgbClr val="92D050"/>
-              </a:solidFill>
-              <a:ln w="19050">
-                <a:solidFill>
-                  <a:schemeClr val="tx1"/>
-                </a:solidFill>
-              </a:ln>
-            </p:spPr>
-            <p:style>
-              <a:lnRef idx="2">
-                <a:schemeClr val="accent1">
-                  <a:shade val="50000"/>
-                </a:schemeClr>
-              </a:lnRef>
-              <a:fillRef idx="1">
-                <a:schemeClr val="accent1"/>
-              </a:fillRef>
-              <a:effectRef idx="0">
-                <a:schemeClr val="accent1"/>
-              </a:effectRef>
-              <a:fontRef idx="minor">
-                <a:schemeClr val="lt1"/>
-              </a:fontRef>
-            </p:style>
-            <p:txBody>
-              <a:bodyPr rtlCol="0" anchor="ctr"/>
-              <a:lstStyle/>
-              <a:p>
-                <a:pPr algn="ctr"/>
-                <a:endParaRPr lang="en-US" sz="1600" dirty="0">
-                  <a:solidFill>
-                    <a:schemeClr val="accent1">
-                      <a:lumMod val="50000"/>
-                    </a:schemeClr>
-                  </a:solidFill>
-                </a:endParaRPr>
-              </a:p>
-            </p:txBody>
-          </p:sp>
-          <p:sp>
-            <p:nvSpPr>
-              <p:cNvPr id="26" name="Oval 25">
-                <a:extLst>
-                  <a:ext uri="{FF2B5EF4-FFF2-40B4-BE49-F238E27FC236}">
-                    <a16:creationId xmlns:a16="http://schemas.microsoft.com/office/drawing/2014/main" id="{D06C15AE-CCF3-AA4E-9447-7CE387C7D9EE}"/>
-                  </a:ext>
-                </a:extLst>
-              </p:cNvPr>
-              <p:cNvSpPr>
-                <a:spLocks noChangeAspect="1"/>
-              </p:cNvSpPr>
-              <p:nvPr/>
-            </p:nvSpPr>
-            <p:spPr>
-              <a:xfrm>
-                <a:off x="6639563" y="3699307"/>
-                <a:ext cx="274320" cy="274320"/>
-              </a:xfrm>
-              <a:prstGeom prst="ellipse">
-                <a:avLst/>
-              </a:prstGeom>
-              <a:solidFill>
-                <a:srgbClr val="92D050"/>
-              </a:solidFill>
-              <a:ln w="19050">
-                <a:solidFill>
-                  <a:schemeClr val="tx1"/>
-                </a:solidFill>
-              </a:ln>
-            </p:spPr>
-            <p:style>
-              <a:lnRef idx="2">
-                <a:schemeClr val="accent1">
-                  <a:shade val="50000"/>
-                </a:schemeClr>
-              </a:lnRef>
-              <a:fillRef idx="1">
-                <a:schemeClr val="accent1"/>
-              </a:fillRef>
-              <a:effectRef idx="0">
-                <a:schemeClr val="accent1"/>
-              </a:effectRef>
-              <a:fontRef idx="minor">
-                <a:schemeClr val="lt1"/>
-              </a:fontRef>
-            </p:style>
-            <p:txBody>
-              <a:bodyPr rtlCol="0" anchor="ctr"/>
-              <a:lstStyle/>
-              <a:p>
-                <a:pPr algn="ctr"/>
-                <a:r>
-                  <a:rPr lang="en-US" sz="1600" dirty="0">
-                    <a:solidFill>
-                      <a:schemeClr val="tx1"/>
-                    </a:solidFill>
-                  </a:rPr>
-                  <a:t>5</a:t>
-                </a:r>
-              </a:p>
-            </p:txBody>
-          </p:sp>
-          <p:sp>
-            <p:nvSpPr>
-              <p:cNvPr id="27" name="Oval 26">
-                <a:extLst>
-                  <a:ext uri="{FF2B5EF4-FFF2-40B4-BE49-F238E27FC236}">
-                    <a16:creationId xmlns:a16="http://schemas.microsoft.com/office/drawing/2014/main" id="{FA27BA25-293D-BD42-9CE2-0E90C15FAAB1}"/>
-                  </a:ext>
-                </a:extLst>
-              </p:cNvPr>
-              <p:cNvSpPr>
-                <a:spLocks noChangeAspect="1"/>
-              </p:cNvSpPr>
-              <p:nvPr/>
-            </p:nvSpPr>
-            <p:spPr>
-              <a:xfrm>
-                <a:off x="1166068" y="2476030"/>
-                <a:ext cx="274320" cy="274320"/>
-              </a:xfrm>
-              <a:prstGeom prst="ellipse">
-                <a:avLst/>
-              </a:prstGeom>
-              <a:solidFill>
-                <a:srgbClr val="FFFF00"/>
-              </a:solidFill>
-              <a:ln w="19050">
-                <a:solidFill>
-                  <a:schemeClr val="tx1"/>
-                </a:solidFill>
-              </a:ln>
-            </p:spPr>
-            <p:style>
-              <a:lnRef idx="2">
-                <a:schemeClr val="accent1">
-                  <a:shade val="50000"/>
-                </a:schemeClr>
-              </a:lnRef>
-              <a:fillRef idx="1">
-                <a:schemeClr val="accent1"/>
-              </a:fillRef>
-              <a:effectRef idx="0">
-                <a:schemeClr val="accent1"/>
-              </a:effectRef>
-              <a:fontRef idx="minor">
-                <a:schemeClr val="lt1"/>
-              </a:fontRef>
-            </p:style>
-            <p:txBody>
-              <a:bodyPr rtlCol="0" anchor="ctr"/>
-              <a:lstStyle/>
-              <a:p>
-                <a:pPr algn="ctr"/>
-                <a:r>
-                  <a:rPr lang="en-US" sz="1600" dirty="0">
-                    <a:solidFill>
-                      <a:schemeClr val="tx1"/>
-                    </a:solidFill>
-                  </a:rPr>
-                  <a:t>6</a:t>
-                </a:r>
-              </a:p>
-            </p:txBody>
-          </p:sp>
-          <p:cxnSp>
-            <p:nvCxnSpPr>
-              <p:cNvPr id="28" name="Straight Connector 27">
-                <a:extLst>
-                  <a:ext uri="{FF2B5EF4-FFF2-40B4-BE49-F238E27FC236}">
-                    <a16:creationId xmlns:a16="http://schemas.microsoft.com/office/drawing/2014/main" id="{42A1A01F-15D7-2B4F-BD4E-E17DFAF9B79C}"/>
-                  </a:ext>
-                </a:extLst>
-              </p:cNvPr>
-              <p:cNvCxnSpPr>
-                <a:stCxn id="20" idx="2"/>
-                <a:endCxn id="27" idx="6"/>
-              </p:cNvCxnSpPr>
-              <p:nvPr/>
-            </p:nvCxnSpPr>
-            <p:spPr>
-              <a:xfrm flipH="1">
-                <a:off x="1440388" y="2613190"/>
-                <a:ext cx="1206925" cy="0"/>
-              </a:xfrm>
-              <a:prstGeom prst="line">
-                <a:avLst/>
-              </a:prstGeom>
-              <a:ln w="38100">
-                <a:solidFill>
-                  <a:schemeClr val="tx1"/>
-                </a:solidFill>
-              </a:ln>
-            </p:spPr>
-            <p:style>
-              <a:lnRef idx="1">
-                <a:schemeClr val="accent1"/>
-              </a:lnRef>
-              <a:fillRef idx="0">
-                <a:schemeClr val="accent1"/>
-              </a:fillRef>
-              <a:effectRef idx="0">
-                <a:schemeClr val="accent1"/>
-              </a:effectRef>
-              <a:fontRef idx="minor">
-                <a:schemeClr val="tx1"/>
-              </a:fontRef>
-            </p:style>
-          </p:cxnSp>
-        </p:grpSp>
-        <p:sp>
-          <p:nvSpPr>
-            <p:cNvPr id="29" name="TextBox 28">
-              <a:extLst>
-                <a:ext uri="{FF2B5EF4-FFF2-40B4-BE49-F238E27FC236}">
-                  <a16:creationId xmlns:a16="http://schemas.microsoft.com/office/drawing/2014/main" id="{073C9CB1-2C0D-EB4A-B4A6-5B6CCE22A95C}"/>
-                </a:ext>
-              </a:extLst>
-            </p:cNvPr>
-            <p:cNvSpPr txBox="1"/>
-            <p:nvPr/>
-          </p:nvSpPr>
-          <p:spPr>
-            <a:xfrm>
-              <a:off x="6580195" y="2437234"/>
-              <a:ext cx="393056" cy="338554"/>
-            </a:xfrm>
-            <a:prstGeom prst="rect">
-              <a:avLst/>
-            </a:prstGeom>
-            <a:noFill/>
-          </p:spPr>
-          <p:txBody>
-            <a:bodyPr wrap="none" rtlCol="0">
-              <a:spAutoFit/>
-            </a:bodyPr>
-            <a:lstStyle/>
-            <a:p>
-              <a:r>
-                <a:rPr lang="en-US" sz="1600" dirty="0"/>
-                <a:t>10</a:t>
-              </a:r>
-            </a:p>
-          </p:txBody>
-        </p:sp>
-        <p:sp>
-          <p:nvSpPr>
-            <p:cNvPr id="30" name="TextBox 29">
-              <a:extLst>
-                <a:ext uri="{FF2B5EF4-FFF2-40B4-BE49-F238E27FC236}">
-                  <a16:creationId xmlns:a16="http://schemas.microsoft.com/office/drawing/2014/main" id="{57471299-E7FE-E244-9FC6-018560FFDB27}"/>
-                </a:ext>
-              </a:extLst>
-            </p:cNvPr>
-            <p:cNvSpPr txBox="1"/>
-            <p:nvPr/>
-          </p:nvSpPr>
-          <p:spPr>
-            <a:xfrm>
-              <a:off x="6594039" y="1487042"/>
-              <a:ext cx="393056" cy="338554"/>
-            </a:xfrm>
-            <a:prstGeom prst="rect">
-              <a:avLst/>
-            </a:prstGeom>
-            <a:noFill/>
-          </p:spPr>
-          <p:txBody>
-            <a:bodyPr wrap="none" rtlCol="0">
-              <a:spAutoFit/>
-            </a:bodyPr>
-            <a:lstStyle/>
-            <a:p>
-              <a:r>
-                <a:rPr lang="en-US" sz="1600" dirty="0"/>
-                <a:t>11</a:t>
-              </a:r>
-            </a:p>
-          </p:txBody>
-        </p:sp>
-      </p:grpSp>
-    </p:spTree>
-    <p:extLst>
-      <p:ext uri="{BB962C8B-B14F-4D97-AF65-F5344CB8AC3E}">
-        <p14:creationId xmlns:p14="http://schemas.microsoft.com/office/powerpoint/2010/main" val="2833421994"/>
-      </p:ext>
-    </p:extLst>
-  </p:cSld>
-  <p:clrMapOvr>
-    <a:masterClrMapping/>
-  </p:clrMapOvr>
-</p:sld>
-</file>
-
 <file path=ppt/theme/theme1.xml><?xml version="1.0" encoding="utf-8"?>
 <a:theme xmlns:a="http://schemas.openxmlformats.org/drawingml/2006/main" name="Office Theme">
   <a:themeElements>

--- a/XPlanningEvaluation/data/instruction/instruction.pptx
+++ b/XPlanningEvaluation/data/instruction/instruction.pptx
@@ -3890,6 +3890,168 @@
           </a:p>
         </p:txBody>
       </p:sp>
+      <p:sp>
+        <p:nvSpPr>
+          <p:cNvPr id="3" name="TextBox 2">
+            <a:extLst>
+              <a:ext uri="{FF2B5EF4-FFF2-40B4-BE49-F238E27FC236}">
+                <a16:creationId xmlns:a16="http://schemas.microsoft.com/office/drawing/2014/main" id="{5DEAEC43-0640-AB4E-98C6-FC7443CDF770}"/>
+              </a:ext>
+            </a:extLst>
+          </p:cNvPr>
+          <p:cNvSpPr txBox="1"/>
+          <p:nvPr/>
+        </p:nvSpPr>
+        <p:spPr>
+          <a:xfrm>
+            <a:off x="3550750" y="1448558"/>
+            <a:ext cx="1266629" cy="369332"/>
+          </a:xfrm>
+          <a:prstGeom prst="rect">
+            <a:avLst/>
+          </a:prstGeom>
+          <a:noFill/>
+        </p:spPr>
+        <p:txBody>
+          <a:bodyPr wrap="none" rtlCol="0">
+            <a:spAutoFit/>
+          </a:bodyPr>
+          <a:lstStyle/>
+          <a:p>
+            <a:r>
+              <a:rPr lang="en-US" dirty="0">
+                <a:solidFill>
+                  <a:schemeClr val="accent6">
+                    <a:lumMod val="75000"/>
+                  </a:schemeClr>
+                </a:solidFill>
+              </a:rPr>
+              <a:t>Public Zone</a:t>
+            </a:r>
+          </a:p>
+        </p:txBody>
+      </p:sp>
+      <p:sp>
+        <p:nvSpPr>
+          <p:cNvPr id="12" name="TextBox 11">
+            <a:extLst>
+              <a:ext uri="{FF2B5EF4-FFF2-40B4-BE49-F238E27FC236}">
+                <a16:creationId xmlns:a16="http://schemas.microsoft.com/office/drawing/2014/main" id="{40BC0126-A564-9640-BA29-43CE3B906A09}"/>
+              </a:ext>
+            </a:extLst>
+          </p:cNvPr>
+          <p:cNvSpPr txBox="1"/>
+          <p:nvPr/>
+        </p:nvSpPr>
+        <p:spPr>
+          <a:xfrm>
+            <a:off x="3508657" y="4559300"/>
+            <a:ext cx="1351588" cy="369332"/>
+          </a:xfrm>
+          <a:prstGeom prst="rect">
+            <a:avLst/>
+          </a:prstGeom>
+          <a:noFill/>
+        </p:spPr>
+        <p:txBody>
+          <a:bodyPr wrap="none" rtlCol="0">
+            <a:spAutoFit/>
+          </a:bodyPr>
+          <a:lstStyle/>
+          <a:p>
+            <a:r>
+              <a:rPr lang="en-US" dirty="0">
+                <a:solidFill>
+                  <a:srgbClr val="C00000"/>
+                </a:solidFill>
+              </a:rPr>
+              <a:t>Private Zone</a:t>
+            </a:r>
+          </a:p>
+        </p:txBody>
+      </p:sp>
+      <p:sp>
+        <p:nvSpPr>
+          <p:cNvPr id="13" name="TextBox 12">
+            <a:extLst>
+              <a:ext uri="{FF2B5EF4-FFF2-40B4-BE49-F238E27FC236}">
+                <a16:creationId xmlns:a16="http://schemas.microsoft.com/office/drawing/2014/main" id="{862F2D74-AD86-D148-8D62-1FBBCB7F58FA}"/>
+              </a:ext>
+            </a:extLst>
+          </p:cNvPr>
+          <p:cNvSpPr txBox="1"/>
+          <p:nvPr/>
+        </p:nvSpPr>
+        <p:spPr>
+          <a:xfrm>
+            <a:off x="461916" y="1446768"/>
+            <a:ext cx="1880579" cy="369332"/>
+          </a:xfrm>
+          <a:prstGeom prst="rect">
+            <a:avLst/>
+          </a:prstGeom>
+          <a:noFill/>
+        </p:spPr>
+        <p:txBody>
+          <a:bodyPr wrap="none" rtlCol="0">
+            <a:spAutoFit/>
+          </a:bodyPr>
+          <a:lstStyle/>
+          <a:p>
+            <a:r>
+              <a:rPr lang="en-US" dirty="0">
+                <a:solidFill>
+                  <a:schemeClr val="accent4">
+                    <a:lumMod val="75000"/>
+                  </a:schemeClr>
+                </a:solidFill>
+              </a:rPr>
+              <a:t>Semi-Private Zone</a:t>
+            </a:r>
+          </a:p>
+        </p:txBody>
+      </p:sp>
+      <p:sp>
+        <p:nvSpPr>
+          <p:cNvPr id="18" name="TextBox 17">
+            <a:extLst>
+              <a:ext uri="{FF2B5EF4-FFF2-40B4-BE49-F238E27FC236}">
+                <a16:creationId xmlns:a16="http://schemas.microsoft.com/office/drawing/2014/main" id="{7D1BC639-9C82-284C-95DA-266AF36CFA83}"/>
+              </a:ext>
+            </a:extLst>
+          </p:cNvPr>
+          <p:cNvSpPr txBox="1"/>
+          <p:nvPr/>
+        </p:nvSpPr>
+        <p:spPr>
+          <a:xfrm rot="5400000">
+            <a:off x="6606687" y="2611020"/>
+            <a:ext cx="1266629" cy="369332"/>
+          </a:xfrm>
+          <a:prstGeom prst="rect">
+            <a:avLst/>
+          </a:prstGeom>
+          <a:noFill/>
+        </p:spPr>
+        <p:txBody>
+          <a:bodyPr wrap="none" rtlCol="0">
+            <a:spAutoFit/>
+          </a:bodyPr>
+          <a:lstStyle/>
+          <a:p>
+            <a:r>
+              <a:rPr lang="en-US" dirty="0">
+                <a:solidFill>
+                  <a:schemeClr val="accent6">
+                    <a:lumMod val="75000"/>
+                  </a:schemeClr>
+                </a:solidFill>
+              </a:rPr>
+              <a:t>Public Zone</a:t>
+            </a:r>
+          </a:p>
+        </p:txBody>
+      </p:sp>
     </p:spTree>
     <p:extLst>
       <p:ext uri="{BB962C8B-B14F-4D97-AF65-F5344CB8AC3E}">
@@ -5252,6 +5414,660 @@
               <a:r>
                 <a:rPr lang="en-US" sz="1600" dirty="0"/>
                 <a:t>11</a:t>
+              </a:r>
+            </a:p>
+          </p:txBody>
+        </p:sp>
+      </p:grpSp>
+      <p:grpSp>
+        <p:nvGrpSpPr>
+          <p:cNvPr id="48" name="Group 47">
+            <a:extLst>
+              <a:ext uri="{FF2B5EF4-FFF2-40B4-BE49-F238E27FC236}">
+                <a16:creationId xmlns:a16="http://schemas.microsoft.com/office/drawing/2014/main" id="{557D0B2B-7226-7C45-A98D-66310EE4AC7A}"/>
+              </a:ext>
+            </a:extLst>
+          </p:cNvPr>
+          <p:cNvGrpSpPr/>
+          <p:nvPr/>
+        </p:nvGrpSpPr>
+        <p:grpSpPr>
+          <a:xfrm>
+            <a:off x="7377469" y="1790903"/>
+            <a:ext cx="2847622" cy="646331"/>
+            <a:chOff x="7982744" y="2124109"/>
+            <a:chExt cx="2847622" cy="646331"/>
+          </a:xfrm>
+        </p:grpSpPr>
+        <p:grpSp>
+          <p:nvGrpSpPr>
+            <p:cNvPr id="35" name="Group 34">
+              <a:extLst>
+                <a:ext uri="{FF2B5EF4-FFF2-40B4-BE49-F238E27FC236}">
+                  <a16:creationId xmlns:a16="http://schemas.microsoft.com/office/drawing/2014/main" id="{BC047401-85D3-9E4B-912F-BC5333E76F2D}"/>
+                </a:ext>
+              </a:extLst>
+            </p:cNvPr>
+            <p:cNvGrpSpPr/>
+            <p:nvPr/>
+          </p:nvGrpSpPr>
+          <p:grpSpPr>
+            <a:xfrm>
+              <a:off x="7982744" y="2218674"/>
+              <a:ext cx="1258951" cy="457200"/>
+              <a:chOff x="7641950" y="1954436"/>
+              <a:chExt cx="1258951" cy="457200"/>
+            </a:xfrm>
+          </p:grpSpPr>
+          <p:pic>
+            <p:nvPicPr>
+              <p:cNvPr id="32" name="Picture 31">
+                <a:extLst>
+                  <a:ext uri="{FF2B5EF4-FFF2-40B4-BE49-F238E27FC236}">
+                    <a16:creationId xmlns:a16="http://schemas.microsoft.com/office/drawing/2014/main" id="{63210227-9AA1-0A4A-B553-A6EA2615B132}"/>
+                  </a:ext>
+                </a:extLst>
+              </p:cNvPr>
+              <p:cNvPicPr>
+                <a:picLocks noChangeAspect="1"/>
+              </p:cNvPicPr>
+              <p:nvPr/>
+            </p:nvPicPr>
+            <p:blipFill rotWithShape="1">
+              <a:blip r:embed="rId2"/>
+              <a:srcRect l="26302" t="1905" r="24095"/>
+              <a:stretch/>
+            </p:blipFill>
+            <p:spPr>
+              <a:xfrm>
+                <a:off x="7641950" y="1954436"/>
+                <a:ext cx="308249" cy="457200"/>
+              </a:xfrm>
+              <a:prstGeom prst="rect">
+                <a:avLst/>
+              </a:prstGeom>
+            </p:spPr>
+          </p:pic>
+          <p:sp>
+            <p:nvSpPr>
+              <p:cNvPr id="34" name="Oval 33">
+                <a:extLst>
+                  <a:ext uri="{FF2B5EF4-FFF2-40B4-BE49-F238E27FC236}">
+                    <a16:creationId xmlns:a16="http://schemas.microsoft.com/office/drawing/2014/main" id="{17993555-341E-5542-97E0-CA2CB1FFEB5D}"/>
+                  </a:ext>
+                </a:extLst>
+              </p:cNvPr>
+              <p:cNvSpPr>
+                <a:spLocks noChangeAspect="1"/>
+              </p:cNvSpPr>
+              <p:nvPr/>
+            </p:nvSpPr>
+            <p:spPr>
+              <a:xfrm>
+                <a:off x="8626581" y="2045876"/>
+                <a:ext cx="274320" cy="274320"/>
+              </a:xfrm>
+              <a:prstGeom prst="ellipse">
+                <a:avLst/>
+              </a:prstGeom>
+              <a:solidFill>
+                <a:srgbClr val="92D050"/>
+              </a:solidFill>
+              <a:ln w="19050">
+                <a:solidFill>
+                  <a:schemeClr val="tx1"/>
+                </a:solidFill>
+              </a:ln>
+            </p:spPr>
+            <p:style>
+              <a:lnRef idx="2">
+                <a:schemeClr val="accent1">
+                  <a:shade val="50000"/>
+                </a:schemeClr>
+              </a:lnRef>
+              <a:fillRef idx="1">
+                <a:schemeClr val="accent1"/>
+              </a:fillRef>
+              <a:effectRef idx="0">
+                <a:schemeClr val="accent1"/>
+              </a:effectRef>
+              <a:fontRef idx="minor">
+                <a:schemeClr val="lt1"/>
+              </a:fontRef>
+            </p:style>
+            <p:txBody>
+              <a:bodyPr rtlCol="0" anchor="ctr"/>
+              <a:lstStyle/>
+              <a:p>
+                <a:pPr algn="ctr"/>
+                <a:endParaRPr lang="en-US" sz="1600" dirty="0">
+                  <a:solidFill>
+                    <a:schemeClr val="tx1"/>
+                  </a:solidFill>
+                </a:endParaRPr>
+              </a:p>
+            </p:txBody>
+          </p:sp>
+          <p:cxnSp>
+            <p:nvCxnSpPr>
+              <p:cNvPr id="4" name="Straight Arrow Connector 3">
+                <a:extLst>
+                  <a:ext uri="{FF2B5EF4-FFF2-40B4-BE49-F238E27FC236}">
+                    <a16:creationId xmlns:a16="http://schemas.microsoft.com/office/drawing/2014/main" id="{9CD223E6-AF0D-5448-9292-06C8DE9423C3}"/>
+                  </a:ext>
+                </a:extLst>
+              </p:cNvPr>
+              <p:cNvCxnSpPr>
+                <a:stCxn id="32" idx="3"/>
+                <a:endCxn id="34" idx="2"/>
+              </p:cNvCxnSpPr>
+              <p:nvPr/>
+            </p:nvCxnSpPr>
+            <p:spPr>
+              <a:xfrm>
+                <a:off x="7950199" y="2183036"/>
+                <a:ext cx="676382" cy="0"/>
+              </a:xfrm>
+              <a:prstGeom prst="straightConnector1">
+                <a:avLst/>
+              </a:prstGeom>
+              <a:ln>
+                <a:solidFill>
+                  <a:schemeClr val="tx1"/>
+                </a:solidFill>
+                <a:prstDash val="dash"/>
+                <a:tailEnd type="triangle"/>
+              </a:ln>
+            </p:spPr>
+            <p:style>
+              <a:lnRef idx="1">
+                <a:schemeClr val="accent1"/>
+              </a:lnRef>
+              <a:fillRef idx="0">
+                <a:schemeClr val="accent1"/>
+              </a:fillRef>
+              <a:effectRef idx="0">
+                <a:schemeClr val="accent1"/>
+              </a:effectRef>
+              <a:fontRef idx="minor">
+                <a:schemeClr val="tx1"/>
+              </a:fontRef>
+            </p:style>
+          </p:cxnSp>
+        </p:grpSp>
+        <p:sp>
+          <p:nvSpPr>
+            <p:cNvPr id="45" name="TextBox 44">
+              <a:extLst>
+                <a:ext uri="{FF2B5EF4-FFF2-40B4-BE49-F238E27FC236}">
+                  <a16:creationId xmlns:a16="http://schemas.microsoft.com/office/drawing/2014/main" id="{3EF46F9D-61E7-3C4F-A582-350F38162ACF}"/>
+                </a:ext>
+              </a:extLst>
+            </p:cNvPr>
+            <p:cNvSpPr txBox="1"/>
+            <p:nvPr/>
+          </p:nvSpPr>
+          <p:spPr>
+            <a:xfrm>
+              <a:off x="9428572" y="2124109"/>
+              <a:ext cx="1401794" cy="646331"/>
+            </a:xfrm>
+            <a:prstGeom prst="rect">
+              <a:avLst/>
+            </a:prstGeom>
+            <a:noFill/>
+          </p:spPr>
+          <p:txBody>
+            <a:bodyPr wrap="none" rtlCol="0">
+              <a:spAutoFit/>
+            </a:bodyPr>
+            <a:lstStyle/>
+            <a:p>
+              <a:r>
+                <a:rPr lang="en-US" i="1" dirty="0"/>
+                <a:t>Not Intrusive</a:t>
+              </a:r>
+            </a:p>
+            <a:p>
+              <a:r>
+                <a:rPr lang="en-US" dirty="0"/>
+                <a:t>(Penalty = 0)</a:t>
+              </a:r>
+            </a:p>
+          </p:txBody>
+        </p:sp>
+      </p:grpSp>
+      <p:grpSp>
+        <p:nvGrpSpPr>
+          <p:cNvPr id="49" name="Group 48">
+            <a:extLst>
+              <a:ext uri="{FF2B5EF4-FFF2-40B4-BE49-F238E27FC236}">
+                <a16:creationId xmlns:a16="http://schemas.microsoft.com/office/drawing/2014/main" id="{D2C2B3A9-592B-A443-9251-34E5FD8BC9B5}"/>
+              </a:ext>
+            </a:extLst>
+          </p:cNvPr>
+          <p:cNvGrpSpPr/>
+          <p:nvPr/>
+        </p:nvGrpSpPr>
+        <p:grpSpPr>
+          <a:xfrm>
+            <a:off x="7377469" y="2667016"/>
+            <a:ext cx="3492315" cy="646331"/>
+            <a:chOff x="7988807" y="3149548"/>
+            <a:chExt cx="3492315" cy="646331"/>
+          </a:xfrm>
+        </p:grpSpPr>
+        <p:grpSp>
+          <p:nvGrpSpPr>
+            <p:cNvPr id="37" name="Group 36">
+              <a:extLst>
+                <a:ext uri="{FF2B5EF4-FFF2-40B4-BE49-F238E27FC236}">
+                  <a16:creationId xmlns:a16="http://schemas.microsoft.com/office/drawing/2014/main" id="{40764367-BDF8-D34B-9A5F-0ED238AC6A03}"/>
+                </a:ext>
+              </a:extLst>
+            </p:cNvPr>
+            <p:cNvGrpSpPr/>
+            <p:nvPr/>
+          </p:nvGrpSpPr>
+          <p:grpSpPr>
+            <a:xfrm>
+              <a:off x="7988807" y="3249198"/>
+              <a:ext cx="1252334" cy="457200"/>
+              <a:chOff x="7648567" y="1959521"/>
+              <a:chExt cx="1252334" cy="457200"/>
+            </a:xfrm>
+          </p:grpSpPr>
+          <p:pic>
+            <p:nvPicPr>
+              <p:cNvPr id="38" name="Picture 37">
+                <a:extLst>
+                  <a:ext uri="{FF2B5EF4-FFF2-40B4-BE49-F238E27FC236}">
+                    <a16:creationId xmlns:a16="http://schemas.microsoft.com/office/drawing/2014/main" id="{194598AB-46D5-6249-9948-5FFAF83D7D5E}"/>
+                  </a:ext>
+                </a:extLst>
+              </p:cNvPr>
+              <p:cNvPicPr>
+                <a:picLocks noChangeAspect="1"/>
+              </p:cNvPicPr>
+              <p:nvPr/>
+            </p:nvPicPr>
+            <p:blipFill rotWithShape="1">
+              <a:blip r:embed="rId2"/>
+              <a:srcRect l="26302" t="1905" r="24095"/>
+              <a:stretch/>
+            </p:blipFill>
+            <p:spPr>
+              <a:xfrm>
+                <a:off x="7648567" y="1959521"/>
+                <a:ext cx="308249" cy="457200"/>
+              </a:xfrm>
+              <a:prstGeom prst="rect">
+                <a:avLst/>
+              </a:prstGeom>
+            </p:spPr>
+          </p:pic>
+          <p:sp>
+            <p:nvSpPr>
+              <p:cNvPr id="39" name="Oval 38">
+                <a:extLst>
+                  <a:ext uri="{FF2B5EF4-FFF2-40B4-BE49-F238E27FC236}">
+                    <a16:creationId xmlns:a16="http://schemas.microsoft.com/office/drawing/2014/main" id="{3B478CF2-C349-5244-9632-6F7943DD7A94}"/>
+                  </a:ext>
+                </a:extLst>
+              </p:cNvPr>
+              <p:cNvSpPr>
+                <a:spLocks noChangeAspect="1"/>
+              </p:cNvSpPr>
+              <p:nvPr/>
+            </p:nvSpPr>
+            <p:spPr>
+              <a:xfrm>
+                <a:off x="8626581" y="2045876"/>
+                <a:ext cx="274320" cy="274320"/>
+              </a:xfrm>
+              <a:prstGeom prst="ellipse">
+                <a:avLst/>
+              </a:prstGeom>
+              <a:solidFill>
+                <a:srgbClr val="FFFF00"/>
+              </a:solidFill>
+              <a:ln w="19050">
+                <a:solidFill>
+                  <a:schemeClr val="tx1"/>
+                </a:solidFill>
+              </a:ln>
+            </p:spPr>
+            <p:style>
+              <a:lnRef idx="2">
+                <a:schemeClr val="accent1">
+                  <a:shade val="50000"/>
+                </a:schemeClr>
+              </a:lnRef>
+              <a:fillRef idx="1">
+                <a:schemeClr val="accent1"/>
+              </a:fillRef>
+              <a:effectRef idx="0">
+                <a:schemeClr val="accent1"/>
+              </a:effectRef>
+              <a:fontRef idx="minor">
+                <a:schemeClr val="lt1"/>
+              </a:fontRef>
+            </p:style>
+            <p:txBody>
+              <a:bodyPr rtlCol="0" anchor="ctr"/>
+              <a:lstStyle/>
+              <a:p>
+                <a:pPr algn="ctr"/>
+                <a:endParaRPr lang="en-US" sz="1600" dirty="0">
+                  <a:solidFill>
+                    <a:schemeClr val="tx1"/>
+                  </a:solidFill>
+                </a:endParaRPr>
+              </a:p>
+            </p:txBody>
+          </p:sp>
+          <p:cxnSp>
+            <p:nvCxnSpPr>
+              <p:cNvPr id="40" name="Straight Arrow Connector 39">
+                <a:extLst>
+                  <a:ext uri="{FF2B5EF4-FFF2-40B4-BE49-F238E27FC236}">
+                    <a16:creationId xmlns:a16="http://schemas.microsoft.com/office/drawing/2014/main" id="{D98924C8-DB69-F146-9140-F6043F49033E}"/>
+                  </a:ext>
+                </a:extLst>
+              </p:cNvPr>
+              <p:cNvCxnSpPr>
+                <a:stCxn id="38" idx="3"/>
+                <a:endCxn id="39" idx="2"/>
+              </p:cNvCxnSpPr>
+              <p:nvPr/>
+            </p:nvCxnSpPr>
+            <p:spPr>
+              <a:xfrm flipV="1">
+                <a:off x="7956816" y="2183036"/>
+                <a:ext cx="669765" cy="5085"/>
+              </a:xfrm>
+              <a:prstGeom prst="straightConnector1">
+                <a:avLst/>
+              </a:prstGeom>
+              <a:ln>
+                <a:solidFill>
+                  <a:schemeClr val="tx1"/>
+                </a:solidFill>
+                <a:prstDash val="dash"/>
+                <a:tailEnd type="triangle"/>
+              </a:ln>
+            </p:spPr>
+            <p:style>
+              <a:lnRef idx="1">
+                <a:schemeClr val="accent1"/>
+              </a:lnRef>
+              <a:fillRef idx="0">
+                <a:schemeClr val="accent1"/>
+              </a:fillRef>
+              <a:effectRef idx="0">
+                <a:schemeClr val="accent1"/>
+              </a:effectRef>
+              <a:fontRef idx="minor">
+                <a:schemeClr val="tx1"/>
+              </a:fontRef>
+            </p:style>
+          </p:cxnSp>
+        </p:grpSp>
+        <p:sp>
+          <p:nvSpPr>
+            <p:cNvPr id="46" name="TextBox 45">
+              <a:extLst>
+                <a:ext uri="{FF2B5EF4-FFF2-40B4-BE49-F238E27FC236}">
+                  <a16:creationId xmlns:a16="http://schemas.microsoft.com/office/drawing/2014/main" id="{55439356-B5F3-D344-939C-6530DC06E10C}"/>
+                </a:ext>
+              </a:extLst>
+            </p:cNvPr>
+            <p:cNvSpPr txBox="1"/>
+            <p:nvPr/>
+          </p:nvSpPr>
+          <p:spPr>
+            <a:xfrm>
+              <a:off x="9428572" y="3149548"/>
+              <a:ext cx="2052550" cy="646331"/>
+            </a:xfrm>
+            <a:prstGeom prst="rect">
+              <a:avLst/>
+            </a:prstGeom>
+            <a:noFill/>
+          </p:spPr>
+          <p:txBody>
+            <a:bodyPr wrap="none" rtlCol="0">
+              <a:spAutoFit/>
+            </a:bodyPr>
+            <a:lstStyle/>
+            <a:p>
+              <a:r>
+                <a:rPr lang="en-US" i="1" dirty="0"/>
+                <a:t>Somewhat Intrusive</a:t>
+              </a:r>
+            </a:p>
+            <a:p>
+              <a:r>
+                <a:rPr lang="en-US" dirty="0"/>
+                <a:t>(Penalty = 1)</a:t>
+              </a:r>
+            </a:p>
+          </p:txBody>
+        </p:sp>
+      </p:grpSp>
+      <p:grpSp>
+        <p:nvGrpSpPr>
+          <p:cNvPr id="50" name="Group 49">
+            <a:extLst>
+              <a:ext uri="{FF2B5EF4-FFF2-40B4-BE49-F238E27FC236}">
+                <a16:creationId xmlns:a16="http://schemas.microsoft.com/office/drawing/2014/main" id="{909102DE-6FEC-DE42-9F50-618DFAB270E6}"/>
+              </a:ext>
+            </a:extLst>
+          </p:cNvPr>
+          <p:cNvGrpSpPr/>
+          <p:nvPr/>
+        </p:nvGrpSpPr>
+        <p:grpSpPr>
+          <a:xfrm>
+            <a:off x="7377469" y="3513301"/>
+            <a:ext cx="2920656" cy="646331"/>
+            <a:chOff x="7982743" y="4156495"/>
+            <a:chExt cx="2920656" cy="646331"/>
+          </a:xfrm>
+        </p:grpSpPr>
+        <p:grpSp>
+          <p:nvGrpSpPr>
+            <p:cNvPr id="41" name="Group 40">
+              <a:extLst>
+                <a:ext uri="{FF2B5EF4-FFF2-40B4-BE49-F238E27FC236}">
+                  <a16:creationId xmlns:a16="http://schemas.microsoft.com/office/drawing/2014/main" id="{663F8405-4801-B743-977D-58BB35876ED6}"/>
+                </a:ext>
+              </a:extLst>
+            </p:cNvPr>
+            <p:cNvGrpSpPr/>
+            <p:nvPr/>
+          </p:nvGrpSpPr>
+          <p:grpSpPr>
+            <a:xfrm>
+              <a:off x="7982743" y="4247935"/>
+              <a:ext cx="1264987" cy="457200"/>
+              <a:chOff x="7635914" y="1954436"/>
+              <a:chExt cx="1264987" cy="457200"/>
+            </a:xfrm>
+          </p:grpSpPr>
+          <p:pic>
+            <p:nvPicPr>
+              <p:cNvPr id="42" name="Picture 41">
+                <a:extLst>
+                  <a:ext uri="{FF2B5EF4-FFF2-40B4-BE49-F238E27FC236}">
+                    <a16:creationId xmlns:a16="http://schemas.microsoft.com/office/drawing/2014/main" id="{CBAEEF48-EA22-5F46-A552-C67D3D90E7FA}"/>
+                  </a:ext>
+                </a:extLst>
+              </p:cNvPr>
+              <p:cNvPicPr>
+                <a:picLocks noChangeAspect="1"/>
+              </p:cNvPicPr>
+              <p:nvPr/>
+            </p:nvPicPr>
+            <p:blipFill rotWithShape="1">
+              <a:blip r:embed="rId2"/>
+              <a:srcRect l="26302" t="1905" r="24095"/>
+              <a:stretch/>
+            </p:blipFill>
+            <p:spPr>
+              <a:xfrm>
+                <a:off x="7635914" y="1954436"/>
+                <a:ext cx="308249" cy="457200"/>
+              </a:xfrm>
+              <a:prstGeom prst="rect">
+                <a:avLst/>
+              </a:prstGeom>
+            </p:spPr>
+          </p:pic>
+          <p:sp>
+            <p:nvSpPr>
+              <p:cNvPr id="43" name="Oval 42">
+                <a:extLst>
+                  <a:ext uri="{FF2B5EF4-FFF2-40B4-BE49-F238E27FC236}">
+                    <a16:creationId xmlns:a16="http://schemas.microsoft.com/office/drawing/2014/main" id="{F24AAB30-2332-7F41-AD61-BD6E88673063}"/>
+                  </a:ext>
+                </a:extLst>
+              </p:cNvPr>
+              <p:cNvSpPr>
+                <a:spLocks noChangeAspect="1"/>
+              </p:cNvSpPr>
+              <p:nvPr/>
+            </p:nvSpPr>
+            <p:spPr>
+              <a:xfrm>
+                <a:off x="8626581" y="2045876"/>
+                <a:ext cx="274320" cy="274320"/>
+              </a:xfrm>
+              <a:prstGeom prst="ellipse">
+                <a:avLst/>
+              </a:prstGeom>
+              <a:solidFill>
+                <a:srgbClr val="FF0000"/>
+              </a:solidFill>
+              <a:ln w="19050">
+                <a:solidFill>
+                  <a:schemeClr val="tx1"/>
+                </a:solidFill>
+              </a:ln>
+            </p:spPr>
+            <p:style>
+              <a:lnRef idx="2">
+                <a:schemeClr val="accent1">
+                  <a:shade val="50000"/>
+                </a:schemeClr>
+              </a:lnRef>
+              <a:fillRef idx="1">
+                <a:schemeClr val="accent1"/>
+              </a:fillRef>
+              <a:effectRef idx="0">
+                <a:schemeClr val="accent1"/>
+              </a:effectRef>
+              <a:fontRef idx="minor">
+                <a:schemeClr val="lt1"/>
+              </a:fontRef>
+            </p:style>
+            <p:txBody>
+              <a:bodyPr rtlCol="0" anchor="ctr"/>
+              <a:lstStyle/>
+              <a:p>
+                <a:pPr algn="ctr"/>
+                <a:endParaRPr lang="en-US" sz="1600" dirty="0">
+                  <a:solidFill>
+                    <a:schemeClr val="tx1"/>
+                  </a:solidFill>
+                </a:endParaRPr>
+              </a:p>
+            </p:txBody>
+          </p:sp>
+          <p:cxnSp>
+            <p:nvCxnSpPr>
+              <p:cNvPr id="44" name="Straight Arrow Connector 43">
+                <a:extLst>
+                  <a:ext uri="{FF2B5EF4-FFF2-40B4-BE49-F238E27FC236}">
+                    <a16:creationId xmlns:a16="http://schemas.microsoft.com/office/drawing/2014/main" id="{607831A4-E09D-234F-ADA9-40EE543EC48C}"/>
+                  </a:ext>
+                </a:extLst>
+              </p:cNvPr>
+              <p:cNvCxnSpPr>
+                <a:stCxn id="42" idx="3"/>
+                <a:endCxn id="43" idx="2"/>
+              </p:cNvCxnSpPr>
+              <p:nvPr/>
+            </p:nvCxnSpPr>
+            <p:spPr>
+              <a:xfrm>
+                <a:off x="7944163" y="2183036"/>
+                <a:ext cx="682418" cy="0"/>
+              </a:xfrm>
+              <a:prstGeom prst="straightConnector1">
+                <a:avLst/>
+              </a:prstGeom>
+              <a:ln>
+                <a:solidFill>
+                  <a:schemeClr val="tx1"/>
+                </a:solidFill>
+                <a:prstDash val="dash"/>
+                <a:tailEnd type="triangle"/>
+              </a:ln>
+            </p:spPr>
+            <p:style>
+              <a:lnRef idx="1">
+                <a:schemeClr val="accent1"/>
+              </a:lnRef>
+              <a:fillRef idx="0">
+                <a:schemeClr val="accent1"/>
+              </a:fillRef>
+              <a:effectRef idx="0">
+                <a:schemeClr val="accent1"/>
+              </a:effectRef>
+              <a:fontRef idx="minor">
+                <a:schemeClr val="tx1"/>
+              </a:fontRef>
+            </p:style>
+          </p:cxnSp>
+        </p:grpSp>
+        <p:sp>
+          <p:nvSpPr>
+            <p:cNvPr id="47" name="TextBox 46">
+              <a:extLst>
+                <a:ext uri="{FF2B5EF4-FFF2-40B4-BE49-F238E27FC236}">
+                  <a16:creationId xmlns:a16="http://schemas.microsoft.com/office/drawing/2014/main" id="{D50B0B8D-5DBB-B64E-B0B4-01AFE979ECA7}"/>
+                </a:ext>
+              </a:extLst>
+            </p:cNvPr>
+            <p:cNvSpPr txBox="1"/>
+            <p:nvPr/>
+          </p:nvSpPr>
+          <p:spPr>
+            <a:xfrm>
+              <a:off x="9428572" y="4156495"/>
+              <a:ext cx="1474827" cy="646331"/>
+            </a:xfrm>
+            <a:prstGeom prst="rect">
+              <a:avLst/>
+            </a:prstGeom>
+            <a:noFill/>
+          </p:spPr>
+          <p:txBody>
+            <a:bodyPr wrap="none" rtlCol="0">
+              <a:spAutoFit/>
+            </a:bodyPr>
+            <a:lstStyle/>
+            <a:p>
+              <a:r>
+                <a:rPr lang="en-US" i="1" dirty="0"/>
+                <a:t>Very Intrusive</a:t>
+              </a:r>
+            </a:p>
+            <a:p>
+              <a:r>
+                <a:rPr lang="en-US" dirty="0"/>
+                <a:t>(Penalty = 3)</a:t>
               </a:r>
             </a:p>
           </p:txBody>
@@ -17699,6 +18515,168 @@
           </a:p>
         </p:txBody>
       </p:sp>
+      <p:sp>
+        <p:nvSpPr>
+          <p:cNvPr id="3" name="TextBox 2">
+            <a:extLst>
+              <a:ext uri="{FF2B5EF4-FFF2-40B4-BE49-F238E27FC236}">
+                <a16:creationId xmlns:a16="http://schemas.microsoft.com/office/drawing/2014/main" id="{4F26FB3B-0772-AC4D-8C11-065C2267BA0A}"/>
+              </a:ext>
+            </a:extLst>
+          </p:cNvPr>
+          <p:cNvSpPr txBox="1"/>
+          <p:nvPr/>
+        </p:nvSpPr>
+        <p:spPr>
+          <a:xfrm>
+            <a:off x="3690412" y="1202415"/>
+            <a:ext cx="1668149" cy="369332"/>
+          </a:xfrm>
+          <a:prstGeom prst="rect">
+            <a:avLst/>
+          </a:prstGeom>
+          <a:noFill/>
+        </p:spPr>
+        <p:txBody>
+          <a:bodyPr wrap="none" rtlCol="0">
+            <a:spAutoFit/>
+          </a:bodyPr>
+          <a:lstStyle/>
+          <a:p>
+            <a:r>
+              <a:rPr lang="en-US" dirty="0"/>
+              <a:t>Sparse Obstacle</a:t>
+            </a:r>
+          </a:p>
+        </p:txBody>
+      </p:sp>
+      <p:sp>
+        <p:nvSpPr>
+          <p:cNvPr id="4" name="TextBox 3">
+            <a:extLst>
+              <a:ext uri="{FF2B5EF4-FFF2-40B4-BE49-F238E27FC236}">
+                <a16:creationId xmlns:a16="http://schemas.microsoft.com/office/drawing/2014/main" id="{3DE68D51-8360-364F-9F24-7FB1D8E7DC90}"/>
+              </a:ext>
+            </a:extLst>
+          </p:cNvPr>
+          <p:cNvSpPr txBox="1"/>
+          <p:nvPr/>
+        </p:nvSpPr>
+        <p:spPr>
+          <a:xfrm>
+            <a:off x="3324652" y="4774133"/>
+            <a:ext cx="1633652" cy="369332"/>
+          </a:xfrm>
+          <a:prstGeom prst="rect">
+            <a:avLst/>
+          </a:prstGeom>
+          <a:noFill/>
+        </p:spPr>
+        <p:txBody>
+          <a:bodyPr wrap="none" rtlCol="0">
+            <a:spAutoFit/>
+          </a:bodyPr>
+          <a:lstStyle/>
+          <a:p>
+            <a:r>
+              <a:rPr lang="en-US" dirty="0"/>
+              <a:t>Dense Obstacle</a:t>
+            </a:r>
+          </a:p>
+        </p:txBody>
+      </p:sp>
+      <p:cxnSp>
+        <p:nvCxnSpPr>
+          <p:cNvPr id="6" name="Curved Connector 5">
+            <a:extLst>
+              <a:ext uri="{FF2B5EF4-FFF2-40B4-BE49-F238E27FC236}">
+                <a16:creationId xmlns:a16="http://schemas.microsoft.com/office/drawing/2014/main" id="{2B4ACC8F-0356-1A44-9D95-F92CBCE7BB7E}"/>
+              </a:ext>
+            </a:extLst>
+          </p:cNvPr>
+          <p:cNvCxnSpPr>
+            <a:cxnSpLocks/>
+            <a:stCxn id="3" idx="2"/>
+          </p:cNvCxnSpPr>
+          <p:nvPr/>
+        </p:nvCxnSpPr>
+        <p:spPr>
+          <a:xfrm rot="16200000" flipH="1">
+            <a:off x="4398676" y="1697557"/>
+            <a:ext cx="644892" cy="393271"/>
+          </a:xfrm>
+          <a:prstGeom prst="curvedConnector3">
+            <a:avLst>
+              <a:gd name="adj1" fmla="val 50000"/>
+            </a:avLst>
+          </a:prstGeom>
+          <a:ln w="38100">
+            <a:solidFill>
+              <a:srgbClr val="FF0000"/>
+            </a:solidFill>
+            <a:tailEnd type="triangle"/>
+          </a:ln>
+        </p:spPr>
+        <p:style>
+          <a:lnRef idx="1">
+            <a:schemeClr val="accent1"/>
+          </a:lnRef>
+          <a:fillRef idx="0">
+            <a:schemeClr val="accent1"/>
+          </a:fillRef>
+          <a:effectRef idx="0">
+            <a:schemeClr val="accent1"/>
+          </a:effectRef>
+          <a:fontRef idx="minor">
+            <a:schemeClr val="tx1"/>
+          </a:fontRef>
+        </p:style>
+      </p:cxnSp>
+      <p:cxnSp>
+        <p:nvCxnSpPr>
+          <p:cNvPr id="18" name="Curved Connector 17">
+            <a:extLst>
+              <a:ext uri="{FF2B5EF4-FFF2-40B4-BE49-F238E27FC236}">
+                <a16:creationId xmlns:a16="http://schemas.microsoft.com/office/drawing/2014/main" id="{772AEF88-3F1A-7746-AF02-8593E52353B8}"/>
+              </a:ext>
+            </a:extLst>
+          </p:cNvPr>
+          <p:cNvCxnSpPr>
+            <a:cxnSpLocks/>
+            <a:stCxn id="4" idx="0"/>
+          </p:cNvCxnSpPr>
+          <p:nvPr/>
+        </p:nvCxnSpPr>
+        <p:spPr>
+          <a:xfrm rot="16200000" flipV="1">
+            <a:off x="3378684" y="4011338"/>
+            <a:ext cx="898681" cy="626909"/>
+          </a:xfrm>
+          <a:prstGeom prst="curvedConnector3">
+            <a:avLst/>
+          </a:prstGeom>
+          <a:ln w="38100">
+            <a:solidFill>
+              <a:srgbClr val="FF0000"/>
+            </a:solidFill>
+            <a:tailEnd type="triangle"/>
+          </a:ln>
+        </p:spPr>
+        <p:style>
+          <a:lnRef idx="1">
+            <a:schemeClr val="accent1"/>
+          </a:lnRef>
+          <a:fillRef idx="0">
+            <a:schemeClr val="accent1"/>
+          </a:fillRef>
+          <a:effectRef idx="0">
+            <a:schemeClr val="accent1"/>
+          </a:effectRef>
+          <a:fontRef idx="minor">
+            <a:schemeClr val="tx1"/>
+          </a:fontRef>
+        </p:style>
+      </p:cxnSp>
     </p:spTree>
     <p:extLst>
       <p:ext uri="{BB962C8B-B14F-4D97-AF65-F5344CB8AC3E}">
@@ -19114,6 +20092,856 @@
           </a:p>
         </p:txBody>
       </p:sp>
+      <p:grpSp>
+        <p:nvGrpSpPr>
+          <p:cNvPr id="5" name="Group 4">
+            <a:extLst>
+              <a:ext uri="{FF2B5EF4-FFF2-40B4-BE49-F238E27FC236}">
+                <a16:creationId xmlns:a16="http://schemas.microsoft.com/office/drawing/2014/main" id="{858C1DA1-7323-314D-9FFD-DBE4450AAEB4}"/>
+              </a:ext>
+            </a:extLst>
+          </p:cNvPr>
+          <p:cNvGrpSpPr/>
+          <p:nvPr/>
+        </p:nvGrpSpPr>
+        <p:grpSpPr>
+          <a:xfrm>
+            <a:off x="7274720" y="2252568"/>
+            <a:ext cx="2566106" cy="369332"/>
+            <a:chOff x="7514448" y="2233629"/>
+            <a:chExt cx="2566106" cy="369332"/>
+          </a:xfrm>
+        </p:grpSpPr>
+        <p:sp>
+          <p:nvSpPr>
+            <p:cNvPr id="2" name="TextBox 1">
+              <a:extLst>
+                <a:ext uri="{FF2B5EF4-FFF2-40B4-BE49-F238E27FC236}">
+                  <a16:creationId xmlns:a16="http://schemas.microsoft.com/office/drawing/2014/main" id="{932BCCB3-439E-EA4B-8BA4-B5B16FC3E413}"/>
+                </a:ext>
+              </a:extLst>
+            </p:cNvPr>
+            <p:cNvSpPr txBox="1"/>
+            <p:nvPr/>
+          </p:nvSpPr>
+          <p:spPr>
+            <a:xfrm>
+              <a:off x="7514448" y="2233629"/>
+              <a:ext cx="2143498" cy="369332"/>
+            </a:xfrm>
+            <a:prstGeom prst="rect">
+              <a:avLst/>
+            </a:prstGeom>
+            <a:noFill/>
+          </p:spPr>
+          <p:txBody>
+            <a:bodyPr wrap="square" rtlCol="0">
+              <a:spAutoFit/>
+            </a:bodyPr>
+            <a:lstStyle/>
+            <a:p>
+              <a:r>
+                <a:rPr lang="en-US" dirty="0"/>
+                <a:t>SO = Sparse Obstacle</a:t>
+              </a:r>
+            </a:p>
+          </p:txBody>
+        </p:sp>
+        <p:grpSp>
+          <p:nvGrpSpPr>
+            <p:cNvPr id="33" name="Group 32">
+              <a:extLst>
+                <a:ext uri="{FF2B5EF4-FFF2-40B4-BE49-F238E27FC236}">
+                  <a16:creationId xmlns:a16="http://schemas.microsoft.com/office/drawing/2014/main" id="{5295A4E3-992A-B846-B751-FDB38F28F32D}"/>
+                </a:ext>
+              </a:extLst>
+            </p:cNvPr>
+            <p:cNvGrpSpPr/>
+            <p:nvPr/>
+          </p:nvGrpSpPr>
+          <p:grpSpPr>
+            <a:xfrm>
+              <a:off x="9714794" y="2270775"/>
+              <a:ext cx="365760" cy="295041"/>
+              <a:chOff x="7803055" y="2574583"/>
+              <a:chExt cx="365760" cy="295041"/>
+            </a:xfrm>
+          </p:grpSpPr>
+          <p:sp>
+            <p:nvSpPr>
+              <p:cNvPr id="34" name="Cube 33">
+                <a:extLst>
+                  <a:ext uri="{FF2B5EF4-FFF2-40B4-BE49-F238E27FC236}">
+                    <a16:creationId xmlns:a16="http://schemas.microsoft.com/office/drawing/2014/main" id="{5A672916-C506-3344-882D-9E52BEE27CE9}"/>
+                  </a:ext>
+                </a:extLst>
+              </p:cNvPr>
+              <p:cNvSpPr>
+                <a:spLocks noChangeAspect="1"/>
+              </p:cNvSpPr>
+              <p:nvPr/>
+            </p:nvSpPr>
+            <p:spPr>
+              <a:xfrm>
+                <a:off x="7803055" y="2686744"/>
+                <a:ext cx="182880" cy="182880"/>
+              </a:xfrm>
+              <a:prstGeom prst="cube">
+                <a:avLst/>
+              </a:prstGeom>
+              <a:solidFill>
+                <a:schemeClr val="accent4">
+                  <a:lumMod val="75000"/>
+                </a:schemeClr>
+              </a:solidFill>
+              <a:ln>
+                <a:solidFill>
+                  <a:schemeClr val="tx1"/>
+                </a:solidFill>
+              </a:ln>
+            </p:spPr>
+            <p:style>
+              <a:lnRef idx="2">
+                <a:schemeClr val="accent1">
+                  <a:shade val="50000"/>
+                </a:schemeClr>
+              </a:lnRef>
+              <a:fillRef idx="1">
+                <a:schemeClr val="accent1"/>
+              </a:fillRef>
+              <a:effectRef idx="0">
+                <a:schemeClr val="accent1"/>
+              </a:effectRef>
+              <a:fontRef idx="minor">
+                <a:schemeClr val="lt1"/>
+              </a:fontRef>
+            </p:style>
+            <p:txBody>
+              <a:bodyPr rtlCol="0" anchor="ctr"/>
+              <a:lstStyle/>
+              <a:p>
+                <a:pPr algn="ctr"/>
+                <a:endParaRPr lang="en-US"/>
+              </a:p>
+            </p:txBody>
+          </p:sp>
+          <p:sp>
+            <p:nvSpPr>
+              <p:cNvPr id="35" name="Cube 34">
+                <a:extLst>
+                  <a:ext uri="{FF2B5EF4-FFF2-40B4-BE49-F238E27FC236}">
+                    <a16:creationId xmlns:a16="http://schemas.microsoft.com/office/drawing/2014/main" id="{9100D794-0B89-3244-87D0-F4F55D17059D}"/>
+                  </a:ext>
+                </a:extLst>
+              </p:cNvPr>
+              <p:cNvSpPr>
+                <a:spLocks noChangeAspect="1"/>
+              </p:cNvSpPr>
+              <p:nvPr/>
+            </p:nvSpPr>
+            <p:spPr>
+              <a:xfrm>
+                <a:off x="7985935" y="2686744"/>
+                <a:ext cx="182880" cy="182880"/>
+              </a:xfrm>
+              <a:prstGeom prst="cube">
+                <a:avLst/>
+              </a:prstGeom>
+              <a:solidFill>
+                <a:schemeClr val="accent4">
+                  <a:lumMod val="75000"/>
+                </a:schemeClr>
+              </a:solidFill>
+              <a:ln>
+                <a:solidFill>
+                  <a:schemeClr val="tx1"/>
+                </a:solidFill>
+              </a:ln>
+            </p:spPr>
+            <p:style>
+              <a:lnRef idx="2">
+                <a:schemeClr val="accent1">
+                  <a:shade val="50000"/>
+                </a:schemeClr>
+              </a:lnRef>
+              <a:fillRef idx="1">
+                <a:schemeClr val="accent1"/>
+              </a:fillRef>
+              <a:effectRef idx="0">
+                <a:schemeClr val="accent1"/>
+              </a:effectRef>
+              <a:fontRef idx="minor">
+                <a:schemeClr val="lt1"/>
+              </a:fontRef>
+            </p:style>
+            <p:txBody>
+              <a:bodyPr rtlCol="0" anchor="ctr"/>
+              <a:lstStyle/>
+              <a:p>
+                <a:pPr algn="ctr"/>
+                <a:endParaRPr lang="en-US"/>
+              </a:p>
+            </p:txBody>
+          </p:sp>
+          <p:sp>
+            <p:nvSpPr>
+              <p:cNvPr id="60" name="Cube 59">
+                <a:extLst>
+                  <a:ext uri="{FF2B5EF4-FFF2-40B4-BE49-F238E27FC236}">
+                    <a16:creationId xmlns:a16="http://schemas.microsoft.com/office/drawing/2014/main" id="{F141884D-CB3C-6E41-BA82-78C0F19DB70B}"/>
+                  </a:ext>
+                </a:extLst>
+              </p:cNvPr>
+              <p:cNvSpPr>
+                <a:spLocks noChangeAspect="1"/>
+              </p:cNvSpPr>
+              <p:nvPr/>
+            </p:nvSpPr>
+            <p:spPr>
+              <a:xfrm>
+                <a:off x="7803055" y="2574583"/>
+                <a:ext cx="182880" cy="182880"/>
+              </a:xfrm>
+              <a:prstGeom prst="cube">
+                <a:avLst/>
+              </a:prstGeom>
+              <a:solidFill>
+                <a:schemeClr val="accent4">
+                  <a:lumMod val="75000"/>
+                </a:schemeClr>
+              </a:solidFill>
+              <a:ln>
+                <a:solidFill>
+                  <a:schemeClr val="tx1"/>
+                </a:solidFill>
+              </a:ln>
+            </p:spPr>
+            <p:style>
+              <a:lnRef idx="2">
+                <a:schemeClr val="accent1">
+                  <a:shade val="50000"/>
+                </a:schemeClr>
+              </a:lnRef>
+              <a:fillRef idx="1">
+                <a:schemeClr val="accent1"/>
+              </a:fillRef>
+              <a:effectRef idx="0">
+                <a:schemeClr val="accent1"/>
+              </a:effectRef>
+              <a:fontRef idx="minor">
+                <a:schemeClr val="lt1"/>
+              </a:fontRef>
+            </p:style>
+            <p:txBody>
+              <a:bodyPr rtlCol="0" anchor="ctr"/>
+              <a:lstStyle/>
+              <a:p>
+                <a:pPr algn="ctr"/>
+                <a:endParaRPr lang="en-US"/>
+              </a:p>
+            </p:txBody>
+          </p:sp>
+          <p:sp>
+            <p:nvSpPr>
+              <p:cNvPr id="61" name="Cube 60">
+                <a:extLst>
+                  <a:ext uri="{FF2B5EF4-FFF2-40B4-BE49-F238E27FC236}">
+                    <a16:creationId xmlns:a16="http://schemas.microsoft.com/office/drawing/2014/main" id="{8644481D-7725-5D4D-B4FF-9E686837A8C6}"/>
+                  </a:ext>
+                </a:extLst>
+              </p:cNvPr>
+              <p:cNvSpPr>
+                <a:spLocks noChangeAspect="1"/>
+              </p:cNvSpPr>
+              <p:nvPr/>
+            </p:nvSpPr>
+            <p:spPr>
+              <a:xfrm>
+                <a:off x="7985935" y="2574583"/>
+                <a:ext cx="182880" cy="182880"/>
+              </a:xfrm>
+              <a:prstGeom prst="cube">
+                <a:avLst/>
+              </a:prstGeom>
+              <a:solidFill>
+                <a:schemeClr val="accent4">
+                  <a:lumMod val="75000"/>
+                </a:schemeClr>
+              </a:solidFill>
+              <a:ln>
+                <a:solidFill>
+                  <a:schemeClr val="tx1"/>
+                </a:solidFill>
+              </a:ln>
+            </p:spPr>
+            <p:style>
+              <a:lnRef idx="2">
+                <a:schemeClr val="accent1">
+                  <a:shade val="50000"/>
+                </a:schemeClr>
+              </a:lnRef>
+              <a:fillRef idx="1">
+                <a:schemeClr val="accent1"/>
+              </a:fillRef>
+              <a:effectRef idx="0">
+                <a:schemeClr val="accent1"/>
+              </a:effectRef>
+              <a:fontRef idx="minor">
+                <a:schemeClr val="lt1"/>
+              </a:fontRef>
+            </p:style>
+            <p:txBody>
+              <a:bodyPr rtlCol="0" anchor="ctr"/>
+              <a:lstStyle/>
+              <a:p>
+                <a:pPr algn="ctr"/>
+                <a:endParaRPr lang="en-US"/>
+              </a:p>
+            </p:txBody>
+          </p:sp>
+        </p:grpSp>
+      </p:grpSp>
+      <p:grpSp>
+        <p:nvGrpSpPr>
+          <p:cNvPr id="6" name="Group 5">
+            <a:extLst>
+              <a:ext uri="{FF2B5EF4-FFF2-40B4-BE49-F238E27FC236}">
+                <a16:creationId xmlns:a16="http://schemas.microsoft.com/office/drawing/2014/main" id="{A63338A0-F40A-B548-B5D3-394B3BC4AE13}"/>
+              </a:ext>
+            </a:extLst>
+          </p:cNvPr>
+          <p:cNvGrpSpPr/>
+          <p:nvPr/>
+        </p:nvGrpSpPr>
+        <p:grpSpPr>
+          <a:xfrm>
+            <a:off x="7274720" y="3514641"/>
+            <a:ext cx="2917172" cy="369332"/>
+            <a:chOff x="7514448" y="3331792"/>
+            <a:chExt cx="2917172" cy="369332"/>
+          </a:xfrm>
+        </p:grpSpPr>
+        <p:sp>
+          <p:nvSpPr>
+            <p:cNvPr id="66" name="TextBox 65">
+              <a:extLst>
+                <a:ext uri="{FF2B5EF4-FFF2-40B4-BE49-F238E27FC236}">
+                  <a16:creationId xmlns:a16="http://schemas.microsoft.com/office/drawing/2014/main" id="{6DDFAEAC-DD1D-1641-8A35-A009EBC01C36}"/>
+                </a:ext>
+              </a:extLst>
+            </p:cNvPr>
+            <p:cNvSpPr txBox="1"/>
+            <p:nvPr/>
+          </p:nvSpPr>
+          <p:spPr>
+            <a:xfrm>
+              <a:off x="7514448" y="3331792"/>
+              <a:ext cx="2143498" cy="369332"/>
+            </a:xfrm>
+            <a:prstGeom prst="rect">
+              <a:avLst/>
+            </a:prstGeom>
+            <a:noFill/>
+          </p:spPr>
+          <p:txBody>
+            <a:bodyPr wrap="square" rtlCol="0">
+              <a:spAutoFit/>
+            </a:bodyPr>
+            <a:lstStyle/>
+            <a:p>
+              <a:r>
+                <a:rPr lang="en-US" dirty="0"/>
+                <a:t>DO = Dense Obstacle</a:t>
+              </a:r>
+            </a:p>
+          </p:txBody>
+        </p:sp>
+        <p:grpSp>
+          <p:nvGrpSpPr>
+            <p:cNvPr id="72" name="Group 71">
+              <a:extLst>
+                <a:ext uri="{FF2B5EF4-FFF2-40B4-BE49-F238E27FC236}">
+                  <a16:creationId xmlns:a16="http://schemas.microsoft.com/office/drawing/2014/main" id="{9EBF9603-0140-4D49-84B6-54613712ED2B}"/>
+                </a:ext>
+              </a:extLst>
+            </p:cNvPr>
+            <p:cNvGrpSpPr/>
+            <p:nvPr/>
+          </p:nvGrpSpPr>
+          <p:grpSpPr>
+            <a:xfrm>
+              <a:off x="9700100" y="3368938"/>
+              <a:ext cx="731520" cy="295041"/>
+              <a:chOff x="9699621" y="3380438"/>
+              <a:chExt cx="731520" cy="295041"/>
+            </a:xfrm>
+          </p:grpSpPr>
+          <p:sp>
+            <p:nvSpPr>
+              <p:cNvPr id="73" name="Cube 72">
+                <a:extLst>
+                  <a:ext uri="{FF2B5EF4-FFF2-40B4-BE49-F238E27FC236}">
+                    <a16:creationId xmlns:a16="http://schemas.microsoft.com/office/drawing/2014/main" id="{FD096FC5-6BAE-FE48-AA69-26EDDBAF655B}"/>
+                  </a:ext>
+                </a:extLst>
+              </p:cNvPr>
+              <p:cNvSpPr>
+                <a:spLocks noChangeAspect="1"/>
+              </p:cNvSpPr>
+              <p:nvPr/>
+            </p:nvSpPr>
+            <p:spPr>
+              <a:xfrm>
+                <a:off x="9882501" y="3492599"/>
+                <a:ext cx="182880" cy="182880"/>
+              </a:xfrm>
+              <a:prstGeom prst="cube">
+                <a:avLst/>
+              </a:prstGeom>
+              <a:solidFill>
+                <a:schemeClr val="accent4">
+                  <a:lumMod val="75000"/>
+                </a:schemeClr>
+              </a:solidFill>
+              <a:ln>
+                <a:solidFill>
+                  <a:schemeClr val="tx1"/>
+                </a:solidFill>
+              </a:ln>
+            </p:spPr>
+            <p:style>
+              <a:lnRef idx="2">
+                <a:schemeClr val="accent1">
+                  <a:shade val="50000"/>
+                </a:schemeClr>
+              </a:lnRef>
+              <a:fillRef idx="1">
+                <a:schemeClr val="accent1"/>
+              </a:fillRef>
+              <a:effectRef idx="0">
+                <a:schemeClr val="accent1"/>
+              </a:effectRef>
+              <a:fontRef idx="minor">
+                <a:schemeClr val="lt1"/>
+              </a:fontRef>
+            </p:style>
+            <p:txBody>
+              <a:bodyPr rtlCol="0" anchor="ctr"/>
+              <a:lstStyle/>
+              <a:p>
+                <a:pPr algn="ctr"/>
+                <a:endParaRPr lang="en-US"/>
+              </a:p>
+            </p:txBody>
+          </p:sp>
+          <p:sp>
+            <p:nvSpPr>
+              <p:cNvPr id="74" name="Cube 73">
+                <a:extLst>
+                  <a:ext uri="{FF2B5EF4-FFF2-40B4-BE49-F238E27FC236}">
+                    <a16:creationId xmlns:a16="http://schemas.microsoft.com/office/drawing/2014/main" id="{3E6EF6F1-F028-714C-B710-C39F9AD39C2C}"/>
+                  </a:ext>
+                </a:extLst>
+              </p:cNvPr>
+              <p:cNvSpPr>
+                <a:spLocks noChangeAspect="1"/>
+              </p:cNvSpPr>
+              <p:nvPr/>
+            </p:nvSpPr>
+            <p:spPr>
+              <a:xfrm>
+                <a:off x="10065381" y="3492599"/>
+                <a:ext cx="182880" cy="182880"/>
+              </a:xfrm>
+              <a:prstGeom prst="cube">
+                <a:avLst/>
+              </a:prstGeom>
+              <a:solidFill>
+                <a:schemeClr val="accent4">
+                  <a:lumMod val="75000"/>
+                </a:schemeClr>
+              </a:solidFill>
+              <a:ln>
+                <a:solidFill>
+                  <a:schemeClr val="tx1"/>
+                </a:solidFill>
+              </a:ln>
+            </p:spPr>
+            <p:style>
+              <a:lnRef idx="2">
+                <a:schemeClr val="accent1">
+                  <a:shade val="50000"/>
+                </a:schemeClr>
+              </a:lnRef>
+              <a:fillRef idx="1">
+                <a:schemeClr val="accent1"/>
+              </a:fillRef>
+              <a:effectRef idx="0">
+                <a:schemeClr val="accent1"/>
+              </a:effectRef>
+              <a:fontRef idx="minor">
+                <a:schemeClr val="lt1"/>
+              </a:fontRef>
+            </p:style>
+            <p:txBody>
+              <a:bodyPr rtlCol="0" anchor="ctr"/>
+              <a:lstStyle/>
+              <a:p>
+                <a:pPr algn="ctr"/>
+                <a:endParaRPr lang="en-US"/>
+              </a:p>
+            </p:txBody>
+          </p:sp>
+          <p:sp>
+            <p:nvSpPr>
+              <p:cNvPr id="75" name="Cube 74">
+                <a:extLst>
+                  <a:ext uri="{FF2B5EF4-FFF2-40B4-BE49-F238E27FC236}">
+                    <a16:creationId xmlns:a16="http://schemas.microsoft.com/office/drawing/2014/main" id="{2C7C830A-3578-8E4C-9ACF-0BA2E9FDFE5E}"/>
+                  </a:ext>
+                </a:extLst>
+              </p:cNvPr>
+              <p:cNvSpPr>
+                <a:spLocks noChangeAspect="1"/>
+              </p:cNvSpPr>
+              <p:nvPr/>
+            </p:nvSpPr>
+            <p:spPr>
+              <a:xfrm>
+                <a:off x="9882501" y="3380438"/>
+                <a:ext cx="182880" cy="182880"/>
+              </a:xfrm>
+              <a:prstGeom prst="cube">
+                <a:avLst/>
+              </a:prstGeom>
+              <a:solidFill>
+                <a:schemeClr val="accent4">
+                  <a:lumMod val="75000"/>
+                </a:schemeClr>
+              </a:solidFill>
+              <a:ln>
+                <a:solidFill>
+                  <a:schemeClr val="tx1"/>
+                </a:solidFill>
+              </a:ln>
+            </p:spPr>
+            <p:style>
+              <a:lnRef idx="2">
+                <a:schemeClr val="accent1">
+                  <a:shade val="50000"/>
+                </a:schemeClr>
+              </a:lnRef>
+              <a:fillRef idx="1">
+                <a:schemeClr val="accent1"/>
+              </a:fillRef>
+              <a:effectRef idx="0">
+                <a:schemeClr val="accent1"/>
+              </a:effectRef>
+              <a:fontRef idx="minor">
+                <a:schemeClr val="lt1"/>
+              </a:fontRef>
+            </p:style>
+            <p:txBody>
+              <a:bodyPr rtlCol="0" anchor="ctr"/>
+              <a:lstStyle/>
+              <a:p>
+                <a:pPr algn="ctr"/>
+                <a:endParaRPr lang="en-US"/>
+              </a:p>
+            </p:txBody>
+          </p:sp>
+          <p:sp>
+            <p:nvSpPr>
+              <p:cNvPr id="76" name="Cube 75">
+                <a:extLst>
+                  <a:ext uri="{FF2B5EF4-FFF2-40B4-BE49-F238E27FC236}">
+                    <a16:creationId xmlns:a16="http://schemas.microsoft.com/office/drawing/2014/main" id="{568F1CAB-AEAF-AF48-978C-8C5415C04E44}"/>
+                  </a:ext>
+                </a:extLst>
+              </p:cNvPr>
+              <p:cNvSpPr>
+                <a:spLocks noChangeAspect="1"/>
+              </p:cNvSpPr>
+              <p:nvPr/>
+            </p:nvSpPr>
+            <p:spPr>
+              <a:xfrm>
+                <a:off x="10065381" y="3380438"/>
+                <a:ext cx="182880" cy="182880"/>
+              </a:xfrm>
+              <a:prstGeom prst="cube">
+                <a:avLst/>
+              </a:prstGeom>
+              <a:solidFill>
+                <a:schemeClr val="accent4">
+                  <a:lumMod val="75000"/>
+                </a:schemeClr>
+              </a:solidFill>
+              <a:ln>
+                <a:solidFill>
+                  <a:schemeClr val="tx1"/>
+                </a:solidFill>
+              </a:ln>
+            </p:spPr>
+            <p:style>
+              <a:lnRef idx="2">
+                <a:schemeClr val="accent1">
+                  <a:shade val="50000"/>
+                </a:schemeClr>
+              </a:lnRef>
+              <a:fillRef idx="1">
+                <a:schemeClr val="accent1"/>
+              </a:fillRef>
+              <a:effectRef idx="0">
+                <a:schemeClr val="accent1"/>
+              </a:effectRef>
+              <a:fontRef idx="minor">
+                <a:schemeClr val="lt1"/>
+              </a:fontRef>
+            </p:style>
+            <p:txBody>
+              <a:bodyPr rtlCol="0" anchor="ctr"/>
+              <a:lstStyle/>
+              <a:p>
+                <a:pPr algn="ctr"/>
+                <a:endParaRPr lang="en-US"/>
+              </a:p>
+            </p:txBody>
+          </p:sp>
+          <p:sp>
+            <p:nvSpPr>
+              <p:cNvPr id="77" name="Cube 76">
+                <a:extLst>
+                  <a:ext uri="{FF2B5EF4-FFF2-40B4-BE49-F238E27FC236}">
+                    <a16:creationId xmlns:a16="http://schemas.microsoft.com/office/drawing/2014/main" id="{6BA3038D-F1D1-9249-B2F5-CE61CB32C6FA}"/>
+                  </a:ext>
+                </a:extLst>
+              </p:cNvPr>
+              <p:cNvSpPr>
+                <a:spLocks noChangeAspect="1"/>
+              </p:cNvSpPr>
+              <p:nvPr/>
+            </p:nvSpPr>
+            <p:spPr>
+              <a:xfrm>
+                <a:off x="10248261" y="3492599"/>
+                <a:ext cx="182880" cy="182880"/>
+              </a:xfrm>
+              <a:prstGeom prst="cube">
+                <a:avLst/>
+              </a:prstGeom>
+              <a:solidFill>
+                <a:schemeClr val="accent4">
+                  <a:lumMod val="75000"/>
+                </a:schemeClr>
+              </a:solidFill>
+              <a:ln>
+                <a:solidFill>
+                  <a:schemeClr val="tx1"/>
+                </a:solidFill>
+              </a:ln>
+            </p:spPr>
+            <p:style>
+              <a:lnRef idx="2">
+                <a:schemeClr val="accent1">
+                  <a:shade val="50000"/>
+                </a:schemeClr>
+              </a:lnRef>
+              <a:fillRef idx="1">
+                <a:schemeClr val="accent1"/>
+              </a:fillRef>
+              <a:effectRef idx="0">
+                <a:schemeClr val="accent1"/>
+              </a:effectRef>
+              <a:fontRef idx="minor">
+                <a:schemeClr val="lt1"/>
+              </a:fontRef>
+            </p:style>
+            <p:txBody>
+              <a:bodyPr rtlCol="0" anchor="ctr"/>
+              <a:lstStyle/>
+              <a:p>
+                <a:pPr algn="ctr"/>
+                <a:endParaRPr lang="en-US"/>
+              </a:p>
+            </p:txBody>
+          </p:sp>
+          <p:sp>
+            <p:nvSpPr>
+              <p:cNvPr id="78" name="Cube 77">
+                <a:extLst>
+                  <a:ext uri="{FF2B5EF4-FFF2-40B4-BE49-F238E27FC236}">
+                    <a16:creationId xmlns:a16="http://schemas.microsoft.com/office/drawing/2014/main" id="{1E09A203-9663-D142-BBE4-09E31750B8C3}"/>
+                  </a:ext>
+                </a:extLst>
+              </p:cNvPr>
+              <p:cNvSpPr>
+                <a:spLocks noChangeAspect="1"/>
+              </p:cNvSpPr>
+              <p:nvPr/>
+            </p:nvSpPr>
+            <p:spPr>
+              <a:xfrm>
+                <a:off x="10248261" y="3380438"/>
+                <a:ext cx="182880" cy="182880"/>
+              </a:xfrm>
+              <a:prstGeom prst="cube">
+                <a:avLst/>
+              </a:prstGeom>
+              <a:solidFill>
+                <a:schemeClr val="accent4">
+                  <a:lumMod val="75000"/>
+                </a:schemeClr>
+              </a:solidFill>
+              <a:ln>
+                <a:solidFill>
+                  <a:schemeClr val="tx1"/>
+                </a:solidFill>
+              </a:ln>
+            </p:spPr>
+            <p:style>
+              <a:lnRef idx="2">
+                <a:schemeClr val="accent1">
+                  <a:shade val="50000"/>
+                </a:schemeClr>
+              </a:lnRef>
+              <a:fillRef idx="1">
+                <a:schemeClr val="accent1"/>
+              </a:fillRef>
+              <a:effectRef idx="0">
+                <a:schemeClr val="accent1"/>
+              </a:effectRef>
+              <a:fontRef idx="minor">
+                <a:schemeClr val="lt1"/>
+              </a:fontRef>
+            </p:style>
+            <p:txBody>
+              <a:bodyPr rtlCol="0" anchor="ctr"/>
+              <a:lstStyle/>
+              <a:p>
+                <a:pPr algn="ctr"/>
+                <a:endParaRPr lang="en-US"/>
+              </a:p>
+            </p:txBody>
+          </p:sp>
+          <p:sp>
+            <p:nvSpPr>
+              <p:cNvPr id="79" name="Cube 78">
+                <a:extLst>
+                  <a:ext uri="{FF2B5EF4-FFF2-40B4-BE49-F238E27FC236}">
+                    <a16:creationId xmlns:a16="http://schemas.microsoft.com/office/drawing/2014/main" id="{6CD9A0FF-4E70-FE4B-AB3C-D8C3E493C5AE}"/>
+                  </a:ext>
+                </a:extLst>
+              </p:cNvPr>
+              <p:cNvSpPr>
+                <a:spLocks noChangeAspect="1"/>
+              </p:cNvSpPr>
+              <p:nvPr/>
+            </p:nvSpPr>
+            <p:spPr>
+              <a:xfrm>
+                <a:off x="9699621" y="3492599"/>
+                <a:ext cx="182880" cy="182880"/>
+              </a:xfrm>
+              <a:prstGeom prst="cube">
+                <a:avLst/>
+              </a:prstGeom>
+              <a:solidFill>
+                <a:schemeClr val="accent4">
+                  <a:lumMod val="75000"/>
+                </a:schemeClr>
+              </a:solidFill>
+              <a:ln>
+                <a:solidFill>
+                  <a:schemeClr val="tx1"/>
+                </a:solidFill>
+              </a:ln>
+            </p:spPr>
+            <p:style>
+              <a:lnRef idx="2">
+                <a:schemeClr val="accent1">
+                  <a:shade val="50000"/>
+                </a:schemeClr>
+              </a:lnRef>
+              <a:fillRef idx="1">
+                <a:schemeClr val="accent1"/>
+              </a:fillRef>
+              <a:effectRef idx="0">
+                <a:schemeClr val="accent1"/>
+              </a:effectRef>
+              <a:fontRef idx="minor">
+                <a:schemeClr val="lt1"/>
+              </a:fontRef>
+            </p:style>
+            <p:txBody>
+              <a:bodyPr rtlCol="0" anchor="ctr"/>
+              <a:lstStyle/>
+              <a:p>
+                <a:pPr algn="ctr"/>
+                <a:endParaRPr lang="en-US"/>
+              </a:p>
+            </p:txBody>
+          </p:sp>
+          <p:sp>
+            <p:nvSpPr>
+              <p:cNvPr id="80" name="Cube 79">
+                <a:extLst>
+                  <a:ext uri="{FF2B5EF4-FFF2-40B4-BE49-F238E27FC236}">
+                    <a16:creationId xmlns:a16="http://schemas.microsoft.com/office/drawing/2014/main" id="{1618F2A3-0204-FC4A-80B0-F6E1C4ECF478}"/>
+                  </a:ext>
+                </a:extLst>
+              </p:cNvPr>
+              <p:cNvSpPr>
+                <a:spLocks noChangeAspect="1"/>
+              </p:cNvSpPr>
+              <p:nvPr/>
+            </p:nvSpPr>
+            <p:spPr>
+              <a:xfrm>
+                <a:off x="9699621" y="3380438"/>
+                <a:ext cx="182880" cy="182880"/>
+              </a:xfrm>
+              <a:prstGeom prst="cube">
+                <a:avLst/>
+              </a:prstGeom>
+              <a:solidFill>
+                <a:schemeClr val="accent4">
+                  <a:lumMod val="75000"/>
+                </a:schemeClr>
+              </a:solidFill>
+              <a:ln>
+                <a:solidFill>
+                  <a:schemeClr val="tx1"/>
+                </a:solidFill>
+              </a:ln>
+            </p:spPr>
+            <p:style>
+              <a:lnRef idx="2">
+                <a:schemeClr val="accent1">
+                  <a:shade val="50000"/>
+                </a:schemeClr>
+              </a:lnRef>
+              <a:fillRef idx="1">
+                <a:schemeClr val="accent1"/>
+              </a:fillRef>
+              <a:effectRef idx="0">
+                <a:schemeClr val="accent1"/>
+              </a:effectRef>
+              <a:fontRef idx="minor">
+                <a:schemeClr val="lt1"/>
+              </a:fontRef>
+            </p:style>
+            <p:txBody>
+              <a:bodyPr rtlCol="0" anchor="ctr"/>
+              <a:lstStyle/>
+              <a:p>
+                <a:pPr algn="ctr"/>
+                <a:endParaRPr lang="en-US"/>
+              </a:p>
+            </p:txBody>
+          </p:sp>
+        </p:grpSp>
+      </p:grpSp>
     </p:spTree>
     <p:extLst>
       <p:ext uri="{BB962C8B-B14F-4D97-AF65-F5344CB8AC3E}">

--- a/XPlanningEvaluation/data/instruction/instruction.pptx
+++ b/XPlanningEvaluation/data/instruction/instruction.pptx
@@ -17541,6 +17541,76 @@
           </p:txBody>
         </p:sp>
       </p:grpSp>
+      <p:sp>
+        <p:nvSpPr>
+          <p:cNvPr id="29" name="TextBox 28">
+            <a:extLst>
+              <a:ext uri="{FF2B5EF4-FFF2-40B4-BE49-F238E27FC236}">
+                <a16:creationId xmlns:a16="http://schemas.microsoft.com/office/drawing/2014/main" id="{494A1AE5-A9BF-6E4E-98C9-8689FD3EBA83}"/>
+              </a:ext>
+            </a:extLst>
+          </p:cNvPr>
+          <p:cNvSpPr txBox="1"/>
+          <p:nvPr/>
+        </p:nvSpPr>
+        <p:spPr>
+          <a:xfrm>
+            <a:off x="656246" y="2556882"/>
+            <a:ext cx="632289" cy="369332"/>
+          </a:xfrm>
+          <a:prstGeom prst="rect">
+            <a:avLst/>
+          </a:prstGeom>
+          <a:noFill/>
+        </p:spPr>
+        <p:txBody>
+          <a:bodyPr wrap="none" rtlCol="0">
+            <a:spAutoFit/>
+          </a:bodyPr>
+          <a:lstStyle/>
+          <a:p>
+            <a:r>
+              <a:rPr lang="en-US" dirty="0"/>
+              <a:t>Start</a:t>
+            </a:r>
+          </a:p>
+        </p:txBody>
+      </p:sp>
+      <p:sp>
+        <p:nvSpPr>
+          <p:cNvPr id="30" name="TextBox 29">
+            <a:extLst>
+              <a:ext uri="{FF2B5EF4-FFF2-40B4-BE49-F238E27FC236}">
+                <a16:creationId xmlns:a16="http://schemas.microsoft.com/office/drawing/2014/main" id="{A65C109E-5E80-F742-A020-737AA8E89564}"/>
+              </a:ext>
+            </a:extLst>
+          </p:cNvPr>
+          <p:cNvSpPr txBox="1"/>
+          <p:nvPr/>
+        </p:nvSpPr>
+        <p:spPr>
+          <a:xfrm>
+            <a:off x="6160323" y="2556882"/>
+            <a:ext cx="615874" cy="369332"/>
+          </a:xfrm>
+          <a:prstGeom prst="rect">
+            <a:avLst/>
+          </a:prstGeom>
+          <a:noFill/>
+        </p:spPr>
+        <p:txBody>
+          <a:bodyPr wrap="none" rtlCol="0">
+            <a:spAutoFit/>
+          </a:bodyPr>
+          <a:lstStyle/>
+          <a:p>
+            <a:r>
+              <a:rPr lang="en-US" dirty="0"/>
+              <a:t>Goal</a:t>
+            </a:r>
+          </a:p>
+        </p:txBody>
+      </p:sp>
     </p:spTree>
     <p:extLst>
       <p:ext uri="{BB962C8B-B14F-4D97-AF65-F5344CB8AC3E}">
@@ -21071,14 +21141,14 @@
           <p:nvPr>
             <p:extLst>
               <p:ext uri="{D42A27DB-BD31-4B8C-83A1-F6EECF244321}">
-                <p14:modId xmlns:p14="http://schemas.microsoft.com/office/powerpoint/2010/main" val="558450068"/>
+                <p14:modId xmlns:p14="http://schemas.microsoft.com/office/powerpoint/2010/main" val="3534743995"/>
               </p:ext>
             </p:extLst>
           </p:nvPr>
         </p:nvGraphicFramePr>
         <p:xfrm>
           <a:off x="190500" y="497245"/>
-          <a:ext cx="11772900" cy="6195654"/>
+          <a:ext cx="11772900" cy="5909970"/>
         </p:xfrm>
         <a:graphic>
           <a:graphicData uri="http://schemas.openxmlformats.org/drawingml/2006/table">
@@ -21087,21 +21157,21 @@
                 <a:tableStyleId>{5940675A-B579-460E-94D1-54222C63F5DA}</a:tableStyleId>
               </a:tblPr>
               <a:tblGrid>
-                <a:gridCol w="1816100">
+                <a:gridCol w="1365926">
                   <a:extLst>
                     <a:ext uri="{9D8B030D-6E8A-4147-A177-3AD203B41FA5}">
                       <a16:colId xmlns:a16="http://schemas.microsoft.com/office/drawing/2014/main" val="648412756"/>
                     </a:ext>
                   </a:extLst>
                 </a:gridCol>
-                <a:gridCol w="5029200">
+                <a:gridCol w="5262663">
                   <a:extLst>
                     <a:ext uri="{9D8B030D-6E8A-4147-A177-3AD203B41FA5}">
                       <a16:colId xmlns:a16="http://schemas.microsoft.com/office/drawing/2014/main" val="4178480796"/>
                     </a:ext>
                   </a:extLst>
                 </a:gridCol>
-                <a:gridCol w="4927600">
+                <a:gridCol w="5144311">
                   <a:extLst>
                     <a:ext uri="{9D8B030D-6E8A-4147-A177-3AD203B41FA5}">
                       <a16:colId xmlns:a16="http://schemas.microsoft.com/office/drawing/2014/main" val="3122141604"/>
@@ -21109,7 +21179,7 @@
                   </a:extLst>
                 </a:gridCol>
               </a:tblGrid>
-              <a:tr h="1198950">
+              <a:tr h="913266">
                 <a:tc>
                   <a:txBody>
                     <a:bodyPr/>
@@ -21126,13 +21196,13 @@
                     <a:lstStyle/>
                     <a:p>
                       <a:r>
-                        <a:rPr lang="en-US" sz="3200" dirty="0"/>
+                        <a:rPr lang="en-US" sz="2400" b="1" dirty="0"/>
                         <a:t>Full Speed</a:t>
                       </a:r>
                     </a:p>
                     <a:p>
                       <a:r>
-                        <a:rPr lang="en-US" sz="3200" dirty="0"/>
+                        <a:rPr lang="en-US" sz="2400" dirty="0"/>
                         <a:t>(0.7 meters/second)</a:t>
                       </a:r>
                     </a:p>
@@ -21145,13 +21215,13 @@
                     <a:lstStyle/>
                     <a:p>
                       <a:r>
-                        <a:rPr lang="en-US" sz="3200" dirty="0"/>
+                        <a:rPr lang="en-US" sz="2400" b="1" dirty="0"/>
                         <a:t>Half Speed</a:t>
                       </a:r>
                     </a:p>
                     <a:p>
                       <a:r>
-                        <a:rPr lang="en-US" sz="3200" dirty="0"/>
+                        <a:rPr lang="en-US" sz="2400" dirty="0"/>
                         <a:t>(0.35 meters/second)</a:t>
                       </a:r>
                     </a:p>
@@ -21171,7 +21241,7 @@
                     <a:lstStyle/>
                     <a:p>
                       <a:r>
-                        <a:rPr lang="en-US" sz="3200" dirty="0"/>
+                        <a:rPr lang="en-US" sz="2400" b="1" dirty="0"/>
                         <a:t>No Obstacle</a:t>
                       </a:r>
                     </a:p>
@@ -21211,7 +21281,7 @@
                     <a:lstStyle/>
                     <a:p>
                       <a:r>
-                        <a:rPr lang="en-US" sz="3200" dirty="0"/>
+                        <a:rPr lang="en-US" sz="2400" b="1" dirty="0"/>
                         <a:t>Sparse Obstacle</a:t>
                       </a:r>
                     </a:p>
@@ -21251,7 +21321,7 @@
                     <a:lstStyle/>
                     <a:p>
                       <a:r>
-                        <a:rPr lang="en-US" sz="3200" dirty="0"/>
+                        <a:rPr lang="en-US" sz="2400" b="1" dirty="0"/>
                         <a:t>Dense Obstacle</a:t>
                       </a:r>
                     </a:p>
@@ -21290,10 +21360,10 @@
       </p:graphicFrame>
       <p:grpSp>
         <p:nvGrpSpPr>
-          <p:cNvPr id="4" name="Group 3">
+          <p:cNvPr id="2" name="Group 1">
             <a:extLst>
               <a:ext uri="{FF2B5EF4-FFF2-40B4-BE49-F238E27FC236}">
-                <a16:creationId xmlns:a16="http://schemas.microsoft.com/office/drawing/2014/main" id="{678A0BEB-AE63-354E-8E5E-DE7505DC838F}"/>
+                <a16:creationId xmlns:a16="http://schemas.microsoft.com/office/drawing/2014/main" id="{92349A8E-D771-5547-AE7F-9BA27FC3DE73}"/>
               </a:ext>
             </a:extLst>
           </p:cNvPr>
@@ -21302,10 +21372,10 @@
         </p:nvGrpSpPr>
         <p:grpSpPr>
           <a:xfrm>
-            <a:off x="2191769" y="2235052"/>
-            <a:ext cx="4398149" cy="881285"/>
-            <a:chOff x="1862071" y="1637651"/>
-            <a:chExt cx="4398149" cy="881285"/>
+            <a:off x="1703028" y="1843674"/>
+            <a:ext cx="4590895" cy="881285"/>
+            <a:chOff x="1776374" y="1794409"/>
+            <a:chExt cx="4590895" cy="881285"/>
           </a:xfrm>
         </p:grpSpPr>
         <p:grpSp>
@@ -21322,7 +21392,7 @@
           </p:nvGrpSpPr>
           <p:grpSpPr>
             <a:xfrm>
-              <a:off x="1862071" y="1637651"/>
+              <a:off x="1776374" y="1794409"/>
               <a:ext cx="1711709" cy="881285"/>
               <a:chOff x="7958071" y="1444244"/>
               <a:chExt cx="1711709" cy="881285"/>
@@ -21458,8 +21528,8 @@
           </p:nvSpPr>
           <p:spPr>
             <a:xfrm>
-              <a:off x="3682720" y="1726859"/>
-              <a:ext cx="2577500" cy="646331"/>
+              <a:off x="3597023" y="1881108"/>
+              <a:ext cx="2770246" cy="707886"/>
             </a:xfrm>
             <a:prstGeom prst="rect">
               <a:avLst/>
@@ -21473,14 +21543,22 @@
             <a:lstStyle/>
             <a:p>
               <a:r>
-                <a:rPr lang="en-US" dirty="0"/>
+                <a:rPr lang="en-US" sz="2000" dirty="0"/>
                 <a:t>No collision</a:t>
               </a:r>
             </a:p>
             <a:p>
               <a:r>
-                <a:rPr lang="en-US" dirty="0"/>
-                <a:t>(Expected collision = 0.0)</a:t>
+                <a:rPr lang="en-US" sz="2000" dirty="0"/>
+                <a:t>(Expected collision = </a:t>
+              </a:r>
+              <a:r>
+                <a:rPr lang="en-US" sz="2000" b="1" dirty="0"/>
+                <a:t>0.0</a:t>
+              </a:r>
+              <a:r>
+                <a:rPr lang="en-US" sz="2000" dirty="0"/>
+                <a:t>)</a:t>
               </a:r>
             </a:p>
           </p:txBody>
@@ -21488,10 +21566,10 @@
       </p:grpSp>
       <p:grpSp>
         <p:nvGrpSpPr>
-          <p:cNvPr id="71" name="Group 70">
+          <p:cNvPr id="10" name="Group 9">
             <a:extLst>
               <a:ext uri="{FF2B5EF4-FFF2-40B4-BE49-F238E27FC236}">
-                <a16:creationId xmlns:a16="http://schemas.microsoft.com/office/drawing/2014/main" id="{914AF992-2367-0245-B27A-317623FD0250}"/>
+                <a16:creationId xmlns:a16="http://schemas.microsoft.com/office/drawing/2014/main" id="{4FC8CDA7-781D-5F48-97C4-0DFF9A7EC055}"/>
               </a:ext>
             </a:extLst>
           </p:cNvPr>
@@ -21500,10 +21578,10 @@
         </p:nvGrpSpPr>
         <p:grpSpPr>
           <a:xfrm>
-            <a:off x="2191769" y="3818672"/>
-            <a:ext cx="4697527" cy="937824"/>
-            <a:chOff x="2622917" y="3818672"/>
-            <a:chExt cx="4697527" cy="937824"/>
+            <a:off x="1703028" y="3445431"/>
+            <a:ext cx="4985348" cy="937824"/>
+            <a:chOff x="1712788" y="3479093"/>
+            <a:chExt cx="4985348" cy="937824"/>
           </a:xfrm>
         </p:grpSpPr>
         <p:grpSp>
@@ -21520,7 +21598,7 @@
           </p:nvGrpSpPr>
           <p:grpSpPr>
             <a:xfrm>
-              <a:off x="2622917" y="3818672"/>
+              <a:off x="1712788" y="3479093"/>
               <a:ext cx="1711709" cy="937824"/>
               <a:chOff x="2622917" y="3818672"/>
               <a:chExt cx="1711709" cy="937824"/>
@@ -21909,8 +21987,8 @@
           </p:nvSpPr>
           <p:spPr>
             <a:xfrm>
-              <a:off x="4443566" y="3925499"/>
-              <a:ext cx="2876878" cy="646331"/>
+              <a:off x="3523677" y="3594062"/>
+              <a:ext cx="3174459" cy="707886"/>
             </a:xfrm>
             <a:prstGeom prst="rect">
               <a:avLst/>
@@ -21924,14 +22002,26 @@
             <a:lstStyle/>
             <a:p>
               <a:r>
-                <a:rPr lang="en-US" dirty="0"/>
-                <a:t>Probability of collision = 20%</a:t>
+                <a:rPr lang="en-US" sz="2000" dirty="0"/>
+                <a:t>Probability of collision = </a:t>
+              </a:r>
+              <a:r>
+                <a:rPr lang="en-US" sz="2000" b="1" dirty="0"/>
+                <a:t>20%</a:t>
               </a:r>
             </a:p>
             <a:p>
               <a:r>
-                <a:rPr lang="en-US" dirty="0"/>
-                <a:t>(Expected collision = 0.2)</a:t>
+                <a:rPr lang="en-US" sz="2000" dirty="0"/>
+                <a:t>(Expected collision = </a:t>
+              </a:r>
+              <a:r>
+                <a:rPr lang="en-US" sz="2000" b="1" dirty="0"/>
+                <a:t>0.2</a:t>
+              </a:r>
+              <a:r>
+                <a:rPr lang="en-US" sz="2000" dirty="0"/>
+                <a:t>)</a:t>
               </a:r>
             </a:p>
           </p:txBody>
@@ -21939,10 +22029,10 @@
       </p:grpSp>
       <p:grpSp>
         <p:nvGrpSpPr>
-          <p:cNvPr id="69" name="Group 68">
+          <p:cNvPr id="21" name="Group 20">
             <a:extLst>
               <a:ext uri="{FF2B5EF4-FFF2-40B4-BE49-F238E27FC236}">
-                <a16:creationId xmlns:a16="http://schemas.microsoft.com/office/drawing/2014/main" id="{FCCC2CC5-8231-0641-9E85-E3EF87A01858}"/>
+                <a16:creationId xmlns:a16="http://schemas.microsoft.com/office/drawing/2014/main" id="{C7509A3C-7145-B943-90B5-8FA2C42BF0DF}"/>
               </a:ext>
             </a:extLst>
           </p:cNvPr>
@@ -21951,10 +22041,10 @@
         </p:nvGrpSpPr>
         <p:grpSpPr>
           <a:xfrm>
-            <a:off x="2191769" y="5458831"/>
-            <a:ext cx="4697527" cy="901924"/>
-            <a:chOff x="2622917" y="5458831"/>
-            <a:chExt cx="4697527" cy="901924"/>
+            <a:off x="1703028" y="5103726"/>
+            <a:ext cx="5001406" cy="901924"/>
+            <a:chOff x="1703028" y="5165658"/>
+            <a:chExt cx="5001406" cy="901924"/>
           </a:xfrm>
         </p:grpSpPr>
         <p:grpSp>
@@ -21971,7 +22061,7 @@
           </p:nvGrpSpPr>
           <p:grpSpPr>
             <a:xfrm>
-              <a:off x="2622917" y="5458831"/>
+              <a:off x="1703028" y="5165658"/>
               <a:ext cx="1711709" cy="901924"/>
               <a:chOff x="2622917" y="5458831"/>
               <a:chExt cx="1711709" cy="901924"/>
@@ -22592,8 +22682,8 @@
           </p:nvSpPr>
           <p:spPr>
             <a:xfrm>
-              <a:off x="4443566" y="5550271"/>
-              <a:ext cx="2876878" cy="646331"/>
+              <a:off x="3529975" y="5262677"/>
+              <a:ext cx="3174459" cy="707886"/>
             </a:xfrm>
             <a:prstGeom prst="rect">
               <a:avLst/>
@@ -22607,14 +22697,26 @@
             <a:lstStyle/>
             <a:p>
               <a:r>
-                <a:rPr lang="en-US" dirty="0"/>
-                <a:t>Probability of collision = 40%</a:t>
+                <a:rPr lang="en-US" sz="2000" dirty="0"/>
+                <a:t>Probability of collision = </a:t>
+              </a:r>
+              <a:r>
+                <a:rPr lang="en-US" sz="2000" b="1" dirty="0"/>
+                <a:t>40%</a:t>
               </a:r>
             </a:p>
             <a:p>
               <a:r>
-                <a:rPr lang="en-US" dirty="0"/>
-                <a:t>(Expected collision = 0.4)</a:t>
+                <a:rPr lang="en-US" sz="2000" dirty="0"/>
+                <a:t>(Expected collision = </a:t>
+              </a:r>
+              <a:r>
+                <a:rPr lang="en-US" sz="2000" b="1" dirty="0"/>
+                <a:t>0.4</a:t>
+              </a:r>
+              <a:r>
+                <a:rPr lang="en-US" sz="2000" dirty="0"/>
+                <a:t>)</a:t>
               </a:r>
             </a:p>
           </p:txBody>
@@ -22622,10 +22724,10 @@
       </p:grpSp>
       <p:grpSp>
         <p:nvGrpSpPr>
-          <p:cNvPr id="72" name="Group 71">
+          <p:cNvPr id="22" name="Group 21">
             <a:extLst>
               <a:ext uri="{FF2B5EF4-FFF2-40B4-BE49-F238E27FC236}">
-                <a16:creationId xmlns:a16="http://schemas.microsoft.com/office/drawing/2014/main" id="{4536F0F5-A1E3-2043-9A22-19C6FFEC5FED}"/>
+                <a16:creationId xmlns:a16="http://schemas.microsoft.com/office/drawing/2014/main" id="{C21499A1-E698-3C4E-9A44-1B467E5B33A2}"/>
               </a:ext>
             </a:extLst>
           </p:cNvPr>
@@ -22634,10 +22736,10 @@
         </p:nvGrpSpPr>
         <p:grpSpPr>
           <a:xfrm>
-            <a:off x="7247498" y="2235052"/>
-            <a:ext cx="4398149" cy="881285"/>
-            <a:chOff x="1862071" y="1637651"/>
-            <a:chExt cx="4398149" cy="881285"/>
+            <a:off x="7006072" y="1843674"/>
+            <a:ext cx="4590895" cy="881285"/>
+            <a:chOff x="7006072" y="1843674"/>
+            <a:chExt cx="4590895" cy="881285"/>
           </a:xfrm>
         </p:grpSpPr>
         <p:grpSp>
@@ -22654,7 +22756,7 @@
           </p:nvGrpSpPr>
           <p:grpSpPr>
             <a:xfrm>
-              <a:off x="1862071" y="1637651"/>
+              <a:off x="7006072" y="1843674"/>
               <a:ext cx="1711709" cy="881285"/>
               <a:chOff x="7958071" y="1444244"/>
               <a:chExt cx="1711709" cy="881285"/>
@@ -22788,8 +22890,8 @@
           </p:nvSpPr>
           <p:spPr>
             <a:xfrm>
-              <a:off x="3682720" y="1726859"/>
-              <a:ext cx="2577500" cy="646331"/>
+              <a:off x="8826721" y="1930373"/>
+              <a:ext cx="2770246" cy="707886"/>
             </a:xfrm>
             <a:prstGeom prst="rect">
               <a:avLst/>
@@ -22803,14 +22905,22 @@
             <a:lstStyle/>
             <a:p>
               <a:r>
-                <a:rPr lang="en-US" dirty="0"/>
+                <a:rPr lang="en-US" sz="2000" dirty="0"/>
                 <a:t>No collision</a:t>
               </a:r>
             </a:p>
             <a:p>
               <a:r>
-                <a:rPr lang="en-US" dirty="0"/>
-                <a:t>(Expected collision = 0.0)</a:t>
+                <a:rPr lang="en-US" sz="2000" dirty="0"/>
+                <a:t>(Expected collision = </a:t>
+              </a:r>
+              <a:r>
+                <a:rPr lang="en-US" sz="2000" b="1" dirty="0"/>
+                <a:t>0.0</a:t>
+              </a:r>
+              <a:r>
+                <a:rPr lang="en-US" sz="2000" dirty="0"/>
+                <a:t>)</a:t>
               </a:r>
             </a:p>
           </p:txBody>
@@ -22818,10 +22928,10 @@
       </p:grpSp>
       <p:grpSp>
         <p:nvGrpSpPr>
-          <p:cNvPr id="78" name="Group 77">
+          <p:cNvPr id="36" name="Group 35">
             <a:extLst>
               <a:ext uri="{FF2B5EF4-FFF2-40B4-BE49-F238E27FC236}">
-                <a16:creationId xmlns:a16="http://schemas.microsoft.com/office/drawing/2014/main" id="{EA6FD5EB-4A7A-8F4D-A7DD-A1F5F1600812}"/>
+                <a16:creationId xmlns:a16="http://schemas.microsoft.com/office/drawing/2014/main" id="{6266BC05-2A7A-9E49-AAB5-B865C0A3A418}"/>
               </a:ext>
             </a:extLst>
           </p:cNvPr>
@@ -22830,10 +22940,10 @@
         </p:nvGrpSpPr>
         <p:grpSpPr>
           <a:xfrm>
-            <a:off x="7247498" y="3818672"/>
-            <a:ext cx="4333260" cy="937824"/>
-            <a:chOff x="2622917" y="3818672"/>
-            <a:chExt cx="4333260" cy="937824"/>
+            <a:off x="7001904" y="3430408"/>
+            <a:ext cx="4595063" cy="937824"/>
+            <a:chOff x="7247498" y="3818672"/>
+            <a:chExt cx="4595063" cy="937824"/>
           </a:xfrm>
         </p:grpSpPr>
         <p:grpSp>
@@ -22850,7 +22960,7 @@
           </p:nvGrpSpPr>
           <p:grpSpPr>
             <a:xfrm>
-              <a:off x="2622917" y="3818672"/>
+              <a:off x="7247498" y="3818672"/>
               <a:ext cx="1711709" cy="937824"/>
               <a:chOff x="2622917" y="3818672"/>
               <a:chExt cx="1711709" cy="937824"/>
@@ -23237,8 +23347,8 @@
           </p:nvSpPr>
           <p:spPr>
             <a:xfrm>
-              <a:off x="4443566" y="3925499"/>
-              <a:ext cx="2512611" cy="646331"/>
+              <a:off x="9068147" y="3933641"/>
+              <a:ext cx="2774414" cy="707886"/>
             </a:xfrm>
             <a:prstGeom prst="rect">
               <a:avLst/>
@@ -23252,14 +23362,22 @@
             <a:lstStyle/>
             <a:p>
               <a:r>
-                <a:rPr lang="en-US" dirty="0"/>
+                <a:rPr lang="en-US" sz="2000" dirty="0"/>
                 <a:t>No collision at low speed</a:t>
               </a:r>
             </a:p>
             <a:p>
               <a:r>
-                <a:rPr lang="en-US" dirty="0"/>
-                <a:t>(Expected collision = 0.2)</a:t>
+                <a:rPr lang="en-US" sz="2000" dirty="0"/>
+                <a:t>(Expected collision = </a:t>
+              </a:r>
+              <a:r>
+                <a:rPr lang="en-US" sz="2000" b="1" dirty="0"/>
+                <a:t>0.0</a:t>
+              </a:r>
+              <a:r>
+                <a:rPr lang="en-US" sz="2000" dirty="0"/>
+                <a:t>)</a:t>
               </a:r>
             </a:p>
           </p:txBody>
@@ -23267,10 +23385,10 @@
       </p:grpSp>
       <p:grpSp>
         <p:nvGrpSpPr>
-          <p:cNvPr id="89" name="Group 88">
+          <p:cNvPr id="37" name="Group 36">
             <a:extLst>
               <a:ext uri="{FF2B5EF4-FFF2-40B4-BE49-F238E27FC236}">
-                <a16:creationId xmlns:a16="http://schemas.microsoft.com/office/drawing/2014/main" id="{7AC51775-3E71-9D41-BFEF-1EF39DA8B62E}"/>
+                <a16:creationId xmlns:a16="http://schemas.microsoft.com/office/drawing/2014/main" id="{1982E450-07AA-6245-9580-CFB72D26B80A}"/>
               </a:ext>
             </a:extLst>
           </p:cNvPr>
@@ -23279,10 +23397,10 @@
         </p:nvGrpSpPr>
         <p:grpSpPr>
           <a:xfrm>
-            <a:off x="7247498" y="5458831"/>
-            <a:ext cx="4333260" cy="901924"/>
-            <a:chOff x="2622917" y="5458831"/>
-            <a:chExt cx="4333260" cy="901924"/>
+            <a:off x="7001904" y="5109313"/>
+            <a:ext cx="4595063" cy="901924"/>
+            <a:chOff x="7247498" y="5458831"/>
+            <a:chExt cx="4595063" cy="901924"/>
           </a:xfrm>
         </p:grpSpPr>
         <p:grpSp>
@@ -23299,7 +23417,7 @@
           </p:nvGrpSpPr>
           <p:grpSpPr>
             <a:xfrm>
-              <a:off x="2622917" y="5458831"/>
+              <a:off x="7247498" y="5458831"/>
               <a:ext cx="1711709" cy="901924"/>
               <a:chOff x="2622917" y="5458831"/>
               <a:chExt cx="1711709" cy="901924"/>
@@ -23918,8 +24036,8 @@
           </p:nvSpPr>
           <p:spPr>
             <a:xfrm>
-              <a:off x="4443566" y="5550271"/>
-              <a:ext cx="2512611" cy="646331"/>
+              <a:off x="9068147" y="5555850"/>
+              <a:ext cx="2774414" cy="707886"/>
             </a:xfrm>
             <a:prstGeom prst="rect">
               <a:avLst/>
@@ -23933,14 +24051,22 @@
             <a:lstStyle/>
             <a:p>
               <a:r>
-                <a:rPr lang="en-US" dirty="0"/>
+                <a:rPr lang="en-US" sz="2000" dirty="0"/>
                 <a:t>No collision at low speed</a:t>
               </a:r>
             </a:p>
             <a:p>
               <a:r>
-                <a:rPr lang="en-US" dirty="0"/>
-                <a:t>(Expected collision = 0.4)</a:t>
+                <a:rPr lang="en-US" sz="2000" dirty="0"/>
+                <a:t>(Expected collision = </a:t>
+              </a:r>
+              <a:r>
+                <a:rPr lang="en-US" sz="2000" b="1" dirty="0"/>
+                <a:t>0.0</a:t>
+              </a:r>
+              <a:r>
+                <a:rPr lang="en-US" sz="2000" dirty="0"/>
+                <a:t>)</a:t>
               </a:r>
             </a:p>
           </p:txBody>

--- a/XPlanningEvaluation/data/instruction/instruction.pptx
+++ b/XPlanningEvaluation/data/instruction/instruction.pptx
@@ -5871,7 +5871,7 @@
           <p:nvPr>
             <p:extLst>
               <p:ext uri="{D42A27DB-BD31-4B8C-83A1-F6EECF244321}">
-                <p14:modId xmlns:p14="http://schemas.microsoft.com/office/powerpoint/2010/main" val="3534743995"/>
+                <p14:modId xmlns:p14="http://schemas.microsoft.com/office/powerpoint/2010/main" val="1717341180"/>
               </p:ext>
             </p:extLst>
           </p:nvPr>
@@ -5976,7 +5976,7 @@
                       </a:r>
                     </a:p>
                   </a:txBody>
-                  <a:tcPr anchor="ctr"/>
+                  <a:tcPr/>
                 </a:tc>
                 <a:tc>
                   <a:txBody>
@@ -6016,7 +6016,7 @@
                       </a:r>
                     </a:p>
                   </a:txBody>
-                  <a:tcPr anchor="ctr"/>
+                  <a:tcPr/>
                 </a:tc>
                 <a:tc>
                   <a:txBody>
@@ -6056,7 +6056,7 @@
                       </a:r>
                     </a:p>
                   </a:txBody>
-                  <a:tcPr anchor="ctr"/>
+                  <a:tcPr/>
                 </a:tc>
                 <a:tc>
                   <a:txBody>
@@ -6296,10 +6296,10 @@
       </p:grpSp>
       <p:grpSp>
         <p:nvGrpSpPr>
-          <p:cNvPr id="10" name="Group 9">
+          <p:cNvPr id="15" name="Group 14">
             <a:extLst>
               <a:ext uri="{FF2B5EF4-FFF2-40B4-BE49-F238E27FC236}">
-                <a16:creationId xmlns:a16="http://schemas.microsoft.com/office/drawing/2014/main" id="{4FC8CDA7-781D-5F48-97C4-0DFF9A7EC055}"/>
+                <a16:creationId xmlns:a16="http://schemas.microsoft.com/office/drawing/2014/main" id="{ECEA290B-0616-B242-BAC6-DEB0AAB4DF29}"/>
               </a:ext>
             </a:extLst>
           </p:cNvPr>
@@ -6308,461 +6308,331 @@
         </p:nvGrpSpPr>
         <p:grpSpPr>
           <a:xfrm>
-            <a:off x="1703028" y="3445431"/>
-            <a:ext cx="4985348" cy="937824"/>
-            <a:chOff x="1712788" y="3479093"/>
-            <a:chExt cx="4985348" cy="937824"/>
+            <a:off x="675748" y="4105742"/>
+            <a:ext cx="365760" cy="295041"/>
+            <a:chOff x="7803055" y="2574583"/>
+            <a:chExt cx="365760" cy="295041"/>
           </a:xfrm>
         </p:grpSpPr>
-        <p:grpSp>
-          <p:nvGrpSpPr>
-            <p:cNvPr id="70" name="Group 69">
-              <a:extLst>
-                <a:ext uri="{FF2B5EF4-FFF2-40B4-BE49-F238E27FC236}">
-                  <a16:creationId xmlns:a16="http://schemas.microsoft.com/office/drawing/2014/main" id="{26CD5723-6F2F-274A-94B9-0C3A4DA1B2F8}"/>
-                </a:ext>
-              </a:extLst>
-            </p:cNvPr>
-            <p:cNvGrpSpPr/>
-            <p:nvPr/>
-          </p:nvGrpSpPr>
-          <p:grpSpPr>
-            <a:xfrm>
-              <a:off x="1712788" y="3479093"/>
-              <a:ext cx="1711709" cy="937824"/>
-              <a:chOff x="2622917" y="3818672"/>
-              <a:chExt cx="1711709" cy="937824"/>
-            </a:xfrm>
-          </p:grpSpPr>
-          <p:pic>
-            <p:nvPicPr>
-              <p:cNvPr id="13" name="Picture 12">
-                <a:extLst>
-                  <a:ext uri="{FF2B5EF4-FFF2-40B4-BE49-F238E27FC236}">
-                    <a16:creationId xmlns:a16="http://schemas.microsoft.com/office/drawing/2014/main" id="{A5237C1C-7D65-1C4F-9F0E-90EEC18F3C72}"/>
-                  </a:ext>
-                </a:extLst>
-              </p:cNvPr>
-              <p:cNvPicPr>
-                <a:picLocks noChangeAspect="1"/>
-              </p:cNvPicPr>
-              <p:nvPr/>
-            </p:nvPicPr>
-            <p:blipFill rotWithShape="1">
-              <a:blip r:embed="rId2"/>
-              <a:srcRect l="26302" t="1905" r="24095"/>
-              <a:stretch/>
-            </p:blipFill>
-            <p:spPr>
-              <a:xfrm>
-                <a:off x="2622917" y="3875211"/>
-                <a:ext cx="431549" cy="640080"/>
-              </a:xfrm>
-              <a:prstGeom prst="rect">
-                <a:avLst/>
-              </a:prstGeom>
-            </p:spPr>
-          </p:pic>
-          <p:sp>
-            <p:nvSpPr>
-              <p:cNvPr id="14" name="Right Arrow 13">
-                <a:extLst>
-                  <a:ext uri="{FF2B5EF4-FFF2-40B4-BE49-F238E27FC236}">
-                    <a16:creationId xmlns:a16="http://schemas.microsoft.com/office/drawing/2014/main" id="{A520BE55-5968-8F4E-9A7F-2ECEE1272B8D}"/>
-                  </a:ext>
-                </a:extLst>
-              </p:cNvPr>
-              <p:cNvSpPr/>
-              <p:nvPr/>
-            </p:nvSpPr>
-            <p:spPr>
-              <a:xfrm>
-                <a:off x="3237346" y="4195251"/>
-                <a:ext cx="1097280" cy="182880"/>
-              </a:xfrm>
-              <a:prstGeom prst="rightArrow">
-                <a:avLst/>
-              </a:prstGeom>
-              <a:solidFill>
-                <a:schemeClr val="accent1">
-                  <a:lumMod val="75000"/>
-                </a:schemeClr>
-              </a:solidFill>
-            </p:spPr>
-            <p:style>
-              <a:lnRef idx="2">
-                <a:schemeClr val="accent1">
-                  <a:shade val="50000"/>
-                </a:schemeClr>
-              </a:lnRef>
-              <a:fillRef idx="1">
-                <a:schemeClr val="accent1"/>
-              </a:fillRef>
-              <a:effectRef idx="0">
-                <a:schemeClr val="accent1"/>
-              </a:effectRef>
-              <a:fontRef idx="minor">
-                <a:schemeClr val="lt1"/>
-              </a:fontRef>
-            </p:style>
-            <p:txBody>
-              <a:bodyPr rtlCol="0" anchor="ctr"/>
-              <a:lstStyle/>
-              <a:p>
-                <a:pPr algn="ctr"/>
-                <a:endParaRPr lang="en-US"/>
-              </a:p>
-            </p:txBody>
-          </p:sp>
-          <p:grpSp>
-            <p:nvGrpSpPr>
-              <p:cNvPr id="15" name="Group 14">
-                <a:extLst>
-                  <a:ext uri="{FF2B5EF4-FFF2-40B4-BE49-F238E27FC236}">
-                    <a16:creationId xmlns:a16="http://schemas.microsoft.com/office/drawing/2014/main" id="{ECEA290B-0616-B242-BAC6-DEB0AAB4DF29}"/>
-                  </a:ext>
-                </a:extLst>
-              </p:cNvPr>
-              <p:cNvGrpSpPr/>
-              <p:nvPr/>
-            </p:nvGrpSpPr>
-            <p:grpSpPr>
-              <a:xfrm>
-                <a:off x="3600240" y="3818672"/>
-                <a:ext cx="365760" cy="295041"/>
-                <a:chOff x="7803055" y="2574583"/>
-                <a:chExt cx="365760" cy="295041"/>
-              </a:xfrm>
-            </p:grpSpPr>
-            <p:sp>
-              <p:nvSpPr>
-                <p:cNvPr id="17" name="Cube 16">
-                  <a:extLst>
-                    <a:ext uri="{FF2B5EF4-FFF2-40B4-BE49-F238E27FC236}">
-                      <a16:creationId xmlns:a16="http://schemas.microsoft.com/office/drawing/2014/main" id="{0571F3CA-DE91-0F4E-88CC-1DEB0B39294D}"/>
-                    </a:ext>
-                  </a:extLst>
-                </p:cNvPr>
-                <p:cNvSpPr>
-                  <a:spLocks noChangeAspect="1"/>
-                </p:cNvSpPr>
-                <p:nvPr/>
-              </p:nvSpPr>
-              <p:spPr>
-                <a:xfrm>
-                  <a:off x="7803055" y="2686744"/>
-                  <a:ext cx="182880" cy="182880"/>
-                </a:xfrm>
-                <a:prstGeom prst="cube">
-                  <a:avLst/>
-                </a:prstGeom>
-                <a:solidFill>
-                  <a:schemeClr val="accent4">
-                    <a:lumMod val="75000"/>
-                  </a:schemeClr>
-                </a:solidFill>
-                <a:ln>
-                  <a:solidFill>
-                    <a:schemeClr val="tx1"/>
-                  </a:solidFill>
-                </a:ln>
-              </p:spPr>
-              <p:style>
-                <a:lnRef idx="2">
-                  <a:schemeClr val="accent1">
-                    <a:shade val="50000"/>
-                  </a:schemeClr>
-                </a:lnRef>
-                <a:fillRef idx="1">
-                  <a:schemeClr val="accent1"/>
-                </a:fillRef>
-                <a:effectRef idx="0">
-                  <a:schemeClr val="accent1"/>
-                </a:effectRef>
-                <a:fontRef idx="minor">
-                  <a:schemeClr val="lt1"/>
-                </a:fontRef>
-              </p:style>
-              <p:txBody>
-                <a:bodyPr rtlCol="0" anchor="ctr"/>
-                <a:lstStyle/>
-                <a:p>
-                  <a:pPr algn="ctr"/>
-                  <a:endParaRPr lang="en-US"/>
-                </a:p>
-              </p:txBody>
-            </p:sp>
-            <p:sp>
-              <p:nvSpPr>
-                <p:cNvPr id="18" name="Cube 17">
-                  <a:extLst>
-                    <a:ext uri="{FF2B5EF4-FFF2-40B4-BE49-F238E27FC236}">
-                      <a16:creationId xmlns:a16="http://schemas.microsoft.com/office/drawing/2014/main" id="{38A9D1D2-E18B-2641-8445-D5CA3B2F4A57}"/>
-                    </a:ext>
-                  </a:extLst>
-                </p:cNvPr>
-                <p:cNvSpPr>
-                  <a:spLocks noChangeAspect="1"/>
-                </p:cNvSpPr>
-                <p:nvPr/>
-              </p:nvSpPr>
-              <p:spPr>
-                <a:xfrm>
-                  <a:off x="7985935" y="2686744"/>
-                  <a:ext cx="182880" cy="182880"/>
-                </a:xfrm>
-                <a:prstGeom prst="cube">
-                  <a:avLst/>
-                </a:prstGeom>
-                <a:solidFill>
-                  <a:schemeClr val="accent4">
-                    <a:lumMod val="75000"/>
-                  </a:schemeClr>
-                </a:solidFill>
-                <a:ln>
-                  <a:solidFill>
-                    <a:schemeClr val="tx1"/>
-                  </a:solidFill>
-                </a:ln>
-              </p:spPr>
-              <p:style>
-                <a:lnRef idx="2">
-                  <a:schemeClr val="accent1">
-                    <a:shade val="50000"/>
-                  </a:schemeClr>
-                </a:lnRef>
-                <a:fillRef idx="1">
-                  <a:schemeClr val="accent1"/>
-                </a:fillRef>
-                <a:effectRef idx="0">
-                  <a:schemeClr val="accent1"/>
-                </a:effectRef>
-                <a:fontRef idx="minor">
-                  <a:schemeClr val="lt1"/>
-                </a:fontRef>
-              </p:style>
-              <p:txBody>
-                <a:bodyPr rtlCol="0" anchor="ctr"/>
-                <a:lstStyle/>
-                <a:p>
-                  <a:pPr algn="ctr"/>
-                  <a:endParaRPr lang="en-US"/>
-                </a:p>
-              </p:txBody>
-            </p:sp>
-            <p:sp>
-              <p:nvSpPr>
-                <p:cNvPr id="19" name="Cube 18">
-                  <a:extLst>
-                    <a:ext uri="{FF2B5EF4-FFF2-40B4-BE49-F238E27FC236}">
-                      <a16:creationId xmlns:a16="http://schemas.microsoft.com/office/drawing/2014/main" id="{434BC0A4-28BE-914B-8E12-8F8444AB7859}"/>
-                    </a:ext>
-                  </a:extLst>
-                </p:cNvPr>
-                <p:cNvSpPr>
-                  <a:spLocks noChangeAspect="1"/>
-                </p:cNvSpPr>
-                <p:nvPr/>
-              </p:nvSpPr>
-              <p:spPr>
-                <a:xfrm>
-                  <a:off x="7803055" y="2574583"/>
-                  <a:ext cx="182880" cy="182880"/>
-                </a:xfrm>
-                <a:prstGeom prst="cube">
-                  <a:avLst/>
-                </a:prstGeom>
-                <a:solidFill>
-                  <a:schemeClr val="accent4">
-                    <a:lumMod val="75000"/>
-                  </a:schemeClr>
-                </a:solidFill>
-                <a:ln>
-                  <a:solidFill>
-                    <a:schemeClr val="tx1"/>
-                  </a:solidFill>
-                </a:ln>
-              </p:spPr>
-              <p:style>
-                <a:lnRef idx="2">
-                  <a:schemeClr val="accent1">
-                    <a:shade val="50000"/>
-                  </a:schemeClr>
-                </a:lnRef>
-                <a:fillRef idx="1">
-                  <a:schemeClr val="accent1"/>
-                </a:fillRef>
-                <a:effectRef idx="0">
-                  <a:schemeClr val="accent1"/>
-                </a:effectRef>
-                <a:fontRef idx="minor">
-                  <a:schemeClr val="lt1"/>
-                </a:fontRef>
-              </p:style>
-              <p:txBody>
-                <a:bodyPr rtlCol="0" anchor="ctr"/>
-                <a:lstStyle/>
-                <a:p>
-                  <a:pPr algn="ctr"/>
-                  <a:endParaRPr lang="en-US"/>
-                </a:p>
-              </p:txBody>
-            </p:sp>
-            <p:sp>
-              <p:nvSpPr>
-                <p:cNvPr id="20" name="Cube 19">
-                  <a:extLst>
-                    <a:ext uri="{FF2B5EF4-FFF2-40B4-BE49-F238E27FC236}">
-                      <a16:creationId xmlns:a16="http://schemas.microsoft.com/office/drawing/2014/main" id="{AA5DDF93-CB78-0B4D-A3C8-B1C41C934FA5}"/>
-                    </a:ext>
-                  </a:extLst>
-                </p:cNvPr>
-                <p:cNvSpPr>
-                  <a:spLocks noChangeAspect="1"/>
-                </p:cNvSpPr>
-                <p:nvPr/>
-              </p:nvSpPr>
-              <p:spPr>
-                <a:xfrm>
-                  <a:off x="7985935" y="2574583"/>
-                  <a:ext cx="182880" cy="182880"/>
-                </a:xfrm>
-                <a:prstGeom prst="cube">
-                  <a:avLst/>
-                </a:prstGeom>
-                <a:solidFill>
-                  <a:schemeClr val="accent4">
-                    <a:lumMod val="75000"/>
-                  </a:schemeClr>
-                </a:solidFill>
-                <a:ln>
-                  <a:solidFill>
-                    <a:schemeClr val="tx1"/>
-                  </a:solidFill>
-                </a:ln>
-              </p:spPr>
-              <p:style>
-                <a:lnRef idx="2">
-                  <a:schemeClr val="accent1">
-                    <a:shade val="50000"/>
-                  </a:schemeClr>
-                </a:lnRef>
-                <a:fillRef idx="1">
-                  <a:schemeClr val="accent1"/>
-                </a:fillRef>
-                <a:effectRef idx="0">
-                  <a:schemeClr val="accent1"/>
-                </a:effectRef>
-                <a:fontRef idx="minor">
-                  <a:schemeClr val="lt1"/>
-                </a:fontRef>
-              </p:style>
-              <p:txBody>
-                <a:bodyPr rtlCol="0" anchor="ctr"/>
-                <a:lstStyle/>
-                <a:p>
-                  <a:pPr algn="ctr"/>
-                  <a:endParaRPr lang="en-US"/>
-                </a:p>
-              </p:txBody>
-            </p:sp>
-          </p:grpSp>
-          <p:sp>
-            <p:nvSpPr>
-              <p:cNvPr id="16" name="TextBox 15">
-                <a:extLst>
-                  <a:ext uri="{FF2B5EF4-FFF2-40B4-BE49-F238E27FC236}">
-                    <a16:creationId xmlns:a16="http://schemas.microsoft.com/office/drawing/2014/main" id="{4AD4F83C-5298-B246-86D8-4334CF882E53}"/>
-                  </a:ext>
-                </a:extLst>
-              </p:cNvPr>
-              <p:cNvSpPr txBox="1"/>
-              <p:nvPr/>
-            </p:nvSpPr>
-            <p:spPr>
-              <a:xfrm>
-                <a:off x="3341600" y="4387164"/>
-                <a:ext cx="888769" cy="369332"/>
-              </a:xfrm>
-              <a:prstGeom prst="rect">
-                <a:avLst/>
-              </a:prstGeom>
-              <a:noFill/>
-            </p:spPr>
-            <p:txBody>
-              <a:bodyPr wrap="none" rtlCol="0">
-                <a:spAutoFit/>
-              </a:bodyPr>
-              <a:lstStyle/>
-              <a:p>
-                <a:r>
-                  <a:rPr lang="en-US" dirty="0"/>
-                  <a:t>0.7 m/s</a:t>
-                </a:r>
-              </a:p>
-            </p:txBody>
-          </p:sp>
-        </p:grpSp>
         <p:sp>
           <p:nvSpPr>
-            <p:cNvPr id="12" name="TextBox 11">
-              <a:extLst>
-                <a:ext uri="{FF2B5EF4-FFF2-40B4-BE49-F238E27FC236}">
-                  <a16:creationId xmlns:a16="http://schemas.microsoft.com/office/drawing/2014/main" id="{EFBC5898-DDC6-064E-9B61-0A01AC41CB4A}"/>
-                </a:ext>
-              </a:extLst>
-            </p:cNvPr>
-            <p:cNvSpPr txBox="1"/>
+            <p:cNvPr id="17" name="Cube 16">
+              <a:extLst>
+                <a:ext uri="{FF2B5EF4-FFF2-40B4-BE49-F238E27FC236}">
+                  <a16:creationId xmlns:a16="http://schemas.microsoft.com/office/drawing/2014/main" id="{0571F3CA-DE91-0F4E-88CC-1DEB0B39294D}"/>
+                </a:ext>
+              </a:extLst>
+            </p:cNvPr>
+            <p:cNvSpPr>
+              <a:spLocks noChangeAspect="1"/>
+            </p:cNvSpPr>
             <p:nvPr/>
           </p:nvSpPr>
           <p:spPr>
             <a:xfrm>
-              <a:off x="3523677" y="3594062"/>
-              <a:ext cx="3174459" cy="707886"/>
-            </a:xfrm>
-            <a:prstGeom prst="rect">
+              <a:off x="7803055" y="2686744"/>
+              <a:ext cx="182880" cy="182880"/>
+            </a:xfrm>
+            <a:prstGeom prst="cube">
               <a:avLst/>
             </a:prstGeom>
-            <a:noFill/>
+            <a:solidFill>
+              <a:schemeClr val="accent4">
+                <a:lumMod val="75000"/>
+              </a:schemeClr>
+            </a:solidFill>
+            <a:ln>
+              <a:solidFill>
+                <a:schemeClr val="tx1"/>
+              </a:solidFill>
+            </a:ln>
           </p:spPr>
+          <p:style>
+            <a:lnRef idx="2">
+              <a:schemeClr val="accent1">
+                <a:shade val="50000"/>
+              </a:schemeClr>
+            </a:lnRef>
+            <a:fillRef idx="1">
+              <a:schemeClr val="accent1"/>
+            </a:fillRef>
+            <a:effectRef idx="0">
+              <a:schemeClr val="accent1"/>
+            </a:effectRef>
+            <a:fontRef idx="minor">
+              <a:schemeClr val="lt1"/>
+            </a:fontRef>
+          </p:style>
           <p:txBody>
-            <a:bodyPr wrap="none" rtlCol="0">
-              <a:spAutoFit/>
-            </a:bodyPr>
+            <a:bodyPr rtlCol="0" anchor="ctr"/>
             <a:lstStyle/>
             <a:p>
-              <a:r>
-                <a:rPr lang="en-US" sz="2000" dirty="0"/>
-                <a:t>Probability of collision = </a:t>
-              </a:r>
-              <a:r>
-                <a:rPr lang="en-US" sz="2000" b="1" dirty="0"/>
-                <a:t>20%</a:t>
-              </a:r>
+              <a:pPr algn="ctr"/>
+              <a:endParaRPr lang="en-US"/>
             </a:p>
+          </p:txBody>
+        </p:sp>
+        <p:sp>
+          <p:nvSpPr>
+            <p:cNvPr id="18" name="Cube 17">
+              <a:extLst>
+                <a:ext uri="{FF2B5EF4-FFF2-40B4-BE49-F238E27FC236}">
+                  <a16:creationId xmlns:a16="http://schemas.microsoft.com/office/drawing/2014/main" id="{38A9D1D2-E18B-2641-8445-D5CA3B2F4A57}"/>
+                </a:ext>
+              </a:extLst>
+            </p:cNvPr>
+            <p:cNvSpPr>
+              <a:spLocks noChangeAspect="1"/>
+            </p:cNvSpPr>
+            <p:nvPr/>
+          </p:nvSpPr>
+          <p:spPr>
+            <a:xfrm>
+              <a:off x="7985935" y="2686744"/>
+              <a:ext cx="182880" cy="182880"/>
+            </a:xfrm>
+            <a:prstGeom prst="cube">
+              <a:avLst/>
+            </a:prstGeom>
+            <a:solidFill>
+              <a:schemeClr val="accent4">
+                <a:lumMod val="75000"/>
+              </a:schemeClr>
+            </a:solidFill>
+            <a:ln>
+              <a:solidFill>
+                <a:schemeClr val="tx1"/>
+              </a:solidFill>
+            </a:ln>
+          </p:spPr>
+          <p:style>
+            <a:lnRef idx="2">
+              <a:schemeClr val="accent1">
+                <a:shade val="50000"/>
+              </a:schemeClr>
+            </a:lnRef>
+            <a:fillRef idx="1">
+              <a:schemeClr val="accent1"/>
+            </a:fillRef>
+            <a:effectRef idx="0">
+              <a:schemeClr val="accent1"/>
+            </a:effectRef>
+            <a:fontRef idx="minor">
+              <a:schemeClr val="lt1"/>
+            </a:fontRef>
+          </p:style>
+          <p:txBody>
+            <a:bodyPr rtlCol="0" anchor="ctr"/>
+            <a:lstStyle/>
             <a:p>
-              <a:r>
-                <a:rPr lang="en-US" sz="2000" dirty="0"/>
-                <a:t>(Expected collision = </a:t>
-              </a:r>
-              <a:r>
-                <a:rPr lang="en-US" sz="2000" b="1" dirty="0"/>
-                <a:t>0.2</a:t>
-              </a:r>
-              <a:r>
-                <a:rPr lang="en-US" sz="2000" dirty="0"/>
-                <a:t>)</a:t>
-              </a:r>
+              <a:pPr algn="ctr"/>
+              <a:endParaRPr lang="en-US"/>
+            </a:p>
+          </p:txBody>
+        </p:sp>
+        <p:sp>
+          <p:nvSpPr>
+            <p:cNvPr id="19" name="Cube 18">
+              <a:extLst>
+                <a:ext uri="{FF2B5EF4-FFF2-40B4-BE49-F238E27FC236}">
+                  <a16:creationId xmlns:a16="http://schemas.microsoft.com/office/drawing/2014/main" id="{434BC0A4-28BE-914B-8E12-8F8444AB7859}"/>
+                </a:ext>
+              </a:extLst>
+            </p:cNvPr>
+            <p:cNvSpPr>
+              <a:spLocks noChangeAspect="1"/>
+            </p:cNvSpPr>
+            <p:nvPr/>
+          </p:nvSpPr>
+          <p:spPr>
+            <a:xfrm>
+              <a:off x="7803055" y="2574583"/>
+              <a:ext cx="182880" cy="182880"/>
+            </a:xfrm>
+            <a:prstGeom prst="cube">
+              <a:avLst/>
+            </a:prstGeom>
+            <a:solidFill>
+              <a:schemeClr val="accent4">
+                <a:lumMod val="75000"/>
+              </a:schemeClr>
+            </a:solidFill>
+            <a:ln>
+              <a:solidFill>
+                <a:schemeClr val="tx1"/>
+              </a:solidFill>
+            </a:ln>
+          </p:spPr>
+          <p:style>
+            <a:lnRef idx="2">
+              <a:schemeClr val="accent1">
+                <a:shade val="50000"/>
+              </a:schemeClr>
+            </a:lnRef>
+            <a:fillRef idx="1">
+              <a:schemeClr val="accent1"/>
+            </a:fillRef>
+            <a:effectRef idx="0">
+              <a:schemeClr val="accent1"/>
+            </a:effectRef>
+            <a:fontRef idx="minor">
+              <a:schemeClr val="lt1"/>
+            </a:fontRef>
+          </p:style>
+          <p:txBody>
+            <a:bodyPr rtlCol="0" anchor="ctr"/>
+            <a:lstStyle/>
+            <a:p>
+              <a:pPr algn="ctr"/>
+              <a:endParaRPr lang="en-US"/>
+            </a:p>
+          </p:txBody>
+        </p:sp>
+        <p:sp>
+          <p:nvSpPr>
+            <p:cNvPr id="20" name="Cube 19">
+              <a:extLst>
+                <a:ext uri="{FF2B5EF4-FFF2-40B4-BE49-F238E27FC236}">
+                  <a16:creationId xmlns:a16="http://schemas.microsoft.com/office/drawing/2014/main" id="{AA5DDF93-CB78-0B4D-A3C8-B1C41C934FA5}"/>
+                </a:ext>
+              </a:extLst>
+            </p:cNvPr>
+            <p:cNvSpPr>
+              <a:spLocks noChangeAspect="1"/>
+            </p:cNvSpPr>
+            <p:nvPr/>
+          </p:nvSpPr>
+          <p:spPr>
+            <a:xfrm>
+              <a:off x="7985935" y="2574583"/>
+              <a:ext cx="182880" cy="182880"/>
+            </a:xfrm>
+            <a:prstGeom prst="cube">
+              <a:avLst/>
+            </a:prstGeom>
+            <a:solidFill>
+              <a:schemeClr val="accent4">
+                <a:lumMod val="75000"/>
+              </a:schemeClr>
+            </a:solidFill>
+            <a:ln>
+              <a:solidFill>
+                <a:schemeClr val="tx1"/>
+              </a:solidFill>
+            </a:ln>
+          </p:spPr>
+          <p:style>
+            <a:lnRef idx="2">
+              <a:schemeClr val="accent1">
+                <a:shade val="50000"/>
+              </a:schemeClr>
+            </a:lnRef>
+            <a:fillRef idx="1">
+              <a:schemeClr val="accent1"/>
+            </a:fillRef>
+            <a:effectRef idx="0">
+              <a:schemeClr val="accent1"/>
+            </a:effectRef>
+            <a:fontRef idx="minor">
+              <a:schemeClr val="lt1"/>
+            </a:fontRef>
+          </p:style>
+          <p:txBody>
+            <a:bodyPr rtlCol="0" anchor="ctr"/>
+            <a:lstStyle/>
+            <a:p>
+              <a:pPr algn="ctr"/>
+              <a:endParaRPr lang="en-US"/>
             </a:p>
           </p:txBody>
         </p:sp>
       </p:grpSp>
+      <p:pic>
+        <p:nvPicPr>
+          <p:cNvPr id="24" name="Picture 23">
+            <a:extLst>
+              <a:ext uri="{FF2B5EF4-FFF2-40B4-BE49-F238E27FC236}">
+                <a16:creationId xmlns:a16="http://schemas.microsoft.com/office/drawing/2014/main" id="{BF3B4DBD-9F4A-774F-A45C-E43D7BF0873D}"/>
+              </a:ext>
+            </a:extLst>
+          </p:cNvPr>
+          <p:cNvPicPr>
+            <a:picLocks noChangeAspect="1"/>
+          </p:cNvPicPr>
+          <p:nvPr/>
+        </p:nvPicPr>
+        <p:blipFill rotWithShape="1">
+          <a:blip r:embed="rId2"/>
+          <a:srcRect l="26302" t="1905" r="24095"/>
+          <a:stretch/>
+        </p:blipFill>
+        <p:spPr>
+          <a:xfrm>
+            <a:off x="1703028" y="5133398"/>
+            <a:ext cx="431549" cy="640080"/>
+          </a:xfrm>
+          <a:prstGeom prst="rect">
+            <a:avLst/>
+          </a:prstGeom>
+        </p:spPr>
+      </p:pic>
+      <p:sp>
+        <p:nvSpPr>
+          <p:cNvPr id="25" name="Right Arrow 24">
+            <a:extLst>
+              <a:ext uri="{FF2B5EF4-FFF2-40B4-BE49-F238E27FC236}">
+                <a16:creationId xmlns:a16="http://schemas.microsoft.com/office/drawing/2014/main" id="{805675BB-10BF-774F-85F3-B59050FBE809}"/>
+              </a:ext>
+            </a:extLst>
+          </p:cNvPr>
+          <p:cNvSpPr/>
+          <p:nvPr/>
+        </p:nvSpPr>
+        <p:spPr>
+          <a:xfrm>
+            <a:off x="2317457" y="5453438"/>
+            <a:ext cx="1097280" cy="182880"/>
+          </a:xfrm>
+          <a:prstGeom prst="rightArrow">
+            <a:avLst/>
+          </a:prstGeom>
+          <a:solidFill>
+            <a:schemeClr val="accent1">
+              <a:lumMod val="75000"/>
+            </a:schemeClr>
+          </a:solidFill>
+        </p:spPr>
+        <p:style>
+          <a:lnRef idx="2">
+            <a:schemeClr val="accent1">
+              <a:shade val="50000"/>
+            </a:schemeClr>
+          </a:lnRef>
+          <a:fillRef idx="1">
+            <a:schemeClr val="accent1"/>
+          </a:fillRef>
+          <a:effectRef idx="0">
+            <a:schemeClr val="accent1"/>
+          </a:effectRef>
+          <a:fontRef idx="minor">
+            <a:schemeClr val="lt1"/>
+          </a:fontRef>
+        </p:style>
+        <p:txBody>
+          <a:bodyPr rtlCol="0" anchor="ctr"/>
+          <a:lstStyle/>
+          <a:p>
+            <a:pPr algn="ctr"/>
+            <a:endParaRPr lang="en-US"/>
+          </a:p>
+        </p:txBody>
+      </p:sp>
       <p:grpSp>
         <p:nvGrpSpPr>
-          <p:cNvPr id="21" name="Group 20">
+          <p:cNvPr id="26" name="Group 25">
             <a:extLst>
               <a:ext uri="{FF2B5EF4-FFF2-40B4-BE49-F238E27FC236}">
-                <a16:creationId xmlns:a16="http://schemas.microsoft.com/office/drawing/2014/main" id="{C7509A3C-7145-B943-90B5-8FA2C42BF0DF}"/>
+                <a16:creationId xmlns:a16="http://schemas.microsoft.com/office/drawing/2014/main" id="{11C48470-85BC-B644-BC9A-5E12EFC1F6D5}"/>
               </a:ext>
             </a:extLst>
           </p:cNvPr>
@@ -6771,687 +6641,565 @@
         </p:nvGrpSpPr>
         <p:grpSpPr>
           <a:xfrm>
-            <a:off x="1703028" y="5103726"/>
-            <a:ext cx="5001406" cy="901924"/>
-            <a:chOff x="1703028" y="5165658"/>
-            <a:chExt cx="5001406" cy="901924"/>
+            <a:off x="492868" y="5773478"/>
+            <a:ext cx="731520" cy="295041"/>
+            <a:chOff x="9699621" y="3380438"/>
+            <a:chExt cx="731520" cy="295041"/>
           </a:xfrm>
         </p:grpSpPr>
-        <p:grpSp>
-          <p:nvGrpSpPr>
-            <p:cNvPr id="68" name="Group 67">
-              <a:extLst>
-                <a:ext uri="{FF2B5EF4-FFF2-40B4-BE49-F238E27FC236}">
-                  <a16:creationId xmlns:a16="http://schemas.microsoft.com/office/drawing/2014/main" id="{80038F7F-5487-DB41-AC1D-05C8BC59E350}"/>
-                </a:ext>
-              </a:extLst>
-            </p:cNvPr>
-            <p:cNvGrpSpPr/>
-            <p:nvPr/>
-          </p:nvGrpSpPr>
-          <p:grpSpPr>
-            <a:xfrm>
-              <a:off x="1703028" y="5165658"/>
-              <a:ext cx="1711709" cy="901924"/>
-              <a:chOff x="2622917" y="5458831"/>
-              <a:chExt cx="1711709" cy="901924"/>
-            </a:xfrm>
-          </p:grpSpPr>
-          <p:pic>
-            <p:nvPicPr>
-              <p:cNvPr id="24" name="Picture 23">
-                <a:extLst>
-                  <a:ext uri="{FF2B5EF4-FFF2-40B4-BE49-F238E27FC236}">
-                    <a16:creationId xmlns:a16="http://schemas.microsoft.com/office/drawing/2014/main" id="{BF3B4DBD-9F4A-774F-A45C-E43D7BF0873D}"/>
-                  </a:ext>
-                </a:extLst>
-              </p:cNvPr>
-              <p:cNvPicPr>
-                <a:picLocks noChangeAspect="1"/>
-              </p:cNvPicPr>
-              <p:nvPr/>
-            </p:nvPicPr>
-            <p:blipFill rotWithShape="1">
-              <a:blip r:embed="rId2"/>
-              <a:srcRect l="26302" t="1905" r="24095"/>
-              <a:stretch/>
-            </p:blipFill>
-            <p:spPr>
-              <a:xfrm>
-                <a:off x="2622917" y="5488503"/>
-                <a:ext cx="431549" cy="640080"/>
-              </a:xfrm>
-              <a:prstGeom prst="rect">
-                <a:avLst/>
-              </a:prstGeom>
-            </p:spPr>
-          </p:pic>
-          <p:sp>
-            <p:nvSpPr>
-              <p:cNvPr id="25" name="Right Arrow 24">
-                <a:extLst>
-                  <a:ext uri="{FF2B5EF4-FFF2-40B4-BE49-F238E27FC236}">
-                    <a16:creationId xmlns:a16="http://schemas.microsoft.com/office/drawing/2014/main" id="{805675BB-10BF-774F-85F3-B59050FBE809}"/>
-                  </a:ext>
-                </a:extLst>
-              </p:cNvPr>
-              <p:cNvSpPr/>
-              <p:nvPr/>
-            </p:nvSpPr>
-            <p:spPr>
-              <a:xfrm>
-                <a:off x="3237346" y="5808543"/>
-                <a:ext cx="1097280" cy="182880"/>
-              </a:xfrm>
-              <a:prstGeom prst="rightArrow">
-                <a:avLst/>
-              </a:prstGeom>
-              <a:solidFill>
-                <a:schemeClr val="accent1">
-                  <a:lumMod val="75000"/>
-                </a:schemeClr>
-              </a:solidFill>
-            </p:spPr>
-            <p:style>
-              <a:lnRef idx="2">
-                <a:schemeClr val="accent1">
-                  <a:shade val="50000"/>
-                </a:schemeClr>
-              </a:lnRef>
-              <a:fillRef idx="1">
-                <a:schemeClr val="accent1"/>
-              </a:fillRef>
-              <a:effectRef idx="0">
-                <a:schemeClr val="accent1"/>
-              </a:effectRef>
-              <a:fontRef idx="minor">
-                <a:schemeClr val="lt1"/>
-              </a:fontRef>
-            </p:style>
-            <p:txBody>
-              <a:bodyPr rtlCol="0" anchor="ctr"/>
-              <a:lstStyle/>
-              <a:p>
-                <a:pPr algn="ctr"/>
-                <a:endParaRPr lang="en-US"/>
-              </a:p>
-            </p:txBody>
-          </p:sp>
-          <p:grpSp>
-            <p:nvGrpSpPr>
-              <p:cNvPr id="26" name="Group 25">
-                <a:extLst>
-                  <a:ext uri="{FF2B5EF4-FFF2-40B4-BE49-F238E27FC236}">
-                    <a16:creationId xmlns:a16="http://schemas.microsoft.com/office/drawing/2014/main" id="{11C48470-85BC-B644-BC9A-5E12EFC1F6D5}"/>
-                  </a:ext>
-                </a:extLst>
-              </p:cNvPr>
-              <p:cNvGrpSpPr/>
-              <p:nvPr/>
-            </p:nvGrpSpPr>
-            <p:grpSpPr>
-              <a:xfrm>
-                <a:off x="3420226" y="5458831"/>
-                <a:ext cx="731520" cy="295041"/>
-                <a:chOff x="9699621" y="3380438"/>
-                <a:chExt cx="731520" cy="295041"/>
-              </a:xfrm>
-            </p:grpSpPr>
-            <p:sp>
-              <p:nvSpPr>
-                <p:cNvPr id="28" name="Cube 27">
-                  <a:extLst>
-                    <a:ext uri="{FF2B5EF4-FFF2-40B4-BE49-F238E27FC236}">
-                      <a16:creationId xmlns:a16="http://schemas.microsoft.com/office/drawing/2014/main" id="{9EC5B2A0-964F-4A46-BD43-4007C6FB44B1}"/>
-                    </a:ext>
-                  </a:extLst>
-                </p:cNvPr>
-                <p:cNvSpPr>
-                  <a:spLocks noChangeAspect="1"/>
-                </p:cNvSpPr>
-                <p:nvPr/>
-              </p:nvSpPr>
-              <p:spPr>
-                <a:xfrm>
-                  <a:off x="9882501" y="3492599"/>
-                  <a:ext cx="182880" cy="182880"/>
-                </a:xfrm>
-                <a:prstGeom prst="cube">
-                  <a:avLst/>
-                </a:prstGeom>
-                <a:solidFill>
-                  <a:schemeClr val="accent4">
-                    <a:lumMod val="75000"/>
-                  </a:schemeClr>
-                </a:solidFill>
-                <a:ln>
-                  <a:solidFill>
-                    <a:schemeClr val="tx1"/>
-                  </a:solidFill>
-                </a:ln>
-              </p:spPr>
-              <p:style>
-                <a:lnRef idx="2">
-                  <a:schemeClr val="accent1">
-                    <a:shade val="50000"/>
-                  </a:schemeClr>
-                </a:lnRef>
-                <a:fillRef idx="1">
-                  <a:schemeClr val="accent1"/>
-                </a:fillRef>
-                <a:effectRef idx="0">
-                  <a:schemeClr val="accent1"/>
-                </a:effectRef>
-                <a:fontRef idx="minor">
-                  <a:schemeClr val="lt1"/>
-                </a:fontRef>
-              </p:style>
-              <p:txBody>
-                <a:bodyPr rtlCol="0" anchor="ctr"/>
-                <a:lstStyle/>
-                <a:p>
-                  <a:pPr algn="ctr"/>
-                  <a:endParaRPr lang="en-US"/>
-                </a:p>
-              </p:txBody>
-            </p:sp>
-            <p:sp>
-              <p:nvSpPr>
-                <p:cNvPr id="29" name="Cube 28">
-                  <a:extLst>
-                    <a:ext uri="{FF2B5EF4-FFF2-40B4-BE49-F238E27FC236}">
-                      <a16:creationId xmlns:a16="http://schemas.microsoft.com/office/drawing/2014/main" id="{B6FA68AD-5BB6-5B4F-9724-1A21D4F4C8DA}"/>
-                    </a:ext>
-                  </a:extLst>
-                </p:cNvPr>
-                <p:cNvSpPr>
-                  <a:spLocks noChangeAspect="1"/>
-                </p:cNvSpPr>
-                <p:nvPr/>
-              </p:nvSpPr>
-              <p:spPr>
-                <a:xfrm>
-                  <a:off x="10065381" y="3492599"/>
-                  <a:ext cx="182880" cy="182880"/>
-                </a:xfrm>
-                <a:prstGeom prst="cube">
-                  <a:avLst/>
-                </a:prstGeom>
-                <a:solidFill>
-                  <a:schemeClr val="accent4">
-                    <a:lumMod val="75000"/>
-                  </a:schemeClr>
-                </a:solidFill>
-                <a:ln>
-                  <a:solidFill>
-                    <a:schemeClr val="tx1"/>
-                  </a:solidFill>
-                </a:ln>
-              </p:spPr>
-              <p:style>
-                <a:lnRef idx="2">
-                  <a:schemeClr val="accent1">
-                    <a:shade val="50000"/>
-                  </a:schemeClr>
-                </a:lnRef>
-                <a:fillRef idx="1">
-                  <a:schemeClr val="accent1"/>
-                </a:fillRef>
-                <a:effectRef idx="0">
-                  <a:schemeClr val="accent1"/>
-                </a:effectRef>
-                <a:fontRef idx="minor">
-                  <a:schemeClr val="lt1"/>
-                </a:fontRef>
-              </p:style>
-              <p:txBody>
-                <a:bodyPr rtlCol="0" anchor="ctr"/>
-                <a:lstStyle/>
-                <a:p>
-                  <a:pPr algn="ctr"/>
-                  <a:endParaRPr lang="en-US"/>
-                </a:p>
-              </p:txBody>
-            </p:sp>
-            <p:sp>
-              <p:nvSpPr>
-                <p:cNvPr id="30" name="Cube 29">
-                  <a:extLst>
-                    <a:ext uri="{FF2B5EF4-FFF2-40B4-BE49-F238E27FC236}">
-                      <a16:creationId xmlns:a16="http://schemas.microsoft.com/office/drawing/2014/main" id="{F03894EA-CA90-F544-BCB3-2ED0204FCA04}"/>
-                    </a:ext>
-                  </a:extLst>
-                </p:cNvPr>
-                <p:cNvSpPr>
-                  <a:spLocks noChangeAspect="1"/>
-                </p:cNvSpPr>
-                <p:nvPr/>
-              </p:nvSpPr>
-              <p:spPr>
-                <a:xfrm>
-                  <a:off x="9882501" y="3380438"/>
-                  <a:ext cx="182880" cy="182880"/>
-                </a:xfrm>
-                <a:prstGeom prst="cube">
-                  <a:avLst/>
-                </a:prstGeom>
-                <a:solidFill>
-                  <a:schemeClr val="accent4">
-                    <a:lumMod val="75000"/>
-                  </a:schemeClr>
-                </a:solidFill>
-                <a:ln>
-                  <a:solidFill>
-                    <a:schemeClr val="tx1"/>
-                  </a:solidFill>
-                </a:ln>
-              </p:spPr>
-              <p:style>
-                <a:lnRef idx="2">
-                  <a:schemeClr val="accent1">
-                    <a:shade val="50000"/>
-                  </a:schemeClr>
-                </a:lnRef>
-                <a:fillRef idx="1">
-                  <a:schemeClr val="accent1"/>
-                </a:fillRef>
-                <a:effectRef idx="0">
-                  <a:schemeClr val="accent1"/>
-                </a:effectRef>
-                <a:fontRef idx="minor">
-                  <a:schemeClr val="lt1"/>
-                </a:fontRef>
-              </p:style>
-              <p:txBody>
-                <a:bodyPr rtlCol="0" anchor="ctr"/>
-                <a:lstStyle/>
-                <a:p>
-                  <a:pPr algn="ctr"/>
-                  <a:endParaRPr lang="en-US"/>
-                </a:p>
-              </p:txBody>
-            </p:sp>
-            <p:sp>
-              <p:nvSpPr>
-                <p:cNvPr id="31" name="Cube 30">
-                  <a:extLst>
-                    <a:ext uri="{FF2B5EF4-FFF2-40B4-BE49-F238E27FC236}">
-                      <a16:creationId xmlns:a16="http://schemas.microsoft.com/office/drawing/2014/main" id="{AE67F440-C6FA-2A45-9E12-FD3C7302834D}"/>
-                    </a:ext>
-                  </a:extLst>
-                </p:cNvPr>
-                <p:cNvSpPr>
-                  <a:spLocks noChangeAspect="1"/>
-                </p:cNvSpPr>
-                <p:nvPr/>
-              </p:nvSpPr>
-              <p:spPr>
-                <a:xfrm>
-                  <a:off x="10065381" y="3380438"/>
-                  <a:ext cx="182880" cy="182880"/>
-                </a:xfrm>
-                <a:prstGeom prst="cube">
-                  <a:avLst/>
-                </a:prstGeom>
-                <a:solidFill>
-                  <a:schemeClr val="accent4">
-                    <a:lumMod val="75000"/>
-                  </a:schemeClr>
-                </a:solidFill>
-                <a:ln>
-                  <a:solidFill>
-                    <a:schemeClr val="tx1"/>
-                  </a:solidFill>
-                </a:ln>
-              </p:spPr>
-              <p:style>
-                <a:lnRef idx="2">
-                  <a:schemeClr val="accent1">
-                    <a:shade val="50000"/>
-                  </a:schemeClr>
-                </a:lnRef>
-                <a:fillRef idx="1">
-                  <a:schemeClr val="accent1"/>
-                </a:fillRef>
-                <a:effectRef idx="0">
-                  <a:schemeClr val="accent1"/>
-                </a:effectRef>
-                <a:fontRef idx="minor">
-                  <a:schemeClr val="lt1"/>
-                </a:fontRef>
-              </p:style>
-              <p:txBody>
-                <a:bodyPr rtlCol="0" anchor="ctr"/>
-                <a:lstStyle/>
-                <a:p>
-                  <a:pPr algn="ctr"/>
-                  <a:endParaRPr lang="en-US"/>
-                </a:p>
-              </p:txBody>
-            </p:sp>
-            <p:sp>
-              <p:nvSpPr>
-                <p:cNvPr id="32" name="Cube 31">
-                  <a:extLst>
-                    <a:ext uri="{FF2B5EF4-FFF2-40B4-BE49-F238E27FC236}">
-                      <a16:creationId xmlns:a16="http://schemas.microsoft.com/office/drawing/2014/main" id="{96654F06-5A69-1B42-B0A2-4A862A79DEC4}"/>
-                    </a:ext>
-                  </a:extLst>
-                </p:cNvPr>
-                <p:cNvSpPr>
-                  <a:spLocks noChangeAspect="1"/>
-                </p:cNvSpPr>
-                <p:nvPr/>
-              </p:nvSpPr>
-              <p:spPr>
-                <a:xfrm>
-                  <a:off x="10248261" y="3492599"/>
-                  <a:ext cx="182880" cy="182880"/>
-                </a:xfrm>
-                <a:prstGeom prst="cube">
-                  <a:avLst/>
-                </a:prstGeom>
-                <a:solidFill>
-                  <a:schemeClr val="accent4">
-                    <a:lumMod val="75000"/>
-                  </a:schemeClr>
-                </a:solidFill>
-                <a:ln>
-                  <a:solidFill>
-                    <a:schemeClr val="tx1"/>
-                  </a:solidFill>
-                </a:ln>
-              </p:spPr>
-              <p:style>
-                <a:lnRef idx="2">
-                  <a:schemeClr val="accent1">
-                    <a:shade val="50000"/>
-                  </a:schemeClr>
-                </a:lnRef>
-                <a:fillRef idx="1">
-                  <a:schemeClr val="accent1"/>
-                </a:fillRef>
-                <a:effectRef idx="0">
-                  <a:schemeClr val="accent1"/>
-                </a:effectRef>
-                <a:fontRef idx="minor">
-                  <a:schemeClr val="lt1"/>
-                </a:fontRef>
-              </p:style>
-              <p:txBody>
-                <a:bodyPr rtlCol="0" anchor="ctr"/>
-                <a:lstStyle/>
-                <a:p>
-                  <a:pPr algn="ctr"/>
-                  <a:endParaRPr lang="en-US"/>
-                </a:p>
-              </p:txBody>
-            </p:sp>
-            <p:sp>
-              <p:nvSpPr>
-                <p:cNvPr id="33" name="Cube 32">
-                  <a:extLst>
-                    <a:ext uri="{FF2B5EF4-FFF2-40B4-BE49-F238E27FC236}">
-                      <a16:creationId xmlns:a16="http://schemas.microsoft.com/office/drawing/2014/main" id="{574A102E-4A0C-B34E-B838-B65B99E87D2B}"/>
-                    </a:ext>
-                  </a:extLst>
-                </p:cNvPr>
-                <p:cNvSpPr>
-                  <a:spLocks noChangeAspect="1"/>
-                </p:cNvSpPr>
-                <p:nvPr/>
-              </p:nvSpPr>
-              <p:spPr>
-                <a:xfrm>
-                  <a:off x="10248261" y="3380438"/>
-                  <a:ext cx="182880" cy="182880"/>
-                </a:xfrm>
-                <a:prstGeom prst="cube">
-                  <a:avLst/>
-                </a:prstGeom>
-                <a:solidFill>
-                  <a:schemeClr val="accent4">
-                    <a:lumMod val="75000"/>
-                  </a:schemeClr>
-                </a:solidFill>
-                <a:ln>
-                  <a:solidFill>
-                    <a:schemeClr val="tx1"/>
-                  </a:solidFill>
-                </a:ln>
-              </p:spPr>
-              <p:style>
-                <a:lnRef idx="2">
-                  <a:schemeClr val="accent1">
-                    <a:shade val="50000"/>
-                  </a:schemeClr>
-                </a:lnRef>
-                <a:fillRef idx="1">
-                  <a:schemeClr val="accent1"/>
-                </a:fillRef>
-                <a:effectRef idx="0">
-                  <a:schemeClr val="accent1"/>
-                </a:effectRef>
-                <a:fontRef idx="minor">
-                  <a:schemeClr val="lt1"/>
-                </a:fontRef>
-              </p:style>
-              <p:txBody>
-                <a:bodyPr rtlCol="0" anchor="ctr"/>
-                <a:lstStyle/>
-                <a:p>
-                  <a:pPr algn="ctr"/>
-                  <a:endParaRPr lang="en-US"/>
-                </a:p>
-              </p:txBody>
-            </p:sp>
-            <p:sp>
-              <p:nvSpPr>
-                <p:cNvPr id="34" name="Cube 33">
-                  <a:extLst>
-                    <a:ext uri="{FF2B5EF4-FFF2-40B4-BE49-F238E27FC236}">
-                      <a16:creationId xmlns:a16="http://schemas.microsoft.com/office/drawing/2014/main" id="{03BD5E90-6A6C-E64A-980F-F8971CE9BD5C}"/>
-                    </a:ext>
-                  </a:extLst>
-                </p:cNvPr>
-                <p:cNvSpPr>
-                  <a:spLocks noChangeAspect="1"/>
-                </p:cNvSpPr>
-                <p:nvPr/>
-              </p:nvSpPr>
-              <p:spPr>
-                <a:xfrm>
-                  <a:off x="9699621" y="3492599"/>
-                  <a:ext cx="182880" cy="182880"/>
-                </a:xfrm>
-                <a:prstGeom prst="cube">
-                  <a:avLst/>
-                </a:prstGeom>
-                <a:solidFill>
-                  <a:schemeClr val="accent4">
-                    <a:lumMod val="75000"/>
-                  </a:schemeClr>
-                </a:solidFill>
-                <a:ln>
-                  <a:solidFill>
-                    <a:schemeClr val="tx1"/>
-                  </a:solidFill>
-                </a:ln>
-              </p:spPr>
-              <p:style>
-                <a:lnRef idx="2">
-                  <a:schemeClr val="accent1">
-                    <a:shade val="50000"/>
-                  </a:schemeClr>
-                </a:lnRef>
-                <a:fillRef idx="1">
-                  <a:schemeClr val="accent1"/>
-                </a:fillRef>
-                <a:effectRef idx="0">
-                  <a:schemeClr val="accent1"/>
-                </a:effectRef>
-                <a:fontRef idx="minor">
-                  <a:schemeClr val="lt1"/>
-                </a:fontRef>
-              </p:style>
-              <p:txBody>
-                <a:bodyPr rtlCol="0" anchor="ctr"/>
-                <a:lstStyle/>
-                <a:p>
-                  <a:pPr algn="ctr"/>
-                  <a:endParaRPr lang="en-US"/>
-                </a:p>
-              </p:txBody>
-            </p:sp>
-            <p:sp>
-              <p:nvSpPr>
-                <p:cNvPr id="35" name="Cube 34">
-                  <a:extLst>
-                    <a:ext uri="{FF2B5EF4-FFF2-40B4-BE49-F238E27FC236}">
-                      <a16:creationId xmlns:a16="http://schemas.microsoft.com/office/drawing/2014/main" id="{C897A663-6A15-9E4C-AA84-E9AD76D9C1EF}"/>
-                    </a:ext>
-                  </a:extLst>
-                </p:cNvPr>
-                <p:cNvSpPr>
-                  <a:spLocks noChangeAspect="1"/>
-                </p:cNvSpPr>
-                <p:nvPr/>
-              </p:nvSpPr>
-              <p:spPr>
-                <a:xfrm>
-                  <a:off x="9699621" y="3380438"/>
-                  <a:ext cx="182880" cy="182880"/>
-                </a:xfrm>
-                <a:prstGeom prst="cube">
-                  <a:avLst/>
-                </a:prstGeom>
-                <a:solidFill>
-                  <a:schemeClr val="accent4">
-                    <a:lumMod val="75000"/>
-                  </a:schemeClr>
-                </a:solidFill>
-                <a:ln>
-                  <a:solidFill>
-                    <a:schemeClr val="tx1"/>
-                  </a:solidFill>
-                </a:ln>
-              </p:spPr>
-              <p:style>
-                <a:lnRef idx="2">
-                  <a:schemeClr val="accent1">
-                    <a:shade val="50000"/>
-                  </a:schemeClr>
-                </a:lnRef>
-                <a:fillRef idx="1">
-                  <a:schemeClr val="accent1"/>
-                </a:fillRef>
-                <a:effectRef idx="0">
-                  <a:schemeClr val="accent1"/>
-                </a:effectRef>
-                <a:fontRef idx="minor">
-                  <a:schemeClr val="lt1"/>
-                </a:fontRef>
-              </p:style>
-              <p:txBody>
-                <a:bodyPr rtlCol="0" anchor="ctr"/>
-                <a:lstStyle/>
-                <a:p>
-                  <a:pPr algn="ctr"/>
-                  <a:endParaRPr lang="en-US"/>
-                </a:p>
-              </p:txBody>
-            </p:sp>
-          </p:grpSp>
-          <p:sp>
-            <p:nvSpPr>
-              <p:cNvPr id="27" name="TextBox 26">
-                <a:extLst>
-                  <a:ext uri="{FF2B5EF4-FFF2-40B4-BE49-F238E27FC236}">
-                    <a16:creationId xmlns:a16="http://schemas.microsoft.com/office/drawing/2014/main" id="{A386CAFB-001D-9F46-9946-47747C13FFDC}"/>
-                  </a:ext>
-                </a:extLst>
-              </p:cNvPr>
-              <p:cNvSpPr txBox="1"/>
-              <p:nvPr/>
-            </p:nvSpPr>
-            <p:spPr>
-              <a:xfrm>
-                <a:off x="3341601" y="5991423"/>
-                <a:ext cx="888769" cy="369332"/>
-              </a:xfrm>
-              <a:prstGeom prst="rect">
-                <a:avLst/>
-              </a:prstGeom>
-              <a:noFill/>
-            </p:spPr>
-            <p:txBody>
-              <a:bodyPr wrap="none" rtlCol="0">
-                <a:spAutoFit/>
-              </a:bodyPr>
-              <a:lstStyle/>
-              <a:p>
-                <a:r>
-                  <a:rPr lang="en-US" dirty="0"/>
-                  <a:t>0.7 m/s</a:t>
-                </a:r>
-              </a:p>
-            </p:txBody>
-          </p:sp>
-        </p:grpSp>
         <p:sp>
           <p:nvSpPr>
-            <p:cNvPr id="23" name="TextBox 22">
-              <a:extLst>
-                <a:ext uri="{FF2B5EF4-FFF2-40B4-BE49-F238E27FC236}">
-                  <a16:creationId xmlns:a16="http://schemas.microsoft.com/office/drawing/2014/main" id="{45CF74BF-BE64-6140-AD72-FBFB84102CA1}"/>
-                </a:ext>
-              </a:extLst>
-            </p:cNvPr>
-            <p:cNvSpPr txBox="1"/>
+            <p:cNvPr id="28" name="Cube 27">
+              <a:extLst>
+                <a:ext uri="{FF2B5EF4-FFF2-40B4-BE49-F238E27FC236}">
+                  <a16:creationId xmlns:a16="http://schemas.microsoft.com/office/drawing/2014/main" id="{9EC5B2A0-964F-4A46-BD43-4007C6FB44B1}"/>
+                </a:ext>
+              </a:extLst>
+            </p:cNvPr>
+            <p:cNvSpPr>
+              <a:spLocks noChangeAspect="1"/>
+            </p:cNvSpPr>
             <p:nvPr/>
           </p:nvSpPr>
           <p:spPr>
             <a:xfrm>
-              <a:off x="3529975" y="5262677"/>
-              <a:ext cx="3174459" cy="707886"/>
-            </a:xfrm>
-            <a:prstGeom prst="rect">
+              <a:off x="9882501" y="3492599"/>
+              <a:ext cx="182880" cy="182880"/>
+            </a:xfrm>
+            <a:prstGeom prst="cube">
               <a:avLst/>
             </a:prstGeom>
-            <a:noFill/>
+            <a:solidFill>
+              <a:schemeClr val="accent4">
+                <a:lumMod val="75000"/>
+              </a:schemeClr>
+            </a:solidFill>
+            <a:ln>
+              <a:solidFill>
+                <a:schemeClr val="tx1"/>
+              </a:solidFill>
+            </a:ln>
           </p:spPr>
+          <p:style>
+            <a:lnRef idx="2">
+              <a:schemeClr val="accent1">
+                <a:shade val="50000"/>
+              </a:schemeClr>
+            </a:lnRef>
+            <a:fillRef idx="1">
+              <a:schemeClr val="accent1"/>
+            </a:fillRef>
+            <a:effectRef idx="0">
+              <a:schemeClr val="accent1"/>
+            </a:effectRef>
+            <a:fontRef idx="minor">
+              <a:schemeClr val="lt1"/>
+            </a:fontRef>
+          </p:style>
           <p:txBody>
-            <a:bodyPr wrap="none" rtlCol="0">
-              <a:spAutoFit/>
-            </a:bodyPr>
+            <a:bodyPr rtlCol="0" anchor="ctr"/>
             <a:lstStyle/>
             <a:p>
-              <a:r>
-                <a:rPr lang="en-US" sz="2000" dirty="0"/>
-                <a:t>Probability of collision = </a:t>
-              </a:r>
-              <a:r>
-                <a:rPr lang="en-US" sz="2000" b="1" dirty="0"/>
-                <a:t>40%</a:t>
-              </a:r>
+              <a:pPr algn="ctr"/>
+              <a:endParaRPr lang="en-US"/>
             </a:p>
+          </p:txBody>
+        </p:sp>
+        <p:sp>
+          <p:nvSpPr>
+            <p:cNvPr id="29" name="Cube 28">
+              <a:extLst>
+                <a:ext uri="{FF2B5EF4-FFF2-40B4-BE49-F238E27FC236}">
+                  <a16:creationId xmlns:a16="http://schemas.microsoft.com/office/drawing/2014/main" id="{B6FA68AD-5BB6-5B4F-9724-1A21D4F4C8DA}"/>
+                </a:ext>
+              </a:extLst>
+            </p:cNvPr>
+            <p:cNvSpPr>
+              <a:spLocks noChangeAspect="1"/>
+            </p:cNvSpPr>
+            <p:nvPr/>
+          </p:nvSpPr>
+          <p:spPr>
+            <a:xfrm>
+              <a:off x="10065381" y="3492599"/>
+              <a:ext cx="182880" cy="182880"/>
+            </a:xfrm>
+            <a:prstGeom prst="cube">
+              <a:avLst/>
+            </a:prstGeom>
+            <a:solidFill>
+              <a:schemeClr val="accent4">
+                <a:lumMod val="75000"/>
+              </a:schemeClr>
+            </a:solidFill>
+            <a:ln>
+              <a:solidFill>
+                <a:schemeClr val="tx1"/>
+              </a:solidFill>
+            </a:ln>
+          </p:spPr>
+          <p:style>
+            <a:lnRef idx="2">
+              <a:schemeClr val="accent1">
+                <a:shade val="50000"/>
+              </a:schemeClr>
+            </a:lnRef>
+            <a:fillRef idx="1">
+              <a:schemeClr val="accent1"/>
+            </a:fillRef>
+            <a:effectRef idx="0">
+              <a:schemeClr val="accent1"/>
+            </a:effectRef>
+            <a:fontRef idx="minor">
+              <a:schemeClr val="lt1"/>
+            </a:fontRef>
+          </p:style>
+          <p:txBody>
+            <a:bodyPr rtlCol="0" anchor="ctr"/>
+            <a:lstStyle/>
             <a:p>
-              <a:r>
-                <a:rPr lang="en-US" sz="2000" dirty="0"/>
-                <a:t>(Expected collision = </a:t>
-              </a:r>
-              <a:r>
-                <a:rPr lang="en-US" sz="2000" b="1" dirty="0"/>
-                <a:t>0.4</a:t>
-              </a:r>
-              <a:r>
-                <a:rPr lang="en-US" sz="2000" dirty="0"/>
-                <a:t>)</a:t>
-              </a:r>
+              <a:pPr algn="ctr"/>
+              <a:endParaRPr lang="en-US"/>
+            </a:p>
+          </p:txBody>
+        </p:sp>
+        <p:sp>
+          <p:nvSpPr>
+            <p:cNvPr id="30" name="Cube 29">
+              <a:extLst>
+                <a:ext uri="{FF2B5EF4-FFF2-40B4-BE49-F238E27FC236}">
+                  <a16:creationId xmlns:a16="http://schemas.microsoft.com/office/drawing/2014/main" id="{F03894EA-CA90-F544-BCB3-2ED0204FCA04}"/>
+                </a:ext>
+              </a:extLst>
+            </p:cNvPr>
+            <p:cNvSpPr>
+              <a:spLocks noChangeAspect="1"/>
+            </p:cNvSpPr>
+            <p:nvPr/>
+          </p:nvSpPr>
+          <p:spPr>
+            <a:xfrm>
+              <a:off x="9882501" y="3380438"/>
+              <a:ext cx="182880" cy="182880"/>
+            </a:xfrm>
+            <a:prstGeom prst="cube">
+              <a:avLst/>
+            </a:prstGeom>
+            <a:solidFill>
+              <a:schemeClr val="accent4">
+                <a:lumMod val="75000"/>
+              </a:schemeClr>
+            </a:solidFill>
+            <a:ln>
+              <a:solidFill>
+                <a:schemeClr val="tx1"/>
+              </a:solidFill>
+            </a:ln>
+          </p:spPr>
+          <p:style>
+            <a:lnRef idx="2">
+              <a:schemeClr val="accent1">
+                <a:shade val="50000"/>
+              </a:schemeClr>
+            </a:lnRef>
+            <a:fillRef idx="1">
+              <a:schemeClr val="accent1"/>
+            </a:fillRef>
+            <a:effectRef idx="0">
+              <a:schemeClr val="accent1"/>
+            </a:effectRef>
+            <a:fontRef idx="minor">
+              <a:schemeClr val="lt1"/>
+            </a:fontRef>
+          </p:style>
+          <p:txBody>
+            <a:bodyPr rtlCol="0" anchor="ctr"/>
+            <a:lstStyle/>
+            <a:p>
+              <a:pPr algn="ctr"/>
+              <a:endParaRPr lang="en-US"/>
+            </a:p>
+          </p:txBody>
+        </p:sp>
+        <p:sp>
+          <p:nvSpPr>
+            <p:cNvPr id="31" name="Cube 30">
+              <a:extLst>
+                <a:ext uri="{FF2B5EF4-FFF2-40B4-BE49-F238E27FC236}">
+                  <a16:creationId xmlns:a16="http://schemas.microsoft.com/office/drawing/2014/main" id="{AE67F440-C6FA-2A45-9E12-FD3C7302834D}"/>
+                </a:ext>
+              </a:extLst>
+            </p:cNvPr>
+            <p:cNvSpPr>
+              <a:spLocks noChangeAspect="1"/>
+            </p:cNvSpPr>
+            <p:nvPr/>
+          </p:nvSpPr>
+          <p:spPr>
+            <a:xfrm>
+              <a:off x="10065381" y="3380438"/>
+              <a:ext cx="182880" cy="182880"/>
+            </a:xfrm>
+            <a:prstGeom prst="cube">
+              <a:avLst/>
+            </a:prstGeom>
+            <a:solidFill>
+              <a:schemeClr val="accent4">
+                <a:lumMod val="75000"/>
+              </a:schemeClr>
+            </a:solidFill>
+            <a:ln>
+              <a:solidFill>
+                <a:schemeClr val="tx1"/>
+              </a:solidFill>
+            </a:ln>
+          </p:spPr>
+          <p:style>
+            <a:lnRef idx="2">
+              <a:schemeClr val="accent1">
+                <a:shade val="50000"/>
+              </a:schemeClr>
+            </a:lnRef>
+            <a:fillRef idx="1">
+              <a:schemeClr val="accent1"/>
+            </a:fillRef>
+            <a:effectRef idx="0">
+              <a:schemeClr val="accent1"/>
+            </a:effectRef>
+            <a:fontRef idx="minor">
+              <a:schemeClr val="lt1"/>
+            </a:fontRef>
+          </p:style>
+          <p:txBody>
+            <a:bodyPr rtlCol="0" anchor="ctr"/>
+            <a:lstStyle/>
+            <a:p>
+              <a:pPr algn="ctr"/>
+              <a:endParaRPr lang="en-US"/>
+            </a:p>
+          </p:txBody>
+        </p:sp>
+        <p:sp>
+          <p:nvSpPr>
+            <p:cNvPr id="32" name="Cube 31">
+              <a:extLst>
+                <a:ext uri="{FF2B5EF4-FFF2-40B4-BE49-F238E27FC236}">
+                  <a16:creationId xmlns:a16="http://schemas.microsoft.com/office/drawing/2014/main" id="{96654F06-5A69-1B42-B0A2-4A862A79DEC4}"/>
+                </a:ext>
+              </a:extLst>
+            </p:cNvPr>
+            <p:cNvSpPr>
+              <a:spLocks noChangeAspect="1"/>
+            </p:cNvSpPr>
+            <p:nvPr/>
+          </p:nvSpPr>
+          <p:spPr>
+            <a:xfrm>
+              <a:off x="10248261" y="3492599"/>
+              <a:ext cx="182880" cy="182880"/>
+            </a:xfrm>
+            <a:prstGeom prst="cube">
+              <a:avLst/>
+            </a:prstGeom>
+            <a:solidFill>
+              <a:schemeClr val="accent4">
+                <a:lumMod val="75000"/>
+              </a:schemeClr>
+            </a:solidFill>
+            <a:ln>
+              <a:solidFill>
+                <a:schemeClr val="tx1"/>
+              </a:solidFill>
+            </a:ln>
+          </p:spPr>
+          <p:style>
+            <a:lnRef idx="2">
+              <a:schemeClr val="accent1">
+                <a:shade val="50000"/>
+              </a:schemeClr>
+            </a:lnRef>
+            <a:fillRef idx="1">
+              <a:schemeClr val="accent1"/>
+            </a:fillRef>
+            <a:effectRef idx="0">
+              <a:schemeClr val="accent1"/>
+            </a:effectRef>
+            <a:fontRef idx="minor">
+              <a:schemeClr val="lt1"/>
+            </a:fontRef>
+          </p:style>
+          <p:txBody>
+            <a:bodyPr rtlCol="0" anchor="ctr"/>
+            <a:lstStyle/>
+            <a:p>
+              <a:pPr algn="ctr"/>
+              <a:endParaRPr lang="en-US"/>
+            </a:p>
+          </p:txBody>
+        </p:sp>
+        <p:sp>
+          <p:nvSpPr>
+            <p:cNvPr id="33" name="Cube 32">
+              <a:extLst>
+                <a:ext uri="{FF2B5EF4-FFF2-40B4-BE49-F238E27FC236}">
+                  <a16:creationId xmlns:a16="http://schemas.microsoft.com/office/drawing/2014/main" id="{574A102E-4A0C-B34E-B838-B65B99E87D2B}"/>
+                </a:ext>
+              </a:extLst>
+            </p:cNvPr>
+            <p:cNvSpPr>
+              <a:spLocks noChangeAspect="1"/>
+            </p:cNvSpPr>
+            <p:nvPr/>
+          </p:nvSpPr>
+          <p:spPr>
+            <a:xfrm>
+              <a:off x="10248261" y="3380438"/>
+              <a:ext cx="182880" cy="182880"/>
+            </a:xfrm>
+            <a:prstGeom prst="cube">
+              <a:avLst/>
+            </a:prstGeom>
+            <a:solidFill>
+              <a:schemeClr val="accent4">
+                <a:lumMod val="75000"/>
+              </a:schemeClr>
+            </a:solidFill>
+            <a:ln>
+              <a:solidFill>
+                <a:schemeClr val="tx1"/>
+              </a:solidFill>
+            </a:ln>
+          </p:spPr>
+          <p:style>
+            <a:lnRef idx="2">
+              <a:schemeClr val="accent1">
+                <a:shade val="50000"/>
+              </a:schemeClr>
+            </a:lnRef>
+            <a:fillRef idx="1">
+              <a:schemeClr val="accent1"/>
+            </a:fillRef>
+            <a:effectRef idx="0">
+              <a:schemeClr val="accent1"/>
+            </a:effectRef>
+            <a:fontRef idx="minor">
+              <a:schemeClr val="lt1"/>
+            </a:fontRef>
+          </p:style>
+          <p:txBody>
+            <a:bodyPr rtlCol="0" anchor="ctr"/>
+            <a:lstStyle/>
+            <a:p>
+              <a:pPr algn="ctr"/>
+              <a:endParaRPr lang="en-US"/>
+            </a:p>
+          </p:txBody>
+        </p:sp>
+        <p:sp>
+          <p:nvSpPr>
+            <p:cNvPr id="34" name="Cube 33">
+              <a:extLst>
+                <a:ext uri="{FF2B5EF4-FFF2-40B4-BE49-F238E27FC236}">
+                  <a16:creationId xmlns:a16="http://schemas.microsoft.com/office/drawing/2014/main" id="{03BD5E90-6A6C-E64A-980F-F8971CE9BD5C}"/>
+                </a:ext>
+              </a:extLst>
+            </p:cNvPr>
+            <p:cNvSpPr>
+              <a:spLocks noChangeAspect="1"/>
+            </p:cNvSpPr>
+            <p:nvPr/>
+          </p:nvSpPr>
+          <p:spPr>
+            <a:xfrm>
+              <a:off x="9699621" y="3492599"/>
+              <a:ext cx="182880" cy="182880"/>
+            </a:xfrm>
+            <a:prstGeom prst="cube">
+              <a:avLst/>
+            </a:prstGeom>
+            <a:solidFill>
+              <a:schemeClr val="accent4">
+                <a:lumMod val="75000"/>
+              </a:schemeClr>
+            </a:solidFill>
+            <a:ln>
+              <a:solidFill>
+                <a:schemeClr val="tx1"/>
+              </a:solidFill>
+            </a:ln>
+          </p:spPr>
+          <p:style>
+            <a:lnRef idx="2">
+              <a:schemeClr val="accent1">
+                <a:shade val="50000"/>
+              </a:schemeClr>
+            </a:lnRef>
+            <a:fillRef idx="1">
+              <a:schemeClr val="accent1"/>
+            </a:fillRef>
+            <a:effectRef idx="0">
+              <a:schemeClr val="accent1"/>
+            </a:effectRef>
+            <a:fontRef idx="minor">
+              <a:schemeClr val="lt1"/>
+            </a:fontRef>
+          </p:style>
+          <p:txBody>
+            <a:bodyPr rtlCol="0" anchor="ctr"/>
+            <a:lstStyle/>
+            <a:p>
+              <a:pPr algn="ctr"/>
+              <a:endParaRPr lang="en-US"/>
+            </a:p>
+          </p:txBody>
+        </p:sp>
+        <p:sp>
+          <p:nvSpPr>
+            <p:cNvPr id="35" name="Cube 34">
+              <a:extLst>
+                <a:ext uri="{FF2B5EF4-FFF2-40B4-BE49-F238E27FC236}">
+                  <a16:creationId xmlns:a16="http://schemas.microsoft.com/office/drawing/2014/main" id="{C897A663-6A15-9E4C-AA84-E9AD76D9C1EF}"/>
+                </a:ext>
+              </a:extLst>
+            </p:cNvPr>
+            <p:cNvSpPr>
+              <a:spLocks noChangeAspect="1"/>
+            </p:cNvSpPr>
+            <p:nvPr/>
+          </p:nvSpPr>
+          <p:spPr>
+            <a:xfrm>
+              <a:off x="9699621" y="3380438"/>
+              <a:ext cx="182880" cy="182880"/>
+            </a:xfrm>
+            <a:prstGeom prst="cube">
+              <a:avLst/>
+            </a:prstGeom>
+            <a:solidFill>
+              <a:schemeClr val="accent4">
+                <a:lumMod val="75000"/>
+              </a:schemeClr>
+            </a:solidFill>
+            <a:ln>
+              <a:solidFill>
+                <a:schemeClr val="tx1"/>
+              </a:solidFill>
+            </a:ln>
+          </p:spPr>
+          <p:style>
+            <a:lnRef idx="2">
+              <a:schemeClr val="accent1">
+                <a:shade val="50000"/>
+              </a:schemeClr>
+            </a:lnRef>
+            <a:fillRef idx="1">
+              <a:schemeClr val="accent1"/>
+            </a:fillRef>
+            <a:effectRef idx="0">
+              <a:schemeClr val="accent1"/>
+            </a:effectRef>
+            <a:fontRef idx="minor">
+              <a:schemeClr val="lt1"/>
+            </a:fontRef>
+          </p:style>
+          <p:txBody>
+            <a:bodyPr rtlCol="0" anchor="ctr"/>
+            <a:lstStyle/>
+            <a:p>
+              <a:pPr algn="ctr"/>
+              <a:endParaRPr lang="en-US"/>
             </a:p>
           </p:txBody>
         </p:sp>
       </p:grpSp>
+      <p:sp>
+        <p:nvSpPr>
+          <p:cNvPr id="27" name="TextBox 26">
+            <a:extLst>
+              <a:ext uri="{FF2B5EF4-FFF2-40B4-BE49-F238E27FC236}">
+                <a16:creationId xmlns:a16="http://schemas.microsoft.com/office/drawing/2014/main" id="{A386CAFB-001D-9F46-9946-47747C13FFDC}"/>
+              </a:ext>
+            </a:extLst>
+          </p:cNvPr>
+          <p:cNvSpPr txBox="1"/>
+          <p:nvPr/>
+        </p:nvSpPr>
+        <p:spPr>
+          <a:xfrm>
+            <a:off x="2421712" y="5636318"/>
+            <a:ext cx="888769" cy="369332"/>
+          </a:xfrm>
+          <a:prstGeom prst="rect">
+            <a:avLst/>
+          </a:prstGeom>
+          <a:noFill/>
+        </p:spPr>
+        <p:txBody>
+          <a:bodyPr wrap="none" rtlCol="0">
+            <a:spAutoFit/>
+          </a:bodyPr>
+          <a:lstStyle/>
+          <a:p>
+            <a:r>
+              <a:rPr lang="en-US" dirty="0"/>
+              <a:t>0.7 m/s</a:t>
+            </a:r>
+          </a:p>
+        </p:txBody>
+      </p:sp>
+      <p:sp>
+        <p:nvSpPr>
+          <p:cNvPr id="23" name="TextBox 22">
+            <a:extLst>
+              <a:ext uri="{FF2B5EF4-FFF2-40B4-BE49-F238E27FC236}">
+                <a16:creationId xmlns:a16="http://schemas.microsoft.com/office/drawing/2014/main" id="{45CF74BF-BE64-6140-AD72-FBFB84102CA1}"/>
+              </a:ext>
+            </a:extLst>
+          </p:cNvPr>
+          <p:cNvSpPr txBox="1"/>
+          <p:nvPr/>
+        </p:nvSpPr>
+        <p:spPr>
+          <a:xfrm>
+            <a:off x="3529975" y="5200745"/>
+            <a:ext cx="3174459" cy="707886"/>
+          </a:xfrm>
+          <a:prstGeom prst="rect">
+            <a:avLst/>
+          </a:prstGeom>
+          <a:noFill/>
+        </p:spPr>
+        <p:txBody>
+          <a:bodyPr wrap="none" rtlCol="0">
+            <a:spAutoFit/>
+          </a:bodyPr>
+          <a:lstStyle/>
+          <a:p>
+            <a:r>
+              <a:rPr lang="en-US" sz="2000" dirty="0"/>
+              <a:t>Probability of collision = </a:t>
+            </a:r>
+            <a:r>
+              <a:rPr lang="en-US" sz="2000" b="1" dirty="0"/>
+              <a:t>40%</a:t>
+            </a:r>
+          </a:p>
+          <a:p>
+            <a:r>
+              <a:rPr lang="en-US" sz="2000" dirty="0"/>
+              <a:t>(Expected collision = </a:t>
+            </a:r>
+            <a:r>
+              <a:rPr lang="en-US" sz="2000" b="1" dirty="0"/>
+              <a:t>0.4</a:t>
+            </a:r>
+            <a:r>
+              <a:rPr lang="en-US" sz="2000" dirty="0"/>
+              <a:t>)</a:t>
+            </a:r>
+          </a:p>
+        </p:txBody>
+      </p:sp>
       <p:grpSp>
         <p:nvGrpSpPr>
           <p:cNvPr id="22" name="Group 21">
@@ -7658,10 +7406,10 @@
       </p:grpSp>
       <p:grpSp>
         <p:nvGrpSpPr>
-          <p:cNvPr id="36" name="Group 35">
+          <p:cNvPr id="38" name="Group 37">
             <a:extLst>
               <a:ext uri="{FF2B5EF4-FFF2-40B4-BE49-F238E27FC236}">
-                <a16:creationId xmlns:a16="http://schemas.microsoft.com/office/drawing/2014/main" id="{6266BC05-2A7A-9E49-AAB5-B865C0A3A418}"/>
+                <a16:creationId xmlns:a16="http://schemas.microsoft.com/office/drawing/2014/main" id="{0032E22C-0FB4-DA4F-8170-96728AF4B549}"/>
               </a:ext>
             </a:extLst>
           </p:cNvPr>
@@ -7670,18 +7418,71 @@
         </p:nvGrpSpPr>
         <p:grpSpPr>
           <a:xfrm>
-            <a:off x="7001904" y="3430408"/>
-            <a:ext cx="4595063" cy="937824"/>
-            <a:chOff x="7247498" y="3818672"/>
-            <a:chExt cx="4595063" cy="937824"/>
+            <a:off x="1703028" y="3434169"/>
+            <a:ext cx="4985348" cy="949086"/>
+            <a:chOff x="1703028" y="3434169"/>
+            <a:chExt cx="4985348" cy="949086"/>
           </a:xfrm>
         </p:grpSpPr>
+        <p:sp>
+          <p:nvSpPr>
+            <p:cNvPr id="12" name="TextBox 11">
+              <a:extLst>
+                <a:ext uri="{FF2B5EF4-FFF2-40B4-BE49-F238E27FC236}">
+                  <a16:creationId xmlns:a16="http://schemas.microsoft.com/office/drawing/2014/main" id="{EFBC5898-DDC6-064E-9B61-0A01AC41CB4A}"/>
+                </a:ext>
+              </a:extLst>
+            </p:cNvPr>
+            <p:cNvSpPr txBox="1"/>
+            <p:nvPr/>
+          </p:nvSpPr>
+          <p:spPr>
+            <a:xfrm>
+              <a:off x="3513917" y="3560400"/>
+              <a:ext cx="3174459" cy="707886"/>
+            </a:xfrm>
+            <a:prstGeom prst="rect">
+              <a:avLst/>
+            </a:prstGeom>
+            <a:noFill/>
+          </p:spPr>
+          <p:txBody>
+            <a:bodyPr wrap="none" rtlCol="0">
+              <a:spAutoFit/>
+            </a:bodyPr>
+            <a:lstStyle/>
+            <a:p>
+              <a:r>
+                <a:rPr lang="en-US" sz="2000" dirty="0"/>
+                <a:t>Probability of collision = </a:t>
+              </a:r>
+              <a:r>
+                <a:rPr lang="en-US" sz="2000" b="1" dirty="0"/>
+                <a:t>20%</a:t>
+              </a:r>
+            </a:p>
+            <a:p>
+              <a:r>
+                <a:rPr lang="en-US" sz="2000" dirty="0"/>
+                <a:t>(Expected collision = </a:t>
+              </a:r>
+              <a:r>
+                <a:rPr lang="en-US" sz="2000" b="1" dirty="0"/>
+                <a:t>0.2</a:t>
+              </a:r>
+              <a:r>
+                <a:rPr lang="en-US" sz="2000" dirty="0"/>
+                <a:t>)</a:t>
+              </a:r>
+            </a:p>
+          </p:txBody>
+        </p:sp>
         <p:grpSp>
           <p:nvGrpSpPr>
-            <p:cNvPr id="79" name="Group 78">
-              <a:extLst>
-                <a:ext uri="{FF2B5EF4-FFF2-40B4-BE49-F238E27FC236}">
-                  <a16:creationId xmlns:a16="http://schemas.microsoft.com/office/drawing/2014/main" id="{DD2B1B39-BB14-244F-8BE3-894E692208AF}"/>
+            <p:cNvPr id="11" name="Group 10">
+              <a:extLst>
+                <a:ext uri="{FF2B5EF4-FFF2-40B4-BE49-F238E27FC236}">
+                  <a16:creationId xmlns:a16="http://schemas.microsoft.com/office/drawing/2014/main" id="{4DCE2F23-BFCC-6147-ABF5-3AEF1C2E529F}"/>
                 </a:ext>
               </a:extLst>
             </p:cNvPr>
@@ -7690,10 +7491,286 @@
           </p:nvGrpSpPr>
           <p:grpSpPr>
             <a:xfrm>
-              <a:off x="7247498" y="3818672"/>
-              <a:ext cx="1711709" cy="937824"/>
-              <a:chOff x="2622917" y="3818672"/>
-              <a:chExt cx="1711709" cy="937824"/>
+              <a:off x="1703028" y="3434169"/>
+              <a:ext cx="1711709" cy="949086"/>
+              <a:chOff x="1703028" y="3434169"/>
+              <a:chExt cx="1711709" cy="949086"/>
+            </a:xfrm>
+          </p:grpSpPr>
+          <p:pic>
+            <p:nvPicPr>
+              <p:cNvPr id="13" name="Picture 12">
+                <a:extLst>
+                  <a:ext uri="{FF2B5EF4-FFF2-40B4-BE49-F238E27FC236}">
+                    <a16:creationId xmlns:a16="http://schemas.microsoft.com/office/drawing/2014/main" id="{A5237C1C-7D65-1C4F-9F0E-90EEC18F3C72}"/>
+                  </a:ext>
+                </a:extLst>
+              </p:cNvPr>
+              <p:cNvPicPr>
+                <a:picLocks noChangeAspect="1"/>
+              </p:cNvPicPr>
+              <p:nvPr/>
+            </p:nvPicPr>
+            <p:blipFill rotWithShape="1">
+              <a:blip r:embed="rId2"/>
+              <a:srcRect l="26302" t="1905" r="24095"/>
+              <a:stretch/>
+            </p:blipFill>
+            <p:spPr>
+              <a:xfrm>
+                <a:off x="1703028" y="3501970"/>
+                <a:ext cx="431549" cy="640080"/>
+              </a:xfrm>
+              <a:prstGeom prst="rect">
+                <a:avLst/>
+              </a:prstGeom>
+            </p:spPr>
+          </p:pic>
+          <p:sp>
+            <p:nvSpPr>
+              <p:cNvPr id="14" name="Right Arrow 13">
+                <a:extLst>
+                  <a:ext uri="{FF2B5EF4-FFF2-40B4-BE49-F238E27FC236}">
+                    <a16:creationId xmlns:a16="http://schemas.microsoft.com/office/drawing/2014/main" id="{A520BE55-5968-8F4E-9A7F-2ECEE1272B8D}"/>
+                  </a:ext>
+                </a:extLst>
+              </p:cNvPr>
+              <p:cNvSpPr/>
+              <p:nvPr/>
+            </p:nvSpPr>
+            <p:spPr>
+              <a:xfrm>
+                <a:off x="2317457" y="3822010"/>
+                <a:ext cx="1097280" cy="182880"/>
+              </a:xfrm>
+              <a:prstGeom prst="rightArrow">
+                <a:avLst/>
+              </a:prstGeom>
+              <a:solidFill>
+                <a:schemeClr val="accent1">
+                  <a:lumMod val="75000"/>
+                </a:schemeClr>
+              </a:solidFill>
+            </p:spPr>
+            <p:style>
+              <a:lnRef idx="2">
+                <a:schemeClr val="accent1">
+                  <a:shade val="50000"/>
+                </a:schemeClr>
+              </a:lnRef>
+              <a:fillRef idx="1">
+                <a:schemeClr val="accent1"/>
+              </a:fillRef>
+              <a:effectRef idx="0">
+                <a:schemeClr val="accent1"/>
+              </a:effectRef>
+              <a:fontRef idx="minor">
+                <a:schemeClr val="lt1"/>
+              </a:fontRef>
+            </p:style>
+            <p:txBody>
+              <a:bodyPr rtlCol="0" anchor="ctr"/>
+              <a:lstStyle/>
+              <a:p>
+                <a:pPr algn="ctr"/>
+                <a:endParaRPr lang="en-US"/>
+              </a:p>
+            </p:txBody>
+          </p:sp>
+          <p:sp>
+            <p:nvSpPr>
+              <p:cNvPr id="16" name="TextBox 15">
+                <a:extLst>
+                  <a:ext uri="{FF2B5EF4-FFF2-40B4-BE49-F238E27FC236}">
+                    <a16:creationId xmlns:a16="http://schemas.microsoft.com/office/drawing/2014/main" id="{4AD4F83C-5298-B246-86D8-4334CF882E53}"/>
+                  </a:ext>
+                </a:extLst>
+              </p:cNvPr>
+              <p:cNvSpPr txBox="1"/>
+              <p:nvPr/>
+            </p:nvSpPr>
+            <p:spPr>
+              <a:xfrm>
+                <a:off x="2421711" y="4013923"/>
+                <a:ext cx="888769" cy="369332"/>
+              </a:xfrm>
+              <a:prstGeom prst="rect">
+                <a:avLst/>
+              </a:prstGeom>
+              <a:noFill/>
+            </p:spPr>
+            <p:txBody>
+              <a:bodyPr wrap="none" rtlCol="0">
+                <a:spAutoFit/>
+              </a:bodyPr>
+              <a:lstStyle/>
+              <a:p>
+                <a:r>
+                  <a:rPr lang="en-US" dirty="0"/>
+                  <a:t>0.7 m/s</a:t>
+                </a:r>
+              </a:p>
+            </p:txBody>
+          </p:sp>
+          <p:sp>
+            <p:nvSpPr>
+              <p:cNvPr id="4" name="TextBox 3">
+                <a:extLst>
+                  <a:ext uri="{FF2B5EF4-FFF2-40B4-BE49-F238E27FC236}">
+                    <a16:creationId xmlns:a16="http://schemas.microsoft.com/office/drawing/2014/main" id="{445C67D2-31DA-6340-A24B-53E714065E9C}"/>
+                  </a:ext>
+                </a:extLst>
+              </p:cNvPr>
+              <p:cNvSpPr txBox="1"/>
+              <p:nvPr/>
+            </p:nvSpPr>
+            <p:spPr>
+              <a:xfrm>
+                <a:off x="2596477" y="3434169"/>
+                <a:ext cx="529312" cy="461665"/>
+              </a:xfrm>
+              <a:prstGeom prst="rect">
+                <a:avLst/>
+              </a:prstGeom>
+              <a:noFill/>
+            </p:spPr>
+            <p:txBody>
+              <a:bodyPr wrap="none" rtlCol="0">
+                <a:spAutoFit/>
+              </a:bodyPr>
+              <a:lstStyle/>
+              <a:p>
+                <a:r>
+                  <a:rPr lang="en-US" sz="2400" dirty="0"/>
+                  <a:t>SO</a:t>
+                </a:r>
+              </a:p>
+            </p:txBody>
+          </p:sp>
+        </p:grpSp>
+      </p:grpSp>
+      <p:sp>
+        <p:nvSpPr>
+          <p:cNvPr id="71" name="TextBox 70">
+            <a:extLst>
+              <a:ext uri="{FF2B5EF4-FFF2-40B4-BE49-F238E27FC236}">
+                <a16:creationId xmlns:a16="http://schemas.microsoft.com/office/drawing/2014/main" id="{5FFB550E-8E22-DD4F-BAEC-32B5DA8AAA9D}"/>
+              </a:ext>
+            </a:extLst>
+          </p:cNvPr>
+          <p:cNvSpPr txBox="1"/>
+          <p:nvPr/>
+        </p:nvSpPr>
+        <p:spPr>
+          <a:xfrm>
+            <a:off x="2572432" y="5051873"/>
+            <a:ext cx="577402" cy="461665"/>
+          </a:xfrm>
+          <a:prstGeom prst="rect">
+            <a:avLst/>
+          </a:prstGeom>
+          <a:noFill/>
+        </p:spPr>
+        <p:txBody>
+          <a:bodyPr wrap="none" rtlCol="0">
+            <a:spAutoFit/>
+          </a:bodyPr>
+          <a:lstStyle/>
+          <a:p>
+            <a:r>
+              <a:rPr lang="en-US" sz="2400" dirty="0"/>
+              <a:t>DO</a:t>
+            </a:r>
+          </a:p>
+        </p:txBody>
+      </p:sp>
+      <p:grpSp>
+        <p:nvGrpSpPr>
+          <p:cNvPr id="40" name="Group 39">
+            <a:extLst>
+              <a:ext uri="{FF2B5EF4-FFF2-40B4-BE49-F238E27FC236}">
+                <a16:creationId xmlns:a16="http://schemas.microsoft.com/office/drawing/2014/main" id="{96CEBF67-62FA-D544-9E84-63759FFA76EB}"/>
+              </a:ext>
+            </a:extLst>
+          </p:cNvPr>
+          <p:cNvGrpSpPr/>
+          <p:nvPr/>
+        </p:nvGrpSpPr>
+        <p:grpSpPr>
+          <a:xfrm>
+            <a:off x="7001904" y="3398735"/>
+            <a:ext cx="4595063" cy="969497"/>
+            <a:chOff x="7001904" y="3398735"/>
+            <a:chExt cx="4595063" cy="969497"/>
+          </a:xfrm>
+        </p:grpSpPr>
+        <p:sp>
+          <p:nvSpPr>
+            <p:cNvPr id="80" name="TextBox 79">
+              <a:extLst>
+                <a:ext uri="{FF2B5EF4-FFF2-40B4-BE49-F238E27FC236}">
+                  <a16:creationId xmlns:a16="http://schemas.microsoft.com/office/drawing/2014/main" id="{3892EE46-1E5F-A24B-9160-8EEB5DB181DF}"/>
+                </a:ext>
+              </a:extLst>
+            </p:cNvPr>
+            <p:cNvSpPr txBox="1"/>
+            <p:nvPr/>
+          </p:nvSpPr>
+          <p:spPr>
+            <a:xfrm>
+              <a:off x="8822553" y="3545377"/>
+              <a:ext cx="2774414" cy="707886"/>
+            </a:xfrm>
+            <a:prstGeom prst="rect">
+              <a:avLst/>
+            </a:prstGeom>
+            <a:noFill/>
+          </p:spPr>
+          <p:txBody>
+            <a:bodyPr wrap="none" rtlCol="0">
+              <a:spAutoFit/>
+            </a:bodyPr>
+            <a:lstStyle/>
+            <a:p>
+              <a:r>
+                <a:rPr lang="en-US" sz="2000" dirty="0"/>
+                <a:t>No collision at low speed</a:t>
+              </a:r>
+            </a:p>
+            <a:p>
+              <a:r>
+                <a:rPr lang="en-US" sz="2000" dirty="0"/>
+                <a:t>(Expected collision = </a:t>
+              </a:r>
+              <a:r>
+                <a:rPr lang="en-US" sz="2000" b="1" dirty="0"/>
+                <a:t>0.0</a:t>
+              </a:r>
+              <a:r>
+                <a:rPr lang="en-US" sz="2000" dirty="0"/>
+                <a:t>)</a:t>
+              </a:r>
+            </a:p>
+          </p:txBody>
+        </p:sp>
+        <p:grpSp>
+          <p:nvGrpSpPr>
+            <p:cNvPr id="39" name="Group 38">
+              <a:extLst>
+                <a:ext uri="{FF2B5EF4-FFF2-40B4-BE49-F238E27FC236}">
+                  <a16:creationId xmlns:a16="http://schemas.microsoft.com/office/drawing/2014/main" id="{13A98E3A-D60B-9E4F-A40C-7A0599178C7C}"/>
+                </a:ext>
+              </a:extLst>
+            </p:cNvPr>
+            <p:cNvGrpSpPr/>
+            <p:nvPr/>
+          </p:nvGrpSpPr>
+          <p:grpSpPr>
+            <a:xfrm>
+              <a:off x="7001904" y="3398735"/>
+              <a:ext cx="1711709" cy="969497"/>
+              <a:chOff x="7001904" y="3398735"/>
+              <a:chExt cx="1711709" cy="969497"/>
             </a:xfrm>
           </p:grpSpPr>
           <p:pic>
@@ -7717,7 +7794,7 @@
             </p:blipFill>
             <p:spPr>
               <a:xfrm>
-                <a:off x="2622917" y="3875211"/>
+                <a:off x="7001904" y="3486947"/>
                 <a:ext cx="431549" cy="640080"/>
               </a:xfrm>
               <a:prstGeom prst="rect">
@@ -7739,7 +7816,7 @@
             </p:nvSpPr>
             <p:spPr>
               <a:xfrm>
-                <a:off x="3237346" y="4195251"/>
+                <a:off x="7616333" y="3806987"/>
                 <a:ext cx="1097280" cy="182880"/>
               </a:xfrm>
               <a:prstGeom prst="rightArrow">
@@ -7774,259 +7851,6 @@
               </a:p>
             </p:txBody>
           </p:sp>
-          <p:grpSp>
-            <p:nvGrpSpPr>
-              <p:cNvPr id="83" name="Group 82">
-                <a:extLst>
-                  <a:ext uri="{FF2B5EF4-FFF2-40B4-BE49-F238E27FC236}">
-                    <a16:creationId xmlns:a16="http://schemas.microsoft.com/office/drawing/2014/main" id="{3510B9D1-9F53-A24B-A540-AD9D084DB8C9}"/>
-                  </a:ext>
-                </a:extLst>
-              </p:cNvPr>
-              <p:cNvGrpSpPr/>
-              <p:nvPr/>
-            </p:nvGrpSpPr>
-            <p:grpSpPr>
-              <a:xfrm>
-                <a:off x="3600240" y="3818672"/>
-                <a:ext cx="365760" cy="295041"/>
-                <a:chOff x="7803055" y="2574583"/>
-                <a:chExt cx="365760" cy="295041"/>
-              </a:xfrm>
-            </p:grpSpPr>
-            <p:sp>
-              <p:nvSpPr>
-                <p:cNvPr id="85" name="Cube 84">
-                  <a:extLst>
-                    <a:ext uri="{FF2B5EF4-FFF2-40B4-BE49-F238E27FC236}">
-                      <a16:creationId xmlns:a16="http://schemas.microsoft.com/office/drawing/2014/main" id="{7010FD88-4AF0-3E46-8251-E380DAD48FEE}"/>
-                    </a:ext>
-                  </a:extLst>
-                </p:cNvPr>
-                <p:cNvSpPr>
-                  <a:spLocks noChangeAspect="1"/>
-                </p:cNvSpPr>
-                <p:nvPr/>
-              </p:nvSpPr>
-              <p:spPr>
-                <a:xfrm>
-                  <a:off x="7803055" y="2686744"/>
-                  <a:ext cx="182880" cy="182880"/>
-                </a:xfrm>
-                <a:prstGeom prst="cube">
-                  <a:avLst/>
-                </a:prstGeom>
-                <a:solidFill>
-                  <a:schemeClr val="accent4">
-                    <a:lumMod val="75000"/>
-                  </a:schemeClr>
-                </a:solidFill>
-                <a:ln>
-                  <a:solidFill>
-                    <a:schemeClr val="tx1"/>
-                  </a:solidFill>
-                </a:ln>
-              </p:spPr>
-              <p:style>
-                <a:lnRef idx="2">
-                  <a:schemeClr val="accent1">
-                    <a:shade val="50000"/>
-                  </a:schemeClr>
-                </a:lnRef>
-                <a:fillRef idx="1">
-                  <a:schemeClr val="accent1"/>
-                </a:fillRef>
-                <a:effectRef idx="0">
-                  <a:schemeClr val="accent1"/>
-                </a:effectRef>
-                <a:fontRef idx="minor">
-                  <a:schemeClr val="lt1"/>
-                </a:fontRef>
-              </p:style>
-              <p:txBody>
-                <a:bodyPr rtlCol="0" anchor="ctr"/>
-                <a:lstStyle/>
-                <a:p>
-                  <a:pPr algn="ctr"/>
-                  <a:endParaRPr lang="en-US"/>
-                </a:p>
-              </p:txBody>
-            </p:sp>
-            <p:sp>
-              <p:nvSpPr>
-                <p:cNvPr id="86" name="Cube 85">
-                  <a:extLst>
-                    <a:ext uri="{FF2B5EF4-FFF2-40B4-BE49-F238E27FC236}">
-                      <a16:creationId xmlns:a16="http://schemas.microsoft.com/office/drawing/2014/main" id="{77D5022A-46DA-6948-82BE-A3532944F9C9}"/>
-                    </a:ext>
-                  </a:extLst>
-                </p:cNvPr>
-                <p:cNvSpPr>
-                  <a:spLocks noChangeAspect="1"/>
-                </p:cNvSpPr>
-                <p:nvPr/>
-              </p:nvSpPr>
-              <p:spPr>
-                <a:xfrm>
-                  <a:off x="7985935" y="2686744"/>
-                  <a:ext cx="182880" cy="182880"/>
-                </a:xfrm>
-                <a:prstGeom prst="cube">
-                  <a:avLst/>
-                </a:prstGeom>
-                <a:solidFill>
-                  <a:schemeClr val="accent4">
-                    <a:lumMod val="75000"/>
-                  </a:schemeClr>
-                </a:solidFill>
-                <a:ln>
-                  <a:solidFill>
-                    <a:schemeClr val="tx1"/>
-                  </a:solidFill>
-                </a:ln>
-              </p:spPr>
-              <p:style>
-                <a:lnRef idx="2">
-                  <a:schemeClr val="accent1">
-                    <a:shade val="50000"/>
-                  </a:schemeClr>
-                </a:lnRef>
-                <a:fillRef idx="1">
-                  <a:schemeClr val="accent1"/>
-                </a:fillRef>
-                <a:effectRef idx="0">
-                  <a:schemeClr val="accent1"/>
-                </a:effectRef>
-                <a:fontRef idx="minor">
-                  <a:schemeClr val="lt1"/>
-                </a:fontRef>
-              </p:style>
-              <p:txBody>
-                <a:bodyPr rtlCol="0" anchor="ctr"/>
-                <a:lstStyle/>
-                <a:p>
-                  <a:pPr algn="ctr"/>
-                  <a:endParaRPr lang="en-US"/>
-                </a:p>
-              </p:txBody>
-            </p:sp>
-            <p:sp>
-              <p:nvSpPr>
-                <p:cNvPr id="87" name="Cube 86">
-                  <a:extLst>
-                    <a:ext uri="{FF2B5EF4-FFF2-40B4-BE49-F238E27FC236}">
-                      <a16:creationId xmlns:a16="http://schemas.microsoft.com/office/drawing/2014/main" id="{E7388A6A-0492-0640-81EB-2EC320FA9AEC}"/>
-                    </a:ext>
-                  </a:extLst>
-                </p:cNvPr>
-                <p:cNvSpPr>
-                  <a:spLocks noChangeAspect="1"/>
-                </p:cNvSpPr>
-                <p:nvPr/>
-              </p:nvSpPr>
-              <p:spPr>
-                <a:xfrm>
-                  <a:off x="7803055" y="2574583"/>
-                  <a:ext cx="182880" cy="182880"/>
-                </a:xfrm>
-                <a:prstGeom prst="cube">
-                  <a:avLst/>
-                </a:prstGeom>
-                <a:solidFill>
-                  <a:schemeClr val="accent4">
-                    <a:lumMod val="75000"/>
-                  </a:schemeClr>
-                </a:solidFill>
-                <a:ln>
-                  <a:solidFill>
-                    <a:schemeClr val="tx1"/>
-                  </a:solidFill>
-                </a:ln>
-              </p:spPr>
-              <p:style>
-                <a:lnRef idx="2">
-                  <a:schemeClr val="accent1">
-                    <a:shade val="50000"/>
-                  </a:schemeClr>
-                </a:lnRef>
-                <a:fillRef idx="1">
-                  <a:schemeClr val="accent1"/>
-                </a:fillRef>
-                <a:effectRef idx="0">
-                  <a:schemeClr val="accent1"/>
-                </a:effectRef>
-                <a:fontRef idx="minor">
-                  <a:schemeClr val="lt1"/>
-                </a:fontRef>
-              </p:style>
-              <p:txBody>
-                <a:bodyPr rtlCol="0" anchor="ctr"/>
-                <a:lstStyle/>
-                <a:p>
-                  <a:pPr algn="ctr"/>
-                  <a:endParaRPr lang="en-US"/>
-                </a:p>
-              </p:txBody>
-            </p:sp>
-            <p:sp>
-              <p:nvSpPr>
-                <p:cNvPr id="88" name="Cube 87">
-                  <a:extLst>
-                    <a:ext uri="{FF2B5EF4-FFF2-40B4-BE49-F238E27FC236}">
-                      <a16:creationId xmlns:a16="http://schemas.microsoft.com/office/drawing/2014/main" id="{67292A3F-3DEF-0D4B-85B0-29EFCB0D9B37}"/>
-                    </a:ext>
-                  </a:extLst>
-                </p:cNvPr>
-                <p:cNvSpPr>
-                  <a:spLocks noChangeAspect="1"/>
-                </p:cNvSpPr>
-                <p:nvPr/>
-              </p:nvSpPr>
-              <p:spPr>
-                <a:xfrm>
-                  <a:off x="7985935" y="2574583"/>
-                  <a:ext cx="182880" cy="182880"/>
-                </a:xfrm>
-                <a:prstGeom prst="cube">
-                  <a:avLst/>
-                </a:prstGeom>
-                <a:solidFill>
-                  <a:schemeClr val="accent4">
-                    <a:lumMod val="75000"/>
-                  </a:schemeClr>
-                </a:solidFill>
-                <a:ln>
-                  <a:solidFill>
-                    <a:schemeClr val="tx1"/>
-                  </a:solidFill>
-                </a:ln>
-              </p:spPr>
-              <p:style>
-                <a:lnRef idx="2">
-                  <a:schemeClr val="accent1">
-                    <a:shade val="50000"/>
-                  </a:schemeClr>
-                </a:lnRef>
-                <a:fillRef idx="1">
-                  <a:schemeClr val="accent1"/>
-                </a:fillRef>
-                <a:effectRef idx="0">
-                  <a:schemeClr val="accent1"/>
-                </a:effectRef>
-                <a:fontRef idx="minor">
-                  <a:schemeClr val="lt1"/>
-                </a:fontRef>
-              </p:style>
-              <p:txBody>
-                <a:bodyPr rtlCol="0" anchor="ctr"/>
-                <a:lstStyle/>
-                <a:p>
-                  <a:pPr algn="ctr"/>
-                  <a:endParaRPr lang="en-US"/>
-                </a:p>
-              </p:txBody>
-            </p:sp>
-          </p:grpSp>
           <p:sp>
             <p:nvSpPr>
               <p:cNvPr id="84" name="TextBox 83">
@@ -8041,7 +7865,7 @@
             </p:nvSpPr>
             <p:spPr>
               <a:xfrm>
-                <a:off x="3280226" y="4387164"/>
+                <a:off x="7659213" y="3998900"/>
                 <a:ext cx="1005788" cy="369332"/>
               </a:xfrm>
               <a:prstGeom prst="rect">
@@ -8062,13 +7886,69 @@
               </a:p>
             </p:txBody>
           </p:sp>
+          <p:sp>
+            <p:nvSpPr>
+              <p:cNvPr id="72" name="TextBox 71">
+                <a:extLst>
+                  <a:ext uri="{FF2B5EF4-FFF2-40B4-BE49-F238E27FC236}">
+                    <a16:creationId xmlns:a16="http://schemas.microsoft.com/office/drawing/2014/main" id="{01D02C35-7E7A-A740-B48E-B22DA8EA90FF}"/>
+                  </a:ext>
+                </a:extLst>
+              </p:cNvPr>
+              <p:cNvSpPr txBox="1"/>
+              <p:nvPr/>
+            </p:nvSpPr>
+            <p:spPr>
+              <a:xfrm>
+                <a:off x="7897451" y="3398735"/>
+                <a:ext cx="529312" cy="461665"/>
+              </a:xfrm>
+              <a:prstGeom prst="rect">
+                <a:avLst/>
+              </a:prstGeom>
+              <a:noFill/>
+            </p:spPr>
+            <p:txBody>
+              <a:bodyPr wrap="none" rtlCol="0">
+                <a:spAutoFit/>
+              </a:bodyPr>
+              <a:lstStyle/>
+              <a:p>
+                <a:r>
+                  <a:rPr lang="en-US" sz="2400" dirty="0"/>
+                  <a:t>SO</a:t>
+                </a:r>
+              </a:p>
+            </p:txBody>
+          </p:sp>
         </p:grpSp>
+      </p:grpSp>
+      <p:grpSp>
+        <p:nvGrpSpPr>
+          <p:cNvPr id="42" name="Group 41">
+            <a:extLst>
+              <a:ext uri="{FF2B5EF4-FFF2-40B4-BE49-F238E27FC236}">
+                <a16:creationId xmlns:a16="http://schemas.microsoft.com/office/drawing/2014/main" id="{F902C161-489C-8740-8B55-695F5D27EB40}"/>
+              </a:ext>
+            </a:extLst>
+          </p:cNvPr>
+          <p:cNvGrpSpPr/>
+          <p:nvPr/>
+        </p:nvGrpSpPr>
+        <p:grpSpPr>
+          <a:xfrm>
+            <a:off x="7001904" y="5051872"/>
+            <a:ext cx="4595063" cy="959365"/>
+            <a:chOff x="7001904" y="5051872"/>
+            <a:chExt cx="4595063" cy="959365"/>
+          </a:xfrm>
+        </p:grpSpPr>
         <p:sp>
           <p:nvSpPr>
-            <p:cNvPr id="80" name="TextBox 79">
-              <a:extLst>
-                <a:ext uri="{FF2B5EF4-FFF2-40B4-BE49-F238E27FC236}">
-                  <a16:creationId xmlns:a16="http://schemas.microsoft.com/office/drawing/2014/main" id="{3892EE46-1E5F-A24B-9160-8EEB5DB181DF}"/>
+            <p:cNvPr id="91" name="TextBox 90">
+              <a:extLst>
+                <a:ext uri="{FF2B5EF4-FFF2-40B4-BE49-F238E27FC236}">
+                  <a16:creationId xmlns:a16="http://schemas.microsoft.com/office/drawing/2014/main" id="{26EB6D5A-D251-B748-AFD7-08C568DD5950}"/>
                 </a:ext>
               </a:extLst>
             </p:cNvPr>
@@ -8077,7 +7957,7 @@
           </p:nvSpPr>
           <p:spPr>
             <a:xfrm>
-              <a:off x="9068147" y="3933641"/>
+              <a:off x="8822553" y="5206332"/>
               <a:ext cx="2774414" cy="707886"/>
             </a:xfrm>
             <a:prstGeom prst="rect">
@@ -8112,33 +7992,12 @@
             </a:p>
           </p:txBody>
         </p:sp>
-      </p:grpSp>
-      <p:grpSp>
-        <p:nvGrpSpPr>
-          <p:cNvPr id="37" name="Group 36">
-            <a:extLst>
-              <a:ext uri="{FF2B5EF4-FFF2-40B4-BE49-F238E27FC236}">
-                <a16:creationId xmlns:a16="http://schemas.microsoft.com/office/drawing/2014/main" id="{1982E450-07AA-6245-9580-CFB72D26B80A}"/>
-              </a:ext>
-            </a:extLst>
-          </p:cNvPr>
-          <p:cNvGrpSpPr/>
-          <p:nvPr/>
-        </p:nvGrpSpPr>
-        <p:grpSpPr>
-          <a:xfrm>
-            <a:off x="7001904" y="5109313"/>
-            <a:ext cx="4595063" cy="901924"/>
-            <a:chOff x="7247498" y="5458831"/>
-            <a:chExt cx="4595063" cy="901924"/>
-          </a:xfrm>
-        </p:grpSpPr>
         <p:grpSp>
           <p:nvGrpSpPr>
-            <p:cNvPr id="90" name="Group 89">
-              <a:extLst>
-                <a:ext uri="{FF2B5EF4-FFF2-40B4-BE49-F238E27FC236}">
-                  <a16:creationId xmlns:a16="http://schemas.microsoft.com/office/drawing/2014/main" id="{AFBB365A-6E86-F34B-BB35-45237E0013F7}"/>
+            <p:cNvPr id="41" name="Group 40">
+              <a:extLst>
+                <a:ext uri="{FF2B5EF4-FFF2-40B4-BE49-F238E27FC236}">
+                  <a16:creationId xmlns:a16="http://schemas.microsoft.com/office/drawing/2014/main" id="{80B11753-B1E7-BE4E-812D-C304C9B489F8}"/>
                 </a:ext>
               </a:extLst>
             </p:cNvPr>
@@ -8147,10 +8006,10 @@
           </p:nvGrpSpPr>
           <p:grpSpPr>
             <a:xfrm>
-              <a:off x="7247498" y="5458831"/>
-              <a:ext cx="1711709" cy="901924"/>
-              <a:chOff x="2622917" y="5458831"/>
-              <a:chExt cx="1711709" cy="901924"/>
+              <a:off x="7001904" y="5051872"/>
+              <a:ext cx="1711709" cy="959365"/>
+              <a:chOff x="7001904" y="5051872"/>
+              <a:chExt cx="1711709" cy="959365"/>
             </a:xfrm>
           </p:grpSpPr>
           <p:pic>
@@ -8174,7 +8033,7 @@
             </p:blipFill>
             <p:spPr>
               <a:xfrm>
-                <a:off x="2622917" y="5488503"/>
+                <a:off x="7001904" y="5138985"/>
                 <a:ext cx="431549" cy="640080"/>
               </a:xfrm>
               <a:prstGeom prst="rect">
@@ -8196,7 +8055,7 @@
             </p:nvSpPr>
             <p:spPr>
               <a:xfrm>
-                <a:off x="3237346" y="5808543"/>
+                <a:off x="7616333" y="5459025"/>
                 <a:ext cx="1097280" cy="182880"/>
               </a:xfrm>
               <a:prstGeom prst="rightArrow">
@@ -8231,491 +8090,6 @@
               </a:p>
             </p:txBody>
           </p:sp>
-          <p:grpSp>
-            <p:nvGrpSpPr>
-              <p:cNvPr id="94" name="Group 93">
-                <a:extLst>
-                  <a:ext uri="{FF2B5EF4-FFF2-40B4-BE49-F238E27FC236}">
-                    <a16:creationId xmlns:a16="http://schemas.microsoft.com/office/drawing/2014/main" id="{3A14C0BB-05F6-1B46-A176-8CA344EB6A12}"/>
-                  </a:ext>
-                </a:extLst>
-              </p:cNvPr>
-              <p:cNvGrpSpPr/>
-              <p:nvPr/>
-            </p:nvGrpSpPr>
-            <p:grpSpPr>
-              <a:xfrm>
-                <a:off x="3420226" y="5458831"/>
-                <a:ext cx="731520" cy="295041"/>
-                <a:chOff x="9699621" y="3380438"/>
-                <a:chExt cx="731520" cy="295041"/>
-              </a:xfrm>
-            </p:grpSpPr>
-            <p:sp>
-              <p:nvSpPr>
-                <p:cNvPr id="96" name="Cube 95">
-                  <a:extLst>
-                    <a:ext uri="{FF2B5EF4-FFF2-40B4-BE49-F238E27FC236}">
-                      <a16:creationId xmlns:a16="http://schemas.microsoft.com/office/drawing/2014/main" id="{E79B10BC-A7B8-824D-A548-3A46FB6C19EB}"/>
-                    </a:ext>
-                  </a:extLst>
-                </p:cNvPr>
-                <p:cNvSpPr>
-                  <a:spLocks noChangeAspect="1"/>
-                </p:cNvSpPr>
-                <p:nvPr/>
-              </p:nvSpPr>
-              <p:spPr>
-                <a:xfrm>
-                  <a:off x="9882501" y="3492599"/>
-                  <a:ext cx="182880" cy="182880"/>
-                </a:xfrm>
-                <a:prstGeom prst="cube">
-                  <a:avLst/>
-                </a:prstGeom>
-                <a:solidFill>
-                  <a:schemeClr val="accent4">
-                    <a:lumMod val="75000"/>
-                  </a:schemeClr>
-                </a:solidFill>
-                <a:ln>
-                  <a:solidFill>
-                    <a:schemeClr val="tx1"/>
-                  </a:solidFill>
-                </a:ln>
-              </p:spPr>
-              <p:style>
-                <a:lnRef idx="2">
-                  <a:schemeClr val="accent1">
-                    <a:shade val="50000"/>
-                  </a:schemeClr>
-                </a:lnRef>
-                <a:fillRef idx="1">
-                  <a:schemeClr val="accent1"/>
-                </a:fillRef>
-                <a:effectRef idx="0">
-                  <a:schemeClr val="accent1"/>
-                </a:effectRef>
-                <a:fontRef idx="minor">
-                  <a:schemeClr val="lt1"/>
-                </a:fontRef>
-              </p:style>
-              <p:txBody>
-                <a:bodyPr rtlCol="0" anchor="ctr"/>
-                <a:lstStyle/>
-                <a:p>
-                  <a:pPr algn="ctr"/>
-                  <a:endParaRPr lang="en-US"/>
-                </a:p>
-              </p:txBody>
-            </p:sp>
-            <p:sp>
-              <p:nvSpPr>
-                <p:cNvPr id="97" name="Cube 96">
-                  <a:extLst>
-                    <a:ext uri="{FF2B5EF4-FFF2-40B4-BE49-F238E27FC236}">
-                      <a16:creationId xmlns:a16="http://schemas.microsoft.com/office/drawing/2014/main" id="{0B8E55B6-8C4B-6B48-B8DD-8A70E26EC24F}"/>
-                    </a:ext>
-                  </a:extLst>
-                </p:cNvPr>
-                <p:cNvSpPr>
-                  <a:spLocks noChangeAspect="1"/>
-                </p:cNvSpPr>
-                <p:nvPr/>
-              </p:nvSpPr>
-              <p:spPr>
-                <a:xfrm>
-                  <a:off x="10065381" y="3492599"/>
-                  <a:ext cx="182880" cy="182880"/>
-                </a:xfrm>
-                <a:prstGeom prst="cube">
-                  <a:avLst/>
-                </a:prstGeom>
-                <a:solidFill>
-                  <a:schemeClr val="accent4">
-                    <a:lumMod val="75000"/>
-                  </a:schemeClr>
-                </a:solidFill>
-                <a:ln>
-                  <a:solidFill>
-                    <a:schemeClr val="tx1"/>
-                  </a:solidFill>
-                </a:ln>
-              </p:spPr>
-              <p:style>
-                <a:lnRef idx="2">
-                  <a:schemeClr val="accent1">
-                    <a:shade val="50000"/>
-                  </a:schemeClr>
-                </a:lnRef>
-                <a:fillRef idx="1">
-                  <a:schemeClr val="accent1"/>
-                </a:fillRef>
-                <a:effectRef idx="0">
-                  <a:schemeClr val="accent1"/>
-                </a:effectRef>
-                <a:fontRef idx="minor">
-                  <a:schemeClr val="lt1"/>
-                </a:fontRef>
-              </p:style>
-              <p:txBody>
-                <a:bodyPr rtlCol="0" anchor="ctr"/>
-                <a:lstStyle/>
-                <a:p>
-                  <a:pPr algn="ctr"/>
-                  <a:endParaRPr lang="en-US"/>
-                </a:p>
-              </p:txBody>
-            </p:sp>
-            <p:sp>
-              <p:nvSpPr>
-                <p:cNvPr id="98" name="Cube 97">
-                  <a:extLst>
-                    <a:ext uri="{FF2B5EF4-FFF2-40B4-BE49-F238E27FC236}">
-                      <a16:creationId xmlns:a16="http://schemas.microsoft.com/office/drawing/2014/main" id="{4EEE438B-F098-8B49-A01C-FF8A5268C44E}"/>
-                    </a:ext>
-                  </a:extLst>
-                </p:cNvPr>
-                <p:cNvSpPr>
-                  <a:spLocks noChangeAspect="1"/>
-                </p:cNvSpPr>
-                <p:nvPr/>
-              </p:nvSpPr>
-              <p:spPr>
-                <a:xfrm>
-                  <a:off x="9882501" y="3380438"/>
-                  <a:ext cx="182880" cy="182880"/>
-                </a:xfrm>
-                <a:prstGeom prst="cube">
-                  <a:avLst/>
-                </a:prstGeom>
-                <a:solidFill>
-                  <a:schemeClr val="accent4">
-                    <a:lumMod val="75000"/>
-                  </a:schemeClr>
-                </a:solidFill>
-                <a:ln>
-                  <a:solidFill>
-                    <a:schemeClr val="tx1"/>
-                  </a:solidFill>
-                </a:ln>
-              </p:spPr>
-              <p:style>
-                <a:lnRef idx="2">
-                  <a:schemeClr val="accent1">
-                    <a:shade val="50000"/>
-                  </a:schemeClr>
-                </a:lnRef>
-                <a:fillRef idx="1">
-                  <a:schemeClr val="accent1"/>
-                </a:fillRef>
-                <a:effectRef idx="0">
-                  <a:schemeClr val="accent1"/>
-                </a:effectRef>
-                <a:fontRef idx="minor">
-                  <a:schemeClr val="lt1"/>
-                </a:fontRef>
-              </p:style>
-              <p:txBody>
-                <a:bodyPr rtlCol="0" anchor="ctr"/>
-                <a:lstStyle/>
-                <a:p>
-                  <a:pPr algn="ctr"/>
-                  <a:endParaRPr lang="en-US"/>
-                </a:p>
-              </p:txBody>
-            </p:sp>
-            <p:sp>
-              <p:nvSpPr>
-                <p:cNvPr id="99" name="Cube 98">
-                  <a:extLst>
-                    <a:ext uri="{FF2B5EF4-FFF2-40B4-BE49-F238E27FC236}">
-                      <a16:creationId xmlns:a16="http://schemas.microsoft.com/office/drawing/2014/main" id="{B33CF4CD-E23B-EF44-A534-4DFE62C235CC}"/>
-                    </a:ext>
-                  </a:extLst>
-                </p:cNvPr>
-                <p:cNvSpPr>
-                  <a:spLocks noChangeAspect="1"/>
-                </p:cNvSpPr>
-                <p:nvPr/>
-              </p:nvSpPr>
-              <p:spPr>
-                <a:xfrm>
-                  <a:off x="10065381" y="3380438"/>
-                  <a:ext cx="182880" cy="182880"/>
-                </a:xfrm>
-                <a:prstGeom prst="cube">
-                  <a:avLst/>
-                </a:prstGeom>
-                <a:solidFill>
-                  <a:schemeClr val="accent4">
-                    <a:lumMod val="75000"/>
-                  </a:schemeClr>
-                </a:solidFill>
-                <a:ln>
-                  <a:solidFill>
-                    <a:schemeClr val="tx1"/>
-                  </a:solidFill>
-                </a:ln>
-              </p:spPr>
-              <p:style>
-                <a:lnRef idx="2">
-                  <a:schemeClr val="accent1">
-                    <a:shade val="50000"/>
-                  </a:schemeClr>
-                </a:lnRef>
-                <a:fillRef idx="1">
-                  <a:schemeClr val="accent1"/>
-                </a:fillRef>
-                <a:effectRef idx="0">
-                  <a:schemeClr val="accent1"/>
-                </a:effectRef>
-                <a:fontRef idx="minor">
-                  <a:schemeClr val="lt1"/>
-                </a:fontRef>
-              </p:style>
-              <p:txBody>
-                <a:bodyPr rtlCol="0" anchor="ctr"/>
-                <a:lstStyle/>
-                <a:p>
-                  <a:pPr algn="ctr"/>
-                  <a:endParaRPr lang="en-US"/>
-                </a:p>
-              </p:txBody>
-            </p:sp>
-            <p:sp>
-              <p:nvSpPr>
-                <p:cNvPr id="100" name="Cube 99">
-                  <a:extLst>
-                    <a:ext uri="{FF2B5EF4-FFF2-40B4-BE49-F238E27FC236}">
-                      <a16:creationId xmlns:a16="http://schemas.microsoft.com/office/drawing/2014/main" id="{78F887A8-AF74-C74B-87BF-7E990393FEAF}"/>
-                    </a:ext>
-                  </a:extLst>
-                </p:cNvPr>
-                <p:cNvSpPr>
-                  <a:spLocks noChangeAspect="1"/>
-                </p:cNvSpPr>
-                <p:nvPr/>
-              </p:nvSpPr>
-              <p:spPr>
-                <a:xfrm>
-                  <a:off x="10248261" y="3492599"/>
-                  <a:ext cx="182880" cy="182880"/>
-                </a:xfrm>
-                <a:prstGeom prst="cube">
-                  <a:avLst/>
-                </a:prstGeom>
-                <a:solidFill>
-                  <a:schemeClr val="accent4">
-                    <a:lumMod val="75000"/>
-                  </a:schemeClr>
-                </a:solidFill>
-                <a:ln>
-                  <a:solidFill>
-                    <a:schemeClr val="tx1"/>
-                  </a:solidFill>
-                </a:ln>
-              </p:spPr>
-              <p:style>
-                <a:lnRef idx="2">
-                  <a:schemeClr val="accent1">
-                    <a:shade val="50000"/>
-                  </a:schemeClr>
-                </a:lnRef>
-                <a:fillRef idx="1">
-                  <a:schemeClr val="accent1"/>
-                </a:fillRef>
-                <a:effectRef idx="0">
-                  <a:schemeClr val="accent1"/>
-                </a:effectRef>
-                <a:fontRef idx="minor">
-                  <a:schemeClr val="lt1"/>
-                </a:fontRef>
-              </p:style>
-              <p:txBody>
-                <a:bodyPr rtlCol="0" anchor="ctr"/>
-                <a:lstStyle/>
-                <a:p>
-                  <a:pPr algn="ctr"/>
-                  <a:endParaRPr lang="en-US"/>
-                </a:p>
-              </p:txBody>
-            </p:sp>
-            <p:sp>
-              <p:nvSpPr>
-                <p:cNvPr id="101" name="Cube 100">
-                  <a:extLst>
-                    <a:ext uri="{FF2B5EF4-FFF2-40B4-BE49-F238E27FC236}">
-                      <a16:creationId xmlns:a16="http://schemas.microsoft.com/office/drawing/2014/main" id="{208EEB1F-4E8F-CC42-A3BD-F3A72FC3CD30}"/>
-                    </a:ext>
-                  </a:extLst>
-                </p:cNvPr>
-                <p:cNvSpPr>
-                  <a:spLocks noChangeAspect="1"/>
-                </p:cNvSpPr>
-                <p:nvPr/>
-              </p:nvSpPr>
-              <p:spPr>
-                <a:xfrm>
-                  <a:off x="10248261" y="3380438"/>
-                  <a:ext cx="182880" cy="182880"/>
-                </a:xfrm>
-                <a:prstGeom prst="cube">
-                  <a:avLst/>
-                </a:prstGeom>
-                <a:solidFill>
-                  <a:schemeClr val="accent4">
-                    <a:lumMod val="75000"/>
-                  </a:schemeClr>
-                </a:solidFill>
-                <a:ln>
-                  <a:solidFill>
-                    <a:schemeClr val="tx1"/>
-                  </a:solidFill>
-                </a:ln>
-              </p:spPr>
-              <p:style>
-                <a:lnRef idx="2">
-                  <a:schemeClr val="accent1">
-                    <a:shade val="50000"/>
-                  </a:schemeClr>
-                </a:lnRef>
-                <a:fillRef idx="1">
-                  <a:schemeClr val="accent1"/>
-                </a:fillRef>
-                <a:effectRef idx="0">
-                  <a:schemeClr val="accent1"/>
-                </a:effectRef>
-                <a:fontRef idx="minor">
-                  <a:schemeClr val="lt1"/>
-                </a:fontRef>
-              </p:style>
-              <p:txBody>
-                <a:bodyPr rtlCol="0" anchor="ctr"/>
-                <a:lstStyle/>
-                <a:p>
-                  <a:pPr algn="ctr"/>
-                  <a:endParaRPr lang="en-US"/>
-                </a:p>
-              </p:txBody>
-            </p:sp>
-            <p:sp>
-              <p:nvSpPr>
-                <p:cNvPr id="102" name="Cube 101">
-                  <a:extLst>
-                    <a:ext uri="{FF2B5EF4-FFF2-40B4-BE49-F238E27FC236}">
-                      <a16:creationId xmlns:a16="http://schemas.microsoft.com/office/drawing/2014/main" id="{8B95C315-AB55-A249-B7AB-462B7E999ABB}"/>
-                    </a:ext>
-                  </a:extLst>
-                </p:cNvPr>
-                <p:cNvSpPr>
-                  <a:spLocks noChangeAspect="1"/>
-                </p:cNvSpPr>
-                <p:nvPr/>
-              </p:nvSpPr>
-              <p:spPr>
-                <a:xfrm>
-                  <a:off x="9699621" y="3492599"/>
-                  <a:ext cx="182880" cy="182880"/>
-                </a:xfrm>
-                <a:prstGeom prst="cube">
-                  <a:avLst/>
-                </a:prstGeom>
-                <a:solidFill>
-                  <a:schemeClr val="accent4">
-                    <a:lumMod val="75000"/>
-                  </a:schemeClr>
-                </a:solidFill>
-                <a:ln>
-                  <a:solidFill>
-                    <a:schemeClr val="tx1"/>
-                  </a:solidFill>
-                </a:ln>
-              </p:spPr>
-              <p:style>
-                <a:lnRef idx="2">
-                  <a:schemeClr val="accent1">
-                    <a:shade val="50000"/>
-                  </a:schemeClr>
-                </a:lnRef>
-                <a:fillRef idx="1">
-                  <a:schemeClr val="accent1"/>
-                </a:fillRef>
-                <a:effectRef idx="0">
-                  <a:schemeClr val="accent1"/>
-                </a:effectRef>
-                <a:fontRef idx="minor">
-                  <a:schemeClr val="lt1"/>
-                </a:fontRef>
-              </p:style>
-              <p:txBody>
-                <a:bodyPr rtlCol="0" anchor="ctr"/>
-                <a:lstStyle/>
-                <a:p>
-                  <a:pPr algn="ctr"/>
-                  <a:endParaRPr lang="en-US"/>
-                </a:p>
-              </p:txBody>
-            </p:sp>
-            <p:sp>
-              <p:nvSpPr>
-                <p:cNvPr id="103" name="Cube 102">
-                  <a:extLst>
-                    <a:ext uri="{FF2B5EF4-FFF2-40B4-BE49-F238E27FC236}">
-                      <a16:creationId xmlns:a16="http://schemas.microsoft.com/office/drawing/2014/main" id="{C0A9BD37-3305-8241-94BA-0F87181BE70A}"/>
-                    </a:ext>
-                  </a:extLst>
-                </p:cNvPr>
-                <p:cNvSpPr>
-                  <a:spLocks noChangeAspect="1"/>
-                </p:cNvSpPr>
-                <p:nvPr/>
-              </p:nvSpPr>
-              <p:spPr>
-                <a:xfrm>
-                  <a:off x="9699621" y="3380438"/>
-                  <a:ext cx="182880" cy="182880"/>
-                </a:xfrm>
-                <a:prstGeom prst="cube">
-                  <a:avLst/>
-                </a:prstGeom>
-                <a:solidFill>
-                  <a:schemeClr val="accent4">
-                    <a:lumMod val="75000"/>
-                  </a:schemeClr>
-                </a:solidFill>
-                <a:ln>
-                  <a:solidFill>
-                    <a:schemeClr val="tx1"/>
-                  </a:solidFill>
-                </a:ln>
-              </p:spPr>
-              <p:style>
-                <a:lnRef idx="2">
-                  <a:schemeClr val="accent1">
-                    <a:shade val="50000"/>
-                  </a:schemeClr>
-                </a:lnRef>
-                <a:fillRef idx="1">
-                  <a:schemeClr val="accent1"/>
-                </a:fillRef>
-                <a:effectRef idx="0">
-                  <a:schemeClr val="accent1"/>
-                </a:effectRef>
-                <a:fontRef idx="minor">
-                  <a:schemeClr val="lt1"/>
-                </a:fontRef>
-              </p:style>
-              <p:txBody>
-                <a:bodyPr rtlCol="0" anchor="ctr"/>
-                <a:lstStyle/>
-                <a:p>
-                  <a:pPr algn="ctr"/>
-                  <a:endParaRPr lang="en-US"/>
-                </a:p>
-              </p:txBody>
-            </p:sp>
-          </p:grpSp>
           <p:sp>
             <p:nvSpPr>
               <p:cNvPr id="95" name="TextBox 94">
@@ -8730,7 +8104,7 @@
             </p:nvSpPr>
             <p:spPr>
               <a:xfrm>
-                <a:off x="3280226" y="5991423"/>
+                <a:off x="7659213" y="5641905"/>
                 <a:ext cx="1005788" cy="369332"/>
               </a:xfrm>
               <a:prstGeom prst="rect">
@@ -8751,56 +8125,42 @@
               </a:p>
             </p:txBody>
           </p:sp>
+          <p:sp>
+            <p:nvSpPr>
+              <p:cNvPr id="78" name="TextBox 77">
+                <a:extLst>
+                  <a:ext uri="{FF2B5EF4-FFF2-40B4-BE49-F238E27FC236}">
+                    <a16:creationId xmlns:a16="http://schemas.microsoft.com/office/drawing/2014/main" id="{BF717EF4-AD8F-1E4E-B068-E52CA5C8C6FF}"/>
+                  </a:ext>
+                </a:extLst>
+              </p:cNvPr>
+              <p:cNvSpPr txBox="1"/>
+              <p:nvPr/>
+            </p:nvSpPr>
+            <p:spPr>
+              <a:xfrm>
+                <a:off x="7873406" y="5051872"/>
+                <a:ext cx="577402" cy="461665"/>
+              </a:xfrm>
+              <a:prstGeom prst="rect">
+                <a:avLst/>
+              </a:prstGeom>
+              <a:noFill/>
+            </p:spPr>
+            <p:txBody>
+              <a:bodyPr wrap="none" rtlCol="0">
+                <a:spAutoFit/>
+              </a:bodyPr>
+              <a:lstStyle/>
+              <a:p>
+                <a:r>
+                  <a:rPr lang="en-US" sz="2400" dirty="0"/>
+                  <a:t>DO</a:t>
+                </a:r>
+              </a:p>
+            </p:txBody>
+          </p:sp>
         </p:grpSp>
-        <p:sp>
-          <p:nvSpPr>
-            <p:cNvPr id="91" name="TextBox 90">
-              <a:extLst>
-                <a:ext uri="{FF2B5EF4-FFF2-40B4-BE49-F238E27FC236}">
-                  <a16:creationId xmlns:a16="http://schemas.microsoft.com/office/drawing/2014/main" id="{26EB6D5A-D251-B748-AFD7-08C568DD5950}"/>
-                </a:ext>
-              </a:extLst>
-            </p:cNvPr>
-            <p:cNvSpPr txBox="1"/>
-            <p:nvPr/>
-          </p:nvSpPr>
-          <p:spPr>
-            <a:xfrm>
-              <a:off x="9068147" y="5555850"/>
-              <a:ext cx="2774414" cy="707886"/>
-            </a:xfrm>
-            <a:prstGeom prst="rect">
-              <a:avLst/>
-            </a:prstGeom>
-            <a:noFill/>
-          </p:spPr>
-          <p:txBody>
-            <a:bodyPr wrap="none" rtlCol="0">
-              <a:spAutoFit/>
-            </a:bodyPr>
-            <a:lstStyle/>
-            <a:p>
-              <a:r>
-                <a:rPr lang="en-US" sz="2000" dirty="0"/>
-                <a:t>No collision at low speed</a:t>
-              </a:r>
-            </a:p>
-            <a:p>
-              <a:r>
-                <a:rPr lang="en-US" sz="2000" dirty="0"/>
-                <a:t>(Expected collision = </a:t>
-              </a:r>
-              <a:r>
-                <a:rPr lang="en-US" sz="2000" b="1" dirty="0"/>
-                <a:t>0.0</a:t>
-              </a:r>
-              <a:r>
-                <a:rPr lang="en-US" sz="2000" dirty="0"/>
-                <a:t>)</a:t>
-              </a:r>
-            </a:p>
-          </p:txBody>
-        </p:sp>
       </p:grpSp>
     </p:spTree>
     <p:extLst>

--- a/XPlanningEvaluation/data/instruction/instruction.pptx
+++ b/XPlanningEvaluation/data/instruction/instruction.pptx
@@ -15326,7 +15326,7 @@
             <a:prstGeom prst="line">
               <a:avLst/>
             </a:prstGeom>
-            <a:ln w="76200">
+            <a:ln w="114300">
               <a:solidFill>
                 <a:schemeClr val="accent1">
                   <a:lumMod val="75000"/>
@@ -15373,7 +15373,7 @@
             <a:prstGeom prst="line">
               <a:avLst/>
             </a:prstGeom>
-            <a:ln w="76200">
+            <a:ln w="114300">
               <a:solidFill>
                 <a:schemeClr val="accent1">
                   <a:lumMod val="75000"/>
@@ -15420,7 +15420,7 @@
             <a:prstGeom prst="line">
               <a:avLst/>
             </a:prstGeom>
-            <a:ln w="76200">
+            <a:ln w="114300">
               <a:solidFill>
                 <a:schemeClr val="accent1">
                   <a:lumMod val="75000"/>
@@ -15467,7 +15467,7 @@
             <a:prstGeom prst="line">
               <a:avLst/>
             </a:prstGeom>
-            <a:ln w="76200">
+            <a:ln w="114300">
               <a:solidFill>
                 <a:schemeClr val="accent1">
                   <a:lumMod val="75000"/>
@@ -16493,7 +16493,7 @@
             <a:prstGeom prst="line">
               <a:avLst/>
             </a:prstGeom>
-            <a:ln w="76200">
+            <a:ln w="114300">
               <a:solidFill>
                 <a:schemeClr val="accent1">
                   <a:lumMod val="75000"/>
@@ -19202,7 +19202,7 @@
             <a:prstGeom prst="line">
               <a:avLst/>
             </a:prstGeom>
-            <a:ln w="76200">
+            <a:ln w="114300">
               <a:solidFill>
                 <a:schemeClr val="accent1">
                   <a:lumMod val="75000"/>
@@ -19383,7 +19383,7 @@
             <a:prstGeom prst="line">
               <a:avLst/>
             </a:prstGeom>
-            <a:ln w="76200">
+            <a:ln w="114300">
               <a:solidFill>
                 <a:schemeClr val="accent1">
                   <a:lumMod val="75000"/>
@@ -19475,7 +19475,7 @@
             <a:prstGeom prst="line">
               <a:avLst/>
             </a:prstGeom>
-            <a:ln w="76200">
+            <a:ln w="114300">
               <a:solidFill>
                 <a:schemeClr val="accent1">
                   <a:lumMod val="75000"/>
@@ -19522,7 +19522,7 @@
             <a:prstGeom prst="line">
               <a:avLst/>
             </a:prstGeom>
-            <a:ln w="76200">
+            <a:ln w="114300">
               <a:solidFill>
                 <a:srgbClr val="00B0F0"/>
               </a:solidFill>
@@ -19567,7 +19567,7 @@
             <a:prstGeom prst="line">
               <a:avLst/>
             </a:prstGeom>
-            <a:ln w="76200">
+            <a:ln w="114300">
               <a:solidFill>
                 <a:schemeClr val="accent1">
                   <a:lumMod val="75000"/>
@@ -19613,7 +19613,7 @@
             <a:prstGeom prst="line">
               <a:avLst/>
             </a:prstGeom>
-            <a:ln w="76200">
+            <a:ln w="114300">
               <a:solidFill>
                 <a:schemeClr val="accent1">
                   <a:lumMod val="75000"/>
@@ -20371,7 +20371,7 @@
             <a:prstGeom prst="line">
               <a:avLst/>
             </a:prstGeom>
-            <a:ln w="76200">
+            <a:ln w="114300">
               <a:solidFill>
                 <a:schemeClr val="accent1">
                   <a:lumMod val="75000"/>

--- a/XPlanningEvaluation/data/instruction/instruction.pptx
+++ b/XPlanningEvaluation/data/instruction/instruction.pptx
@@ -277,7 +277,7 @@
           <a:p>
             <a:fld id="{3D5FB918-36D9-FF42-B3AA-21D6BEE0D123}" type="datetimeFigureOut">
               <a:rPr lang="en-US" smtClean="0"/>
-              <a:t>8/22/19</a:t>
+              <a:t>9/9/19</a:t>
             </a:fld>
             <a:endParaRPr lang="en-US"/>
           </a:p>
@@ -475,7 +475,7 @@
           <a:p>
             <a:fld id="{3D5FB918-36D9-FF42-B3AA-21D6BEE0D123}" type="datetimeFigureOut">
               <a:rPr lang="en-US" smtClean="0"/>
-              <a:t>8/22/19</a:t>
+              <a:t>9/9/19</a:t>
             </a:fld>
             <a:endParaRPr lang="en-US"/>
           </a:p>
@@ -683,7 +683,7 @@
           <a:p>
             <a:fld id="{3D5FB918-36D9-FF42-B3AA-21D6BEE0D123}" type="datetimeFigureOut">
               <a:rPr lang="en-US" smtClean="0"/>
-              <a:t>8/22/19</a:t>
+              <a:t>9/9/19</a:t>
             </a:fld>
             <a:endParaRPr lang="en-US"/>
           </a:p>
@@ -881,7 +881,7 @@
           <a:p>
             <a:fld id="{3D5FB918-36D9-FF42-B3AA-21D6BEE0D123}" type="datetimeFigureOut">
               <a:rPr lang="en-US" smtClean="0"/>
-              <a:t>8/22/19</a:t>
+              <a:t>9/9/19</a:t>
             </a:fld>
             <a:endParaRPr lang="en-US"/>
           </a:p>
@@ -1156,7 +1156,7 @@
           <a:p>
             <a:fld id="{3D5FB918-36D9-FF42-B3AA-21D6BEE0D123}" type="datetimeFigureOut">
               <a:rPr lang="en-US" smtClean="0"/>
-              <a:t>8/22/19</a:t>
+              <a:t>9/9/19</a:t>
             </a:fld>
             <a:endParaRPr lang="en-US"/>
           </a:p>
@@ -1421,7 +1421,7 @@
           <a:p>
             <a:fld id="{3D5FB918-36D9-FF42-B3AA-21D6BEE0D123}" type="datetimeFigureOut">
               <a:rPr lang="en-US" smtClean="0"/>
-              <a:t>8/22/19</a:t>
+              <a:t>9/9/19</a:t>
             </a:fld>
             <a:endParaRPr lang="en-US"/>
           </a:p>
@@ -1833,7 +1833,7 @@
           <a:p>
             <a:fld id="{3D5FB918-36D9-FF42-B3AA-21D6BEE0D123}" type="datetimeFigureOut">
               <a:rPr lang="en-US" smtClean="0"/>
-              <a:t>8/22/19</a:t>
+              <a:t>9/9/19</a:t>
             </a:fld>
             <a:endParaRPr lang="en-US"/>
           </a:p>
@@ -1974,7 +1974,7 @@
           <a:p>
             <a:fld id="{3D5FB918-36D9-FF42-B3AA-21D6BEE0D123}" type="datetimeFigureOut">
               <a:rPr lang="en-US" smtClean="0"/>
-              <a:t>8/22/19</a:t>
+              <a:t>9/9/19</a:t>
             </a:fld>
             <a:endParaRPr lang="en-US"/>
           </a:p>
@@ -2087,7 +2087,7 @@
           <a:p>
             <a:fld id="{3D5FB918-36D9-FF42-B3AA-21D6BEE0D123}" type="datetimeFigureOut">
               <a:rPr lang="en-US" smtClean="0"/>
-              <a:t>8/22/19</a:t>
+              <a:t>9/9/19</a:t>
             </a:fld>
             <a:endParaRPr lang="en-US"/>
           </a:p>
@@ -2398,7 +2398,7 @@
           <a:p>
             <a:fld id="{3D5FB918-36D9-FF42-B3AA-21D6BEE0D123}" type="datetimeFigureOut">
               <a:rPr lang="en-US" smtClean="0"/>
-              <a:t>8/22/19</a:t>
+              <a:t>9/9/19</a:t>
             </a:fld>
             <a:endParaRPr lang="en-US"/>
           </a:p>
@@ -2686,7 +2686,7 @@
           <a:p>
             <a:fld id="{3D5FB918-36D9-FF42-B3AA-21D6BEE0D123}" type="datetimeFigureOut">
               <a:rPr lang="en-US" smtClean="0"/>
-              <a:t>8/22/19</a:t>
+              <a:t>9/9/19</a:t>
             </a:fld>
             <a:endParaRPr lang="en-US"/>
           </a:p>
@@ -2927,7 +2927,7 @@
           <a:p>
             <a:fld id="{3D5FB918-36D9-FF42-B3AA-21D6BEE0D123}" type="datetimeFigureOut">
               <a:rPr lang="en-US" smtClean="0"/>
-              <a:t>8/22/19</a:t>
+              <a:t>9/9/19</a:t>
             </a:fld>
             <a:endParaRPr lang="en-US"/>
           </a:p>
@@ -4906,12 +4906,47 @@
           </a:p>
         </p:txBody>
       </p:sp>
+      <p:sp>
+        <p:nvSpPr>
+          <p:cNvPr id="34" name="TextBox 33">
+            <a:extLst>
+              <a:ext uri="{FF2B5EF4-FFF2-40B4-BE49-F238E27FC236}">
+                <a16:creationId xmlns:a16="http://schemas.microsoft.com/office/drawing/2014/main" id="{E1F6555B-09C9-1B44-A9FD-91090E94BA67}"/>
+              </a:ext>
+            </a:extLst>
+          </p:cNvPr>
+          <p:cNvSpPr txBox="1"/>
+          <p:nvPr/>
+        </p:nvSpPr>
+        <p:spPr>
+          <a:xfrm>
+            <a:off x="6892706" y="820435"/>
+            <a:ext cx="2267759" cy="369332"/>
+          </a:xfrm>
+          <a:prstGeom prst="rect">
+            <a:avLst/>
+          </a:prstGeom>
+          <a:noFill/>
+        </p:spPr>
+        <p:txBody>
+          <a:bodyPr wrap="square" rtlCol="0">
+            <a:spAutoFit/>
+          </a:bodyPr>
+          <a:lstStyle/>
+          <a:p>
+            <a:r>
+              <a:rPr lang="en-US" dirty="0"/>
+              <a:t>SO = Sparse Obstacles</a:t>
+            </a:r>
+          </a:p>
+        </p:txBody>
+      </p:sp>
       <p:grpSp>
         <p:nvGrpSpPr>
-          <p:cNvPr id="33" name="Group 32">
+          <p:cNvPr id="35" name="Group 34">
             <a:extLst>
               <a:ext uri="{FF2B5EF4-FFF2-40B4-BE49-F238E27FC236}">
-                <a16:creationId xmlns:a16="http://schemas.microsoft.com/office/drawing/2014/main" id="{AFA08F16-0772-DA48-9A8D-C23369A0021F}"/>
+                <a16:creationId xmlns:a16="http://schemas.microsoft.com/office/drawing/2014/main" id="{9A838D6C-2A77-5747-B096-9FAB7E914ABB}"/>
               </a:ext>
             </a:extLst>
           </p:cNvPr>
@@ -4920,307 +4955,286 @@
         </p:nvGrpSpPr>
         <p:grpSpPr>
           <a:xfrm>
-            <a:off x="6892707" y="820435"/>
-            <a:ext cx="2566106" cy="369332"/>
-            <a:chOff x="7514448" y="2233629"/>
-            <a:chExt cx="2566106" cy="369332"/>
+            <a:off x="9183625" y="857581"/>
+            <a:ext cx="365760" cy="295041"/>
+            <a:chOff x="7803055" y="2574583"/>
+            <a:chExt cx="365760" cy="295041"/>
           </a:xfrm>
         </p:grpSpPr>
         <p:sp>
           <p:nvSpPr>
-            <p:cNvPr id="34" name="TextBox 33">
-              <a:extLst>
-                <a:ext uri="{FF2B5EF4-FFF2-40B4-BE49-F238E27FC236}">
-                  <a16:creationId xmlns:a16="http://schemas.microsoft.com/office/drawing/2014/main" id="{E1F6555B-09C9-1B44-A9FD-91090E94BA67}"/>
-                </a:ext>
-              </a:extLst>
-            </p:cNvPr>
-            <p:cNvSpPr txBox="1"/>
+            <p:cNvPr id="37" name="Cube 36">
+              <a:extLst>
+                <a:ext uri="{FF2B5EF4-FFF2-40B4-BE49-F238E27FC236}">
+                  <a16:creationId xmlns:a16="http://schemas.microsoft.com/office/drawing/2014/main" id="{3D61C0EA-47EC-DD40-8AFE-A97577625BEA}"/>
+                </a:ext>
+              </a:extLst>
+            </p:cNvPr>
+            <p:cNvSpPr>
+              <a:spLocks noChangeAspect="1"/>
+            </p:cNvSpPr>
             <p:nvPr/>
           </p:nvSpPr>
           <p:spPr>
             <a:xfrm>
-              <a:off x="7514448" y="2233629"/>
-              <a:ext cx="2143498" cy="369332"/>
-            </a:xfrm>
-            <a:prstGeom prst="rect">
-              <a:avLst/>
-            </a:prstGeom>
-            <a:noFill/>
-          </p:spPr>
+              <a:off x="7803055" y="2686744"/>
+              <a:ext cx="182880" cy="182880"/>
+            </a:xfrm>
+            <a:prstGeom prst="cube">
+              <a:avLst/>
+            </a:prstGeom>
+            <a:solidFill>
+              <a:schemeClr val="accent4">
+                <a:lumMod val="75000"/>
+              </a:schemeClr>
+            </a:solidFill>
+            <a:ln>
+              <a:solidFill>
+                <a:schemeClr val="tx1"/>
+              </a:solidFill>
+            </a:ln>
+          </p:spPr>
+          <p:style>
+            <a:lnRef idx="2">
+              <a:schemeClr val="accent1">
+                <a:shade val="50000"/>
+              </a:schemeClr>
+            </a:lnRef>
+            <a:fillRef idx="1">
+              <a:schemeClr val="accent1"/>
+            </a:fillRef>
+            <a:effectRef idx="0">
+              <a:schemeClr val="accent1"/>
+            </a:effectRef>
+            <a:fontRef idx="minor">
+              <a:schemeClr val="lt1"/>
+            </a:fontRef>
+          </p:style>
           <p:txBody>
-            <a:bodyPr wrap="square" rtlCol="0">
-              <a:spAutoFit/>
-            </a:bodyPr>
+            <a:bodyPr rtlCol="0" anchor="ctr"/>
             <a:lstStyle/>
             <a:p>
-              <a:r>
-                <a:rPr lang="en-US" dirty="0"/>
-                <a:t>SO = Sparse Obstacle</a:t>
-              </a:r>
+              <a:pPr algn="ctr"/>
+              <a:endParaRPr lang="en-US"/>
             </a:p>
           </p:txBody>
         </p:sp>
-        <p:grpSp>
-          <p:nvGrpSpPr>
-            <p:cNvPr id="35" name="Group 34">
-              <a:extLst>
-                <a:ext uri="{FF2B5EF4-FFF2-40B4-BE49-F238E27FC236}">
-                  <a16:creationId xmlns:a16="http://schemas.microsoft.com/office/drawing/2014/main" id="{9A838D6C-2A77-5747-B096-9FAB7E914ABB}"/>
-                </a:ext>
-              </a:extLst>
-            </p:cNvPr>
-            <p:cNvGrpSpPr/>
-            <p:nvPr/>
-          </p:nvGrpSpPr>
-          <p:grpSpPr>
+        <p:sp>
+          <p:nvSpPr>
+            <p:cNvPr id="40" name="Cube 39">
+              <a:extLst>
+                <a:ext uri="{FF2B5EF4-FFF2-40B4-BE49-F238E27FC236}">
+                  <a16:creationId xmlns:a16="http://schemas.microsoft.com/office/drawing/2014/main" id="{997EB1CE-44FC-6F48-8486-6651E64E80E8}"/>
+                </a:ext>
+              </a:extLst>
+            </p:cNvPr>
+            <p:cNvSpPr>
+              <a:spLocks noChangeAspect="1"/>
+            </p:cNvSpPr>
+            <p:nvPr/>
+          </p:nvSpPr>
+          <p:spPr>
             <a:xfrm>
-              <a:off x="9714794" y="2270775"/>
-              <a:ext cx="365760" cy="295041"/>
-              <a:chOff x="7803055" y="2574583"/>
-              <a:chExt cx="365760" cy="295041"/>
-            </a:xfrm>
-          </p:grpSpPr>
-          <p:sp>
-            <p:nvSpPr>
-              <p:cNvPr id="37" name="Cube 36">
-                <a:extLst>
-                  <a:ext uri="{FF2B5EF4-FFF2-40B4-BE49-F238E27FC236}">
-                    <a16:creationId xmlns:a16="http://schemas.microsoft.com/office/drawing/2014/main" id="{3D61C0EA-47EC-DD40-8AFE-A97577625BEA}"/>
-                  </a:ext>
-                </a:extLst>
-              </p:cNvPr>
-              <p:cNvSpPr>
-                <a:spLocks noChangeAspect="1"/>
-              </p:cNvSpPr>
-              <p:nvPr/>
-            </p:nvSpPr>
-            <p:spPr>
-              <a:xfrm>
-                <a:off x="7803055" y="2686744"/>
-                <a:ext cx="182880" cy="182880"/>
-              </a:xfrm>
-              <a:prstGeom prst="cube">
-                <a:avLst/>
-              </a:prstGeom>
+              <a:off x="7985935" y="2686744"/>
+              <a:ext cx="182880" cy="182880"/>
+            </a:xfrm>
+            <a:prstGeom prst="cube">
+              <a:avLst/>
+            </a:prstGeom>
+            <a:solidFill>
+              <a:schemeClr val="accent4">
+                <a:lumMod val="75000"/>
+              </a:schemeClr>
+            </a:solidFill>
+            <a:ln>
               <a:solidFill>
-                <a:schemeClr val="accent4">
-                  <a:lumMod val="75000"/>
-                </a:schemeClr>
+                <a:schemeClr val="tx1"/>
               </a:solidFill>
-              <a:ln>
-                <a:solidFill>
-                  <a:schemeClr val="tx1"/>
-                </a:solidFill>
-              </a:ln>
-            </p:spPr>
-            <p:style>
-              <a:lnRef idx="2">
-                <a:schemeClr val="accent1">
-                  <a:shade val="50000"/>
-                </a:schemeClr>
-              </a:lnRef>
-              <a:fillRef idx="1">
-                <a:schemeClr val="accent1"/>
-              </a:fillRef>
-              <a:effectRef idx="0">
-                <a:schemeClr val="accent1"/>
-              </a:effectRef>
-              <a:fontRef idx="minor">
-                <a:schemeClr val="lt1"/>
-              </a:fontRef>
-            </p:style>
-            <p:txBody>
-              <a:bodyPr rtlCol="0" anchor="ctr"/>
-              <a:lstStyle/>
-              <a:p>
-                <a:pPr algn="ctr"/>
-                <a:endParaRPr lang="en-US"/>
-              </a:p>
-            </p:txBody>
-          </p:sp>
-          <p:sp>
-            <p:nvSpPr>
-              <p:cNvPr id="40" name="Cube 39">
-                <a:extLst>
-                  <a:ext uri="{FF2B5EF4-FFF2-40B4-BE49-F238E27FC236}">
-                    <a16:creationId xmlns:a16="http://schemas.microsoft.com/office/drawing/2014/main" id="{997EB1CE-44FC-6F48-8486-6651E64E80E8}"/>
-                  </a:ext>
-                </a:extLst>
-              </p:cNvPr>
-              <p:cNvSpPr>
-                <a:spLocks noChangeAspect="1"/>
-              </p:cNvSpPr>
-              <p:nvPr/>
-            </p:nvSpPr>
-            <p:spPr>
-              <a:xfrm>
-                <a:off x="7985935" y="2686744"/>
-                <a:ext cx="182880" cy="182880"/>
-              </a:xfrm>
-              <a:prstGeom prst="cube">
-                <a:avLst/>
-              </a:prstGeom>
+            </a:ln>
+          </p:spPr>
+          <p:style>
+            <a:lnRef idx="2">
+              <a:schemeClr val="accent1">
+                <a:shade val="50000"/>
+              </a:schemeClr>
+            </a:lnRef>
+            <a:fillRef idx="1">
+              <a:schemeClr val="accent1"/>
+            </a:fillRef>
+            <a:effectRef idx="0">
+              <a:schemeClr val="accent1"/>
+            </a:effectRef>
+            <a:fontRef idx="minor">
+              <a:schemeClr val="lt1"/>
+            </a:fontRef>
+          </p:style>
+          <p:txBody>
+            <a:bodyPr rtlCol="0" anchor="ctr"/>
+            <a:lstStyle/>
+            <a:p>
+              <a:pPr algn="ctr"/>
+              <a:endParaRPr lang="en-US"/>
+            </a:p>
+          </p:txBody>
+        </p:sp>
+        <p:sp>
+          <p:nvSpPr>
+            <p:cNvPr id="41" name="Cube 40">
+              <a:extLst>
+                <a:ext uri="{FF2B5EF4-FFF2-40B4-BE49-F238E27FC236}">
+                  <a16:creationId xmlns:a16="http://schemas.microsoft.com/office/drawing/2014/main" id="{AA5D64CE-4940-8A4A-BA33-EF9A09AF6D67}"/>
+                </a:ext>
+              </a:extLst>
+            </p:cNvPr>
+            <p:cNvSpPr>
+              <a:spLocks noChangeAspect="1"/>
+            </p:cNvSpPr>
+            <p:nvPr/>
+          </p:nvSpPr>
+          <p:spPr>
+            <a:xfrm>
+              <a:off x="7803055" y="2574583"/>
+              <a:ext cx="182880" cy="182880"/>
+            </a:xfrm>
+            <a:prstGeom prst="cube">
+              <a:avLst/>
+            </a:prstGeom>
+            <a:solidFill>
+              <a:schemeClr val="accent4">
+                <a:lumMod val="75000"/>
+              </a:schemeClr>
+            </a:solidFill>
+            <a:ln>
               <a:solidFill>
-                <a:schemeClr val="accent4">
-                  <a:lumMod val="75000"/>
-                </a:schemeClr>
+                <a:schemeClr val="tx1"/>
               </a:solidFill>
-              <a:ln>
-                <a:solidFill>
-                  <a:schemeClr val="tx1"/>
-                </a:solidFill>
-              </a:ln>
-            </p:spPr>
-            <p:style>
-              <a:lnRef idx="2">
-                <a:schemeClr val="accent1">
-                  <a:shade val="50000"/>
-                </a:schemeClr>
-              </a:lnRef>
-              <a:fillRef idx="1">
-                <a:schemeClr val="accent1"/>
-              </a:fillRef>
-              <a:effectRef idx="0">
-                <a:schemeClr val="accent1"/>
-              </a:effectRef>
-              <a:fontRef idx="minor">
-                <a:schemeClr val="lt1"/>
-              </a:fontRef>
-            </p:style>
-            <p:txBody>
-              <a:bodyPr rtlCol="0" anchor="ctr"/>
-              <a:lstStyle/>
-              <a:p>
-                <a:pPr algn="ctr"/>
-                <a:endParaRPr lang="en-US"/>
-              </a:p>
-            </p:txBody>
-          </p:sp>
-          <p:sp>
-            <p:nvSpPr>
-              <p:cNvPr id="41" name="Cube 40">
-                <a:extLst>
-                  <a:ext uri="{FF2B5EF4-FFF2-40B4-BE49-F238E27FC236}">
-                    <a16:creationId xmlns:a16="http://schemas.microsoft.com/office/drawing/2014/main" id="{AA5D64CE-4940-8A4A-BA33-EF9A09AF6D67}"/>
-                  </a:ext>
-                </a:extLst>
-              </p:cNvPr>
-              <p:cNvSpPr>
-                <a:spLocks noChangeAspect="1"/>
-              </p:cNvSpPr>
-              <p:nvPr/>
-            </p:nvSpPr>
-            <p:spPr>
-              <a:xfrm>
-                <a:off x="7803055" y="2574583"/>
-                <a:ext cx="182880" cy="182880"/>
-              </a:xfrm>
-              <a:prstGeom prst="cube">
-                <a:avLst/>
-              </a:prstGeom>
+            </a:ln>
+          </p:spPr>
+          <p:style>
+            <a:lnRef idx="2">
+              <a:schemeClr val="accent1">
+                <a:shade val="50000"/>
+              </a:schemeClr>
+            </a:lnRef>
+            <a:fillRef idx="1">
+              <a:schemeClr val="accent1"/>
+            </a:fillRef>
+            <a:effectRef idx="0">
+              <a:schemeClr val="accent1"/>
+            </a:effectRef>
+            <a:fontRef idx="minor">
+              <a:schemeClr val="lt1"/>
+            </a:fontRef>
+          </p:style>
+          <p:txBody>
+            <a:bodyPr rtlCol="0" anchor="ctr"/>
+            <a:lstStyle/>
+            <a:p>
+              <a:pPr algn="ctr"/>
+              <a:endParaRPr lang="en-US"/>
+            </a:p>
+          </p:txBody>
+        </p:sp>
+        <p:sp>
+          <p:nvSpPr>
+            <p:cNvPr id="42" name="Cube 41">
+              <a:extLst>
+                <a:ext uri="{FF2B5EF4-FFF2-40B4-BE49-F238E27FC236}">
+                  <a16:creationId xmlns:a16="http://schemas.microsoft.com/office/drawing/2014/main" id="{13EC1E27-47E2-9A4C-9222-8D1B4978D1B4}"/>
+                </a:ext>
+              </a:extLst>
+            </p:cNvPr>
+            <p:cNvSpPr>
+              <a:spLocks noChangeAspect="1"/>
+            </p:cNvSpPr>
+            <p:nvPr/>
+          </p:nvSpPr>
+          <p:spPr>
+            <a:xfrm>
+              <a:off x="7985935" y="2574583"/>
+              <a:ext cx="182880" cy="182880"/>
+            </a:xfrm>
+            <a:prstGeom prst="cube">
+              <a:avLst/>
+            </a:prstGeom>
+            <a:solidFill>
+              <a:schemeClr val="accent4">
+                <a:lumMod val="75000"/>
+              </a:schemeClr>
+            </a:solidFill>
+            <a:ln>
               <a:solidFill>
-                <a:schemeClr val="accent4">
-                  <a:lumMod val="75000"/>
-                </a:schemeClr>
+                <a:schemeClr val="tx1"/>
               </a:solidFill>
-              <a:ln>
-                <a:solidFill>
-                  <a:schemeClr val="tx1"/>
-                </a:solidFill>
-              </a:ln>
-            </p:spPr>
-            <p:style>
-              <a:lnRef idx="2">
-                <a:schemeClr val="accent1">
-                  <a:shade val="50000"/>
-                </a:schemeClr>
-              </a:lnRef>
-              <a:fillRef idx="1">
-                <a:schemeClr val="accent1"/>
-              </a:fillRef>
-              <a:effectRef idx="0">
-                <a:schemeClr val="accent1"/>
-              </a:effectRef>
-              <a:fontRef idx="minor">
-                <a:schemeClr val="lt1"/>
-              </a:fontRef>
-            </p:style>
-            <p:txBody>
-              <a:bodyPr rtlCol="0" anchor="ctr"/>
-              <a:lstStyle/>
-              <a:p>
-                <a:pPr algn="ctr"/>
-                <a:endParaRPr lang="en-US"/>
-              </a:p>
-            </p:txBody>
-          </p:sp>
-          <p:sp>
-            <p:nvSpPr>
-              <p:cNvPr id="42" name="Cube 41">
-                <a:extLst>
-                  <a:ext uri="{FF2B5EF4-FFF2-40B4-BE49-F238E27FC236}">
-                    <a16:creationId xmlns:a16="http://schemas.microsoft.com/office/drawing/2014/main" id="{13EC1E27-47E2-9A4C-9222-8D1B4978D1B4}"/>
-                  </a:ext>
-                </a:extLst>
-              </p:cNvPr>
-              <p:cNvSpPr>
-                <a:spLocks noChangeAspect="1"/>
-              </p:cNvSpPr>
-              <p:nvPr/>
-            </p:nvSpPr>
-            <p:spPr>
-              <a:xfrm>
-                <a:off x="7985935" y="2574583"/>
-                <a:ext cx="182880" cy="182880"/>
-              </a:xfrm>
-              <a:prstGeom prst="cube">
-                <a:avLst/>
-              </a:prstGeom>
-              <a:solidFill>
-                <a:schemeClr val="accent4">
-                  <a:lumMod val="75000"/>
-                </a:schemeClr>
-              </a:solidFill>
-              <a:ln>
-                <a:solidFill>
-                  <a:schemeClr val="tx1"/>
-                </a:solidFill>
-              </a:ln>
-            </p:spPr>
-            <p:style>
-              <a:lnRef idx="2">
-                <a:schemeClr val="accent1">
-                  <a:shade val="50000"/>
-                </a:schemeClr>
-              </a:lnRef>
-              <a:fillRef idx="1">
-                <a:schemeClr val="accent1"/>
-              </a:fillRef>
-              <a:effectRef idx="0">
-                <a:schemeClr val="accent1"/>
-              </a:effectRef>
-              <a:fontRef idx="minor">
-                <a:schemeClr val="lt1"/>
-              </a:fontRef>
-            </p:style>
-            <p:txBody>
-              <a:bodyPr rtlCol="0" anchor="ctr"/>
-              <a:lstStyle/>
-              <a:p>
-                <a:pPr algn="ctr"/>
-                <a:endParaRPr lang="en-US"/>
-              </a:p>
-            </p:txBody>
-          </p:sp>
-        </p:grpSp>
+            </a:ln>
+          </p:spPr>
+          <p:style>
+            <a:lnRef idx="2">
+              <a:schemeClr val="accent1">
+                <a:shade val="50000"/>
+              </a:schemeClr>
+            </a:lnRef>
+            <a:fillRef idx="1">
+              <a:schemeClr val="accent1"/>
+            </a:fillRef>
+            <a:effectRef idx="0">
+              <a:schemeClr val="accent1"/>
+            </a:effectRef>
+            <a:fontRef idx="minor">
+              <a:schemeClr val="lt1"/>
+            </a:fontRef>
+          </p:style>
+          <p:txBody>
+            <a:bodyPr rtlCol="0" anchor="ctr"/>
+            <a:lstStyle/>
+            <a:p>
+              <a:pPr algn="ctr"/>
+              <a:endParaRPr lang="en-US"/>
+            </a:p>
+          </p:txBody>
+        </p:sp>
       </p:grpSp>
+      <p:sp>
+        <p:nvSpPr>
+          <p:cNvPr id="44" name="TextBox 43">
+            <a:extLst>
+              <a:ext uri="{FF2B5EF4-FFF2-40B4-BE49-F238E27FC236}">
+                <a16:creationId xmlns:a16="http://schemas.microsoft.com/office/drawing/2014/main" id="{6898D9CE-2F47-4C42-9D29-E7DD1BBDE5E3}"/>
+              </a:ext>
+            </a:extLst>
+          </p:cNvPr>
+          <p:cNvSpPr txBox="1"/>
+          <p:nvPr/>
+        </p:nvSpPr>
+        <p:spPr>
+          <a:xfrm>
+            <a:off x="6892707" y="2082508"/>
+            <a:ext cx="2218614" cy="369332"/>
+          </a:xfrm>
+          <a:prstGeom prst="rect">
+            <a:avLst/>
+          </a:prstGeom>
+          <a:noFill/>
+        </p:spPr>
+        <p:txBody>
+          <a:bodyPr wrap="square" rtlCol="0">
+            <a:spAutoFit/>
+          </a:bodyPr>
+          <a:lstStyle/>
+          <a:p>
+            <a:r>
+              <a:rPr lang="en-US" dirty="0"/>
+              <a:t>DO = Dense Obstacles</a:t>
+            </a:r>
+          </a:p>
+        </p:txBody>
+      </p:sp>
       <p:grpSp>
         <p:nvGrpSpPr>
-          <p:cNvPr id="43" name="Group 42">
+          <p:cNvPr id="45" name="Group 44">
             <a:extLst>
               <a:ext uri="{FF2B5EF4-FFF2-40B4-BE49-F238E27FC236}">
-                <a16:creationId xmlns:a16="http://schemas.microsoft.com/office/drawing/2014/main" id="{2553CF84-1A63-2A41-A870-D4DCA1286DDE}"/>
+                <a16:creationId xmlns:a16="http://schemas.microsoft.com/office/drawing/2014/main" id="{9E16B7EE-6F25-9744-9E52-B3C9A2F0BB2F}"/>
               </a:ext>
             </a:extLst>
           </p:cNvPr>
@@ -5229,532 +5243,476 @@
         </p:nvGrpSpPr>
         <p:grpSpPr>
           <a:xfrm>
-            <a:off x="6892707" y="2082508"/>
-            <a:ext cx="2917172" cy="369332"/>
-            <a:chOff x="7514448" y="3331792"/>
-            <a:chExt cx="2917172" cy="369332"/>
+            <a:off x="9185675" y="2119654"/>
+            <a:ext cx="731520" cy="295041"/>
+            <a:chOff x="9699621" y="3380438"/>
+            <a:chExt cx="731520" cy="295041"/>
           </a:xfrm>
         </p:grpSpPr>
         <p:sp>
           <p:nvSpPr>
-            <p:cNvPr id="44" name="TextBox 43">
-              <a:extLst>
-                <a:ext uri="{FF2B5EF4-FFF2-40B4-BE49-F238E27FC236}">
-                  <a16:creationId xmlns:a16="http://schemas.microsoft.com/office/drawing/2014/main" id="{6898D9CE-2F47-4C42-9D29-E7DD1BBDE5E3}"/>
-                </a:ext>
-              </a:extLst>
-            </p:cNvPr>
-            <p:cNvSpPr txBox="1"/>
+            <p:cNvPr id="46" name="Cube 45">
+              <a:extLst>
+                <a:ext uri="{FF2B5EF4-FFF2-40B4-BE49-F238E27FC236}">
+                  <a16:creationId xmlns:a16="http://schemas.microsoft.com/office/drawing/2014/main" id="{1664A0FF-E295-F74C-BF6B-4B8782C22216}"/>
+                </a:ext>
+              </a:extLst>
+            </p:cNvPr>
+            <p:cNvSpPr>
+              <a:spLocks noChangeAspect="1"/>
+            </p:cNvSpPr>
             <p:nvPr/>
           </p:nvSpPr>
           <p:spPr>
             <a:xfrm>
-              <a:off x="7514448" y="3331792"/>
-              <a:ext cx="2143498" cy="369332"/>
-            </a:xfrm>
-            <a:prstGeom prst="rect">
-              <a:avLst/>
-            </a:prstGeom>
-            <a:noFill/>
-          </p:spPr>
+              <a:off x="9882501" y="3492599"/>
+              <a:ext cx="182880" cy="182880"/>
+            </a:xfrm>
+            <a:prstGeom prst="cube">
+              <a:avLst/>
+            </a:prstGeom>
+            <a:solidFill>
+              <a:schemeClr val="accent4">
+                <a:lumMod val="75000"/>
+              </a:schemeClr>
+            </a:solidFill>
+            <a:ln>
+              <a:solidFill>
+                <a:schemeClr val="tx1"/>
+              </a:solidFill>
+            </a:ln>
+          </p:spPr>
+          <p:style>
+            <a:lnRef idx="2">
+              <a:schemeClr val="accent1">
+                <a:shade val="50000"/>
+              </a:schemeClr>
+            </a:lnRef>
+            <a:fillRef idx="1">
+              <a:schemeClr val="accent1"/>
+            </a:fillRef>
+            <a:effectRef idx="0">
+              <a:schemeClr val="accent1"/>
+            </a:effectRef>
+            <a:fontRef idx="minor">
+              <a:schemeClr val="lt1"/>
+            </a:fontRef>
+          </p:style>
           <p:txBody>
-            <a:bodyPr wrap="square" rtlCol="0">
-              <a:spAutoFit/>
-            </a:bodyPr>
+            <a:bodyPr rtlCol="0" anchor="ctr"/>
             <a:lstStyle/>
             <a:p>
-              <a:r>
-                <a:rPr lang="en-US" dirty="0"/>
-                <a:t>DO = Dense Obstacle</a:t>
-              </a:r>
+              <a:pPr algn="ctr"/>
+              <a:endParaRPr lang="en-US"/>
             </a:p>
           </p:txBody>
         </p:sp>
-        <p:grpSp>
-          <p:nvGrpSpPr>
-            <p:cNvPr id="45" name="Group 44">
-              <a:extLst>
-                <a:ext uri="{FF2B5EF4-FFF2-40B4-BE49-F238E27FC236}">
-                  <a16:creationId xmlns:a16="http://schemas.microsoft.com/office/drawing/2014/main" id="{9E16B7EE-6F25-9744-9E52-B3C9A2F0BB2F}"/>
-                </a:ext>
-              </a:extLst>
-            </p:cNvPr>
-            <p:cNvGrpSpPr/>
-            <p:nvPr/>
-          </p:nvGrpSpPr>
-          <p:grpSpPr>
+        <p:sp>
+          <p:nvSpPr>
+            <p:cNvPr id="47" name="Cube 46">
+              <a:extLst>
+                <a:ext uri="{FF2B5EF4-FFF2-40B4-BE49-F238E27FC236}">
+                  <a16:creationId xmlns:a16="http://schemas.microsoft.com/office/drawing/2014/main" id="{C6E67331-6F66-C647-9D7E-2A3E51877B01}"/>
+                </a:ext>
+              </a:extLst>
+            </p:cNvPr>
+            <p:cNvSpPr>
+              <a:spLocks noChangeAspect="1"/>
+            </p:cNvSpPr>
+            <p:nvPr/>
+          </p:nvSpPr>
+          <p:spPr>
             <a:xfrm>
-              <a:off x="9700100" y="3368938"/>
-              <a:ext cx="731520" cy="295041"/>
-              <a:chOff x="9699621" y="3380438"/>
-              <a:chExt cx="731520" cy="295041"/>
-            </a:xfrm>
-          </p:grpSpPr>
-          <p:sp>
-            <p:nvSpPr>
-              <p:cNvPr id="46" name="Cube 45">
-                <a:extLst>
-                  <a:ext uri="{FF2B5EF4-FFF2-40B4-BE49-F238E27FC236}">
-                    <a16:creationId xmlns:a16="http://schemas.microsoft.com/office/drawing/2014/main" id="{1664A0FF-E295-F74C-BF6B-4B8782C22216}"/>
-                  </a:ext>
-                </a:extLst>
-              </p:cNvPr>
-              <p:cNvSpPr>
-                <a:spLocks noChangeAspect="1"/>
-              </p:cNvSpPr>
-              <p:nvPr/>
-            </p:nvSpPr>
-            <p:spPr>
-              <a:xfrm>
-                <a:off x="9882501" y="3492599"/>
-                <a:ext cx="182880" cy="182880"/>
-              </a:xfrm>
-              <a:prstGeom prst="cube">
-                <a:avLst/>
-              </a:prstGeom>
+              <a:off x="10065381" y="3492599"/>
+              <a:ext cx="182880" cy="182880"/>
+            </a:xfrm>
+            <a:prstGeom prst="cube">
+              <a:avLst/>
+            </a:prstGeom>
+            <a:solidFill>
+              <a:schemeClr val="accent4">
+                <a:lumMod val="75000"/>
+              </a:schemeClr>
+            </a:solidFill>
+            <a:ln>
               <a:solidFill>
-                <a:schemeClr val="accent4">
-                  <a:lumMod val="75000"/>
-                </a:schemeClr>
+                <a:schemeClr val="tx1"/>
               </a:solidFill>
-              <a:ln>
-                <a:solidFill>
-                  <a:schemeClr val="tx1"/>
-                </a:solidFill>
-              </a:ln>
-            </p:spPr>
-            <p:style>
-              <a:lnRef idx="2">
-                <a:schemeClr val="accent1">
-                  <a:shade val="50000"/>
-                </a:schemeClr>
-              </a:lnRef>
-              <a:fillRef idx="1">
-                <a:schemeClr val="accent1"/>
-              </a:fillRef>
-              <a:effectRef idx="0">
-                <a:schemeClr val="accent1"/>
-              </a:effectRef>
-              <a:fontRef idx="minor">
-                <a:schemeClr val="lt1"/>
-              </a:fontRef>
-            </p:style>
-            <p:txBody>
-              <a:bodyPr rtlCol="0" anchor="ctr"/>
-              <a:lstStyle/>
-              <a:p>
-                <a:pPr algn="ctr"/>
-                <a:endParaRPr lang="en-US"/>
-              </a:p>
-            </p:txBody>
-          </p:sp>
-          <p:sp>
-            <p:nvSpPr>
-              <p:cNvPr id="47" name="Cube 46">
-                <a:extLst>
-                  <a:ext uri="{FF2B5EF4-FFF2-40B4-BE49-F238E27FC236}">
-                    <a16:creationId xmlns:a16="http://schemas.microsoft.com/office/drawing/2014/main" id="{C6E67331-6F66-C647-9D7E-2A3E51877B01}"/>
-                  </a:ext>
-                </a:extLst>
-              </p:cNvPr>
-              <p:cNvSpPr>
-                <a:spLocks noChangeAspect="1"/>
-              </p:cNvSpPr>
-              <p:nvPr/>
-            </p:nvSpPr>
-            <p:spPr>
-              <a:xfrm>
-                <a:off x="10065381" y="3492599"/>
-                <a:ext cx="182880" cy="182880"/>
-              </a:xfrm>
-              <a:prstGeom prst="cube">
-                <a:avLst/>
-              </a:prstGeom>
+            </a:ln>
+          </p:spPr>
+          <p:style>
+            <a:lnRef idx="2">
+              <a:schemeClr val="accent1">
+                <a:shade val="50000"/>
+              </a:schemeClr>
+            </a:lnRef>
+            <a:fillRef idx="1">
+              <a:schemeClr val="accent1"/>
+            </a:fillRef>
+            <a:effectRef idx="0">
+              <a:schemeClr val="accent1"/>
+            </a:effectRef>
+            <a:fontRef idx="minor">
+              <a:schemeClr val="lt1"/>
+            </a:fontRef>
+          </p:style>
+          <p:txBody>
+            <a:bodyPr rtlCol="0" anchor="ctr"/>
+            <a:lstStyle/>
+            <a:p>
+              <a:pPr algn="ctr"/>
+              <a:endParaRPr lang="en-US"/>
+            </a:p>
+          </p:txBody>
+        </p:sp>
+        <p:sp>
+          <p:nvSpPr>
+            <p:cNvPr id="48" name="Cube 47">
+              <a:extLst>
+                <a:ext uri="{FF2B5EF4-FFF2-40B4-BE49-F238E27FC236}">
+                  <a16:creationId xmlns:a16="http://schemas.microsoft.com/office/drawing/2014/main" id="{8E1FDF3E-7684-0E45-9A7C-8617D6CA7AEB}"/>
+                </a:ext>
+              </a:extLst>
+            </p:cNvPr>
+            <p:cNvSpPr>
+              <a:spLocks noChangeAspect="1"/>
+            </p:cNvSpPr>
+            <p:nvPr/>
+          </p:nvSpPr>
+          <p:spPr>
+            <a:xfrm>
+              <a:off x="9882501" y="3380438"/>
+              <a:ext cx="182880" cy="182880"/>
+            </a:xfrm>
+            <a:prstGeom prst="cube">
+              <a:avLst/>
+            </a:prstGeom>
+            <a:solidFill>
+              <a:schemeClr val="accent4">
+                <a:lumMod val="75000"/>
+              </a:schemeClr>
+            </a:solidFill>
+            <a:ln>
               <a:solidFill>
-                <a:schemeClr val="accent4">
-                  <a:lumMod val="75000"/>
-                </a:schemeClr>
+                <a:schemeClr val="tx1"/>
               </a:solidFill>
-              <a:ln>
-                <a:solidFill>
-                  <a:schemeClr val="tx1"/>
-                </a:solidFill>
-              </a:ln>
-            </p:spPr>
-            <p:style>
-              <a:lnRef idx="2">
-                <a:schemeClr val="accent1">
-                  <a:shade val="50000"/>
-                </a:schemeClr>
-              </a:lnRef>
-              <a:fillRef idx="1">
-                <a:schemeClr val="accent1"/>
-              </a:fillRef>
-              <a:effectRef idx="0">
-                <a:schemeClr val="accent1"/>
-              </a:effectRef>
-              <a:fontRef idx="minor">
-                <a:schemeClr val="lt1"/>
-              </a:fontRef>
-            </p:style>
-            <p:txBody>
-              <a:bodyPr rtlCol="0" anchor="ctr"/>
-              <a:lstStyle/>
-              <a:p>
-                <a:pPr algn="ctr"/>
-                <a:endParaRPr lang="en-US"/>
-              </a:p>
-            </p:txBody>
-          </p:sp>
-          <p:sp>
-            <p:nvSpPr>
-              <p:cNvPr id="48" name="Cube 47">
-                <a:extLst>
-                  <a:ext uri="{FF2B5EF4-FFF2-40B4-BE49-F238E27FC236}">
-                    <a16:creationId xmlns:a16="http://schemas.microsoft.com/office/drawing/2014/main" id="{8E1FDF3E-7684-0E45-9A7C-8617D6CA7AEB}"/>
-                  </a:ext>
-                </a:extLst>
-              </p:cNvPr>
-              <p:cNvSpPr>
-                <a:spLocks noChangeAspect="1"/>
-              </p:cNvSpPr>
-              <p:nvPr/>
-            </p:nvSpPr>
-            <p:spPr>
-              <a:xfrm>
-                <a:off x="9882501" y="3380438"/>
-                <a:ext cx="182880" cy="182880"/>
-              </a:xfrm>
-              <a:prstGeom prst="cube">
-                <a:avLst/>
-              </a:prstGeom>
+            </a:ln>
+          </p:spPr>
+          <p:style>
+            <a:lnRef idx="2">
+              <a:schemeClr val="accent1">
+                <a:shade val="50000"/>
+              </a:schemeClr>
+            </a:lnRef>
+            <a:fillRef idx="1">
+              <a:schemeClr val="accent1"/>
+            </a:fillRef>
+            <a:effectRef idx="0">
+              <a:schemeClr val="accent1"/>
+            </a:effectRef>
+            <a:fontRef idx="minor">
+              <a:schemeClr val="lt1"/>
+            </a:fontRef>
+          </p:style>
+          <p:txBody>
+            <a:bodyPr rtlCol="0" anchor="ctr"/>
+            <a:lstStyle/>
+            <a:p>
+              <a:pPr algn="ctr"/>
+              <a:endParaRPr lang="en-US"/>
+            </a:p>
+          </p:txBody>
+        </p:sp>
+        <p:sp>
+          <p:nvSpPr>
+            <p:cNvPr id="49" name="Cube 48">
+              <a:extLst>
+                <a:ext uri="{FF2B5EF4-FFF2-40B4-BE49-F238E27FC236}">
+                  <a16:creationId xmlns:a16="http://schemas.microsoft.com/office/drawing/2014/main" id="{8638F6EF-1B63-2848-BAA3-1486E964BDEF}"/>
+                </a:ext>
+              </a:extLst>
+            </p:cNvPr>
+            <p:cNvSpPr>
+              <a:spLocks noChangeAspect="1"/>
+            </p:cNvSpPr>
+            <p:nvPr/>
+          </p:nvSpPr>
+          <p:spPr>
+            <a:xfrm>
+              <a:off x="10065381" y="3380438"/>
+              <a:ext cx="182880" cy="182880"/>
+            </a:xfrm>
+            <a:prstGeom prst="cube">
+              <a:avLst/>
+            </a:prstGeom>
+            <a:solidFill>
+              <a:schemeClr val="accent4">
+                <a:lumMod val="75000"/>
+              </a:schemeClr>
+            </a:solidFill>
+            <a:ln>
               <a:solidFill>
-                <a:schemeClr val="accent4">
-                  <a:lumMod val="75000"/>
-                </a:schemeClr>
+                <a:schemeClr val="tx1"/>
               </a:solidFill>
-              <a:ln>
-                <a:solidFill>
-                  <a:schemeClr val="tx1"/>
-                </a:solidFill>
-              </a:ln>
-            </p:spPr>
-            <p:style>
-              <a:lnRef idx="2">
-                <a:schemeClr val="accent1">
-                  <a:shade val="50000"/>
-                </a:schemeClr>
-              </a:lnRef>
-              <a:fillRef idx="1">
-                <a:schemeClr val="accent1"/>
-              </a:fillRef>
-              <a:effectRef idx="0">
-                <a:schemeClr val="accent1"/>
-              </a:effectRef>
-              <a:fontRef idx="minor">
-                <a:schemeClr val="lt1"/>
-              </a:fontRef>
-            </p:style>
-            <p:txBody>
-              <a:bodyPr rtlCol="0" anchor="ctr"/>
-              <a:lstStyle/>
-              <a:p>
-                <a:pPr algn="ctr"/>
-                <a:endParaRPr lang="en-US"/>
-              </a:p>
-            </p:txBody>
-          </p:sp>
-          <p:sp>
-            <p:nvSpPr>
-              <p:cNvPr id="49" name="Cube 48">
-                <a:extLst>
-                  <a:ext uri="{FF2B5EF4-FFF2-40B4-BE49-F238E27FC236}">
-                    <a16:creationId xmlns:a16="http://schemas.microsoft.com/office/drawing/2014/main" id="{8638F6EF-1B63-2848-BAA3-1486E964BDEF}"/>
-                  </a:ext>
-                </a:extLst>
-              </p:cNvPr>
-              <p:cNvSpPr>
-                <a:spLocks noChangeAspect="1"/>
-              </p:cNvSpPr>
-              <p:nvPr/>
-            </p:nvSpPr>
-            <p:spPr>
-              <a:xfrm>
-                <a:off x="10065381" y="3380438"/>
-                <a:ext cx="182880" cy="182880"/>
-              </a:xfrm>
-              <a:prstGeom prst="cube">
-                <a:avLst/>
-              </a:prstGeom>
+            </a:ln>
+          </p:spPr>
+          <p:style>
+            <a:lnRef idx="2">
+              <a:schemeClr val="accent1">
+                <a:shade val="50000"/>
+              </a:schemeClr>
+            </a:lnRef>
+            <a:fillRef idx="1">
+              <a:schemeClr val="accent1"/>
+            </a:fillRef>
+            <a:effectRef idx="0">
+              <a:schemeClr val="accent1"/>
+            </a:effectRef>
+            <a:fontRef idx="minor">
+              <a:schemeClr val="lt1"/>
+            </a:fontRef>
+          </p:style>
+          <p:txBody>
+            <a:bodyPr rtlCol="0" anchor="ctr"/>
+            <a:lstStyle/>
+            <a:p>
+              <a:pPr algn="ctr"/>
+              <a:endParaRPr lang="en-US"/>
+            </a:p>
+          </p:txBody>
+        </p:sp>
+        <p:sp>
+          <p:nvSpPr>
+            <p:cNvPr id="50" name="Cube 49">
+              <a:extLst>
+                <a:ext uri="{FF2B5EF4-FFF2-40B4-BE49-F238E27FC236}">
+                  <a16:creationId xmlns:a16="http://schemas.microsoft.com/office/drawing/2014/main" id="{7A9025E2-87FE-614D-84C1-38E32C02FE3F}"/>
+                </a:ext>
+              </a:extLst>
+            </p:cNvPr>
+            <p:cNvSpPr>
+              <a:spLocks noChangeAspect="1"/>
+            </p:cNvSpPr>
+            <p:nvPr/>
+          </p:nvSpPr>
+          <p:spPr>
+            <a:xfrm>
+              <a:off x="10248261" y="3492599"/>
+              <a:ext cx="182880" cy="182880"/>
+            </a:xfrm>
+            <a:prstGeom prst="cube">
+              <a:avLst/>
+            </a:prstGeom>
+            <a:solidFill>
+              <a:schemeClr val="accent4">
+                <a:lumMod val="75000"/>
+              </a:schemeClr>
+            </a:solidFill>
+            <a:ln>
               <a:solidFill>
-                <a:schemeClr val="accent4">
-                  <a:lumMod val="75000"/>
-                </a:schemeClr>
+                <a:schemeClr val="tx1"/>
               </a:solidFill>
-              <a:ln>
-                <a:solidFill>
-                  <a:schemeClr val="tx1"/>
-                </a:solidFill>
-              </a:ln>
-            </p:spPr>
-            <p:style>
-              <a:lnRef idx="2">
-                <a:schemeClr val="accent1">
-                  <a:shade val="50000"/>
-                </a:schemeClr>
-              </a:lnRef>
-              <a:fillRef idx="1">
-                <a:schemeClr val="accent1"/>
-              </a:fillRef>
-              <a:effectRef idx="0">
-                <a:schemeClr val="accent1"/>
-              </a:effectRef>
-              <a:fontRef idx="minor">
-                <a:schemeClr val="lt1"/>
-              </a:fontRef>
-            </p:style>
-            <p:txBody>
-              <a:bodyPr rtlCol="0" anchor="ctr"/>
-              <a:lstStyle/>
-              <a:p>
-                <a:pPr algn="ctr"/>
-                <a:endParaRPr lang="en-US"/>
-              </a:p>
-            </p:txBody>
-          </p:sp>
-          <p:sp>
-            <p:nvSpPr>
-              <p:cNvPr id="50" name="Cube 49">
-                <a:extLst>
-                  <a:ext uri="{FF2B5EF4-FFF2-40B4-BE49-F238E27FC236}">
-                    <a16:creationId xmlns:a16="http://schemas.microsoft.com/office/drawing/2014/main" id="{7A9025E2-87FE-614D-84C1-38E32C02FE3F}"/>
-                  </a:ext>
-                </a:extLst>
-              </p:cNvPr>
-              <p:cNvSpPr>
-                <a:spLocks noChangeAspect="1"/>
-              </p:cNvSpPr>
-              <p:nvPr/>
-            </p:nvSpPr>
-            <p:spPr>
-              <a:xfrm>
-                <a:off x="10248261" y="3492599"/>
-                <a:ext cx="182880" cy="182880"/>
-              </a:xfrm>
-              <a:prstGeom prst="cube">
-                <a:avLst/>
-              </a:prstGeom>
+            </a:ln>
+          </p:spPr>
+          <p:style>
+            <a:lnRef idx="2">
+              <a:schemeClr val="accent1">
+                <a:shade val="50000"/>
+              </a:schemeClr>
+            </a:lnRef>
+            <a:fillRef idx="1">
+              <a:schemeClr val="accent1"/>
+            </a:fillRef>
+            <a:effectRef idx="0">
+              <a:schemeClr val="accent1"/>
+            </a:effectRef>
+            <a:fontRef idx="minor">
+              <a:schemeClr val="lt1"/>
+            </a:fontRef>
+          </p:style>
+          <p:txBody>
+            <a:bodyPr rtlCol="0" anchor="ctr"/>
+            <a:lstStyle/>
+            <a:p>
+              <a:pPr algn="ctr"/>
+              <a:endParaRPr lang="en-US"/>
+            </a:p>
+          </p:txBody>
+        </p:sp>
+        <p:sp>
+          <p:nvSpPr>
+            <p:cNvPr id="51" name="Cube 50">
+              <a:extLst>
+                <a:ext uri="{FF2B5EF4-FFF2-40B4-BE49-F238E27FC236}">
+                  <a16:creationId xmlns:a16="http://schemas.microsoft.com/office/drawing/2014/main" id="{E9F55841-4E69-3B40-97D7-87954B5DA90A}"/>
+                </a:ext>
+              </a:extLst>
+            </p:cNvPr>
+            <p:cNvSpPr>
+              <a:spLocks noChangeAspect="1"/>
+            </p:cNvSpPr>
+            <p:nvPr/>
+          </p:nvSpPr>
+          <p:spPr>
+            <a:xfrm>
+              <a:off x="10248261" y="3380438"/>
+              <a:ext cx="182880" cy="182880"/>
+            </a:xfrm>
+            <a:prstGeom prst="cube">
+              <a:avLst/>
+            </a:prstGeom>
+            <a:solidFill>
+              <a:schemeClr val="accent4">
+                <a:lumMod val="75000"/>
+              </a:schemeClr>
+            </a:solidFill>
+            <a:ln>
               <a:solidFill>
-                <a:schemeClr val="accent4">
-                  <a:lumMod val="75000"/>
-                </a:schemeClr>
+                <a:schemeClr val="tx1"/>
               </a:solidFill>
-              <a:ln>
-                <a:solidFill>
-                  <a:schemeClr val="tx1"/>
-                </a:solidFill>
-              </a:ln>
-            </p:spPr>
-            <p:style>
-              <a:lnRef idx="2">
-                <a:schemeClr val="accent1">
-                  <a:shade val="50000"/>
-                </a:schemeClr>
-              </a:lnRef>
-              <a:fillRef idx="1">
-                <a:schemeClr val="accent1"/>
-              </a:fillRef>
-              <a:effectRef idx="0">
-                <a:schemeClr val="accent1"/>
-              </a:effectRef>
-              <a:fontRef idx="minor">
-                <a:schemeClr val="lt1"/>
-              </a:fontRef>
-            </p:style>
-            <p:txBody>
-              <a:bodyPr rtlCol="0" anchor="ctr"/>
-              <a:lstStyle/>
-              <a:p>
-                <a:pPr algn="ctr"/>
-                <a:endParaRPr lang="en-US"/>
-              </a:p>
-            </p:txBody>
-          </p:sp>
-          <p:sp>
-            <p:nvSpPr>
-              <p:cNvPr id="51" name="Cube 50">
-                <a:extLst>
-                  <a:ext uri="{FF2B5EF4-FFF2-40B4-BE49-F238E27FC236}">
-                    <a16:creationId xmlns:a16="http://schemas.microsoft.com/office/drawing/2014/main" id="{E9F55841-4E69-3B40-97D7-87954B5DA90A}"/>
-                  </a:ext>
-                </a:extLst>
-              </p:cNvPr>
-              <p:cNvSpPr>
-                <a:spLocks noChangeAspect="1"/>
-              </p:cNvSpPr>
-              <p:nvPr/>
-            </p:nvSpPr>
-            <p:spPr>
-              <a:xfrm>
-                <a:off x="10248261" y="3380438"/>
-                <a:ext cx="182880" cy="182880"/>
-              </a:xfrm>
-              <a:prstGeom prst="cube">
-                <a:avLst/>
-              </a:prstGeom>
+            </a:ln>
+          </p:spPr>
+          <p:style>
+            <a:lnRef idx="2">
+              <a:schemeClr val="accent1">
+                <a:shade val="50000"/>
+              </a:schemeClr>
+            </a:lnRef>
+            <a:fillRef idx="1">
+              <a:schemeClr val="accent1"/>
+            </a:fillRef>
+            <a:effectRef idx="0">
+              <a:schemeClr val="accent1"/>
+            </a:effectRef>
+            <a:fontRef idx="minor">
+              <a:schemeClr val="lt1"/>
+            </a:fontRef>
+          </p:style>
+          <p:txBody>
+            <a:bodyPr rtlCol="0" anchor="ctr"/>
+            <a:lstStyle/>
+            <a:p>
+              <a:pPr algn="ctr"/>
+              <a:endParaRPr lang="en-US"/>
+            </a:p>
+          </p:txBody>
+        </p:sp>
+        <p:sp>
+          <p:nvSpPr>
+            <p:cNvPr id="52" name="Cube 51">
+              <a:extLst>
+                <a:ext uri="{FF2B5EF4-FFF2-40B4-BE49-F238E27FC236}">
+                  <a16:creationId xmlns:a16="http://schemas.microsoft.com/office/drawing/2014/main" id="{24606CA5-A4E6-C94F-A9C3-DD8EED231D2D}"/>
+                </a:ext>
+              </a:extLst>
+            </p:cNvPr>
+            <p:cNvSpPr>
+              <a:spLocks noChangeAspect="1"/>
+            </p:cNvSpPr>
+            <p:nvPr/>
+          </p:nvSpPr>
+          <p:spPr>
+            <a:xfrm>
+              <a:off x="9699621" y="3492599"/>
+              <a:ext cx="182880" cy="182880"/>
+            </a:xfrm>
+            <a:prstGeom prst="cube">
+              <a:avLst/>
+            </a:prstGeom>
+            <a:solidFill>
+              <a:schemeClr val="accent4">
+                <a:lumMod val="75000"/>
+              </a:schemeClr>
+            </a:solidFill>
+            <a:ln>
               <a:solidFill>
-                <a:schemeClr val="accent4">
-                  <a:lumMod val="75000"/>
-                </a:schemeClr>
+                <a:schemeClr val="tx1"/>
               </a:solidFill>
-              <a:ln>
-                <a:solidFill>
-                  <a:schemeClr val="tx1"/>
-                </a:solidFill>
-              </a:ln>
-            </p:spPr>
-            <p:style>
-              <a:lnRef idx="2">
-                <a:schemeClr val="accent1">
-                  <a:shade val="50000"/>
-                </a:schemeClr>
-              </a:lnRef>
-              <a:fillRef idx="1">
-                <a:schemeClr val="accent1"/>
-              </a:fillRef>
-              <a:effectRef idx="0">
-                <a:schemeClr val="accent1"/>
-              </a:effectRef>
-              <a:fontRef idx="minor">
-                <a:schemeClr val="lt1"/>
-              </a:fontRef>
-            </p:style>
-            <p:txBody>
-              <a:bodyPr rtlCol="0" anchor="ctr"/>
-              <a:lstStyle/>
-              <a:p>
-                <a:pPr algn="ctr"/>
-                <a:endParaRPr lang="en-US"/>
-              </a:p>
-            </p:txBody>
-          </p:sp>
-          <p:sp>
-            <p:nvSpPr>
-              <p:cNvPr id="52" name="Cube 51">
-                <a:extLst>
-                  <a:ext uri="{FF2B5EF4-FFF2-40B4-BE49-F238E27FC236}">
-                    <a16:creationId xmlns:a16="http://schemas.microsoft.com/office/drawing/2014/main" id="{24606CA5-A4E6-C94F-A9C3-DD8EED231D2D}"/>
-                  </a:ext>
-                </a:extLst>
-              </p:cNvPr>
-              <p:cNvSpPr>
-                <a:spLocks noChangeAspect="1"/>
-              </p:cNvSpPr>
-              <p:nvPr/>
-            </p:nvSpPr>
-            <p:spPr>
-              <a:xfrm>
-                <a:off x="9699621" y="3492599"/>
-                <a:ext cx="182880" cy="182880"/>
-              </a:xfrm>
-              <a:prstGeom prst="cube">
-                <a:avLst/>
-              </a:prstGeom>
+            </a:ln>
+          </p:spPr>
+          <p:style>
+            <a:lnRef idx="2">
+              <a:schemeClr val="accent1">
+                <a:shade val="50000"/>
+              </a:schemeClr>
+            </a:lnRef>
+            <a:fillRef idx="1">
+              <a:schemeClr val="accent1"/>
+            </a:fillRef>
+            <a:effectRef idx="0">
+              <a:schemeClr val="accent1"/>
+            </a:effectRef>
+            <a:fontRef idx="minor">
+              <a:schemeClr val="lt1"/>
+            </a:fontRef>
+          </p:style>
+          <p:txBody>
+            <a:bodyPr rtlCol="0" anchor="ctr"/>
+            <a:lstStyle/>
+            <a:p>
+              <a:pPr algn="ctr"/>
+              <a:endParaRPr lang="en-US"/>
+            </a:p>
+          </p:txBody>
+        </p:sp>
+        <p:sp>
+          <p:nvSpPr>
+            <p:cNvPr id="53" name="Cube 52">
+              <a:extLst>
+                <a:ext uri="{FF2B5EF4-FFF2-40B4-BE49-F238E27FC236}">
+                  <a16:creationId xmlns:a16="http://schemas.microsoft.com/office/drawing/2014/main" id="{FE43F13E-D15C-6B4D-91B6-77C55CC29A9B}"/>
+                </a:ext>
+              </a:extLst>
+            </p:cNvPr>
+            <p:cNvSpPr>
+              <a:spLocks noChangeAspect="1"/>
+            </p:cNvSpPr>
+            <p:nvPr/>
+          </p:nvSpPr>
+          <p:spPr>
+            <a:xfrm>
+              <a:off x="9699621" y="3380438"/>
+              <a:ext cx="182880" cy="182880"/>
+            </a:xfrm>
+            <a:prstGeom prst="cube">
+              <a:avLst/>
+            </a:prstGeom>
+            <a:solidFill>
+              <a:schemeClr val="accent4">
+                <a:lumMod val="75000"/>
+              </a:schemeClr>
+            </a:solidFill>
+            <a:ln>
               <a:solidFill>
-                <a:schemeClr val="accent4">
-                  <a:lumMod val="75000"/>
-                </a:schemeClr>
+                <a:schemeClr val="tx1"/>
               </a:solidFill>
-              <a:ln>
-                <a:solidFill>
-                  <a:schemeClr val="tx1"/>
-                </a:solidFill>
-              </a:ln>
-            </p:spPr>
-            <p:style>
-              <a:lnRef idx="2">
-                <a:schemeClr val="accent1">
-                  <a:shade val="50000"/>
-                </a:schemeClr>
-              </a:lnRef>
-              <a:fillRef idx="1">
-                <a:schemeClr val="accent1"/>
-              </a:fillRef>
-              <a:effectRef idx="0">
-                <a:schemeClr val="accent1"/>
-              </a:effectRef>
-              <a:fontRef idx="minor">
-                <a:schemeClr val="lt1"/>
-              </a:fontRef>
-            </p:style>
-            <p:txBody>
-              <a:bodyPr rtlCol="0" anchor="ctr"/>
-              <a:lstStyle/>
-              <a:p>
-                <a:pPr algn="ctr"/>
-                <a:endParaRPr lang="en-US"/>
-              </a:p>
-            </p:txBody>
-          </p:sp>
-          <p:sp>
-            <p:nvSpPr>
-              <p:cNvPr id="53" name="Cube 52">
-                <a:extLst>
-                  <a:ext uri="{FF2B5EF4-FFF2-40B4-BE49-F238E27FC236}">
-                    <a16:creationId xmlns:a16="http://schemas.microsoft.com/office/drawing/2014/main" id="{FE43F13E-D15C-6B4D-91B6-77C55CC29A9B}"/>
-                  </a:ext>
-                </a:extLst>
-              </p:cNvPr>
-              <p:cNvSpPr>
-                <a:spLocks noChangeAspect="1"/>
-              </p:cNvSpPr>
-              <p:nvPr/>
-            </p:nvSpPr>
-            <p:spPr>
-              <a:xfrm>
-                <a:off x="9699621" y="3380438"/>
-                <a:ext cx="182880" cy="182880"/>
-              </a:xfrm>
-              <a:prstGeom prst="cube">
-                <a:avLst/>
-              </a:prstGeom>
-              <a:solidFill>
-                <a:schemeClr val="accent4">
-                  <a:lumMod val="75000"/>
-                </a:schemeClr>
-              </a:solidFill>
-              <a:ln>
-                <a:solidFill>
-                  <a:schemeClr val="tx1"/>
-                </a:solidFill>
-              </a:ln>
-            </p:spPr>
-            <p:style>
-              <a:lnRef idx="2">
-                <a:schemeClr val="accent1">
-                  <a:shade val="50000"/>
-                </a:schemeClr>
-              </a:lnRef>
-              <a:fillRef idx="1">
-                <a:schemeClr val="accent1"/>
-              </a:fillRef>
-              <a:effectRef idx="0">
-                <a:schemeClr val="accent1"/>
-              </a:effectRef>
-              <a:fontRef idx="minor">
-                <a:schemeClr val="lt1"/>
-              </a:fontRef>
-            </p:style>
-            <p:txBody>
-              <a:bodyPr rtlCol="0" anchor="ctr"/>
-              <a:lstStyle/>
-              <a:p>
-                <a:pPr algn="ctr"/>
-                <a:endParaRPr lang="en-US"/>
-              </a:p>
-            </p:txBody>
-          </p:sp>
-        </p:grpSp>
+            </a:ln>
+          </p:spPr>
+          <p:style>
+            <a:lnRef idx="2">
+              <a:schemeClr val="accent1">
+                <a:shade val="50000"/>
+              </a:schemeClr>
+            </a:lnRef>
+            <a:fillRef idx="1">
+              <a:schemeClr val="accent1"/>
+            </a:fillRef>
+            <a:effectRef idx="0">
+              <a:schemeClr val="accent1"/>
+            </a:effectRef>
+            <a:fontRef idx="minor">
+              <a:schemeClr val="lt1"/>
+            </a:fontRef>
+          </p:style>
+          <p:txBody>
+            <a:bodyPr rtlCol="0" anchor="ctr"/>
+            <a:lstStyle/>
+            <a:p>
+              <a:pPr algn="ctr"/>
+              <a:endParaRPr lang="en-US"/>
+            </a:p>
+          </p:txBody>
+        </p:sp>
       </p:grpSp>
       <p:sp>
         <p:nvSpPr>
@@ -5871,7 +5829,7 @@
           <p:nvPr>
             <p:extLst>
               <p:ext uri="{D42A27DB-BD31-4B8C-83A1-F6EECF244321}">
-                <p14:modId xmlns:p14="http://schemas.microsoft.com/office/powerpoint/2010/main" val="1717341180"/>
+                <p14:modId xmlns:p14="http://schemas.microsoft.com/office/powerpoint/2010/main" val="3273051655"/>
               </p:ext>
             </p:extLst>
           </p:nvPr>
@@ -5971,7 +5929,7 @@
                     <a:lstStyle/>
                     <a:p>
                       <a:r>
-                        <a:rPr lang="en-US" sz="2400" b="1" dirty="0"/>
+                        <a:rPr lang="en-US" sz="2200" b="1" dirty="0"/>
                         <a:t>No Obstacle</a:t>
                       </a:r>
                     </a:p>
@@ -6011,8 +5969,8 @@
                     <a:lstStyle/>
                     <a:p>
                       <a:r>
-                        <a:rPr lang="en-US" sz="2400" b="1" dirty="0"/>
-                        <a:t>Sparse Obstacle</a:t>
+                        <a:rPr lang="en-US" sz="2200" b="1" dirty="0"/>
+                        <a:t>Sparse Obstacles</a:t>
                       </a:r>
                     </a:p>
                   </a:txBody>
@@ -6051,8 +6009,8 @@
                     <a:lstStyle/>
                     <a:p>
                       <a:r>
-                        <a:rPr lang="en-US" sz="2400" b="1" dirty="0"/>
-                        <a:t>Dense Obstacle</a:t>
+                        <a:rPr lang="en-US" sz="2200" b="1" dirty="0"/>
+                        <a:t>Dense Obstacles</a:t>
                       </a:r>
                     </a:p>
                   </a:txBody>
@@ -26539,7 +26497,7 @@
         <p:spPr>
           <a:xfrm>
             <a:off x="3359575" y="0"/>
-            <a:ext cx="1668149" cy="369332"/>
+            <a:ext cx="1757917" cy="369332"/>
           </a:xfrm>
           <a:prstGeom prst="rect">
             <a:avLst/>
@@ -26554,7 +26512,7 @@
           <a:p>
             <a:r>
               <a:rPr lang="en-US" dirty="0"/>
-              <a:t>Sparse Obstacle</a:t>
+              <a:t>Sparse Obstacles</a:t>
             </a:r>
           </a:p>
         </p:txBody>
@@ -26574,7 +26532,7 @@
         <p:spPr>
           <a:xfrm>
             <a:off x="2993815" y="3285849"/>
-            <a:ext cx="1633652" cy="369332"/>
+            <a:ext cx="1723421" cy="369332"/>
           </a:xfrm>
           <a:prstGeom prst="rect">
             <a:avLst/>
@@ -26589,7 +26547,7 @@
           <a:p>
             <a:r>
               <a:rPr lang="en-US" dirty="0"/>
-              <a:t>Dense Obstacle</a:t>
+              <a:t>Dense Obstacles</a:t>
             </a:r>
           </a:p>
         </p:txBody>
@@ -26611,8 +26569,8 @@
         </p:nvCxnSpPr>
         <p:spPr>
           <a:xfrm rot="16200000" flipH="1">
-            <a:off x="4178812" y="384169"/>
-            <a:ext cx="463495" cy="433819"/>
+            <a:off x="4201254" y="406611"/>
+            <a:ext cx="463494" cy="388935"/>
           </a:xfrm>
           <a:prstGeom prst="curvedConnector3">
             <a:avLst>
@@ -26658,8 +26616,8 @@
         </p:nvCxnSpPr>
         <p:spPr>
           <a:xfrm rot="16200000" flipV="1">
-            <a:off x="3082534" y="2557741"/>
-            <a:ext cx="832825" cy="623391"/>
+            <a:off x="3104977" y="2535300"/>
+            <a:ext cx="832824" cy="668274"/>
           </a:xfrm>
           <a:prstGeom prst="curvedConnector3">
             <a:avLst/>
